--- a/Whiteboard.pptx
+++ b/Whiteboard.pptx
@@ -1498,6 +1498,236 @@
 </inkml:ink>
 </file>
 
+<file path=ppt/ink/ink133.xml><?xml version="1.0" encoding="utf-8"?>
+<inkml:ink xmlns:inkml="http://www.w3.org/2003/InkML">
+  <inkml:definitions>
+    <inkml:context xml:id="ctx0">
+      <inkml:inkSource xml:id="inkSrc0">
+        <inkml:traceFormat>
+          <inkml:channel name="X" type="integer" max="1920" units="cm"/>
+          <inkml:channel name="Y" type="integer" max="1080" units="cm"/>
+          <inkml:channel name="T" type="integer" max="2.14748E9" units="dev"/>
+        </inkml:traceFormat>
+        <inkml:channelProperties>
+          <inkml:channelProperty channel="X" name="resolution" value="55.81395" units="1/cm"/>
+          <inkml:channelProperty channel="Y" name="resolution" value="55.6701" units="1/cm"/>
+          <inkml:channelProperty channel="T" name="resolution" value="1" units="1/dev"/>
+        </inkml:channelProperties>
+      </inkml:inkSource>
+      <inkml:timestamp xml:id="ts0" timeString="2020-12-15T07:34:45.316"/>
+    </inkml:context>
+    <inkml:brush xml:id="br0">
+      <inkml:brushProperty name="width" value="0.05" units="cm"/>
+      <inkml:brushProperty name="height" value="0.05" units="cm"/>
+      <inkml:brushProperty name="fitToCurve" value="1"/>
+    </inkml:brush>
+  </inkml:definitions>
+  <inkml:trace contextRef="#ctx0" brushRef="#br0">244 636 0,'0'-24'47,"0"48"15,0 1-62,0-1 16,-24 25-16,24-25 16,0 25-16,0 0 0,-25 24 15,25-24-15,-24 24 16,24 1-16,-25-1 0,25-24 16,-24 24-16,0-24 15,-1 0-15,1 0 0,24-1 16,-25-23-16,25-1 0,-24 1 15,24-1-15,0-48 32,0-1-32,24 1 15,1-25-15,-25 0 0,24-24 16,1 0-16,-25-25 0,24 0 16,-24 0-16,0 1 15,24-1-15,-24 0 0,25 25 16,-1 0-16,1 24 0,-1 25 15,0-25-15,25 49 16,-24 0-16,24 0 0,-1 0 16,-23 24-16,24 25 15,0 0-15,-25 0 0,0 24 16,1 0-16,-1 0 0,1 1 16,-25 23-16,0-23 15,0-1-15,0 0 0,0 1 16,-25-26-16,25 1 15,0 0-15,-24 0 0,24 0 16,0-25-16,0 1 16</inkml:trace>
+  <inkml:trace contextRef="#ctx0" brushRef="#br0" timeOffset="208">220 1247 0,'-25'0'0,"1"0"16,-1 0-16,50 0 15,-1-25 1,1 25-16,23-24 16,1-1-16,0 25 0,24-24 15,-24 24-15,0-24 16,0 24-16</inkml:trace>
+  <inkml:trace contextRef="#ctx0" brushRef="#br0" timeOffset="526">1074 661 0,'-24'-25'0,"0"25"31,48 0-15,-24 25-16,0 23 16,24 1-16,-24 0 15,25 0-15,-25 24 0,0 0 16,0 1-16,0-1 0,0 0 15,0 1-15,-25-1 16,25 0-16,-24-24 0,24 0 16,-24 0-16,24-1 15,0-23-15</inkml:trace>
+  <inkml:trace contextRef="#ctx0" brushRef="#br0" timeOffset="798">1441 685 0,'0'-24'0,"0"-1"16,0 50 0,0-1-1,0 0-15,24 1 0,-24 24 16,0 0-16,25-1 15,-25 26-15,0-1 0,0 0 16,0-24-16,0 24 16,-25 1-16,25-26 0,0 1 15,0 0-15,-24-25 0,24 25 16,0-24-16,0-1 16</inkml:trace>
+  <inkml:trace contextRef="#ctx0" brushRef="#br0" timeOffset="1241">2051 1173 0,'0'-24'16,"-24"0"-16,24-1 15,-24 1-15,-1-1 16,1 25-16,-1 0 16,1 25-16,24-1 0,-25 1 15,1 23-15,0-23 16,24 24-16,-25 0 0,25-1 16,0 1-16,0 0 0,0 0 15,0 0-15,0-25 16,25 1-16,-25-1 0,24-24 15,25 0-15,-25 0 16,25-24-16,-24-1 0,23 1 16,1-1-16,-24-23 0,-1-1 15,0 0-15,-24-24 16,0 24-16,0 0 0,-24 0 16,0 0-16,-1 0 15,1 25-15,-1 24 0,1 0 16,0 0-16,24 24 15,0 1 1,24-1-16</inkml:trace>
+  <inkml:trace contextRef="#ctx0" brushRef="#br0" timeOffset="1583">2979 1125 0,'0'-25'15,"0"1"1,0-1-16,0 1 16,-24-1-16,24 1 0,-24 0 15,24-1-15,-25 1 0,1 24 16,-1-25-16,1 25 15,-1 25-15,1-1 0,-25 1 16,25-1-16,-1 25 16,1 0-16,0 0 0,-1-1 15,1 26-15,24-25 0,0-1 16,0 1-16,24-24 16,1 24-16,-1-25 0,25 0 15,0-24-15,-1 0 0,26 0 16</inkml:trace>
+  <inkml:trace contextRef="#ctx0" brushRef="#br0" timeOffset="2250">3590 1076 0,'24'-25'16,"-24"-24"-16,25 25 0,-25 0 15,0-1 1,-25 25-16,25-24 0,-24 24 15,0 0-15,-25 0 0,24 24 16,1 1-16,-25-1 16,0 0-16,25 1 0,-1-1 15,1 25-15,-1 0 16,1 0-16,24-25 0,0 25 16,0-24-16,0 23 0,24-23 15,1-25-15,-1 24 16,25 1-16,-24-25 0,23 0 15,-23 0-15,24-25 16,-25 25-16,1-24 0,23-1 16,-23 1-16,-1-25 0,-24 25 15,25-1-15,-25-24 16,24 25-16,-24 0 0,0-1 16,0 50 15,0-1-31,0 0 0,0 25 15,0-24-15,0 24 16,25-25-16,-25 0 0,24 1 16,-24-1-16,24 1 15,25-25-15,-24 0 0,24-25 16,-1 25-16,1-24 0,0-1 16,0-23-16,0-1 15,-25 0-15,25-24 0,-25-1 16,-24 1-16,0-25 15,0 25-15,-24 0 0,24 0 16,-24-1-16,-1 25 0,1 1 16,24 23-16,-25 1 15,25 48-15,0 25 16,0 0-16,25 0 16,-25 24-16,0 0 0,24 0 15,-24 25-15,0-25 0,0 1 16,0-25-16,0 24 15,0-24-15,-24 0 0,24-25 16,0 0-16,0 1 16</inkml:trace>
+  <inkml:trace contextRef="#ctx0" brushRef="#br0" timeOffset="2620">4078 1198 0,'0'-25'0,"0"1"15,25 24 1,-25-24-16,24 24 16,1 0-16,24-25 0,-25 25 15,49 0-15,-24-24 0,0-1 16,24 25-16,0-24 16,-24 24-16,0-25 0,0 25 15,0-24-15,-25 24 16,1-24-16,-25-1 15,0 1-15,-25-1 16,1 1 0,-1 24-16,1 24 31,24 1-31,0-1 0,0 25 16,-24 0-16,24 0 0,0 0 15,0-1-15,0 1 16,0-24-16,0 24 0,0-25 15,0 0-15,0 1 16,0-1-16</inkml:trace>
+  <inkml:trace contextRef="#ctx0" brushRef="#br0" timeOffset="2771">4738 563 0,'24'-25'0,"-24"1"0,0 48 16,-24-24 0,24 25-16,0-1 15,0 1-15</inkml:trace>
+  <inkml:trace contextRef="#ctx0" brushRef="#br0" timeOffset="3629">5324 807 0,'0'24'15,"-24"-24"1,-1 0 0,1 25-1,24-1-15,-25 25 16,25-24-16,-24 23 15,24 1-15,0 0 0,0 24 16,0-48-16,0 24 0,24 0 16,-24-25-16,49 0 15,-24 1-15,-1-25 0,25 24 16,-25-24-16,25 0 16,0-24-16,-25-1 0,25 1 15,-24 0-15,-1-25 0,-24 0 16,0 0-16,0-24 15,-24 24-15,24-24 0,-25-1 16,1 25-16,-25-24 16,25 49-16,-1-1 0,1 1 15,-1 24-15,1 24 16,24 1-16,0-1 16,-25 25-16,25 0 0,0-25 15,0 25-15,0 0 16,0-25-16,0 1 0,25-1 15,-25 1-15,24-1 16,1-24-16,-1-24 16,1 24-16,23-25 15,-23 1-15,-1-25 16,25 25-16,-24-25 0,-1 0 16,25 24-16,-25-23 0,1 23 15,-1 1-15,1-1 16,-1 50-16,0-1 15,1 25-15,-1 0 16,-24 0-16,0 0 0,25-1 16,-25 1-16,0 0 0,0 0 15,0-25-15,0 1 16,0-1-16,0 1 0,0-1 16,0-48 15,0-1-31,24 1 0,-24-25 15,0 0-15,24 0 16,-24 0-16,25-24 0,-1 24 16,1 0-16,-1 25 15,1 0-15,23-1 0,-23 25 16,-1 0-16,1 25 0,-1-1 16,1 25-16,-1-25 15,0 25-15,1 0 0,-25-25 16,24 25-16,-24 0 15,0-24-15,25-1 0,-25 25 16,0-25-16,-25 1 0,25 24 16</inkml:trace>
+  <inkml:trace contextRef="#ctx0" brushRef="#br0" timeOffset="6008">6961 294 0,'-24'0'0,"0"-24"16,-1-1-1,25 1 17,0-1-32,-24 1 15,24 0 1,0-1-16,24 1 16,1-1-16,-1 1 15,0 0-15,1 24 16,-1-25-16,25 25 0,-25 0 15,25 0-15,-24 0 0,-1 0 16,25 25-16,-25-25 16,1 24-16,-1 0 0,1 1 15,-25-1-15,0 1 16,0-1-16,0 0 0,-25 25 16,25-24-16,-24-1 0,-1 25 15,-23 0-15,23-25 16,1 25-16,-1 0 0,-24-25 15,25 25-15,0 0 16,-1 0-16,1-25 0,24 25 16,-25-24-16,1-1 0,24 1 15,0-1-15,0 0 16,0 1-16,0-1 16,0 1-1,0-1-15,0 0 16,0 1-16,0-1 15,0 1-15,0-1 16,0 1-16,0-1 0,0 0 16,-24 1-16</inkml:trace>
+  <inkml:trace contextRef="#ctx0" brushRef="#br0" timeOffset="6800">6863 1540 0,'0'-25'15,"24"25"1,1 0 0,-1 0-1,0 0 1,1 0-1,-1 25 1,-24-1 31,-24-24-47,-1 0 16,1 0-1,0-24 1,24-1-1,0 1 1,0-1 0,24 25-16,-24-24 0,24 24 15,-24-24 1,25 24-16,-25 24 16,24 0-16,-24 1 15,0-1 1,0 1-16,0-1 15,-24-24-15,24 25 16,-25-25-16,1 0 16,0 0-1,24-25-15,-25 25 0,25-24 16,0-1-16</inkml:trace>
+</inkml:ink>
+</file>
+
+<file path=ppt/ink/ink134.xml><?xml version="1.0" encoding="utf-8"?>
+<inkml:ink xmlns:inkml="http://www.w3.org/2003/InkML">
+  <inkml:definitions>
+    <inkml:context xml:id="ctx0">
+      <inkml:inkSource xml:id="inkSrc0">
+        <inkml:traceFormat>
+          <inkml:channel name="X" type="integer" max="1920" units="cm"/>
+          <inkml:channel name="Y" type="integer" max="1080" units="cm"/>
+          <inkml:channel name="T" type="integer" max="2.14748E9" units="dev"/>
+        </inkml:traceFormat>
+        <inkml:channelProperties>
+          <inkml:channelProperty channel="X" name="resolution" value="55.81395" units="1/cm"/>
+          <inkml:channelProperty channel="Y" name="resolution" value="55.6701" units="1/cm"/>
+          <inkml:channelProperty channel="T" name="resolution" value="1" units="1/dev"/>
+        </inkml:channelProperties>
+      </inkml:inkSource>
+      <inkml:timestamp xml:id="ts0" timeString="2020-12-15T07:35:00.136"/>
+    </inkml:context>
+    <inkml:brush xml:id="br0">
+      <inkml:brushProperty name="width" value="0.05" units="cm"/>
+      <inkml:brushProperty name="height" value="0.05" units="cm"/>
+      <inkml:brushProperty name="fitToCurve" value="1"/>
+    </inkml:brush>
+  </inkml:definitions>
+  <inkml:trace contextRef="#ctx0" brushRef="#br0">24 0 0,'25'0'46,"-1"0"-30,0 0 0,1 0 15,-1 0 0,1 0 0,-50 0 173,1 0-189,-1 0 1,1 0-1,0 0 1,-1 0 0,1 0 15</inkml:trace>
+</inkml:ink>
+</file>
+
+<file path=ppt/ink/ink135.xml><?xml version="1.0" encoding="utf-8"?>
+<inkml:ink xmlns:inkml="http://www.w3.org/2003/InkML">
+  <inkml:definitions>
+    <inkml:context xml:id="ctx0">
+      <inkml:inkSource xml:id="inkSrc0">
+        <inkml:traceFormat>
+          <inkml:channel name="X" type="integer" max="1920" units="cm"/>
+          <inkml:channel name="Y" type="integer" max="1080" units="cm"/>
+          <inkml:channel name="T" type="integer" max="2.14748E9" units="dev"/>
+        </inkml:traceFormat>
+        <inkml:channelProperties>
+          <inkml:channelProperty channel="X" name="resolution" value="55.81395" units="1/cm"/>
+          <inkml:channelProperty channel="Y" name="resolution" value="55.6701" units="1/cm"/>
+          <inkml:channelProperty channel="T" name="resolution" value="1" units="1/dev"/>
+        </inkml:channelProperties>
+      </inkml:inkSource>
+      <inkml:timestamp xml:id="ts0" timeString="2020-12-15T07:35:36.629"/>
+    </inkml:context>
+    <inkml:brush xml:id="br0">
+      <inkml:brushProperty name="width" value="0.05" units="cm"/>
+      <inkml:brushProperty name="height" value="0.05" units="cm"/>
+      <inkml:brushProperty name="fitToCurve" value="1"/>
+    </inkml:brush>
+  </inkml:definitions>
+  <inkml:trace contextRef="#ctx0" brushRef="#br0">492 171 0,'24'0'16,"-24"-25"-16,24 25 15,-24-24-15,25 24 16,-25-25 0,24 25-1,-24 25 16,0-1-15,0 25-16,25 24 0,-25-24 16,24 24-16,-24 25 15,25-25-15,-25 25 0,0-25 16,0 1-16,0-26 0,24 1 16,-24 0-16,0 0 15</inkml:trace>
+  <inkml:trace contextRef="#ctx0" brushRef="#br0" timeOffset="456">76 586 0,'-24'-25'0,"0"1"16,24 0-16,-25-25 16,25 24-16,0-24 0,0 25 15,25-25-15,-1 0 0,0 25 16,25-1-16,0 25 16,0-24-16,24 24 0,0 0 15,1 24-15,23-24 0,1 25 16,-25-1-16,25 1 15,-25 24-15,1-25 0,-1 25 16,-24 0-16,0 0 16,-25 24-16,0-24 0,-24-1 15,-24 26-15,0-25 0,-1-1 16,-24 1-16,-24 0 16,0 0-16,0-25 0,-1 25 15,-23-24-15,23-1 16,1-24-16,0 24 0,-1-24 15,26 0-15,-1 0 16,24 0-16,1 0 0,-1-24 16,1 0-16,24-1 0,0 1 15</inkml:trace>
+  <inkml:trace contextRef="#ctx0" brushRef="#br0" timeOffset="756">1224 561 0,'0'-24'0,"0"48"31,0 25-31,0 0 16,0 0-16,-24 0 0,24 0 16,0 24-16,0-24 15,0 24-15,0-49 0,0 25 16,0 0-16,0-25 0,0 1 16,0-1-1</inkml:trace>
+  <inkml:trace contextRef="#ctx0" brushRef="#br0" timeOffset="899">1273 317 0,'-24'0'15,"-1"0"-15</inkml:trace>
+  <inkml:trace contextRef="#ctx0" brushRef="#br0" timeOffset="1391">1981 781 0,'25'0'0,"-25"-24"16,24-1-1,-24 1 1,0-1-16,0 1 0,-24 0 16,-1-1-16,1 1 15,0 24-15,-1-25 16,1 25-16,-25 0 0,24 0 15,-23 25-15,-1-25 0,24 24 16,-24 1-16,25-1 16,0-24-16,24 24 0,0 1 15,0-1-15,0 1 16,24-1-16,0 1 0,25-1 16,0 0-16,0-24 0,0 25 15,0-1-15,24-24 16,-49 25-16,25-1 0,-24-24 15,-1 25-15,0-25 16,-24 24-16,-24 0 16,-25 1-16,25-25 15,-25 0-15,25 24 16,-25-24-16,0 0 0,24 0 16,-23 0-16,23 0 15,1 0-15,-1-24 0,25-1 16</inkml:trace>
+  <inkml:trace contextRef="#ctx0" brushRef="#br0" timeOffset="1633">2348 122 0,'24'0'16,"-48"24"15,24 25-31,0-25 0,0 25 16,0 0-16,0 24 15,0-24-15,0 24 0,0 1 16,0-25-16,0 24 16,0-24-16,-25 0 0,25-1 15,0 1-15</inkml:trace>
+  <inkml:trace contextRef="#ctx0" brushRef="#br0" timeOffset="2148">2201 732 0,'0'-49'0,"0"25"0,0 0 15,0-1-15,0 1 0,25 24 16,-25-25-16,24 25 15,25 0-15,-25 0 0,25 0 16,0 0-16,0 0 16,0 25-16,0-25 0,-1 24 15,1-24-15,0 25 16,0-25-16,-25 24 0,1 0 16,-1 1-16,-24-1 0,25 1 15,-25 24-15,0-25 16,-25 0-16,1 1 0,-1-1 15,1 1-15,0-1 0,-1-24 16,25 25-16,-24-25 16,-1 0-16,25-25 15,0 1 1,0-1-16,25 1 0,-25-25 16,24 25-16,25-50 15,-25 25-15,1 1 0,24-1 16,-25 0-16,25 24 0,-25 1 15,25 24-15,-24 0 16,-1 0-16,0 24 0,1 1 16,-25 24-16,24-25 0,-24 25 15,25-25-15,-25 25 16,0-24-16,0-1 0,0 1 16,0-1-16,0 0 0,-25-24 15,25 25-15,-24-25 16</inkml:trace>
+  <inkml:trace contextRef="#ctx0" brushRef="#br0" timeOffset="2334">2958 146 0,'0'-24'15,"-24"24"-15,24-25 16</inkml:trace>
+  <inkml:trace contextRef="#ctx0" brushRef="#br0" timeOffset="2867">3325 122 0,'0'-25'0,"-25"25"15,25 25 16,0-1-31,0 25 0,25 0 16,-25 0-16,24 24 16,-24 0-16,25 0 0,-25-24 15,0 25-15,0-1 0,0-24 16,0 0-16,0-1 16,0-23-16,0-1 0,0 1 15,0-1-15,-25-24 16,25-24-1,25-25 1,-25 24-16,0-23 16,24-1-16,0 24 0,1-24 15,-1 1-15,1-1 16,-1 24-16,0 25 0,25 0 16,-24 0-16,24 0 0,-25 25 15,0-1-15,1 1 16,-1-1-16,1 25 0,-25-25 15,0 1-15,0 24 16,-25-25-16,1 0 16,-1 1-16,-23-25 0,23 24 15,1-24-15,-25 0 16,24 0-16,1 0 0,0-24 16</inkml:trace>
+  <inkml:trace contextRef="#ctx0" brushRef="#br0" timeOffset="3354">3886 610 0,'0'-24'0,"0"-1"15,0 1-15,0 0 0,0-1 16,25 25-1,-25 25 1,0-1-16,24 0 0,-24 25 16,0 0-16,0 0 15,25-25-15,-25 25 0,0 0 16,0-25-16,24 25 0,-24-24 16,24-25-16,-24 24 15,25 1-15,-1-25 0,1 0 16,24 0-16,-25-25 15,0 1-15,25-1 0,-24-24 16,-1 1-16,-24-1 0,25 0 16,-25 0-16,24-24 15,-24 24-15,0 25 0,0-25 16,0 24-16,-24 50 16,24-1-1,0 25-15,0-25 0,0 25 16,0 0-16,0 0 15,24 0-15,-24-25 0,24 25 16,-24-25-16,25 1 16,-1-25-16,1 24 0,-1-24 15,1 0-15,23-24 16,-23-1-16,-1 1 0</inkml:trace>
+  <inkml:trace contextRef="#ctx0" brushRef="#br0" timeOffset="3547">4643 219 0,'0'-48'16,"0"23"-16,0 1 16,0 48-16,0 1 15,0 23-15,0 1 16,0 25-16,25-1 0,-25 0 16,0 0-16,0 1 0,0-26 15,24 26-15,-24-25 16,0-1-16,0-23 0,0-1 15,0 1-15,0-1 16</inkml:trace>
+  <inkml:trace contextRef="#ctx0" brushRef="#br0" timeOffset="3900">4619 586 0,'24'0'47,"1"0"-47,-1 0 16,25 0-16,-24-25 0,23 25 15,-23 0-15,-1-24 16,1 24-16,-1 0 0,1-24 16,-1 24-16,-24-25 15,24 1-15,-24-1 16,0 50 15,0-1-31,25 1 16,-25-1-16,0 25 0,0 0 15,24-25-15,-24 25 0,0 0 16,0 0-16,0-25 16,0 0-16,0 1 0,25-1 15,-25 1-15,0-1 16</inkml:trace>
+  <inkml:trace contextRef="#ctx0" brushRef="#br0" timeOffset="4069">5156 122 0,'-24'-25'0,"0"25"16,-1 0-1,25 25 1,0-1 0</inkml:trace>
+  <inkml:trace contextRef="#ctx0" brushRef="#br0" timeOffset="4987">5620 610 0,'0'-24'0,"-24"24"0,24-25 15,-24 1-15,-1 24 16,25-25-16,-24 1 0,-1 24 16,1 0-1,24 24-15,0 1 16,-25-1-16,25 1 0,0 24 15,0-1-15,0 1 16,0 0-16,0-24 0,25 23 16,-25-23-16,24-1 0,1 1 15,-1-1-15,25 1 16,-25-25-16,25 0 0,0 0 16,-24-25-16,23 1 15,-23-1-15,-1 1 0,1-25 16,-25 0-16,0 0 0,0-24 15,0 24-15,0 0 16,-25 0-16,1 25 0,-1-25 16,1 49-16,0 0 15,-1 0-15,1 25 16,-1-1-16,1 25 0,24-25 16,0 1-16,-25-1 15,25 1-15,0-1 0,0 0 16,25 1-16,-1-1 15,1-24 1,-1 0-16,1 0 0,-1 0 16,0-24-16,1 24 15,-1-25-15,1 1 0,-1 24 16,0-24-16,1-1 16,-1 1-16,1 24 0,-1-25 15,-24 1-15,25 24 0,-1-25 16,0 25-16,1 0 15,-1 0 1,1 0 0,-25 25-16,24-25 0,-24 24 15,0 1-15,0-1 0,25 1 16,-25-1-16,0 0 16,0 1-16,0-1 0,0 1 15,24-1-15,-24 1 0,0-1 16,0 0-1,0 1-15,0-50 47,0 1-31,0 0-16,0-25 16,24 0-16,1 24 0,-1-23 15,-24-1-15,49 24 16,-24 1-16,-1-1 0,0 25 15,1 0-15,-1 25 0,1 24 16,-25-25-16,24 25 16,1 0-16,-25 0 0,24 0 15,-24-1-15,0 1 16,0-24-16,24 24 0,-24-25 16</inkml:trace>
+  <inkml:trace contextRef="#ctx0" brushRef="#br0" timeOffset="5508">6964 366 0,'-25'-24'0,"1"-1"15,-1 1-15,1-1 0,0-24 16,24 25-16,0 0 15,24-1-15,-24 1 0,24-1 16,25 1-16,-24-1 0,24 1 16,-25 0-16,25 24 15,0 0-15,-25 0 0,25 0 16,-25 24-16,1 0 16,-1 1-16,-24-1 0,0 25 15,0 0-15,0 0 0,-24 0 16,24 0-16,-25-25 15,1 25-15,0 0 0,-1-25 16,1 25-16,-1-25 16,25 1-16,-24 24 0,24-25 15,-25 0-15,25 1 0,0-1 16,0 1-16,0-1 16,0 25-16,0-25 0,0 1 15,0-1-15</inkml:trace>
+  <inkml:trace contextRef="#ctx0" brushRef="#br0" timeOffset="5700">7257 1270 0,'24'0'16,"1"-25"15,-1 25-15,-24-24-16</inkml:trace>
+</inkml:ink>
+</file>
+
+<file path=ppt/ink/ink136.xml><?xml version="1.0" encoding="utf-8"?>
+<inkml:ink xmlns:inkml="http://www.w3.org/2003/InkML">
+  <inkml:definitions>
+    <inkml:context xml:id="ctx0">
+      <inkml:inkSource xml:id="inkSrc0">
+        <inkml:traceFormat>
+          <inkml:channel name="X" type="integer" max="1920" units="cm"/>
+          <inkml:channel name="Y" type="integer" max="1080" units="cm"/>
+          <inkml:channel name="T" type="integer" max="2.14748E9" units="dev"/>
+        </inkml:traceFormat>
+        <inkml:channelProperties>
+          <inkml:channelProperty channel="X" name="resolution" value="55.81395" units="1/cm"/>
+          <inkml:channelProperty channel="Y" name="resolution" value="55.6701" units="1/cm"/>
+          <inkml:channelProperty channel="T" name="resolution" value="1" units="1/dev"/>
+        </inkml:channelProperties>
+      </inkml:inkSource>
+      <inkml:timestamp xml:id="ts0" timeString="2020-12-15T07:36:32.604"/>
+    </inkml:context>
+    <inkml:brush xml:id="br0">
+      <inkml:brushProperty name="width" value="0.05" units="cm"/>
+      <inkml:brushProperty name="height" value="0.05" units="cm"/>
+      <inkml:brushProperty name="fitToCurve" value="1"/>
+    </inkml:brush>
+  </inkml:definitions>
+  <inkml:trace contextRef="#ctx0" brushRef="#br0">63 0 0,'-24'25'16,"-1"-25"-16,1 0 15,48 0 1,1 0 0,-1 0-1,0 0-15,25 0 0,-24 0 16,-1 0-16,1 0 0,-1 0 15,0 0-15,1-25 16,-1 25-16,-48 0 47</inkml:trace>
+</inkml:ink>
+</file>
+
+<file path=ppt/ink/ink137.xml><?xml version="1.0" encoding="utf-8"?>
+<inkml:ink xmlns:inkml="http://www.w3.org/2003/InkML">
+  <inkml:definitions>
+    <inkml:context xml:id="ctx0">
+      <inkml:inkSource xml:id="inkSrc0">
+        <inkml:traceFormat>
+          <inkml:channel name="X" type="integer" max="1920" units="cm"/>
+          <inkml:channel name="Y" type="integer" max="1080" units="cm"/>
+          <inkml:channel name="T" type="integer" max="2.14748E9" units="dev"/>
+        </inkml:traceFormat>
+        <inkml:channelProperties>
+          <inkml:channelProperty channel="X" name="resolution" value="55.81395" units="1/cm"/>
+          <inkml:channelProperty channel="Y" name="resolution" value="55.6701" units="1/cm"/>
+          <inkml:channelProperty channel="T" name="resolution" value="1" units="1/dev"/>
+        </inkml:channelProperties>
+      </inkml:inkSource>
+      <inkml:timestamp xml:id="ts0" timeString="2020-12-15T07:36:30.247"/>
+    </inkml:context>
+    <inkml:brush xml:id="br0">
+      <inkml:brushProperty name="width" value="0.05" units="cm"/>
+      <inkml:brushProperty name="height" value="0.05" units="cm"/>
+      <inkml:brushProperty name="fitToCurve" value="1"/>
+    </inkml:brush>
+  </inkml:definitions>
+  <inkml:trace contextRef="#ctx0" brushRef="#br0">100 197 0,'0'-25'0,"-24"25"15,48 0 17,-24 25-17,0-1 1,0 1-16,0-1 15,0 0-15,25 1 16,-25 24-16,0-25 0,0 1 16,0-1-16,0 0 0,0 25 15,0-24-15,0-1 16,0 0-16,0 1 16</inkml:trace>
+  <inkml:trace contextRef="#ctx0" brushRef="#br0" timeOffset="408">51 197 0,'-24'0'0,"24"-25"0,0 1 16,-24-1-16,24 1 15,0 0-15,24-1 16,0 1-16,1 24 16,24 0-16,-25-25 15,25 25-15,0 0 0,0 0 16,0 0-16,-1 25 16,1-25-16,-24 24 0,24-24 15,-25 25-15,0-1 0,1 0 16,-25 1-16,0-1 15,0 1-15,-25-1 16,1 1-16,0-25 0,-1 24 16,-24-24-16,25 24 15,-25-24-15,25 25 0,-25-25 16,24 0-16,1 0 16,24-25-1,24 25 1</inkml:trace>
+  <inkml:trace contextRef="#ctx0" brushRef="#br0" timeOffset="954">589 221 0,'0'-24'0,"24"24"16,-24-25 0,25 25-16,-1 0 0,0 0 15,1 0-15,-1 25 16,1-25-16,-1 24 0,1 1 16,-1-1-16,0-24 0,1 24 15,-25 1-15,24-1 16,1 1-16,-25-1 15,0 1 1,0-1 0,-25-24-16,1 0 15,24-24-15,-25 24 16,25-25-16,0 1 16,0-1-16,0 1 15,0-1-15,0 1 0,25 0 16,-1-1-16,1 1 15,-1 24-15,1 0 16,-1 24-16,-24 1 16,24-25-16,1 24 15,-1-24-15,-24 24 16,25-24-16,-1 25 16,1-25-16,-25 24 15,24-24-15,-24 25 0,24-25 16,-24 24-16,25-24 15,-25 25-15,24-1 16,-24 0 0</inkml:trace>
+  <inkml:trace contextRef="#ctx0" brushRef="#br0" timeOffset="1145">1102 26 0</inkml:trace>
+  <inkml:trace contextRef="#ctx0" brushRef="#br0" timeOffset="1518">1566 270 0,'24'-24'31,"-24"-1"-15,0 1-16,0-1 15,0 1 1,-24 24 0,-1 0-16,1 24 15,-1-24 1,1 25-16,0-1 0,-1-24 15,1 25-15,-1-1 16,25 0-16,-24 1 0,24-1 16,0 1-16,0-1 15,24 0-15,1 1 16,-1-25-16,1 24 16,23-24-16,-23 0 15,-1 0-15,25 0 0</inkml:trace>
+  <inkml:trace contextRef="#ctx0" brushRef="#br0" timeOffset="2028">1859 319 0,'0'-25'0,"24"25"78,1 0-62,-1 0 0,0 0-1,1 0-15,-1 0 16,1-24-1,-25 0 1,0-1 0,0 1-16,0-1 15,0 1 1,-25 24-16,1 0 16,-1 24-1,1 1 1,0-1-16,24 1 0,-25-1 15,25 0-15,0 1 0,0-1 16,0 1-16,25-1 16,-1 0-16,0 1 0,-24-1 15,25 1-15,-1-25 16,1 24-16,-1-24 0,1 0 16,-1 0-16,0 0 0,1 0 15,-1 0-15,1 0 16,-1-24-16</inkml:trace>
+</inkml:ink>
+</file>
+
+<file path=ppt/ink/ink138.xml><?xml version="1.0" encoding="utf-8"?>
+<inkml:ink xmlns:inkml="http://www.w3.org/2003/InkML">
+  <inkml:definitions>
+    <inkml:context xml:id="ctx0">
+      <inkml:inkSource xml:id="inkSrc0">
+        <inkml:traceFormat>
+          <inkml:channel name="X" type="integer" max="1920" units="cm"/>
+          <inkml:channel name="Y" type="integer" max="1080" units="cm"/>
+          <inkml:channel name="T" type="integer" max="2.14748E9" units="dev"/>
+        </inkml:traceFormat>
+        <inkml:channelProperties>
+          <inkml:channelProperty channel="X" name="resolution" value="55.81395" units="1/cm"/>
+          <inkml:channelProperty channel="Y" name="resolution" value="55.6701" units="1/cm"/>
+          <inkml:channelProperty channel="T" name="resolution" value="1" units="1/dev"/>
+        </inkml:channelProperties>
+      </inkml:inkSource>
+      <inkml:timestamp xml:id="ts0" timeString="2020-12-15T07:36:28.885"/>
+    </inkml:context>
+    <inkml:brush xml:id="br0">
+      <inkml:brushProperty name="width" value="0.05" units="cm"/>
+      <inkml:brushProperty name="height" value="0.05" units="cm"/>
+      <inkml:brushProperty name="fitToCurve" value="1"/>
+    </inkml:brush>
+  </inkml:definitions>
+  <inkml:trace contextRef="#ctx0" brushRef="#br0">244 0 0,'0'24'94,"0"0"-48,0 1-30,0-1 0,0 1-16,0-1 0,0 1 15,0-1-15,0 0 16,0 1-16,0-1 0,0 1 16,0 24-16,0-25 15,0 0-15,-24 25 0,24-24 16,0-1-16,0 25 0,0-25 15,0 1-15,0-1 16,0 1-16,0-1 16,0 0-16,0 1 15,0-1 1,24-24 15</inkml:trace>
+  <inkml:trace contextRef="#ctx0" brushRef="#br0" timeOffset="418">0 610 0,'0'25'47,"24"-25"-31,-24 24-16,25 0 31,-1 1-31,1-1 16,-1 1-16,1-25 15,-25 24-15,24-24 16,0 25-16,1-25 0,-1 0 15,-24 24-15,25-24 0</inkml:trace>
+  <inkml:trace contextRef="#ctx0" brushRef="#br0" timeOffset="833">488 610 0,'0'-24'15,"0"-1"1,-24 25 15,24 25-15,-24-25-1,-1 24 1,1 1-16,24-1 16,-25 0-16,1 1 15,24-1-15,-25-24 0,25 25 16,-24-1-16,24 1 15,-24-25-15,24 24 0,0 0 16,0 1 15</inkml:trace>
+</inkml:ink>
+</file>
+
+<file path=ppt/ink/ink139.xml><?xml version="1.0" encoding="utf-8"?>
+<inkml:ink xmlns:inkml="http://www.w3.org/2003/InkML">
+  <inkml:definitions>
+    <inkml:context xml:id="ctx0">
+      <inkml:inkSource xml:id="inkSrc0">
+        <inkml:traceFormat>
+          <inkml:channel name="X" type="integer" max="1920" units="cm"/>
+          <inkml:channel name="Y" type="integer" max="1080" units="cm"/>
+          <inkml:channel name="T" type="integer" max="2.14748E9" units="dev"/>
+        </inkml:traceFormat>
+        <inkml:channelProperties>
+          <inkml:channelProperty channel="X" name="resolution" value="55.81395" units="1/cm"/>
+          <inkml:channelProperty channel="Y" name="resolution" value="55.6701" units="1/cm"/>
+          <inkml:channelProperty channel="T" name="resolution" value="1" units="1/dev"/>
+        </inkml:channelProperties>
+      </inkml:inkSource>
+      <inkml:timestamp xml:id="ts0" timeString="2020-12-15T07:36:39.464"/>
+    </inkml:context>
+    <inkml:brush xml:id="br0">
+      <inkml:brushProperty name="width" value="0.05" units="cm"/>
+      <inkml:brushProperty name="height" value="0.05" units="cm"/>
+      <inkml:brushProperty name="fitToCurve" value="1"/>
+    </inkml:brush>
+  </inkml:definitions>
+  <inkml:trace contextRef="#ctx0" brushRef="#br0">440 222 0,'0'-24'16,"0"-1"30,0 1-14,0 0-17,24 24 1,1-25 0,-1 25-1,-24-24-15,24 24 0,1 0 16,-1 0-16,1 0 15,-1 0-15,1 0 16,-1 0-16,0 24 16,1-24-1,-25 25-15,0-1 16,0 0 0,0 1-16,-25-25 15,25 24-15,-24 1 16,0-25-16,24 24 0,-25 1 15,1-25-15,-1 24 0,1 0 16,-1-24 0,1 25-16,0-25 15,-1 0 1,50 0 31,-1-25-32,0 25 1,1 0-16,-1 0 16,1 0-16,-1 0 0,1 0 15,-1 0-15,-24 25 16,24-25-16,1 24 0,-1-24 16,-24 25-16,25-25 15,-25 24-15,24-24 0,-24 24 16,0 1-16,0-1 15,0 1 1,-24-25-16,-1 0 16,25 24-16,-24-24 15,-1 25-15,1-25 0,0 0 16,-1 24-16,-24-24 0,25 0 16,-1 0-16,1 0 15,0 0-15,-1 0 0,1-24 16,-1 24-16,1-25 15,0 25-15,-1-24 16,1 24-16,24-25 16,-25 25-1</inkml:trace>
+  <inkml:trace contextRef="#ctx0" brushRef="#br0" timeOffset="1217">879 149 0,'0'-24'15,"-24"24"-15,24-25 16,-24 1 0,24-1-1,-25 25 1,25-24-16,-24 24 0,-1-25 16,1 25-1,-1 0-15,1 0 16,0 0-16,-1 0 15,1 0-15,-1 0 16,-23 0-16,23 0 0,1 0 16,-25 0-16,24 0 0,1 0 15,-25 0-15,25 0 16,-1 25-16,-24-25 0,25 24 16,0 1-16,-1-25 15,1 24-15,-1 1 0,1-1 16,-1 0-16,25 1 0,-24-1 15,0 1-15,24 24 16,0-25-16,-25 0 0,25 1 16,0-1-16,0 25 15,0-25-15,0 1 0,0-1 16,0 1-16,0-1 16,0 1-16,25-1 0,-25 0 15,0 1-15,24-1 0,-24 1 16,24-1-1,-24 1-15,25-1 0,-1-24 16,1 24-16,-1 1 16,1-1-16,-1-24 15,0 25-15,1-25 0,24 0 16,-25 24-16,1-24 16,-1 0-16,25 24 0,-25-24 15,1 0-15,24 0 0,-25 0 16,25 0-16,-25 0 15,1 0-15,23 0 0,-23 0 16,-1-24-16,1 24 0,24-24 16,-25 24-16,0-25 15,1 25-15,-1-24 0,1-1 16,-1 1 0,1 0-16,-25-1 0,24 1 15,-24-1-15,24 1 0,-24-1 16,0 1-16,0-25 15,0 25-15,0-1 0,0 1 16,0-1-16,0 1 16,0-25-16,0 25 0,-24-1 15,24 1-15,-24 0 0,24-25 16,-25 24-16,1 1 16,-1-1-16,25 1 0,-24 0 15,-1-1-15,1 1 16,0 24-16,24-25 15,-25 25-15,1-24 16,-1 24 0,1 0-16,24-25 0,-25 25 15,1 0 1,0 0-16,-1 0 47</inkml:trace>
+</inkml:ink>
+</file>
+
 <file path=ppt/ink/ink14.xml><?xml version="1.0" encoding="utf-8"?>
 <inkml:ink xmlns:inkml="http://www.w3.org/2003/InkML">
   <inkml:definitions>
@@ -1533,6 +1763,326 @@
 </inkml:ink>
 </file>
 
+<file path=ppt/ink/ink140.xml><?xml version="1.0" encoding="utf-8"?>
+<inkml:ink xmlns:inkml="http://www.w3.org/2003/InkML">
+  <inkml:definitions>
+    <inkml:context xml:id="ctx0">
+      <inkml:inkSource xml:id="inkSrc0">
+        <inkml:traceFormat>
+          <inkml:channel name="X" type="integer" max="1920" units="cm"/>
+          <inkml:channel name="Y" type="integer" max="1080" units="cm"/>
+          <inkml:channel name="T" type="integer" max="2.14748E9" units="dev"/>
+        </inkml:traceFormat>
+        <inkml:channelProperties>
+          <inkml:channelProperty channel="X" name="resolution" value="55.81395" units="1/cm"/>
+          <inkml:channelProperty channel="Y" name="resolution" value="55.6701" units="1/cm"/>
+          <inkml:channelProperty channel="T" name="resolution" value="1" units="1/dev"/>
+        </inkml:channelProperties>
+      </inkml:inkSource>
+      <inkml:timestamp xml:id="ts0" timeString="2020-12-15T07:36:41.562"/>
+    </inkml:context>
+    <inkml:brush xml:id="br0">
+      <inkml:brushProperty name="width" value="0.05" units="cm"/>
+      <inkml:brushProperty name="height" value="0.05" units="cm"/>
+      <inkml:brushProperty name="fitToCurve" value="1"/>
+    </inkml:brush>
+  </inkml:definitions>
+  <inkml:trace contextRef="#ctx0" brushRef="#br0">52 49 0,'0'-25'0,"0"1"15,0 48 48,0 1-63,0-1 0,0 1 16,0-1-16,0 1 15,0 23-15,-25-23 0,25 24 16,0-25-16,0 1 0,0 23 15,-24-23-15,24-1 16,0 1-16,0-1 0</inkml:trace>
+</inkml:ink>
+</file>
+
+<file path=ppt/ink/ink141.xml><?xml version="1.0" encoding="utf-8"?>
+<inkml:ink xmlns:inkml="http://www.w3.org/2003/InkML">
+  <inkml:definitions>
+    <inkml:context xml:id="ctx0">
+      <inkml:inkSource xml:id="inkSrc0">
+        <inkml:traceFormat>
+          <inkml:channel name="X" type="integer" max="1920" units="cm"/>
+          <inkml:channel name="Y" type="integer" max="1080" units="cm"/>
+          <inkml:channel name="T" type="integer" max="2.14748E9" units="dev"/>
+        </inkml:traceFormat>
+        <inkml:channelProperties>
+          <inkml:channelProperty channel="X" name="resolution" value="55.81395" units="1/cm"/>
+          <inkml:channelProperty channel="Y" name="resolution" value="55.6701" units="1/cm"/>
+          <inkml:channelProperty channel="T" name="resolution" value="1" units="1/dev"/>
+        </inkml:channelProperties>
+      </inkml:inkSource>
+      <inkml:timestamp xml:id="ts0" timeString="2020-12-15T07:36:41.970"/>
+    </inkml:context>
+    <inkml:brush xml:id="br0">
+      <inkml:brushProperty name="width" value="0.05" units="cm"/>
+      <inkml:brushProperty name="height" value="0.05" units="cm"/>
+      <inkml:brushProperty name="fitToCurve" value="1"/>
+    </inkml:brush>
+  </inkml:definitions>
+  <inkml:trace contextRef="#ctx0" brushRef="#br0">123 612 0,'-25'-25'16,"25"1"-1,-24 24 32,24 24-31,0 1-16,-25-1 15,25 1-15,-24-1 16,24 0-16,0 1 16,0-1-16,-25 1 0,25-1 15,0 1-15</inkml:trace>
+  <inkml:trace contextRef="#ctx0" brushRef="#br0" timeOffset="475">464 392 0,'-24'-24'15,"24"-1"-15,0 1 16,0-1-16,24 1 15,1 24-15,-1-25 16,1 1-16,24 24 0,-25 0 16,25-24-16,0 24 0,-25 0 15,1 24-15,-1-24 16,0 24-16,-24 1 0,25-1 16,-25 1-16,0-1 15,-25 1-15,1-1 0,0 0 16,-1 1-16,1-1 0,-25 1 15,24-1-15,-23 1 16,23-1-16,1-24 0,-1 24 16,1-24-16,24 25 15,-25-25-15,25 24 16,25-24-16,-1 0 16,1 25-16,24-25 15,-25 0-15,25 0 0,0 0 16,0 0-16,-1 0 15,1 0-15,0 0 0,-24 0 16,23 0-16,1 0 0,-24-25 16</inkml:trace>
+  <inkml:trace contextRef="#ctx0" brushRef="#br0" timeOffset="799">1441 563 0,'25'0'62,"-25"24"-30,-25 1-17,25-1-15,0 1 0,0-1 16,0 0-16,-24 25 16,24-24-16,0-1 15,0 1-15</inkml:trace>
+  <inkml:trace contextRef="#ctx0" brushRef="#br0" timeOffset="1369">1637 270 0,'0'-25'16,"0"1"-16,0 0 0,24-1 16,1 1-16,-1-25 0,0 24 15,25 1-15,0 0 16,0 24-16,0-25 0,0 25 16,0 0-16,-1 0 15,-23 0-15,24 0 0,-25 25 16,1-25-16,-25 24 0,0 0 15,0 1-15,0-1 16,-25 1-16,1-1 0,-1 1 16,1-1-16,-25 0 15,25 1-15,-25-1 0,24-24 16,-24 25-16,25-1 0,0-24 16,-1 25-16,1-25 15,-1 0-15,25 24 0,-24-24 16,48 24-1,1-24 1,-1 0-16,1 0 16,23 0-16,-23 25 15,-1-25-15,25 0 0,-24 24 16,-1-24-16,0 25 16,1-1-16,-1 0 0,1 1 15,-25-1-15,0 1 16,-25-25-16,25 24 15,-24 1-15,-1-25 0,-23 0 16,-1 24-16,24-24 16,-48 0-16,24 0 0,0 0 15,-24 0-15</inkml:trace>
+</inkml:ink>
+</file>
+
+<file path=ppt/ink/ink142.xml><?xml version="1.0" encoding="utf-8"?>
+<inkml:ink xmlns:inkml="http://www.w3.org/2003/InkML">
+  <inkml:definitions>
+    <inkml:context xml:id="ctx0">
+      <inkml:inkSource xml:id="inkSrc0">
+        <inkml:traceFormat>
+          <inkml:channel name="X" type="integer" max="1920" units="cm"/>
+          <inkml:channel name="Y" type="integer" max="1080" units="cm"/>
+          <inkml:channel name="T" type="integer" max="2.14748E9" units="dev"/>
+        </inkml:traceFormat>
+        <inkml:channelProperties>
+          <inkml:channelProperty channel="X" name="resolution" value="55.81395" units="1/cm"/>
+          <inkml:channelProperty channel="Y" name="resolution" value="55.6701" units="1/cm"/>
+          <inkml:channelProperty channel="T" name="resolution" value="1" units="1/dev"/>
+        </inkml:channelProperties>
+      </inkml:inkSource>
+      <inkml:timestamp xml:id="ts0" timeString="2020-12-15T07:36:56.168"/>
+    </inkml:context>
+    <inkml:brush xml:id="br0">
+      <inkml:brushProperty name="width" value="0.05" units="cm"/>
+      <inkml:brushProperty name="height" value="0.05" units="cm"/>
+      <inkml:brushProperty name="fitToCurve" value="1"/>
+    </inkml:brush>
+  </inkml:definitions>
+  <inkml:trace contextRef="#ctx0" brushRef="#br0">0 0 0,'0'24'16,"24"-24"0,1 0 15,-1 0-16,0 0-15,1 0 16,-1 0 0,1 0-16,-1 0 15,1 0 1,-1 0 0,0 0-1</inkml:trace>
+</inkml:ink>
+</file>
+
+<file path=ppt/ink/ink143.xml><?xml version="1.0" encoding="utf-8"?>
+<inkml:ink xmlns:inkml="http://www.w3.org/2003/InkML">
+  <inkml:definitions>
+    <inkml:context xml:id="ctx0">
+      <inkml:inkSource xml:id="inkSrc0">
+        <inkml:traceFormat>
+          <inkml:channel name="X" type="integer" max="1920" units="cm"/>
+          <inkml:channel name="Y" type="integer" max="1080" units="cm"/>
+          <inkml:channel name="T" type="integer" max="2.14748E9" units="dev"/>
+        </inkml:traceFormat>
+        <inkml:channelProperties>
+          <inkml:channelProperty channel="X" name="resolution" value="55.81395" units="1/cm"/>
+          <inkml:channelProperty channel="Y" name="resolution" value="55.6701" units="1/cm"/>
+          <inkml:channelProperty channel="T" name="resolution" value="1" units="1/dev"/>
+        </inkml:channelProperties>
+      </inkml:inkSource>
+      <inkml:timestamp xml:id="ts0" timeString="2020-12-15T07:37:08.284"/>
+    </inkml:context>
+    <inkml:brush xml:id="br0">
+      <inkml:brushProperty name="width" value="0.05" units="cm"/>
+      <inkml:brushProperty name="height" value="0.05" units="cm"/>
+      <inkml:brushProperty name="fitToCurve" value="1"/>
+    </inkml:brush>
+  </inkml:definitions>
+  <inkml:trace contextRef="#ctx0" brushRef="#br0">0 317 0,'24'0'15,"0"0"-15,1 0 16,-1 0-16,1 0 16,-25 25-16,24-25 15,-24 24-15,25 1 16,-25-1-16,24 0 0,-24 1 16,0-1-16,24 1 0,-24-1 15,0 0-15,25 1 16,-25-1-16,24-24 15,1 0-15,-1 0 16,1 0 0,-1-24-16,0 24 15,1-25-15,-1 25 16,-24-24-16,25 0 0,-1 24 16,0-25-16,1 1 0,-1-1 15,1 25-15,-25-24 16,24 0-16,-24-1 15,25 25-15,-25 25 63,0-1-47,24-24-1,-24 24-15,24-24 16,1 25-16,-1-1 15,1-24-15,-1 0 16,1 0-16,-1 25 16,0-25-16,1 0 15,-1 0-15,1-25 0,-1 1 16,0 24 0,-24-25-16,25 25 15,-25-24-15,0 0 16,0-1-16,24 1 15,-24-1-15,0 1 0,0-1 16,0 1-16,-24 0 0,24-1 16,0 1-16,0-1 15,0 50 32,0-1-47,0 1 16</inkml:trace>
+  <inkml:trace contextRef="#ctx0" brushRef="#br0" timeOffset="318">1416 122 0,'0'-25'16,"-24"50"15,24-1-15,0 25-16,-25-24 0,25 23 15,-24 1-15,24 0 16,-25 0-16,1 0 0,0-25 15,-1 25-15,1 0 0,-1-25 16,25 1-16,-24 24 16,-1-25-16,25 0 15,0 1-15</inkml:trace>
+  <inkml:trace contextRef="#ctx0" brushRef="#br0" timeOffset="781">1636 464 0,'0'-25'31,"-24"25"0,24 25-15,0-1-16,-25 1 0,25-1 16,-24 1-16,-1-1 15,25 25-15,-24-25 0,24 1 16,0-1-16,0 0 0,0 1 16,0-1-16,24 1 15,1-25-15,-1 24 0,1-24 16,-1 0-16,25 0 15,-25-24-15,1 24 0,23-25 16,-23 1-16,-1-1 0,1 1 16,-25-25-16,0 25 15,0-1-15,0-23 0,0 23 16,-25 1-16,25-1 0,-24 1 16,-1-1-16,1 1 15,0 24-15,-1 0 16,1 0-16,-1 24 15,1-24-15,24 25 16,-24-25-16,-1 24 16</inkml:trace>
+  <inkml:trace contextRef="#ctx0" brushRef="#br0" timeOffset="1303">2637 268 0,'25'-24'62,"-25"0"-46,-25-1 15,1 25-15,-1 0-16,1 0 15,0 25-15,-1-25 16,1 24-16,-25 0 0,24 1 16,-23-1-16,23 1 15,1 24-15,-1-25 0,1 0 16,0 1-16,24 24 0,-25-25 16,25 1-16,0-1 15,0 0-15,25 1 0,-1-1 16,0-24-16,1 25 0,24-1 15,-1-24-15,1 24 16,0-24-16,0 0 0,0 0 16,-25-24-16,25 24 15,-24 0-15</inkml:trace>
+  <inkml:trace contextRef="#ctx0" brushRef="#br0" timeOffset="1800">3175 464 0,'24'-25'15,"-24"1"-15,-24 24 32,-1 0-17,25 24-15,-24-24 0,-1 25 16,1-25-16,-1 24 16,1 1-16,24-1 0,-24-24 15,-1 25-15,25-1 0,0 0 16,0 1-16,0-1 15,25 1-15,-1-1 16,0-24 0,1 0-16,24 0 0,-25 0 15,1 0-15,-1-24 0,25 24 16,-25-25-16,-24 1 16,25-1-16,-1 1 0,-24 0 15,0-1-15,0 1 16,-24-1-16,24 1 0,-25-1 15,25 1-15,-24 0 0,-1 24 16,1 0 0,0 0-16</inkml:trace>
+  <inkml:trace contextRef="#ctx0" brushRef="#br0" timeOffset="2328">3468 415 0,'-25'0'0,"1"0"16,-1 0-16,25-24 15,25-1 1,-1 1-16,1 24 15,-1 0 1,0 0-16,1 0 0,-25 24 16,0 1-16,24-1 15,-24 0-15,0 1 0,0-1 16,0 25-16,0-25 0,0 1 16,0-1-16,0 1 15,0-1-15,-24-24 16,24-24 15,0-1-15,0 1-1,0-1-15,24 1 0,-24-25 16,25 25-16,-1-1 0,25 1 16,-25 0-16,1-1 15,24 25-15,-25 0 0,1 0 16,-1 0-16,0 25 15,-24-1-15,25 0 0,-25 1 16,0-1-16,24 25 16,-24-25-16,0 1 0,0-1 15,0 1-15,0-1 0,0 1 16,-24-1-16</inkml:trace>
+  <inkml:trace contextRef="#ctx0" brushRef="#br0" timeOffset="2960">4396 464 0,'0'-25'0,"0"1"0,0 0 15,-25-1 1,1 25 0,-1 25-16,1-25 15,0 24-15,-1 0 16,-24-24-16,25 25 0,0-1 16,-1 1-16,1-1 0,-1 0 15,25 1-15,-24-25 16,24 24-16,0 1 0,24-1 15,1-24 1,-1 25-16,1-25 0,-1 0 16,0 0-16,1 0 0,-1 0 15,1 0-15,-1-25 16,0 1-16,1-1 0,-1 1 16,1-1-16,-1 1 15,1 0-15,-25-25 0,24 0 16,-24 0-16,24 0 0,-24 0 15,25 25-15,-25-25 16,0 0-16,24 25 0,-24-1 16,0 1-16,0 0 15,-24 48 1,24 0-16,-25 1 0,25-1 16,0 25-16,-24-24 15,24 23-15,0 1 0,0-24 16,0 24-16,0-1 15,0-23-15,0-1 0,0 25 16,0-25-16,0 1 0,0-1 16,24-24-16,-24 25 15,0-1-15,25-24 16,-1 0 0</inkml:trace>
+  <inkml:trace contextRef="#ctx0" brushRef="#br0" timeOffset="3204">4811 391 0,'0'-25'0,"0"1"16,-25 24 15,25 24-31,0 1 16,-24-1-16,24 0 15,0 1-15,0-1 0,0 1 16,0-1 0,0 1-16,0-1 0,0 0 15,24-24 17</inkml:trace>
+  <inkml:trace contextRef="#ctx0" brushRef="#br0" timeOffset="3415">4884 97 0,'-24'-24'15,"-1"24"-15,1 0 16,24 24 15</inkml:trace>
+  <inkml:trace contextRef="#ctx0" brushRef="#br0" timeOffset="5023">5324 146 0,'0'-24'0,"0"-1"0,0 1 15,0 0-15,0-1 16,0 1 0,0 48-1,0 1-15,-25-1 16,25 0-16,0 25 0,0 0 16,0 0-16,0 24 15,-24-24-15,24 0 0,0 24 16,0-24-16,0 0 0,0 0 15,0-25-15,0 1 16,0-1-16</inkml:trace>
+  <inkml:trace contextRef="#ctx0" brushRef="#br0" timeOffset="5400">5080 464 0,'-25'0'0,"1"-25"0,24 1 16,24 24-1,25-24-15,-25 24 0,25 0 16,25 0-16,-26-25 16,26 25-16,-1 0 0,0 0 15,-24 0-15,0-24 0,0 24 16,-25-25-16,1 25 15,-1 0-15,-24-24 0,0-1 16,-24 25 0,-1 0-1,25 25-15,-24-25 0,24 24 16,-25 1-16,25-1 16,0 1-16,0 23 0,0-23 15,0-1-15,0 1 0,-24-1 16,24 0-16,0 1 15,0-1-15,0 1 0,0-1 16</inkml:trace>
+  <inkml:trace contextRef="#ctx0" brushRef="#br0" timeOffset="5586">5788 0 0,'-25'0'0,"1"0"15,24 24 1,24 1 0</inkml:trace>
+  <inkml:trace contextRef="#ctx0" brushRef="#br0" timeOffset="6494">6154 391 0,'-24'0'16,"-1"0"-16,1 0 15,0 0 1,-1 24-16,1 0 15,-1 1 1,25-1-16,-24 1 0,-1-1 16,25 1-16,-24-1 15,24 0-15,0 1 0,0-1 16,24 1-16,1-1 16,-1-24-16,1 0 15,24 0-15,-25-24 0,25 24 16,-25-25-16,25 25 15,-25-24-15,1-1 0,-1-23 16,1 23-16,-25-24 0,0 25 16,0-25-16,-25 0 15,25 25-15,-24-25 0,-1 24 16,25 1-16,-24 0 0,0 24 16,-1 0-16,1 0 15,-1 24-15,1 0 16,0 25-1,-1-24-15,25-1 0,-24 1 16,24 23-16,0-23 0,-25-1 16,25 1-1,25-1-15,-1-24 16,1 0-16,-1 0 16,0 0-16,1 0 0,-1 0 15,1-24-15,-1 24 0,25-25 16,-25 1-16,1-1 15,24 1-15,-25 0 0,0-1 16,1 1-16,24 24 16,-25-25-16,1 25 15,-1 25-15,-24-1 16,0 1-16,0-1 0,0 0 16,0 1-16,0-1 0,-24 1 15,24-1 1,0 1-16,0-1 0,0 0 15,24-24 32,0 0-47,-24-24 16,25 0-16,-1-1 0,1 1 16,23-1-16,-23-24 0,-1 25 15,1 0-15,-1-25 16,-24 24-16,25 1 0,-1 24 15,-24 24 1,0 1 0,-24 24-16,24-25 0,0 0 15,-25 25-15,25-24 16,0-1-16,0 25 0,0-25 16,25 1-16,-25-1 15,24 1-15,0-1 0,1-24 16,-1 24-16</inkml:trace>
+</inkml:ink>
+</file>
+
+<file path=ppt/ink/ink144.xml><?xml version="1.0" encoding="utf-8"?>
+<inkml:ink xmlns:inkml="http://www.w3.org/2003/InkML">
+  <inkml:definitions>
+    <inkml:context xml:id="ctx0">
+      <inkml:inkSource xml:id="inkSrc0">
+        <inkml:traceFormat>
+          <inkml:channel name="X" type="integer" max="1920" units="cm"/>
+          <inkml:channel name="Y" type="integer" max="1080" units="cm"/>
+          <inkml:channel name="T" type="integer" max="2.14748E9" units="dev"/>
+        </inkml:traceFormat>
+        <inkml:channelProperties>
+          <inkml:channelProperty channel="X" name="resolution" value="55.81395" units="1/cm"/>
+          <inkml:channelProperty channel="Y" name="resolution" value="55.6701" units="1/cm"/>
+          <inkml:channelProperty channel="T" name="resolution" value="1" units="1/dev"/>
+        </inkml:channelProperties>
+      </inkml:inkSource>
+      <inkml:timestamp xml:id="ts0" timeString="2020-12-15T07:37:18.811"/>
+    </inkml:context>
+    <inkml:brush xml:id="br0">
+      <inkml:brushProperty name="width" value="0.05" units="cm"/>
+      <inkml:brushProperty name="height" value="0.05" units="cm"/>
+      <inkml:brushProperty name="fitToCurve" value="1"/>
+    </inkml:brush>
+  </inkml:definitions>
+  <inkml:trace contextRef="#ctx0" brushRef="#br0">416 98 0,'0'-25'0,"0"1"0,0-1 15,0 1 1,0 48 15,24 25-15,-24-24-16,0 48 15,0-24-15,24 48 0,-24-23 16,0 23-16,0 1 16,0 24-16,-24-24 0,24 0 15,0-1-15,-24-23 16,24 23-16,0-23 0,0-1 16,0-24-16,-25-1 0,25 1 15,0 0-15,0 0 16,0-25-16,0 1 0,0-1 15,0 1-15,-24-25 16</inkml:trace>
+  <inkml:trace contextRef="#ctx0" brushRef="#br0" timeOffset="252">49 1392 0,'-24'0'0,"-1"0"16,25 24 15,25-24-15,-1 25-16,1-25 0,-25 24 16,48 1-16,-23-1 15,-1 1-15,1-1 0,-1 0 16,25-24-16,-25 25 0,1-1 15,-1-24-15,1 0 16,-1 25-16,1-25 0</inkml:trace>
+  <inkml:trace contextRef="#ctx0" brushRef="#br0" timeOffset="511">782 1416 0,'24'-24'15,"-48"48"48,-1 1-63,1-1 16,0 1-16,-1-1 15,-24 1-15,25 23 0,-25-23 16,25-1-16,-1 25 15,1-24-15,-1 23 0,1-23 16,0-1-16,24 1 0,-25-1 16</inkml:trace>
+</inkml:ink>
+</file>
+
+<file path=ppt/ink/ink145.xml><?xml version="1.0" encoding="utf-8"?>
+<inkml:ink xmlns:inkml="http://www.w3.org/2003/InkML">
+  <inkml:definitions>
+    <inkml:context xml:id="ctx0">
+      <inkml:inkSource xml:id="inkSrc0">
+        <inkml:traceFormat>
+          <inkml:channel name="X" type="integer" max="1920" units="cm"/>
+          <inkml:channel name="Y" type="integer" max="1080" units="cm"/>
+          <inkml:channel name="T" type="integer" max="2.14748E9" units="dev"/>
+        </inkml:traceFormat>
+        <inkml:channelProperties>
+          <inkml:channelProperty channel="X" name="resolution" value="55.81395" units="1/cm"/>
+          <inkml:channelProperty channel="Y" name="resolution" value="55.6701" units="1/cm"/>
+          <inkml:channelProperty channel="T" name="resolution" value="1" units="1/dev"/>
+        </inkml:channelProperties>
+      </inkml:inkSource>
+      <inkml:timestamp xml:id="ts0" timeString="2020-12-15T07:37:20.251"/>
+    </inkml:context>
+    <inkml:brush xml:id="br0">
+      <inkml:brushProperty name="width" value="0.05" units="cm"/>
+      <inkml:brushProperty name="height" value="0.05" units="cm"/>
+      <inkml:brushProperty name="fitToCurve" value="1"/>
+    </inkml:brush>
+  </inkml:definitions>
+  <inkml:trace contextRef="#ctx0" brushRef="#br0">52 467 0,'-25'-24'0,"25"0"0,0-1 16,-24 1-16,24-1 16,0 1-1,0 48 1,0 1-1,24-1-15,-24 25 16,0 0-16,0-25 0,25 25 16,-25 24-16,0-24 0,24 0 15,-24 0-15,24-25 16,-24 25-16,25-24 0,-25 23 16,0-23-16,24-25 15,-24 24-15,25-24 0,-1-24 16,-24-1-16,24 25 15,1-48-15,-1 23 16,1-24-16,-1 25 0,1-25 16,-1 0-16,-24 0 15,24 25-15,1-25 0,-25 25 16,24-25-16,-24 24 16,25 25-16,-1 25 31,-24-1-16,25-24-15,-25 25 16,24-1-16,0 0 0,-24 1 16,25-1-16,-1-24 15,-24 25-15,25-1 0,-1 1 16,1-1-16,-25 0 0,24-24 16,0 25-16,1-25 15,-1 24-15,1-24 16,-1 0-16,1 0 15,-1-24-15,0 24 0,1-25 16,-25 1-16,24 0 16,1-1-16,-25 1 0,24-25 15,-24 24-15,24-23 0,-24-1 16,0 0-16,0 25 16,0-25-16,0 24 0,0 1 15,0-1-15,-24 1 16,24 0-16,0 48 47,0 0 0</inkml:trace>
+  <inkml:trace contextRef="#ctx0" brushRef="#br0" timeOffset="605">1395 614 0,'-25'-25'0,"25"1"16,0 0-1,0-1 1,25 50 15,-25-1-15,24 0-16,-24 1 15,0-1-15,0 1 0,0-1 16,0 1-16,0-1 16,0 0-16,0 1 15,0-1-15,0 1 16</inkml:trace>
+  <inkml:trace contextRef="#ctx0" brushRef="#br0" timeOffset="804">1322 296 0,'0'-24'16,"-25"24"-16,25 24 31,0 1-16</inkml:trace>
+  <inkml:trace contextRef="#ctx0" brushRef="#br0" timeOffset="1074">1688 296 0,'0'25'47,"24"-25"-47,-24 24 0,25 25 16,-25-25-16,24 25 15,-24-24-15,0 24 0,0-1 16,25 1-16,-25-24 0,0-1 15,0 25-15,0-25 16,0 1-16,0-1 0,-25-24 16,25 25-16</inkml:trace>
+  <inkml:trace contextRef="#ctx0" brushRef="#br0" timeOffset="1693">1639 614 0,'-24'0'0,"-1"0"16,1-25-16,48 1 47,1 24-47,-1 0 16,25 0-16,0-24 0,0 24 15,-25-25-15,25 25 0,0 0 16,-25-24-16,1-1 15,-1 25-15,-24-24 0,24-1 16,-24 1-16,0 0 16,0-1-16,0 1 15,0-1-15,0 1 0,0 0 16,0 48 0,0 0-1,0 1-15,0-1 16,0 25-16,0-25 0,0 25 15,0-24-15,0 24 0,0-25 16,0 25-16,0-25 16,0 1-16,0-1 0,0 1 15,0-1-15,0 0 16,25-24 0,-25 25-16,0-50 31,24 1-16,-24 0-15,25-1 16,-1-24-16,-24 25 16,25-1-16,-1 1 0,0 0 15,1-1-15,-1 1 16,1 24-16,-1 0 0,0 0 16,1 0-16,-1 24 15,1 1-15,-1-1 0,1 0 16,-25 25-16,24-24 0,-24-1 15,0 1-15,24 23 16,-24-23-16,0-1 0,0 1 16</inkml:trace>
+  <inkml:trace contextRef="#ctx0" brushRef="#br0" timeOffset="2257">3300 272 0,'0'-24'16,"0"-1"-16,0 1 15,24-1-15,-24 1 0,0-1 16,0 1-1,-24 0-15,24-1 0,-25 1 16,1-1 0,0 25-16,-1 25 15,1-1-15,-25 1 0,24-1 16,1 25-16,0 0 16,-25 0-16,49-1 0,-25 1 15,1 24-15,24-24 0,0 0 16,0 0-16,0 0 15,0-25-15,24 25 0,-24-24 16,25-1-16,-1 0 16,25 1-16,-25-25 0,1 0 15,24 24-15,-25-24 0,25 0 16,-25-24-16,25 24 16,-24-25-16,24 1 0,-25 0 15</inkml:trace>
+  <inkml:trace contextRef="#ctx0" brushRef="#br0" timeOffset="3182">3691 418 0,'0'-24'0,"0"0"15,0-1 1,-25 25-16,1-24 16,-1 24-1,1 0-15,-1 24 16,1 1-16,0-1 15,24 0-15,-25 1 16,1-1-16,24 25 0,-25-24 16,25 23-16,0-23 0,0-1 15,25 25-15,-1-24 16,1-1-16,-1-24 0,25 24 16,-25-24-16,25 0 15,-24 0-15,23 0 0,1-24 16,-24 0-16,-1 24 0,1-25 15,-25 1-15,24-25 16,-24 24-16,0 1 0,-24-25 16,24 25-16,-25-25 15,25 24-15,-24 1 0,-1 0 16,1 24-16,-1-25 0,1 25 16,0 0-1,-1 25-15,1-1 16,24 0-1,-25-24-15,25 25 16,0-1-16,0 1 16,0-1-1,25-24-15,-1 0 16,1 0-16,-1 0 16,0-24-16,1 24 15,24 0-15,-25-25 0,1 25 16,-1-24-16,25-1 15,-25 25-15,1-24 0,-1 24 16,1-24-16,-1 24 16,0 0-16,1 24 15,-1 0 1,-24 1-16,25-1 16,-25 1-16,24-1 0,-24 1 15,24-1-15,-24 0 16,0 1-16,0-1 0,0 1 15,0-1 1,-24-24 0,24 25-16,-24-25 15,24-25 1,0 1 0,24-1-16,-24 1 0,24-1 15,-24 1-15,25-25 16,-25 25-16,24-25 0,1 24 15,-1 1-15,-24 0 0,25-1 16,-1 25-16,0 0 16,1 0-16,-25 25 15,24-1-15,1-24 16,-1 24-16,1 1 0,-1-1 16,0 25-16,-24-24 15,25-1-15,-25 0 0,0 1 16,0-1-16,0 1 0,0-1 15,0 1 1</inkml:trace>
+  <inkml:trace contextRef="#ctx0" brushRef="#br0" timeOffset="3804">5132 565 0,'0'-24'0,"-25"-1"16,25 1-16,0-1 15,-24 1-15,24-1 0,-25 1 16,1 0-1,-1 24-15,1-25 0,0 25 16,-1 0-16,1 25 0,-1-1 16,1-24-16,-25 24 15,25 25-15,-1-24 0,1-1 16,-1 25-16,25-25 0,-24 25 16,24-24-16,0-1 15,24 1-15,1-1 0,-1 0 16,1-24-1,23 0-15,-23 0 0,-1 0 16,25 0-16,-24-24 16,-1 0-16,0-1 0,1 1 15,-1-1-15,-24-24 0,25 1 16,-25-1-16,0 0 16,0 0-16,0-24 0,0 24 15,0 0-15,24 0 0,-24 0 16,0 25-16,0 0 15,0-1-15,0 50 16,0-1 0,0 0-16,0 25 0,0 0 15,0 0-15,0 0 0,0 0 16,0-1-16,0 1 16,0-24-16,0 24 0,25-1 15,-25-23-15,24 24 16,-24-25-16,0 1 0,24-1 15,1 0 1</inkml:trace>
+  <inkml:trace contextRef="#ctx0" brushRef="#br0" timeOffset="4050">5351 467 0,'0'-24'15,"0"-1"1,0 50 15,25-1-15,-25 1-16,0-1 0,24 1 16,-24-1-16,0 0 15,0 1-15,0-1 0,0 1 16,0-1-16,0 1 15</inkml:trace>
+  <inkml:trace contextRef="#ctx0" brushRef="#br0" timeOffset="4225">5449 125 0,'-24'0'0,"-1"0"0,25 25 16,-24-25-16,-1 24 15,25 1-15,0-1 16</inkml:trace>
+  <inkml:trace contextRef="#ctx0" brushRef="#br0" timeOffset="4608">5815 272 0,'0'-24'0,"-24"-1"15,0 1-15,24-1 0,-25 1 16,25 48 15,0 1-15,0 24-16,0-1 0,0-23 15,25 48-15,-25-24 0,24 0 16,-24 0-16,24-1 16,-24 1-16,25 0 0,-25 0 15,0-25-15,24 25 16,-24-24-16</inkml:trace>
+  <inkml:trace contextRef="#ctx0" brushRef="#br0" timeOffset="4997">5742 638 0,'-24'0'15,"-1"-24"-15,1 24 16,24-25-16,-25 25 0,25-24 16,25 24-16,-1 0 15,-24-24-15,49 24 0,0 0 16,-25 0-16,50-25 0,-26 25 15,1 0-15,0-24 16,-24 24-16,23-25 0,-23 25 16,-1 0-16,1-24 15,-25-1 1,-25 25 15,25 25-31,0-1 16,0 1-1,0-1-15,0 1 0,0 23 16,0 1-16,25 0 0,-25-24 16,0 23-16,0 1 15,24-24-15,-24-1 0,0 1 16,25-1-16,-25 0 0,24-24 16</inkml:trace>
+  <inkml:trace contextRef="#ctx0" brushRef="#br0" timeOffset="5171">6304 272 0,'-25'0'16,"1"0"-16,0 0 15,24 24 1,0 1-16,-25-1 15</inkml:trace>
+  <inkml:trace contextRef="#ctx0" brushRef="#br0" timeOffset="6294">6939 516 0,'-25'0'16,"1"0"-16,24-24 15,-24 24-15,-1 0 16,1 0-16,-1 0 16,1 24-1,24 1-15,-25-1 0,1 0 16,24 1-16,0 24 0,-24-25 15,24 1-15,0 23 16,24-23-16,-24-1 0,24-24 16,1 25-16,-1-1 0,1 1 15,-1-25-15,25 0 16,-25 0-16,25 0 0,0-25 16,-24 1-16,23-1 15,-23 1-15,-1-1 0,1-23 16,-25-1-16,0 0 0,0 0 15,0 0-15,-25 0 16,1 0-16,-1 1 0,1 23 16,0 1-16,-1-1 15,1 25-15,-25 0 0,24 0 16,1 25-16,-25-1 0,25 1 16,-1-1-16,25 25 15,-24-25-15,24 1 0,-25 24 16,25-25-16,0 0 15,0 1-15,25-1 0,-1 1 16,1-25 0,-1 0-16,25 0 15,-25-25-15,1 25 0,24-24 16,-25-1-16,1 25 16,23-24-16,-23-25 0,-1 25 15,1-1-15,-1 1 0,1-1 16,-1 1-16,0 0 15,1 24-15,-1 0 0,1 0 16,-25 24 0,24 0-16,-24 1 0,24 24 15,-24-25-15,0 1 0,25 23 16,-25-23-16,0 24 16,0-25-16,0 1 0,0-1 15,0 0 1,0 1-1,24-25 1,-24-25-16,0 1 16,25 0-1,-25-25-15,24 24 0,1 1 16,-1-25-16,0 0 16,25 25-16,-24-25 0,-1 24 15,1 1-15,23 24 16,-23 0-16,-1 0 15,1 0-15,-25 24 0,24 1 16,-24-1-16,24 1 16,-24-1-16,0 1 0,25-1 15,-25 0-15,0 25 16,24-24-16,-24-1 0,0 1 16,25-1-16,-25 0 0,24 1 15,1-25-15,-25 24 16,24-24-16,0 25 0,1-25 15,-1 0-15,1 0 16,-1 0-16,1-25 0,-1 25 16,0-24-16,1-1 0,-1 1 15,1 0-15,-25-25 16,24 24-16,-24-24 0,25 1 16,-25 23-16,0-24 15,24 0-15,-24 25 0,0 0 16,0-1-16,-24 25 15,-1 25-15</inkml:trace>
+</inkml:ink>
+</file>
+
+<file path=ppt/ink/ink146.xml><?xml version="1.0" encoding="utf-8"?>
+<inkml:ink xmlns:inkml="http://www.w3.org/2003/InkML">
+  <inkml:definitions>
+    <inkml:context xml:id="ctx0">
+      <inkml:inkSource xml:id="inkSrc0">
+        <inkml:traceFormat>
+          <inkml:channel name="X" type="integer" max="1920" units="cm"/>
+          <inkml:channel name="Y" type="integer" max="1080" units="cm"/>
+          <inkml:channel name="T" type="integer" max="2.14748E9" units="dev"/>
+        </inkml:traceFormat>
+        <inkml:channelProperties>
+          <inkml:channelProperty channel="X" name="resolution" value="55.81395" units="1/cm"/>
+          <inkml:channelProperty channel="Y" name="resolution" value="55.6701" units="1/cm"/>
+          <inkml:channelProperty channel="T" name="resolution" value="1" units="1/dev"/>
+        </inkml:channelProperties>
+      </inkml:inkSource>
+      <inkml:timestamp xml:id="ts0" timeString="2020-12-15T07:37:39.089"/>
+    </inkml:context>
+    <inkml:brush xml:id="br0">
+      <inkml:brushProperty name="width" value="0.05" units="cm"/>
+      <inkml:brushProperty name="height" value="0.05" units="cm"/>
+      <inkml:brushProperty name="fitToCurve" value="1"/>
+    </inkml:brush>
+  </inkml:definitions>
+  <inkml:trace contextRef="#ctx0" brushRef="#br0">24 28 0,'25'25'16,"-1"-25"-1,25 24-15,-25-24 16,25 0-16,24 0 0,-24 0 16,24 0-16,-24 0 0,25-24 15,-26 24-15,1 0 16,0 0-16,-24-25 0,-1 25 15,25 0-15,-25 0 16,1 0-16,-50 0 31,1 0-31,-1 0 16,-23 0-16,23 25 0,-24-25 16,0 0-16,1 0 15,-1 24-15,0-24 0,0 0 16,-24 0-16,24 0 0,0 0 15,25 0-15,-25 0 16,24 0-16,1 0 0,0 0 16,-1 0-16,1 25 15,48-25 1,1 0-16,23 0 0,1 0 16,0 0-16,24-25 15,-24 25-15,24 0 0,1-24 16,-1 24-16,0 0 15,-24-25-15,24 25 0,-24 0 16,0 0-16,-25 0 0,1-24 16,-50 24-1,1 24 1,0-24-16,-25 0 16,0 25-16,-24-25 0,24 0 15,-24 0-15,-1 24 0,25-24 16,1 0-16,-1 0 15,0 0-15,25 0 0,-1 0 16,1 0-16,48 0 31</inkml:trace>
+</inkml:ink>
+</file>
+
+<file path=ppt/ink/ink147.xml><?xml version="1.0" encoding="utf-8"?>
+<inkml:ink xmlns:inkml="http://www.w3.org/2003/InkML">
+  <inkml:definitions>
+    <inkml:context xml:id="ctx0">
+      <inkml:inkSource xml:id="inkSrc0">
+        <inkml:traceFormat>
+          <inkml:channel name="X" type="integer" max="1920" units="cm"/>
+          <inkml:channel name="Y" type="integer" max="1080" units="cm"/>
+          <inkml:channel name="T" type="integer" max="2.14748E9" units="dev"/>
+        </inkml:traceFormat>
+        <inkml:channelProperties>
+          <inkml:channelProperty channel="X" name="resolution" value="55.81395" units="1/cm"/>
+          <inkml:channelProperty channel="Y" name="resolution" value="55.6701" units="1/cm"/>
+          <inkml:channelProperty channel="T" name="resolution" value="1" units="1/dev"/>
+        </inkml:channelProperties>
+      </inkml:inkSource>
+      <inkml:timestamp xml:id="ts0" timeString="2020-12-15T07:38:42.548"/>
+    </inkml:context>
+    <inkml:brush xml:id="br0">
+      <inkml:brushProperty name="width" value="0.05" units="cm"/>
+      <inkml:brushProperty name="height" value="0.05" units="cm"/>
+      <inkml:brushProperty name="fitToCurve" value="1"/>
+    </inkml:brush>
+  </inkml:definitions>
+  <inkml:trace contextRef="#ctx0" brushRef="#br0">71 24 0,'0'-24'16,"24"24"15,-24 24 16,-24-24-31,24 24-1,-25-24-15,25 25 0,0-1 16,-24-24-16,24 25 16,-24-25-1,24 24 1,24-24 46,-24-24-62,24 24 16,-24-25-16,25 25 16,-25-24-16,24 24 0,1 0 15,-25-25-15,24 1 16,-24 0-1,25 24-15,-25 24 32,-25 0-17,25 1 1,-24-25-16,24 24 16,-25 1-16,25-1 15,-24-24-15,24 25 0,0-1 16,-25-24-16,25 24 15,-24-24-15,24 25 0,0-50 63,0 1-47,0 0-1,0-1-15,0 1 16,0-1-16</inkml:trace>
+</inkml:ink>
+</file>
+
+<file path=ppt/ink/ink148.xml><?xml version="1.0" encoding="utf-8"?>
+<inkml:ink xmlns:inkml="http://www.w3.org/2003/InkML">
+  <inkml:definitions>
+    <inkml:context xml:id="ctx0">
+      <inkml:inkSource xml:id="inkSrc0">
+        <inkml:traceFormat>
+          <inkml:channel name="X" type="integer" max="1920" units="cm"/>
+          <inkml:channel name="Y" type="integer" max="1080" units="cm"/>
+          <inkml:channel name="T" type="integer" max="2.14748E9" units="dev"/>
+        </inkml:traceFormat>
+        <inkml:channelProperties>
+          <inkml:channelProperty channel="X" name="resolution" value="55.81395" units="1/cm"/>
+          <inkml:channelProperty channel="Y" name="resolution" value="55.6701" units="1/cm"/>
+          <inkml:channelProperty channel="T" name="resolution" value="1" units="1/dev"/>
+        </inkml:channelProperties>
+      </inkml:inkSource>
+      <inkml:timestamp xml:id="ts0" timeString="2020-12-15T07:38:57.172"/>
+    </inkml:context>
+    <inkml:brush xml:id="br0">
+      <inkml:brushProperty name="width" value="0.05" units="cm"/>
+      <inkml:brushProperty name="height" value="0.05" units="cm"/>
+      <inkml:brushProperty name="fitToCurve" value="1"/>
+    </inkml:brush>
+  </inkml:definitions>
+  <inkml:trace contextRef="#ctx0" brushRef="#br0">27 398 0,'-24'0'0,"24"-25"15,24 25 16,0 0-15,25 0-16,-24 0 16,24 0-16,-1-24 15,26 24-15,-26 0 0,1 0 16,0 0-16,0 0 16,-25 0-16,1 0 0,-1 0 15</inkml:trace>
+  <inkml:trace contextRef="#ctx0" brushRef="#br0" timeOffset="349">1077 202 0,'0'-24'15,"25"48"17,-25 1-17,0-1-15,0 1 16,24 24-16,-24-1 0,0 1 15,0 0-15,0 0 16,0 0-16,0-25 0,0 25 16,0-25-16,0 25 0,0-24 15,0-1-15,0 1 16,24-50 15,-24 1-15</inkml:trace>
+  <inkml:trace contextRef="#ctx0" brushRef="#br0" timeOffset="571">1248 276 0,'0'-49'0,"0"24"16,0 1-16,0 0 0,0-1 16,25 1-16,-25-1 15,24 25-15,-24-24 16,24 24-16,1 0 15,-1 0-15,1 0 0,-1 0 16,1 0-16,23 0 0,-23 0 16,24 0-16,-25 24 15,25-24-15,-25 0 0,1 0 16,-1 25-16,1-25 0,-25 24 16</inkml:trace>
+  <inkml:trace contextRef="#ctx0" brushRef="#br0" timeOffset="819">1297 422 0,'-24'25'16,"-1"-25"0,50 0-1,-1 0 1,0 0-16,1 0 0,24 0 15,-25 0-15,25 0 0,0 0 16,0 0-16,0 0 16,-25 0-16,25 0 0,-25 0 15,1 0-15,-1-25 32</inkml:trace>
+  <inkml:trace contextRef="#ctx0" brushRef="#br0" timeOffset="1385">2127 129 0,'-24'0'15,"0"-24"-15,-1-1 16,25 1 0,25 24-16,-25-25 15,24 25-15,0 0 16,25 0-16,-24 0 16,24-24-16,-1 24 15,1 0-15,0 0 0,0 0 16,0 0-16,0 0 0,-1 0 15,-23 0-15,-50 0 32,-23 0-17,23 24-15,1-24 0,-25 0 16,24 0-16,1 0 0,0 0 16,-1 0-16,1 0 15,-1 0-15,25 25 31,-24-1-15,24 1 0,0-1-16,24 25 15,-24-25-15,0 25 0,0 0 16,25 0-16,-25 0 0,0 0 16,0 0-16,24-25 15,-24 25-15,0 0 0,0-25 16,0 0-16,0 1 15,0-1-15,0 1 0</inkml:trace>
+  <inkml:trace contextRef="#ctx0" brushRef="#br0" timeOffset="2034">3300 154 0,'24'-25'0,"1"25"16,-25-24-1,0-1 1,0 1 0,-25 24-1,1 0 1,-25 0-16,24 0 0,-23 0 15,23 0-15,-24 0 0,0 0 16,1 0-16,-1 0 16,0 0-16,25 24 0,-1-24 15,1 0-15,-1 25 16,1-1-16,24 1 16,0-1-16,0 0 0,0 1 15,0-1-15,0 1 16,24-1-16,-24 1 0,25-1 15,-25 0-15,24-24 16,-24 25-16,25-1 0,-25 1 16,24-25-16,-24 24 15,0 0-15,0 1 16,0-1-16,0 1 16,0-1-16,0 1 15,0-1-15,0 0 16,0 1-16,0-1 0,0 1 15,0-1 1,0 1-16,0-1 16,24-24-1,-24 24-15,25-24 16,-1 0-16,1 0 0,-1 0 16,0 0-16,25 0 15,-24-24-15,24 24 0,-25 0 16,0-24-16,25-1 0,-24 25 15,-1-24-15,1-1 16,-25 1 0,0-1-16,0 1 15</inkml:trace>
+  <inkml:trace contextRef="#ctx0" brushRef="#br0" timeOffset="2286">2909 447 0,'-24'0'0,"-1"0"0,1 0 15,-1 0-15,50-25 16,-1 25 0,25 0-16,0 0 0,0 0 15,-1 0-15,26-24 0,-1 24 16,-24 0-16,0 0 15,24 0-15,-49 0 0,25-25 16,-24 25-16,-50 0 31</inkml:trace>
+</inkml:ink>
+</file>
+
+<file path=ppt/ink/ink149.xml><?xml version="1.0" encoding="utf-8"?>
+<inkml:ink xmlns:inkml="http://www.w3.org/2003/InkML">
+  <inkml:definitions>
+    <inkml:context xml:id="ctx0">
+      <inkml:inkSource xml:id="inkSrc0">
+        <inkml:traceFormat>
+          <inkml:channel name="X" type="integer" max="1920" units="cm"/>
+          <inkml:channel name="Y" type="integer" max="1080" units="cm"/>
+          <inkml:channel name="T" type="integer" max="2.14748E9" units="dev"/>
+        </inkml:traceFormat>
+        <inkml:channelProperties>
+          <inkml:channelProperty channel="X" name="resolution" value="55.81395" units="1/cm"/>
+          <inkml:channelProperty channel="Y" name="resolution" value="55.6701" units="1/cm"/>
+          <inkml:channelProperty channel="T" name="resolution" value="1" units="1/dev"/>
+        </inkml:channelProperties>
+      </inkml:inkSource>
+      <inkml:timestamp xml:id="ts0" timeString="2020-12-15T07:39:19.933"/>
+    </inkml:context>
+    <inkml:brush xml:id="br0">
+      <inkml:brushProperty name="width" value="0.05" units="cm"/>
+      <inkml:brushProperty name="height" value="0.05" units="cm"/>
+      <inkml:brushProperty name="fitToCurve" value="1"/>
+    </inkml:brush>
+  </inkml:definitions>
+  <inkml:trace contextRef="#ctx0" brushRef="#br0">1368 393 0,'24'0'15,"-24"-24"1,-24 24-1,24-25-15,-25 25 16,25 25 31,0-1-31,0 1-16,0-1 15,25 0-15,-25 1 0,0-1 16,0 1-16,0-1 15,0 25-15,0-25 0,0 1 16,24-1-16,-24 1 16,0-1-16,0 1 15,0-50 17,0 1-17,0-1-15,0 1 0,0-25 16,0 25-16,-24-25 15,24 0-15,0 0 0,0 0 16,0-24-16,0 24 16,0 0-16,0 25 0,24-25 15,-24 0-15,24 25 0,1-1 16,-1 1-16,1 24 16,-1-25-16,1 25 0,-1 0 15,0 0-15,1 0 16,-1 0-16,25 0 0,-24 25 15,-1-1-15,-24 1 0,24 23 16,1 1-16,-25-24 16,24 24-16,-24-1 0,0 1 15,25-24-15,-25 24 16,0-25-16,0 25 0,0-25 16,0 1-16,0-1 0,0 1 15,0-50 32,0 1-47,0-1 0,0 1 16,0-25-16,0 25 0,0-25 15,0 0-15,0 0 16,24 0-16,-24 0 0,0 25 16,24-25-16,1 25 15,-1 24-15,1-25 0,-1 25 16,1 0-16,-1 0 0,25 25 15,-25-25-15,1 24 16,24 0-16,-25-24 0,25 49 16,-25-24-16,1-1 15,-1 1-15,0 23 0,-24 1 16,0-24-16,25 24 0,-25-25 16,0 25-16,0 0 15,0-25-15,-25 25 0,25-25 16,0 1-16,-24-1 15,24 1-15,0-1 0,0 1 16</inkml:trace>
+  <inkml:trace contextRef="#ctx0" brushRef="#br0" timeOffset="480">2735 418 0,'0'-25'16,"0"1"-16,0-1 15,-24 50 32,-1-1-47,25 1 16,-24-1-16,0 0 15,24 1-15,0-1 0,-25 1 16,25 24-16,0-25 16,0 0-16,25 1 0,-25-1 15,24 1-15,-24-1 0,24-24 16,1 25-16,-1-25 16,1 0-16,-25-25 0,24 25 15,1-24-15,-1-1 16,0 1-16,-24-25 0,25 25 15,-25-25-15,0 24 0,0-24 16,0 25-16,-25-25 16,25 25-16,-24-25 0,0 24 15,-1 1-15,1 0 16,-1 24-16,1 0 16,-1 0-16,25 24 15,-24 0-15,24 1 16,0-1-16,24 1 15</inkml:trace>
+  <inkml:trace contextRef="#ctx0" brushRef="#br0" timeOffset="995">3004 393 0,'-25'-24'16,"1"-1"-16,24 1 0,-24-1 16,24 1-1,24 48 1,-24 1 0,24-1-16,-24 1 15,25 24-15,-1-25 0,-24 0 16,0 25-16,25-24 15,-25-1-15,0 1 0,0-1 16,0 0-16,0 1 0,0-1 16,0-48 31,0-1-47,0 1 0,0-25 15,0 25-15,0-25 0,24 24 16,-24-23-16,25-1 15,-1 24-15,-24-24 0,24 25 16,1 24-16,-1-24 0,25 24 16,-24 0-16,-1 24 15,0 0-15,-24 1 0,25-1 16,-1 1-16,-24 24 16,25-25-16,-25 0 0,0 25 15,0-24-15,24 24 0,-24-25 16,0 0-16,0 1 15,0-1-15,0 1 0,-24-1 16</inkml:trace>
+  <inkml:trace contextRef="#ctx0" brushRef="#br0" timeOffset="2490">3760 491 0,'-24'-25'0,"-1"1"15,1 24-15,-1 0 16,25-24-16,-24 24 16,48 0 15,1 24-16,-1-24 1,1 0 0,-1 0-16,0 0 15,1-24 1,-1 24-16,1 0 0,-25-25 16,24 1-16,1-1 15,-25 1 1,0-1-16,0 1 0,-25 24 15,1-24-15,-1-1 16,1 25-16,-1 0 16,1 25-16,0-25 15,-1 24-15,1 0 0,-1 1 16,25-1-16,-24 1 0,0 24 16,24-25-16,0 25 15,0-25-15,0 25 0,0-24 16,0 23-16,24-23 0,0-1 15,1 1-15,-1-1 16,1-24-16,-1 25 0,0-25 16,25 0-16,-24 0 15,-1 0-15,25-25 0,-25 1 16,1-1-16,-1 1 16,1-1-16,-1-23 0,-24-1 15,0 24-15,25-24 0,-25 1 16,0-1-16,0 24 15,0-24-15,0 25 0,0 0 16,0 48 15,0 0-31,0 1 16,0-1-16,0 1 16,0-1-16,0 1 0,0-1 15,0 0-15,0 1 16,24-1-16,0 1 0,-24 24 15,25-25-15,-1-24 0,1 24 16,-1 1-16,0-25 16,1 24-16,-1-24 0,1 0 15,24-24-15,-25 24 16,0-25-16,1 1 16,-1 0-16,-24-1 0,25-24 15,-25 25-15,0-1 16,0-23-16,24 23 0,-24 1 15,0-1-15,0 1 0,0-1 16,0 50 0,0-1-1,0 1 1,0-1-16,0 1 16,0-1-1,0 0 1,25-24-16,-1 0 15,0 0 1,1-24-16,-1 24 16,1 0-16,-1-24 15,1 24 1,-25-25-16,0 1 16,-25 24 15,1 0-16,24 24-15,-25-24 16,1 25-16,24-1 0,-25-24 16,1 24-16,24 1 15,-24-1-15,-1 25 0,25-24 16,-24 23-16,24 1 0,-25 0 16,25-24-16,0 23 15,0 26-15,0-26 0,0 1 16,0 0-16,0 24 0,0-24 15,0 0-15,0 24 16,0-24-16,0 0 0,0 0 16,0-25-16,0 25 15,0-24-15,0-1 0,0 0 16,-24 1-16,-1-25 16,1 0-16,0 0 15,-1-25-15,1 1 0,-1-25 16,-24 25-16,25-25 15,-25 0-15,25-24 0,-1 24 16,1 0-16,0 0 0,24 25 16,0-25-16,0 25 15,24-1-15,-24 1 0,49-1 16,-25 1-16,25-1 16,0 1-16,0 24 0,0-24 15,-1-1-15,-23 25 0,24-24 16,-25 24-16</inkml:trace>
+  <inkml:trace contextRef="#ctx0" brushRef="#br0" timeOffset="4938">49 295 0,'-25'0'0,"1"-24"16,24 0-1,24 24 17,1 0-32,-1 0 15,1 0-15,-1 0 16,25 0-16,-25 0 16,25 0-16,0 0 0,0 0 15,0 0-15,0 0 16,24 0-16,-24 0 0,-1 0 15,-23 0-15,24 0 0,-25-25 16,1 25-16,-1 0 16,-48 0 15,-1 0-31,1 0 16</inkml:trace>
+</inkml:ink>
+</file>
+
 <file path=ppt/ink/ink15.xml><?xml version="1.0" encoding="utf-8"?>
 <inkml:ink xmlns:inkml="http://www.w3.org/2003/InkML">
   <inkml:definitions>
@@ -1565,6 +2115,376 @@
 </inkml:ink>
 </file>
 
+<file path=ppt/ink/ink150.xml><?xml version="1.0" encoding="utf-8"?>
+<inkml:ink xmlns:inkml="http://www.w3.org/2003/InkML">
+  <inkml:definitions>
+    <inkml:context xml:id="ctx0">
+      <inkml:inkSource xml:id="inkSrc0">
+        <inkml:traceFormat>
+          <inkml:channel name="X" type="integer" max="1920" units="cm"/>
+          <inkml:channel name="Y" type="integer" max="1080" units="cm"/>
+          <inkml:channel name="T" type="integer" max="2.14748E9" units="dev"/>
+        </inkml:traceFormat>
+        <inkml:channelProperties>
+          <inkml:channelProperty channel="X" name="resolution" value="55.81395" units="1/cm"/>
+          <inkml:channelProperty channel="Y" name="resolution" value="55.6701" units="1/cm"/>
+          <inkml:channelProperty channel="T" name="resolution" value="1" units="1/dev"/>
+        </inkml:channelProperties>
+      </inkml:inkSource>
+      <inkml:timestamp xml:id="ts0" timeString="2020-12-15T07:39:50.593"/>
+    </inkml:context>
+    <inkml:brush xml:id="br0">
+      <inkml:brushProperty name="width" value="0.05" units="cm"/>
+      <inkml:brushProperty name="height" value="0.05" units="cm"/>
+      <inkml:brushProperty name="fitToCurve" value="1"/>
+    </inkml:brush>
+  </inkml:definitions>
+  <inkml:trace contextRef="#ctx0" brushRef="#br0">195 0 0,'0'24'63,"0"1"-63,0-1 15,0 1 1,0 23-16,0-23 0,0-1 16,0 25-16,0-24 15,0 23-15,25-23 0,-25-1 16,0 25-16,0-24 0,0-1 15,24 0-15,-24 1 16,0-1-16,0 1 31</inkml:trace>
+  <inkml:trace contextRef="#ctx0" brushRef="#br0" timeOffset="336">0 440 0,'24'24'0,"1"-24"15,-25 24-15,24-24 0,1 25 16,-1-25-16,0 24 16,1-24-1,-1 0 1,-24 25-16,25-25 15</inkml:trace>
+  <inkml:trace contextRef="#ctx0" brushRef="#br0" timeOffset="870">513 366 0,'0'25'47,"-25"-1"-31,1-24-1,24 25-15,-25-25 16,1 24-16,0 0 15,-1 1 1,1-1-16,-1-24 31,25 25-31,-24-1 32,0 0 46</inkml:trace>
+</inkml:ink>
+</file>
+
+<file path=ppt/ink/ink151.xml><?xml version="1.0" encoding="utf-8"?>
+<inkml:ink xmlns:inkml="http://www.w3.org/2003/InkML">
+  <inkml:definitions>
+    <inkml:context xml:id="ctx0">
+      <inkml:inkSource xml:id="inkSrc0">
+        <inkml:traceFormat>
+          <inkml:channel name="X" type="integer" max="1920" units="cm"/>
+          <inkml:channel name="Y" type="integer" max="1080" units="cm"/>
+          <inkml:channel name="T" type="integer" max="2.14748E9" units="dev"/>
+        </inkml:traceFormat>
+        <inkml:channelProperties>
+          <inkml:channelProperty channel="X" name="resolution" value="55.81395" units="1/cm"/>
+          <inkml:channelProperty channel="Y" name="resolution" value="55.6701" units="1/cm"/>
+          <inkml:channelProperty channel="T" name="resolution" value="1" units="1/dev"/>
+        </inkml:channelProperties>
+      </inkml:inkSource>
+      <inkml:timestamp xml:id="ts0" timeString="2020-12-15T07:40:07.819"/>
+    </inkml:context>
+    <inkml:brush xml:id="br0">
+      <inkml:brushProperty name="width" value="0.05" units="cm"/>
+      <inkml:brushProperty name="height" value="0.05" units="cm"/>
+      <inkml:brushProperty name="fitToCurve" value="1"/>
+    </inkml:brush>
+  </inkml:definitions>
+  <inkml:trace contextRef="#ctx0" brushRef="#br0">236 146 0,'-24'0'16,"48"0"62,0 0-78,1 0 16,-1 0-16,1 25 15,23-25-15,1 0 0,0 0 16,-24 0-16,48 0 16,-49 0-16,25 0 0,0 0 15,-25 0-15,1 0 0,-1 0 16,-24 24-1,-24-24-15,-1 0 16,1 0-16,0 0 16,-25 0-16,0 0 0,24 0 15,-23 0-15,-1 0 0,24 0 16,-24 0-16,25 0 16,0 0-16,-25 0 0,24 25 15,1-25-15,0 0 16,-25 0-16,24 0 0,1 0 15,-1 0-15,1 0 0,0 0 16,-1 0 0,25 24-16,-24-24 15,48 0 1,1 0 0,-1 0-16,0 0 0,1 0 15,24-24-15,-25 24 16,25 0-16,24 0 0,-24 0 15,24-25-15,-24 25 0,24 0 16,1 0-16,-25 0 16,-1 0-16,1 0 0,0 0 15,-25 0-15,1 0 16,-1 0-16,-48 0 31,-1 0-31,1 0 0,-25 0 16,0 0-16,1 0 0,-26 0 15,25-24-15,1 24 16,-26 0-16,25 0 0,1-25 16,-1 25-16,0 0 0,25 0 15,-25 0-15,24 0 16,1-24-16,-1 24 16,50 0-1,-1 0 1,1 0-16,-1 0 0,25 0 15,-25 0-15,25 0 16,0 0-16,0 0 0,0 0 16,24 0-16,-24 0 15,0 0-15,0 0 0,-1 0 16,1 0-16,0 0 0,-25-25 16,1 25-16,-1 0 15,-48 0 1,-1 0-16,1 0 15,-25 0-15,0-24 0,1 24 16,-26 0-16,1 0 0,24 0 16,-24 0-16,0 0 15,24 0-15,0 24 0,25-24 16,-1 0-16,1 0 16,24 25-16,24-25 15,1 0-15,23 24 16,1-24-16,0 0 15,0 0-15,0 0 0,24 0 16,-24-24-16,24 24 0,0 0 16,-24-25-16,0 25 15,24 0-15,-24 0 0,-24 0 16,23-24-16,-23 24 16,-1 0-16,-48 0 15,-1 0 1,-23 0-16,-26 0 15,25 0-15,-24 0 0,0 0 16,-25 0-16,25 0 16,0 0-16,-1 0 0,1 0 15,24 0-15,1 0 16,-1 0-16,24 0 0,1 0 16,-1 0-16,1 0 0,48 0 31,1 0-31,-1 0 15,25 0-15,-24 0 0,23 0 16,1 0-16,0 0 16,24 0-16,-24 0 0,0 0 15,24 0-15,-24 0 16,0 0-16,0 0 0,0 0 16,-25-24-16,25 24 0,-74 0 31,1 0-31,-25 0 15,-24 0-15,24 0 16,-24 0-16,0 0 0,-1 0 16,1 0-16,24 0 0,0 0 15,1 0-15,23 0 16,1 0-16,24 24 0,24 0 31,25-24-31,-25 0 16,1 0-16,24 0 0,-25 0 15,25 0-15,-25 0 16,25 0-16,-24 0 0,23 0 16,-23 0-16,-25-24 15,24 24-15,1 0 0,-25-24 16,-25 24 0,1-25-1,-1 25 1,1 0-1,0 0-15,48 0 547,-24-24-437</inkml:trace>
+</inkml:ink>
+</file>
+
+<file path=ppt/ink/ink152.xml><?xml version="1.0" encoding="utf-8"?>
+<inkml:ink xmlns:inkml="http://www.w3.org/2003/InkML">
+  <inkml:definitions>
+    <inkml:context xml:id="ctx0">
+      <inkml:inkSource xml:id="inkSrc0">
+        <inkml:traceFormat>
+          <inkml:channel name="X" type="integer" max="1920" units="cm"/>
+          <inkml:channel name="Y" type="integer" max="1080" units="cm"/>
+          <inkml:channel name="T" type="integer" max="2.14748E9" units="dev"/>
+        </inkml:traceFormat>
+        <inkml:channelProperties>
+          <inkml:channelProperty channel="X" name="resolution" value="55.81395" units="1/cm"/>
+          <inkml:channelProperty channel="Y" name="resolution" value="55.6701" units="1/cm"/>
+          <inkml:channelProperty channel="T" name="resolution" value="1" units="1/dev"/>
+        </inkml:channelProperties>
+      </inkml:inkSource>
+      <inkml:timestamp xml:id="ts0" timeString="2020-12-15T07:40:10.512"/>
+    </inkml:context>
+    <inkml:brush xml:id="br0">
+      <inkml:brushProperty name="width" value="0.05" units="cm"/>
+      <inkml:brushProperty name="height" value="0.05" units="cm"/>
+      <inkml:brushProperty name="fitToCurve" value="1"/>
+    </inkml:brush>
+  </inkml:definitions>
+  <inkml:trace contextRef="#ctx0" brushRef="#br0">0 73 0,'0'-24'0,"0"-1"15,25 25-15,-25-24 32,24 24-32,-24 24 31,0 1-16,0-1-15,0 1 0,0-1 16,0 25-16,0-25 16,0 25-16,0 0 0,0 0 15,0 0-15,0-25 16,0 25-16,0-24 0,0 23 16,24-23-16,-24-1 0,0 1 15</inkml:trace>
+  <inkml:trace contextRef="#ctx0" brushRef="#br0" timeOffset="524">464 220 0,'0'-25'31,"25"25"-15,-25-24-16,-25 24 47,25 24-32,-24 1-15,-1-1 16,25 1-16,-24-1 0,24 25 15,0-25-15,0 1 16,0-1-16,0 1 0,24 24 16,-24-25-16,25 0 15,-1-24-15,1 25 0,23-25 16,-23 0-16,-1 0 0,1-25 16,24 25-16,-25-24 15,0 0-15,1-25 0,-25 24 16,24-24-16,-24 25 15,0-25-15,0 25 0,-24-25 16,-1 24-16,1-23 0,0 23 16,-1 25-16,1-24 15,-1 24-15,1 0 0,-1 0 16,1 0-16,0 24 0,-1-24 16,25 25-16,-24-25 15,24 24-15,0 0 16,24-24-16,-24 25 15</inkml:trace>
+  <inkml:trace contextRef="#ctx0" brushRef="#br0" timeOffset="980">1246 122 0,'24'-24'16,"-48"24"-1,-1 0-15,1 0 16,0 0-16,-1 0 16,1 24-16,-1-24 0,1 25 15,-1-1-15,25 0 16,-24 1-16,24 24 0,-24-25 15,24 1-15,0 23 0,0 1 16,0-24-16,0-1 16,0 25-16,24-25 0,0 1 15,1-1 1,-1-24-16,25 0 0,-24 0 16,-1-24-16,0-1 0,25 1 15,-24 0-15,-1-1 16,0-24-16,-24 25 0,25-25 15,-25 0-15,0 25 16,0-25-16,0 24 0,-25-23 16,25 23-16,-24 1 0,0-1 15,-1 25-15,-24 0 16,25 0-16,0 0 0,-1 0 16</inkml:trace>
+</inkml:ink>
+</file>
+
+<file path=ppt/ink/ink153.xml><?xml version="1.0" encoding="utf-8"?>
+<inkml:ink xmlns:inkml="http://www.w3.org/2003/InkML">
+  <inkml:definitions>
+    <inkml:context xml:id="ctx0">
+      <inkml:inkSource xml:id="inkSrc0">
+        <inkml:traceFormat>
+          <inkml:channel name="X" type="integer" max="1920" units="cm"/>
+          <inkml:channel name="Y" type="integer" max="1080" units="cm"/>
+          <inkml:channel name="T" type="integer" max="2.14748E9" units="dev"/>
+        </inkml:traceFormat>
+        <inkml:channelProperties>
+          <inkml:channelProperty channel="X" name="resolution" value="55.81395" units="1/cm"/>
+          <inkml:channelProperty channel="Y" name="resolution" value="55.6701" units="1/cm"/>
+          <inkml:channelProperty channel="T" name="resolution" value="1" units="1/dev"/>
+        </inkml:channelProperties>
+      </inkml:inkSource>
+      <inkml:timestamp xml:id="ts0" timeString="2020-12-15T07:36:49.209"/>
+    </inkml:context>
+    <inkml:brush xml:id="br0">
+      <inkml:brushProperty name="width" value="0.05" units="cm"/>
+      <inkml:brushProperty name="height" value="0.05" units="cm"/>
+      <inkml:brushProperty name="fitToCurve" value="1"/>
+    </inkml:brush>
+  </inkml:definitions>
+  <inkml:trace contextRef="#ctx0" brushRef="#br0">16955 171 0,'0'25'47,"0"-1"-32,0 1-15,0-1 16,0 1-16,0-1 0,0 0 15,-25 1-15,25-1 0,0 1 16,-24-1-16,24 1 16,0-1-1,-25-24-15,25 24 0,0-48 47,0 0-47,0-1 0,0 1 16,-24-25-16,24 24 0,0-23 15,0-1-15,24 24 16,-24-24-16,25 25 0,-1 0 16,-24-1-16,25 1 15,-1-1-15,0 25 0,1 0 16,-1 0-16,25 0 0,-24 0 16,-1 25-16,0-25 15,1 24-15,-1-24 0,1 0 16,-25 25-16,24-25 0,-24 24 15,-24 0 1,-1-24-16,1 25 16,-1-25-16,1 24 15,-25-24-15,25 25 0,-1-25 16,1 24 0,-1-24-1,25 25 1,25-25-16,-1 0 15,1 0-15,24 24 16,-25-24-16,0 0 16,1 24-16,24-24 0,-49 25 15,24-1-15,1-24 0,-25 25 16,0-1 0,-25-24-16,25 25 0,-24-25 15,-1 24-15,1-24 16,-1 0-16,1 0 0,0 0 15,-1 0-15,1 0 0,-1 0 16,1-24 0,24-1-16</inkml:trace>
+  <inkml:trace contextRef="#ctx0" brushRef="#br0" timeOffset="245">17516 49 0,'25'25'62,"-1"-1"-46,-24 1-1,0-1 1,0 0-16,0 1 0,0-1 16,0 1-16</inkml:trace>
+  <inkml:trace contextRef="#ctx0" brushRef="#br0" timeOffset="882">18176 391 0,'24'0'16,"-24"-24"-1,0-1 1,25 25-1,-25-24-15,0 0 16,0-1-16,0 1 16,0-1-1,-25 25-15,25-24 0,-24 24 16,-1-25-16,1 25 0,0 0 16,-1 0-16,1 25 15,-1-25-15,1 24 0,-1-24 16,1 25-16,0-1 15,24 1-15,-25-1 0,25 0 16,-24 1-16,24-1 16,0 1-16,24-1 15,-24 0-15,25-24 0,-1 0 16,0 0-16,1 0 16,-1 0-16,1 0 0,-1-24 15,1 24-15,-1-24 16,0-1-16,1 1 0,-1-1 15,1-23-15,-1 23 0,-24 1 16,24-25-16,1 24 16,-25-23-16,24 23 0,-24-24 15,0 25-15,0-1 0,25 25 16,-25 25 15,0-1-31,0 1 16,0-1-16,0 25 0,0-25 15,-25 1-15,25 24 0,0-25 16,0 1-16,0-1 16,0 0-16,0 1 0,0-1 15,0 1-15</inkml:trace>
+  <inkml:trace contextRef="#ctx0" brushRef="#br0" timeOffset="1980">18640 294 0,'24'0'16,"-24"-25"-1,25 1-15,-1-1 16,-24 1-1,0-1 1,-24 25 0,-1 0-1,1 0 1,-1 0-16,25 25 0,-24-25 16,0 24-16,-1 1 15,1-1-15,-1 1 0,1-1 16,24 0-1,0 1-15,0-1 16,24-24-16,-24 25 16,25-25-16,-1 0 15,1 0-15,-1-25 0,0 25 16,1-24-16,-1-1 0,1 25 16,-1-24-16,0 0 15,-24-1-15,25 1 16,-25-1-1,24 25-15,-24 25 32,0-1-17,0 1-15,0-1 16,0 0 0,25-24-16,-25 25 0,0-1 15,24-24 1,1 0-16,-1 0 15,0 0-15,1-24 0,-1-1 16,1 25 0,-1-24-16,-24 0 0,25-1 15,-25 1 1,24-1-16,-24 1 16,0 48 15,0 1-16,0-1-15,0 1 16,0-1-16,24-24 16,-24 24-16,25-24 0,-1 25 15,1-25 1,-1 0-16,1 0 0,-1 0 16,25-25-16,-25 25 0,1-24 15,-1 24-15,25-24 16,-25-1-16,1 1 15,-25-1 1,-25 1 0,1 48-1,24 1 1,-24-25-16,24 24 0,-25 1 16,1-1-16,24 25 0,-25-25 15,25 25-15,-24-24 16,24 23-16,0 1 0,-25 0 15,25-25-15,0 25 16,0-24-16,0 24 0,0-1 16,-24-23-16,24-1 15,0 1-15,0-1 0,-24-24 16,-1 25-16,1-25 16,-1 0-16,1-25 15,-1 25-15,25-24 0,-24-1 16,0 1-16,24-1 15,0 1-15,-25 0 0,25-1 16,0 1-16</inkml:trace>
+  <inkml:trace contextRef="#ctx0" brushRef="#br0" timeOffset="2322">19739 367 0,'0'-25'15,"0"1"16,24 24-15,1-24 0,-1 24-16,1 0 0,-1 0 15,0 0-15,25 0 16,-24-25-16,-1 25 0,0 0 16,1 0-16,-1 0 0,1 0 15</inkml:trace>
+  <inkml:trace contextRef="#ctx0" brushRef="#br0" timeOffset="4199">20789 147 0,'0'-24'0,"0"-1"47,24 25-16,1 0-31,-1 0 16,25 0-16,-24 0 15,23 0-15,1 25 0,-24-25 16,24 0-16,-25 0 0,0 0 16,1 0-16</inkml:trace>
+  <inkml:trace contextRef="#ctx0" brushRef="#br0" timeOffset="4634">21717 196 0,'-24'0'0,"24"-25"15,24 25 32,1 0-31,-1 25-16,0-25 16,25 0-16,-24 0 0,23 0 15,1 0-15,-24 0 16,24 0-16,-25 0 0,0 0 15,1 0-15,-1-25 16</inkml:trace>
+  <inkml:trace contextRef="#ctx0" brushRef="#br0" timeOffset="5034">22938 196 0,'-24'0'0,"48"0"78,1 0-78,-1 0 16,1 0-16,23 0 15,-23-25-15,24 25 0,-25 0 16,0 0-16,25 0 15,-24 0-15,-1 0 16,1 0-16</inkml:trace>
+  <inkml:trace contextRef="#ctx0" brushRef="#br0" timeOffset="5417">24159 196 0,'25'0'47,"-1"0"-47,1 0 16,-1 0-16,1-25 15,-1 25-15,0 0 16,1 0-16,24 0 15,-25 0-15,1 0 0,-1 0 16,0 0 0,1 0-1</inkml:trace>
+  <inkml:trace contextRef="#ctx0" brushRef="#br0" timeOffset="5797">25332 123 0,'0'24'16,"24"-24"15,1-24-31,-1 24 16,0 0 0,1 0-16,-1 0 15,1 0 1,-1 0-1,1 0-15,-1 0 16,0 0-16,1 0 16,-1 0-1,1 0 1</inkml:trace>
+  <inkml:trace contextRef="#ctx0" brushRef="#br0" timeOffset="6162">26480 123 0,'-25'0'15,"50"0"32,-1 0-47,0-25 0,1 25 16,-1 0-16,1 0 16,-1 0-16,1 0 0,-1 0 15,0 0 1,1 0-16,-1 0 15,1 0 1,-1 0-16,-24-24 63</inkml:trace>
+  <inkml:trace contextRef="#ctx0" brushRef="#br0" timeOffset="6552">27530 49 0,'24'0'47,"1"0"-47,-1 0 16,1 0-16,-1 0 0,0 0 16,1 0-16,-1 0 15,1 0-15,-1 0 16,0 0-16,1 0 0,-1 0 15,1 0-15,-1 0 16,1 0-16,-1 0 16,0 0-1</inkml:trace>
+  <inkml:trace contextRef="#ctx0" brushRef="#br0" timeOffset="8831">22523 831 0,'24'0'47,"1"0"-31,-1 0-16,1 0 15,-1 0-15,1 0 16,23 0-16,-23 0 0,-1 0 16,1 0-16,-1 0 15,1 0-15,-1 0 16</inkml:trace>
+  <inkml:trace contextRef="#ctx0" brushRef="#br0" timeOffset="9173">23451 831 0,'25'0'15,"-1"0"1,0 0 0,1 0-16,-1 0 0,1 0 15,-1 0-15,25 0 16,-25 0-16,25 0 0,-24 0 15,-1 0-15,0 0 0,1 0 16,-1 0 0,1-25-1,-1 25 1,1 0 0</inkml:trace>
+  <inkml:trace contextRef="#ctx0" brushRef="#br0" timeOffset="9534">24550 855 0,'25'0'16,"-1"0"-1,0-24-15,1 24 16,24 0-16,-25 0 0,1 0 16,-1 0-16,0 0 15,1 0-15,-1 0 0,-24-25 16,25 25-16,-1 0 15,1 0-15,-1 0 16,0 0 0</inkml:trace>
+  <inkml:trace contextRef="#ctx0" brushRef="#br0" timeOffset="8099">20716 806 0,'24'0'31,"1"0"-31,-1 0 16,0 0-16,1 0 16,-1-24-16,1 24 0,-1 0 15,1 0-15,-1 0 0,0 0 16,1 0-1,-1 0-15,-24-24 0</inkml:trace>
+  <inkml:trace contextRef="#ctx0" brushRef="#br0" timeOffset="8471">21424 806 0,'0'25'0,"24"-25"31,1 0 0,-1-25-15,1 25-1,-1 0-15,1 0 16,-1 0-16,0 0 0,1 0 16,-1 0-16,1 0 0,-1 0 15,1 0-15,-25-24 31</inkml:trace>
+  <inkml:trace contextRef="#ctx0" brushRef="#br0" timeOffset="10123">25722 806 0,'-24'0'15,"24"-24"17,24 24-32,1 0 15,-1 0 1,1 0-16,-1 0 0,25-24 15,-25 24-15,1 0 16,-1 0-16,1 0 0,-1 0 16,1-25-16,-1 25 0,0 0 15,1 0 48</inkml:trace>
+  <inkml:trace contextRef="#ctx0" brushRef="#br0" timeOffset="10691">26626 709 0,'-24'-25'16,"48"25"31,1 0-47,-1 25 15,0-25 1,1 0-16,24 0 0,-25 24 15,1-24-15,23 0 0,-23 0 16,-1 0-16,1 0 16,-1 0-16,0 0 0,-24-24 15,0-1 17</inkml:trace>
+  <inkml:trace contextRef="#ctx0" brushRef="#br0" timeOffset="11315">27603 782 0,'24'0'15,"1"-24"1,-1 24-1,1 0 1,-1 0-16,1 0 16,-1 0-16,25 0 0,-25 0 15,1 0-15,-1 0 16,1 0-16,-1 0 0,0 0 16,1 0-16</inkml:trace>
+  <inkml:trace contextRef="#ctx0" brushRef="#br0" timeOffset="12517">20691 1515 0,'-24'24'0,"48"-24"31,1-24-15,-1 24-16,1 0 15,-1 0-15,25 0 0,-25 0 16,25 0-16,-24 0 0,23 0 16,-23 0-16,-1 0 15,1 0-15,-1 0 0,1 0 31</inkml:trace>
+  <inkml:trace contextRef="#ctx0" brushRef="#br0" timeOffset="13014">21815 1515 0,'-25'0'16,"1"0"-1,24-25 16,24 25-15,1 0 0,-1 0-16,1 0 0,-1 0 15,0 0-15,1 0 16,24 0-16,-25 0 0,1 0 16,-1 0-16,0 0 0,1 0 15,-1 0-15,1 0 16</inkml:trace>
+  <inkml:trace contextRef="#ctx0" brushRef="#br0" timeOffset="13436">22767 1539 0,'0'-24'47,"25"24"-47,-1 0 16,1 0-1,-1 0 1,0 0-16,-24-25 15,25 25-15,-1 0 0,1 0 16,-1 0-16,1 0 16,-1 0-1,0 0-15,1 0 47,-25 25-31</inkml:trace>
+  <inkml:trace contextRef="#ctx0" brushRef="#br0" timeOffset="13853">23695 1539 0,'25'0'16,"-1"0"-1,1 0 1,-1 0-1,0 0 1,1 0-16,-1 0 0,1 0 16,-1 0-1,1 0-15,-1 0 0,0 0 16,1 0 0,-25-24 30</inkml:trace>
+  <inkml:trace contextRef="#ctx0" brushRef="#br0" timeOffset="14196">24648 1539 0,'24'0'16,"1"0"-1,-1 0 1,1 0 0,-1-24-16,0 24 0,1 0 15,-1 0 1,1 0-16,-1 0 16,-48 0 15</inkml:trace>
+  <inkml:trace contextRef="#ctx0" brushRef="#br0" timeOffset="161411">18518 6766 0,'0'-25'16,"0"1"15,-25 24-31,25-25 16,0 1-1,0 0-15,0-1 16,25 1-16,-25-1 0,24 25 16,-24-24-16,25 24 15,23-25-15,-23 25 0,-1 0 16,1 0-16,24 0 16,-25 0-16,0 0 0,1 0 15,-1 25-15,1-25 0,-1 24 16,-24 1-1,0-1-15,0 1 16,0-1-16,0 0 16,-24 1-16,-1-1 0,1 1 15,24-1 1,-25 1-16,1-1 0,24 0 16,-24 1-16,24-1 0,-25 1 15,25-1-15,-24 0 16,-1 1-16,25-1 15,0 1-15,0-1 16,0 1 0,0-1-1,25-24 1,-25 24-16,0 1 16,0-1-16</inkml:trace>
+  <inkml:trace contextRef="#ctx0" brushRef="#br0" timeOffset="161993">18835 7645 0,'0'-25'15,"0"50"63,-24-25-62,-1 0 0,1 0-1,24-25 1,-24 25 0,24-24-16,0 0 15,0-1-15,24 1 16,0 24-1,1 0 17,-25 24-32</inkml:trace>
+  <inkml:trace contextRef="#ctx0" brushRef="#br0" timeOffset="92673">3473 538 0,'0'-25'15,"0"1"1,24 24-16,-24-25 0,25 1 16,-1 0-1,1 24-15,-1 24 16,-24 0 0,0 1-16,25 24 0,-25 0 15,0-1-15,0 1 0,24 25 16,-24-26-16,24 26 15,1-25-15,-1-1 0,1 1 16,-1 0-16,25-24 0,-25-1 16,25 0-16,0-24 15,0 0-15,0 0 0,0 0 16,24-24-16,-24 0 16,0-25-16,-25 0 0,25 0 15,-25-24-15,1 24 0,-1-24 16,-24-1-16,0 1 15,0 0-15,-24-1 0,24 26 16,-25-1-16,1 24 0,24 1 16,-25 0-16,1 48 15,24 0 1,0 1-16,-24-1 16,24 1-16,0-1 0,0 0 15</inkml:trace>
+  <inkml:trace contextRef="#ctx0" brushRef="#br0" timeOffset="93182">5280 635 0,'0'-24'0,"0"0"15,0-1-15,0 1 16,0-1-16,0-23 16,-24 48-16,0-49 0,24 24 15,-25 25-15,1-24 16,-1 24-16,-24-25 0,25 25 16,-25 0-16,0 25 0,0-1 15,1 1-15,-1-25 16,0 49-16,0-25 0,25 0 15,-1 1-15,1-1 16,24 25-16,0-25 0,24 25 16,-24-24-16,25 24 0,23-25 15,1 0-15,0 1 16,24-1-16,-24 1 0,25-1 16,-26-24-16,1 25 0,0-1 15,0 0-15,0 1 16,-25-1-16,1 1 0,-1-1 15,-24 0-15,0 1 16,0-1-16,-24 1 0,-1-1 16,-24 1-16,1-1 15,-1 0-15,-25-24 0,1 25 16,0-25-16,0 0 0,24 0 16,-25 0-16,26 0 15,23 0-15,1 0 0</inkml:trace>
+  <inkml:trace contextRef="#ctx0" brushRef="#br0" timeOffset="93961">3571 1686 0,'0'-25'15,"0"1"1,24 24-16,-24-25 16,0 50 15,-24-1-15,-1 1-16,-23-1 0,23 25 15,-24 0-15,-24 0 16,24-1-16,-24 1 0,0 25 15,-25-1-15,25-24 16,-25 24-16,0 0 0,-24 1 16,24-1-16,1 0 0,-1 0 15,0 1-15,1-1 16,23-24-16,1 24 0,0-24 16,24-25-16,25 25 15,-25 0-15,24-25 0,25 1 16,-24-1-16,-1-24 0,25 25 15,-24-25-15,24 24 16,-24-24-16,-1 0 31</inkml:trace>
+  <inkml:trace contextRef="#ctx0" brushRef="#br0" timeOffset="94411">1470 2956 0,'25'-25'0,"-25"1"0,0-1 16,0-23-16,0 23 16,0-24-16,24 25 0,-24-1 15,0 1-15,25 24 0,-25-24 16,24 48 0,-24 0-16,0 1 15,0-1-15,0 25 0,0-24 16,0 23-16,0 26 15,-24-25-15,24-1 0,-25 1 16,1 24-16,24-24 16,-25 0-16,25-24 0,-24 23 15,24-23-15,0-1 0,-24 1 16,24-1-16,0 1 16,0-1-16,24-24 31,0 0-31,25 0 15,0 0-15,0-24 0,24 24 16,0 0-16,1-25 16,23 25-16,-23 0 0,23-24 15,1 24-15,0 0 16,-25 0-16,0 0 0,1 0 16,-26 0-16</inkml:trace>
+  <inkml:trace contextRef="#ctx0" brushRef="#br0" timeOffset="94849">4694 2125 0,'0'-24'0,"0"-25"15,25 25-15,-25-25 0,0 73 31,-25 25-15,25-25-16,0 25 0,-24 25 16,24-26-16,0 26 15,0-1-15,0 25 0,0-25 16,0 25-16,24-25 0,-24 25 16,0-25-16,25 25 15,-25-25-15,0 0 0,0 0 16,0-24-16,0 0 15,0 0-15,0 0 0,-25-25 16</inkml:trace>
+  <inkml:trace contextRef="#ctx0" brushRef="#br0" timeOffset="95258">4352 3175 0,'-24'0'0,"24"25"16,0-1 0,24-24-1,1 25-15,24-1 0,-25 1 16,0-1-16,25 25 16,0-25-16,-24 1 0,23 24 15,-23-25-15,-1 0 16,1 1-16,-1-1 0,1-24 15,-1 25-15,0-25 0,1 0 16,-1-25-16,1 1 16,-1-1-16,0 1 0,25-25 15,-24 0-15,24 0 16,-25 1-16,0-1 0,1 0 16,-1 0-16,1 25 0,-1-1 15,-24 1-15,0-1 16,0 50-1,-24-1 1,24 1-16,-25-25 0,25 24 16,-24 0-16,-1-24 15,25 25-15</inkml:trace>
+  <inkml:trace contextRef="#ctx0" brushRef="#br0" timeOffset="95704">5842 2028 0,'0'-25'0,"-24"1"0,24-1 16,0 1-16,0-1 15,0 1-15,0 0 0,24 24 16,1 0-16,-1 0 16,0 0-16,1 24 0,24 0 15,-25 1-15,49 24 0,-24 0 16,24 24-16,1-24 15,23 48-15,-23-23 0,-1 23 16,25 1-16,-25-25 16,0 25-16,-24 0 0,24-25 15,-24 0-15,0-24 0,0 24 16,0-24-16,-25-24 16,1 23-16,-1-23 0,0-1 15,-24 1-15,0-50 16,0 1-1</inkml:trace>
+  <inkml:trace contextRef="#ctx0" brushRef="#br0" timeOffset="96031">7332 2614 0,'24'0'0,"-24"24"47,0 1-47,0-1 16,0 0-16,0 25 0,25 0 15,-25 0-15,0 0 16,0 0-16,24-1 0,-24 1 16,0 0-16,0-24 0,-24 23 15,-1-23-15,1-1 16,-1 1-16,-23-25 0,-1 24 15,0-24-15,-24 0 16,-1 0-16,26 25 0,-26-25 16,1 0-16,24 0 0,-24 24 15,24-24-15,25 0 16,-1 24-16,1-24 0</inkml:trace>
+  <inkml:trace contextRef="#ctx0" brushRef="#br0" timeOffset="96572">7332 1393 0,'-24'0'0,"-25"-25"15,24 1-15,1-1 16,24 1 0,24 24-16,1 24 15,-1-24-15,25 25 0,0-1 16,48 25-16,1-25 16,0 25-16,24 0 0,24 24 15,1-24-15,0 25 16,-1-1-16,25-24 0,-24 24 15,24 0-15,-25-24 0,25 24 16,-24 1-16,-1-26 16,1 26-16,-25-26 0,-24-23 15,-25 24-15,0-25 0,-49-24 16,1 25-16,-1-25 16,-24-25-16,-24 25 0,24-24 15,-25-1-15,1 1 16,0-25-16,-1 25 0</inkml:trace>
+  <inkml:trace contextRef="#ctx0" brushRef="#br0" timeOffset="96902">10092 1905 0,'0'-24'16,"24"48"15,1 25-31,-1-24 16,0-1-16,25 25 0,-24 0 15,24 0-15,-25 24 16,25-24-16,-25 0 0,1 24 16,-1 0-16,-24-24 15,24 0-15,-24 24 0,0-48 16,-24 23-16,24 1 0,-24-24 15,-25-1-15,0 1 16,0-25-16,0 24 0,0 0 16,-24-24-16,-25 25 15,25-25-15,-24 24 0,-1-24 16,0 25-16,-24-25 16</inkml:trace>
+  <inkml:trace contextRef="#ctx0" brushRef="#br0" timeOffset="97855">1226 4152 0,'-24'0'0,"-1"-24"16,1 24-16,-1 0 0,-23-24 15,23 24-15,1 0 16,24 24-16,0 0 16,0 25-16,0-24 15,0 24-15,0-1 16,0 1-16,0 0 0,0 0 15,0-25-15,0 25 16,0-24-16,0-1 0,0 0 16,-25 1-16,1-50 31,24 1-31,-24-25 16,24 0-16,-25 0 15,25-24-15,0 0 0,-24 0 16,24-1-16,0 1 0,24 24 15,1-24-15,-1 24 16,0 25-16,1-1 0,24 25 16,-1 0-16,-23 0 15,24 0-15,0 25 0,-25-1 16,25 1-16,-25-1 0,-24 0 16,25 1-16,-25 24 15,0-25-15,-25 1 0,1-1 16,-1 0-16,-23 1 15,-1-1-15,24 1 0,-24-1 16,25 1-16,-25-25 0,25 0 16,24 24-16,0 0 15,24-24 1,1 25-16,-1-1 16,0 1-16,25-25 0,0 24 15,0 25-15,0-25 0,0 1 16,0-1-16,-1 1 15,1-1-15,0 0 0,0 25 16,0-24-16,0-25 16</inkml:trace>
+  <inkml:trace contextRef="#ctx0" brushRef="#br0" timeOffset="98529">3375 4275 0,'25'-25'0,"-1"25"0,1-24 16,-1-1-16,0 25 15,-24-24-15,25 24 16,-25 24-1,0 1-15,24-1 16,-24 25 0,0-25-16,25 25 0,-25 0 15,0 0-15,24 0 16,-24-25-16,0 25 0,25 0 16,-25-25-16,0 1 0,0-1 15,0 1 1,-25-50-1,25 1-15,-24-1 16,24 1-16,-25-25 0,25 0 16,-24 0-16,24-24 0,0-25 15,0 25-15,0-25 16,24 25-16,1 0 0,-1 24 16,25 0-16,0 25 15,0-1-15,0 25 0,24 0 16,-24 25-16,0-1 0,24 1 15,-49 23-15,25-23 16,-24 24-16,-1-25 0,-24 25 16,0-25-16,0 1 15,-24-1-15,-25 1 0,0-1 16,0 1-16,0-1 0,0 0 16,0-24-16,1 25 15,23-25-15,1 0 0,24 24 16,0 1-1,24-1-15,25-24 0,-25 24 16,25 1-16,0-1 0,0 1 16,0-1-16,-25 1 15,25-1-15,-24 0 0,-1 1 16,0-1-16,1 1 16</inkml:trace>
+  <inkml:trace contextRef="#ctx0" brushRef="#br0" timeOffset="98858">4523 4152 0,'0'-48'16,"-24"-1"-16,24 24 16,0-24-16,24 25 0,1 0 15,-1 24-15,1 0 0,23 0 16,1 0-16,0 24 15,0 0-15,0 1 0,-25-1 16,1 25-16,-1-24 16,-24 23-16,0 1 0,-24 0 15,-1 0-15,-24 0 16,25-25-16,-25 25 0,25-25 16,-1 1-16,1-1 0,-1 1 15,25-1-15,25-24 16,-1 25-16,25-1 0,24-24 15,1 0-15,-1 0 16,25 0-16,-25 0 0,0 0 16</inkml:trace>
+  <inkml:trace contextRef="#ctx0" brushRef="#br0" timeOffset="99379">1934 4030 0,'0'-24'0,"0"-1"0,0 1 15,0 0-15,0 48 31,0 0-31,0 1 0,0 24 16,0 24-16,0-24 0,0 24 16,0 0-16,0 1 15,25-1-15</inkml:trace>
+  <inkml:trace contextRef="#ctx0" brushRef="#br0" timeOffset="100352">7210 4055 0,'0'-49'0,"0"24"16,24 25-16,-24-24 0,0 0 15,0 48 1,0 0-16,0 1 16,0-1-16,25 25 15,-25 24-15,24-24 0,-24 25 16,25-1-16,-25-24 0,24 24 15,0-24-15,-24 0 16,0-1-16,25-23 16,-25-1-16,0 1 15,-25-25-15,1-25 16,0 1-16,24-1 0,-25-23 16,1-1-16,24 0 15,0-24-15,0-1 0,0 1 16,0-25-16,0 25 15,0-25-15,24 25 0,1 0 16,-1 0-16,0 24 0,25 24 16,0 1-16,0 24 15,0 24-15,24 1 0,-24-1 16,-25 1-16,25 23 16,-24 1-16,-1 0 0,-24 0 15,0 0-15,0 0 0,-24-25 16,-25 25-16,0-25 15,0 25-15,-24-24 0,24-25 16,0 24-16,0-24 16,0 25-16,25-25 0,0 0 15,48 0-15,0 24 16,1-24-16,24 24 16,-1 1-16,1-1 0,0 1 15,24 23-15,-24-23 16,0 24-16,0-25 0,0 25 15,-25-25-15,25 1 0,-25-1 16,1 1-16</inkml:trace>
+  <inkml:trace contextRef="#ctx0" brushRef="#br0" timeOffset="100838">8284 3981 0,'-24'-24'0,"24"-25"0,0 25 15,0-1-15,0 1 16,24-25-16,1 25 0,-1-1 16,25 25-16,-24-24 15,23-1-15,1 25 0,0 0 16,-24 25-16,23-25 0,-23 24 15,-1 1-15,-24-1 16,0 0-16,0 25 0,0-24 16,-24-1-16,-1 1 15,1-1-15,0 0 0,-1 1 16,1-1-16,-1 1 0,1-25 16,24 24-16,-25-24 15,25 25-15,25-1 16,-1-24-16,1 24 15,-1-24-15,25 25 16,24-1-16,-24 1 0,24-1 16,-24 0-16,24 1 15,-24-1-15,0 1 0,-24-1 16,-25 1-16,0-1 16,0 0-16,-49-24 0,0 25 15,0-25-15,0 24 0,-24-24 16,24 0-16,0 0 15,0 0-15,1 0 0</inkml:trace>
+  <inkml:trace contextRef="#ctx0" brushRef="#br0" timeOffset="101570">10360 3664 0,'0'-24'16,"0"-1"-16,25 25 0,-25-24 16,24 24-16,1 0 0,-1 0 15,0 24 1,1 1-16,-1 23 0,-24-23 15,25 24-15,-25 24 0,0-24 16,0 24-16,24-24 16,-24 0-16,0 24 0,0-24 15,0-25-15,0 25 16,25-25-16,-1-24 16,-24-24-1,0 0-15,0-25 16,-24 0-16,24 0 0,-25-24 15,25 0-15,-24-1 16,24-23-16,0 23 0,0-23 16,0-1-16,0 25 0,24-1 15,1 1-15,-1 24 16,0 0-16,25 25 0,0 24 16,0 0-16,0 0 15,24 24-15,-24 1 0,0 24 16,0 0-16,-25-1 0,1 1 15,-1 0-15,0 0 16,-24-25-16,-24 25 0,0 0 16,-1-24-16,-24-1 15,0 25-15,-24-49 0,24 24 16,0 1-16,-24-25 0,49 0 16,-1 0-16,1-25 15,24 1-15,24-1 16,25 1-1,-24 24-15,23 0 0,26 0 16,-25 0-16,-1 0 0,1 24 16,0 1-16,-24 24 15,-1-25-15,25 25 0,-25 0 16,1 0-16,-25-1 0,48-23 16,-23 24-16,-1 0 15,1-25-15,-1 0 0,1 1 16,23-25-16</inkml:trace>
+  <inkml:trace contextRef="#ctx0" brushRef="#br0" timeOffset="102103">11630 3224 0,'0'-24'0,"0"-1"15,-24 1-15,24 48 32,0 1-32,0-1 0,0 1 15,0-1-15,0 25 0,24 0 16,1-25-16,-25 25 16,24 0-16,1 0 0,24-25 15,-25 25-15,25-25 16,0 1-16,-1-1 0,1-24 15,-24 25-15,24-25 0,-25 0 16,0-25-16,1 1 16,-1-1-16,-24 1 0,0-25 15,0 25-15,0-25 16,0 0-16,0-24 0,0 24 16,-24-24-16,24 24 0,0-24 15,0 24-15,0 24 16,0 1-16,0 0 0,24 48 15,-24 0 1,0 25-16,0 0 0,0 24 16,25-24-16,-25 24 0,0 1 15,0-25-15,0 24 16,0-24-16,24 24 0,-24-24 16,0 0-16,25-1 15,-25 1-15,24-24 0,-24 24 16,24-25-16,-24 25 0,0-25 15,0 1-15,0-1 16</inkml:trace>
+  <inkml:trace contextRef="#ctx0" brushRef="#br0" timeOffset="106701">2105 3713 0,'0'-25'16,"0"1"-16,0 0 15,0-1 1,0 1-16,0-1 31,0 1-15,-24 24 0,0 0-16,-1-25 15,-24 25-15,25 0 16,-25-24-16,0 24 15,-24 0-15,24 0 0,-24 0 16,-1 0-16,1 0 0,0 0 16,0 0-16,-1 24 15,1-24-15,0 25 0,24-25 16,-24 24-16,24 1 16,0-1-16,0 1 0,25 23 15,-25-23-15,0 24 0,25-1 16,-1 1-16,-24 0 15,25 0-15,0 0 0,-1 0 16,1 0-16,-1-1 0,25 26 16,-24-26-16,-1 1 15,1 0-15,24 0 0,-24 0 16,24 0-16,0 0 16,-25-1-16,25 1 0,0 0 15,25-24-15,-25 23 0,24-23 16,0 24-16,1-25 15,-1 1-15,1-1 0,-1 0 16,25 1-16,-25-1 16,25 1-16,0-25 0,0 24 15,24-24-15,-24 0 0,24 0 16,1 0-16,-1 0 16,-24 0-16,24 0 0,0-24 15,-24 24-15,0-25 16,24 25-16,-24-24 0,0 24 15,-25-25-15,25 25 0,-24-24 16,23 0-16,-23 24 16,24-25-16,-25 1 0,25-1 15,-25 1-15,1-1 16,24 1-16,-25 0 0,1-1 16,-1 1-16,0-1 0,1-24 15,-25 25-15,24-25 16,-24 0-16,25 0 0,-25 1 15,24-1-15,-24 0 16,0 0-16,0 0 0,25 25 16,-25-25-16,0 0 0,0 25 15,0-1-15,24 1 16,-24-1-16,0 1 0,0-25 16,-24 0-1,24 25-15,-25-1 0,25 1 16,-24 0-16,-1-1 0,1 1 15,-1-1-15,-23 1 16,23 0-16,-24-1 0,25 1 16,-25-1-16,25 1 15,-25 24-15,24 0 0,1-25 16,-1 25-16,1 0 0,0-24 16,-1 24-1,1 0 1,-1 0-1</inkml:trace>
+  <inkml:trace contextRef="#ctx0" brushRef="#br0" timeOffset="107715">274 5496 0,'0'-25'31,"0"1"-15,0-1 15,-25 50 0,1-25-31,-1 24 16,1 1-16,0-25 0,24 24 16,-25 0-16,1 1 15,-1-1-15,25 1 16,0-1-16,25 1 0,-1-1 16,1 0-1,23-24-15,-23 25 0,24-25 16,-25 24-16,25 1 15,-25-25-15,25 24 0,-24-24 16,-25 25-16,24-25 0,-24 24 16,0 0-1,-24 1-15,-1-1 16,1-24-16,-1 25 16,1-25-16,0 24 0,-1-24 15,1 0-15,-1 0 0,25-24 16,-24-1-16,24 1 15,-25-1-15,25 1 16</inkml:trace>
+  <inkml:trace contextRef="#ctx0" brushRef="#br0" timeOffset="107985">176 5496 0,'-24'0'15,"48"0"16,0 0-31,1 0 16,-1 0-16,1-25 16,24 25-16,-1-24 0,1 24 15,24-25-15,-24 25 16,0-24-16,0 24 0,0 0 16,-25-24-16,1 24 0,-1 0 15,-24 24 48</inkml:trace>
+  <inkml:trace contextRef="#ctx0" brushRef="#br0" timeOffset="108493">1104 5593 0,'0'-24'16,"0"-1"0,-24 25-1,24-24-15,-25 24 16,25-24-16,-24 24 15,-1 0 1,1 24-16,-1-24 16,25 24-16,-24 1 15,0 24-15,-1-25 0,25 25 16,-24 0-16,24 0 16,-25-25-16,25 25 0,0 0 15,25-25-15,-1 1 0,-24-1 16,25 1-16,-1-1 15,0-24-15,1 0 0,24 0 16,-25 0-16,1-24 16,-1-1-16,0 1 0,1-25 15,-1 24-15,-24-23 0,25-1 16,-25 0-16,0 24 16,0-23-16,-25-1 0,1 24 15,24 1-15,-25-1 0,1 1 16,0 24-1,-1 0-15,1 0 0,-1 0 16,25 24-16,-24-24 16,-1 25-16</inkml:trace>
+  <inkml:trace contextRef="#ctx0" brushRef="#br0" timeOffset="109333">1348 5813 0,'0'-24'31,"0"48"1,25-24-17,-1 0 16,1 0-31,-1 0 16,0 0-16,25-24 16,-24 24-16,23-25 0,1 1 15,-24-1-15,24 1 0,-25-25 16,0 25-16,1-1 16,-1-24-16,1 25 0,-25-25 15,0 25-15,0-25 16,0 0-16,0 0 0,0 0 15,-25 25-15,25-25 0,-24 25 16,24-1-16,-25 1 16,25-1-16,0 1 0,-24 24 15,0 0 32,24 24-31,-25 1-1</inkml:trace>
+  <inkml:trace contextRef="#ctx0" brushRef="#br0" timeOffset="109717">1544 5203 0,'0'-25'15,"0"1"1,0 48 31,-25 1-31,25-1-1,-24 0-15,24 1 0,0-1 16,0 1-16,0-1 15</inkml:trace>
+  <inkml:trace contextRef="#ctx0" brushRef="#br0" timeOffset="110035">1666 5080 0,'-25'-24'32,"25"0"-32,0-1 15,25 25 17,-1 0-17,1 25-15,-1-25 16,0 24-16,1-24 15,-1 24-15,1 1 0,24-25 16,-25 24-16,0-24 16,1 25-16,-1-25 15</inkml:trace>
+  <inkml:trace contextRef="#ctx0" brushRef="#br0" timeOffset="120078">78 5618 0,'-24'0'15,"24"-25"-15,-25 25 16,25-24 0,25 24 15,-1 0-31,1 24 16,24-24-1,-1 0-15,1 25 0,0-25 16,49 24-16,-25-24 15,25 25-15,-1-25 0,1 0 16,24 0-16,-24 24 0,-25-24 16,25 0-16,-25 0 15,-24 0-15,0 0 0,-25 0 16,1 0-16</inkml:trace>
+  <inkml:trace contextRef="#ctx0" brushRef="#br0" timeOffset="120453">1177 5276 0,'0'-25'15,"25"25"-15,-25 25 47,-25-1-47,1 1 16,-25 24-16,-24-1 0,0 1 15,-1 24-15,-23-24 0,-26 25 16,26-1-16,-1-24 16,0 24-16,1-24 0,23 0 15,26 0-15,-26-1 16,50-23-16,-1-1 0,1-24 16,24 25-16,0-1 15,24-24 1,1 0-16,-1-24 15</inkml:trace>
+  <inkml:trace contextRef="#ctx0" brushRef="#br0" timeOffset="120976">1055 6228 0,'0'-24'15,"0"-1"1,25 25-16,-1 0 31,-24 25-31,0-1 16,24-24-16,-24 25 16,0-1-16,25 1 0,-25 23 15,0-23-15,0 24 0,24-25 16,-24 1-16,0-1 15,0 25-15,0-25 0,25 1 16</inkml:trace>
+  <inkml:trace contextRef="#ctx0" brushRef="#br0" timeOffset="121403">1715 6155 0,'0'-24'16,"-25"24"-16,25-25 15,-24 50 17,24-1-32,0 1 15,-25-1-15,25 25 16,-24-25-16,24 25 0,0-25 15,0 25-15,0-24 16,0 24-16,24-25 0,1-24 16,-25 24-16,24-24 0,1 25 15,23-25-15,-23-25 16,24 25-16,-25-24 0,25 0 16,-25-1-16,1-24 15,-1 0-15,-24 25 0,0-25 16,0 0-16,0 1 0,-24 23 15,-1-24-15,1 25 16,-25 24-16,25 0 0,-25 0 16,24 0-16,-23 0 15,23 24-15,1 1 0,-1-1 16,25 1-16,0-1 16</inkml:trace>
+  <inkml:trace contextRef="#ctx0" brushRef="#br0" timeOffset="122079">4206 5911 0,'-25'-25'15,"1"1"-15,24 0 0,-25-1 16,25 1-16,0-1 16,25 1-16,-1-1 0,1 1 15,-1 0-15,1 24 16,-1-25-16,25 25 0,-25 0 15,1 25-15,24-1 16,-25 0-16,0 25 0,1 0 16,-25 0-16,0 0 0,0 0 15,-25 0-15,1-1 16,0 1-16,-25 0 0,24 0 16,-24-25-16,1 1 15,23-1-15,-24 1 0,25-1 16,-1-24-16,1 24 0,0-24 15,48 0 1,25 0 0,-25-24-16,25 24 0,0 0 15,24-24-15,-24 24 16,24 0-16,-24-25 0,0 25 16,0 0-16,0 0 15,-25 0-15,1 0 0,-1 0 16,1 0-16,-1 0 15</inkml:trace>
+  <inkml:trace contextRef="#ctx0" brushRef="#br0" timeOffset="122501">5061 5960 0,'0'-25'0,"0"1"0,0-1 16,0 1-16,-25 48 31,1 1-31,24-1 16,0 1-16,-25 24 16,25-25-16,-24 25 0,24-25 15,0 1-15,0 23 0,0-23 16,24-1-16,1 1 15,-1-1-15,1-24 0,-1 0 16,25 0-16,-25 0 0,25 0 16,-24 0-16,-1-24 15,25-1-15,-25 1 0,-24-25 16,25 25-16,-25-25 16,0 0-16,0 0 0,0 0 15,-25 25-15,1-25 0,-1 25 16,1-1-16,-25 1 15,25 24-15,-1 0 0,1 24 16,-1 1-16,1-1 16,0 0-16,24 1 0,0-1 15</inkml:trace>
+  <inkml:trace contextRef="#ctx0" brushRef="#br0" timeOffset="123124">8236 5496 0,'24'0'16,"-24"-25"0,24 25-16,1 0 15,-25 25 1,24-1-16,-24 1 16,25 23-16,-25-23 15,0 24-15,24 24 0,-24-24 16,0 0-16,0 24 15,0-24-15,0 0 0,0-1 16,0-23-16,0-1 16,0 1-16,0-1 0,0 0 15</inkml:trace>
+  <inkml:trace contextRef="#ctx0" brushRef="#br0" timeOffset="123587">8724 5520 0,'0'-24'0,"24"24"16,1 0 15,-25 24-15,0 1-1,0-1-15,0 0 0,-25 25 16,25 0-16,0 0 16,0 24-16,0-24 0,0 0 15,25 0-15,-25-25 16,24 25-16,1-25 0,-1 1 16,25-1-16,-25-24 0,25 0 15,-24 0-15,24-24 16,-25 24-16,25-25 0,-25-23 15,1-1-15,-25 0 16,24 0-16,-24 0 0,0 0 16,0-24-16,-24 24 0,24 0 15,-25 25-15,-24-25 16,25 49-16,0-24 0,-25 24 16,24 0-16,-24 0 15,25 0-15,0 0 0,-1 24 16,1 1-16,-1-25 0,1 24 15,-1-24-15</inkml:trace>
+  <inkml:trace contextRef="#ctx0" brushRef="#br0" timeOffset="124371">11948 5300 0,'-25'-24'15,"25"-1"-15,0 1 16,-24 0-16,24-1 0,0 1 16,0 48 15,0 1-31,0 23 16,0-23-16,0 24 15,0 0-15,0 24 0,24-24 16,-24 0-16,0 24 0,0-24 15,25-1-15,-25 1 16,0 0-16,0 0 0,0-25 16,0 1-16</inkml:trace>
+  <inkml:trace contextRef="#ctx0" brushRef="#br0" timeOffset="124811">12388 5325 0,'24'0'0,"-24"-25"16,24 25-1,-24 25 16,-24-25-31,24 24 0,-24 1 16,24-1-16,-25 0 0,25 25 16,-24 0-16,24-24 15,0 23-15,0 1 0,24 0 16,1-25-16,-1 25 16,0-24-16,1-1 0,24 1 15,-25-25-15,25 0 0,-25 0 16,25-25-16,0 1 15,-25-1-15,1-24 0,-1 25 16,1-25-16,-25 0 16,0-24-16,0 24 0,-25 0 15,1 25-15,-1-25 0,-23 25 16,-1-1-16,0 1 16,0 24-16,0 0 0,0 0 15,1 0-15,-1 24 16</inkml:trace>
+  <inkml:trace contextRef="#ctx0" brushRef="#br0" timeOffset="206810">909 7327 0,'0'-24'0,"-25"24"15,25-24-15,-24 24 0,-1-25 16,25 1 0,0-1-1,0 1-15,25 24 16,-1-25 0,1 25-16,23 0 0,-23 0 15,-1 25-15,1-25 0,24 24 16,-25 1-16,-24-1 15,24 25-15,-24-25 0,0 25 16,0 0-16,-24 0 16,0-25-16,-1 25 0,1 0 15,-25-25-15,24 1 0,1-1 16,-25 1-16,25-1 16,-1-24-16,25 25 0,-24-25 15,48 0 16,1 0-31,-1 0 16,25-25-16,0 25 16,0 0-16,0 0 0,-1 0 15,1 0-15,25 0 0,-26 0 16,1 0-16,0 0 16,24 0-16,-24 0 0,0-24 15,-24 24-15,23 0 16</inkml:trace>
+  <inkml:trace contextRef="#ctx0" brushRef="#br0" timeOffset="207237">1983 7254 0,'-24'-24'0,"-1"-1"16,1 1-16,0-1 15,-1 25 1,1 0-16,24 25 16,0-1-16,-25 1 0,25-1 15,0 25-15,-24 0 16,24 0-16,0 0 0,0-25 16,0 25-16,24-25 15,-24 25-15,25-25 0,-1-24 16,25 25-16,-25-25 0,25 0 15,0 0-15,0-25 16,0 25-16,0-24 0,-25 0 16,25-1-16,-25 1 15,-24-25-15,25 25 0,-25-25 16,-25 24-16,1-24 0,0 1 16,-1 23-16,-24-24 15,0 25-15,25-1 0,-25 25 16,0 0-16,25 0 15,-25 25-15,25-1 0,-1 1 16,25-1-16,0 1 0,25 23 16</inkml:trace>
+  <inkml:trace contextRef="#ctx0" brushRef="#br0" timeOffset="207991">4255 7132 0,'0'-24'15,"0"-1"-15,0 1 16,24 24 0,-24-25-16,24 25 31,-24 25-31,0-1 16,0 1-16,0 23 0,0-23 15,0 24-15,25 0 16,-25-1-16,0 1 0,24 0 15,-24 0-15,25 0 16,-25-25-16,24 1 0,1-1 16,-1 0-16,0-24 0,1 25 15,-1-25-15,25-25 16,-24 25-16,-1-24 0,0 0 16,1-25-16,-1 24 15,1-24-15,-25 1 0,0-1 16,0 0-16,0 0 0,0 25 15,0-25-15,0 24 16,0 1-16,0 0 16,0 48-1,0 0-15,0 25 16,0 0-16,0 0 0,0 24 16,0-24-16,0 24 15,24 1-15,-24-26 0,0 26 16,0-25-16,0-1 15,0 1-15,0 0 0,0 0 16,0-25-16,0 25 0,0-24 16</inkml:trace>
+  <inkml:trace contextRef="#ctx0" brushRef="#br0" timeOffset="208424">5280 7401 0,'0'-25'0,"25"1"16,-25-1-16,0 1 15,0 0-15,0-1 0,0 1 16,-25 24 0,25 24-16,0 25 15,-24-25-15,24 25 16,0 0-16,0 24 15,0-24-15,0 0 0,24 0 16,-24 0-16,25 0 16,-1-1-16,1-23 0,-1-1 15,1 1-15,23-1 16,-23-24-16,24 0 0,-1 0 16,-23-24-16,24-1 0,-25 1 15,1-1-15,-1-23 16,0-1-16,-24-25 0,0 26 15,-24-26-15,0 26 0,-1-26 16,1 25-16,-25 25 16,24 0-16,-23-1 0,-1 25 15,0 25-15,0-1 16,25 0-16,-1 1 0,1-1 16,-1 1-16,25 24 0,0-25 15</inkml:trace>
+  <inkml:trace contextRef="#ctx0" brushRef="#br0" timeOffset="209659">8089 7132 0,'-24'0'15,"-1"-24"-15,25-1 0,-24 25 16,24-24-16,0-1 0,0 1 15,-25-1-15,25 1 16,25 0-16,-1-1 16,25 1-1,-25 24-15,1 0 0,24 0 16,-25 24-16,25-24 0,-25 25 16,1 23-16,-1-23 15,1 24-15,-25 0 0,0-1 16,-25 1-16,-24 0 15,25 0-15,-25 0 0,0 0 16,-24-25-16,24 25 0,0-25 16,0 1-16,25-1 15,-25-24-15,25 0 0,-1 0 16,25-24 0,25-1-16,-1 1 15,1 0-15,-1-1 0,25 1 16,-25-1-16,25 1 15,0 24-15,-25 0 0,25 0 16,0 24-16,-24 1 0,23-1 16,1 1-16,-24-1 15,-1 0-15,25 1 0,-25-1 16,1 1-16,-1-25 16,1 0-16</inkml:trace>
+  <inkml:trace contextRef="#ctx0" brushRef="#br0" timeOffset="210086">8773 7132 0,'0'-24'0,"0"-1"0,24 1 16,-24-1-16,0 50 31,0-1-31,0 1 15,-24-1 1,24 25-16,0-25 0,0 1 16,0 24-16,0-25 0,0 25 15,0-25-15,24 25 16,1-25-16,24 1 0,-1-1 16,-23 1-16,24-25 0,0 0 15,-1 0-15,1-25 16,0 25-16,0-24 0,-25-25 15,1 25-15,-1-25 16,-24 0-16,0 0 0,0 0 16,-24 0-16,-1 1 0,1 23 15,-25-24-15,25 25 16,-1-1-16,1 1 0,-25 24 16,25 0-16,-1 24 15,1-24-15,-1 25 0,25-1 16,-24 1-16,24-1 0,0 1 15,24-1-15</inkml:trace>
+  <inkml:trace contextRef="#ctx0" brushRef="#br0" timeOffset="210691">10751 6985 0,'-24'0'0,"24"-24"0,-25 0 16,25-1-16,0 1 0,0-1 16,25 1-16,-1 0 15,1-1-15,-1 1 0,25 24 16,-25-25-16,25 25 16,0 0-16,0 25 0,-25-25 15,25 24-15,-25 1 0,1 23 16,-1-23-16,1 24 15,-25-1-15,0-23 0,0 24 16,-25 0-16,1-25 16,-25 25-16,25-25 0,-25 1 15,0-1-15,0 1 0,25-25 16,-25 24-16,24-24 16,1 0-16,0 0 0,24-24 31,24-1-31,0 25 0,1-24 15,-1 24-15,25-25 0,0 25 16,0 0-16,-25 0 16,25 0-16,-25 25 0,1-1 15,-1-24-15,25 25 16,-24-1-16,-1-24 0,0 24 16,1-24-16,24 25 0,-25-25 15,25 0-15,-25 0 16,25-25-16</inkml:trace>
+  <inkml:trace contextRef="#ctx0" brushRef="#br0" timeOffset="211046">11899 7019 0,'0'-25'0,"24"-23"0,-24-1 16,0 24-16,0 1 15,-24 0-15,0 24 16,-1 0-16,1 24 0,-1 0 15,1 1-15,0-1 16,-25 25-16,24-25 0,25 25 16,-24-24-16,24 24 15,0-1-15,0-23 0,0 24 16,24-25-16,1 1 16,24-1-16,-25 0 0,25-24 15,0 0-15,-25 0 0,25 0 16,0-24-16,0 0 15,-25-1-15,0-24 0,1 25 16,-1-25-16,-24 0 0,0 0 16,-24-24-16,-25 24 15,25 0-15,-25 25 0,0-25 16,0 49-16,0-24 0,-24 24 16,24 24-16,0-24 15</inkml:trace>
+  <inkml:trace contextRef="#ctx0" brushRef="#br0" timeOffset="213900">17052 4885 0,'-24'-24'0,"24"-1"0,-25 25 15,1-24-15,24-1 16,0 1-16,0 0 16,0-1-16,0 1 15,24 24-15,-24-25 16,25 25-16,-1 0 0,1-24 16,-1 24-16,25 0 15,-25 0-15,25 0 0,0 0 16,0 0-16,-25 0 0,25 24 15,-24-24-15,-1 25 16,0-25-16,-24 24 0,25 1 16,-25-1-1,0 0-15,0 1 0,0-1 16,-25 1-16,25-1 16,0 0-16,0 1 0,0 24 15,0-25-15,0 25 0,0-25 16,0 25-16,0 0 15,0-24-15,0 23 0,0 1 16,0-24-16,0-1 16,0 25-16,25-25 0,-25 1 15,0-1-15,0 1 0,0 24 16,0-25-16,0 0 16,0 1-16,0 24 0,0-25 15,0 0-15,0 1 0,0-1 16,0 1-16,-25-1 15,25 1 1,-24-25 0,0 0-1,-1 0 1,1 0-16,-1-25 0,1 25 16,-25 0-16,25 0 0,-25 0 15,24 0-15,-23-24 16,23 24-16,1 0 0,-1 0 15,1 24-15,-1 1 16,1-25 0,24 24-16,-24-24 0,24 24 15</inkml:trace>
+  <inkml:trace contextRef="#ctx0" brushRef="#br0" timeOffset="214987">20130 6399 0,'0'25'31,"24"-25"1,-24 24-17,24-24 16,1 0 1,-1 0-17,-24-24-15,25 24 0,-25-25 16,0 1-16,24 24 16,-24-25-16,0 1 0,0 0 15,0-1-15,0-24 16,0 25-16,0-25 0,0 25 15,0-25-15,0 24 0,-24-23 16,24-1-16,0 24 16,-25-24-16,25 1 0,-24 23 15,-1-24-15,1 25 16,0-1-16,-1-23 0,1 23 16,-25 1-16,24-25 0,-23 24 15,23 1-15,-24 0 16,1-1-16,-26 1 0,25-1 15,1 1-15,-1 0 16,-25-1-16,26 1 0,-1-1 16,-24 1-16,24-1 0,0 25 15,-24-24-15,24 0 16,0-1-16,0 25 0,0-24 16,-24 24-16,24-25 15,0 25-15,0 0 0,0-24 16,1 24-16,-1 0 0,0 0 15,25 0-15,-25 0 16,24 0-16,-24 0 0,25 0 16,0 0-16,-1 0 15,1 0-15,-1 0 0,1 0 16,24 24 0,-25-24-16,1 0 15,0 0 16,48-24 1</inkml:trace>
+  <inkml:trace contextRef="#ctx0" brushRef="#br0" timeOffset="215640">18518 4812 0,'0'-25'0,"0"1"15,-25 24 16,1 0 1,24 24-32,-25-24 0,1 25 15,0-1-15,-1 1 16,1-25-16,-25 24 0,24 0 16,-23 1-16,-1-1 0,24 1 15,-23-1-15,23-24 16,-24 25-16,25-1 0,-1-24 15,1 24-15,0-24 0,24 25 16,-25-25-16,1 24 16,24 1 15,0-1-15,24-24-1,-24 25-15,25-1 16,-1 0-1,0-24-15,1 25 16,-1-1-16,1-24 0,-25 25 16,24-25-16,1 24 0,-1 1 15,0-1-15,1-24 16,-1 24-16,1 1 0,-1-25 16,-24 24-16,24-24 15,1 0-15,-25 25 16,24-25-1,1 24 32,-25 1-31</inkml:trace>
+</inkml:ink>
+</file>
+
+<file path=ppt/ink/ink154.xml><?xml version="1.0" encoding="utf-8"?>
+<inkml:ink xmlns:inkml="http://www.w3.org/2003/InkML">
+  <inkml:definitions>
+    <inkml:context xml:id="ctx0">
+      <inkml:inkSource xml:id="inkSrc0">
+        <inkml:traceFormat>
+          <inkml:channel name="X" type="integer" max="1920" units="cm"/>
+          <inkml:channel name="Y" type="integer" max="1080" units="cm"/>
+          <inkml:channel name="T" type="integer" max="2.14748E9" units="dev"/>
+        </inkml:traceFormat>
+        <inkml:channelProperties>
+          <inkml:channelProperty channel="X" name="resolution" value="55.81395" units="1/cm"/>
+          <inkml:channelProperty channel="Y" name="resolution" value="55.6701" units="1/cm"/>
+          <inkml:channelProperty channel="T" name="resolution" value="1" units="1/dev"/>
+        </inkml:channelProperties>
+      </inkml:inkSource>
+      <inkml:timestamp xml:id="ts0" timeString="2020-12-15T07:40:29.965"/>
+    </inkml:context>
+    <inkml:brush xml:id="br0">
+      <inkml:brushProperty name="width" value="0.05" units="cm"/>
+      <inkml:brushProperty name="height" value="0.05" units="cm"/>
+      <inkml:brushProperty name="fitToCurve" value="1"/>
+    </inkml:brush>
+  </inkml:definitions>
+  <inkml:trace contextRef="#ctx0" brushRef="#br0">0 0 0,'49'0'16,"-1"0"-16,1 25 16,25-25-16,-26 24 0,1-24 15,24 24-15,-24 1 16,25-25-16,-1 24 0,0 1 16,0 24-16,25-25 0,-25 25 15,25 0-15,0 24 16,-1-24-16,1 24 0,0 0 15,0 25-15,-1-25 16,1 25-16,0 0 0,-25-1 16,0 1-16,0 0 0,1 24 15,-26-24-15,26-1 16,-25 1-16,24 0 0,-24-1 16,0 1-16,-1-25 15,1 25-15,0-25 0,0 1 16,0 23-16,0-24 0,-25 1 15,25-1-15,-25 0 16,25 1-16,-24-1 0,-1 0 16,25 0-16,-25 1 0,1-26 15,-1 26-15,1-1 16,23 0-16,-23 1 0,-1-26 16,1 26-16,-1-25 15,1-1-15,-1 26 0,0-26 16,1 1-16,-25 0 0,24 0 15,1 0-15,-25 0 16,24 0-16,-24-1 0,24 1 16,1 0-16,-25 0 15,24 0-15,1 0 0,-25-1 16,24 1-16,-24 0 16,25 0-16,-25 0 0,0 0 15,0-25-15,24 25 0,-24 0 16,0 0-16,0-25 15,0 25-15,0-25 0,0 25 16,0-24-16,0 23 0,0-23 16,0-1-16,0 25 15,0-24-15,0-1 0,0 0 16,0 1 0,0-1-16,0 1 15,0-1 16</inkml:trace>
+  <inkml:trace contextRef="#ctx0" brushRef="#br0" timeOffset="396">3199 4982 0,'25'0'15,"-1"0"17,-24 25-32,24-25 15,-24 24 1,25-24-16,-1 25 0,1-1 16,-1-24-16,1 25 0,-1-1 15,0 0-15,1 1 16,-1-1-16,1-24 0,-1 25 15,0-1-15,1-24 16,-25 25-16,24-25 0,1 0 16,-25 24-16,24-24 15,1 24 1,-1-24 0</inkml:trace>
+  <inkml:trace contextRef="#ctx0" brushRef="#br0" timeOffset="870">3981 4934 0,'0'-25'0,"-25"50"78,25-1-78,-24-24 16,24 24-16,-25 1 0,1-1 15,-25 1-15,25 24 0,-1-25 16,1 0-16,-1 1 15,-23-1-15,23 1 0,1-1 16,-1 1 0,1-25-16,24 24 0,-25-24 15,1 24-15,24 1 32,-24-25-17,24 24-15,-25-24 47,25 25-31</inkml:trace>
+</inkml:ink>
+</file>
+
+<file path=ppt/ink/ink155.xml><?xml version="1.0" encoding="utf-8"?>
+<inkml:ink xmlns:inkml="http://www.w3.org/2003/InkML">
+  <inkml:definitions>
+    <inkml:context xml:id="ctx0">
+      <inkml:inkSource xml:id="inkSrc0">
+        <inkml:traceFormat>
+          <inkml:channel name="X" type="integer" max="1920" units="cm"/>
+          <inkml:channel name="Y" type="integer" max="1080" units="cm"/>
+          <inkml:channel name="T" type="integer" max="2.14748E9" units="dev"/>
+        </inkml:traceFormat>
+        <inkml:channelProperties>
+          <inkml:channelProperty channel="X" name="resolution" value="55.81395" units="1/cm"/>
+          <inkml:channelProperty channel="Y" name="resolution" value="55.6701" units="1/cm"/>
+          <inkml:channelProperty channel="T" name="resolution" value="1" units="1/dev"/>
+        </inkml:channelProperties>
+      </inkml:inkSource>
+      <inkml:timestamp xml:id="ts0" timeString="2020-12-15T08:01:33.578"/>
+    </inkml:context>
+    <inkml:brush xml:id="br0">
+      <inkml:brushProperty name="width" value="0.05" units="cm"/>
+      <inkml:brushProperty name="height" value="0.05" units="cm"/>
+      <inkml:brushProperty name="color" value="#ED1C24"/>
+      <inkml:brushProperty name="fitToCurve" value="1"/>
+    </inkml:brush>
+  </inkml:definitions>
+  <inkml:trace contextRef="#ctx0" brushRef="#br0">396 51 0,'-49'-24'0,"25"24"15,-25 0-15,24 0 0,-23 0 16,23 24-16,-24 1 16,25-1-16,-1 0 0,1 1 15,0 24-15,-1 0 16,25-25-16,0 25 0,25 0 15,-1-25-15,25 25 0,-25-25 16,25 1-16,0-1 16,0-24-16,0 25 0,24-25 15,-24 0-15,0-25 16,-1 1-16,-23-1 0,24 1 16,-25-25-16,-24 0 0,25 25 15,-25-25-15,0 25 16,-25-25-16,1 24 0,-25-24 15,24 25-15,-23 0 16,-1-1-16,24 1 0,-23 24 16,23-25-16,1 25 0</inkml:trace>
+  <inkml:trace contextRef="#ctx0" brushRef="#br0" timeOffset="613">372 661 0,'-25'-25'16,"25"1"-1,0 48 16,0 1-15,0-1-16,0 1 16,-24 23-16,-1-23 15,25 24-15,-24 0 0,-1-25 16,-23 25-16,23-25 0,1 25 16,-1-24-16,1-1 15,-1 0-15,25 1 0,-24-25 16,24 24-16,0 1 15,24-25-15,1 24 16,-1-24-16,1 0 0,-1 0 16,25 24-16,-25-24 15,25 0-15,25 0 0,-26 0 16,1 25-16,0-25 16,24 0-16,-24 0 0,0 24 15,0-24-15,0 0 0,0 0 16,-25 0-16,25 0 15,-25 0-15,1-24 16,-25-1-16,0 1 16,0 0-16,-25-1 0,1-24 15,-1 25-15,1-25 0,0 0 16,-1-24-16,-24 24 16,25 0-16,-25 0 0,0-24 15,0 49-15,0-25 16,1 24-16,-1 1 0,24 24 15,1 0-15,0 0 16,24 24-16</inkml:trace>
+</inkml:ink>
+</file>
+
+<file path=ppt/ink/ink156.xml><?xml version="1.0" encoding="utf-8"?>
+<inkml:ink xmlns:inkml="http://www.w3.org/2003/InkML">
+  <inkml:definitions>
+    <inkml:context xml:id="ctx0">
+      <inkml:inkSource xml:id="inkSrc0">
+        <inkml:traceFormat>
+          <inkml:channel name="X" type="integer" max="1920" units="cm"/>
+          <inkml:channel name="Y" type="integer" max="1080" units="cm"/>
+          <inkml:channel name="T" type="integer" max="2.14748E9" units="dev"/>
+        </inkml:traceFormat>
+        <inkml:channelProperties>
+          <inkml:channelProperty channel="X" name="resolution" value="55.81395" units="1/cm"/>
+          <inkml:channelProperty channel="Y" name="resolution" value="55.6701" units="1/cm"/>
+          <inkml:channelProperty channel="T" name="resolution" value="1" units="1/dev"/>
+        </inkml:channelProperties>
+      </inkml:inkSource>
+      <inkml:timestamp xml:id="ts0" timeString="2020-12-15T08:01:32.139"/>
+    </inkml:context>
+    <inkml:brush xml:id="br0">
+      <inkml:brushProperty name="width" value="0.05" units="cm"/>
+      <inkml:brushProperty name="height" value="0.05" units="cm"/>
+      <inkml:brushProperty name="color" value="#ED1C24"/>
+      <inkml:brushProperty name="fitToCurve" value="1"/>
+    </inkml:brush>
+  </inkml:definitions>
+  <inkml:trace contextRef="#ctx0" brushRef="#br0">197 269 0,'0'-24'16,"-25"24"-16,25-25 15,0 1-15,0-1 0,0 1 16,0-25-16,-24 25 16,-1-1-1,1 25-15,0 25 16,-1-1-16,1 25 15,24-25-15,-25 25 0,25-24 16,0 24-16,25-1 16,-25-23-16,49 24 0,-25-25 15,25 0-15,0 1 0,-1-1 16,1-24-16,0 0 16,0 0-16,0-24 0,0 24 15,0-25-15,-1 1 16,1-25-16,-24 25 0,-1-1 15,0-23-15,-24 23 16,0 1-16,0-25 0,0 24 16,-24 1-16,0-25 0,-1 25 15,-24-1-15,25 1 16,-25-1-16,25 25 0,-1 0 16,1 0-16,-1 0 15,1 25-15,24-1 0</inkml:trace>
+  <inkml:trace contextRef="#ctx0" brushRef="#br0" timeOffset="606">440 660 0,'0'-25'15,"0"1"1,-25 24-16,25 24 16,0 1-1,-24-1-15,24 1 16,-24-1-16,24 25 15,-25-25-15,1 25 0,-1 0 16,25-24-16,-24 23 0,-1 1 16,1-24-16,24-1 15,-24 1-15,24-1 0,0 0 16,0 1-16,24-1 16,0-24-16,1 0 15,-1 25-15,25-25 0,0 24 16,0-24-16,0 24 15,0-24-15,-1 0 0,1 0 16,0 0-16,0 0 16,0 0-16,0 0 0,-25 0 15,0-24-15,1 24 0,-1-24 16,1-1-16,-25 1 16,24-25-16,-24 25 0,0-25 15,0 24-15,0-24 16,-24 1-16,-1-1 0,1 0 15,-1 0-15,-23 0 0,-1 0 16,24 0-16,-24 25 16,1 0-16,23-1 0,-24 1 15,25 24-15,0 0 0,24 24 16,-25-24-16,25 25 16,0-1-16</inkml:trace>
+</inkml:ink>
+</file>
+
+<file path=ppt/ink/ink157.xml><?xml version="1.0" encoding="utf-8"?>
+<inkml:ink xmlns:inkml="http://www.w3.org/2003/InkML">
+  <inkml:definitions>
+    <inkml:context xml:id="ctx0">
+      <inkml:inkSource xml:id="inkSrc0">
+        <inkml:traceFormat>
+          <inkml:channel name="X" type="integer" max="1920" units="cm"/>
+          <inkml:channel name="Y" type="integer" max="1080" units="cm"/>
+          <inkml:channel name="T" type="integer" max="2.14748E9" units="dev"/>
+        </inkml:traceFormat>
+        <inkml:channelProperties>
+          <inkml:channelProperty channel="X" name="resolution" value="55.81395" units="1/cm"/>
+          <inkml:channelProperty channel="Y" name="resolution" value="55.6701" units="1/cm"/>
+          <inkml:channelProperty channel="T" name="resolution" value="1" units="1/dev"/>
+        </inkml:channelProperties>
+      </inkml:inkSource>
+      <inkml:timestamp xml:id="ts0" timeString="2020-12-15T08:01:34.966"/>
+    </inkml:context>
+    <inkml:brush xml:id="br0">
+      <inkml:brushProperty name="width" value="0.05" units="cm"/>
+      <inkml:brushProperty name="height" value="0.05" units="cm"/>
+      <inkml:brushProperty name="color" value="#ED1C24"/>
+      <inkml:brushProperty name="fitToCurve" value="1"/>
+    </inkml:brush>
+  </inkml:definitions>
+  <inkml:trace contextRef="#ctx0" brushRef="#br0">537 103 0,'-25'-25'16,"1"1"-16,0 24 0,-1-24 16,-24 24-16,0-25 15,1 25-15,23 0 0,-24 25 16,0-1-16,1 0 16,-1 1-16,24-1 0,1 25 15,0 0-15,24 0 0,0 0 16,0-1-16,0 26 15,24-25-15,25-1 0,-25-23 16,25-1-16,0 1 16,0-1-16,24-24 0,-24 0 15,0 0-15,0-24 0,-1-1 16,1-24-16,0 25 16,-25-25-16,-24 0 0,25 0 15,-25 1-15,0-1 0,-25 0 16,1 0-16,0 0 15,-1 0-15,-24 25 0,25 0 16,-25-1-16,25 25 16,-25 0-16,24 0 0,1 25 15,24-1-15</inkml:trace>
+  <inkml:trace contextRef="#ctx0" brushRef="#br0" timeOffset="608">439 689 0,'-24'0'16,"-1"0"-16,1-24 15,-1 24 1,1-25-1,0 25 1,-1 25-16,1-1 0,-1 0 16,1 25-16,-1 0 0,1 24 15,24 1-15,-24-1 16,-1 0-16,25-24 0,-24 24 16,24 1-16,0-26 15,0-23-15,24 24 0,1-49 16,-25 24-16,24 0 0,0-24 15,1 0-15,-1-24 16,25 24-16,-24-24 0,23 24 16,-23-25-16,24 1 15,0-1-15,-1 25 0,-23-24 16,24 24-16,0-24 0,-1-1 16,-23 25-16,24-24 15,-1 24-15,1-25 0,0 1 16,0-1-16,0 25 15,-25-24-15,25 0 0,-24-1 16,-25 1-16,0-25 0,0 24 16,0 1-16,-25-25 15,-24 0-15,25 1 0,-25-1 16,-24 0-16,24 0 16,0 0-16,-24 0 0,24 25 15,0-1-15,0 1 0,0 24 16,25 0-16,-25 0 15,25 0-15,-1 0 16,25 24-16,0 1 0,25-25 16</inkml:trace>
+</inkml:ink>
+</file>
+
+<file path=ppt/ink/ink158.xml><?xml version="1.0" encoding="utf-8"?>
+<inkml:ink xmlns:inkml="http://www.w3.org/2003/InkML">
+  <inkml:definitions>
+    <inkml:context xml:id="ctx0">
+      <inkml:inkSource xml:id="inkSrc0">
+        <inkml:traceFormat>
+          <inkml:channel name="X" type="integer" max="1920" units="cm"/>
+          <inkml:channel name="Y" type="integer" max="1080" units="cm"/>
+          <inkml:channel name="T" type="integer" max="2.14748E9" units="dev"/>
+        </inkml:traceFormat>
+        <inkml:channelProperties>
+          <inkml:channelProperty channel="X" name="resolution" value="55.81395" units="1/cm"/>
+          <inkml:channelProperty channel="Y" name="resolution" value="55.6701" units="1/cm"/>
+          <inkml:channelProperty channel="T" name="resolution" value="1" units="1/dev"/>
+        </inkml:channelProperties>
+      </inkml:inkSource>
+      <inkml:timestamp xml:id="ts0" timeString="2020-12-15T08:01:38.584"/>
+    </inkml:context>
+    <inkml:brush xml:id="br0">
+      <inkml:brushProperty name="width" value="0.05" units="cm"/>
+      <inkml:brushProperty name="height" value="0.05" units="cm"/>
+      <inkml:brushProperty name="color" value="#ED1C24"/>
+      <inkml:brushProperty name="fitToCurve" value="1"/>
+    </inkml:brush>
+  </inkml:definitions>
+  <inkml:trace contextRef="#ctx0" brushRef="#br0">0 21 0,'0'-24'16,"0"48"15,0 1-31,0-1 16,0 0-16,0 25 15,0 0-15,24 24 0,-24-24 16,25 24-16,-25-24 16,24 0-16,0 0 0,1 0 15,-1-25-15,1 25 0,-1-25 16,25-24-16,0 25 15,-25-25-15,25 0 0,24-25 16,-24 1-16,0 0 0,0-1 16,0 1-16,-25-1 15</inkml:trace>
+  <inkml:trace contextRef="#ctx0" brushRef="#br0" timeOffset="220">513 339 0,'-25'0'16,"50"24"-1,-25 0-15,24 1 16,0-1-16,1 1 16,-25-1-16,24 1 0,1 23 15,-1-23-15,1-1 16,-1 25-16,-24-24 0,0 23 15,-24-23-15,-1 24 0,-24-25 16</inkml:trace>
+</inkml:ink>
+</file>
+
+<file path=ppt/ink/ink159.xml><?xml version="1.0" encoding="utf-8"?>
+<inkml:ink xmlns:inkml="http://www.w3.org/2003/InkML">
+  <inkml:definitions>
+    <inkml:context xml:id="ctx0">
+      <inkml:inkSource xml:id="inkSrc0">
+        <inkml:traceFormat>
+          <inkml:channel name="X" type="integer" max="1920" units="cm"/>
+          <inkml:channel name="Y" type="integer" max="1080" units="cm"/>
+          <inkml:channel name="T" type="integer" max="2.14748E9" units="dev"/>
+        </inkml:traceFormat>
+        <inkml:channelProperties>
+          <inkml:channelProperty channel="X" name="resolution" value="55.81395" units="1/cm"/>
+          <inkml:channelProperty channel="Y" name="resolution" value="55.6701" units="1/cm"/>
+          <inkml:channelProperty channel="T" name="resolution" value="1" units="1/dev"/>
+        </inkml:channelProperties>
+      </inkml:inkSource>
+      <inkml:timestamp xml:id="ts0" timeString="2020-12-15T08:01:36.239"/>
+    </inkml:context>
+    <inkml:brush xml:id="br0">
+      <inkml:brushProperty name="width" value="0.05" units="cm"/>
+      <inkml:brushProperty name="height" value="0.05" units="cm"/>
+      <inkml:brushProperty name="color" value="#ED1C24"/>
+      <inkml:brushProperty name="fitToCurve" value="1"/>
+    </inkml:brush>
+  </inkml:definitions>
+  <inkml:trace contextRef="#ctx0" brushRef="#br0">1270 290 0,'0'-24'0,"0"-1"16,0 1-16,0 0 0,0-1 16,0 1-16,-24-1 0,24 1 15,-25-1-15,1 25 16,0 0-16,-25 0 0,0 25 16,0-1-16,0 25 15,0 0-15,1 0 0,-1 24 16,24-24-16,1 24 0,-1-24 15,25 0-15,25 0 16,-25 0-16,49-25 0,0 25 16,-1-49-16,1 24 15,25-24-15,-26 0 0,26 0 16,-1-24-16,-24-1 0,24 1 16,-24 0-16,-25-25 15,1 24-15,-1-24 0,-24 1 16,0-1-16,0-24 15,-24 24-15,-1 0 0,-24-24 16,25 24-16,-25 0 0,0 0 16,25 25-16,-1-1 15,-23 25-15,48 25 0,-25-1 16,1 0-16,-1 25 16</inkml:trace>
+  <inkml:trace contextRef="#ctx0" brushRef="#br0" timeOffset="575">1075 852 0,'-24'0'15,"-1"0"1,25-24-1,-24 24 1,24 24-16,-25-24 16,25 24-16,-24 1 0,-1 24 15,1 0-15,0-1 0,-1 1 16,1 0-16,-1 24 16,25-24-16,-24 0 0,24 0 15,0 0-15,0-25 16,0 1-16,0-1 0,24 0 15,-24 1-15,25-25 16,-1 0-16,1 0 0,-1 0 16,25 0-16,-25-25 0,25 25 15,0 0-15,0 0 16,0 0-16,0 0 0,-1 0 16,1 0-16,0 25 0,0-25 15,0 0-15,0 0 16,-25 0-16,0 0 0,25-25 15,-24 25-15,-25-24 16,24 0-16,1-25 0,-25 24 16,0-24-16,0 25 15,-25-25-15,25 0 0,-24-24 16,-25 24-16,24 0 0,-23 1 16,23-26-16,-24 25 15,0 1-15,25 23 0,0 1 16,-1-1-16,1 1 0,-1 24 15,1 24 1,24 1-16</inkml:trace>
+  <inkml:trace contextRef="#ctx0" brushRef="#br0" timeOffset="1348">0 193 0,'0'-25'16,"0"1"-16,0-1 31,25 50-15,-25-1-16,0 1 0,0 23 15,0 1-15,0 0 16,0 0-16,0 24 0,0-24 16,0 24-16,0-24 15,0 0-15,24 0 0,1-25 16,23 1-16,-23-1 0,24 1 15,0-25-15,-1 0 16,1 0-16,0 0 0,0-25 16,0 1-16,-25-1 15,25 1-15</inkml:trace>
+  <inkml:trace contextRef="#ctx0" brushRef="#br0" timeOffset="1581">391 486 0,'0'24'31,"25"-24"-15,-25 24-16,24 1 0,0-1 15,1 1-15,-1-1 0,1 1 16,-1-1-16,-24 25 15,25-25-15,-25 25 0,0-24 16,-25 23-16,1-23 0,-25-1 16</inkml:trace>
+</inkml:ink>
+</file>
+
 <file path=ppt/ink/ink16.xml><?xml version="1.0" encoding="utf-8"?>
 <inkml:ink xmlns:inkml="http://www.w3.org/2003/InkML">
   <inkml:definitions>
@@ -1593,6 +2513,326 @@
   <inkml:trace contextRef="#ctx0" brushRef="#br0" timeOffset="475">1003 635 0,'0'-25'0,"-24"25"31,-1 25-15,1-1-1,24 1-15,-25-1 16,25 1-16,0 23 0,-24-23 16,24-1-16,0 25 15,0-24-15,24-1 0,-24 0 16,25 1-16,-1-1 0,-24 1 16,25-25-16,-1 0 15,0 0-15,1 0 0,-1-25 16,1 25-16,-1-24 15,-24-1-15,25 1 0,-25 0 16,0-25-16,0 24 16,0 1-16,0-1 0,-25 1 15,1 0-15,24-1 0,-25 1 16,1 24-16,-1-25 16,1 25-16,0 0 15,-1 25 1,25-1-1,25-24 1</inkml:trace>
   <inkml:trace contextRef="#ctx0" brushRef="#br0" timeOffset="829">1223 317 0,'0'-24'0,"-25"24"0,25-24 15,-24 24 1,24-25-16,-24 25 16,24 25-16,0-1 15,0 0 1,0 1-16,24-1 0,-24 1 15,24 23-15,-24-23 16,25 24-16,-25 0 0,24-1 16,-24 1-16,25 0 0,-25 0 15,24 0-15,-24-25 16,0 25-16,24-25 0,-24 1 16,0 24-16,0-25 15,0 1-15,0-1 16</inkml:trace>
   <inkml:trace contextRef="#ctx0" brushRef="#br0" timeOffset="1801">1907 635 0,'0'-25'16,"0"1"-1,-25 0 17,1-1-17,-1 1-15,1 24 16,0 0 0,-1 0-16,1-25 0,-1 25 15,1 25 1,-1-25-16,25 24 0,-24-24 15,0 25-15,-1-1 16,25 0-16,-24-24 16,24 25-16,0-1 0,0 1 15,0-1-15,0 1 0,24-1 16,-24 0-16,25 1 16,-25-1-16,24 1 0,0-1 15,1 1 1,-1-25-16,1 0 0,-1 0 15,1 0-15,-1 0 16,0 0-16,-24-25 16,25 1-16,-1-1 0,1 1 15,-25-25 1,0 25-16,0-1 0,0-24 16,0 25-16,0-25 0,0 0 15,0 0-15,0 0 16,0 1-16,0 23 0,0-24 15,-25 0-15,25 25 16,0-25-16,0 25 0,0-1 16,0 1-16,0 0 15,0 48 32,0 0-47,0 1 16,0-1-16,0 1 0,0-1 15,0 25-15,25-25 16,-25 25-16,0-24 0,0 23 16,24-23-1,-24 24-15,0 0 0,24-1 0,-24-23 16,25 24-16,-25-25 0,24 1 16,-24-1-16,25 0 15,-25 1-15,24-1 0,-24 1 16,25-25-16,-1 24 0,0-24 15,1 0 1,-1-24 0,1 24-16,-1-25 15,-24 1 1,0-1 15</inkml:trace>
+</inkml:ink>
+</file>
+
+<file path=ppt/ink/ink160.xml><?xml version="1.0" encoding="utf-8"?>
+<inkml:ink xmlns:inkml="http://www.w3.org/2003/InkML">
+  <inkml:definitions>
+    <inkml:context xml:id="ctx0">
+      <inkml:inkSource xml:id="inkSrc0">
+        <inkml:traceFormat>
+          <inkml:channel name="X" type="integer" max="1920" units="cm"/>
+          <inkml:channel name="Y" type="integer" max="1080" units="cm"/>
+          <inkml:channel name="T" type="integer" max="2.14748E9" units="dev"/>
+        </inkml:traceFormat>
+        <inkml:channelProperties>
+          <inkml:channelProperty channel="X" name="resolution" value="55.81395" units="1/cm"/>
+          <inkml:channelProperty channel="Y" name="resolution" value="55.6701" units="1/cm"/>
+          <inkml:channelProperty channel="T" name="resolution" value="1" units="1/dev"/>
+        </inkml:channelProperties>
+      </inkml:inkSource>
+      <inkml:timestamp xml:id="ts0" timeString="2020-12-15T08:01:39.621"/>
+    </inkml:context>
+    <inkml:brush xml:id="br0">
+      <inkml:brushProperty name="width" value="0.05" units="cm"/>
+      <inkml:brushProperty name="height" value="0.05" units="cm"/>
+      <inkml:brushProperty name="color" value="#ED1C24"/>
+      <inkml:brushProperty name="fitToCurve" value="1"/>
+    </inkml:brush>
+  </inkml:definitions>
+  <inkml:trace contextRef="#ctx0" brushRef="#br0">0 49 0,'0'-24'16,"0"-1"-16,0 50 31,24-1-15,-24 1-16,0 23 0,0 1 16,25 24-16,-25 1 0,24-25 15,-24 24-15,25 0 16,-25-24-16,24 24 0,1-24 15,23 0-15,-23-25 0,-1 25 16,25-24-16,-24-25 16,23 24-16,1-24 0,-24 0 15,24 0-15,-1 0 16,-23-24-16,24 24 0,-25-25 16,1 1-16</inkml:trace>
+  <inkml:trace contextRef="#ctx0" brushRef="#br0" timeOffset="264">537 489 0,'25'0'31,"-1"24"-31,1-24 15,-1 25-15,0-1 16,1 0-16,24 25 0,-25-24 16,25 24-16,-25-25 15,25 25-15,-24-25 0,-25 25 16,0-25-16,0 25 0,0 0 16,-49 0-16,0-25 15,0 25-15</inkml:trace>
+</inkml:ink>
+</file>
+
+<file path=ppt/ink/ink161.xml><?xml version="1.0" encoding="utf-8"?>
+<inkml:ink xmlns:inkml="http://www.w3.org/2003/InkML">
+  <inkml:definitions>
+    <inkml:context xml:id="ctx0">
+      <inkml:inkSource xml:id="inkSrc0">
+        <inkml:traceFormat>
+          <inkml:channel name="X" type="integer" max="1920" units="cm"/>
+          <inkml:channel name="Y" type="integer" max="1080" units="cm"/>
+          <inkml:channel name="T" type="integer" max="2.14748E9" units="dev"/>
+        </inkml:traceFormat>
+        <inkml:channelProperties>
+          <inkml:channelProperty channel="X" name="resolution" value="55.81395" units="1/cm"/>
+          <inkml:channelProperty channel="Y" name="resolution" value="55.6701" units="1/cm"/>
+          <inkml:channelProperty channel="T" name="resolution" value="1" units="1/dev"/>
+        </inkml:channelProperties>
+      </inkml:inkSource>
+      <inkml:timestamp xml:id="ts0" timeString="2020-12-15T08:01:40.635"/>
+    </inkml:context>
+    <inkml:brush xml:id="br0">
+      <inkml:brushProperty name="width" value="0.05" units="cm"/>
+      <inkml:brushProperty name="height" value="0.05" units="cm"/>
+      <inkml:brushProperty name="color" value="#ED1C24"/>
+      <inkml:brushProperty name="fitToCurve" value="1"/>
+    </inkml:brush>
+  </inkml:definitions>
+  <inkml:trace contextRef="#ctx0" brushRef="#br0">122 75 0,'0'-24'0,"-24"24"0,-1-25 16,1 25-16,0-24 15,-1 24 1,25 24 0,25 1-16,-25-1 15,0 25-15,24 0 0,0 0 16,-24-1-16,25 26 0,-1-25 15,-24 24-15,25-24 16,-1 0-16,25 24 0,-25-49 16,1 25-16,-1-25 15,25 1-15,-25-1 0,25-24 16,-24 0-16,24 0 0,-25 0 16,0-24-16,1 24 15,-1-25-15</inkml:trace>
+  <inkml:trace contextRef="#ctx0" brushRef="#br0" timeOffset="241">562 441 0,'0'25'31,"24"-1"-15,-24 1-1,25-1-15,-1 0 0,1 1 16,-1-1-16,0 25 16,25-24-16,-24-1 0,-1 25 15,-24-25-15,0 25 0,0-24 16,-24 23-16,-25 1 16,0 0-16,-24 0 0</inkml:trace>
+</inkml:ink>
+</file>
+
+<file path=ppt/ink/ink162.xml><?xml version="1.0" encoding="utf-8"?>
+<inkml:ink xmlns:inkml="http://www.w3.org/2003/InkML">
+  <inkml:definitions>
+    <inkml:context xml:id="ctx0">
+      <inkml:inkSource xml:id="inkSrc0">
+        <inkml:traceFormat>
+          <inkml:channel name="X" type="integer" max="1920" units="cm"/>
+          <inkml:channel name="Y" type="integer" max="1080" units="cm"/>
+          <inkml:channel name="T" type="integer" max="2.14748E9" units="dev"/>
+        </inkml:traceFormat>
+        <inkml:channelProperties>
+          <inkml:channelProperty channel="X" name="resolution" value="55.81395" units="1/cm"/>
+          <inkml:channelProperty channel="Y" name="resolution" value="55.6701" units="1/cm"/>
+          <inkml:channelProperty channel="T" name="resolution" value="1" units="1/dev"/>
+        </inkml:channelProperties>
+      </inkml:inkSource>
+      <inkml:timestamp xml:id="ts0" timeString="2020-12-15T08:01:44.988"/>
+    </inkml:context>
+    <inkml:brush xml:id="br0">
+      <inkml:brushProperty name="width" value="0.05" units="cm"/>
+      <inkml:brushProperty name="height" value="0.05" units="cm"/>
+      <inkml:brushProperty name="color" value="#ED1C24"/>
+      <inkml:brushProperty name="fitToCurve" value="1"/>
+    </inkml:brush>
+  </inkml:definitions>
+  <inkml:trace contextRef="#ctx0" brushRef="#br0">1443 73 0,'0'-24'16,"0"-1"0,0 1-1,-25 24 1,1 24-1,-1-24-15,1 0 0,-1 25 16,-23-1-16,-1-24 16,24 25-16,-24-1 0,1 0 15,-26 1-15,25-1 0,-24 25 16,24 0-16,-24-25 16,24 25-16,0 0 0,-24 0 15,49 0-15,-25 0 16,24 0-16,-23-1 0,23 1 15,1 0-15,24-24 0,-25 23 16,1 1-16,24-24 16,-25-1-16,1 0 0,24 1 15,-24-1-15,24 1 16</inkml:trace>
+  <inkml:trace contextRef="#ctx0" brushRef="#br0" timeOffset="427">295 440 0,'0'-25'0,"-25"25"16,1 0-1,24 25 1,0-1 0,-25 0-16,25 1 0,0-1 15,-24 1-15,-1-1 16,25 1-16,-24-1 0,0 25 16,-1 0-16,25 0 15,-24-1-15,-1 1 0,25 24 16,-24-24-16,24 0 0,-24 0 15,24 0-15,0 0 16,0 0-16,24-25 0,0 0 16,1-24-1,24 0-15,-1 0 0,1-24 16,0 0-16,0-1 0,24 25 16,-24-24-16,0-1 15,0 25-15,-25 0 0,25 0 16,-24 0-16,-1 0 15,0 0-15</inkml:trace>
+</inkml:ink>
+</file>
+
+<file path=ppt/ink/ink163.xml><?xml version="1.0" encoding="utf-8"?>
+<inkml:ink xmlns:inkml="http://www.w3.org/2003/InkML">
+  <inkml:definitions>
+    <inkml:context xml:id="ctx0">
+      <inkml:inkSource xml:id="inkSrc0">
+        <inkml:traceFormat>
+          <inkml:channel name="X" type="integer" max="1920" units="cm"/>
+          <inkml:channel name="Y" type="integer" max="1080" units="cm"/>
+          <inkml:channel name="T" type="integer" max="2.14748E9" units="dev"/>
+        </inkml:traceFormat>
+        <inkml:channelProperties>
+          <inkml:channelProperty channel="X" name="resolution" value="55.81395" units="1/cm"/>
+          <inkml:channelProperty channel="Y" name="resolution" value="55.6701" units="1/cm"/>
+          <inkml:channelProperty channel="T" name="resolution" value="1" units="1/dev"/>
+        </inkml:channelProperties>
+      </inkml:inkSource>
+      <inkml:timestamp xml:id="ts0" timeString="2020-12-15T08:01:48.384"/>
+    </inkml:context>
+    <inkml:brush xml:id="br0">
+      <inkml:brushProperty name="width" value="0.05" units="cm"/>
+      <inkml:brushProperty name="height" value="0.05" units="cm"/>
+      <inkml:brushProperty name="color" value="#ED1C24"/>
+      <inkml:brushProperty name="fitToCurve" value="1"/>
+    </inkml:brush>
+  </inkml:definitions>
+  <inkml:trace contextRef="#ctx0" brushRef="#br0">0 74 0,'0'-25'15,"0"1"-15,0-1 16,25 25-16,-1 0 16,1 0-1,23 0-15,-23 25 0,24-1 16,-1 1-16,1-1 0,0 1 16,0 23-16,0-23 15,0 24-15,0 0 0,-1 24 16,1-24-16,-24-1 0,23 26 15,-23-25-15,-1-1 16,1 1-16,-1 0 0,-24-24 16,25-1-16,-25 0 15,0 1-15,24-1 0,-24 1 16,0-1-16,-24-24 31</inkml:trace>
+  <inkml:trace contextRef="#ctx0" brushRef="#br0" timeOffset="380">1173 391 0,'-25'0'0,"25"25"32,0-1-17,0 0-15,0 1 16,0 24-16,0-25 16,0 1-16,0 23 0,0-23 15,0 24-15,0-25 16,0 25-16,0-25 0,0 1 15,0-1-15,0 1 0,0-1 16,0 1-16,-24-25 16,-1 24-16,1-24 0,-1 24 15,1-24-15,-25 0 0,-24 0 16,0 0-16,-1 0 16,-23-24-16,-25 24 0,-1-24 15,1-1-15</inkml:trace>
+</inkml:ink>
+</file>
+
+<file path=ppt/ink/ink164.xml><?xml version="1.0" encoding="utf-8"?>
+<inkml:ink xmlns:inkml="http://www.w3.org/2003/InkML">
+  <inkml:definitions>
+    <inkml:context xml:id="ctx0">
+      <inkml:inkSource xml:id="inkSrc0">
+        <inkml:traceFormat>
+          <inkml:channel name="X" type="integer" max="1920" units="cm"/>
+          <inkml:channel name="Y" type="integer" max="1080" units="cm"/>
+          <inkml:channel name="T" type="integer" max="2.14748E9" units="dev"/>
+        </inkml:traceFormat>
+        <inkml:channelProperties>
+          <inkml:channelProperty channel="X" name="resolution" value="55.81395" units="1/cm"/>
+          <inkml:channelProperty channel="Y" name="resolution" value="55.6701" units="1/cm"/>
+          <inkml:channelProperty channel="T" name="resolution" value="1" units="1/dev"/>
+        </inkml:channelProperties>
+      </inkml:inkSource>
+      <inkml:timestamp xml:id="ts0" timeString="2020-12-15T08:01:47.323"/>
+    </inkml:context>
+    <inkml:brush xml:id="br0">
+      <inkml:brushProperty name="width" value="0.05" units="cm"/>
+      <inkml:brushProperty name="height" value="0.05" units="cm"/>
+      <inkml:brushProperty name="color" value="#ED1C24"/>
+      <inkml:brushProperty name="fitToCurve" value="1"/>
+    </inkml:brush>
+  </inkml:definitions>
+  <inkml:trace contextRef="#ctx0" brushRef="#br0">0 174 0,'0'-24'0,"0"-1"0,0 1 16,0 0-16,24-1 16,-24 1-16,24-1 0,1 25 15,-1 0-15,1 0 0,-1 25 16,0-25-16,25 24 15,-24 1-15,24 23 0,-1-23 16,-23 24-16,24 24 16,0-24-16,-1 24 0,26-24 15,-25 24-15,-1 0 16,-23 1-16,24-1 0,-25-24 16,25 24-16,-49-24 0,24 0 15,-24 0-15,25-1 16,-25 1-16,0 0 0,0-24 15,0-1-15,0 0 16,0 1-16,-25-1 16</inkml:trace>
+  <inkml:trace contextRef="#ctx0" brushRef="#br0" timeOffset="479">976 980 0,'0'-24'0,"25"24"0,-25-25 15,24 1 1,1 24 0,-25 24 15,0 1-31,0-1 0,0 1 16,0-1-16,0 25 15,0-25-15,0 25 0,0-24 16,0 23-16,-25-23 15,25-1-15,0 25 0,-24-24 16,-1-1-16,1 0 16,0-24-16,-1 0 15,1 0-15,-25 0 0,0 0 16,0 0-16,0-24 16,1 0-16,-26 24 0,25-25 15,1 1-15,-1-1 0,0 25 16,0-24-16,25 24 15,-1-25-15,1 25 0,-1 0 16</inkml:trace>
+</inkml:ink>
+</file>
+
+<file path=ppt/ink/ink165.xml><?xml version="1.0" encoding="utf-8"?>
+<inkml:ink xmlns:inkml="http://www.w3.org/2003/InkML">
+  <inkml:definitions>
+    <inkml:context xml:id="ctx0">
+      <inkml:inkSource xml:id="inkSrc0">
+        <inkml:traceFormat>
+          <inkml:channel name="X" type="integer" max="1920" units="cm"/>
+          <inkml:channel name="Y" type="integer" max="1080" units="cm"/>
+          <inkml:channel name="T" type="integer" max="2.14748E9" units="dev"/>
+        </inkml:traceFormat>
+        <inkml:channelProperties>
+          <inkml:channelProperty channel="X" name="resolution" value="55.81395" units="1/cm"/>
+          <inkml:channelProperty channel="Y" name="resolution" value="55.6701" units="1/cm"/>
+          <inkml:channelProperty channel="T" name="resolution" value="1" units="1/dev"/>
+        </inkml:channelProperties>
+      </inkml:inkSource>
+      <inkml:timestamp xml:id="ts0" timeString="2020-12-15T08:01:46.165"/>
+    </inkml:context>
+    <inkml:brush xml:id="br0">
+      <inkml:brushProperty name="width" value="0.05" units="cm"/>
+      <inkml:brushProperty name="height" value="0.05" units="cm"/>
+      <inkml:brushProperty name="color" value="#ED1C24"/>
+      <inkml:brushProperty name="fitToCurve" value="1"/>
+    </inkml:brush>
+  </inkml:definitions>
+  <inkml:trace contextRef="#ctx0" brushRef="#br0">0 74 0,'0'-25'0,"24"25"16,1-24-16,-1 24 16,0-25-16,1 25 15,-1 0-15,1 0 16,-1 0-16,1 0 16,-1 25-16,0-25 15,1 24-15,-25 25 0,24-25 16,1 25-16,-1 0 0,-24 0 15,25 0-15,-1 0 16,-24 24-16,0 0 0,24-24 16,-24 24-16,0 1 15,25 23-15,-25-23 0,0-26 16,0 26-16,24-1 0,-24-24 16,0 0-16,25 0 15,-25-1-15,0-23 0,0-1 16,0 1-16,-25-1 15</inkml:trace>
+  <inkml:trace contextRef="#ctx0" brushRef="#br0" timeOffset="288">0 1197 0,'24'0'31,"-24"24"-31,25-24 0,-1 0 16,25 25-16,-25-1 16,25 1-16,-24-25 0,23 24 15,-23 1-15,-1 23 0,25-23 16,-24-1-16,-1 1 15,0-25-15,1 24 0,-25 1 16,24-25-16,1 0 16,-1 0-16,1-25 0</inkml:trace>
+  <inkml:trace contextRef="#ctx0" brushRef="#br0" timeOffset="462">806 1222 0,'49'-25'0,"-25"1"16,0 24-16,-24-25 0,25 25 15,-25 25 17,-25-1-32,1 25 15,0-25-15,-1 1 16,-24-1-16,25 1 0,-1 23 16,-23-23-16,23-1 0</inkml:trace>
+</inkml:ink>
+</file>
+
+<file path=ppt/ink/ink166.xml><?xml version="1.0" encoding="utf-8"?>
+<inkml:ink xmlns:inkml="http://www.w3.org/2003/InkML">
+  <inkml:definitions>
+    <inkml:context xml:id="ctx0">
+      <inkml:inkSource xml:id="inkSrc0">
+        <inkml:traceFormat>
+          <inkml:channel name="X" type="integer" max="1920" units="cm"/>
+          <inkml:channel name="Y" type="integer" max="1080" units="cm"/>
+          <inkml:channel name="T" type="integer" max="2.14748E9" units="dev"/>
+        </inkml:traceFormat>
+        <inkml:channelProperties>
+          <inkml:channelProperty channel="X" name="resolution" value="55.81395" units="1/cm"/>
+          <inkml:channelProperty channel="Y" name="resolution" value="55.6701" units="1/cm"/>
+          <inkml:channelProperty channel="T" name="resolution" value="1" units="1/dev"/>
+        </inkml:channelProperties>
+      </inkml:inkSource>
+      <inkml:timestamp xml:id="ts0" timeString="2020-12-15T08:01:52.807"/>
+    </inkml:context>
+    <inkml:brush xml:id="br0">
+      <inkml:brushProperty name="width" value="0.05" units="cm"/>
+      <inkml:brushProperty name="height" value="0.05" units="cm"/>
+      <inkml:brushProperty name="color" value="#ED1C24"/>
+      <inkml:brushProperty name="fitToCurve" value="1"/>
+    </inkml:brush>
+  </inkml:definitions>
+  <inkml:trace contextRef="#ctx0" brushRef="#br0">293 546 0,'-24'0'16,"24"-25"0,-25 1-16,1 24 0,24 24 15,-25 1-15,1-1 16,0 1-16,-1 23 16,25-23-16,-24 24 0,-1 0 15,1-25-15,24 0 16,-25 1-16,25-1 0,-24 1 15,24-1-15,24-24 32,-24-24-32,25-1 0,-1 1 15,1-25-15,-1 0 16,1 0-16,-1 0 0,0-24 16,1 24-16,-25-24 15,24-25-15,1 25 0,-1 0 16,1 24-16,-1-24 0,-24 48 15,24-24-15,1 49 16,-1 0-16,1 0 0,-1 25 16,0 24-16,1-1 0,-1 1 15,-24 0-15,25 24 16,-25 1-16,0-25 0,24 24 16,-24-24-16,0 24 15,0-24-15,0 0 0,0-25 16,0 25-16,0-25 0,0 1 15,0-1 1,-24-24-16</inkml:trace>
+  <inkml:trace contextRef="#ctx0" brushRef="#br0" timeOffset="192">342 595 0,'-24'-25'15,"-1"1"-15,1-1 0,-1 1 16,1 24-16,-1-25 15,50 25 1,-1 0 0,1 0-1,-1 0-15,1 0 0,23-24 16,-23 24-16,24 0 16,-25 0-16,25 0 0</inkml:trace>
+  <inkml:trace contextRef="#ctx0" brushRef="#br0" timeOffset="684">635 521 0,'-24'0'16,"24"-24"-16,-25 24 0,25-25 15,0 1 1,25 0-16,-1 24 15,0 0-15,1 0 16,-1 24-16,1 0 16,-1 1-16,1-1 0,-1 1 15,0 24-15,1-1 16,-25-23-16,24 24 0,-24-25 16,0 0-16,0 1 0,-24-1 15,24 1 1,-25-25-16,1 0 15,24-25-15,0 1 16,24-1 0,-24 1-16,25-25 0,-25 0 15,24 25-15,1-25 16,-1 0-16,1 0 0,-1 25 16,0 0-16,1-1 0,-1 25 15,1 0-15,-1 25 16,0-1-16,-24 0 15,25 1-15,-25 24 16,0 0-16,0-1 0,0-23 16,0 24-16,0-25 15,0 0-15,0 1 0,24-1 16,-24 1-16</inkml:trace>
+  <inkml:trace contextRef="#ctx0" brushRef="#br0" timeOffset="1123">1417 497 0,'0'-25'0,"-25"25"15,25-24-15,0 0 31,25 24-15,-25 24 0,0 0-16,0 1 15,0-1-15,0 1 0,0 24 16,0-1-16,0-23 16,24-1-16,-24 25 0,0-25 15,24 1-15,1-25 0,-25 24 16,24-24-16,1 0 15,-1 0-15,1 0 0,-1 0 16,0 0-16,1-24 0,-1 24 16,1-25-16,-1 1 15,0-25-15,-24 25 0,0-25 16,25 0-16,-25 25 16,0-25-16,0 0 0,0 25 15,-25-25-15,25 24 16,-24 25-16,0 0 15,24 25-15,-25-25 0,25 24 16</inkml:trace>
+  <inkml:trace contextRef="#ctx0" brushRef="#br0" timeOffset="1620">2003 301 0,'0'-24'0,"0"0"16,0-1-16,0 1 0,0-1 15,0 74 17,0-24-32,0 23 15,0 1-15,0 0 0,0 24 16,0-24-16,-25 25 0,25-26 15,0 1-15,0 0 16,0 0-16,0-25 0,0 1 16,0-1-16,0 1 0,25-50 31,-25 1-31,24-1 16,-24 1-16,25-25 15,-25 25-15,24-25 0,0 0 16,25 25-16,-24-25 0,-1 49 15,1-25-15,-1 25 16,25 25-16,-25-1 0,1 1 16,-25-1-16,24 25 15,-24 0-15,0 0 0,0-25 16,-24 25-16,-1-25 0,1 25 16,-1-25-16,-23-24 15,23 25-15,1-25 0,-1 0 16,1 0-16,-1-25 15,1 1-15,24 0 0,0-25 16</inkml:trace>
+  <inkml:trace contextRef="#ctx0" brushRef="#br0" timeOffset="2052">2394 326 0,'24'0'0,"-24"-25"15,24 25-15,1 0 16,-25 25-1,24-25-15,-24 24 16,0 1-16,25-1 16,-25 1-16,0 23 0,24 1 15,-24 0-15,24 0 0,-24 0 16,25 0-16,-25-1 16,24 1-16,-24 0 0,0 0 15,0-25-15,0 1 0,0-1 16,-24 1-16,-1-50 31,25 1-31,0-1 16,0 1-16,0-25 0,0 25 15,25-25-15,-25 0 0,24 0 16,1 0-16,-1 25 16,1-25-16,-1 49 0,0-24 15,25 24-15,-24 0 16,-1 24-16,1 1 0,-1-1 15,0 25-15,-24-25 16,25 1-16,-25 23 0,0-23 16,24-1-16,-24 1 0,0-1 15,0 1 1,25-25-16,-25 24 0</inkml:trace>
+  <inkml:trace contextRef="#ctx0" brushRef="#br0" timeOffset="2525">3468 668 0,'25'-25'15,"-25"1"-15,24 0 16,-24-25-16,0 24 0,0-24 16,0 25-16,0 0 15,-24-1-15,-1 1 0,1-1 16,-1 25-16,-24 0 0,25 25 15,-25-1-15,25 1 16,-25 23-16,24-23 0,-23 24 16,48 0-16,-25-1 15,25 1-15,0 0 0,0 0 16,0-25-16,0 25 0,25-24 16,-1-1-16,0-24 15,1 24-15,24-24 0,-25 0 16,1 0-16,23 0 15,-23-24-15,-1 0 0,1-1 16,-1 1-16,1-1 0,-1 1 16,-24-25-16,24 25 15,-24-25-15,0 24 0,0 1 16,25 0-16,-25 48 16,0 0-1,0 1-15,0 24 0,0-25 16,24 25-16,-24 0 15,25 0-15,-1-25 0,1 0 16,-25 1-16,48-1 0,-23 1 16,-1-25-16,1 0 15</inkml:trace>
+  <inkml:trace contextRef="#ctx0" brushRef="#br0" timeOffset="2891">3957 668 0,'0'-49'0,"0"0"15,0 25-15,0-25 0,0 24 16,0 1-16,24 24 16,-24 24-1,24 1-15,-24 24 0,0-25 16,0 25-16,25 0 16,-25 0-16,0 0 0,24-25 15,-24 25-15,25-25 16,-1 1-16,1-1 0,-1 0 15,0-24-15,1 0 0,-1 0 16,25 0-16,-24-24 16,23 0-16,-23-25 0,-1 24 15,1-23-15,-1-26 16,0 25-16,1-24 0,-25 24 16,0-24-16,24 24 0,-24-24 15,0 48-15,25-23 16,-25 23-16,-25 25 31,25 25-31,-24-25 16,-1 24-16</inkml:trace>
+</inkml:ink>
+</file>
+
+<file path=ppt/ink/ink167.xml><?xml version="1.0" encoding="utf-8"?>
+<inkml:ink xmlns:inkml="http://www.w3.org/2003/InkML">
+  <inkml:definitions>
+    <inkml:context xml:id="ctx0">
+      <inkml:inkSource xml:id="inkSrc0">
+        <inkml:traceFormat>
+          <inkml:channel name="X" type="integer" max="1920" units="cm"/>
+          <inkml:channel name="Y" type="integer" max="1080" units="cm"/>
+          <inkml:channel name="T" type="integer" max="2.14748E9" units="dev"/>
+        </inkml:traceFormat>
+        <inkml:channelProperties>
+          <inkml:channelProperty channel="X" name="resolution" value="55.81395" units="1/cm"/>
+          <inkml:channelProperty channel="Y" name="resolution" value="55.6701" units="1/cm"/>
+          <inkml:channelProperty channel="T" name="resolution" value="1" units="1/dev"/>
+        </inkml:channelProperties>
+      </inkml:inkSource>
+      <inkml:timestamp xml:id="ts0" timeString="2020-12-15T08:01:59.515"/>
+    </inkml:context>
+    <inkml:brush xml:id="br0">
+      <inkml:brushProperty name="width" value="0.05" units="cm"/>
+      <inkml:brushProperty name="height" value="0.05" units="cm"/>
+      <inkml:brushProperty name="fitToCurve" value="1"/>
+    </inkml:brush>
+  </inkml:definitions>
+  <inkml:trace contextRef="#ctx0" brushRef="#br0">935 199 0,'0'-48'0,"0"23"16,0 1-16,-25-1 0,1 1 15,-1-1-15,1 25 0,0-24 16,-1 24-16,-24 0 16,0 0-16,1 0 0,-1 24 15,-24-24-15,24 25 0,-25-1 16,26 1-16,-1-1 16,0 25-16,0 0 0,25 0 15,-1 0-15,25 24 16,0 0-16,25 0 0,-1 1 15,0-1-15,25 0 0,0 0 16,24-24-16,1 0 16,-1 0-16,25-25 0,-25 1 15,25-1-15,-25-24 16,0 0-16,25-24 0,-49-1 16,24-24-16,0 25 0,-24-25 15,0 0-15,-25 1 16,1-1-16,-1 0 0,-24 0 15,0 0-15,-24-24 16,-1 24-16,1-24 0,-1 0 16,-23 24-16,-1-25 0,0 26 15,0-1-15,0 0 16,25 24-16,-25 25 0,0 0 16,0 0-16,0 25 15,25-1-15,-25 1 0</inkml:trace>
+  <inkml:trace contextRef="#ctx0" brushRef="#br0" timeOffset="659">520 1152 0,'-25'0'16,"1"24"0,-1 1-1,1-1-15,-1 1 16,1 23-16,0 1 16,-25 0-16,24 0 0,1 0 15,-25 0-15,25 0 0,-1-25 16,1 25-16,-1-25 15,1 25-15,-1-25 0,25 1 16,-24-1-16,24 1 16,-24-1-16,24 1 0,0-1 15,0 0-15,24 1 0,0-25 16,1 24-16,-1-24 16,25 0-16,0 0 0,24 0 15,1 0-15,-1 0 0,0 0 16,0 0-16,1 0 15,-1 25-15,0-25 0,0 0 16,1 0-16,-1 24 16,0-24-16,0 0 0,-24 0 15,0 0-15,24-24 0,-24 24 16,0-25-16,0 25 16,0-24-16,-25 24 0,1-25 15,-1 1-15,1 0 16,-25-1-16,0-24 0,-25 25 15,1-25-15,-1 0 0,1 0 16,-1 1-16,-23-26 16,-1 25-16,0-24 0,24 24 15,-23 0-15,-1 1 16,24-1-16,1 24 0,-1-24 16,1 25-16,0 0 15,24-1 1,-25 25-16</inkml:trace>
+</inkml:ink>
+</file>
+
+<file path=ppt/ink/ink168.xml><?xml version="1.0" encoding="utf-8"?>
+<inkml:ink xmlns:inkml="http://www.w3.org/2003/InkML">
+  <inkml:definitions>
+    <inkml:context xml:id="ctx0">
+      <inkml:inkSource xml:id="inkSrc0">
+        <inkml:traceFormat>
+          <inkml:channel name="X" type="integer" max="1920" units="cm"/>
+          <inkml:channel name="Y" type="integer" max="1080" units="cm"/>
+          <inkml:channel name="T" type="integer" max="2.14748E9" units="dev"/>
+        </inkml:traceFormat>
+        <inkml:channelProperties>
+          <inkml:channelProperty channel="X" name="resolution" value="55.81395" units="1/cm"/>
+          <inkml:channelProperty channel="Y" name="resolution" value="55.6701" units="1/cm"/>
+          <inkml:channelProperty channel="T" name="resolution" value="1" units="1/dev"/>
+        </inkml:channelProperties>
+      </inkml:inkSource>
+      <inkml:timestamp xml:id="ts0" timeString="2020-12-15T08:02:46.056"/>
+    </inkml:context>
+    <inkml:brush xml:id="br0">
+      <inkml:brushProperty name="width" value="0.05" units="cm"/>
+      <inkml:brushProperty name="height" value="0.05" units="cm"/>
+      <inkml:brushProperty name="fitToCurve" value="1"/>
+    </inkml:brush>
+  </inkml:definitions>
+  <inkml:trace contextRef="#ctx0" brushRef="#br0">0 294 0,'25'-25'0,"-1"1"16,25-1-16,-25 1 0,25-1 16,0 25-16,0-24 15,0 0-15,0 24 0,24-25 16,-24 25-16,0 0 0,24-24 16,-24 24-16,-1-25 15,1 25-15,0 0 0,0-24 16,-25 24-16,25 0 0,-24-25 15,-1 25-15,1 0 16</inkml:trace>
+  <inkml:trace contextRef="#ctx0" brushRef="#br0" timeOffset="337">147 440 0,'24'0'15,"-24"-24"-15,25 24 0,23 0 16,-23-25-16,24 25 15,0-24-15,-1-1 0,26 25 16,-1-24-16,0 0 16,25 24-16,-25-25 0,0 1 15,1 24-15,-1-25 0,0 25 16,-24 0-16,0 0 16,0 0-16,-25 0 0,1 0 15,-1 0-15</inkml:trace>
+</inkml:ink>
+</file>
+
+<file path=ppt/ink/ink169.xml><?xml version="1.0" encoding="utf-8"?>
+<inkml:ink xmlns:inkml="http://www.w3.org/2003/InkML">
+  <inkml:definitions>
+    <inkml:context xml:id="ctx0">
+      <inkml:inkSource xml:id="inkSrc0">
+        <inkml:traceFormat>
+          <inkml:channel name="X" type="integer" max="1920" units="cm"/>
+          <inkml:channel name="Y" type="integer" max="1080" units="cm"/>
+          <inkml:channel name="T" type="integer" max="2.14748E9" units="dev"/>
+        </inkml:traceFormat>
+        <inkml:channelProperties>
+          <inkml:channelProperty channel="X" name="resolution" value="55.81395" units="1/cm"/>
+          <inkml:channelProperty channel="Y" name="resolution" value="55.6701" units="1/cm"/>
+          <inkml:channelProperty channel="T" name="resolution" value="1" units="1/dev"/>
+        </inkml:channelProperties>
+      </inkml:inkSource>
+      <inkml:timestamp xml:id="ts0" timeString="2020-12-15T08:02:48.002"/>
+    </inkml:context>
+    <inkml:brush xml:id="br0">
+      <inkml:brushProperty name="width" value="0.05" units="cm"/>
+      <inkml:brushProperty name="height" value="0.05" units="cm"/>
+      <inkml:brushProperty name="fitToCurve" value="1"/>
+    </inkml:brush>
+  </inkml:definitions>
+  <inkml:trace contextRef="#ctx0" brushRef="#br0">635 116 0,'-25'0'16,"1"0"-16,24-25 15,-25 25-15,1-24 16,0 24-16,-1 0 16,1-25-16,-1 25 15,1 0 1,-25 25-16,25-25 16,-25 0-16,24 0 0,-23 24 15,-1 1-15,24-25 16,-24 24-16,25 1 0,0 23 15,24-23-15,0 24 0,0-1 16,0 1-16,24 0 16,0 0-16,1-25 0,-1 25 15,25-24-15,0-1 0,0-24 16,0 25-16,0-25 16,24 0-16,-24 0 0</inkml:trace>
+  <inkml:trace contextRef="#ctx0" brushRef="#br0" timeOffset="473">903 384 0,'0'-24'0,"0"-1"16,25 25-16,-25-24 0,0 0 15,0-1-15,24 1 16,-24-1-16,0 1 15,0-1-15,-24 1 16,-1 24 0,1 24-16,0 1 15,-1-25-15,25 24 16,-24 1-16,-1 24 0,25-25 16,-24 0-16,24 25 15,0-24-15,0-1 0,0 1 16,24-1-16,1 0 15,-1-24 1,1 0-16,-1 0 0,0 0 16,1-24-16,-1 0 15,1-1-15,-1 1 16,1-1-16,-1 1 0,-24-1 16,24 1-1,-24 0-15,0-1 0,25 25 16,-1 25 15,-24-1-31,0 0 0,25 1 16,-1-1-16,-24 1 15,24-1-15,1 1 0</inkml:trace>
+  <inkml:trace contextRef="#ctx0" brushRef="#br0" timeOffset="934">1465 116 0,'-24'-25'15,"24"1"-15,0-25 0,-25 49 16,25-24-16,0 48 31,0 0-31,25 1 0,-25-1 16,0 1-16,24 23 15,-24 1-15,0-24 0,0 24 16,25-25-16,-25 25 16,0-25-16,0 1 0,0-1 15,24 1-15,0-25 32,-24-25-32,0 1 15,25-1-15,-25-24 16,24 25-16,-24 0 0,25-25 15,-1 24-15,0 1 16,1-1-16,-1 25 0,1 0 16,-1 0-16,1 25 0,-1-1 15,0 1-15,-24-1 16,25 25-16,-25-25 0,0 25 16,-25-24-16,25-1 0,-24 1 15,-25-1-15,25 0 16,-1 1-16,-24-1 0,1-24 15,23 0-15,1 0 16,-1 0-16,1 0 0</inkml:trace>
+  <inkml:trace contextRef="#ctx0" brushRef="#br0" timeOffset="1362">2149 213 0,'24'-24'0,"1"-1"16,-25 1-16,24 24 16,-24-24-16,0-1 15,0 1-15,-24 24 16,-1-25-1,1 25-15,0 0 0,-1 0 16,1 25-16,-1-25 0,1 24 16,24 1-16,-25-25 15,25 24-15,0 0 16,0 1-16,25-1 16,-1-24-16,1 25 0,-1-1 15,1 1-15,23-25 0,-23 24 16,24-24-16,-25 24 15,1-24-15,-1 25 0,0-25 16,-24 24-16,0 1 16,-24-25-16,-25 24 15,0 1-15,0-1 0,-24-24 16,0 24-16,0 1 16</inkml:trace>
+  <inkml:trace contextRef="#ctx0" brushRef="#br0" timeOffset="1908">1538 140 0,'25'0'15,"-1"0"17,-24 24-32,25 1 15,-25 24-15,0 0 0,24-1 16,-24 26-16,0-25 0,24 24 16,-24 0-16,0 0 15,0-24-15,0 25 0,-24-26 16,24 26-16,-24-26 15</inkml:trace>
+  <inkml:trace contextRef="#ctx0" brushRef="#br0" timeOffset="2778">97 1264 0,'0'-25'0,"-24"1"0,0-1 15,24 1-15,-25-1 16,25 1-16,-24 24 0,24 24 31,24 1-31,-24 24 16,25-25-16,-1 25 0,0 0 16,1 24-16,-1-24 15,-24 0-15,25 0 0,-1 24 16,-24-49-16,0 25 0,0-24 15,0-1-15,0 0 16,0 1-16,-24-25 16,24-25-1,-25 1-15,25 0 16,0-1-16,0-24 0,25 0 16,-25 25-16,24-25 15,1 25-15,-1-1 0,0 1 16,1 24-16,24 0 15,-25 0-15,0 0 0,25 24 16,-24 1-16,-25-1 0,24 1 16,-24 23-16,0-23 15,-24-1-15,-1 1 0,1-1 16,-1 1-16,1-25 16,-25 24-16,25-24 0,-25 0 15,25 0-15,-1 0 0,1 0 16,-1-24-16</inkml:trace>
+  <inkml:trace contextRef="#ctx0" brushRef="#br0" timeOffset="3658">879 1508 0,'0'-25'0,"0"1"16,-24-1 0,24 1-16,-25 0 0,25-1 15,-24 1-15,-1 24 0,1 0 16,-1 24 0,25 1-16,-24-1 0,24 25 15,-24-25-15,24 25 16,0-24-16,0 23 0,0-23 15,0 24-15,24-49 16,0 24-16,1 1 0,-1-25 16,1 0-16,-1 0 15,1-25-15,-1 25 16,0-24-16,-24-1 0,25 1 16,-25-1-16,0 1 0,0-25 15,0 25-15,-25 24 16,25-25-16,0 1 0,-24 24 15,24 24 1,0 1-16,24-25 16,-24 24-16,25 25 0,-1-25 15,1 1-15,-1-1 16,25 1-16,-25-25 16,1 0-16,-1 0 15,1 0-15,23 0 0,-23-25 16,-1 25-16,25-24 0,-24-1 15,-1-23-15,-24 23 16,0 1-16,0-25 0,0 24 16,-24-23-16,24-1 15,-25 24-15,1-23 0,-1 23 16,1 1-16,-1 24 16,25 24-16,0 1 15,0-1-15,0 25 0,0 0 16,25-1-16,-25 1 15,24 0-15,1 0 0,-25-25 16,24 25-16,1-24 0,-1-1 16,-24 1-16,24-25 15,1 24-15,-1-24 0,1 0 16,-1-24-16,1-1 16,-1 1-16,0-1 0,1-24 15,-1 1-15,-24-1 0,0 0 16,0 0-16,0 0 15,0 0-15,0 1 0,0 23 16,0 1-16,0-1 0,0 50 31,0-1-31,0 1 0,25 23 16,-25 1-16,0 0 16,24 0-16,-24 0 0,24 0 15,-24-25-15,0 25 16,25 0-16,-1-25 0,1 1 15</inkml:trace>
+  <inkml:trace contextRef="#ctx0" brushRef="#br0" timeOffset="3990">2466 1483 0,'-24'-24'0,"0"0"15,24-1-15,-25 1 16,1-1-16,-1 25 0,1-24 16,-1 24-16,1 0 0,0 0 15,-1 0-15,1 24 16,-1 1-16,1-1 0,0 25 15,-1 0-15,25-25 16,0 25-16,0 0 0,0-25 16,0 25-16,25-24 0,-1-1 15,25 0-15,-25 1 16,25-25-16,0 0 0,0 0 16</inkml:trace>
+  <inkml:trace contextRef="#ctx0" brushRef="#br0" timeOffset="4409">2808 1483 0,'25'-24'16,"-25"-1"-16,0 1 15,-25 0-15,1 24 16,24-25-16,-24 25 0,-1 0 16,1 0-16,-1 0 15,1 0-15,-1 0 0,1 25 16,0-1-16,24 0 15,-25 1-15,25-1 0,0 25 16,0-24-16,0-1 0,0 0 16,25 1-16,-1-25 15,-24 24-15,24-24 0,1 0 16,-1 0-16,1 0 0,-1 0 16,1-24-16,-1 24 15,-24-25-15,24 1 0,-24 0 16,0-1-16,0 1 15,0-1-15,0 1 16,0 48 0,0 1-1,0-1-15,25 1 16,-25-1-16,24 0 16,-24 1-16,0-1 0,25-24 15,-1 25-15,0-25 16,1 0-16,-1 0 15</inkml:trace>
+  <inkml:trace contextRef="#ctx0" brushRef="#br0" timeOffset="4823">3077 1361 0,'0'-49'0,"-24"1"16,24-1-16,0 24 16,-25 1-16,25-1 0,0 50 31,0-1-31,0 1 0,0 24 15,0-1-15,0 26 0,0-26 16,25 26-16,-25-25 16,0-1-16,24 26 0,-24-25 15,0-1-15,0-23 16,0 24-16,0-25 0,0 1 16,0-1-16,-24-24 0,-1 0 15,25-24 1,0-1-16,-24 1 15,24-25-15,0 0 16,24 0-16,1 0 0,-25 0 16,24 1-16,0-1 0,1 24 15,-1 1-15,1-1 16,-1 25-16,1 0 0,-1 0 16,0 25-16,-24-1 15,25-24-15,-25 25 0,0-1 16,-25 1-16,1-1 15,0-24-15,-1 24 0,1 1 16,-25-1-16,24-24 0,1 0 16,0 25-16</inkml:trace>
+  <inkml:trace contextRef="#ctx0" brushRef="#br0" timeOffset="5153">3468 1386 0,'24'-25'0,"-24"1"16,25 24-16,-25-25 15,0 1-15,24 24 0,-24-24 16,0-1-16,-24 25 16,-1 0-1,1 25 1,-1-25-1,1 24-15,24 0 16,0 1-16,0-1 0,24 1 16,1-1-1,24 1-15,-25-1 0,1 0 16,-1 1-16,-24-1 16,24 1-16,-48-1 15,-25 0-15,0 1 16,0-25-16,-24 24 0</inkml:trace>
+  <inkml:trace contextRef="#ctx0" brushRef="#br0" timeOffset="5921">659 2631 0,'-24'-24'16,"24"-1"0,-25 1-1,25 0-15,0 48 32,0 0-17,0 1-15,0 24 0,0-25 16,-24 25-16,24 0 15,0 0-15,0-25 0,-25 25 16,25-25-16,0 1 0,-24-1 16,24-48 15,0-1-31,0 1 0,0-25 16,24 0-16,-24 0 15,0-24-15,25 0 16,-25 24-16,24-24 0,-24-1 15,25 26-15,-1-1 0,1 24 16,-1 25-16,0 0 16,1 0-16,-1 25 0,25 24 15,-24-1-15,-1 1 0,-24 0 16,24 0-16,1 24 16,-1-24-16,-24 0 0,0-25 15,25 25-15,-25-24 16,0-1-16,0 0 0,0 1 15,-25-25-15,25 24 0</inkml:trace>
+  <inkml:trace contextRef="#ctx0" brushRef="#br0" timeOffset="6166">659 2729 0,'-24'0'0,"-1"0"15,1 0 1,48 0 15,1-25-31,-1 25 16,25 0-16,-25 0 0,1-24 16,24 24-16,0 0 0,-25 0 15,25 0-15,-25 0 16,25-24-16,-24 24 0,-1 0 15,0 0-15</inkml:trace>
+  <inkml:trace contextRef="#ctx0" brushRef="#br0" timeOffset="6305">1074 2582 0,'0'-24'16</inkml:trace>
+  <inkml:trace contextRef="#ctx0" brushRef="#br0" timeOffset="7883">1856 2558 0,'0'-24'0,"0"-1"0,-25 1 16,25-1-16,0 1 0,-24-1 15,24 1-15,-24 0 16,24-1-16,-25 1 0,1 24 16,-1 0-16,1 0 15,-1 0-15,1 24 0,-25 1 16,25-1-16,-1 0 16,25 1-16,-24-1 0,24 25 15,24-24-15,1-1 0,-1 0 16,25 1-16,-25 24 15,50-25-15,-25 0 0,-25 1 16,25-1-16,0-24 0,-25 25 16,-24-1-16,0 1 15,0-1-15,-24-24 16,-1 24-16,-24-24 16,25 0-16,-25 0 0,25 0 15,-1 0-15,1-24 0,-1 24 16,25-24-16,0-1 15,25-24-15,-25 25 0,49-25 16,-25 25-16,25-1 16,0-24-16,0 25 0,-25 0 15,25-1-15,0-24 0,-25 25 16,1-1-16,-1 25 16,1-24-16,-1 0 0,-24-1 15,24 25-15,-24 25 31,25-1-31,-25 0 16,0 1-16,0-1 16,0 25-16,0-24 0,24 23 15,-24 1-15,0-24 16,0 23-16,0-23 0,0-1 16,0 1-16,0-1 15,25-24 16,-25-24-31,0-1 0,0 1 16,24-1-16,-24 1 16,25 0-16,-1-1 0,0 25 15,-24-24-15,25 24 16,-1-25-16,1 25 0,-1 25 16,0-1-16,1-24 0,-1 25 15,1-1-15,-1 25 16,1-25-16,-25 1 0,24-1 15,0-24-15,1 25 16,-1-25-16,1 0 0,-1 0 16,1 0-16,-25-25 0,24 1 15,0-1-15,1-24 16,-25 25-16,0 0 16,0-1-16,0 1 15,0-1-15,0 1 0,0 0 16,0-1-16,0 50 31,0-1-31,0 0 0,0 1 16,0-1-16,0 1 15,24 23-15,-24-23 0,25-1 16,-1 1-16,0-25 16,1 0-1</inkml:trace>
+  <inkml:trace contextRef="#ctx0" brushRef="#br0" timeOffset="8034">2857 2338 0,'0'-24'0,"0"-25"0,-24 49 16,24-25-16,0 50 31,0-1-31,0 1 16,0-1-16,0 1 15</inkml:trace>
+  <inkml:trace contextRef="#ctx0" brushRef="#br0" timeOffset="8454">2955 2460 0,'24'0'0,"-24"25"15,25-25-15,-1 0 16,1 0 0,-1 0-16,0 0 15,1 0 1,-1 24-16,1 1 0,-1-1 15,1 0-15,-25 1 0,24-1 16,-24 1-16,0-1 16,0 1-16,0-1 0,-24 0 15,-1-24-15,1 0 16,24-24 0,0 0-16,0-1 15,24 1-15,-24-1 16,49-24-16,-25 1 0,25-1 15,-24 24-15,24-24 0,-1 25 16,-23 0-16,24-1 16,-25 1-16,0 24 0,1-25 15,-1 25-15,1 0 16,-25 25-16,24-25 16,-24 24-16,25 1 0,-25-1 15,0 0-15,24 1 16,-24 24-16,0-25 0,24 25 15,-24-25-15,0 1 16,0 24-16,0-25 0,0 1 16,0-1-16,-24 0 15</inkml:trace>
+  <inkml:trace contextRef="#ctx0" brushRef="#br0" timeOffset="8903">3688 2608 0,'-25'0'16,"1"-25"-1,48 25 1,-24-24 0,25 24-16,-1 0 15,25 0-15,-25-24 0,25 24 16,0 0-16,-25-25 15,25 25-15,0-24 0,0 24 16,-25-25-16,25 25 0,-24-24 16,-1-1-16,-24 1 15,25 24-15,-25-24 0,0-1 16,-25 25-16,1-24 16,-1 24-16,1 0 0,-25 0 15,25 24-15,-1-24 0,1 25 16,-1-25-16,1 24 15,24 0-15,24 1 16,1-1-16,-1 1 16,1-1-16,23 1 0,1-1 15,-24 0-15,24 1 0,-25-1 16,0 1-16,-24-1 16,0 0-16,-24 1 0,0-25 15,-25 24-15,-25-24 0,1 25 16,0-25-16</inkml:trace>
 </inkml:ink>
 </file>
 
@@ -1633,6 +2873,318 @@
 </inkml:ink>
 </file>
 
+<file path=ppt/ink/ink170.xml><?xml version="1.0" encoding="utf-8"?>
+<inkml:ink xmlns:inkml="http://www.w3.org/2003/InkML">
+  <inkml:definitions>
+    <inkml:context xml:id="ctx0">
+      <inkml:inkSource xml:id="inkSrc0">
+        <inkml:traceFormat>
+          <inkml:channel name="X" type="integer" max="1920" units="cm"/>
+          <inkml:channel name="Y" type="integer" max="1080" units="cm"/>
+          <inkml:channel name="T" type="integer" max="2.14748E9" units="dev"/>
+        </inkml:traceFormat>
+        <inkml:channelProperties>
+          <inkml:channelProperty channel="X" name="resolution" value="55.81395" units="1/cm"/>
+          <inkml:channelProperty channel="Y" name="resolution" value="55.6701" units="1/cm"/>
+          <inkml:channelProperty channel="T" name="resolution" value="1" units="1/dev"/>
+        </inkml:channelProperties>
+      </inkml:inkSource>
+      <inkml:timestamp xml:id="ts0" timeString="2020-12-15T08:03:00.669"/>
+    </inkml:context>
+    <inkml:brush xml:id="br0">
+      <inkml:brushProperty name="width" value="0.05" units="cm"/>
+      <inkml:brushProperty name="height" value="0.05" units="cm"/>
+      <inkml:brushProperty name="fitToCurve" value="1"/>
+    </inkml:brush>
+  </inkml:definitions>
+  <inkml:trace contextRef="#ctx0" brushRef="#br0">269 171 0,'0'-25'15,"0"1"1,0-1-1,24 25-15,-24-24 16,0 0 0,-24 24-16,-1 0 15,1 0 1,-1 0-16,1 0 0,0 24 16,-25 0-16,24 1 0,1-1 15,-1 1-15,1-1 16,24 1-16,0 23 0,24-23 15,25-1 1,-24 1-16,24-1 0,24-24 16,-24 25-16,0-25 0,-1 24 15,-23-24-15,24 0 16,-25 24-16,-24 1 16,-24-25-16,-25 24 15,24 1-15,-48-25 0,24 24 16,0 0-16,1-24 0,23 0 15,-24 0-15</inkml:trace>
+  <inkml:trace contextRef="#ctx0" brushRef="#br0" timeOffset="510">513 0 0,'0'24'15,"24"-24"1,1 0-16,-25 25 0,24-1 16,1-24-16,-1 24 15,25 25-15,-25-24 0,-24 24 16,25-1-16,-1 1 0,-24 25 16,0-26-16,0 1 15,0 25-15,0-26 0,0-23 16,-24 24-16,24-25 15,0 0-15,0 1 0,-25-1 16,25-48 15,0-1-31,0 1 0,0-25 16,0 0-16,0 1 16,0-1-16,25 0 0,-1-24 15,-24 24-15,25 0 0,23 24 16,-23 1-16,-1 0 15,25 24-15,-24 0 0,23 24 16,-23 0-16,-1 1 16,1-1-16,-25 1 0,0-1 15,-25 25-15,25-25 0,-24 1 16,-1-1-16,-23-24 16,23 25-16,-24-25 0,25 0 15,-1 0-15,1-25 16,24 1-16,0-1 15,0 1-15,24 0 0,1-25 16</inkml:trace>
+  <inkml:trace contextRef="#ctx0" brushRef="#br0" timeOffset="863">1319 268 0,'24'0'16,"1"-24"-16,-1 24 0,1-24 15,-1 24 1,-24-25-16,24 25 16,-24 25-1,-24-1-15,0 0 16,24 1-16,-25-1 0,25 1 16,-24 24-16,24-25 0,0 0 15,0 1-15,24-1 16,1-24-16,-1 0 0,0 0 15,25 0-15,-24-24 16,24-1-16,-25 25 0,0-24 16,1-25-16,-1 25 15,-24-1-15,0 1 0,0-1 16,-24 1-16,-1 0 0,1 24 16,0-25-16,-1 1 15,1 24-15,-1 0 0</inkml:trace>
+  <inkml:trace contextRef="#ctx0" brushRef="#br0" timeOffset="1225">1881 220 0,'0'-25'15,"24"1"1,0 24-16,1-25 16,-1 25-16,1 0 15,-1 0-15,1 25 0,-1-25 16,0 24-16,1 1 16,-1-1-16,-24 0 15,0 1-15,0-1 0,-24 1 16,-1-25-1,1 0-15,24-25 16,0 1 0,0-1-16,0 1 15,24 0-15,1-25 0,-1 24 16,1 1-16,24-1 16,-25 1-16,0 0 0,25 24 15,-24 0-15,-1 0 0</inkml:trace>
+  <inkml:trace contextRef="#ctx0" brushRef="#br0" timeOffset="1801">220 1148 0,'0'-25'0,"-25"25"0,1-24 16,24-1-1,24 25-15,1-24 0,-1 24 16,25 0-16,-24-24 15,23 24-15,1 0 0,25-25 16,-26 25-16,1 0 16,0-24-16,-25 24 0,25 0 15,-24 0-15,-25-25 0</inkml:trace>
+  <inkml:trace contextRef="#ctx0" brushRef="#br0" timeOffset="1949">562 1026 0,'-25'24'16,"1"0"-16,0-24 15,-1 25-15,25-1 0,-24 25 16,24-25-16,0 1 16,0-1-16,0 25 0,0-24 15,0-1-15,0 25 0,0-25 16,0 1-16,0-1 16,0 1-16</inkml:trace>
+  <inkml:trace contextRef="#ctx0" brushRef="#br0" timeOffset="2281">537 1392 0,'0'-25'0,"25"1"16,-25 0-16,0-1 0,0 1 16,24-1-16,1 25 0,-1 0 15,0 0 1,1 0-16,-1 25 0,1-1 15,-1 1-15,-24-1 0,0 0 16,0 25-16,0-24 16,0-1-16,-24 1 0,-1-25 15,1 24-15,-1-24 16,1 0-16,24-24 16,-24 24-16,24-25 0,0 1 15,24-1-15,0 1 16,1-1-16,24 1 0,-25 0 15,25-1-15,0 25 16,0-24-16,0 24 0,-25 0 16,25 0-16</inkml:trace>
+  <inkml:trace contextRef="#ctx0" brushRef="#br0" timeOffset="2725">1343 1319 0,'0'-25'16,"0"1"0,-24-1-1,24 1-15,-24 24 0,-1-25 16,1 25-16,-1 0 0,1 0 16,-1 0-16,1 25 15,0-25-15,-1 24 0,1 1 16,24-1-16,-25 1 15,25-1-15,0 0 0,0 1 16,25-1-16,-1-24 0,-24 25 16,25-25-16,-1 0 15,0 24-15,1-24 0,-1 0 16,1-24-16,-1 24 0,1-25 16,-1 1-16,0 24 15,1-25-15,-25 1 0,24 0 16,1-1-1,-1 25 1,-24 25 0,0-1-16,0 0 15,24 1-15,-24-1 16,0 1-16,25-25 16,-1 24-16,1-24 15,-1 0-15,1 0 16</inkml:trace>
+  <inkml:trace contextRef="#ctx0" brushRef="#br0" timeOffset="3023">1930 1270 0,'0'-25'0,"24"25"0,-24-24 15,24 24-15,-24-25 16,25 25-16,-25-24 0,0 0 15,-25 48 17,1-24-32,0 24 15,-1 1 1,1-1-16,24 1 16,0-1-16,24-24 15,1 25-15,23-25 16,-23 0-16,24 0 0,-1 0 15,1 0-15,0 0 16,0 0-16,-25 0 0,25 0 16</inkml:trace>
+  <inkml:trace contextRef="#ctx0" brushRef="#br0" timeOffset="3138">2784 1221 0,'25'0'0,"24"0"15,-25 0-15,25 0 16,0 0-16</inkml:trace>
+  <inkml:trace contextRef="#ctx0" brushRef="#br0" timeOffset="3341">3297 1245 0,'25'0'16,"-1"0"15,0 0-16,1 0 1,-1-24-16,1 24 16,-1 0-1,1 0 1,-1 0 0,0 0-1</inkml:trace>
+</inkml:ink>
+</file>
+
+<file path=ppt/ink/ink171.xml><?xml version="1.0" encoding="utf-8"?>
+<inkml:ink xmlns:inkml="http://www.w3.org/2003/InkML">
+  <inkml:definitions>
+    <inkml:context xml:id="ctx0">
+      <inkml:inkSource xml:id="inkSrc0">
+        <inkml:traceFormat>
+          <inkml:channel name="X" type="integer" max="1920" units="cm"/>
+          <inkml:channel name="Y" type="integer" max="1080" units="cm"/>
+          <inkml:channel name="T" type="integer" max="2.14748E9" units="dev"/>
+        </inkml:traceFormat>
+        <inkml:channelProperties>
+          <inkml:channelProperty channel="X" name="resolution" value="55.81395" units="1/cm"/>
+          <inkml:channelProperty channel="Y" name="resolution" value="55.6701" units="1/cm"/>
+          <inkml:channelProperty channel="T" name="resolution" value="1" units="1/dev"/>
+        </inkml:channelProperties>
+      </inkml:inkSource>
+      <inkml:timestamp xml:id="ts0" timeString="2020-12-15T08:03:14.098"/>
+    </inkml:context>
+    <inkml:brush xml:id="br0">
+      <inkml:brushProperty name="width" value="0.05" units="cm"/>
+      <inkml:brushProperty name="height" value="0.05" units="cm"/>
+      <inkml:brushProperty name="fitToCurve" value="1"/>
+    </inkml:brush>
+  </inkml:definitions>
+  <inkml:trace contextRef="#ctx0" brushRef="#br0">0 123 0,'24'-25'0,"-24"1"0,0-1 15,25-24-15,-25 25 16,0 48 0,0 25-1,0 0-15,0 24 16,0 1-16,0 23 0,0 25 15,0 1-15,0-1 16,24 24-16,-24 25 0,0-24 16,0 24-16,25 24 0,-25-24 15,0 0-15,0 24 16,0-24-16,0 0 0,0 0 16,0 0-16,0 0 0,0-24 15,0-1-15,24 25 16,-24-24-16,24-1 0,-24-24 15,25 25-15,-25 0 16,24-25-16,-24 24 0,25-24 16,-25 0-16,24-24 15,-24 24-15,0-24 0,0 0 16,0-25-16,0 0 0,0-24 16,0 24-16,0-24 15,0 0-15,-24-25 0,24 25 16,0-24-16,0-1 0,-25 0 15,25 1-15,0-1 16,-24-24-16,24 25 16,-25-25-1,25-25 1</inkml:trace>
+</inkml:ink>
+</file>
+
+<file path=ppt/ink/ink172.xml><?xml version="1.0" encoding="utf-8"?>
+<inkml:ink xmlns:inkml="http://www.w3.org/2003/InkML">
+  <inkml:definitions>
+    <inkml:context xml:id="ctx0">
+      <inkml:inkSource xml:id="inkSrc0">
+        <inkml:traceFormat>
+          <inkml:channel name="X" type="integer" max="1920" units="cm"/>
+          <inkml:channel name="Y" type="integer" max="1080" units="cm"/>
+          <inkml:channel name="T" type="integer" max="2.14748E9" units="dev"/>
+        </inkml:traceFormat>
+        <inkml:channelProperties>
+          <inkml:channelProperty channel="X" name="resolution" value="55.81395" units="1/cm"/>
+          <inkml:channelProperty channel="Y" name="resolution" value="55.6701" units="1/cm"/>
+          <inkml:channelProperty channel="T" name="resolution" value="1" units="1/dev"/>
+        </inkml:channelProperties>
+      </inkml:inkSource>
+      <inkml:timestamp xml:id="ts0" timeString="2020-12-15T08:03:25.884"/>
+    </inkml:context>
+    <inkml:brush xml:id="br0">
+      <inkml:brushProperty name="width" value="0.05" units="cm"/>
+      <inkml:brushProperty name="height" value="0.05" units="cm"/>
+      <inkml:brushProperty name="fitToCurve" value="1"/>
+    </inkml:brush>
+  </inkml:definitions>
+  <inkml:trace contextRef="#ctx0" brushRef="#br0">0 98 0,'0'-25'0,"24"1"15,-24-1 1,0 1-16,24 24 31,-24 24-15,25 1-16,-25-1 0,24 25 15,-24-24-15,25 23 16,-25-23-16,24 24 0,-24 0 16,0-1-16,25 1 0,-25 0 15</inkml:trace>
+</inkml:ink>
+</file>
+
+<file path=ppt/ink/ink173.xml><?xml version="1.0" encoding="utf-8"?>
+<inkml:ink xmlns:inkml="http://www.w3.org/2003/InkML">
+  <inkml:definitions>
+    <inkml:context xml:id="ctx0">
+      <inkml:inkSource xml:id="inkSrc0">
+        <inkml:traceFormat>
+          <inkml:channel name="X" type="integer" max="1920" units="cm"/>
+          <inkml:channel name="Y" type="integer" max="1080" units="cm"/>
+          <inkml:channel name="T" type="integer" max="2.14748E9" units="dev"/>
+        </inkml:traceFormat>
+        <inkml:channelProperties>
+          <inkml:channelProperty channel="X" name="resolution" value="55.81395" units="1/cm"/>
+          <inkml:channelProperty channel="Y" name="resolution" value="55.6701" units="1/cm"/>
+          <inkml:channelProperty channel="T" name="resolution" value="1" units="1/dev"/>
+        </inkml:channelProperties>
+      </inkml:inkSource>
+      <inkml:timestamp xml:id="ts0" timeString="2020-12-15T08:03:27.749"/>
+    </inkml:context>
+    <inkml:brush xml:id="br0">
+      <inkml:brushProperty name="width" value="0.05" units="cm"/>
+      <inkml:brushProperty name="height" value="0.05" units="cm"/>
+      <inkml:brushProperty name="fitToCurve" value="1"/>
+    </inkml:brush>
+  </inkml:definitions>
+  <inkml:trace contextRef="#ctx0" brushRef="#br0">97 343 0,'0'-25'16,"0"1"-16,0 0 16,-24 24-16,24-25 15,0 1-15,0-1 16,0 1-16,0-1 0,24 1 16,-24 0-16,25-1 15,-25 1-15,24-1 0,1 1 16,-1 24-16,1 0 0,-1 0 15,0 0-15,1 24 16,-1 1-16,1-1 0,-1 1 16,-24-1-16,0 25 15,0-25-15,-24 25 0,-1-24 16,1 23-16,-1-23 0,-23 24 16,23-25-16,-24 1 15,0-1-15,25 0 0,0 1 16,-1-25-16,1 0 15,24 24-15,24-24 16,25 0-16,0 0 0,0-24 16,24 24-16,25 0 15,-1 0-15,26-25 0,-26 25 16,1 0-16,-25 0 16,0 25-16,-24-1 0</inkml:trace>
+</inkml:ink>
+</file>
+
+<file path=ppt/ink/ink174.xml><?xml version="1.0" encoding="utf-8"?>
+<inkml:ink xmlns:inkml="http://www.w3.org/2003/InkML">
+  <inkml:definitions>
+    <inkml:context xml:id="ctx0">
+      <inkml:inkSource xml:id="inkSrc0">
+        <inkml:traceFormat>
+          <inkml:channel name="X" type="integer" max="1920" units="cm"/>
+          <inkml:channel name="Y" type="integer" max="1080" units="cm"/>
+          <inkml:channel name="T" type="integer" max="2.14748E9" units="dev"/>
+        </inkml:traceFormat>
+        <inkml:channelProperties>
+          <inkml:channelProperty channel="X" name="resolution" value="55.81395" units="1/cm"/>
+          <inkml:channelProperty channel="Y" name="resolution" value="55.6701" units="1/cm"/>
+          <inkml:channelProperty channel="T" name="resolution" value="1" units="1/dev"/>
+        </inkml:channelProperties>
+      </inkml:inkSource>
+      <inkml:timestamp xml:id="ts0" timeString="2020-12-15T08:03:29.537"/>
+    </inkml:context>
+    <inkml:brush xml:id="br0">
+      <inkml:brushProperty name="width" value="0.05" units="cm"/>
+      <inkml:brushProperty name="height" value="0.05" units="cm"/>
+      <inkml:brushProperty name="fitToCurve" value="1"/>
+    </inkml:brush>
+  </inkml:definitions>
+  <inkml:trace contextRef="#ctx0" brushRef="#br0">195 196 0,'-24'-25'0,"24"1"16,-25-1-16,25 1 15,25 0-15,-1-1 16,0 1 0,1 24-16,-1 0 0,1-25 15,-1 25-15,1 0 0,-1 0 16,0 0-16,-24 25 15,25-25-15,-25 24 0,0 1 16,0-1 0,-25-24-16,25 24 0,-24 1 15,0-25-15,-1 24 0,1 1 16,-1-25 0,25 24-16,-24-24 0,48 24 31,1-24-16,-1 0-15,1 0 0,-1 0 16,25 0-16,0 0 16,-25 25-16,1-25 0,23 24 15,-23-24-15,-1 25 0,-24-1 16,0 1 0,-24-1-16,-25 0 0,-24-24 15,-1 25-15,-23-1 16,-1 1-16,0-1 0,1 1 15</inkml:trace>
+</inkml:ink>
+</file>
+
+<file path=ppt/ink/ink175.xml><?xml version="1.0" encoding="utf-8"?>
+<inkml:ink xmlns:inkml="http://www.w3.org/2003/InkML">
+  <inkml:definitions>
+    <inkml:context xml:id="ctx0">
+      <inkml:inkSource xml:id="inkSrc0">
+        <inkml:traceFormat>
+          <inkml:channel name="X" type="integer" max="1920" units="cm"/>
+          <inkml:channel name="Y" type="integer" max="1080" units="cm"/>
+          <inkml:channel name="T" type="integer" max="2.14748E9" units="dev"/>
+        </inkml:traceFormat>
+        <inkml:channelProperties>
+          <inkml:channelProperty channel="X" name="resolution" value="55.81395" units="1/cm"/>
+          <inkml:channelProperty channel="Y" name="resolution" value="55.6701" units="1/cm"/>
+          <inkml:channelProperty channel="T" name="resolution" value="1" units="1/dev"/>
+        </inkml:channelProperties>
+      </inkml:inkSource>
+      <inkml:timestamp xml:id="ts0" timeString="2020-12-15T08:03:31.930"/>
+    </inkml:context>
+    <inkml:brush xml:id="br0">
+      <inkml:brushProperty name="width" value="0.05" units="cm"/>
+      <inkml:brushProperty name="height" value="0.05" units="cm"/>
+      <inkml:brushProperty name="fitToCurve" value="1"/>
+    </inkml:brush>
+  </inkml:definitions>
+  <inkml:trace contextRef="#ctx0" brushRef="#br0">0 99 0,'25'0'0,"-1"-24"0,1 24 16,-1-25-16,1 25 16,-1-24-16,0 24 0,25 0 15,-24 0-15,-1-24 16,25 24-16,-25 0 0,25 0 16,-24 0-16,-1 0 0,0 0 15,1 0-15,-1 24 16,1 0-16,-1 1 0,1-1 15,-25 1-15,24-1 16,-24 25-16,0 0 0,0 0 16,0-25-16,-24 25 0,24 0 15,-25-25-15,1 25 16,-1-25-16,1 25 0,-1-24 16,-23-1-16,23 1 15,1 23-15,-1-23 0,1-1 16,-25 25-16,25-24 0,24-1 15,-25 25-15,1-25 16,24 25-16,-25 0 0,25-25 16,-24 25-16,24-24 15,-24 23-15,24 1 0,0-24 16,0 24-16,0-25 0,0 25 16,0-25-16,0 25 15,24-25-15,-24 1 0,24-1 16,1 25-16,-1-24 15,1-1-15,-1 0 0,1 1 16,23-1-16,-23-24 0,-1 25 16,1-1-16,-1 1 15,0-1-15,1-24 0,-1 24 16,1 1-16,-25-1 16,24 1-16,-24-1 15,0 1-15,0-1 0,0 0 16,-24-24-16,-1 25 15,25-1-15,-24 1 0,-1-25 16,1 24-16,0 1 16,-1-1-16,1-24 0,-1 24 15,1 1-15,0-1 0,-1-24 16,1 25-16,24-1 16,-25 0-16,25 1 0,-24-1 15,24 1-15,0-1 0,0 1 16,0-1-16,0 0 15,0 1-15,0-1 0,24 1 16,-24-1-16,0 1 16,25-1-16,-25 0 0,24 1 15,-24-1-15,25 25 0,-1-25 16,0 1-16,-24-1 16,25 25-16,-1-24 0,1 23 15,-1-23-15,0 24 16,1 0-16,-1-25 0,-24 25 15,25-25-15,-25 25 0,0-24 16,0-1-16,0 0 16,0 1-16,0-1 0,-25 1 15,25 24-15,-24-25 16,-1 0-16,-23 1 0,23-1 16,-24 1-16,25-25 0,-25 24 15,0 0-15,0 1 16,25-25-16,-25 24 0,25-24 15,-25 0-15,24 0 16</inkml:trace>
+  <inkml:trace contextRef="#ctx0" brushRef="#br0" timeOffset="1020">977 1125 0,'0'-24'16,"0"48"15,0 25-31,0 0 16,0 0-16,0-1 0,-24 26 16,24-26-16,-25 26 0,25-25 15,0-1-15,-24 1 16,24 0-16,0-24 0,-24 23 15,24-23-15,0-1 16,0-48 0,24-1-1,-24 1-15,0-25 16,24 0-16,-24 0 0,25-24 16,-25 0-16,24 0 15,-24-1-15,25-23 0,-25-1 16,24 25-16,1-25 15,-1 25-15,0 24 0,1-24 16,-1 48-16,25 1 0,-24 24 16,23 0-16,-23 24 15,-1 1-15,25 24 0,-24 24 16,-1 0-16,0 0 0,1 25 16,-1 0-16,1-1 15,-1 1-15,1 0 0,-1-1 16,-24-23-16,24-1 15,1-24-15,-25 0 0,0 0 16,0-25-16,0 0 0,-25-24 16</inkml:trace>
+  <inkml:trace contextRef="#ctx0" brushRef="#br0" timeOffset="1188">1246 1565 0,'-49'-49'0,"25"24"16,-1 1-16,1 0 15,-1 24-15,25-25 0,0 1 16,25 24 0,-1 0-16,1-25 15,24 25-15,-25-24 0,49-1 16,-24 1-16,0 0 16,24-1-16</inkml:trace>
+  <inkml:trace contextRef="#ctx0" brushRef="#br0" timeOffset="1434">1832 1027 0,'0'-24'0,"0"-1"16,0 1-16,0 0 15,0-1-15,0 1 0,0-1 16,0 50 0,25-1-1,-25 1-15,0 23 16,0 1-16,0 25 0,0-1 15,0 0-15,24 25 0,-24-25 16,24 0-16,-24 1 16,25-1-16,-25-24 0,24 0 15,-24-25-15,25 0 16,-25 1-16,0-1 0,24-24 16</inkml:trace>
+  <inkml:trace contextRef="#ctx0" brushRef="#br0" timeOffset="1668">2150 1076 0,'0'-49'0,"24"0"15,-24 1-15,24 23 16,1 25 0,-25 49-16,24-25 15,-24 25-15,0 25 0,0-1 16,0 0-16,25 0 0,-25 1 15,0-1-15,0 0 16,24 0-16,-24 1 0,0-25 16,0 24-16,0-49 0,25 25 15,-25-24-15,0-1 16</inkml:trace>
+  <inkml:trace contextRef="#ctx0" brushRef="#br0" timeOffset="2095">2833 1394 0,'0'-25'0,"0"1"16,-24-1-16,0 1 16,-1 24-1,1 0-15,-1 0 16,1 24-16,0 1 15,-1-1-15,1 1 0,24 24 16,-25-1-16,25 1 16,0 0-16,0 0 0,0 0 15,25 0-15,-1-1 0,1-23 16,23 24-16,-23-25 16,24 1-16,-25-25 0,0 24 15,25-24-15,-24-24 16,-1 24-16,-24-25 0,25-24 15,-25 25-15,0-25 0,0 0 16,0-24-16,0 0 16,-25-1-16,1 1 0,-1 24 15,1-24-15,-1 49 16,1-25-16,0 49 0,-1 0 16,-24 0-16,25 0 0,0 24 15,-1 1 1,25-1-16</inkml:trace>
+  <inkml:trace contextRef="#ctx0" brushRef="#br0" timeOffset="2414">3517 1345 0,'0'-25'15,"0"1"-15,-24 0 16,24-1-16,-25 1 0,1-1 16,-25 1-16,25 24 0,-1 0 15,-23 0-15,23 24 16,1 1-16,-25 24 0,24-1 16,1 1-16,0 0 15,24 24-15,-25-24 0,25 0 16,0 24-16,0-24 0,25-24 15,-1 23-15,0-23 16,25-1-16,0-24 0,24 0 16,-24 0-16,24 0 15,1-24-15,-1-1 0</inkml:trace>
+  <inkml:trace contextRef="#ctx0" brushRef="#br0" timeOffset="3073">4006 1369 0,'24'-49'15,"-24"25"-15,25-25 0,-25 25 16,0-1-16,-25 25 0,25-24 16,-24 24-16,-25-25 15,25 25-15,-1 0 0,-24 0 16,25 25-16,-25-1 16,25-24-16,-1 25 0,1 24 15,-1-25-15,25 0 0,0 25 16,0-24-16,0 23 15,0-23-15,0-1 0,25 1 16,-1-1-16,1 1 0,-1-1 16,0-24-16,1 0 15,-1 0-15,1 0 0,-1 0 16,1 0-16,-1-24 16,0-1-16,1 1 15,-1-1-15,-24 1 16,0-1-16,0 1 0,25 0 15,-25-1-15,0 50 32,0 23-32,0-23 15,0 24-15,0-25 0,24 25 16,-24-25-16,0 25 16,25-24-16,-25-1 0,24 1 15,0-25-15,1 24 16,-1-24-16,1 0 0,23-24 15,-23-1-15,-1 1 16,1-1-16,24-24 0,-25 1 16,0-1-16,-24-25 0,25 1 15,-1 0-15,-24-25 16,25 25-16,-25-25 0,0 1 16,0-1-16,0 25 0,0-1 15,0 26-15,-25 23 16,25 1-16,-24 24 0,-1 24 15,1 25-15,-25 0 16,25 24-16,-1 0 0,1 1 16,24-1-16,-25 0 0,25 0 15,0 1-15,0-1 16,0 0-16,0-24 0,25 24 16,-25-24-16,0-24 15</inkml:trace>
+  <inkml:trace contextRef="#ctx0" brushRef="#br0" timeOffset="3499">4372 1320 0,'0'-24'31,"25"24"-15,-1 0-16,0 0 15,1 0-15,24 0 0,0 24 16,-1-24-16,1 0 0,0 0 16,0-24-16,24 24 15,-24-24-15,0 24 0,-25-25 16,25 1-16,-24-1 0,-1 25 16,-24-24-16,0-1 15,0 1-15,0 0 0,0-25 16,-24 49-16,-1-25 15,1 1-15,-1 24 0,1 0 16,-1 0-16,1 24 16,0 1-16,-1 24 0,1-1 15,24 1-15,-25 0 0,25 0 16,0 0-16,25 24 16,-1-24-16,1-25 0,-1 25 15,25-24-15,0-1 16,0-24-16,24 0 0,-24 0 15,24 0-15,0-24 0,1-25 16</inkml:trace>
+</inkml:ink>
+</file>
+
+<file path=ppt/ink/ink176.xml><?xml version="1.0" encoding="utf-8"?>
+<inkml:ink xmlns:inkml="http://www.w3.org/2003/InkML">
+  <inkml:definitions>
+    <inkml:context xml:id="ctx0">
+      <inkml:inkSource xml:id="inkSrc0">
+        <inkml:traceFormat>
+          <inkml:channel name="X" type="integer" max="1920" units="cm"/>
+          <inkml:channel name="Y" type="integer" max="1080" units="cm"/>
+          <inkml:channel name="T" type="integer" max="2.14748E9" units="dev"/>
+        </inkml:traceFormat>
+        <inkml:channelProperties>
+          <inkml:channelProperty channel="X" name="resolution" value="55.81395" units="1/cm"/>
+          <inkml:channelProperty channel="Y" name="resolution" value="55.6701" units="1/cm"/>
+          <inkml:channelProperty channel="T" name="resolution" value="1" units="1/dev"/>
+        </inkml:channelProperties>
+      </inkml:inkSource>
+      <inkml:timestamp xml:id="ts0" timeString="2020-12-15T08:04:01.449"/>
+    </inkml:context>
+    <inkml:brush xml:id="br0">
+      <inkml:brushProperty name="width" value="0.05" units="cm"/>
+      <inkml:brushProperty name="height" value="0.05" units="cm"/>
+      <inkml:brushProperty name="fitToCurve" value="1"/>
+    </inkml:brush>
+  </inkml:definitions>
+  <inkml:trace contextRef="#ctx0" brushRef="#br0">563 709 0,'0'-25'15,"0"1"-15,25-25 0,-25 0 16,24-24-16,-24 0 16,0-1-16,0 1 0,0 0 15,0 24-15,-24 0 0,-1 0 16,-23 25-16,23-1 16,-24 25-16,0 0 0,1 0 15,-1 25-15,0-1 16,0 1-16,0 24 0,0-25 15,1 25-15,23 0 0,1-25 16,24 25-16,0 0 16,24 0-16,25 0 0,0-1 15,24-23-15,0 24 0,25 0 16,24-25-16,-24 25 16,24-25-16,-24 25 0,-1-25 15,-23 25-15,-1-24 16,-24 24-16,-25-25 0,1 25 15,-25 0-15,0-25 0,-49 25 16,24-25-16,-24 1 16,-24-1-16,0 1 0,-25-25 15,25 24-15,0-24 16,-1 0-16,1 0 0,0 0 16,24-24-16,0 24 0,25-25 15,-1 1-15,1-25 16,24 25-16,-24-25 0,24 24 15,0 1-15,0-25 16,0 25-16,24-1 16,0 25-16</inkml:trace>
+  <inkml:trace contextRef="#ctx0" brushRef="#br0" timeOffset="792">1565 977 0,'49'0'16,"-25"-24"-16,-24 0 15,24 24-15,-24-25 0,0 1 16,0-1-16,-24 1 16,24-1-16,-24 1 15,24 0-15,-25-1 0,1-24 16,24 25-16,-25 0 15,1 24-15,-1 0 0,1 0 16,0 0-16,-25 24 0,24 0 16,1 1-16,-25 24 15,25-1-15,-1-23 0,1 24 16,-1 0-16,25-1 16,0-23-16,0 24 0,0-25 15,25 1-15,-1-1 0,1 0 16,-1 1-16,1-25 15,23 0-15,-23 0 0,24-25 16,-25 25-16,0-24 16,25 0-16,-24-1 0,-1-24 15,1 25-15,-25-25 0,24 25 16,-24-25-16,24 24 16,-24 1-16,0-1 0,25 50 31,-25-1-16,0 25-15,24-24 0,-24 23 16,25-23-16,-25 24 16,24 0-16,1-25 0,-1 0 15,0 1-15,1-1 16,-1 1-16,1-25 0,24 0 16,-25 0-16,0-25 0,1 1 15,24-1-15,-25-23 16,1-1-16,-1 0 0,-24 0 15,24-24-15,-24 24 0,0-49 16,-24 25-16,0 0 16,-1-25-16,25 25 0,-24-1 15,-1 26-15,25-1 16,-24 24-16,24 1 0,0 48 16,0 25-1,0 0-15,0 24 0,24-24 16,-24 24-16,25 1 0,-25-1 15,24 0-15,-24 0 16,25-24-16,-1 25 0,-24-26 16,24 1-16,-24 0 0,0 0 15,25 0-15,-25-25 16,24 1-16,-24-1 0,25-24 16</inkml:trace>
+  <inkml:trace contextRef="#ctx0" brushRef="#br0" timeOffset="1524">2517 855 0,'-24'0'16,"-1"0"0,50 0 30,-1 0-46,1 0 16,-1 0-16,1 0 16,23 0-16,-23 0 0,24 0 15,-1-24-15,-23 24 0,-1-25 16,1 1-16,-1 0 16,1-1-16,-25 1 0,0-1 15,0 1-15,-25 0 0,1-1 16,-1 1-16,1-1 15,-1 25-15,-23 0 0,23 0 16,-24 25-16,25-1 16,0 25-16,-1-25 0,1 25 15,24 0-15,0 0 0,0-25 16,0 25-16,24 0 16,1 0-16,-1-25 0,25 1 15,0-1-15,-25 1 0,25-1 16,0-24-16,0 0 15,-1 0-15,1-24 0,0-1 16,0 1-16,0-25 16,-25 24-16,1-23 0,24-26 15,-25 25-15,0-24 16,1 24-16,-25 1 0,24-26 16,-24 50-16,0-25 0,0 25 15,0-1-15,-24 25 16,-1 0-16,1 25 15,0-1-15,-1 0 0,1 1 16,24-1-16,0 1 16,0-1-16,24 1 0,1-1 15,-1 0-15,25 1 16,0-1-16,0 1 0,-1-1 16,26 25-16,-26-25 15,1 1-15,-24-1 0,-1 1 16,1-1-16,-25 0 0,0 1 15,-25-1-15,1 1 16,-25-1-16,0-24 0,-24 25 16,24-25-16,-24 0 0,24 24 15,-24-24-15,24 0 16</inkml:trace>
+</inkml:ink>
+</file>
+
+<file path=ppt/ink/ink177.xml><?xml version="1.0" encoding="utf-8"?>
+<inkml:ink xmlns:inkml="http://www.w3.org/2003/InkML">
+  <inkml:definitions>
+    <inkml:context xml:id="ctx0">
+      <inkml:inkSource xml:id="inkSrc0">
+        <inkml:traceFormat>
+          <inkml:channel name="X" type="integer" max="1920" units="cm"/>
+          <inkml:channel name="Y" type="integer" max="1080" units="cm"/>
+          <inkml:channel name="T" type="integer" max="2.14748E9" units="dev"/>
+        </inkml:traceFormat>
+        <inkml:channelProperties>
+          <inkml:channelProperty channel="X" name="resolution" value="55.81395" units="1/cm"/>
+          <inkml:channelProperty channel="Y" name="resolution" value="55.6701" units="1/cm"/>
+          <inkml:channelProperty channel="T" name="resolution" value="1" units="1/dev"/>
+        </inkml:channelProperties>
+      </inkml:inkSource>
+      <inkml:timestamp xml:id="ts0" timeString="2020-12-15T08:04:08.217"/>
+    </inkml:context>
+    <inkml:brush xml:id="br0">
+      <inkml:brushProperty name="width" value="0.05" units="cm"/>
+      <inkml:brushProperty name="height" value="0.05" units="cm"/>
+      <inkml:brushProperty name="fitToCurve" value="1"/>
+    </inkml:brush>
+  </inkml:definitions>
+  <inkml:trace contextRef="#ctx0" brushRef="#br0">74 75 0,'-25'0'15,"25"-24"1,25-1-1,-1 1 1,1 24-16,23 0 16,-23 0-16,24 0 0,0 0 15,-25 0-15</inkml:trace>
+  <inkml:trace contextRef="#ctx0" brushRef="#br0" timeOffset="174">74 295 0,'-25'24'0,"1"1"0,24-1 16,-25-24-16,50 0 31,-1 0-31,1 0 0,-1 0 16,25 0-16,24 0 15,1 0-15,-1 0 0</inkml:trace>
+</inkml:ink>
+</file>
+
+<file path=ppt/ink/ink178.xml><?xml version="1.0" encoding="utf-8"?>
+<inkml:ink xmlns:inkml="http://www.w3.org/2003/InkML">
+  <inkml:definitions>
+    <inkml:context xml:id="ctx0">
+      <inkml:inkSource xml:id="inkSrc0">
+        <inkml:traceFormat>
+          <inkml:channel name="X" type="integer" max="1920" units="cm"/>
+          <inkml:channel name="Y" type="integer" max="1080" units="cm"/>
+          <inkml:channel name="T" type="integer" max="2.14748E9" units="dev"/>
+        </inkml:traceFormat>
+        <inkml:channelProperties>
+          <inkml:channelProperty channel="X" name="resolution" value="55.81395" units="1/cm"/>
+          <inkml:channelProperty channel="Y" name="resolution" value="55.6701" units="1/cm"/>
+          <inkml:channelProperty channel="T" name="resolution" value="1" units="1/dev"/>
+        </inkml:channelProperties>
+      </inkml:inkSource>
+      <inkml:timestamp xml:id="ts0" timeString="2020-12-15T08:04:08.835"/>
+    </inkml:context>
+    <inkml:brush xml:id="br0">
+      <inkml:brushProperty name="width" value="0.05" units="cm"/>
+      <inkml:brushProperty name="height" value="0.05" units="cm"/>
+      <inkml:brushProperty name="fitToCurve" value="1"/>
+    </inkml:brush>
+  </inkml:definitions>
+  <inkml:trace contextRef="#ctx0" brushRef="#br0">105 586 0,'-25'-24'0,"25"-1"16,0 1-16,0 0 0,0-1 15,0 1-15,25 24 32,-25 24-32,0 1 0,0-1 15,0 25-15,24 0 16,-24 24-16,0-24 0,0 24 15,24-24-15,-24 24 0,0 0 16,25-24-16,-25 25 16,0-26-16,0 1 0,0-24 15</inkml:trace>
+  <inkml:trace contextRef="#ctx0" brushRef="#br0" timeOffset="377">129 635 0,'-24'-49'0,"-25"0"0,24-24 15,1 24-15,24 0 16,0 1-16,0-1 0,0 0 16,24 24-16,1-23 15,-1 23-15,25 1 0,-25-1 16,50 1-16,-25-1 0,-1 1 15,1 24-15,24 0 16,-24 24-16,0 1 0,24-1 16,-24 25-16,-24 0 15,24 0-15,-25 0 0,0 24 16,1-24-16,-25 0 0,0 0 16,-25-1-16,1 1 15,-25-24-15,0-1 0,0 1 16,-24-1-16,24 0 15,0-24-15,1 0 0,-1 25 16,24-25-16,1 0 0,0 0 16,24-25-1</inkml:trace>
+  <inkml:trace contextRef="#ctx0" brushRef="#br0" timeOffset="834">813 733 0,'0'-25'47,"24"25"-47,1 0 15,-25 25-15,24-25 0,25 24 16,-25 1-16,1-1 16,24 25-16,-25 0 0,0-25 15,1 25-15,-1-25 0,1 25 16,-1-24-16,-24 24 16,0-25-16,0 0 15,0 1-15,-24-25 16,-1 0-16,1-25 15,-1 1-15,1 24 16,0-49-16,24 25 0,-25-25 16,25 24-16,0-23 0,25-1 15,-1 0-15,0 0 16,25 0-16,0 25 0,-24-25 16,23 49-16,1 0 15,-24 0-15,-1 0 0,1 0 16,-1 24-16,0 1 0,-24-1 15,25 1-15</inkml:trace>
+  <inkml:trace contextRef="#ctx0" brushRef="#br0" timeOffset="1314">1619 904 0,'-25'0'16,"1"0"-16,0 0 16,48 0 15,0 0-31,1 0 16,-1 24-16,1-24 15,-1 0-15,25 0 0,-25 0 16,25 0-16,-24 0 15,23 0-15,-23 0 0,-1-24 16,1 24-16,-25-25 0,24 25 16,-24-24-16,-24 24 15,-1-25-15,1 1 0,-1 24 16,-23-24-16,-1-1 16,24 25-16,-23-24 0,-1 24 15,0 0-15,24 0 0,1 0 16,0 24-16,24 1 15,0 23-15,0-23 16,0 24-16,24 0 16,-24-1-16,24-23 0,1 24 15,-1 0-15,1-1 0,-1-23 16,1 24-16,23-25 16,-23 1-16,24-1 0,-1-24 15,-23 24-15,24-24 16,0 0-16</inkml:trace>
+  <inkml:trace contextRef="#ctx0" brushRef="#br0" timeOffset="1704">2205 1001 0,'0'-73'0,"-24"49"0,-1-25 16,25 0-16,-24 25 0,24-1 15,-25 1-15,25 48 16,0 1-1,0-1-15,25 25 0,-1 0 16,-24 0-16,25-1 16,-1 1-16,-24 25 0,24-26 15,1 1-15,-1-24 16,-24 24-16,25-25 0,-1 0 16,0 1-16,1-50 31,-25 1-31,0 0 0,24-1 15,-24-24-15,25 0 16,-25 1-16,24-1 0,-24 0 16,25-24-16,-25 24 0,24 0 15,-24 24-15,24-23 16,-24 23-16,25 25 16,-25 25-1,0-1-15,0 0 16,0 1-16,0-1 15</inkml:trace>
+  <inkml:trace contextRef="#ctx0" brushRef="#br0" timeOffset="1962">2767 904 0,'0'-25'0,"0"50"47,0-1-47,24-24 15,-24 25-15,25 23 0,-1-23 16,-24 24-16,24-25 16,-24 25-16,0-25 0,25 25 15,-25-24-15,0-1 0,0 1 16,0-1-16</inkml:trace>
+  <inkml:trace contextRef="#ctx0" brushRef="#br0" timeOffset="2118">2840 733 0,'-24'-49'0,"24"0"0,-25 25 16,25-1-16,0 1 15,-24-1-15,24 50 16,-25-1 0,25 1-16,0-1 0</inkml:trace>
+  <inkml:trace contextRef="#ctx0" brushRef="#br0" timeOffset="3427">3280 977 0,'0'-24'0,"-25"24"0,1-25 15,24 1-15,-25 24 16,25-25-16,-24 25 16,-1 25-1,25-1 1,0 1-16,-24 23 0,24-23 15,0 24-15,0 0 16,0-25-16,0 25 0,24-25 16,1 25-16,-25-24 0,24-1 15,1 0-15,-1-24 16,1 25-16,-1-25 0,0 0 16,-24-25-16,25 25 15,-1-24-15,-24 0 0,0-1 16,25-24-16,-25 0 0,0 1 15,0-1-15,0 0 16,-25 0-16,25 0 0,0 0 16,-24 0-16,24 25 15,-25 0-15,1-1 0,0 25 16,-1 0-16,1 0 0,-1 25 16,1-1-1,-1 0-15,25 1 0,-24-1 16,24 1-16,0-1 15,0 1-15,24-1 0,-24 0 16,25 1-16,-1-1 0,1-24 16,-1 25-16,25-1 15,-25-24-15,1 0 0,24 0 16,-25 0-16,25 0 16,-25-24-16,25-1 0,-24 1 15,23-1-15,-23 1 0,-1 0 16,1-1-16,-25 1 15,24-1-15,-24 1 0,25 24 16,-25-25-16,-25 25 31,25 25-15,0-1-16,-24 1 16,24-1-16,0 1 0,0 23 15,0-23-15,0 24 16,0 0-16,0-25 0,0 0 15,24 25-15,-24-24 0,25-1 16,-1 1 0,0-25-16,1 0 15,-1 0-15,1 0 0,-1 0 16,1-25 0,-1 1-16,0-1 0,1 1 15,-1-1-15,1-23 16,-25 23-16,24-24 0,-24 0 15,25 25-15,-25 0 0,0-1 16,0 1-16,24 24 16,-24 24-1,-24 1-15,24-1 16,-25 25-16,25-25 0,0 25 16,0-24-16,0 23 0,0-23 15,25 24-15,-25-25 16,24 1-16,-24-1 0,24 0 15,1-24-15,-1 25 16,25-25-16,-24 0 0,23 0 16,-23-25-16,24 25 0,-25-24 15,25 0-15,-25-25 16,1 24-16,-1-24 0,1 1 16,-1-1-16,0 0 15,-24 0-15,0 0 0,25 25 16,-25-25-16,0 24 0,-25 1 15,1 24-15,24-24 16,-24 24-16,-1 0 0,1 24 16,-1 0-16,1-24 15,24 25-15,0-1 0,0 25 16,0-24-16,24 23 0,25-23 16,-24-1-16,23 25 15,26-24-15,-25 23 0,-1-23 16,1-1-16,0 1 15,-25-1-15,1 1 0,-1-1 16,1 0-16,-25 1 0,-25-1 16,1 1-16,-1-25 15,-23 24-15,-26-24 0,1 0 16,0 0-16,0-24 16,24 24-16,-25-25 0,26 25 15,23-24-15</inkml:trace>
+</inkml:ink>
+</file>
+
+<file path=ppt/ink/ink179.xml><?xml version="1.0" encoding="utf-8"?>
+<inkml:ink xmlns:inkml="http://www.w3.org/2003/InkML">
+  <inkml:definitions>
+    <inkml:context xml:id="ctx0">
+      <inkml:inkSource xml:id="inkSrc0">
+        <inkml:traceFormat>
+          <inkml:channel name="X" type="integer" max="1920" units="cm"/>
+          <inkml:channel name="Y" type="integer" max="1080" units="cm"/>
+          <inkml:channel name="T" type="integer" max="2.14748E9" units="dev"/>
+        </inkml:traceFormat>
+        <inkml:channelProperties>
+          <inkml:channelProperty channel="X" name="resolution" value="55.81395" units="1/cm"/>
+          <inkml:channelProperty channel="Y" name="resolution" value="55.6701" units="1/cm"/>
+          <inkml:channelProperty channel="T" name="resolution" value="1" units="1/dev"/>
+        </inkml:channelProperties>
+      </inkml:inkSource>
+      <inkml:timestamp xml:id="ts0" timeString="2020-12-15T08:04:14.543"/>
+    </inkml:context>
+    <inkml:brush xml:id="br0">
+      <inkml:brushProperty name="width" value="0.05" units="cm"/>
+      <inkml:brushProperty name="height" value="0.05" units="cm"/>
+      <inkml:brushProperty name="fitToCurve" value="1"/>
+    </inkml:brush>
+  </inkml:definitions>
+  <inkml:trace contextRef="#ctx0" brushRef="#br0">0 26 0,'24'0'15,"-24"-24"1,25 24 0,-1 0-1,0 24 1,1 1 0,-25-1-16,24 1 15,1-25-15,-25 24 16,24 1-16,-24-1 0,25 0 15,-25 1-15</inkml:trace>
+  <inkml:trace contextRef="#ctx0" brushRef="#br0" timeOffset="221">342 75 0,'0'-24'0,"-25"-1"15,25 50 17,0-1-17,-24 1-15,24 24 16,0-25-16,0 25 0,0-25 16,0 25-16,0 0 0,24-25 15,-24 25-15</inkml:trace>
+  <inkml:trace contextRef="#ctx0" brushRef="#br0" timeOffset="630">855 613 0,'0'-25'0,"0"1"15,24 24-15,-24-25 0,24 25 16,-24-24-16,0 48 31,0 1-31,0-1 0,-24 1 16,24 23-16,0 1 16,-24 0-16,24 0 0,0 0 15,0 0-15,-25-1 16,25 1-16,0 0 0,0 0 15,0-25-15,0 1 0</inkml:trace>
+  <inkml:trace contextRef="#ctx0" brushRef="#br0" timeOffset="983">1367 393 0,'-24'0'16,"24"24"46,0 1-46,0-1-16,0 0 16,0 1-16,0-1 15,0 1-15,0-1 0,0 1 16</inkml:trace>
+  <inkml:trace contextRef="#ctx0" brushRef="#br0" timeOffset="1146">1661 393 0,'0'24'0,"0"25"15,0 0-15,0 24 0,-25 0 16,25 1-16,-24-1 16</inkml:trace>
+</inkml:ink>
+</file>
+
 <file path=ppt/ink/ink18.xml><?xml version="1.0" encoding="utf-8"?>
 <inkml:ink xmlns:inkml="http://www.w3.org/2003/InkML">
   <inkml:definitions>
@@ -1659,6 +3211,325 @@
   </inkml:definitions>
   <inkml:trace contextRef="#ctx0" brushRef="#br0">855 49 0,'-24'-24'15,"-1"24"-15,1-25 16,-1 25-16,1 0 16,24 25 15,0-1-31,0 1 16,24-1-16,-24 0 0,0 25 15,0 0-15,0 24 16,0 1-16,25-25 0,-25 48 15,0-24-15,24 1 16,-24 23-16,25-23 0,-25 23 16,24 1-16,-24 0 0,25 0 15,-25-1-15,24 1 16,-24 24-16,24-24 0,-24-1 16,25 1-16,-25 0 15,24 24-15,-24-24 0,25-1 16,-25 1-16,24 0 0,-24-1 15,0-23-15,25 23 16,-25-23-16,0-1 0,0 0 16,0-24-16,0 24 15,24-24-15,-24 24 0,0-24 16,0 24-16,0-24 0,24 0 16,-24 0-16,0 24 15,0-24-15,0 24 0,25-24 16,-25 25-16,0-26 0,0 26 15,24-26-15,-24 1 16,0 0-16,0 24 0,0-24 16,25 0-16,-25 0 15,0 0-15,0 0 0,0-1 16,-25-23-16,25 24 16,0 0-16,-24-1 0,24 1 15,0 0-15,0 0 0,0 0 16,0-25-16,0 25 15,0 0-15,0-25 0,0 25 16,24-24-16,-24-1 0,0 1 16,0-1-16,0 0 15,0 1-15,0-50 47,0 1-47,-24 24 16</inkml:trace>
   <inkml:trace contextRef="#ctx0" brushRef="#br0" timeOffset="1055">25 4592 0,'0'-25'0,"-25"25"31,25-24-15,25 24 0,-1 0-16,1 0 15,-1 0-15,0 0 16,1-24-16,24 24 0,0 0 16,24 0-16,-24-25 15,48 25-15,-23 0 0,23-24 16,25 24-16,1 0 0,-1 0 15,0 0-15,24 0 16,1-25-16,-1 25 0,1 0 16,-1 0-16,1 0 15,0 0-15,23-24 0,-23 24 16,0 0-16,-1-25 0,1 25 16,-1 0-16,1 0 15,-25-24-15,24 24 0,-24 0 16,1 0-16,-1 0 15,0 0-15,0 0 0,0-24 16,0 24-16,-24 0 0,24 0 16,0 0-16,-24 0 15,24 0-15,-24 0 0,24 0 16,-25 0-16,1 0 0,0 0 16,0 0-16,-25 0 15,0 0-15,-24 24 0,24-24 16,-24 0-16,0 0 15,24 0-15,-24 0 0,0-24 16,0 24-16,24 0 16,-24-25-16,24 25 0,-24 0 15,24 0-15,-24 0 0,24-24 16,-24 24-16,24 0 16,-24 0-16,0 0 0,0-25 15,0 25-15,0 0 0,-25 0 16,25 0-16,-25-24 15,25 24-15,-24 0 0,-1 0 16,0 0-16,25 0 16,-24-24-16,24 24 0,-25 0 15,25 0-15,0 0 0,-1 0 16,1 0-16,0 0 16,0 0-16,-25 0 0,25 0 15,-24 0-15,-1-25 16,1 25-16,-1 0 0,0 0 15,1 0-15,-1 0 0,1 0 16,-1 0-16,1 0 16,23 0-16,-23-24 0,-1 24 15,1 0-15,-1 0 16,1 0-16,-1 0 16,-24-25-16</inkml:trace>
+</inkml:ink>
+</file>
+
+<file path=ppt/ink/ink180.xml><?xml version="1.0" encoding="utf-8"?>
+<inkml:ink xmlns:inkml="http://www.w3.org/2003/InkML">
+  <inkml:definitions>
+    <inkml:context xml:id="ctx0">
+      <inkml:inkSource xml:id="inkSrc0">
+        <inkml:traceFormat>
+          <inkml:channel name="X" type="integer" max="1920" units="cm"/>
+          <inkml:channel name="Y" type="integer" max="1080" units="cm"/>
+          <inkml:channel name="T" type="integer" max="2.14748E9" units="dev"/>
+        </inkml:traceFormat>
+        <inkml:channelProperties>
+          <inkml:channelProperty channel="X" name="resolution" value="55.81395" units="1/cm"/>
+          <inkml:channelProperty channel="Y" name="resolution" value="55.6701" units="1/cm"/>
+          <inkml:channelProperty channel="T" name="resolution" value="1" units="1/dev"/>
+        </inkml:channelProperties>
+      </inkml:inkSource>
+      <inkml:timestamp xml:id="ts0" timeString="2020-12-15T08:04:19.790"/>
+    </inkml:context>
+    <inkml:brush xml:id="br0">
+      <inkml:brushProperty name="width" value="0.05" units="cm"/>
+      <inkml:brushProperty name="height" value="0.05" units="cm"/>
+      <inkml:brushProperty name="fitToCurve" value="1"/>
+    </inkml:brush>
+  </inkml:definitions>
+  <inkml:trace contextRef="#ctx0" brushRef="#br0">0 416 0,'0'-25'15,"25"25"-15,-25-24 63,0 48-32,0 1 0,24-25-31,-24 24 0,24 0 16,-24 1 0,25-1-16,-25 1 15,24-1-15,-24 1 16,25-25 15,-25-25-15,24 1-1,-24-1-15,25 1 0,-25-1 16,24-23-16,0 23 0,1-24 16,-1 1-16,25-1 15,0 0-15,0 24 0,0-23 16,24-1-16,25 0 15,-25 24-15</inkml:trace>
+</inkml:ink>
+</file>
+
+<file path=ppt/ink/ink181.xml><?xml version="1.0" encoding="utf-8"?>
+<inkml:ink xmlns:inkml="http://www.w3.org/2003/InkML">
+  <inkml:definitions>
+    <inkml:context xml:id="ctx0">
+      <inkml:inkSource xml:id="inkSrc0">
+        <inkml:traceFormat>
+          <inkml:channel name="X" type="integer" max="1920" units="cm"/>
+          <inkml:channel name="Y" type="integer" max="1080" units="cm"/>
+          <inkml:channel name="T" type="integer" max="2.14748E9" units="dev"/>
+        </inkml:traceFormat>
+        <inkml:channelProperties>
+          <inkml:channelProperty channel="X" name="resolution" value="55.81395" units="1/cm"/>
+          <inkml:channelProperty channel="Y" name="resolution" value="55.6701" units="1/cm"/>
+          <inkml:channelProperty channel="T" name="resolution" value="1" units="1/dev"/>
+        </inkml:channelProperties>
+      </inkml:inkSource>
+      <inkml:timestamp xml:id="ts0" timeString="2020-12-15T08:04:26.254"/>
+    </inkml:context>
+    <inkml:brush xml:id="br0">
+      <inkml:brushProperty name="width" value="0.05" units="cm"/>
+      <inkml:brushProperty name="height" value="0.05" units="cm"/>
+      <inkml:brushProperty name="fitToCurve" value="1"/>
+    </inkml:brush>
+  </inkml:definitions>
+  <inkml:trace contextRef="#ctx0" brushRef="#br0">904 49 0,'24'0'63,"-48"0"-32,0 0-31,24 25 16,-25-25-16,-24 0 0,25 24 15,-25-24-15,25 0 16,-25 24-16,0-24 0,0 25 16,25-25-16,-25 24 15,24-24-15,1 0 0,-1 25 16,1-25-16,0 0 15,-1 24 1,1-24-16,24 25 16,-25-25-16,1 0 0,24 24 15,-24-24 1</inkml:trace>
+  <inkml:trace contextRef="#ctx0" brushRef="#br0" timeOffset="628">342 0 0,'0'25'47,"25"-25"-32,-25 24-15,-25 1 31,25-1-31,-24 0 16,-1-24-16,25 25 0,-24-1 16,0 1-16,-1-25 15,1 24-15,-1 1 0,1-1 16,-1-24-16,1 24 16,0-24-16,-1 25 0,1-25 15,24 24 1,-25-24-16,50 25 47,-1-25-32,1 0 1,-1 0-16,0 0 0,1 0 16,-1 0-16,1 0 0,-1 0 15,1-25 1,-1 25-16,0 0 0,1 0 15,-1 0-15,1 0 16,-1 0-16,1 25 16,-1-25-16,0 0 0,-24 24 15,25-24-15,-1 25 16,1-1-16,-1-24 31</inkml:trace>
+</inkml:ink>
+</file>
+
+<file path=ppt/ink/ink182.xml><?xml version="1.0" encoding="utf-8"?>
+<inkml:ink xmlns:inkml="http://www.w3.org/2003/InkML">
+  <inkml:definitions>
+    <inkml:context xml:id="ctx0">
+      <inkml:inkSource xml:id="inkSrc0">
+        <inkml:traceFormat>
+          <inkml:channel name="X" type="integer" max="1920" units="cm"/>
+          <inkml:channel name="Y" type="integer" max="1080" units="cm"/>
+          <inkml:channel name="T" type="integer" max="2.14748E9" units="dev"/>
+        </inkml:traceFormat>
+        <inkml:channelProperties>
+          <inkml:channelProperty channel="X" name="resolution" value="55.81395" units="1/cm"/>
+          <inkml:channelProperty channel="Y" name="resolution" value="55.6701" units="1/cm"/>
+          <inkml:channelProperty channel="T" name="resolution" value="1" units="1/dev"/>
+        </inkml:channelProperties>
+      </inkml:inkSource>
+      <inkml:timestamp xml:id="ts0" timeString="2020-12-15T08:05:05.891"/>
+    </inkml:context>
+    <inkml:brush xml:id="br0">
+      <inkml:brushProperty name="width" value="0.05" units="cm"/>
+      <inkml:brushProperty name="height" value="0.05" units="cm"/>
+      <inkml:brushProperty name="fitToCurve" value="1"/>
+    </inkml:brush>
+  </inkml:definitions>
+  <inkml:trace contextRef="#ctx0" brushRef="#br0">24 74 0,'25'0'0,"-1"0"16,25 0 0,0 0-16,0 0 0,24 0 15,0 0-15,25 0 0,24 0 16,-24-24-16,24 24 15,-24 0-15,24-25 0,0 25 16,-24 0-16,24 0 16,-25-24-16,1 24 0,-25 0 15,1 0-15,-1 0 0,-24 0 16,-25 0-16,25 0 16,-73 24-1,-25-24 1,0 0-16,-24 25 0,-1-25 15,-23 0-15,-25 24 0,-1-24 16,1 0-16,0 24 16,25-24-16,-26 0 0,26 0 15,-1 0-15,25 0 0,0 0 16,-1 0-16,25 0 16,1 0-16,23 0 0,-24 0 15,25 0 1,-1 0-16,50 0 31,-1 0-15,25 0-16,24 0 0,1 0 15,23 0-15,26-24 16,23 24-16,-24-24 0,49 24 16,-24-25-16,-1 25 0,1-24 15,-25 24-15,0 0 16,-24 0-16,-25 0 0,0 0 15,-24 0-15,0 0 16,-25 0-16,-48 24 16,-1-24-16,-23 25 0,-26-25 15,1 24-15,-49 0 16,0-24-16,0 25 0,-25-25 16,25 24-16,-24-24 15,-1 0-15,25 0 0,0 25 16,0-25-16,24 0 0,0 0 15,1 0-15,23 0 16,25 0-16,1 24 0,23-24 16,1 0-16,48 0 15,1 0-15,23 0 16,1 0-16,25 0 16,23-24-16,-23 24 0,23 0 15,25-25-15,-24 25 0,0 0 16,24 0-16,-24-24 15,24 24-15,-25 0 0,-23 0 16,-1 0-16,0 0 0,-24-25 16,0 25-16,-25 0 15,-48 0 1,-1 0-16,-48 0 16,0 25-16,0-25 0,-25 0 15,-24 24-15,0-24 0,0 0 16,24 0-16,-24 0 15,24 25-15,0-25 0,1 0 16,23 0-16,1 0 16,24 0-16,0 24 0,25-24 15,48 0 1,25 0-16,0 0 16,24 0-16,1 0 0,23-24 15,26 24-15,-1-25 16,0 25-16,24 0 0,-24-24 15,0 24-15,-24-25 0,24 25 16,-48 0-16,23 0 16,-48 0-16,0-24 0,0 24 15,-98 0 17,-24 0-32,-1 0 0,1 24 15,-49-24-15,0 0 16,0 0-16,0 0 0,0 0 15,-25 25-15,25-25 0,0 0 16,0 0-16,0 0 16,24 0-16,25 24 0,-1-24 15,25 0-15,25 0 16,73 0 0,0 0-16,24 0 0,25 0 15,24 0-15,0 0 16,0-24-16,0 24 0,25 0 15,-25-25-15,0 25 16,0 0-16,0 0 0,-24 0 16,-25-24-16,0 24 0,-24 0 15,0 0-15,-24 0 16,-25 24 0,-49-24-16,0 25 15,-24-25-15,-1 24 0,-48-24 16,0 0-16,0 25 0,0-25 15,0 0-15,0 24 16,0-24-16,24 0 0,0 0 16,25 0-16,24 0 15,0 0-15,25 0 0,48 25 16,1-25-16,48 0 16,0 0-16,0 0 15,50 0-15,-26 0 0,25 0 16,0 0-16,1 0 15,-26 0-15,1 0 0,0 0 16,-25 0-16,0 0 0,-24 0 16,-25 0-16,1 0 15,-1 0-15,-48 0 16,-25 0-16,-24 0 16,-1 0-16,-23 0 0,-1 24 15,-24-24-15,0 0 0,0 0 16,0 0-16,24 0 15,25 0-15,-1 24 0,26-24 16,-1 0-16,24 0 0,50 0 31,24 0-31,-1 0 0,26-24 16,-1 24-16,0 0 16,0 0-16,25-24 0,-25 24 15,-24 0-15,25-25 0,-26 25 16,1 0-16,-24 0 15,23-24-15,-23 24 16,-50 0 0,1 0-16,0 0 0,-50 0 15,1 24-15,0-24 0,-49 0 16,24 25-16,0-25 16,-24 0-16,25 24 0,23-24 15,1 0-15,0 0 16,48 24-16,1-24 0,48 0 15,25 0-15,0 0 16,24-24-16,1 24 16,23 0-16,1-24 0,0 24 15,-25 0-15,25-25 16,-25 25-16,0 0 0,-24 0 16,0 0-16,0 0 0,-25 0 15,0 0-15,1 0 16,-50 0-16,-23 0 15,-1 25-15,0-25 16,-49 24-16,25-24 0,-49 24 16,24-24-16,1 25 0,-1-25 15,25 24-15,24-24 16,0 0-16,24 0 0,50 0 31,24 0-31,0 0 0,24 0 16,0 0-16,0 0 0,1 0 15,-1 0-15,0 0 16,-24 0-16,0 0 0,0-24 16,-25 24-16,1 0 15,-50 0 1,1 0-16,-25 0 16,0 24-16,0-24 15,-24 0-15,-25 25 0</inkml:trace>
+</inkml:ink>
+</file>
+
+<file path=ppt/ink/ink183.xml><?xml version="1.0" encoding="utf-8"?>
+<inkml:ink xmlns:inkml="http://www.w3.org/2003/InkML">
+  <inkml:definitions>
+    <inkml:context xml:id="ctx0">
+      <inkml:inkSource xml:id="inkSrc0">
+        <inkml:traceFormat>
+          <inkml:channel name="X" type="integer" max="1920" units="cm"/>
+          <inkml:channel name="Y" type="integer" max="1080" units="cm"/>
+          <inkml:channel name="T" type="integer" max="2.14748E9" units="dev"/>
+        </inkml:traceFormat>
+        <inkml:channelProperties>
+          <inkml:channelProperty channel="X" name="resolution" value="55.81395" units="1/cm"/>
+          <inkml:channelProperty channel="Y" name="resolution" value="55.6701" units="1/cm"/>
+          <inkml:channelProperty channel="T" name="resolution" value="1" units="1/dev"/>
+        </inkml:channelProperties>
+      </inkml:inkSource>
+      <inkml:timestamp xml:id="ts0" timeString="2020-12-15T08:05:09.950"/>
+    </inkml:context>
+    <inkml:brush xml:id="br0">
+      <inkml:brushProperty name="width" value="0.05" units="cm"/>
+      <inkml:brushProperty name="height" value="0.05" units="cm"/>
+      <inkml:brushProperty name="fitToCurve" value="1"/>
+    </inkml:brush>
+  </inkml:definitions>
+  <inkml:trace contextRef="#ctx0" brushRef="#br0">0 562 0,'0'-25'16,"0"1"-16,24 0 15,-24-1-15,24 25 16,1-24-16,-1 24 0,1 0 16,-1 0-1,0 24 1,-24 1-16,25-1 16,-25 0-16,24 1 0,1 24 15,-1 0-15,1-1 16,-25 1-16,24 0 0,-24 0 15,24 24-15,-24-24 16,25 0-16,-25 0 0,0-25 16,24 25-16</inkml:trace>
+  <inkml:trace contextRef="#ctx0" brushRef="#br0" timeOffset="414">390 73 0,'0'-24'15,"0"-1"-15,0 1 16,25 24 15,-1 0-31,1 24 16,-1 1-16,0-1 15,25 1-15,0 24 0,0-1 16,24 26-16,-24-25 16,0 24-16,0 25 0,-25-25 15,1 25-15,-1-25 0,-24 24 16,0 1-16,0-25 15,-24 25-15,-25-25 0,24 1 16,-48-1-16,24 0 16,-24-24-16,0 0 0,-1 0 15,-23 0-15,23-25 0,-23 0 16,23 1-16,-23-1 16</inkml:trace>
+</inkml:ink>
+</file>
+
+<file path=ppt/ink/ink184.xml><?xml version="1.0" encoding="utf-8"?>
+<inkml:ink xmlns:inkml="http://www.w3.org/2003/InkML">
+  <inkml:definitions>
+    <inkml:context xml:id="ctx0">
+      <inkml:inkSource xml:id="inkSrc0">
+        <inkml:traceFormat>
+          <inkml:channel name="X" type="integer" max="1920" units="cm"/>
+          <inkml:channel name="Y" type="integer" max="1080" units="cm"/>
+          <inkml:channel name="T" type="integer" max="2.14748E9" units="dev"/>
+        </inkml:traceFormat>
+        <inkml:channelProperties>
+          <inkml:channelProperty channel="X" name="resolution" value="55.81395" units="1/cm"/>
+          <inkml:channelProperty channel="Y" name="resolution" value="55.6701" units="1/cm"/>
+          <inkml:channelProperty channel="T" name="resolution" value="1" units="1/dev"/>
+        </inkml:channelProperties>
+      </inkml:inkSource>
+      <inkml:timestamp xml:id="ts0" timeString="2020-12-15T08:05:19.109"/>
+    </inkml:context>
+    <inkml:brush xml:id="br0">
+      <inkml:brushProperty name="width" value="0.05" units="cm"/>
+      <inkml:brushProperty name="height" value="0.05" units="cm"/>
+      <inkml:brushProperty name="fitToCurve" value="1"/>
+    </inkml:brush>
+  </inkml:definitions>
+  <inkml:trace contextRef="#ctx0" brushRef="#br0">0 61 0,'24'0'16,"0"0"-16,25 0 15,-24-24-15,-1 24 16,1 0-16,23 0 0,1-25 15,-24 25-15,24 0 0,-1 0 16,1 0-16,-24 0 16,23 0-16,-23 0 0,24 0 15,-25 0-15,1 0 16,-1 0-16</inkml:trace>
+</inkml:ink>
+</file>
+
+<file path=ppt/ink/ink185.xml><?xml version="1.0" encoding="utf-8"?>
+<inkml:ink xmlns:inkml="http://www.w3.org/2003/InkML">
+  <inkml:definitions>
+    <inkml:context xml:id="ctx0">
+      <inkml:inkSource xml:id="inkSrc0">
+        <inkml:traceFormat>
+          <inkml:channel name="X" type="integer" max="1920" units="cm"/>
+          <inkml:channel name="Y" type="integer" max="1080" units="cm"/>
+          <inkml:channel name="T" type="integer" max="2.14748E9" units="dev"/>
+        </inkml:traceFormat>
+        <inkml:channelProperties>
+          <inkml:channelProperty channel="X" name="resolution" value="55.81395" units="1/cm"/>
+          <inkml:channelProperty channel="Y" name="resolution" value="55.6701" units="1/cm"/>
+          <inkml:channelProperty channel="T" name="resolution" value="1" units="1/dev"/>
+        </inkml:channelProperties>
+      </inkml:inkSource>
+      <inkml:timestamp xml:id="ts0" timeString="2020-12-15T08:05:18.155"/>
+    </inkml:context>
+    <inkml:brush xml:id="br0">
+      <inkml:brushProperty name="width" value="0.05" units="cm"/>
+      <inkml:brushProperty name="height" value="0.05" units="cm"/>
+      <inkml:brushProperty name="fitToCurve" value="1"/>
+    </inkml:brush>
+  </inkml:definitions>
+  <inkml:trace contextRef="#ctx0" brushRef="#br0">27 318 0,'-24'0'46,"24"-24"-14,24 24-17,0 0 1,1 0-16,24 0 16,0 0-16,24 0 0,0 0 15,0 0-15,1 0 0,23 0 16,-23 0-16,-1 0 15,0 0-15,0 0 0,-24 0 16,0 0-16,0 0 0,-25-25 16,1 25-1,-25-24 1</inkml:trace>
+  <inkml:trace contextRef="#ctx0" brushRef="#br0" timeOffset="515">3153 171 0,'25'0'47,"-1"0"-31,0 0-16,25 0 15,0-24-15,0 24 16,0 0-16,24-24 0,0 24 16,-24 0-16,24-25 15,-24 25-15,0-24 0,0 24 16,0 0-16,-25-25 0,25 25 16,-24-24-1,-25-1 1</inkml:trace>
+</inkml:ink>
+</file>
+
+<file path=ppt/ink/ink186.xml><?xml version="1.0" encoding="utf-8"?>
+<inkml:ink xmlns:inkml="http://www.w3.org/2003/InkML">
+  <inkml:definitions>
+    <inkml:context xml:id="ctx0">
+      <inkml:inkSource xml:id="inkSrc0">
+        <inkml:traceFormat>
+          <inkml:channel name="X" type="integer" max="1920" units="cm"/>
+          <inkml:channel name="Y" type="integer" max="1080" units="cm"/>
+          <inkml:channel name="T" type="integer" max="2.14748E9" units="dev"/>
+        </inkml:traceFormat>
+        <inkml:channelProperties>
+          <inkml:channelProperty channel="X" name="resolution" value="55.81395" units="1/cm"/>
+          <inkml:channelProperty channel="Y" name="resolution" value="55.6701" units="1/cm"/>
+          <inkml:channelProperty channel="T" name="resolution" value="1" units="1/dev"/>
+        </inkml:channelProperties>
+      </inkml:inkSource>
+      <inkml:timestamp xml:id="ts0" timeString="2020-12-15T08:04:54.058"/>
+    </inkml:context>
+    <inkml:brush xml:id="br0">
+      <inkml:brushProperty name="width" value="0.05" units="cm"/>
+      <inkml:brushProperty name="height" value="0.05" units="cm"/>
+      <inkml:brushProperty name="fitToCurve" value="1"/>
+    </inkml:brush>
+  </inkml:definitions>
+  <inkml:trace contextRef="#ctx0" brushRef="#br0">14557 9525 0,'0'-25'15,"0"1"32,0 48-31,0 1 0,24-1-16,-24 0 15,24 1 1,-24-1-16,0 1 0,25-1 15,-25 1-15,24-25 16,-24 24-16,25 0 16,-1-24-1,-24-24 1,25 0-16,-1-1 0,25 1 16,0-25-16,24 24 15,0-48-15,25 24 0,-25 0 16,49-24-16,-24 24 0,0-24 15,24 24-15,-24 0 16,-1 25-16</inkml:trace>
+  <inkml:trace contextRef="#ctx0" brushRef="#br0" timeOffset="581">16681 9354 0,'-24'0'16,"0"0"0,24-25-16,-25 25 31,50 0 16,-25 25-47,0-1 15,24 0-15,-24 1 16,0-1-16,24 1 0,-24-1 16,0 1-16,25-1 0,-25 0 15,0 1-15,0-1 16,0 1-16,24-25 0,-24 24 15,25-24 1,-25-24-16,24-1 16,1 25-16,-1-49 0,25 25 15,0-25-15,24 0 16,0 0-16,0 1 0,1-1 16,23-24-16,-23-1 0,23 25 15,1-24-15</inkml:trace>
+  <inkml:trace contextRef="#ctx0" brushRef="#br0" timeOffset="-95522">8403 1929 0,'24'24'0,"25"-24"0,25 25 16,-1-1-16,25 1 16,24-25-16,0 24 0,0 25 15,24-25-15,-23 25 0,23 0 16,1 0-16,-1 24 16,1 0-16,24 1 0,-25-1 15,25 25-15,0-1 16,25 1-16,-26 0 0,26-1 15,-25 1-15,24 24 0,1 0 16,-25 1-16,24-1 16,-24 24-16,-25-24 0,25 25 15,-49-1-15,1 1 16,-26 24-16,1-25 0,-25 1 16,1-25-16,-26 25 0,26-1 15,-25-24-15,-25 25 16,0-1-16,25 1 0,-49-25 15,25 25-15,-25-25 16,0 0-16,-25 0 0,-24-24 16,1-1-16,-1 1 0,-49-25 15,0 25-15,1-25 16,-26 0-16,1 1 0,0-1 16,0 0-16,0 1 15,0-1-15,0 0 0,24-24 16,0 0-16,1 0 0,-1-1 15,25 1-15,-25-24 16,0-1-16,-24 1 0,0-1 16,0 0-16,-25 1 15,1-1-15,-25 1 0,0-1 16,-24 0-16,24 1 0,-25 24 16,25-25-16,-24 25 15,24-25-15,0 1 0,0 24 16,0-25-16,0 1 15,25-1-15,-1 0 0,25 1 16,0-25-16,0 24 0,24-24 16,0 0-16,25 0 15,24 0-15,0 0 0,0 0 16,25 0-16,0 0 16,24-24 15,24-1-16,-24 1-15,0 0 16,0-1 0,0 1-1,-24 24 1,-1 24 0,25 1-16,-24-1 15,24 0-15,-25 1 0,25-1 16,0 25-16,-24 0 15,24 0-15,0 0 0,0 24 16,0-24-16,0 24 16,0 0-16,0 1 0,0-1 15,0-24-15,0 24 0,0-24 16,0 0-16,0-25 16,0 0-16,0 1 0,0-1 15</inkml:trace>
+  <inkml:trace contextRef="#ctx0" brushRef="#br0" timeOffset="-95107">7181 9036 0,'0'-24'16,"24"24"15,1 24-31,-1 1 16,1-1-1,-1 0-15,0 1 16,1-1-16,-1 1 0,25-1 16,-24 0-16,-1 1 15,0-25-15,1 24 0,-1-24 16,1 25-16,-1-25 0,1-25 15,-1 25 1,-24-24-16,24-1 0,-24 1 16,25 0-16,-1-1 15,-24 1-15,25-1 0,-25 1 16,0 0-16,24-1 0,-24 1 16,24-1-1,-48 25 1,0 0-16,-1 25 15,1-1-15,-1-24 0,-23 49 16,23-25-16,-24 1 0,0 24 16,1-1-16</inkml:trace>
+  <inkml:trace contextRef="#ctx0" brushRef="#br0" timeOffset="-90617">7108 10257 0,'0'-24'0,"-25"-1"15,25 1-15,0 0 16,25 24-1,-25-25-15,24 25 0,0-24 16,1 24-16,-1 0 16,1 0-16,-1 0 15,1 24-15,-1-24 0,25 25 16,-25-1-16,1 0 16,-25 1-16,24-1 0,-24 1 15,0-1-15,-24 1 0,-1-1 16,-24 25-16,25-25 15,-25 1-15,0-1 0,0 1 16,1-25-16,-1 24 16,24 0-16,1-24 0,0 25 15,48-25 1,0-25-16,1 25 16,24 0-16,-1-24 0,1 0 15,25 24-15,-26-25 16,1 25-16,0 0 0,0-24 15,-25 24-15,25 0 0,-24 0 16,-1 0-16</inkml:trace>
+  <inkml:trace contextRef="#ctx0" brushRef="#br0" timeOffset="-4405">8402 9964 0,'-24'0'16,"-1"0"-1,1 0 1,48 0 15,1 0-15,-1 0-16,25 0 16,0-24-16,24 24 15,0-25-15,25 1 0,24 0 16,0-1-16,25 1 0,-1-25 15,1 24-15,-1 1 16,1-25-16,-1 25 0,-23-1 16,-1 1-16,-25 24 15,-23-25-15,-26 25 0,1 0 16,-24-24-16,-50 24 31,1 0-31,-1 24 16,1-24-16</inkml:trace>
+  <inkml:trace contextRef="#ctx0" brushRef="#br0" timeOffset="-3877">8304 10208 0,'-24'0'16,"48"0"-1,1 0 1,48 0-16,-24-24 0,49 24 15,24-24-15,0 24 0,49-25 16,24 1-16,1-1 16,23-24-16,26 25 0,-1 0 15,-24-1-15,-1-24 16,-23 25-16,-25-1 0,0 1 16,-49 24-16,-49-24 0,0-1 15,1 25-15,-50 0 16,0 0-16,-24-24 0,-24 24 15,0 0 1,-1 0-16</inkml:trace>
+  <inkml:trace contextRef="#ctx0" brushRef="#br0" timeOffset="-2654">8475 10062 0,'0'-25'0,"0"1"15,0 0 1,0 48 15,25-24-31,-1 24 16,1-24 0,-1 25-16,0-1 15,1-24-15,-1 0 16,-24 25-16,25-25 0,-1 0 15,1 0-15,-1 0 16,0-25 0,1 1-1,-1-1-15,1 1 16,-1 0-16,-24-1 16,24 1-16,1-1 0,-1 1 15,1 24 1,-1 0-16,1 0 0,-1 24 15,-24 1-15,24-1 16,1 1-16,-1-1 0,-24 0 16,25 1-16,-1-1 0,1 1 15,-1-25 1,-24 24-16,24-24 0,1 0 16,-1 0-16,-24-24 15,25 24-15,-25-25 16,24 1-16,-24-1 0,25 1 15,-1 0-15,0-1 16,-24 1-16,25-25 0,-1 24 16,1 1-16,-1 24 15,1 0-15,-1 0 16,-24 24-16,24 1 16,1-1-16,-25 1 15,24-1-15,1-24 16,-25 25-16,24-25 0,0 0 15,-24 24-15,25-24 16,-1 0-16,1 0 0,-25-24 16,24 24-16,1-25 15,-1 1-15,0-1 16,1 1-16,-1-1 16,1 1-16,-1 0 0,1 24 15,-1-25-15,0 25 0,1 0 16,-1 0-16,1 0 15,-1 25-15,0-25 0,1 24 16,-1-24-16,1 24 16,-1-24-16,1 0 15,-1 25-15,0-25 0,1 0 16,-1 0-16,1 0 0,-1-25 16,1 25-16,23-24 15,-23 24-15,-1-24 0,1 24 16,-1-25-16,1 1 15,-1 24-15,-24-25 0,24 1 16,1 24 0,-25-24-16,24 24 15,1 24-15,-1-24 16,25 24-16,-25-24 16,25 25-16,0-25 0,0 0 15,24 0-15,-24 0 0,24 0 16,-24-25-16</inkml:trace>
+  <inkml:trace contextRef="#ctx0" brushRef="#br0" timeOffset="-1350">11577 9451 0,'24'-24'15,"-24"48"32,25-24-47,-25 25 0,0-1 16,0 1-16,24-1 0,1 0 16,-25 1-1,24-25-15,1 0 0,23 0 16,1 0-16,25 0 15,-1-25-15,24-23 0,1-1 16,24 0-16,25-49 0,-1 1 16,1-1-16,-1 0 15</inkml:trace>
+  <inkml:trace contextRef="#ctx0" brushRef="#br0" timeOffset="-696">12700 9573 0,'0'25'47,"0"-1"-31,0 1-1,0-1-15,25 1 0,-25-1 16,0 0-16,24 1 0,-24-1 15,25-24-15,-1 25 16,25-25-16,0 0 0,24-25 16,-24 1-16,49-1 15,-25-23-15,25-1 0,24 0 16,-25-24-16,26-1 16</inkml:trace>
+  <inkml:trace contextRef="#ctx0" brushRef="#br0" timeOffset="1152">18318 9378 0,'0'-24'16,"0"-1"-1,0 1 1,0 48 15,24-24-31,-24 25 0,0-1 16,0 0-16,0 1 15,25-1-15,-25 1 0,0-1 16,0 1-16,0 23 16,0-23-16,0-1 0,24-24 15,-24 25-15,0-1 0,25-24 16,-1 0 0,0-24-16,25 24 0,0-25 15,24 1-15,1-25 16,97-49-1,-74 25-15,1 0 0,24-1 0,-24 1 16,24 0-16,-24 0 16,-1-1-16,1 26 0,-25-1 15</inkml:trace>
+  <inkml:trace contextRef="#ctx0" brushRef="#br0" timeOffset="1799">20150 9378 0,'-25'-24'0,"25"-1"16,0 50 31,25-25-47,-25 24 15,24 0-15,-24 1 0,24-1 16,-24 1-16,25-1 0,-25 25 16,0-25-16,24 1 15,-24-1-15,0 1 0,25-1 16,-25 1-16,24-25 0,0 0 16,25-25-1,-24 1-15,24-1 0,-1 1 16,26-25-16,-25 25 15,24-25-15,-24 0 0,24-24 16,0 24-16,1 0 0,-1 0 16,-24 0-16,-1 25 15,1-1-15,0 1 0,-24 0 16,-1 24-16</inkml:trace>
+  <inkml:trace contextRef="#ctx0" brushRef="#br0" timeOffset="-170589">74 2369 0,'-25'-25'0,"1"25"16,-1 0-16,25 25 0,0-1 16,25 0-16,-1 1 0,1 24 15,-25 0-15,24-1 16,1 1-16,-25 25 0,24-26 16,0 1-16,-24 24 0,25-48 15,-25 24-15,0 0 16,0-25-16,24 0 0,-24 1 15,0-50 1,0 1 0,0-25-16,25 0 15,-25-24-15,0 0 16,0 0-16,0-25 0,0 0 16,0 0-16,0 1 15,0-25-15,0 24 0,0 25 16,0-25-16,24 25 0,1 24 15,-25 0-15,48 25 16,-23 24-16,24 0 0,-25 0 16,25 48-16,0-23 15,-25 48-15,25-24 0,0 24 16,-25 1-16,25-1 0,-24 25 16,23-25-16,-23 0 15,-1-24-15,-24 24 0,25-24 16,-25-25-16,24 25 15,-24-24-15,0-50 16,0 1 0,0-1-16,-24-23 15,24-1-15,-25 0 0,1-24 16,-1 24-16,-23 0 0,23 0 16,-24 0-16,1 25 15,-1 24-15,0 0 0,24 0 16,-23 24-16,-1 25 15,24 0-15,1 0 0,-1-25 16,1 49-16,24-24 16,0-24-16,0 24 0,0-1 15,24-23-15,1-1 0,-1 1 16,1-25-16,-1 24 16,25-24-16,-25 0 0,1-24 15,-1 24-15,1-25 16,24 1-16,-49-1 0,24 1 15,0-25-15,1 25 0,-1-25 16,1 0-16,-1 0 16,0 0-16,1 1 0,-1-1 15,1 0-15,-1 24 0,-24 1 16,25 24-16,-1 0 16,0 0-16,1 24 0,-1 1 15,-24 24-15,25-25 16,-25 25-16,0 0 0,24 0 15,-24-25-15,0 25 0,25-25 16,-25 1-16,0-1 16,0 1-16,24-25 0,-24-25 31,0 1-31,24-1 16,-24 1-16,0-25 0,0 0 15,25 0-15,-25 25 16,0-25-16,24 0 0,-24 25 15,25-1-15,-25 1 16,0 0-16,24 24 0,-24 24 16,0 0-16,24 1 0,-24-1 15,25 1-15,-1 24 16,-24-25-16,25 25 0,-1-25 16,1 25-16,-1-25 15,-24 1-15,49-25 0,0 0 16,-25 0-16,1 0 15,-1-25-15,0 1 16,-24 0-16,25-25 0,-1 24 16,-24-23-16,0-1 0,0 24 15,-24-24-15,24 1 16,-25-1-16,1 24 0,0-24 16,-1 25-16,25 0 15,-24 24-15,24 24 16,24 0-1,-24 25-15,25-24 0,-25 24 16,24-1-16,0 1 0,1-24 16,-1-1-16,1 25 15,-1-49-15,1 24 0,-25 1 16,24-25-16,0 0 16,1-25-16,-1 25 0,-24-24 15,25 0-15,-1-1 0,1-24 16,-25 25-16,0-25 15,0 0-15,0 0 0,0 0 16,-25 1-16,1-1 16,24-25-16,-25 26 0,1-26 15,-1 25-15,1 1 0,24-1 16,-24 24-16,24 1 16,0 48-1,0 1-15,0 24 0,0-1 16,0 1-16,24 0 15,-24 24-15,24-24 0,-24 0 16,25 24-16,-1-24 16,1 0-16,-25 0 0,24 0 15,1-25-15,-1 1 16,-24-1-16,24 1 0,-24-1 16,25-24-16,-25-24 15,0-1 1,0 1-16,-25-1 15,25-24-15,0 1 16,0 23-16,0-24 0,0 0 16,25 25-16,-25-25 0,24 25 15,1 24-15,-1 0 16,0 0-16,1 0 0,24 24 16,-25 1-16,1 23 0,-1-23 15,0-1-15,1 1 16,-25-1-16,0 1 0,0-1 15,0 0-15,-25 1 16,1-25-16,0 0 16,-1 0-16,1 0 0,-25 0 15,24 0-15,1 0 16,0-25-16,-1 25 0,1-24 16,24 0-1,24 24 1,1 0-16,-25-25 0,24 25 15,0 0-15,1-24 16,24 24-16,-49-25 0,24 25 16,1 0-16,-1-24 15,0 24-15,1-25 16,-1 25-16,1 0 16,-1 0-1,1-24-15,-1 24 0,0 0 16,1 0-16,-1-24 15,1 24-15,-1-25 0,0 25 16,1-24-16,-25-1 0,0 1 16,0-1-1,0 1-15,0-25 0,-25 25 16,1-1-16,0 1 16,-1-25-16,1 25 0,-1-1 15,1 1-15,0-1 0,-1 25 16,25 25-1,-24-25-15,24 49 16,0-25-16,0 25 16,0-25-16,0 25 0,24 0 15,-24 0-15,25 0 0,-25 0 16,24-25-16,-24 0 16,24 25-16,-24-24 0,25-25 15,-25 24-15,0 1 0,24-25 16,1-25 15,-25 1-31,0-1 16,24 1-16,0-1 0,1 1 15,-1 0-15,1-1 16,-25 1-16,49-1 0,-25 25 16,0 0-16,1 25 15,-1-1-15,1 1 16,-25-1-16,24 0 0,1 1 15,-25-1-15,24-24 16,-24 25-16,24-25 0,1 0 16,-1 0-16,1 0 15,-1-25-15,-24 1 16,25-1-16,-1 1 0,0 0 16,-24-25-16,25 24 0,-25-24 15,0 25-15,0-25 16,0 25-16,0-25 0,0 24 15,-25 25-15,25-24 16,-24 24-16,0 0 0,-1 0 16,25 24-16,-24 1 0,-1-1 15,1 25-15,24-24 16,-25-1-16,25 25 0,0-25 16,0 1-16,0-1 15,25 1-15,-25-1 0,24-24 16,1 0-16,-1 0 15,1 0 1,-1-24-16,0 24 0,-24-25 16,25 1-16,-25-1 0,24 1 15,-24-1-15,0-23 16,25 23-16,-25 1 0,0-1 16,24 25-1,-24 25 1,25-1-1,-25 1-15,0-1 0,24 0 16,-24 1-16,0-1 0,24-24 16,-24 25-16,25-25 15</inkml:trace>
+  <inkml:trace contextRef="#ctx0" brushRef="#br0" timeOffset="-170264">3224 1636 0,'0'-25'15,"-24"1"-15,24 0 16,0 48 15,0 0-31,24 1 16,-24-1-16,25 25 16,-1-24-16,-24-1 0,25 0 15,-1 1-15,-24-1 0,24 1 16,1-25-16,-1 0 15,1 0-15,-25-25 16,24 25-16,-24-24 16,25-1-16,-25-23 0,0 23 15,0-24-15,0 0 16,0 1-16,-25-1 0,25 24 16,-24-23-16,24 23 0,-25 1 15,1 24 1,-1 24-1,25 1-15</inkml:trace>
+  <inkml:trace contextRef="#ctx0" brushRef="#br0" timeOffset="-167768">4543 3565 0,'0'25'63,"25"-1"-48,-25 1 1,0-1-16,0 0 15,0 1-15,0-1 0,0 1 16,24-1-16,-24 1 16,0-1-16,0 0 15,0 1 1,-24-1 0,-1-24-1,1 0 1,-1 0-16,1 0 15,0 0-15,-25 0 0,24 0 16,-24 0-16,1 0 16,-1 0-16,0 0 0,-24 0 15,-1 0-15,1 25 16,0-25-16,-1 0 0,1 24 16,0-24-16,0 0 0,-1 25 15,1-25-15,0 24 16,0-24-16,-1 24 0,1-24 15,0 25-15,0-1 16,-1-24-16,-23 25 0,23-25 16,1 24-16,0 0 0,-1-24 15,1 25-15,0-25 16,0 0-16,-1 24 0,1-24 16,24 25-16,0-25 15,1 0-15,-1 0 0,0 24 16,0-24-16,0 0 0,25 0 15,-1 0-15,1 0 16,0 0-16,-1 0 31,25 25 1,0-1-17,0 0-15,0 1 16,-24-1-16,24 25 15,0-24-15,0 23 0,0 1 16,0 0-16,0 0 0,0 0 16,0 24-16,0-24 15,0 24-15,0 0 0,0-24 16,-25 25-16,25-26 16,0 1-16,-24 0 0,24-24 15,-25 23-15,25-23 0,0-1 16,-24 1-16,24-1 15</inkml:trace>
+  <inkml:trace contextRef="#ctx0" brushRef="#br0" timeOffset="-167473">1295 5226 0,'24'0'31,"1"0"-15,-1 25-16,1-1 15,-1 0 1,0 1-16,1-1 0,-1 1 15,1-25-15,-1 24 0,1 1 16,-1-1-16,0 0 16,1-24-16,-1 0 0,1 0 15</inkml:trace>
+  <inkml:trace contextRef="#ctx0" brushRef="#br0" timeOffset="-167287">1857 5324 0,'24'-25'16,"-24"1"-16,24 0 0,1-1 15,-1 1 1,-48 48 15,-1 1-15,1-1-16,0 25 0,-1-25 16,1 1-16,-1 24 15,1-25-15,24 0 0,-24 1 16</inkml:trace>
+  <inkml:trace contextRef="#ctx0" brushRef="#br0" timeOffset="-166728">4470 3932 0,'-24'0'16,"-1"24"15,25 1-31,0 23 0,0 1 16,0 25-16,0-1 0,0 24 15,25-23-15,-25 23 16,24-23-16,-24 23 0,24-23 15,-24-1-15,0 0 16,0 0-16,0-24 0,0 0 16,0 0-16,-24 0 0</inkml:trace>
+  <inkml:trace contextRef="#ctx0" brushRef="#br0" timeOffset="-166351">4250 5055 0,'-24'0'0,"-1"0"15,1 0-15,-1 25 16,25-1-16,0 0 16,0 1-16,25-1 0,-1 1 15,1-1-15,-1 1 16,1 23-16,-1-23 0,0-25 15,25 24-15,0-24 16,-24 0-16,23 0 0,1 0 16,-24-24-16,23 24 15,1-25-15,-24-23 0,-1 23 16,1 1-16,-1-25 0,0 0 16,1 25-16,-25-25 15,24 24-15,-24 1 0,0-1 16,-24 25-1,24 25-15,-25-1 16,25 1-16,-24 24 0,0-25 16,-1 25-16,1-25 15</inkml:trace>
+  <inkml:trace contextRef="#ctx0" brushRef="#br0" timeOffset="-165715">4787 3810 0,'-24'0'16,"0"-25"-16,-1 1 0,1 24 15,-1-25-15,1 25 16,48 25 15,25-1-15,-24-24-16,48 25 0,0-25 15,0 24-15,50-24 16,-26 0-16,50 0 0,-25 0 16,24 0-16,-24 0 0,25-24 15,0 24-15,-25 0 16,0-25-16,0 25 0,0 0 16,-24 0-16,-25-24 0,0 24 15,-24 0-15,0 0 16,-25 0-16,1 0 0,-1 0 15,-24 24 1,-24-24-16,-1 25 16,1 23-16,0-23 15,24 24-15,-25 0 16,25-1-16,0 26 0,0-1 16,0 25-16,0-25 15,0 25-15,25-1 0,-25-23 16,24 23-16,-24-24 0,24 1 15,-24-25-15,0-1 16,0 1-16,0 0 0,0 0 16,0-25-16,0 1 15,0 24-15</inkml:trace>
+  <inkml:trace contextRef="#ctx0" brushRef="#br0" timeOffset="-165366">6692 5031 0,'-24'0'0,"24"-25"0,-24 1 16,24 48 15,0 1-31,24-1 16,-24 1-16,24-1 0,-24 0 15,25 1-15,-1-1 0,1 1 16,-1-1-16,25 1 15,-25-25-15,25 24 0,0-24 16,0 0-16,0 0 16,0-24-16,-25-1 0,25 1 15,-25 24-15,25-49 0,-24 24 16,-25 1-16,0 0 16,0-1-16,0 1 0,0-1 15,0 1-15,-25 24 16,1 0-16,-1 0 15,1 24-15,24 1 16,-25-25-16,25 24 16</inkml:trace>
+  <inkml:trace contextRef="#ctx0" brushRef="#br0" timeOffset="-164797">7108 3883 0,'-25'0'0,"1"0"16,24-25-1,24 25-15,1 0 16,-1 0-16,25 0 0,0-24 16,24 24-16,0 0 0,25-24 15,24 24-15,0-25 16,0 25-16,25-24 0,-25 24 16,24 0-16,1-25 15,-25 25-15,25 0 0,-25 0 16,0 0-16,-24 0 0,24 0 15,-25 0-15,-23 0 16,-1 0-16,-24 0 0,0 0 16,-25 0-16,0 0 15,1 0-15,-25 25 16,-25-1-16,1-24 16,24 25-16,-24 23 15,24-23-15,0 24 0,0 24 16,0 0-16,0 1 15,0-1-15,24 24 0,-24-23 16,24-1-16,-24 25 0,25-25 16,-25-24-16,0 24 15,0-24-15,0 0 0,0-25 16,0 25-16,0-25 0,0 25 16,0-24-16,0-1 15</inkml:trace>
+  <inkml:trace contextRef="#ctx0" brushRef="#br0" timeOffset="-164425">9403 5031 0,'-48'-25'16,"23"25"-16,1-24 16,-1 24-16,1 0 0,24 24 15,0 1 1,0-1-16,0 1 15,24-1-15,1 25 0,-1-25 16,1 25-16,-1-24 16,25-1-16,-25 0 0,25-24 15,-25 25-15,25-25 0,0 0 16,0 0-16,0 0 16,-25-25-16,25 1 0,0 24 15,-25-24-15,25-1 16,-24 1-16,-1-25 0,1 24 15,-25-23-15,24 23 0,0-24 16,-24 25-16,0-1 16,0 1-16,-24 48 31,0 1-31,-1-1 0,-24 25 16,0 0-16,1-25 0,-1 50 15</inkml:trace>
+  <inkml:trace contextRef="#ctx0" brushRef="#br0" timeOffset="-163687">611 5812 0,'-24'0'16,"-1"25"-16,1-1 0,-25 25 15,25-25-15,24 50 16,0-1-16,0 0 0,24 0 15,25-24-15,0 0 0,24 0 16,0 0-16,25-25 16,0-24-16,-1 25 0,25-25 15,-24 0-15,0-25 16,-1 1-16,1-1 0,-25 1 16,-24-25-16,0 0 0,-24 0 15,-25 1-15,0-1 16,0-25-16,-49 26 0,24-1 15,-48 0-15,24 0 16,-24 25-16,0 24 0,-1 0 16,1 0-16,24 24 0,0 25 15,1-25-15,23 25 16,1 0-16,24 0 0,0-25 16,24 25-16</inkml:trace>
+  <inkml:trace contextRef="#ctx0" brushRef="#br0" timeOffset="-163279">2711 5812 0,'-24'-24'0,"-25"24"0,0 0 16,-24 0-16,0 0 0,0 24 15,24 25-15,-25 0 16,26 0-16,-1 0 0,24 24 16,25 0-16,0 0 15,25-24-15,-1 0 0,25 0 16,24 0-16,1-25 0,-1 1 16,25-25-16,-25 0 15,0 0-15,25-25 0,-25 1 16,-24-25-16,24 0 15,-48 0-15,-1 0 0,0 1 16,-24-26-16,-24 1 0,0 24 16,-25-24-16,0 0 15,0 24-15,-24 24 0,24 1 16,-24 0-16,24 24 16,0 24-16,0 0 0,25 1 15,-1 24-15,25 0 0,0-1 16,25-23-16</inkml:trace>
+  <inkml:trace contextRef="#ctx0" brushRef="#br0" timeOffset="-162889">3981 5934 0,'49'-24'15,"0"-25"-15,-49 25 0,0-1 16,0 1-16,-24-1 15,-25 25-15,24-24 0,-23 24 16,-1 0-16,0 24 16,0 1-16,25 24 0,-1-25 15,1 25-15,24 0 16,0 0-16,0 0 0,24-1 16,1 1-16,24-24 0,-1-1 15,26 0-15,-1-24 16,25 0-16,-25 0 0,25-24 15,-25 0-15,0-1 0,-24-24 16,0 1-16,0-1 16,-49 0-16,0-24 0,-25 24 15,-24-25-15,0 26 16,1-26-16,-26 50 0,26-25 16,-26 49-16,1 0 0,24 0 15,0 24-15,25 25 16,-25 0-16,49 0 0,0 0 15,24 24-15</inkml:trace>
+  <inkml:trace contextRef="#ctx0" brushRef="#br0" timeOffset="-162488">5349 5715 0,'0'-49'0,"0"24"15,-24 1-15,-1-1 16,1 25-16,-25-24 0,0 24 16,0 24-16,-24-24 15,24 25-15,0 24 0,1 0 16,-1-1-16,24 26 0,25-25 16,0 24-16,0 0 15,25-24-15,24 0 0,-1 0 16,1-1-16,24-23 15,1-25-15,23 0 0,-23 0 16,-1-25-16,0 1 0,1-25 16,-26 25-16,1-50 15,-24 26-15,-25-1 0,0-24 16,-25 24-16,1-25 16,-25 26-16,0-1 0,-24 0 15,24 24-15,0 1 0,0 24 16,0 0-16,1 24 15,23 25-15,1-24 0,24 24 16,0-1-16,24 1 16,25 0-16</inkml:trace>
+  <inkml:trace contextRef="#ctx0" brushRef="#br0" timeOffset="-162085">6668 5763 0,'0'-24'16,"-24"-25"-16,-1 0 16,-24 25-16,0-25 0,1 25 15,-26 24-15,26 0 0,-1 0 16,-25 24-16,26 0 16,-1 25-16,24 0 0,-24 24 15,25 1-15,24-1 16,0 0-16,24-24 0,1 24 15,24-24-15,24-24 16,0 23-16,25-48 0,-25 0 16,25 0-16,0-24 0,-25 0 15,0-1-15,0-24 16,-24 0-16,-24 1 0,-1-26 16,-24 26-16,0-1 0,-24-25 15,-25 26-15,24-1 16,-23 0-16,-1 24 0,0 25 15,0 0-15,0 0 16,25 0-16,-25 49 0,24-24 16,25 24-16,0-25 0,0 25 15,25-25-15,-1 1 16</inkml:trace>
+  <inkml:trace contextRef="#ctx0" brushRef="#br0" timeOffset="-161664">7816 5715 0,'0'-25'0,"0"1"15,-25-25-15,1 24 0,-25 1 16,0 0-16,0-1 0,-24 25 16,24 25-16,-24-1 15,24 0-15,-24 25 0,49 0 16,-25 24-16,24 1 15,25-1-15,0 0 0,0-24 16,25 24-16,24-24 0,-1-24 16,26-1-16,-25 0 15,24-24-15,24 0 0,-23 0 16,-1-24-16,0 0 16,1-1-16,-26-24 0,1 1 15,-24-1-15,-1-25 0,-24 26 16,0-26-16,-24 25 15,-1-24-15,-24 24 0,1 25 16,-1-1-16,0 1 16,0 24-16,0 24 0,0 25 15,25 0-15,-1 0 0,1 0 16,24 0-16,0 0 16,0-1-16,24 1 0,25 0 15,0-24-15,24-1 16</inkml:trace>
+  <inkml:trace contextRef="#ctx0" brushRef="#br0" timeOffset="-161269">9184 5739 0,'24'-49'16,"0"0"-16,-24 0 16,-24 25-16,-25-25 0,0 25 15,0-1-15,-24 25 16,24 0-16,-24 0 0,24 25 15,-24 24-15,24-1 16,25 1-16,-25 0 0,24 24 16,25 1-16,0-1 0,25 0 15,-1-24-15,25 0 16,0 0-16,24-25 0,1 1 16,-1-1-16,24-24 0,-23 0 15,23-24-15,-23-1 16,-25 1-16,24-1 0,-49-23 15,1-1-15,-25-25 16,0 1-16,-25 24 0,-24-24 16,1 0-16,-1 24 0,-25 24 15,26-23-15,-26 48 16,25 0-16,1 0 0,-1 48 16,24-23-16,1 24 15,24 0-15,0-1 0,24 1 16,1 0-16,-1 0 0,25-25 15</inkml:trace>
+  <inkml:trace contextRef="#ctx0" brushRef="#br0" timeOffset="-160926">9990 5788 0,'24'-49'15,"0"0"-15,1 0 0,-1 25 16,-24-25-16,-24 25 15,-1 24-15,1 0 0,-25 0 16,-24 24-16,24 25 0,-24 0 16,24 0-16,0-1 15,25 26-15,-1-25 0,25 24 16,0-24-16,25 0 16,23-1-16,1-23 0,0-1 15,24 1-15,1-25 0,23 0 16,-23 0-16,-1 0 15,0-25-15,-24 1 0,0-1 16,0 1-16,-49-25 16,0 0-16,0 0 0,-49 1 15,0-26-15,-24 25 0,0 1 16,-25 23-16,-24 1 16,-25-1-16,1 25 0,-1 25 15</inkml:trace>
+  <inkml:trace contextRef="#ctx0" brushRef="#br0" timeOffset="-160393">6717 6691 0,'24'0'0,"1"-24"0,-1 24 16,1-24-16,-1-1 0,0 1 16,-48 24-1,0 0-15,-25 0 16,0 24-16,0 1 0,-24-1 15,24 25-15,-24 0 16,24 0-16,0-1 0,24 1 16,1 0-16,24 0 0,0-25 15,24 25-15,25-24 16,0-1-16,0 1 0,24-25 16,1 0-16,-1 0 15,0-25-15,25 1 0,-25-1 16,0 1-16,-24-25 0,0 0 15,-25 0-15,-24-24 16,0 24-16,-24 0 0,0-24 16,-25 24-16,-24 0 15,24 25-15,-25 0 0,1 24 16,0 0-16,0 0 16,24 24-16,0 0 0,0 25 15,0-24-15,0 23 0,25 1 16,24 0-16,-25-24 15,25 23-15</inkml:trace>
+  <inkml:trace contextRef="#ctx0" brushRef="#br0" timeOffset="-159985">5789 6692 0,'-25'-25'0,"1"1"16,-1 24-16,-23 0 0,-1 24 15,24 1-15,-23-1 0,-1 0 16,0 25-16,0 0 16,0 0-16,25 0 0,-1 0 15,1-25-15,24 25 0,24 0 16,1-25-16,-1 1 15,25-25-15,24 24 0,-24-24 16,24 0-16,25-24 16,-25 24-16,1-25 0,-26 1 15,26-25-15,-25 24 0,-25-23 16,-24-1-16,0 0 16,-24 0-16,-25 0 0,0 0 15,0 1-15,-24 23 16,24-24-16,-24 49 0,-1-24 15,1 24-15,24 24 16,0-24-16,-24 25 0,24 24 16,0-25-16</inkml:trace>
+  <inkml:trace contextRef="#ctx0" brushRef="#br0" timeOffset="-159528">4567 6862 0,'-25'0'0,"-24"-24"0,0 24 16,1 0-16,-1 0 15,-24 0-15,24 0 0,-25 0 16,1 24-16,0 1 0,0-1 15,24 1-15,0 24 16,25-25-16,24 25 0,0 0 16,24 0-16,25-25 15,0 25-15,24-25 0,25 1 16,-25-1-16,25-24 0,-1 0 16,-24-24-16,25 24 15,-49-49-15,24 24 0,-24-23 16,-24-1-16,23 0 15,-48 0-15,0 0 0,0 0 16,-48-24-16,23 24 0,-24 0 16,-24 0-16,24 25 15,-49 0-15,25 24 0,-24 0 16,-1 24-16,0 0 16,25 1-16,0-1 0,-1 1 15,50-1-15,0 25 0,24-25 16,0 1-16</inkml:trace>
+  <inkml:trace contextRef="#ctx0" brushRef="#br0" timeOffset="-159079">3029 6692 0,'-73'0'0,"-1"24"15,26-24-15,-1 24 16,0 1-16,0 24 0,25-1 16,-1-23-16,25 24 0,0 24 15,0-24-15,0 0 16,25 0-16,-1-1 0,0 1 15,1 0-15,24-25 0,0 1 16,24-25-16,-24 0 16,24 0-16,0-25 0,1 1 15,-26 0-15,1-25 16,0 0-16,0-24 0,-25 24 16,-24-24-16,-24 24 0,-1-25 15,-23 26-15,-1-1 16,-24 0-16,-1 25 0,-23-1 15,-1 25-15,25 25 16,-25-1-16,25 0 0,-1 25 16,1 0-16,24 0 0,25 0 15,-1-25-15,25 25 16,0 0-16</inkml:trace>
+  <inkml:trace contextRef="#ctx0" brushRef="#br0" timeOffset="-158226">7523 6496 0,'24'-24'0,"1"-1"0,-1 1 15,-24-1 1,-24 25-16,-1 0 16,-24 25-16,25-25 0,-25 24 15,25 25-15,-1-24 16,1-1-16,-1 25 0,25 0 16,0 0-16,25-1 0,-1 1 15,25 0-15,0-25 16,0 25-16,24-24 0,0-1 15,1-24-15,-1 0 16,0 0-16,0-24 0,1-1 16,-25 1-16,-1-1 0,1-23 15,-24-1-15,-1 0 16,-24 0-16,0 0 0,0 0 16,-49 25-16,25-25 15,-25 25-15,0-25 0,-24 49 16,0-25-16,24 25 0,-25 0 15,1 25-15,24-25 16,1 24-16,23 1 0,1-1 16,-1 1-16,25-1 15</inkml:trace>
+  <inkml:trace contextRef="#ctx0" brushRef="#br0" timeOffset="-157753">9306 6716 0,'0'-25'15,"0"1"-15,-25 0 16,25-25-16,-24 24 15,-1 1-15,1 24 0,0-24 16,-1-1-16,1 25 16,-25 0-16,24 25 0,-23-1 15,-1 0-15,0 1 0,24 24 16,-23-1-16,23 1 16,1 0-16,24 0 0,0 0 15,0 0-15,49-25 16,-25 25-16,25-25 0,0 1 15,24-25-15,0 0 0,1 0 16,23 0-16,-23-25 16,-26 1-16,26-25 0,-25 25 15,-1-25-15,-23 0 16,-25 0-16,0 0 0,0 0 16,-25 1-16,-23-1 0,-1 0 15,0 25-15,-24-1 16,-1 1-16,1 24 0,-25 0 15,25 0-15,0 24 0,-1 1 16</inkml:trace>
+  <inkml:trace contextRef="#ctx0" brushRef="#br0" timeOffset="-156769">4152 7571 0,'-24'0'16,"24"-25"-16,-24 25 0,-1 0 15,1 0-15,-25 0 16,0 0-16,25 25 0,-25-1 15,0 1-15,0 23 0,0 1 16,25 25-16,-1-26 16,1 26-16,24-1 0,0 0 15,24-24-15,25 24 16,-24-24-16,48-24 0,-24-1 16,24-24-16,0 0 0,1 0 15,-1-24-15,0-1 16,0-24-16,-24 25 0,-24-25 15,24-24-15,-25 24 16,-24 0-16,0-24 0,-24 24 16,-1 0-16,1 0 0,-25 0 15,24 1-15,-23 23 16,-1 25-16,0 0 0,0 0 16,0 0-16,25 25 15,-1-1-15,25 0 0,0 1 16,25 24-16,24-25 0,-1 1 15</inkml:trace>
+  <inkml:trace contextRef="#ctx0" brushRef="#br0" timeOffset="-156320">5813 7668 0,'0'-24'0,"0"0"0,-49-1 16,25 25-16,-25-24 16,0 24-16,0 0 15,-24 0-15,24 0 0,0 24 16,1 1-16,-1-1 0,24 25 16,-24 0-16,25 0 15,0-1-15,-1 1 0,1 0 16,24 0-16,0 0 15,0 0-15,24-25 0,1 0 16,23 1-16,1-25 16,25 0-16,-1-25 0,0 25 15,0-48-15,1 23 0,-1-24 16,-24 25-16,0-25 16,-1 0-16,-23 0 0,-25-24 15,0 24-15,-25 0 16,1 25-16,-25-25 0,0 25 15,1 24-15,-26 0 0,25 0 16,1 24-16,23 1 16,-24-1-16,25 25 0,24-25 15,0 25-15,0-24 16,24-1-16,25 25 0,0-25 16</inkml:trace>
+  <inkml:trace contextRef="#ctx0" brushRef="#br0" timeOffset="-155918">6961 7791 0,'73'-25'0,"-24"25"15,0-24-15,-25-1 16,1 1-16,-1 24 0,-24-49 16,0 25-16,-24 24 0,24-25 15,-49 1-15,25 24 16,-25 0-16,0 0 0,25 0 15,-25 24-15,0 25 16,0-25-16,0 25 0,25-24 16,-1 24-16,25-1 0,0 1 15,25-24-15,-1-1 16,25 1-16,0-1 0,24 0 16,0-24-16,1 0 15,-1-24-15,25 24 0,-25-24 16,0-1-16,-24 1 0,24-25 15,-48 24-15,-1-23 16,0 23-16,-24-24 0,-24 25 16,0-25-16,-1 25 15,-24-25-15,-24 24 0,24 1 16,-24 24-16,24-25 0,-24 25 16,24 0-16,25 25 15,-25-25-15,24 24 0</inkml:trace>
+  <inkml:trace contextRef="#ctx0" brushRef="#br0" timeOffset="-153533">6326 1221 0,'0'-25'0,"0"1"15,24 24 1,-24-25-16,25 25 15,-25 25-15,24-1 16,-24 25 0,0-24-16,25 23 0,-25 1 15,24 25-15,-24-26 16,25 1-16,-1 24 0,-24-24 16,24 0-16,-24-24 0,25 23 15,-1-23-15,-24-1 16,0 1-16</inkml:trace>
+  <inkml:trace contextRef="#ctx0" brushRef="#br0" timeOffset="-153022">6766 1392 0,'0'-25'0,"-25"1"15,25-1-15,-24 1 16,24 0-16,0-25 0,0 24 15,0 1-15,0-1 16,24-23-16,1 23 0,24 1 16,-25-1-16,25 25 0,0-24 15,-25 24-15,25 24 16,-25-24-16,1 25 0,-1-1 16,1 25-16,-25-25 15,0 1-15,0-1 0,0 25 16,-25-24-16,1-1 0,-1 0 15,1 1-15,0-1 16,-1-24-16,1 25 0,24-1 16,-25-24-16,1 0 15,24 25-15,24-25 32,1 0-32,-1 0 15,25 0-15,0 0 0,0 0 16,-1 0-16,1 24 15,0-24-15,0 24 0,-25 1 16,1-25-16,-1 24 0,-24 1 16,0-1-16,-24-24 15,-1 25-15,-23-1 0,23-24 16,-24 0-16,0 0 0,1 0 16,-1 0-16,24 0 15,-23-24-15,23-1 16,25 1-16,0-1 15</inkml:trace>
+  <inkml:trace contextRef="#ctx0" brushRef="#br0" timeOffset="-151728">7572 952 0,'0'-24'16,"-25"24"-16,25-25 16,0 1-16,25 24 31,-25 24-31,24 1 16,-24 23-16,25-23 15,-25-1-15,0 25 16,24-24-16,-24-1 0,0 25 15,24-25-15,-24 25 0,0-24 16,0-1-16,25 0 16,-25 1-16,0-1 0,24 1 15,-24-1 1,0 1 0,25-25 15,-25 24 328,0 0-328,0-48 1,-25 0-17,25-1 1,-24 1 0,24-1-16,-25-24 0,25 25 15,-24 0-15,24-25 16,0 0-16,-24 24 0,24-23 15,0-1-15,0 0 0,0 0 16,0-24-16,0 24 16,0 25-16,0-25 0,24 24 15,0 1-15,-24-1 16,25 25-16,-1 0 0,1 0 16,-1 25-16,0-1 0,1 25 15,24 0-15,-25 0 16,1 0-16,23-1 0,-23 26 15,-1-25-15,1-1 0,-1-23 16,-24 24-16,25-25 16,-25 1-16,24-25 0,-24 24 15,0-48 17,0-1-32,0 1 15,0-1-15,0 1 16,-24-25-16,24 0 0,0 0 15,0 0-15,0 1 16,24-26-16,-24 26 0,24-26 16,1 25-16,24 25 0,-25-25 15,0 25-15,25 24 16,0 0-16,-24 24 0,23 1 16,-23-1-16,24 25 15,0 0-15,-25 0 0,0 24 16,1-24-16,-1 24 0,1-24 15,-25 0-15,24-1 16,-24 1-16,0 0 0,0-24 16,0-1-16,0 0 15</inkml:trace>
+  <inkml:trace contextRef="#ctx0" brushRef="#br0" timeOffset="-151265">8939 830 0,'0'-24'16,"-24"-1"-16,24 1 16,0-1-16,0 1 15,24 24 1,-24 24-16,25-24 15,-1 49-15,1-24 0,-1 23 16,0 1-16,1 0 16,-25-25-16,24 25 0,1 0 15,-25-24-15,0-1 0,0 0 16,0 1-16,-25-1 16,1-24-1,24-24 1,-25 24-16,25-25 0,0-23 15,0 23-15,25-24 0,-25 0 16,24-24-16,1 24 16,-1 1-16,1-1 0,23 24 15,-23 1-15,-1 24 0,1 0 16,-1 24-16,1 1 16,-1 24-16,0-1 0,1-23 15,-25 24-15,24-1 16,-24 1-16,0 0 0,0-24 15,0 23-15</inkml:trace>
+  <inkml:trace contextRef="#ctx0" brushRef="#br0" timeOffset="-150802">10307 561 0,'24'-49'16,"-24"25"-16,0-25 0,0 25 15,-24-1-15,0 1 16,-1-1-16,-24 1 0,1 24 16,-1 0-16,0 0 15,0 24-15,0 1 0,0-1 16,25 1-16,-1-1 0,1 1 15,24-1-15,0 25 16,0-25-16,24 1 0,1-25 16,-1 24-16,25 1 15,0-1-15,24-24 0,-24 24 16,24 1-16,1-25 0,-1 24 16,0 1-16,0-1 15,-24 1-15,0-1 0,-24 0 16,-1 1-16,-24-1 15,0 1-15,-24-1 0,-1 1 16,-24-1-16,-24 0 16,24-24-16,-24 25 0,0-25 15,24 0-15,-24-25 0,24 25 16,0-24-16,0 0 0,25-1 16,-1 1-16,25-1 15</inkml:trace>
+  <inkml:trace contextRef="#ctx0" brushRef="#br0" timeOffset="-150485">10038 146 0,'0'-49'0,"0"25"16,0-1-16,0 1 16,0 0-16,0 48 31,0 0-31,0 1 0,25 24 15,-25 0-15,24-1 0,1 26 16,-1-1-16,0 0 16,25 0-16,-24 25 0,-1-25 15,25 1-15,-25 23 0,1-23 16,-1-1-16,1 0 16,-1 0-16,1-24 0,-25 25 15,24-26-15,-24-23 16,24 24-16,-24-25 0,0 1 15,25-1-15,-25 0 0</inkml:trace>
+  <inkml:trace contextRef="#ctx0" brushRef="#br0" timeOffset="28487">6131 3052 0,'24'0'47,"1"0"-31,-1 0-16,25 0 15,0 0-15,24 0 16,0 0-16,0 0 0,1 0 16,23-24-16,1 24 15,0 0-15,-1 0 0,1 0 16,0-24-16,0 24 0,-25 0 15,25 0-15,-1 0 16,1-25-16,-25 25 0,25 0 16,-25 0-16,25 0 0,-49 0 15,24 0-15,-24 0 16,-25 0-16,1 0 0,-1 0 16,-24-24 30</inkml:trace>
+  <inkml:trace contextRef="#ctx0" brushRef="#br0" timeOffset="28871">8011 2711 0,'25'0'0,"24"0"15,-1 24-15,1-24 0,0 24 16,0-24-16,0 25 16,0-25-16,-25 24 0,25-24 15,-25 0-15,1 25 16,-1-25-16,1 0 0,-1 24 15,0-24 1</inkml:trace>
+  <inkml:trace contextRef="#ctx0" brushRef="#br0" timeOffset="29201">8597 2857 0,'0'24'0,"25"-24"15,-25 25 1,24-25 0,-24 24-1,-24 1 16,-1-25-15,1 24 0,0-24-16,-1 25 0,1-1 15,-1 0-15,1-24 16,-25 25-16,25-1 0,-1 1 16,1-1-16,-1 1 0,-24-1 15,25-24-15,24 24 16,-24 1-16,-1-25 0,1 24 15,-1 1 1,1-25-16,24 24 16</inkml:trace>
+  <inkml:trace contextRef="#ctx0" brushRef="#br0" timeOffset="30315">9379 2221 0,'-24'0'15,"-1"0"1,1 0-16,-1 25 16,1-1-16,-1 0 15,1 1-15,0 24 0,-1-1 16,1 1-16,24 0 0,-25 0 15,25 24-15,0-24 16,25 0-16,-1 0 0,1 0 16,-1-25-16,25 0 15,0 1-15,0-1 0,-1-24 16,1 0-16,-24 0 0,23 0 16,1-24-16</inkml:trace>
+  <inkml:trace contextRef="#ctx0" brushRef="#br0" timeOffset="31185">9232 2613 0,'-24'0'16,"24"-25"-16,24 25 15,1 0-15,-1-24 0,1 24 16,-1-24-16,25 24 15,-25-25-15,25 25 0,-24-24 16,-1 24-16,1-25 16,-1 25-16,0-24 0,1-1 15,-1 25-15,-24-24 0,0 0 16,0-1-16,0 1 16,25-1-16,-25 1 0,0-1 15,0 50 1,0-1-1,0 25-15,0 0 0,24 0 16,-24 0-16,0 24 16,24-24-16,-24 0 0,25 0 15,-25-1-15,24-23 0,-24 24 16,0-25-16,0 1 16,25-25-16,-25 24 0,0-48 46,0-1-46,0 1 0,0-25 16,0 24-16,0-48 16,0 24-16,0-24 0,0 0 15,0-1-15,0 26 16,24-1-16,-24 0 0,25 24 16,-25 1-16,24 24 0,0 0 15,1 24 1,-1 1-16,1 24 0,-1 0 15,1-1-15,-1 1 16,0 0-16,1 0 0,-25 0 16,24-25-16,-24 25 0,25-24 15,-25 23-15,0-23 16,0-1-16,0-48 31,0-1-15,0 1-16,0-25 0,0 0 15,0 0-15,0 1 16,0-26-16,24 25 0,0 1 16,-24-1-16,25 0 15,-1 24-15,1 25 0,-1 0 16,1 25-16,-1-25 0,0 49 16,1-25-16,-1 25 15,1 0-15,-1 0 0,1 0 16,-25-25-16,24 25 0,-24-25 15,24 25-15,-24-24 16,0-1-16,25 0 0,-25 1 16,0-1-1,24-48 1,1-1-16,-1 1 16</inkml:trace>
+  <inkml:trace contextRef="#ctx0" brushRef="#br0" timeOffset="31425">10844 2222 0,'0'-24'0,"25"-1"16,-50 25-1,1 25 1,-1-1-16,25 1 16,-24-1-16,0 0 0,-1 1 15,25 24-15,0-1 0,0 1 16,0-24-16,0 24 15,25-1-15,-1 1 0,0-24 16,1 24-16,-1-25 16,25 0-16,-24-24 0,-1 25 15,25-25-15,-25 0 0,1-25 16</inkml:trace>
+  <inkml:trace contextRef="#ctx0" brushRef="#br0" timeOffset="32044">10796 2417 0,'24'-24'15,"0"24"1,1 0-16,-1-24 0,25 24 16,0-25-16,0 25 15,0-24-15,-25 24 0,25-25 16,-25 1-16,1 24 0,-1-25 15,-24 1-15,0 0 16,0-1 0,0 50 15,0-1-15,0 0-16,0 1 15,0 24-15,0 0 0,0-1 16,0 1-16,0 0 0,0-24 15,0 23-15,0-23 16,25-1-16,-25 1 0,0-1 16,0 1-1,0-50 1,0-24 0,0 25-16,0-25 15,24 0-15,-24 0 0,0 0 16,0-24-16,0 24 15,0-24-15,24 24 0,-24 0 16,0 1-16,25 23 0,-25 1 16,24-1-16,1 25 15,-1 25-15,-24-1 16,24 1-16,1 23 0,-1 1 16,-24 0-16,25 0 15,-1 0-15,1 24 0,-25-24 16,24 0-16,0 0 15,1-1-15,-25 1 0,24-24 16,1-1-16,-25 1 16,0-1-16,0 0 0,0 1 15,-25-25 1</inkml:trace>
+  <inkml:trace contextRef="#ctx0" brushRef="#br0" timeOffset="32253">11284 2466 0,'-24'0'0,"-1"-24"16,1 24-16,24-25 31,24 25-31,1-24 16,-1 24-16,0-24 0,1 24 15,-1-25-15,25 25 16,-24 0-16,23-24 0,-23 24 15,-1 0-15,25 0 0,-25 0 16</inkml:trace>
+  <inkml:trace contextRef="#ctx0" brushRef="#br0" timeOffset="32967">9452 3492 0,'0'-24'0,"0"-1"16,0 1-1,0-1-15,0 50 16,0-1 0,0 1-1,0-1-15,0 1 0,0 23 16,0-23-16,0-1 0,0 25 16,0-25-16,0 1 15,0-1-15,0 1 0,0-1 16,0 1-1,0-1-15,0-48 32,0-1-32,0 1 15,0-1-15,0-24 0,0 1 16,0-1-16,0 0 16,0 0-16,25 0 0,-25 0 15,0 1-15,24 23 0,1 25 16,-1 25-1,0-1 1,-24 0-16,25 1 16,-1 24-16,1-25 0,-1 25 15,0-25-15,1 25 0,-1 0 16,1-25-16,-1 1 16,1-1-16,-25 1 0,0-1 15,0 1-15,0-1 16</inkml:trace>
+  <inkml:trace contextRef="#ctx0" brushRef="#br0" timeOffset="33147">9452 3663 0,'-24'-24'0,"24"-1"0,-25 25 16,25-24-16,25 24 15,-25-25 1,24 25-16,1 0 0,-1-24 15,25 24-15,0 0 16,-25-24-16,25 24 0,0 0 16,0-25-16,0 25 0</inkml:trace>
+  <inkml:trace contextRef="#ctx0" brushRef="#br0" timeOffset="33650">9941 3394 0,'-25'-24'15,"25"48"17,0 1-17,25-1-15,-25 1 0,0-1 16,0 25-16,24-25 0,-24 25 16,0-24-16,25 23 15,-25-23-15,0-1 0,24 1 16,-24-1-16,0 1 15,0-1-15,0-48 32,-24-1-17,24-24-15,-25 25 0,25-25 16,-24 0-16,24 0 16,-25 1-16,25-1 0,0 0 15,0 0-15,25 25 0,-25-1 16,24 1-16,1-1 15,-1 1-15,25 24 0,-25 0 16,1 0-16,24 24 16,-25-24-16,0 25 0,1-1 15,-1-24-15,-24 25 0,25-25 16,-25 24-16,0 0 16,-25-24-16,1 25 15,-1-25-15,1 24 16,0-24-16,-25 25 0,24-25 15,1 0-15,-1 24 0,1-24 16,24-24 15</inkml:trace>
+  <inkml:trace contextRef="#ctx0" brushRef="#br0" timeOffset="34180">10551 3346 0,'0'-25'16,"0"1"-1,0-1 1,25 1 0,-1 24-16,1-25 15,-1 25-15,25 0 16,-25-24-16,25 24 0,0-24 15,-25 24-15,25 0 16,-24-25-16,-1 25 0,0 0 16,1 0-1,-50 25 1,1-25-16,24 24 16,-24 0-16,24 1 15,-25-1-15,1 1 0,24-1 16,0 25-16,-25-25 0,25 25 15,0-24-15,0 23 16,25-23-16,-25-1 0,24 25 16,-24-24-1,25-1-15,-25 0 16,-25-24 15,1 0-31,-1 0 0,1-24 16,-25 24-16,0 0 15,0 0-15,-24-24 0,24 24 16,0 0-16,-24 0 0,49 0 16,-25 0-16,0 0 15,25 0-15,24 24 0,24-24 32</inkml:trace>
+  <inkml:trace contextRef="#ctx0" brushRef="#br0" timeOffset="34676">12261 2417 0,'0'-24'15,"-25"0"-15,25-1 16,0 1 0,0-1-1,25 1 17,-1 24-32,1 0 0,24 0 15,-1-24-15,1 24 16,0-25-16,24 25 0,-24 0 15,0-24-15,0 24 16,-25 0-16,25 0 0,-24 0 16,-1 0-16,-48 0 31,-1 0-31</inkml:trace>
+  <inkml:trace contextRef="#ctx0" brushRef="#br0" timeOffset="53203">11284 3468 0,'0'-25'31,"-24"25"-15,-1 0 0,25-24-16,-24 24 15,-1 0 1,50 0 46,-1 0-46,1 0-16,-1 0 16,25 0-16,-25 0 15,25-25-15,0 25 0,0 0 16,0 0-16,-1 0 0,-23 0 16,24 0-16,-25 0 15,1 0-15,-50 0 31,1 0-15,-1 0-16,1 0 16,-1 0-16,1 0 15,0 0-15,-1 0 0,1 0 16,-1 0 15</inkml:trace>
+  <inkml:trace contextRef="#ctx0" brushRef="#br0" timeOffset="54373">12139 3126 0,'0'-25'15,"-25"25"17,25 25-1,0-1-15,-24 25-16,24-25 0,0 1 15,-24 24-15,24-25 0,0 25 16,0-25-16,-25 1 15,25-1-15,0 1 0,0-1 16,-24-24 0,24-24-1,0-1-15,0 1 16,-25-1-16,25 1 16,0 0-16,0-25 0,0 24 15,0-24-15,0 25 16,0-25-16,25 25 0,-25-25 15,24 24-15,-24 1 0,25 0 16,-1-1-16,0 25 16,1 0-16,-1 0 15,1 25-15,-1-1 16,0 0-16,1 25 0,-1-24 16,-24 24-16,25-1 0,-1-23 15,1 24-15,-25-25 16,24 1-16,-24-1 0,0 0 15,0 1-15,24-25 16,-24 24-16</inkml:trace>
+  <inkml:trace contextRef="#ctx0" brushRef="#br0" timeOffset="55032">12530 2979 0,'0'25'31,"0"-1"-15,0 25-16,24-25 15,-24 25-15,24 0 0,-24 24 16,0-24-16,25 0 15,-25 0-15,24-25 0,-24 25 16,0 0-16,0-25 16,25 1-16,-25-1 0,0 1 15,0-1-15,-25-24 32,25-24-17,-24-1 1,24 1-16,0-25 0,-25 25 15,25-25-15,0 0 0,0 24 16,-24-23-16,24-1 16,0 24-16,0 1 0,24-1 15,-24 1-15,25 24 0,-1 0 16,1 0 0,-1 24-16,0-24 0,1 25 15,-25-1-15,24-24 16,-24 25-16,0-1 0,0 1 15,-24-1 1,24 0-16,-25-24 0,1 25 16,0-25-16,-1 0 15</inkml:trace>
+  <inkml:trace contextRef="#ctx0" brushRef="#br0" timeOffset="55561">12823 2955 0,'0'24'47,"0"1"-47,0-1 0,0 0 15,24 1-15,0 24 16,-24 0-16,25-1 0,-25 1 16,24 0-16,1 0 0,-25 0 15,0-25-15,24 25 16,-24-24-16,0 23 0,0-23 16,0-1-16,0 1 15,0-1 1,-24-24-1,24-24-15,-25 24 16,25-25-16,0 1 0,-24-1 16,24 1-16,-25 0 15,25-25-15,0 24 0,0-24 16,0 25-16,0-25 16,0 25-16,25-1 0,-1 1 15,1 24-15,-1 0 16,1 0-16,-1 0 15,0 24-15,1-24 0,-25 25 16,24-1-16,-24 1 16,0-1-16,0 0 15,-24 1-15,-1-25 0,1 24 16,-25-24-16,25 25 16,-25-25-16</inkml:trace>
+  <inkml:trace contextRef="#ctx0" brushRef="#br0" timeOffset="55908">12163 3272 0,'-24'0'16,"48"0"-1,-24-24 1,25 24-16,-1 0 0,25 0 16,0 0-16,0 0 0,24-25 15,-24 25-15</inkml:trace>
+</inkml:ink>
+</file>
+
+<file path=ppt/ink/ink187.xml><?xml version="1.0" encoding="utf-8"?>
+<inkml:ink xmlns:inkml="http://www.w3.org/2003/InkML">
+  <inkml:definitions>
+    <inkml:context xml:id="ctx0">
+      <inkml:inkSource xml:id="inkSrc0">
+        <inkml:traceFormat>
+          <inkml:channel name="X" type="integer" max="1920" units="cm"/>
+          <inkml:channel name="Y" type="integer" max="1080" units="cm"/>
+          <inkml:channel name="T" type="integer" max="2.14748E9" units="dev"/>
+        </inkml:traceFormat>
+        <inkml:channelProperties>
+          <inkml:channelProperty channel="X" name="resolution" value="55.81395" units="1/cm"/>
+          <inkml:channelProperty channel="Y" name="resolution" value="55.6701" units="1/cm"/>
+          <inkml:channelProperty channel="T" name="resolution" value="1" units="1/dev"/>
+        </inkml:channelProperties>
+      </inkml:inkSource>
+      <inkml:timestamp xml:id="ts0" timeString="2020-12-15T08:05:13.656"/>
+    </inkml:context>
+    <inkml:brush xml:id="br0">
+      <inkml:brushProperty name="width" value="0.05" units="cm"/>
+      <inkml:brushProperty name="height" value="0.05" units="cm"/>
+      <inkml:brushProperty name="fitToCurve" value="1"/>
+    </inkml:brush>
+  </inkml:definitions>
+  <inkml:trace contextRef="#ctx0" brushRef="#br0">3835 3981 0,'-25'-25'0,"25"1"0,-24 24 15,24-24-15,0-1 16,0 1-16,0-1 0,0 1 16,0-1-16,0 1 15,24-25-15,-24 25 0,25 24 16,-1-25-16,1 25 0,-1-24 16,25 24-16,-25 0 15,25 24-15,0 1 0,-25-1 16,25 25-16,-24-25 15,-1 25-15,0 25 0,1-26 16,-25 1-16,-25 25 0,1-26 16,0 1-16,-25 0 15,-25 0-15,26 0 0,-1 0 16,-24-25-16,24 0 16,0 1-16,24-1 0,1-24 15,0 0-15,-1 0 0,50 0 31,-1 0-31,0 0 0,25 0 16,0-24-16,24 24 16,1 0-16,-1 0 0,0 0 15,0 0-15,1 0 0,-1 0 16,-24 0-16,24 24 16,-24-24-16,-25 0 0,25 0 15,-24 0-15,-1 0 16,-24-24-16</inkml:trace>
+  <inkml:trace contextRef="#ctx0" brushRef="#br0" timeOffset="419">4445 3468 0,'0'-24'15,"-24"-1"-15,24 1 16,0-1-16,0 50 16,24-25-1,1 24-15,-1 1 16,0-1-16,25 0 0,0 25 16,0-24-16,0 24 0,0 24 15,24-24-15,-24 24 16,24 0-16,-24 0 0,-25 1 15,25-1-15,-24 0 16,-25-24-16,0 24 0,0-24 16,0 24-16,0-24 15,-25 0-15,1-24 0,-1 23 16,1 1-16,-25-24 0,25 24 16,-25-25-16,24 25 15,-23-25-15,23 1 0,1-1 16,-1-24-16,1 25 0,-1-1 15,25-48 17,0-1-32</inkml:trace>
+  <inkml:trace contextRef="#ctx0" brushRef="#br0" timeOffset="-87285">4250 1270 0,'-25'-25'0,"1"1"16,0 24-16,24-24 16,24 48-1,-24 0 1,0 1-16,0-1 16,0 1-16,0 24 15,0-1-15,0 1 0,0 0 16,0 0-16,0 24 15,0-24-15,-24 0 0,24 0 16,0 0-16,-25-25 0,25 0 16,0 1-16,0-1 15,0 1-15,0-50 16,0 1 0,0-1-16,25-23 0,-25 23 15,24-48-15,0 0 16,1-1-16,-1 1 0,1 0 15,-1-25-15,1 0 0,-1 25 16,0-25-16,1 50 16,-1-26-16,1 26 0,-1 23 15,0 25-15,1 0 16,-1 0-16,1 25 0,-1 23 16,1 1-16,-1 0 0,0 24 15,1-24-15,-1 24 16,-24 1-16,25-1 0,-1 0 15,-24 1-15,25-1 0,-25 0 16,24 0-16,-24-24 16,0 0-16,0 0 0,0 0 15,0-25-15,0 1 16,0-1-16,0 0 0</inkml:trace>
+  <inkml:trace contextRef="#ctx0" brushRef="#br0" timeOffset="-86858">4616 1709 0,'-49'-48'0,"25"23"16,0 1-16,-25-1 0,49 1 15,-25 24-15,1 0 16,24-24-16,24 24 31,1-25-31,24 25 0,-1-24 16,1 24-16,0-25 0,24 25 15,-24-24-15,0-1 16,24 1-16,-24 0 0,0 24 16,-25-25-16,25 1 15,-24-25-15,-1 24 0,-24 1 16,0-25-16,0 25 0,0-25 16,0 0-16,0 25 15,0-1-15,0 1 0,-24 48 31,24 1-31,0 24 0,0-1 16,0 1-16,0 24 0,0 1 16,0-1-16,0 0 15,0 1-15,0-26 0,0 26 16,0-26-16,0 1 16,0-24-16,0 24 0,0-25 15,0 0-15,0 1 0,24-50 31,-24 1-31</inkml:trace>
+  <inkml:trace contextRef="#ctx0" brushRef="#br0" timeOffset="-86632">5324 1294 0,'25'-97'16,"-25"23"-16,24 1 16,-24 24-16,25 0 0,-25 25 15,0 73 1,-25-25-1,25 25-15,0 24 0,-24 1 16,24-26-16,0 26 16,0-1-16,0 0 0,0 1 15,0-1-15,0-24 16,0 0-16,0-1 0,0 1 16,0 0-16,0-25 0,0 1 15,0-1 1</inkml:trace>
+  <inkml:trace contextRef="#ctx0" brushRef="#br0" timeOffset="-86181">5959 1416 0,'0'-24'15,"0"0"-15,-24-1 16,0 1-16,-1 24 16,1 0-16,-1 24 15,1 1 1,0-1-16,-25 25 0,24-25 16,1 25-16,-1 24 15,1-24-15,24 0 0,-24 0 16,24 0-16,0 0 0,0-25 15,24 25-15,0-25 16,1 1-16,-1-25 0,25 24 16,-24-24-16,23 0 15,-23-24-15,24-1 0,-25 1 16,25-25-16,-25 0 0,1 0 16,-25 1-16,0-26 15,0 25-15,0-24 0,-25 24 16,1 25-16,-1-25 15,25 25-15,-24 24 0,0 0 16,-1 0-16,1 0 0,-1 24 16,1-24-16,24 24 15,0 1-15,0-1 16</inkml:trace>
+  <inkml:trace contextRef="#ctx0" brushRef="#br0" timeOffset="-85864">6594 1465 0,'25'0'0,"-1"0"15,1-24-15,-25-1 0,0 1 16,0 0-16,0-1 16,0 1-16,-25-1 15,1 25-15,-1 0 16,-23 0-16,23 25 15,-24-1-15,25 1 0,-25 23 16,25 1-16,-25-24 16,24 24-16,25-1 0,-24-23 15,24 24-15,0-25 16,0 25-16,24-25 0,1 1 16,24-1-16,-25 1 0,25-25 15,24 24-15,-24-24 16,0 0-16,24 0 0,0 0 15,-24-24-15</inkml:trace>
+  <inkml:trace contextRef="#ctx0" brushRef="#br0" timeOffset="-85208">7083 1661 0,'24'-49'0,"25"0"15,-49 25-15,25-25 16,-1 0-16,-24 24 0,0-23 16,0 23-16,-24 25 15,-1 0 1,-24 0-16,25 0 0,-25 25 15,0-25-15,25 24 16,-25 0-16,25 1 0,-25-1 16,24 1-16,1 24 0,24-25 15,-25 25-15,25-25 16,0 25-16,0-24 0,0-1 16,25 0-16,-25 1 15,24-1-15,1-24 0,-1 0 16,25 0-16,-25 0 0,1-24 15,24-1-15,-25 1 16,1 0-16,-1-1 0,0 1 16,1-25-16,-25 24 15,0 1-15,24 0 0,-24-1 16,0 1-16,0 48 16,0 1-1,-24 23-15,24-23 16,0-1-16,0 25 15,0-24-15,0-1 0,24 0 16,-24 1-16,25-1 0,-1 1 16,0-25-1,25 0-15,-24-25 0,-1 25 16,25-24-16,-25-1 16,25 1-16,-24-25 0,24 0 15,-25 0-15,0 1 0,-24-26 16,25 1-16,-25-25 15,0 25-15,0-25 0,0 1 16,0 23-16,0 26 16,0-1-16,0 24 0,-25 74 15,25 0-15,-24 24 16,24 0-16,-24 1 16,-1 23-16,25-23 0,-24-1 15,24 0-15,0 1 0,0-26 16,24 1-16,-24 0 15,25-24-15,-1-1 0,0 0 16,1-24-16,-1 0 16,1 0-16</inkml:trace>
+  <inkml:trace contextRef="#ctx0" brushRef="#br0" timeOffset="-84979">8060 1075 0,'0'-49'0,"24"0"15,-24 0-15,0 25 16,0-1-16,-24 25 16,24 25-16,-25 23 15,25 1-15,0 0 16,-24 0-16,24 24 0,0 0 16,0 1-16,0 23 0,0-48 15,0 25-15,24-1 16,-24-24-16,25-1 0,-25-23 15,0 24-15,24-49 16</inkml:trace>
+  <inkml:trace contextRef="#ctx0" brushRef="#br0" timeOffset="-84297">7498 1294 0,'-24'0'16,"-1"0"-16,1-24 0,-1 24 15,25-25 1,25 25-1,-1 0-15,1 0 0,-1 0 16,25 0-16,24-24 16,-24 24-16,0 0 0,24 0 15,-24 0-15,0 0 16,0 0-16,-25 0 0</inkml:trace>
+  <inkml:trace contextRef="#ctx0" brushRef="#br0" timeOffset="-83343">8280 488 0,'0'-24'16,"-25"24"-16,1 0 15,24 24 16,0 1-15,0-1-16</inkml:trace>
+  <inkml:trace contextRef="#ctx0" brushRef="#br0" timeOffset="-82491">8768 1099 0,'-24'24'32,"-1"1"-17,1-1-15,-1 1 0,-23-1 16,23 25-16,1 0 15,-25 0-15,24-1 0,1 1 16,24 0-16,0-24 16,0 23-16,0-23 0,24-1 15,1 1-15,-1-1 0,25-24 16,0 0-16,0 0 16,-25 0-16,25 0 0,0-24 15,0-1-15,-25 1 16,1-25-16,-1 0 0,1 25 15,-25-25-15,0-24 0,-25 24 16,1 0-16,-1 24 16,1-23-16,-25 23 0,25 25 15,-1 0-15,1 0 0,-25 0 16,24 25-16,25-1 16,-24 25-16,0-25 0,24 1 15,0 24-15,0-25 16,24 25-16,-24-25 0,24 1 15,1-1-15,-1-24 16,25 0-16,-24 25 0,-1-25 16,0-25-16,25 25 0,-24-24 15,-1-1-15,25 1 16,-25-1-16,1-23 0,24-1 16,-25 24-16,0-24 0,1 1 15,-1 23-15,1 1 16,-1 24-16,1 24 15,-25 1-15,0 23 16,0 1-16,0 0 0,0 0 16,0 0-16,0 0 0,0 0 15,0-25-15,0 0 16,0 1-16,0-1 0,24-24 31,-24-24-31,24-1 16,1 1-16,24-25 0,-25 0 15,25 0-15,0 1 16,-25-1-16,25 0 0,0 0 16,-25 25-16,25 24 15,-24 24-15,-25 0 16,0 25-16,0 0 0,-25 24 16,1 1-16,24-25 15,-25 24-15,1 0 0,-1 0 16,1-24-16,24 0 15,-24 24-15</inkml:trace>
+  <inkml:trace contextRef="#ctx0" brushRef="#br0" timeOffset="-82118">6228 2491 0,'0'-24'15,"0"-1"-15,0-24 0,0 25 16,0 0-16,25 48 16,-25 0-1,0 25-15,0 24 0,0 1 16,24-1-16,-24 25 16,0-1-16,24 1 0,-24 0 15,0-25-15,0 0 16,25 1-16,-25-26 0,0 1 15</inkml:trace>
+  <inkml:trace contextRef="#ctx0" brushRef="#br0" timeOffset="-81724">5569 3053 0,'-74'0'16,"1"-25"-16,0 25 0,24-24 15,25-1-15,24 1 16,0 0-16,0-25 0,24 24 16,25-23-16,0-1 0,24 0 15,25 0-15,-25 0 16,49 0-16,-24 25 0,-1-1 16,26 25-16,-26 0 15,1 0-15,0 49 0,-1 0 16,-23 0-16,-1 24 0,0 1 15,-24-1-15,0 0 16,-25 0-16,-24 1 0,0-1 16,-24-24-16,-1 0 15,-48-1-15,0 1 0,0-24 16,-25-1-16,0 1 0,1-25 16,-1 0-16,0 0 15,0 0-15,25-25 0,0 1 16,24 24-16,25-25 15,-25 25-15,49-24 16</inkml:trace>
+  <inkml:trace contextRef="#ctx0" brushRef="#br0" timeOffset="-81229">6888 2979 0,'0'-24'0,"24"0"16,-24-1-16,0 1 15,0-1-15,0 1 16,24 24-16,1 0 16,24 0-16,-25 0 0,25 24 15,0 1-15,0 24 16,-25-25-16,25 25 0,-25 0 15,1-25-15,-25 25 0,0-25 16,0 25-16,0-24 16,-25-1-16,1-24 0,-1 25 15,1-25-15,0 0 0,-1-25 16,1 1-16,24-1 16,0 1-16,0-1 0,24-23 15,1 23-15,-1-24 16,25 0-16,-25 25 0,25-25 15,0 25-15,0-1 0,-25 25 16,25 0-16,0 0 16,-25 25-16,25-1 0,-24 1 15,-1-1-15,1 0 16,-1 25-16,0-24 0,1 24 16,-25-25-16,24 25 0,1-25 15,-25 1-15,0-1 16,24 1-16,-24-1 0,0 0 15,-24-24 1</inkml:trace>
+  <inkml:trace contextRef="#ctx0" brushRef="#br0" timeOffset="-81063">7718 2491 0,'0'-73'16,"-24"48"-16,24 1 0,-25 0 15,1 48 1,24 0-16,0 1 16,-25-1-16,25 25 15,0-25-15,0 1 0</inkml:trace>
+  <inkml:trace contextRef="#ctx0" brushRef="#br0" timeOffset="-80679">7864 2784 0,'25'0'0,"-1"0"31,1 25-15,-25-1-16,24 0 15,1 25-15,-25-24 0,24 23 16,-24 1-16,24-24 15,-24 24-15,25-25 0,-25 0 16,24 1-16,-24-1 16,25 1-16,-1-25 15,-24-25 1,0 1-16,25-1 16,-25 1-16,0-25 0,24 0 15,-24-24-15,24 24 16,-24-24-16,0 24 0,25-24 15,-25 48-15,0-23 0,0 23 16,24 25-16,-24 25 16,0-1-16,0 0 15,25 25-15,-25 0 0,24-24 16</inkml:trace>
+  <inkml:trace contextRef="#ctx0" brushRef="#br0" timeOffset="-80313">8622 2955 0,'24'0'0,"0"0"16,-24 24 15,25-24 1,-1 0-17,1-24-15,-1 24 16,1-24-16,-1 24 0,0-25 15,1 1-15,-1-1 16,-24 1-16,0 0 0,0-1 16,-24 1-16,-1-1 0,1 1 15,0-1-15,-25 1 16,0 24-16,24 0 0,-23 24 16,-1 1-16,24-1 15,1 25-15,-1 0 0,1 0 16,24 0-16,0-1 0,24 1 15,25-24-15,-24 24 16,24-25-16,-1 0 0,26 1 16,-25-25-16,24 0 15,0 0-15,-24 0 0</inkml:trace>
+  <inkml:trace contextRef="#ctx0" brushRef="#br0" timeOffset="-79962">9232 2882 0,'0'-49'0,"-24"0"15,24 0-15,-25 0 0,25 1 16,-24-1-16,24 24 0,0 1 16,24 24-1,1 49-15,-1-25 16,1 25-16,23 0 16,-23 0-16,-1 24 0,25-24 15,-24 0-15,-1 0 0,0-25 16,-24 0-16,25 1 15,-25-1-15,0 1 0,-25-25 16,1-25 0,0 25-16,-1-24 0,1-25 15,-1 25-15,25-25 0,0 0 16,0-24-16,25-1 16,-1 25-16,25-24 0,0 24 15,0 25-15,0-1 0,-1 1 16,26 24-16,-26 24 15,-23-24-15,24 25 0,-25 24 16,1-25-16,-1 1 16</inkml:trace>
+  <inkml:trace contextRef="#ctx0" brushRef="#br0" timeOffset="-79562">10624 2515 0,'-24'-48'0,"-1"-26"16,-23 25-16,23-24 0,1 24 16,-1-24-16,1 0 0,24 24 15,0 0-15,24 0 16,1 25-16,-1-1 0,1 1 15,23 0-15,-23 24 16,24 0-16,0 0 0,-1 24 16,-23 0-16,24 25 0,-25 0 15,1 0-15,-25 0 16,0 24-16,0 0 0,-25 1 16,-24-26-16,25 26 15,-25-1-15,0-24 0,0 0 16,25 24-16,-1-24 0,-23 0 15,48 0-15,-25-1 16,25 1-16,0-24 0,0 24 16,25-1-16,-25 1 15,24 0-15,0 0 0</inkml:trace>
+  <inkml:trace contextRef="#ctx0" brushRef="#br0" timeOffset="-79412">10551 3566 0,'0'24'0,"0"0"16,-24-24-16,24 25 31,24-25-31,-24 24 16,-24 1 0</inkml:trace>
+  <inkml:trace contextRef="#ctx0" brushRef="#br0" timeOffset="23146">3371 195 0,'-25'-24'0,"1"24"15,-1-25-15,1 25 16,0 0-16,-1 0 16,1 0-16,-1 0 15,25 25-15,0-1 32,25 1-32,-1-1 15,1 1 1,-1-1-16,0 0 15,1 1 1,-1-1-16,1 1 16,-25-1-1,0 1 1,0-1-16,-25 0 16,1-24-1,-1 0-15,1 0 16,0 0-16,-1 0 15,1-24 1</inkml:trace>
+  <inkml:trace contextRef="#ctx0" brushRef="#br0" timeOffset="23594">3517 0 0,'0'24'47,"25"1"-31,-25-1 0,24 25-16,-24-25 0,24 1 15,-24 24-15,25-25 0,-25 25 16,0-25-16,0 1 15,24-1-15,-24 1 0,0-1 16,0 1-16,0-1 16,0-48-1,0-1 1,0 1 0,25-1-16,-25 1 15,24-25-15,1 25 0,-25-1 16,24 1-16,0-1 15,1 25-15,-1-24 0,1 24 16,-1 0-16,0 24 16,-24 1-16,25-1 0,-1 1 15,1-1-15,-25 0 0,24 1 16,-24-1-16,25-24 16,-25 25-16,0-1 0</inkml:trace>
+  <inkml:trace contextRef="#ctx0" brushRef="#br0" timeOffset="24003">4225 220 0,'0'-25'16,"0"1"-16,0 48 31,0 1-16,-24-25-15,24 24 16,-24 1-16,24-1 0,0 0 16,0 1-16,0-1 15,0 1-15,24-1 16,0 1 0,1-25-16,-1 0 15,1 0-15,-1 0 0,1-25 16,-1 25-16,0-24 0,-24-1 15,25 1-15,-25-1 16,0 1-16,0-25 0,0 25 16,0-1-16,-25 1 15,25-1-15,-24 25 0,0-24 16,-1 24-16,1 0 16,-1 0-16,1 24 15,-1-24-15,25 25 16</inkml:trace>
+  <inkml:trace contextRef="#ctx0" brushRef="#br0" timeOffset="24728">4616 220 0,'25'24'63,"-1"1"-32,0-25-15,1 0-16,-1 0 15,1-25 1,-1 1-1,1 24-15,-25-25 16,0 1-16,0-1 16,-25 1-1,1 24 1,-1 0-16,1 0 16,-1 0-16,1 24 15,0-24-15,-1 25 16,25-1-16,-24-24 0,24 25 15,0-1-15,0 1 0,0-1 16,24 0-16,1 1 16,-25-1-16,24-24 0,0 25 15,25-25-15,-24 0 16,-1 24-16,1-24 0,-1 0 16,0-24-16,1 24 0,24-25 15,-25 1-15,1 24 16,-25-25-16,24 1 0,0-25 15,-24 25-15,25-1 16,-25 1-16,24-1 0,-24 1 16,0 0-16,25-1 0,-25 1 15,0 48 17,0 1-17,0-1 1,24 0-16,-24 1 15,24-1-15,-24 1 16,25-1-16,-1 1 16,-24-1-16,0 0 15,0 1-15,0-1 16,0 1-16,-24-25 16,-1 0-16,1 0 15,-25 0-15</inkml:trace>
+  <inkml:trace contextRef="#ctx0" brushRef="#br0" timeOffset="55043">0 2418 0,'25'-25'0,"-25"50"47,0-1-31,0 1-16,0 23 15,24 1-15,-24-24 0,25 48 16,-1-24-16,0 0 16,1 0-16,-1 24 0,25-24 15,-25-25-15,25 25 16,0-25-16,-24 1 0,23-1 16,-23-24-16,24 0 0,-25 0 15,25-24-15,-25-1 16,1 1-16,24 0 0,-25-1 15,-24-24-15,24 25 0,1-25 16,-25 0-16,0 0 16,0 0-16,-25 1 0,25-1 15,-24 0-15,24 24 16,-24-23-16,-1-1 0,1 24 16,24 1-16,-25-1 15,25 1-15,0 48 16,25-24-1,-25 25-15,24-1 16,1 1-16,-1-1 0,0 1 16,1-1-16</inkml:trace>
+  <inkml:trace contextRef="#ctx0" brushRef="#br0" timeOffset="55468">1295 2418 0,'0'-25'0,"0"1"16,0 0-16,-25-1 16,25 1-1,-24 24-15,-1 0 0,25 24 16,-24-24-16,0 25 15,-1-1-15,1 0 0,-1 1 16,1-1-16,24 1 0,0-1 16,0 0-16,0 1 15,0-1-15,24 1 0,25-1 16,-24 1-16,23-1 16,1 0-16,0 1 0,0-1 15,-25 1-15,25-1 0,-24-24 16,-1 25-16,0-1 15,-24 0-15,0 1 16,-24-1-16,0 1 16,-25-1-16,0-24 0,0 24 15,0-24-15,25 0 0,-25 0 16,25 0-16,-25 0 16,49-24-16</inkml:trace>
+  <inkml:trace contextRef="#ctx0" brushRef="#br0" timeOffset="55726">1637 2564 0,'24'0'0,"-24"-24"31,24 24-31,1 0 15,-1 0-15,1-25 16,24 25-16,-1 0 16,-23 0-16,24 0 0,0 0 15,-25 0-15,0 0 16,25-24-16,-24 24 16,-1 0-1</inkml:trace>
+  <inkml:trace contextRef="#ctx0" brushRef="#br0" timeOffset="56795">2662 2515 0,'25'-24'0,"-1"24"15,-24-24-15,25-1 16,-25 1-16,24-1 16,-24 1-16,0 0 15,0-1 1,-24 25-16,-1 0 0,1 0 16,-1 0-16,1 0 15,-25 25-15,25-1 0,-1 0 16,-24 25-16,25-24 15,24 23-15,-24 1 0,24-24 16,0 24-16,0-1 0,0-23 16,24-1-16,-24 1 15,24-1-15,1 1 0,-1-1 16,1-24 0,-1 0-16,0 0 0,1 0 15,-1 0-15,1-24 0,-1-1 16,1 1-1,-25-25-15,24 24 0,-24 1 16,0-25-16,24 25 16,-24-25-16,0 24 0,25 1 15,-25 0-15,0 48 32,24 0-17,-24 1-15,0-1 16,25 25-16,-25-24 0,24-1 15,-24 0-15,25 1 0,-1-1 16,0 1-16,1-25 16,-1 24-16,1-24 0,-1 0 15,1 0-15,-1 0 16,0-24-16,-24-1 0,25 1 16,-1-1-16,-24 1 0,25-25 15,-25 0-15,0-24 16,0 24-16,0-24 0,-25 0 15,25 24-15,0 0 0,-24 0 16,24 0-16,0 25 16,-25 24-16,25 24 15,-24 1 1,24-1-16,0 25 0,0 0 16,0 0-16,0 0 15,24-1-15,1 26 0,-25-26 16,24 1-16,25 0 0,-24-24 15,-1 23-15,0-23 16,1-1-16,-1 1 0,-24-1 16,25-24-16,-1 0 15,0 0-15,1-24 16,-25-1-16,24-24 16,1 25-16,-1-25 15,1-24-15,-1 24 0,-24-24 16,24 0-16,-24-1 0,0 25 15,25-24-15,-25 49 16,0-25-16,0 24 0,-25 25 31,25 25-31,-24-1 0,24 1 16,0 24-16,0-25 0,0 49 16,0-24-16,24 0 15,1 24-15,-25-24 0,24 0 16,1 24-16,-1-24 15,25 0-15,-25-25 0,1 25 16,-1-24-16,-24-1 0,25 0 16</inkml:trace>
+  <inkml:trace contextRef="#ctx0" brushRef="#br0" timeOffset="59293">5324 146 0,'0'-24'47,"25"24"-47,-1 0 15,1-24-15,-1 24 16,25 0-16,0 0 0,-25-25 16,25 25-16,0 0 15,-25 0-15,25 0 0,-24 0 16,-1 0-16,0 0 15,1 0-15,-25 25 0,24-25 16,-24 24 0,0 0-1,0 1 1,0-1 0,0 1-16,0-1 0,0 25 15,0-25-15,0 25 0,0 0 16,0 0-16,0 0 15,0 24-15,0-24 0,0 0 16,0 0-16,0-1 16,0-23-16,0 24 0,0-25 15,0 1-15,0-1 0,0 0 16,-24 1-16,24-1 16,-25 1-16,1-1 15,0-24-15,24 25 0,-25-25 16,1 24-16,-1-24 15,1 0-15,-25 24 0,25-24 16,-25 0-16,0 25 16,0-25-16,-24 0 0,24 0 15,-24 24-15,0-24 0,-1 0 16,-23 0-16,23 25 16,-23-25-16,23 0 0,-23 0 15,23 0-15,-23 0 16,23 0-16,1 24 0,0-24 15,0 0-15,24 0 0,-25 0 16,26 24-16,-26-24 16,26 0-16,-1 0 0,0 0 15,24 25-15,-23-25 16,-1 0-16,24 0 0,1 24 16,-1-24-16,1 0 0,0 0 15,-1 0-15,1 0 16,-1 0-16,1 25 15,-1-25 1,1 0-16,24 24 31,24-24 16,-24 25-47,25-1 16,-25 0-16,0 1 15,24-1-15,-24 1 16,25-1-16,-25 1 0,0-1 16,24 25-16,-24-25 15,25 1-15,-25 23 0,24-23 16,-24-1-16,24 1 0,1-1 16,-25 25-16,0-25 15,24 1-15,-24-1 16,0 1-16,0-1 15,25-24-15,-25 25 16,0-1 0,24-24-1,1 0 1,-1 0 0,0 0-16,25 0 0,0-24 15,0 24-15,0 0 0,24 0 16,0 0-16,-24-25 15,24 25-15,-24 0 0,0 0 16,0 25-16,-25-25 16,25 24-16,-24-24 0,-1 0 15,-24 24-15,24-24 0,-24 25 16,25-25-16,-25 24 16,0 1-16,24-1 0,-24 1 15,25-25-15,-25 24 16,24 0-16,-24 1 0,25-1 15,-25 25-15,24-24 0,-24-1 16,24 0-16,-24 25 16,0-24-16,0 23 0,0 1 15,-24-24-15,24 24 16,0-25-16,-24 0 0,24 25 16,0-24-16,0-1 0,-25 1 15,25-1-15,0 0 16,0 1-16,0-1 0,0 1 15,0-1 1,0 0-16,-24-24 16,24 25-16,-25-25 31,1 0-31,-1 0 0,1 24 16,-49-24-16,0 0 0,-25 0 15,0 0-15,-48 25 16,-25-25-16,24 24 0,-24-24 15,0 25-15,25-25 16,-1 24-16,25-24 0,0 24 16,49 1-16</inkml:trace>
 </inkml:ink>
 </file>
 
@@ -5305,7 +7176,7 @@
           <a:p>
             <a:fld id="{97311A4A-BF67-49D0-80C0-F6D3387D791C}" type="datetimeFigureOut">
               <a:rPr lang="en-US" smtClean="0"/>
-              <a:t>12/12/2020</a:t>
+              <a:t>12/15/2020</a:t>
             </a:fld>
             <a:endParaRPr lang="en-US"/>
           </a:p>
@@ -5503,7 +7374,7 @@
           <a:p>
             <a:fld id="{97311A4A-BF67-49D0-80C0-F6D3387D791C}" type="datetimeFigureOut">
               <a:rPr lang="en-US" smtClean="0"/>
-              <a:t>12/12/2020</a:t>
+              <a:t>12/15/2020</a:t>
             </a:fld>
             <a:endParaRPr lang="en-US"/>
           </a:p>
@@ -5711,7 +7582,7 @@
           <a:p>
             <a:fld id="{97311A4A-BF67-49D0-80C0-F6D3387D791C}" type="datetimeFigureOut">
               <a:rPr lang="en-US" smtClean="0"/>
-              <a:t>12/12/2020</a:t>
+              <a:t>12/15/2020</a:t>
             </a:fld>
             <a:endParaRPr lang="en-US"/>
           </a:p>
@@ -5909,7 +7780,7 @@
           <a:p>
             <a:fld id="{97311A4A-BF67-49D0-80C0-F6D3387D791C}" type="datetimeFigureOut">
               <a:rPr lang="en-US" smtClean="0"/>
-              <a:t>12/12/2020</a:t>
+              <a:t>12/15/2020</a:t>
             </a:fld>
             <a:endParaRPr lang="en-US"/>
           </a:p>
@@ -6184,7 +8055,7 @@
           <a:p>
             <a:fld id="{97311A4A-BF67-49D0-80C0-F6D3387D791C}" type="datetimeFigureOut">
               <a:rPr lang="en-US" smtClean="0"/>
-              <a:t>12/12/2020</a:t>
+              <a:t>12/15/2020</a:t>
             </a:fld>
             <a:endParaRPr lang="en-US"/>
           </a:p>
@@ -6449,7 +8320,7 @@
           <a:p>
             <a:fld id="{97311A4A-BF67-49D0-80C0-F6D3387D791C}" type="datetimeFigureOut">
               <a:rPr lang="en-US" smtClean="0"/>
-              <a:t>12/12/2020</a:t>
+              <a:t>12/15/2020</a:t>
             </a:fld>
             <a:endParaRPr lang="en-US"/>
           </a:p>
@@ -6861,7 +8732,7 @@
           <a:p>
             <a:fld id="{97311A4A-BF67-49D0-80C0-F6D3387D791C}" type="datetimeFigureOut">
               <a:rPr lang="en-US" smtClean="0"/>
-              <a:t>12/12/2020</a:t>
+              <a:t>12/15/2020</a:t>
             </a:fld>
             <a:endParaRPr lang="en-US"/>
           </a:p>
@@ -7002,7 +8873,7 @@
           <a:p>
             <a:fld id="{97311A4A-BF67-49D0-80C0-F6D3387D791C}" type="datetimeFigureOut">
               <a:rPr lang="en-US" smtClean="0"/>
-              <a:t>12/12/2020</a:t>
+              <a:t>12/15/2020</a:t>
             </a:fld>
             <a:endParaRPr lang="en-US"/>
           </a:p>
@@ -7115,7 +8986,7 @@
           <a:p>
             <a:fld id="{97311A4A-BF67-49D0-80C0-F6D3387D791C}" type="datetimeFigureOut">
               <a:rPr lang="en-US" smtClean="0"/>
-              <a:t>12/12/2020</a:t>
+              <a:t>12/15/2020</a:t>
             </a:fld>
             <a:endParaRPr lang="en-US"/>
           </a:p>
@@ -7426,7 +9297,7 @@
           <a:p>
             <a:fld id="{97311A4A-BF67-49D0-80C0-F6D3387D791C}" type="datetimeFigureOut">
               <a:rPr lang="en-US" smtClean="0"/>
-              <a:t>12/12/2020</a:t>
+              <a:t>12/15/2020</a:t>
             </a:fld>
             <a:endParaRPr lang="en-US"/>
           </a:p>
@@ -7714,7 +9585,7 @@
           <a:p>
             <a:fld id="{97311A4A-BF67-49D0-80C0-F6D3387D791C}" type="datetimeFigureOut">
               <a:rPr lang="en-US" smtClean="0"/>
-              <a:t>12/12/2020</a:t>
+              <a:t>12/15/2020</a:t>
             </a:fld>
             <a:endParaRPr lang="en-US"/>
           </a:p>
@@ -7955,7 +9826,7 @@
           <a:p>
             <a:fld id="{97311A4A-BF67-49D0-80C0-F6D3387D791C}" type="datetimeFigureOut">
               <a:rPr lang="en-US" smtClean="0"/>
-              <a:t>12/12/2020</a:t>
+              <a:t>12/15/2020</a:t>
             </a:fld>
             <a:endParaRPr lang="en-US"/>
           </a:p>
@@ -9248,8 +11119,8 @@
           <a:chExt cx="0" cy="0"/>
         </a:xfrm>
       </p:grpSpPr>
-      <mc:AlternateContent xmlns:mc="http://schemas.openxmlformats.org/markup-compatibility/2006">
-        <mc:Choice xmlns:p14="http://schemas.microsoft.com/office/powerpoint/2010/main" Requires="p14">
+      <mc:AlternateContent xmlns:mc="http://schemas.openxmlformats.org/markup-compatibility/2006" xmlns:p14="http://schemas.microsoft.com/office/powerpoint/2010/main">
+        <mc:Choice Requires="p14">
           <p:contentPart p14:bwMode="auto" r:id="rId2">
             <p14:nvContentPartPr>
               <p14:cNvPr id="11" name="Ink 10">
@@ -9268,7 +11139,7 @@
             </p14:xfrm>
           </p:contentPart>
         </mc:Choice>
-        <mc:Fallback>
+        <mc:Fallback xmlns="">
           <p:pic>
             <p:nvPicPr>
               <p:cNvPr id="11" name="Ink 10">
@@ -9299,8 +11170,8 @@
           </p:pic>
         </mc:Fallback>
       </mc:AlternateContent>
-      <mc:AlternateContent xmlns:mc="http://schemas.openxmlformats.org/markup-compatibility/2006">
-        <mc:Choice xmlns:p14="http://schemas.microsoft.com/office/powerpoint/2010/main" Requires="p14">
+      <mc:AlternateContent xmlns:mc="http://schemas.openxmlformats.org/markup-compatibility/2006" xmlns:p14="http://schemas.microsoft.com/office/powerpoint/2010/main">
+        <mc:Choice Requires="p14">
           <p:contentPart p14:bwMode="auto" r:id="rId4">
             <p14:nvContentPartPr>
               <p14:cNvPr id="12" name="Ink 11">
@@ -9319,7 +11190,7 @@
             </p14:xfrm>
           </p:contentPart>
         </mc:Choice>
-        <mc:Fallback>
+        <mc:Fallback xmlns="">
           <p:pic>
             <p:nvPicPr>
               <p:cNvPr id="12" name="Ink 11">
@@ -9350,8 +11221,8 @@
           </p:pic>
         </mc:Fallback>
       </mc:AlternateContent>
-      <mc:AlternateContent xmlns:mc="http://schemas.openxmlformats.org/markup-compatibility/2006">
-        <mc:Choice xmlns:p14="http://schemas.microsoft.com/office/powerpoint/2010/main" Requires="p14">
+      <mc:AlternateContent xmlns:mc="http://schemas.openxmlformats.org/markup-compatibility/2006" xmlns:p14="http://schemas.microsoft.com/office/powerpoint/2010/main">
+        <mc:Choice Requires="p14">
           <p:contentPart p14:bwMode="auto" r:id="rId6">
             <p14:nvContentPartPr>
               <p14:cNvPr id="16" name="Ink 15">
@@ -9370,7 +11241,7 @@
             </p14:xfrm>
           </p:contentPart>
         </mc:Choice>
-        <mc:Fallback>
+        <mc:Fallback xmlns="">
           <p:pic>
             <p:nvPicPr>
               <p:cNvPr id="16" name="Ink 15">
@@ -9401,8 +11272,8 @@
           </p:pic>
         </mc:Fallback>
       </mc:AlternateContent>
-      <mc:AlternateContent xmlns:mc="http://schemas.openxmlformats.org/markup-compatibility/2006">
-        <mc:Choice xmlns:p14="http://schemas.microsoft.com/office/powerpoint/2010/main" Requires="p14">
+      <mc:AlternateContent xmlns:mc="http://schemas.openxmlformats.org/markup-compatibility/2006" xmlns:p14="http://schemas.microsoft.com/office/powerpoint/2010/main">
+        <mc:Choice Requires="p14">
           <p:contentPart p14:bwMode="auto" r:id="rId8">
             <p14:nvContentPartPr>
               <p14:cNvPr id="23" name="Ink 22">
@@ -9421,7 +11292,7 @@
             </p14:xfrm>
           </p:contentPart>
         </mc:Choice>
-        <mc:Fallback>
+        <mc:Fallback xmlns="">
           <p:pic>
             <p:nvPicPr>
               <p:cNvPr id="23" name="Ink 22">
@@ -9452,8 +11323,8 @@
           </p:pic>
         </mc:Fallback>
       </mc:AlternateContent>
-      <mc:AlternateContent xmlns:mc="http://schemas.openxmlformats.org/markup-compatibility/2006">
-        <mc:Choice xmlns:p14="http://schemas.microsoft.com/office/powerpoint/2010/main" Requires="p14">
+      <mc:AlternateContent xmlns:mc="http://schemas.openxmlformats.org/markup-compatibility/2006" xmlns:p14="http://schemas.microsoft.com/office/powerpoint/2010/main">
+        <mc:Choice Requires="p14">
           <p:contentPart p14:bwMode="auto" r:id="rId10">
             <p14:nvContentPartPr>
               <p14:cNvPr id="30" name="Ink 29">
@@ -9472,7 +11343,7 @@
             </p14:xfrm>
           </p:contentPart>
         </mc:Choice>
-        <mc:Fallback>
+        <mc:Fallback xmlns="">
           <p:pic>
             <p:nvPicPr>
               <p:cNvPr id="30" name="Ink 29">
@@ -9503,8 +11374,8 @@
           </p:pic>
         </mc:Fallback>
       </mc:AlternateContent>
-      <mc:AlternateContent xmlns:mc="http://schemas.openxmlformats.org/markup-compatibility/2006">
-        <mc:Choice xmlns:p14="http://schemas.microsoft.com/office/powerpoint/2010/main" Requires="p14">
+      <mc:AlternateContent xmlns:mc="http://schemas.openxmlformats.org/markup-compatibility/2006" xmlns:p14="http://schemas.microsoft.com/office/powerpoint/2010/main">
+        <mc:Choice Requires="p14">
           <p:contentPart p14:bwMode="auto" r:id="rId12">
             <p14:nvContentPartPr>
               <p14:cNvPr id="31" name="Ink 30">
@@ -9523,7 +11394,7 @@
             </p14:xfrm>
           </p:contentPart>
         </mc:Choice>
-        <mc:Fallback>
+        <mc:Fallback xmlns="">
           <p:pic>
             <p:nvPicPr>
               <p:cNvPr id="31" name="Ink 30">
@@ -9554,8 +11425,8 @@
           </p:pic>
         </mc:Fallback>
       </mc:AlternateContent>
-      <mc:AlternateContent xmlns:mc="http://schemas.openxmlformats.org/markup-compatibility/2006">
-        <mc:Choice xmlns:p14="http://schemas.microsoft.com/office/powerpoint/2010/main" Requires="p14">
+      <mc:AlternateContent xmlns:mc="http://schemas.openxmlformats.org/markup-compatibility/2006" xmlns:p14="http://schemas.microsoft.com/office/powerpoint/2010/main">
+        <mc:Choice Requires="p14">
           <p:contentPart p14:bwMode="auto" r:id="rId14">
             <p14:nvContentPartPr>
               <p14:cNvPr id="39" name="Ink 38">
@@ -9574,7 +11445,7 @@
             </p14:xfrm>
           </p:contentPart>
         </mc:Choice>
-        <mc:Fallback>
+        <mc:Fallback xmlns="">
           <p:pic>
             <p:nvPicPr>
               <p:cNvPr id="39" name="Ink 38">
@@ -9605,8 +11476,8 @@
           </p:pic>
         </mc:Fallback>
       </mc:AlternateContent>
-      <mc:AlternateContent xmlns:mc="http://schemas.openxmlformats.org/markup-compatibility/2006">
-        <mc:Choice xmlns:p14="http://schemas.microsoft.com/office/powerpoint/2010/main" Requires="p14">
+      <mc:AlternateContent xmlns:mc="http://schemas.openxmlformats.org/markup-compatibility/2006" xmlns:p14="http://schemas.microsoft.com/office/powerpoint/2010/main">
+        <mc:Choice Requires="p14">
           <p:contentPart p14:bwMode="auto" r:id="rId16">
             <p14:nvContentPartPr>
               <p14:cNvPr id="40" name="Ink 39">
@@ -9625,7 +11496,7 @@
             </p14:xfrm>
           </p:contentPart>
         </mc:Choice>
-        <mc:Fallback>
+        <mc:Fallback xmlns="">
           <p:pic>
             <p:nvPicPr>
               <p:cNvPr id="40" name="Ink 39">
@@ -9656,8 +11527,8 @@
           </p:pic>
         </mc:Fallback>
       </mc:AlternateContent>
-      <mc:AlternateContent xmlns:mc="http://schemas.openxmlformats.org/markup-compatibility/2006">
-        <mc:Choice xmlns:p14="http://schemas.microsoft.com/office/powerpoint/2010/main" Requires="p14">
+      <mc:AlternateContent xmlns:mc="http://schemas.openxmlformats.org/markup-compatibility/2006" xmlns:p14="http://schemas.microsoft.com/office/powerpoint/2010/main">
+        <mc:Choice Requires="p14">
           <p:contentPart p14:bwMode="auto" r:id="rId18">
             <p14:nvContentPartPr>
               <p14:cNvPr id="44" name="Ink 43">
@@ -9676,7 +11547,7 @@
             </p14:xfrm>
           </p:contentPart>
         </mc:Choice>
-        <mc:Fallback>
+        <mc:Fallback xmlns="">
           <p:pic>
             <p:nvPicPr>
               <p:cNvPr id="44" name="Ink 43">
@@ -9707,8 +11578,8 @@
           </p:pic>
         </mc:Fallback>
       </mc:AlternateContent>
-      <mc:AlternateContent xmlns:mc="http://schemas.openxmlformats.org/markup-compatibility/2006">
-        <mc:Choice xmlns:p14="http://schemas.microsoft.com/office/powerpoint/2010/main" Requires="p14">
+      <mc:AlternateContent xmlns:mc="http://schemas.openxmlformats.org/markup-compatibility/2006" xmlns:p14="http://schemas.microsoft.com/office/powerpoint/2010/main">
+        <mc:Choice Requires="p14">
           <p:contentPart p14:bwMode="auto" r:id="rId20">
             <p14:nvContentPartPr>
               <p14:cNvPr id="53" name="Ink 52">
@@ -9727,7 +11598,7 @@
             </p14:xfrm>
           </p:contentPart>
         </mc:Choice>
-        <mc:Fallback>
+        <mc:Fallback xmlns="">
           <p:pic>
             <p:nvPicPr>
               <p:cNvPr id="53" name="Ink 52">
@@ -9758,8 +11629,8 @@
           </p:pic>
         </mc:Fallback>
       </mc:AlternateContent>
-      <mc:AlternateContent xmlns:mc="http://schemas.openxmlformats.org/markup-compatibility/2006">
-        <mc:Choice xmlns:p14="http://schemas.microsoft.com/office/powerpoint/2010/main" Requires="p14">
+      <mc:AlternateContent xmlns:mc="http://schemas.openxmlformats.org/markup-compatibility/2006" xmlns:p14="http://schemas.microsoft.com/office/powerpoint/2010/main">
+        <mc:Choice Requires="p14">
           <p:contentPart p14:bwMode="auto" r:id="rId22">
             <p14:nvContentPartPr>
               <p14:cNvPr id="54" name="Ink 53">
@@ -9778,7 +11649,7 @@
             </p14:xfrm>
           </p:contentPart>
         </mc:Choice>
-        <mc:Fallback>
+        <mc:Fallback xmlns="">
           <p:pic>
             <p:nvPicPr>
               <p:cNvPr id="54" name="Ink 53">
@@ -9809,8 +11680,8 @@
           </p:pic>
         </mc:Fallback>
       </mc:AlternateContent>
-      <mc:AlternateContent xmlns:mc="http://schemas.openxmlformats.org/markup-compatibility/2006">
-        <mc:Choice xmlns:p14="http://schemas.microsoft.com/office/powerpoint/2010/main" Requires="p14">
+      <mc:AlternateContent xmlns:mc="http://schemas.openxmlformats.org/markup-compatibility/2006" xmlns:p14="http://schemas.microsoft.com/office/powerpoint/2010/main">
+        <mc:Choice Requires="p14">
           <p:contentPart p14:bwMode="auto" r:id="rId24">
             <p14:nvContentPartPr>
               <p14:cNvPr id="58" name="Ink 57">
@@ -9829,7 +11700,7 @@
             </p14:xfrm>
           </p:contentPart>
         </mc:Choice>
-        <mc:Fallback>
+        <mc:Fallback xmlns="">
           <p:pic>
             <p:nvPicPr>
               <p:cNvPr id="58" name="Ink 57">
@@ -9860,8 +11731,8 @@
           </p:pic>
         </mc:Fallback>
       </mc:AlternateContent>
-      <mc:AlternateContent xmlns:mc="http://schemas.openxmlformats.org/markup-compatibility/2006">
-        <mc:Choice xmlns:p14="http://schemas.microsoft.com/office/powerpoint/2010/main" Requires="p14">
+      <mc:AlternateContent xmlns:mc="http://schemas.openxmlformats.org/markup-compatibility/2006" xmlns:p14="http://schemas.microsoft.com/office/powerpoint/2010/main">
+        <mc:Choice Requires="p14">
           <p:contentPart p14:bwMode="auto" r:id="rId26">
             <p14:nvContentPartPr>
               <p14:cNvPr id="65" name="Ink 64">
@@ -9880,7 +11751,7 @@
             </p14:xfrm>
           </p:contentPart>
         </mc:Choice>
-        <mc:Fallback>
+        <mc:Fallback xmlns="">
           <p:pic>
             <p:nvPicPr>
               <p:cNvPr id="65" name="Ink 64">
@@ -9911,8 +11782,8 @@
           </p:pic>
         </mc:Fallback>
       </mc:AlternateContent>
-      <mc:AlternateContent xmlns:mc="http://schemas.openxmlformats.org/markup-compatibility/2006">
-        <mc:Choice xmlns:p14="http://schemas.microsoft.com/office/powerpoint/2010/main" Requires="p14">
+      <mc:AlternateContent xmlns:mc="http://schemas.openxmlformats.org/markup-compatibility/2006" xmlns:p14="http://schemas.microsoft.com/office/powerpoint/2010/main">
+        <mc:Choice Requires="p14">
           <p:contentPart p14:bwMode="auto" r:id="rId28">
             <p14:nvContentPartPr>
               <p14:cNvPr id="66" name="Ink 65">
@@ -9931,7 +11802,7 @@
             </p14:xfrm>
           </p:contentPart>
         </mc:Choice>
-        <mc:Fallback>
+        <mc:Fallback xmlns="">
           <p:pic>
             <p:nvPicPr>
               <p:cNvPr id="66" name="Ink 65">
@@ -9962,8 +11833,8 @@
           </p:pic>
         </mc:Fallback>
       </mc:AlternateContent>
-      <mc:AlternateContent xmlns:mc="http://schemas.openxmlformats.org/markup-compatibility/2006">
-        <mc:Choice xmlns:p14="http://schemas.microsoft.com/office/powerpoint/2010/main" Requires="p14">
+      <mc:AlternateContent xmlns:mc="http://schemas.openxmlformats.org/markup-compatibility/2006" xmlns:p14="http://schemas.microsoft.com/office/powerpoint/2010/main">
+        <mc:Choice Requires="p14">
           <p:contentPart p14:bwMode="auto" r:id="rId30">
             <p14:nvContentPartPr>
               <p14:cNvPr id="73" name="Ink 72">
@@ -9982,7 +11853,7 @@
             </p14:xfrm>
           </p:contentPart>
         </mc:Choice>
-        <mc:Fallback>
+        <mc:Fallback xmlns="">
           <p:pic>
             <p:nvPicPr>
               <p:cNvPr id="73" name="Ink 72">
@@ -10013,8 +11884,8 @@
           </p:pic>
         </mc:Fallback>
       </mc:AlternateContent>
-      <mc:AlternateContent xmlns:mc="http://schemas.openxmlformats.org/markup-compatibility/2006">
-        <mc:Choice xmlns:p14="http://schemas.microsoft.com/office/powerpoint/2010/main" Requires="p14">
+      <mc:AlternateContent xmlns:mc="http://schemas.openxmlformats.org/markup-compatibility/2006" xmlns:p14="http://schemas.microsoft.com/office/powerpoint/2010/main">
+        <mc:Choice Requires="p14">
           <p:contentPart p14:bwMode="auto" r:id="rId32">
             <p14:nvContentPartPr>
               <p14:cNvPr id="74" name="Ink 73">
@@ -10033,7 +11904,7 @@
             </p14:xfrm>
           </p:contentPart>
         </mc:Choice>
-        <mc:Fallback>
+        <mc:Fallback xmlns="">
           <p:pic>
             <p:nvPicPr>
               <p:cNvPr id="74" name="Ink 73">
@@ -10064,8 +11935,8 @@
           </p:pic>
         </mc:Fallback>
       </mc:AlternateContent>
-      <mc:AlternateContent xmlns:mc="http://schemas.openxmlformats.org/markup-compatibility/2006">
-        <mc:Choice xmlns:p14="http://schemas.microsoft.com/office/powerpoint/2010/main" Requires="p14">
+      <mc:AlternateContent xmlns:mc="http://schemas.openxmlformats.org/markup-compatibility/2006" xmlns:p14="http://schemas.microsoft.com/office/powerpoint/2010/main">
+        <mc:Choice Requires="p14">
           <p:contentPart p14:bwMode="auto" r:id="rId34">
             <p14:nvContentPartPr>
               <p14:cNvPr id="87" name="Ink 86">
@@ -10084,7 +11955,7 @@
             </p14:xfrm>
           </p:contentPart>
         </mc:Choice>
-        <mc:Fallback>
+        <mc:Fallback xmlns="">
           <p:pic>
             <p:nvPicPr>
               <p:cNvPr id="87" name="Ink 86">
@@ -10115,8 +11986,8 @@
           </p:pic>
         </mc:Fallback>
       </mc:AlternateContent>
-      <mc:AlternateContent xmlns:mc="http://schemas.openxmlformats.org/markup-compatibility/2006">
-        <mc:Choice xmlns:p14="http://schemas.microsoft.com/office/powerpoint/2010/main" Requires="p14">
+      <mc:AlternateContent xmlns:mc="http://schemas.openxmlformats.org/markup-compatibility/2006" xmlns:p14="http://schemas.microsoft.com/office/powerpoint/2010/main">
+        <mc:Choice Requires="p14">
           <p:contentPart p14:bwMode="auto" r:id="rId36">
             <p14:nvContentPartPr>
               <p14:cNvPr id="88" name="Ink 87">
@@ -10135,7 +12006,7 @@
             </p14:xfrm>
           </p:contentPart>
         </mc:Choice>
-        <mc:Fallback>
+        <mc:Fallback xmlns="">
           <p:pic>
             <p:nvPicPr>
               <p:cNvPr id="88" name="Ink 87">
@@ -10166,8 +12037,8 @@
           </p:pic>
         </mc:Fallback>
       </mc:AlternateContent>
-      <mc:AlternateContent xmlns:mc="http://schemas.openxmlformats.org/markup-compatibility/2006">
-        <mc:Choice xmlns:p14="http://schemas.microsoft.com/office/powerpoint/2010/main" Requires="p14">
+      <mc:AlternateContent xmlns:mc="http://schemas.openxmlformats.org/markup-compatibility/2006" xmlns:p14="http://schemas.microsoft.com/office/powerpoint/2010/main">
+        <mc:Choice Requires="p14">
           <p:contentPart p14:bwMode="auto" r:id="rId38">
             <p14:nvContentPartPr>
               <p14:cNvPr id="89" name="Ink 88">
@@ -10186,7 +12057,7 @@
             </p14:xfrm>
           </p:contentPart>
         </mc:Choice>
-        <mc:Fallback>
+        <mc:Fallback xmlns="">
           <p:pic>
             <p:nvPicPr>
               <p:cNvPr id="89" name="Ink 88">
@@ -10217,8 +12088,8 @@
           </p:pic>
         </mc:Fallback>
       </mc:AlternateContent>
-      <mc:AlternateContent xmlns:mc="http://schemas.openxmlformats.org/markup-compatibility/2006">
-        <mc:Choice xmlns:p14="http://schemas.microsoft.com/office/powerpoint/2010/main" Requires="p14">
+      <mc:AlternateContent xmlns:mc="http://schemas.openxmlformats.org/markup-compatibility/2006" xmlns:p14="http://schemas.microsoft.com/office/powerpoint/2010/main">
+        <mc:Choice Requires="p14">
           <p:contentPart p14:bwMode="auto" r:id="rId40">
             <p14:nvContentPartPr>
               <p14:cNvPr id="90" name="Ink 89">
@@ -10237,7 +12108,7 @@
             </p14:xfrm>
           </p:contentPart>
         </mc:Choice>
-        <mc:Fallback>
+        <mc:Fallback xmlns="">
           <p:pic>
             <p:nvPicPr>
               <p:cNvPr id="90" name="Ink 89">
@@ -10268,8 +12139,8 @@
           </p:pic>
         </mc:Fallback>
       </mc:AlternateContent>
-      <mc:AlternateContent xmlns:mc="http://schemas.openxmlformats.org/markup-compatibility/2006">
-        <mc:Choice xmlns:p14="http://schemas.microsoft.com/office/powerpoint/2010/main" Requires="p14">
+      <mc:AlternateContent xmlns:mc="http://schemas.openxmlformats.org/markup-compatibility/2006" xmlns:p14="http://schemas.microsoft.com/office/powerpoint/2010/main">
+        <mc:Choice Requires="p14">
           <p:contentPart p14:bwMode="auto" r:id="rId42">
             <p14:nvContentPartPr>
               <p14:cNvPr id="91" name="Ink 90">
@@ -10288,7 +12159,7 @@
             </p14:xfrm>
           </p:contentPart>
         </mc:Choice>
-        <mc:Fallback>
+        <mc:Fallback xmlns="">
           <p:pic>
             <p:nvPicPr>
               <p:cNvPr id="91" name="Ink 90">
@@ -10319,8 +12190,8 @@
           </p:pic>
         </mc:Fallback>
       </mc:AlternateContent>
-      <mc:AlternateContent xmlns:mc="http://schemas.openxmlformats.org/markup-compatibility/2006">
-        <mc:Choice xmlns:p14="http://schemas.microsoft.com/office/powerpoint/2010/main" Requires="p14">
+      <mc:AlternateContent xmlns:mc="http://schemas.openxmlformats.org/markup-compatibility/2006" xmlns:p14="http://schemas.microsoft.com/office/powerpoint/2010/main">
+        <mc:Choice Requires="p14">
           <p:contentPart p14:bwMode="auto" r:id="rId44">
             <p14:nvContentPartPr>
               <p14:cNvPr id="97" name="Ink 96">
@@ -10339,7 +12210,7 @@
             </p14:xfrm>
           </p:contentPart>
         </mc:Choice>
-        <mc:Fallback>
+        <mc:Fallback xmlns="">
           <p:pic>
             <p:nvPicPr>
               <p:cNvPr id="97" name="Ink 96">
@@ -10370,8 +12241,8 @@
           </p:pic>
         </mc:Fallback>
       </mc:AlternateContent>
-      <mc:AlternateContent xmlns:mc="http://schemas.openxmlformats.org/markup-compatibility/2006">
-        <mc:Choice xmlns:p14="http://schemas.microsoft.com/office/powerpoint/2010/main" Requires="p14">
+      <mc:AlternateContent xmlns:mc="http://schemas.openxmlformats.org/markup-compatibility/2006" xmlns:p14="http://schemas.microsoft.com/office/powerpoint/2010/main">
+        <mc:Choice Requires="p14">
           <p:contentPart p14:bwMode="auto" r:id="rId46">
             <p14:nvContentPartPr>
               <p14:cNvPr id="105" name="Ink 104">
@@ -10390,7 +12261,7 @@
             </p14:xfrm>
           </p:contentPart>
         </mc:Choice>
-        <mc:Fallback>
+        <mc:Fallback xmlns="">
           <p:pic>
             <p:nvPicPr>
               <p:cNvPr id="105" name="Ink 104">
@@ -10421,8 +12292,8 @@
           </p:pic>
         </mc:Fallback>
       </mc:AlternateContent>
-      <mc:AlternateContent xmlns:mc="http://schemas.openxmlformats.org/markup-compatibility/2006">
-        <mc:Choice xmlns:p14="http://schemas.microsoft.com/office/powerpoint/2010/main" Requires="p14">
+      <mc:AlternateContent xmlns:mc="http://schemas.openxmlformats.org/markup-compatibility/2006" xmlns:p14="http://schemas.microsoft.com/office/powerpoint/2010/main">
+        <mc:Choice Requires="p14">
           <p:contentPart p14:bwMode="auto" r:id="rId48">
             <p14:nvContentPartPr>
               <p14:cNvPr id="114" name="Ink 113">
@@ -10441,7 +12312,7 @@
             </p14:xfrm>
           </p:contentPart>
         </mc:Choice>
-        <mc:Fallback>
+        <mc:Fallback xmlns="">
           <p:pic>
             <p:nvPicPr>
               <p:cNvPr id="114" name="Ink 113">
@@ -10472,8 +12343,8 @@
           </p:pic>
         </mc:Fallback>
       </mc:AlternateContent>
-      <mc:AlternateContent xmlns:mc="http://schemas.openxmlformats.org/markup-compatibility/2006">
-        <mc:Choice xmlns:p14="http://schemas.microsoft.com/office/powerpoint/2010/main" Requires="p14">
+      <mc:AlternateContent xmlns:mc="http://schemas.openxmlformats.org/markup-compatibility/2006" xmlns:p14="http://schemas.microsoft.com/office/powerpoint/2010/main">
+        <mc:Choice Requires="p14">
           <p:contentPart p14:bwMode="auto" r:id="rId50">
             <p14:nvContentPartPr>
               <p14:cNvPr id="115" name="Ink 114">
@@ -10492,7 +12363,7 @@
             </p14:xfrm>
           </p:contentPart>
         </mc:Choice>
-        <mc:Fallback>
+        <mc:Fallback xmlns="">
           <p:pic>
             <p:nvPicPr>
               <p:cNvPr id="115" name="Ink 114">
@@ -10523,8 +12394,8 @@
           </p:pic>
         </mc:Fallback>
       </mc:AlternateContent>
-      <mc:AlternateContent xmlns:mc="http://schemas.openxmlformats.org/markup-compatibility/2006">
-        <mc:Choice xmlns:p14="http://schemas.microsoft.com/office/powerpoint/2010/main" Requires="p14">
+      <mc:AlternateContent xmlns:mc="http://schemas.openxmlformats.org/markup-compatibility/2006" xmlns:p14="http://schemas.microsoft.com/office/powerpoint/2010/main">
+        <mc:Choice Requires="p14">
           <p:contentPart p14:bwMode="auto" r:id="rId52">
             <p14:nvContentPartPr>
               <p14:cNvPr id="131" name="Ink 130">
@@ -10543,7 +12414,7 @@
             </p14:xfrm>
           </p:contentPart>
         </mc:Choice>
-        <mc:Fallback>
+        <mc:Fallback xmlns="">
           <p:pic>
             <p:nvPicPr>
               <p:cNvPr id="131" name="Ink 130">
@@ -10574,8 +12445,8 @@
           </p:pic>
         </mc:Fallback>
       </mc:AlternateContent>
-      <mc:AlternateContent xmlns:mc="http://schemas.openxmlformats.org/markup-compatibility/2006">
-        <mc:Choice xmlns:p14="http://schemas.microsoft.com/office/powerpoint/2010/main" Requires="p14">
+      <mc:AlternateContent xmlns:mc="http://schemas.openxmlformats.org/markup-compatibility/2006" xmlns:p14="http://schemas.microsoft.com/office/powerpoint/2010/main">
+        <mc:Choice Requires="p14">
           <p:contentPart p14:bwMode="auto" r:id="rId54">
             <p14:nvContentPartPr>
               <p14:cNvPr id="140" name="Ink 139">
@@ -10594,7 +12465,7 @@
             </p14:xfrm>
           </p:contentPart>
         </mc:Choice>
-        <mc:Fallback>
+        <mc:Fallback xmlns="">
           <p:pic>
             <p:nvPicPr>
               <p:cNvPr id="140" name="Ink 139">
@@ -10625,8 +12496,8 @@
           </p:pic>
         </mc:Fallback>
       </mc:AlternateContent>
-      <mc:AlternateContent xmlns:mc="http://schemas.openxmlformats.org/markup-compatibility/2006">
-        <mc:Choice xmlns:p14="http://schemas.microsoft.com/office/powerpoint/2010/main" Requires="p14">
+      <mc:AlternateContent xmlns:mc="http://schemas.openxmlformats.org/markup-compatibility/2006" xmlns:p14="http://schemas.microsoft.com/office/powerpoint/2010/main">
+        <mc:Choice Requires="p14">
           <p:contentPart p14:bwMode="auto" r:id="rId56">
             <p14:nvContentPartPr>
               <p14:cNvPr id="160" name="Ink 159">
@@ -10645,7 +12516,7 @@
             </p14:xfrm>
           </p:contentPart>
         </mc:Choice>
-        <mc:Fallback>
+        <mc:Fallback xmlns="">
           <p:pic>
             <p:nvPicPr>
               <p:cNvPr id="160" name="Ink 159">
@@ -10676,8 +12547,8 @@
           </p:pic>
         </mc:Fallback>
       </mc:AlternateContent>
-      <mc:AlternateContent xmlns:mc="http://schemas.openxmlformats.org/markup-compatibility/2006">
-        <mc:Choice xmlns:p14="http://schemas.microsoft.com/office/powerpoint/2010/main" Requires="p14">
+      <mc:AlternateContent xmlns:mc="http://schemas.openxmlformats.org/markup-compatibility/2006" xmlns:p14="http://schemas.microsoft.com/office/powerpoint/2010/main">
+        <mc:Choice Requires="p14">
           <p:contentPart p14:bwMode="auto" r:id="rId58">
             <p14:nvContentPartPr>
               <p14:cNvPr id="170" name="Ink 169">
@@ -10696,7 +12567,7 @@
             </p14:xfrm>
           </p:contentPart>
         </mc:Choice>
-        <mc:Fallback>
+        <mc:Fallback xmlns="">
           <p:pic>
             <p:nvPicPr>
               <p:cNvPr id="170" name="Ink 169">
@@ -10727,8 +12598,8 @@
           </p:pic>
         </mc:Fallback>
       </mc:AlternateContent>
-      <mc:AlternateContent xmlns:mc="http://schemas.openxmlformats.org/markup-compatibility/2006">
-        <mc:Choice xmlns:p14="http://schemas.microsoft.com/office/powerpoint/2010/main" Requires="p14">
+      <mc:AlternateContent xmlns:mc="http://schemas.openxmlformats.org/markup-compatibility/2006" xmlns:p14="http://schemas.microsoft.com/office/powerpoint/2010/main">
+        <mc:Choice Requires="p14">
           <p:contentPart p14:bwMode="auto" r:id="rId60">
             <p14:nvContentPartPr>
               <p14:cNvPr id="175" name="Ink 174">
@@ -10747,7 +12618,7 @@
             </p14:xfrm>
           </p:contentPart>
         </mc:Choice>
-        <mc:Fallback>
+        <mc:Fallback xmlns="">
           <p:pic>
             <p:nvPicPr>
               <p:cNvPr id="175" name="Ink 174">
@@ -10778,8 +12649,8 @@
           </p:pic>
         </mc:Fallback>
       </mc:AlternateContent>
-      <mc:AlternateContent xmlns:mc="http://schemas.openxmlformats.org/markup-compatibility/2006">
-        <mc:Choice xmlns:p14="http://schemas.microsoft.com/office/powerpoint/2010/main" Requires="p14">
+      <mc:AlternateContent xmlns:mc="http://schemas.openxmlformats.org/markup-compatibility/2006" xmlns:p14="http://schemas.microsoft.com/office/powerpoint/2010/main">
+        <mc:Choice Requires="p14">
           <p:contentPart p14:bwMode="auto" r:id="rId62">
             <p14:nvContentPartPr>
               <p14:cNvPr id="194" name="Ink 193">
@@ -10798,7 +12669,7 @@
             </p14:xfrm>
           </p:contentPart>
         </mc:Choice>
-        <mc:Fallback>
+        <mc:Fallback xmlns="">
           <p:pic>
             <p:nvPicPr>
               <p:cNvPr id="194" name="Ink 193">
@@ -10829,8 +12700,8 @@
           </p:pic>
         </mc:Fallback>
       </mc:AlternateContent>
-      <mc:AlternateContent xmlns:mc="http://schemas.openxmlformats.org/markup-compatibility/2006">
-        <mc:Choice xmlns:p14="http://schemas.microsoft.com/office/powerpoint/2010/main" Requires="p14">
+      <mc:AlternateContent xmlns:mc="http://schemas.openxmlformats.org/markup-compatibility/2006" xmlns:p14="http://schemas.microsoft.com/office/powerpoint/2010/main">
+        <mc:Choice Requires="p14">
           <p:contentPart p14:bwMode="auto" r:id="rId64">
             <p14:nvContentPartPr>
               <p14:cNvPr id="207" name="Ink 206">
@@ -10849,7 +12720,7 @@
             </p14:xfrm>
           </p:contentPart>
         </mc:Choice>
-        <mc:Fallback>
+        <mc:Fallback xmlns="">
           <p:pic>
             <p:nvPicPr>
               <p:cNvPr id="207" name="Ink 206">
@@ -10880,8 +12751,8 @@
           </p:pic>
         </mc:Fallback>
       </mc:AlternateContent>
-      <mc:AlternateContent xmlns:mc="http://schemas.openxmlformats.org/markup-compatibility/2006">
-        <mc:Choice xmlns:p14="http://schemas.microsoft.com/office/powerpoint/2010/main" Requires="p14">
+      <mc:AlternateContent xmlns:mc="http://schemas.openxmlformats.org/markup-compatibility/2006" xmlns:p14="http://schemas.microsoft.com/office/powerpoint/2010/main">
+        <mc:Choice Requires="p14">
           <p:contentPart p14:bwMode="auto" r:id="rId66">
             <p14:nvContentPartPr>
               <p14:cNvPr id="216" name="Ink 215">
@@ -10900,7 +12771,7 @@
             </p14:xfrm>
           </p:contentPart>
         </mc:Choice>
-        <mc:Fallback>
+        <mc:Fallback xmlns="">
           <p:pic>
             <p:nvPicPr>
               <p:cNvPr id="216" name="Ink 215">
@@ -10931,8 +12802,8 @@
           </p:pic>
         </mc:Fallback>
       </mc:AlternateContent>
-      <mc:AlternateContent xmlns:mc="http://schemas.openxmlformats.org/markup-compatibility/2006">
-        <mc:Choice xmlns:p14="http://schemas.microsoft.com/office/powerpoint/2010/main" Requires="p14">
+      <mc:AlternateContent xmlns:mc="http://schemas.openxmlformats.org/markup-compatibility/2006" xmlns:p14="http://schemas.microsoft.com/office/powerpoint/2010/main">
+        <mc:Choice Requires="p14">
           <p:contentPart p14:bwMode="auto" r:id="rId68">
             <p14:nvContentPartPr>
               <p14:cNvPr id="220" name="Ink 219">
@@ -10951,7 +12822,7 @@
             </p14:xfrm>
           </p:contentPart>
         </mc:Choice>
-        <mc:Fallback>
+        <mc:Fallback xmlns="">
           <p:pic>
             <p:nvPicPr>
               <p:cNvPr id="220" name="Ink 219">
@@ -11012,8 +12883,8 @@
           <a:chExt cx="0" cy="0"/>
         </a:xfrm>
       </p:grpSpPr>
-      <mc:AlternateContent xmlns:mc="http://schemas.openxmlformats.org/markup-compatibility/2006">
-        <mc:Choice xmlns:p14="http://schemas.microsoft.com/office/powerpoint/2010/main" Requires="p14">
+      <mc:AlternateContent xmlns:mc="http://schemas.openxmlformats.org/markup-compatibility/2006" xmlns:p14="http://schemas.microsoft.com/office/powerpoint/2010/main">
+        <mc:Choice Requires="p14">
           <p:contentPart p14:bwMode="auto" r:id="rId2">
             <p14:nvContentPartPr>
               <p14:cNvPr id="9" name="Ink 8">
@@ -11032,7 +12903,7 @@
             </p14:xfrm>
           </p:contentPart>
         </mc:Choice>
-        <mc:Fallback>
+        <mc:Fallback xmlns="">
           <p:pic>
             <p:nvPicPr>
               <p:cNvPr id="9" name="Ink 8">
@@ -11063,8 +12934,8 @@
           </p:pic>
         </mc:Fallback>
       </mc:AlternateContent>
-      <mc:AlternateContent xmlns:mc="http://schemas.openxmlformats.org/markup-compatibility/2006">
-        <mc:Choice xmlns:p14="http://schemas.microsoft.com/office/powerpoint/2010/main" Requires="p14">
+      <mc:AlternateContent xmlns:mc="http://schemas.openxmlformats.org/markup-compatibility/2006" xmlns:p14="http://schemas.microsoft.com/office/powerpoint/2010/main">
+        <mc:Choice Requires="p14">
           <p:contentPart p14:bwMode="auto" r:id="rId4">
             <p14:nvContentPartPr>
               <p14:cNvPr id="38" name="Ink 37">
@@ -11083,7 +12954,7 @@
             </p14:xfrm>
           </p:contentPart>
         </mc:Choice>
-        <mc:Fallback>
+        <mc:Fallback xmlns="">
           <p:pic>
             <p:nvPicPr>
               <p:cNvPr id="38" name="Ink 37">
@@ -11114,8 +12985,8 @@
           </p:pic>
         </mc:Fallback>
       </mc:AlternateContent>
-      <mc:AlternateContent xmlns:mc="http://schemas.openxmlformats.org/markup-compatibility/2006">
-        <mc:Choice xmlns:p14="http://schemas.microsoft.com/office/powerpoint/2010/main" Requires="p14">
+      <mc:AlternateContent xmlns:mc="http://schemas.openxmlformats.org/markup-compatibility/2006" xmlns:p14="http://schemas.microsoft.com/office/powerpoint/2010/main">
+        <mc:Choice Requires="p14">
           <p:contentPart p14:bwMode="auto" r:id="rId6">
             <p14:nvContentPartPr>
               <p14:cNvPr id="42" name="Ink 41">
@@ -11134,7 +13005,7 @@
             </p14:xfrm>
           </p:contentPart>
         </mc:Choice>
-        <mc:Fallback>
+        <mc:Fallback xmlns="">
           <p:pic>
             <p:nvPicPr>
               <p:cNvPr id="42" name="Ink 41">
@@ -11165,8 +13036,8 @@
           </p:pic>
         </mc:Fallback>
       </mc:AlternateContent>
-      <mc:AlternateContent xmlns:mc="http://schemas.openxmlformats.org/markup-compatibility/2006">
-        <mc:Choice xmlns:p14="http://schemas.microsoft.com/office/powerpoint/2010/main" Requires="p14">
+      <mc:AlternateContent xmlns:mc="http://schemas.openxmlformats.org/markup-compatibility/2006" xmlns:p14="http://schemas.microsoft.com/office/powerpoint/2010/main">
+        <mc:Choice Requires="p14">
           <p:contentPart p14:bwMode="auto" r:id="rId8">
             <p14:nvContentPartPr>
               <p14:cNvPr id="48" name="Ink 47">
@@ -11185,7 +13056,7 @@
             </p14:xfrm>
           </p:contentPart>
         </mc:Choice>
-        <mc:Fallback>
+        <mc:Fallback xmlns="">
           <p:pic>
             <p:nvPicPr>
               <p:cNvPr id="48" name="Ink 47">
@@ -11216,8 +13087,8 @@
           </p:pic>
         </mc:Fallback>
       </mc:AlternateContent>
-      <mc:AlternateContent xmlns:mc="http://schemas.openxmlformats.org/markup-compatibility/2006">
-        <mc:Choice xmlns:p14="http://schemas.microsoft.com/office/powerpoint/2010/main" Requires="p14">
+      <mc:AlternateContent xmlns:mc="http://schemas.openxmlformats.org/markup-compatibility/2006" xmlns:p14="http://schemas.microsoft.com/office/powerpoint/2010/main">
+        <mc:Choice Requires="p14">
           <p:contentPart p14:bwMode="auto" r:id="rId10">
             <p14:nvContentPartPr>
               <p14:cNvPr id="51" name="Ink 50">
@@ -11236,7 +13107,7 @@
             </p14:xfrm>
           </p:contentPart>
         </mc:Choice>
-        <mc:Fallback>
+        <mc:Fallback xmlns="">
           <p:pic>
             <p:nvPicPr>
               <p:cNvPr id="51" name="Ink 50">
@@ -11267,8 +13138,8 @@
           </p:pic>
         </mc:Fallback>
       </mc:AlternateContent>
-      <mc:AlternateContent xmlns:mc="http://schemas.openxmlformats.org/markup-compatibility/2006">
-        <mc:Choice xmlns:p14="http://schemas.microsoft.com/office/powerpoint/2010/main" Requires="p14">
+      <mc:AlternateContent xmlns:mc="http://schemas.openxmlformats.org/markup-compatibility/2006" xmlns:p14="http://schemas.microsoft.com/office/powerpoint/2010/main">
+        <mc:Choice Requires="p14">
           <p:contentPart p14:bwMode="auto" r:id="rId12">
             <p14:nvContentPartPr>
               <p14:cNvPr id="65" name="Ink 64">
@@ -11287,7 +13158,7 @@
             </p14:xfrm>
           </p:contentPart>
         </mc:Choice>
-        <mc:Fallback>
+        <mc:Fallback xmlns="">
           <p:pic>
             <p:nvPicPr>
               <p:cNvPr id="65" name="Ink 64">
@@ -11318,8 +13189,8 @@
           </p:pic>
         </mc:Fallback>
       </mc:AlternateContent>
-      <mc:AlternateContent xmlns:mc="http://schemas.openxmlformats.org/markup-compatibility/2006">
-        <mc:Choice xmlns:p14="http://schemas.microsoft.com/office/powerpoint/2010/main" Requires="p14">
+      <mc:AlternateContent xmlns:mc="http://schemas.openxmlformats.org/markup-compatibility/2006" xmlns:p14="http://schemas.microsoft.com/office/powerpoint/2010/main">
+        <mc:Choice Requires="p14">
           <p:contentPart p14:bwMode="auto" r:id="rId14">
             <p14:nvContentPartPr>
               <p14:cNvPr id="83" name="Ink 82">
@@ -11338,7 +13209,7 @@
             </p14:xfrm>
           </p:contentPart>
         </mc:Choice>
-        <mc:Fallback>
+        <mc:Fallback xmlns="">
           <p:pic>
             <p:nvPicPr>
               <p:cNvPr id="83" name="Ink 82">
@@ -11369,8 +13240,8 @@
           </p:pic>
         </mc:Fallback>
       </mc:AlternateContent>
-      <mc:AlternateContent xmlns:mc="http://schemas.openxmlformats.org/markup-compatibility/2006">
-        <mc:Choice xmlns:p14="http://schemas.microsoft.com/office/powerpoint/2010/main" Requires="p14">
+      <mc:AlternateContent xmlns:mc="http://schemas.openxmlformats.org/markup-compatibility/2006" xmlns:p14="http://schemas.microsoft.com/office/powerpoint/2010/main">
+        <mc:Choice Requires="p14">
           <p:contentPart p14:bwMode="auto" r:id="rId16">
             <p14:nvContentPartPr>
               <p14:cNvPr id="90" name="Ink 89">
@@ -11389,7 +13260,7 @@
             </p14:xfrm>
           </p:contentPart>
         </mc:Choice>
-        <mc:Fallback>
+        <mc:Fallback xmlns="">
           <p:pic>
             <p:nvPicPr>
               <p:cNvPr id="90" name="Ink 89">
@@ -11420,8 +13291,8 @@
           </p:pic>
         </mc:Fallback>
       </mc:AlternateContent>
-      <mc:AlternateContent xmlns:mc="http://schemas.openxmlformats.org/markup-compatibility/2006">
-        <mc:Choice xmlns:p14="http://schemas.microsoft.com/office/powerpoint/2010/main" Requires="p14">
+      <mc:AlternateContent xmlns:mc="http://schemas.openxmlformats.org/markup-compatibility/2006" xmlns:p14="http://schemas.microsoft.com/office/powerpoint/2010/main">
+        <mc:Choice Requires="p14">
           <p:contentPart p14:bwMode="auto" r:id="rId18">
             <p14:nvContentPartPr>
               <p14:cNvPr id="98" name="Ink 97">
@@ -11440,7 +13311,7 @@
             </p14:xfrm>
           </p:contentPart>
         </mc:Choice>
-        <mc:Fallback>
+        <mc:Fallback xmlns="">
           <p:pic>
             <p:nvPicPr>
               <p:cNvPr id="98" name="Ink 97">
@@ -11471,8 +13342,8 @@
           </p:pic>
         </mc:Fallback>
       </mc:AlternateContent>
-      <mc:AlternateContent xmlns:mc="http://schemas.openxmlformats.org/markup-compatibility/2006">
-        <mc:Choice xmlns:p14="http://schemas.microsoft.com/office/powerpoint/2010/main" Requires="p14">
+      <mc:AlternateContent xmlns:mc="http://schemas.openxmlformats.org/markup-compatibility/2006" xmlns:p14="http://schemas.microsoft.com/office/powerpoint/2010/main">
+        <mc:Choice Requires="p14">
           <p:contentPart p14:bwMode="auto" r:id="rId20">
             <p14:nvContentPartPr>
               <p14:cNvPr id="100" name="Ink 99">
@@ -11491,7 +13362,7 @@
             </p14:xfrm>
           </p:contentPart>
         </mc:Choice>
-        <mc:Fallback>
+        <mc:Fallback xmlns="">
           <p:pic>
             <p:nvPicPr>
               <p:cNvPr id="100" name="Ink 99">
@@ -11522,8 +13393,8 @@
           </p:pic>
         </mc:Fallback>
       </mc:AlternateContent>
-      <mc:AlternateContent xmlns:mc="http://schemas.openxmlformats.org/markup-compatibility/2006">
-        <mc:Choice xmlns:p14="http://schemas.microsoft.com/office/powerpoint/2010/main" Requires="p14">
+      <mc:AlternateContent xmlns:mc="http://schemas.openxmlformats.org/markup-compatibility/2006" xmlns:p14="http://schemas.microsoft.com/office/powerpoint/2010/main">
+        <mc:Choice Requires="p14">
           <p:contentPart p14:bwMode="auto" r:id="rId22">
             <p14:nvContentPartPr>
               <p14:cNvPr id="113" name="Ink 112">
@@ -11542,7 +13413,7 @@
             </p14:xfrm>
           </p:contentPart>
         </mc:Choice>
-        <mc:Fallback>
+        <mc:Fallback xmlns="">
           <p:pic>
             <p:nvPicPr>
               <p:cNvPr id="113" name="Ink 112">
@@ -11573,8 +13444,8 @@
           </p:pic>
         </mc:Fallback>
       </mc:AlternateContent>
-      <mc:AlternateContent xmlns:mc="http://schemas.openxmlformats.org/markup-compatibility/2006">
-        <mc:Choice xmlns:p14="http://schemas.microsoft.com/office/powerpoint/2010/main" Requires="p14">
+      <mc:AlternateContent xmlns:mc="http://schemas.openxmlformats.org/markup-compatibility/2006" xmlns:p14="http://schemas.microsoft.com/office/powerpoint/2010/main">
+        <mc:Choice Requires="p14">
           <p:contentPart p14:bwMode="auto" r:id="rId24">
             <p14:nvContentPartPr>
               <p14:cNvPr id="140" name="Ink 139">
@@ -11593,7 +13464,7 @@
             </p14:xfrm>
           </p:contentPart>
         </mc:Choice>
-        <mc:Fallback>
+        <mc:Fallback xmlns="">
           <p:pic>
             <p:nvPicPr>
               <p:cNvPr id="140" name="Ink 139">
@@ -11624,8 +13495,8 @@
           </p:pic>
         </mc:Fallback>
       </mc:AlternateContent>
-      <mc:AlternateContent xmlns:mc="http://schemas.openxmlformats.org/markup-compatibility/2006">
-        <mc:Choice xmlns:p14="http://schemas.microsoft.com/office/powerpoint/2010/main" Requires="p14">
+      <mc:AlternateContent xmlns:mc="http://schemas.openxmlformats.org/markup-compatibility/2006" xmlns:p14="http://schemas.microsoft.com/office/powerpoint/2010/main">
+        <mc:Choice Requires="p14">
           <p:contentPart p14:bwMode="auto" r:id="rId26">
             <p14:nvContentPartPr>
               <p14:cNvPr id="147" name="Ink 146">
@@ -11644,7 +13515,7 @@
             </p14:xfrm>
           </p:contentPart>
         </mc:Choice>
-        <mc:Fallback>
+        <mc:Fallback xmlns="">
           <p:pic>
             <p:nvPicPr>
               <p:cNvPr id="147" name="Ink 146">
@@ -11675,8 +13546,8 @@
           </p:pic>
         </mc:Fallback>
       </mc:AlternateContent>
-      <mc:AlternateContent xmlns:mc="http://schemas.openxmlformats.org/markup-compatibility/2006">
-        <mc:Choice xmlns:p14="http://schemas.microsoft.com/office/powerpoint/2010/main" Requires="p14">
+      <mc:AlternateContent xmlns:mc="http://schemas.openxmlformats.org/markup-compatibility/2006" xmlns:p14="http://schemas.microsoft.com/office/powerpoint/2010/main">
+        <mc:Choice Requires="p14">
           <p:contentPart p14:bwMode="auto" r:id="rId28">
             <p14:nvContentPartPr>
               <p14:cNvPr id="153" name="Ink 152">
@@ -11695,7 +13566,7 @@
             </p14:xfrm>
           </p:contentPart>
         </mc:Choice>
-        <mc:Fallback>
+        <mc:Fallback xmlns="">
           <p:pic>
             <p:nvPicPr>
               <p:cNvPr id="153" name="Ink 152">
@@ -11726,8 +13597,8 @@
           </p:pic>
         </mc:Fallback>
       </mc:AlternateContent>
-      <mc:AlternateContent xmlns:mc="http://schemas.openxmlformats.org/markup-compatibility/2006">
-        <mc:Choice xmlns:p14="http://schemas.microsoft.com/office/powerpoint/2010/main" Requires="p14">
+      <mc:AlternateContent xmlns:mc="http://schemas.openxmlformats.org/markup-compatibility/2006" xmlns:p14="http://schemas.microsoft.com/office/powerpoint/2010/main">
+        <mc:Choice Requires="p14">
           <p:contentPart p14:bwMode="auto" r:id="rId30">
             <p14:nvContentPartPr>
               <p14:cNvPr id="163" name="Ink 162">
@@ -11746,7 +13617,7 @@
             </p14:xfrm>
           </p:contentPart>
         </mc:Choice>
-        <mc:Fallback>
+        <mc:Fallback xmlns="">
           <p:pic>
             <p:nvPicPr>
               <p:cNvPr id="163" name="Ink 162">
@@ -11777,8 +13648,8 @@
           </p:pic>
         </mc:Fallback>
       </mc:AlternateContent>
-      <mc:AlternateContent xmlns:mc="http://schemas.openxmlformats.org/markup-compatibility/2006">
-        <mc:Choice xmlns:p14="http://schemas.microsoft.com/office/powerpoint/2010/main" Requires="p14">
+      <mc:AlternateContent xmlns:mc="http://schemas.openxmlformats.org/markup-compatibility/2006" xmlns:p14="http://schemas.microsoft.com/office/powerpoint/2010/main">
+        <mc:Choice Requires="p14">
           <p:contentPart p14:bwMode="auto" r:id="rId32">
             <p14:nvContentPartPr>
               <p14:cNvPr id="164" name="Ink 163">
@@ -11797,7 +13668,7 @@
             </p14:xfrm>
           </p:contentPart>
         </mc:Choice>
-        <mc:Fallback>
+        <mc:Fallback xmlns="">
           <p:pic>
             <p:nvPicPr>
               <p:cNvPr id="164" name="Ink 163">
@@ -11828,8 +13699,8 @@
           </p:pic>
         </mc:Fallback>
       </mc:AlternateContent>
-      <mc:AlternateContent xmlns:mc="http://schemas.openxmlformats.org/markup-compatibility/2006">
-        <mc:Choice xmlns:p14="http://schemas.microsoft.com/office/powerpoint/2010/main" Requires="p14">
+      <mc:AlternateContent xmlns:mc="http://schemas.openxmlformats.org/markup-compatibility/2006" xmlns:p14="http://schemas.microsoft.com/office/powerpoint/2010/main">
+        <mc:Choice Requires="p14">
           <p:contentPart p14:bwMode="auto" r:id="rId34">
             <p14:nvContentPartPr>
               <p14:cNvPr id="169" name="Ink 168">
@@ -11848,7 +13719,7 @@
             </p14:xfrm>
           </p:contentPart>
         </mc:Choice>
-        <mc:Fallback>
+        <mc:Fallback xmlns="">
           <p:pic>
             <p:nvPicPr>
               <p:cNvPr id="169" name="Ink 168">
@@ -11879,8 +13750,8 @@
           </p:pic>
         </mc:Fallback>
       </mc:AlternateContent>
-      <mc:AlternateContent xmlns:mc="http://schemas.openxmlformats.org/markup-compatibility/2006">
-        <mc:Choice xmlns:p14="http://schemas.microsoft.com/office/powerpoint/2010/main" Requires="p14">
+      <mc:AlternateContent xmlns:mc="http://schemas.openxmlformats.org/markup-compatibility/2006" xmlns:p14="http://schemas.microsoft.com/office/powerpoint/2010/main">
+        <mc:Choice Requires="p14">
           <p:contentPart p14:bwMode="auto" r:id="rId36">
             <p14:nvContentPartPr>
               <p14:cNvPr id="179" name="Ink 178">
@@ -11899,7 +13770,7 @@
             </p14:xfrm>
           </p:contentPart>
         </mc:Choice>
-        <mc:Fallback>
+        <mc:Fallback xmlns="">
           <p:pic>
             <p:nvPicPr>
               <p:cNvPr id="179" name="Ink 178">
@@ -11960,6 +13831,1740 @@
           <a:chExt cx="0" cy="0"/>
         </a:xfrm>
       </p:grpSpPr>
+      <mc:AlternateContent xmlns:mc="http://schemas.openxmlformats.org/markup-compatibility/2006">
+        <mc:Choice xmlns:p14="http://schemas.microsoft.com/office/powerpoint/2010/main" Requires="p14">
+          <p:contentPart p14:bwMode="auto" r:id="rId2">
+            <p14:nvContentPartPr>
+              <p14:cNvPr id="16" name="Ink 15">
+                <a:extLst>
+                  <a:ext uri="{FF2B5EF4-FFF2-40B4-BE49-F238E27FC236}">
+                    <a16:creationId xmlns:a16="http://schemas.microsoft.com/office/drawing/2014/main" id="{0C6E147B-839E-4D2A-932D-267CEA0C6E8D}"/>
+                  </a:ext>
+                </a:extLst>
+              </p14:cNvPr>
+              <p14:cNvContentPartPr/>
+              <p14:nvPr/>
+            </p14:nvContentPartPr>
+            <p14:xfrm>
+              <a:off x="712246" y="351291"/>
+              <a:ext cx="2639880" cy="598680"/>
+            </p14:xfrm>
+          </p:contentPart>
+        </mc:Choice>
+        <mc:Fallback>
+          <p:pic>
+            <p:nvPicPr>
+              <p:cNvPr id="16" name="Ink 15">
+                <a:extLst>
+                  <a:ext uri="{FF2B5EF4-FFF2-40B4-BE49-F238E27FC236}">
+                    <a16:creationId xmlns:a16="http://schemas.microsoft.com/office/drawing/2014/main" id="{0C6E147B-839E-4D2A-932D-267CEA0C6E8D}"/>
+                  </a:ext>
+                </a:extLst>
+              </p:cNvPr>
+              <p:cNvPicPr/>
+              <p:nvPr/>
+            </p:nvPicPr>
+            <p:blipFill>
+              <a:blip r:embed="rId3"/>
+              <a:stretch>
+                <a:fillRect/>
+              </a:stretch>
+            </p:blipFill>
+            <p:spPr>
+              <a:xfrm>
+                <a:off x="703246" y="342291"/>
+                <a:ext cx="2657520" cy="616320"/>
+              </a:xfrm>
+              <a:prstGeom prst="rect">
+                <a:avLst/>
+              </a:prstGeom>
+            </p:spPr>
+          </p:pic>
+        </mc:Fallback>
+      </mc:AlternateContent>
+      <mc:AlternateContent xmlns:mc="http://schemas.openxmlformats.org/markup-compatibility/2006">
+        <mc:Choice xmlns:p14="http://schemas.microsoft.com/office/powerpoint/2010/main" Requires="p14">
+          <p:contentPart p14:bwMode="auto" r:id="rId4">
+            <p14:nvContentPartPr>
+              <p14:cNvPr id="17" name="Ink 16">
+                <a:extLst>
+                  <a:ext uri="{FF2B5EF4-FFF2-40B4-BE49-F238E27FC236}">
+                    <a16:creationId xmlns:a16="http://schemas.microsoft.com/office/drawing/2014/main" id="{5B2E1C7B-1F90-4608-808C-AD0814457AF0}"/>
+                  </a:ext>
+                </a:extLst>
+              </p14:cNvPr>
+              <p14:cNvContentPartPr/>
+              <p14:nvPr/>
+            </p14:nvContentPartPr>
+            <p14:xfrm>
+              <a:off x="896926" y="756291"/>
+              <a:ext cx="61920" cy="360"/>
+            </p14:xfrm>
+          </p:contentPart>
+        </mc:Choice>
+        <mc:Fallback>
+          <p:pic>
+            <p:nvPicPr>
+              <p:cNvPr id="17" name="Ink 16">
+                <a:extLst>
+                  <a:ext uri="{FF2B5EF4-FFF2-40B4-BE49-F238E27FC236}">
+                    <a16:creationId xmlns:a16="http://schemas.microsoft.com/office/drawing/2014/main" id="{5B2E1C7B-1F90-4608-808C-AD0814457AF0}"/>
+                  </a:ext>
+                </a:extLst>
+              </p:cNvPr>
+              <p:cNvPicPr/>
+              <p:nvPr/>
+            </p:nvPicPr>
+            <p:blipFill>
+              <a:blip r:embed="rId5"/>
+              <a:stretch>
+                <a:fillRect/>
+              </a:stretch>
+            </p:blipFill>
+            <p:spPr>
+              <a:xfrm>
+                <a:off x="887926" y="747291"/>
+                <a:ext cx="79560" cy="18000"/>
+              </a:xfrm>
+              <a:prstGeom prst="rect">
+                <a:avLst/>
+              </a:prstGeom>
+            </p:spPr>
+          </p:pic>
+        </mc:Fallback>
+      </mc:AlternateContent>
+      <mc:AlternateContent xmlns:mc="http://schemas.openxmlformats.org/markup-compatibility/2006">
+        <mc:Choice xmlns:p14="http://schemas.microsoft.com/office/powerpoint/2010/main" Requires="p14">
+          <p:contentPart p14:bwMode="auto" r:id="rId6">
+            <p14:nvContentPartPr>
+              <p14:cNvPr id="34" name="Ink 33">
+                <a:extLst>
+                  <a:ext uri="{FF2B5EF4-FFF2-40B4-BE49-F238E27FC236}">
+                    <a16:creationId xmlns:a16="http://schemas.microsoft.com/office/drawing/2014/main" id="{974CB348-ED3E-46F5-A62B-E3D93364FA2A}"/>
+                  </a:ext>
+                </a:extLst>
+              </p14:cNvPr>
+              <p14:cNvContentPartPr/>
+              <p14:nvPr/>
+            </p14:nvContentPartPr>
+            <p14:xfrm>
+              <a:off x="5476486" y="466131"/>
+              <a:ext cx="2639160" cy="457560"/>
+            </p14:xfrm>
+          </p:contentPart>
+        </mc:Choice>
+        <mc:Fallback>
+          <p:pic>
+            <p:nvPicPr>
+              <p:cNvPr id="34" name="Ink 33">
+                <a:extLst>
+                  <a:ext uri="{FF2B5EF4-FFF2-40B4-BE49-F238E27FC236}">
+                    <a16:creationId xmlns:a16="http://schemas.microsoft.com/office/drawing/2014/main" id="{974CB348-ED3E-46F5-A62B-E3D93364FA2A}"/>
+                  </a:ext>
+                </a:extLst>
+              </p:cNvPr>
+              <p:cNvPicPr/>
+              <p:nvPr/>
+            </p:nvPicPr>
+            <p:blipFill>
+              <a:blip r:embed="rId7"/>
+              <a:stretch>
+                <a:fillRect/>
+              </a:stretch>
+            </p:blipFill>
+            <p:spPr>
+              <a:xfrm>
+                <a:off x="5467486" y="457131"/>
+                <a:ext cx="2656800" cy="475200"/>
+              </a:xfrm>
+              <a:prstGeom prst="rect">
+                <a:avLst/>
+              </a:prstGeom>
+            </p:spPr>
+          </p:pic>
+        </mc:Fallback>
+      </mc:AlternateContent>
+      <mc:AlternateContent xmlns:mc="http://schemas.openxmlformats.org/markup-compatibility/2006">
+        <mc:Choice xmlns:p14="http://schemas.microsoft.com/office/powerpoint/2010/main" Requires="p14">
+          <p:contentPart p14:bwMode="auto" r:id="rId8">
+            <p14:nvContentPartPr>
+              <p14:cNvPr id="44" name="Ink 43">
+                <a:extLst>
+                  <a:ext uri="{FF2B5EF4-FFF2-40B4-BE49-F238E27FC236}">
+                    <a16:creationId xmlns:a16="http://schemas.microsoft.com/office/drawing/2014/main" id="{C3D208A8-44D2-4C28-A592-A9355FE56F26}"/>
+                  </a:ext>
+                </a:extLst>
+              </p14:cNvPr>
+              <p14:cNvContentPartPr/>
+              <p14:nvPr/>
+            </p14:nvContentPartPr>
+            <p14:xfrm>
+              <a:off x="7301326" y="1520931"/>
+              <a:ext cx="109800" cy="9360"/>
+            </p14:xfrm>
+          </p:contentPart>
+        </mc:Choice>
+        <mc:Fallback>
+          <p:pic>
+            <p:nvPicPr>
+              <p:cNvPr id="44" name="Ink 43">
+                <a:extLst>
+                  <a:ext uri="{FF2B5EF4-FFF2-40B4-BE49-F238E27FC236}">
+                    <a16:creationId xmlns:a16="http://schemas.microsoft.com/office/drawing/2014/main" id="{C3D208A8-44D2-4C28-A592-A9355FE56F26}"/>
+                  </a:ext>
+                </a:extLst>
+              </p:cNvPr>
+              <p:cNvPicPr/>
+              <p:nvPr/>
+            </p:nvPicPr>
+            <p:blipFill>
+              <a:blip r:embed="rId9"/>
+              <a:stretch>
+                <a:fillRect/>
+              </a:stretch>
+            </p:blipFill>
+            <p:spPr>
+              <a:xfrm>
+                <a:off x="7292326" y="1511931"/>
+                <a:ext cx="127440" cy="27000"/>
+              </a:xfrm>
+              <a:prstGeom prst="rect">
+                <a:avLst/>
+              </a:prstGeom>
+            </p:spPr>
+          </p:pic>
+        </mc:Fallback>
+      </mc:AlternateContent>
+      <mc:AlternateContent xmlns:mc="http://schemas.openxmlformats.org/markup-compatibility/2006">
+        <mc:Choice xmlns:p14="http://schemas.microsoft.com/office/powerpoint/2010/main" Requires="p14">
+          <p:contentPart p14:bwMode="auto" r:id="rId10">
+            <p14:nvContentPartPr>
+              <p14:cNvPr id="45" name="Ink 44">
+                <a:extLst>
+                  <a:ext uri="{FF2B5EF4-FFF2-40B4-BE49-F238E27FC236}">
+                    <a16:creationId xmlns:a16="http://schemas.microsoft.com/office/drawing/2014/main" id="{D1145DF5-C917-4434-BD2B-7FD122330260}"/>
+                  </a:ext>
+                </a:extLst>
+              </p14:cNvPr>
+              <p14:cNvContentPartPr/>
+              <p14:nvPr/>
+            </p14:nvContentPartPr>
+            <p14:xfrm>
+              <a:off x="6276766" y="1415091"/>
+              <a:ext cx="801360" cy="220680"/>
+            </p14:xfrm>
+          </p:contentPart>
+        </mc:Choice>
+        <mc:Fallback>
+          <p:pic>
+            <p:nvPicPr>
+              <p:cNvPr id="45" name="Ink 44">
+                <a:extLst>
+                  <a:ext uri="{FF2B5EF4-FFF2-40B4-BE49-F238E27FC236}">
+                    <a16:creationId xmlns:a16="http://schemas.microsoft.com/office/drawing/2014/main" id="{D1145DF5-C917-4434-BD2B-7FD122330260}"/>
+                  </a:ext>
+                </a:extLst>
+              </p:cNvPr>
+              <p:cNvPicPr/>
+              <p:nvPr/>
+            </p:nvPicPr>
+            <p:blipFill>
+              <a:blip r:embed="rId11"/>
+              <a:stretch>
+                <a:fillRect/>
+              </a:stretch>
+            </p:blipFill>
+            <p:spPr>
+              <a:xfrm>
+                <a:off x="6267766" y="1406091"/>
+                <a:ext cx="819000" cy="238320"/>
+              </a:xfrm>
+              <a:prstGeom prst="rect">
+                <a:avLst/>
+              </a:prstGeom>
+            </p:spPr>
+          </p:pic>
+        </mc:Fallback>
+      </mc:AlternateContent>
+      <mc:AlternateContent xmlns:mc="http://schemas.openxmlformats.org/markup-compatibility/2006">
+        <mc:Choice xmlns:p14="http://schemas.microsoft.com/office/powerpoint/2010/main" Requires="p14">
+          <p:contentPart p14:bwMode="auto" r:id="rId12">
+            <p14:nvContentPartPr>
+              <p14:cNvPr id="46" name="Ink 45">
+                <a:extLst>
+                  <a:ext uri="{FF2B5EF4-FFF2-40B4-BE49-F238E27FC236}">
+                    <a16:creationId xmlns:a16="http://schemas.microsoft.com/office/drawing/2014/main" id="{603800A9-DE1B-40DA-AA95-6E21D0C556BC}"/>
+                  </a:ext>
+                </a:extLst>
+              </p14:cNvPr>
+              <p14:cNvContentPartPr/>
+              <p14:nvPr/>
+            </p14:nvContentPartPr>
+            <p14:xfrm>
+              <a:off x="6576646" y="984891"/>
+              <a:ext cx="176040" cy="316800"/>
+            </p14:xfrm>
+          </p:contentPart>
+        </mc:Choice>
+        <mc:Fallback>
+          <p:pic>
+            <p:nvPicPr>
+              <p:cNvPr id="46" name="Ink 45">
+                <a:extLst>
+                  <a:ext uri="{FF2B5EF4-FFF2-40B4-BE49-F238E27FC236}">
+                    <a16:creationId xmlns:a16="http://schemas.microsoft.com/office/drawing/2014/main" id="{603800A9-DE1B-40DA-AA95-6E21D0C556BC}"/>
+                  </a:ext>
+                </a:extLst>
+              </p:cNvPr>
+              <p:cNvPicPr/>
+              <p:nvPr/>
+            </p:nvPicPr>
+            <p:blipFill>
+              <a:blip r:embed="rId13"/>
+              <a:stretch>
+                <a:fillRect/>
+              </a:stretch>
+            </p:blipFill>
+            <p:spPr>
+              <a:xfrm>
+                <a:off x="6567646" y="975891"/>
+                <a:ext cx="193680" cy="334440"/>
+              </a:xfrm>
+              <a:prstGeom prst="rect">
+                <a:avLst/>
+              </a:prstGeom>
+            </p:spPr>
+          </p:pic>
+        </mc:Fallback>
+      </mc:AlternateContent>
+      <mc:AlternateContent xmlns:mc="http://schemas.openxmlformats.org/markup-compatibility/2006">
+        <mc:Choice xmlns:p14="http://schemas.microsoft.com/office/powerpoint/2010/main" Requires="p14">
+          <p:contentPart p14:bwMode="auto" r:id="rId14">
+            <p14:nvContentPartPr>
+              <p14:cNvPr id="49" name="Ink 48">
+                <a:extLst>
+                  <a:ext uri="{FF2B5EF4-FFF2-40B4-BE49-F238E27FC236}">
+                    <a16:creationId xmlns:a16="http://schemas.microsoft.com/office/drawing/2014/main" id="{FF027C0C-E82D-4854-803C-D9C5CE287D73}"/>
+                  </a:ext>
+                </a:extLst>
+              </p14:cNvPr>
+              <p14:cNvContentPartPr/>
+              <p14:nvPr/>
+            </p14:nvContentPartPr>
+            <p14:xfrm>
+              <a:off x="6497446" y="1687251"/>
+              <a:ext cx="378720" cy="336960"/>
+            </p14:xfrm>
+          </p:contentPart>
+        </mc:Choice>
+        <mc:Fallback>
+          <p:pic>
+            <p:nvPicPr>
+              <p:cNvPr id="49" name="Ink 48">
+                <a:extLst>
+                  <a:ext uri="{FF2B5EF4-FFF2-40B4-BE49-F238E27FC236}">
+                    <a16:creationId xmlns:a16="http://schemas.microsoft.com/office/drawing/2014/main" id="{FF027C0C-E82D-4854-803C-D9C5CE287D73}"/>
+                  </a:ext>
+                </a:extLst>
+              </p:cNvPr>
+              <p:cNvPicPr/>
+              <p:nvPr/>
+            </p:nvPicPr>
+            <p:blipFill>
+              <a:blip r:embed="rId15"/>
+              <a:stretch>
+                <a:fillRect/>
+              </a:stretch>
+            </p:blipFill>
+            <p:spPr>
+              <a:xfrm>
+                <a:off x="6488446" y="1678251"/>
+                <a:ext cx="396360" cy="354600"/>
+              </a:xfrm>
+              <a:prstGeom prst="rect">
+                <a:avLst/>
+              </a:prstGeom>
+            </p:spPr>
+          </p:pic>
+        </mc:Fallback>
+      </mc:AlternateContent>
+      <mc:AlternateContent xmlns:mc="http://schemas.openxmlformats.org/markup-compatibility/2006">
+        <mc:Choice xmlns:p14="http://schemas.microsoft.com/office/powerpoint/2010/main" Requires="p14">
+          <p:contentPart p14:bwMode="auto" r:id="rId16">
+            <p14:nvContentPartPr>
+              <p14:cNvPr id="50" name="Ink 49">
+                <a:extLst>
+                  <a:ext uri="{FF2B5EF4-FFF2-40B4-BE49-F238E27FC236}">
+                    <a16:creationId xmlns:a16="http://schemas.microsoft.com/office/drawing/2014/main" id="{A6BDCE32-FFBB-4EB6-93CB-3F3FE2DF9BDA}"/>
+                  </a:ext>
+                </a:extLst>
+              </p14:cNvPr>
+              <p14:cNvContentPartPr/>
+              <p14:nvPr/>
+            </p14:nvContentPartPr>
+            <p14:xfrm>
+              <a:off x="7630726" y="1450731"/>
+              <a:ext cx="19080" cy="167400"/>
+            </p14:xfrm>
+          </p:contentPart>
+        </mc:Choice>
+        <mc:Fallback>
+          <p:pic>
+            <p:nvPicPr>
+              <p:cNvPr id="50" name="Ink 49">
+                <a:extLst>
+                  <a:ext uri="{FF2B5EF4-FFF2-40B4-BE49-F238E27FC236}">
+                    <a16:creationId xmlns:a16="http://schemas.microsoft.com/office/drawing/2014/main" id="{A6BDCE32-FFBB-4EB6-93CB-3F3FE2DF9BDA}"/>
+                  </a:ext>
+                </a:extLst>
+              </p:cNvPr>
+              <p:cNvPicPr/>
+              <p:nvPr/>
+            </p:nvPicPr>
+            <p:blipFill>
+              <a:blip r:embed="rId17"/>
+              <a:stretch>
+                <a:fillRect/>
+              </a:stretch>
+            </p:blipFill>
+            <p:spPr>
+              <a:xfrm>
+                <a:off x="7621726" y="1441731"/>
+                <a:ext cx="36720" cy="185040"/>
+              </a:xfrm>
+              <a:prstGeom prst="rect">
+                <a:avLst/>
+              </a:prstGeom>
+            </p:spPr>
+          </p:pic>
+        </mc:Fallback>
+      </mc:AlternateContent>
+      <mc:AlternateContent xmlns:mc="http://schemas.openxmlformats.org/markup-compatibility/2006">
+        <mc:Choice xmlns:p14="http://schemas.microsoft.com/office/powerpoint/2010/main" Requires="p14">
+          <p:contentPart p14:bwMode="auto" r:id="rId18">
+            <p14:nvContentPartPr>
+              <p14:cNvPr id="55" name="Ink 54">
+                <a:extLst>
+                  <a:ext uri="{FF2B5EF4-FFF2-40B4-BE49-F238E27FC236}">
+                    <a16:creationId xmlns:a16="http://schemas.microsoft.com/office/drawing/2014/main" id="{A5F05B90-7B0B-4DE5-860B-FCECF0B561C2}"/>
+                  </a:ext>
+                </a:extLst>
+              </p14:cNvPr>
+              <p14:cNvContentPartPr/>
+              <p14:nvPr/>
+            </p14:nvContentPartPr>
+            <p14:xfrm>
+              <a:off x="7895326" y="1371171"/>
+              <a:ext cx="792720" cy="299880"/>
+            </p14:xfrm>
+          </p:contentPart>
+        </mc:Choice>
+        <mc:Fallback>
+          <p:pic>
+            <p:nvPicPr>
+              <p:cNvPr id="55" name="Ink 54">
+                <a:extLst>
+                  <a:ext uri="{FF2B5EF4-FFF2-40B4-BE49-F238E27FC236}">
+                    <a16:creationId xmlns:a16="http://schemas.microsoft.com/office/drawing/2014/main" id="{A5F05B90-7B0B-4DE5-860B-FCECF0B561C2}"/>
+                  </a:ext>
+                </a:extLst>
+              </p:cNvPr>
+              <p:cNvPicPr/>
+              <p:nvPr/>
+            </p:nvPicPr>
+            <p:blipFill>
+              <a:blip r:embed="rId19"/>
+              <a:stretch>
+                <a:fillRect/>
+              </a:stretch>
+            </p:blipFill>
+            <p:spPr>
+              <a:xfrm>
+                <a:off x="7886326" y="1362171"/>
+                <a:ext cx="810360" cy="317520"/>
+              </a:xfrm>
+              <a:prstGeom prst="rect">
+                <a:avLst/>
+              </a:prstGeom>
+            </p:spPr>
+          </p:pic>
+        </mc:Fallback>
+      </mc:AlternateContent>
+      <mc:AlternateContent xmlns:mc="http://schemas.openxmlformats.org/markup-compatibility/2006">
+        <mc:Choice xmlns:p14="http://schemas.microsoft.com/office/powerpoint/2010/main" Requires="p14">
+          <p:contentPart p14:bwMode="auto" r:id="rId20">
+            <p14:nvContentPartPr>
+              <p14:cNvPr id="70" name="Ink 69">
+                <a:extLst>
+                  <a:ext uri="{FF2B5EF4-FFF2-40B4-BE49-F238E27FC236}">
+                    <a16:creationId xmlns:a16="http://schemas.microsoft.com/office/drawing/2014/main" id="{AC2E24F4-D0A4-40B4-AE89-67E455093F89}"/>
+                  </a:ext>
+                </a:extLst>
+              </p14:cNvPr>
+              <p14:cNvContentPartPr/>
+              <p14:nvPr/>
+            </p14:nvContentPartPr>
+            <p14:xfrm>
+              <a:off x="10498126" y="2074971"/>
+              <a:ext cx="96840" cy="9000"/>
+            </p14:xfrm>
+          </p:contentPart>
+        </mc:Choice>
+        <mc:Fallback>
+          <p:pic>
+            <p:nvPicPr>
+              <p:cNvPr id="70" name="Ink 69">
+                <a:extLst>
+                  <a:ext uri="{FF2B5EF4-FFF2-40B4-BE49-F238E27FC236}">
+                    <a16:creationId xmlns:a16="http://schemas.microsoft.com/office/drawing/2014/main" id="{AC2E24F4-D0A4-40B4-AE89-67E455093F89}"/>
+                  </a:ext>
+                </a:extLst>
+              </p:cNvPr>
+              <p:cNvPicPr/>
+              <p:nvPr/>
+            </p:nvPicPr>
+            <p:blipFill>
+              <a:blip r:embed="rId21"/>
+              <a:stretch>
+                <a:fillRect/>
+              </a:stretch>
+            </p:blipFill>
+            <p:spPr>
+              <a:xfrm>
+                <a:off x="10489126" y="2065971"/>
+                <a:ext cx="114480" cy="26640"/>
+              </a:xfrm>
+              <a:prstGeom prst="rect">
+                <a:avLst/>
+              </a:prstGeom>
+            </p:spPr>
+          </p:pic>
+        </mc:Fallback>
+      </mc:AlternateContent>
+      <mc:AlternateContent xmlns:mc="http://schemas.openxmlformats.org/markup-compatibility/2006">
+        <mc:Choice xmlns:p14="http://schemas.microsoft.com/office/powerpoint/2010/main" Requires="p14">
+          <p:contentPart p14:bwMode="auto" r:id="rId22">
+            <p14:nvContentPartPr>
+              <p14:cNvPr id="100" name="Ink 99">
+                <a:extLst>
+                  <a:ext uri="{FF2B5EF4-FFF2-40B4-BE49-F238E27FC236}">
+                    <a16:creationId xmlns:a16="http://schemas.microsoft.com/office/drawing/2014/main" id="{59453F79-8F22-4347-906C-68334A78E033}"/>
+                  </a:ext>
+                </a:extLst>
+              </p14:cNvPr>
+              <p14:cNvContentPartPr/>
+              <p14:nvPr/>
+            </p14:nvContentPartPr>
+            <p14:xfrm>
+              <a:off x="9311206" y="1362891"/>
+              <a:ext cx="2488320" cy="299160"/>
+            </p14:xfrm>
+          </p:contentPart>
+        </mc:Choice>
+        <mc:Fallback>
+          <p:pic>
+            <p:nvPicPr>
+              <p:cNvPr id="100" name="Ink 99">
+                <a:extLst>
+                  <a:ext uri="{FF2B5EF4-FFF2-40B4-BE49-F238E27FC236}">
+                    <a16:creationId xmlns:a16="http://schemas.microsoft.com/office/drawing/2014/main" id="{59453F79-8F22-4347-906C-68334A78E033}"/>
+                  </a:ext>
+                </a:extLst>
+              </p:cNvPr>
+              <p:cNvPicPr/>
+              <p:nvPr/>
+            </p:nvPicPr>
+            <p:blipFill>
+              <a:blip r:embed="rId23"/>
+              <a:stretch>
+                <a:fillRect/>
+              </a:stretch>
+            </p:blipFill>
+            <p:spPr>
+              <a:xfrm>
+                <a:off x="9302206" y="1353891"/>
+                <a:ext cx="2505960" cy="316800"/>
+              </a:xfrm>
+              <a:prstGeom prst="rect">
+                <a:avLst/>
+              </a:prstGeom>
+            </p:spPr>
+          </p:pic>
+        </mc:Fallback>
+      </mc:AlternateContent>
+      <mc:AlternateContent xmlns:mc="http://schemas.openxmlformats.org/markup-compatibility/2006">
+        <mc:Choice xmlns:p14="http://schemas.microsoft.com/office/powerpoint/2010/main" Requires="p14">
+          <p:contentPart p14:bwMode="auto" r:id="rId24">
+            <p14:nvContentPartPr>
+              <p14:cNvPr id="111" name="Ink 110">
+                <a:extLst>
+                  <a:ext uri="{FF2B5EF4-FFF2-40B4-BE49-F238E27FC236}">
+                    <a16:creationId xmlns:a16="http://schemas.microsoft.com/office/drawing/2014/main" id="{DFE19E90-6344-49CD-93F4-AB5392D0E5BA}"/>
+                  </a:ext>
+                </a:extLst>
+              </p14:cNvPr>
+              <p14:cNvContentPartPr/>
+              <p14:nvPr/>
+            </p14:nvContentPartPr>
+            <p14:xfrm>
+              <a:off x="1617646" y="1116651"/>
+              <a:ext cx="290520" cy="668520"/>
+            </p14:xfrm>
+          </p:contentPart>
+        </mc:Choice>
+        <mc:Fallback>
+          <p:pic>
+            <p:nvPicPr>
+              <p:cNvPr id="111" name="Ink 110">
+                <a:extLst>
+                  <a:ext uri="{FF2B5EF4-FFF2-40B4-BE49-F238E27FC236}">
+                    <a16:creationId xmlns:a16="http://schemas.microsoft.com/office/drawing/2014/main" id="{DFE19E90-6344-49CD-93F4-AB5392D0E5BA}"/>
+                  </a:ext>
+                </a:extLst>
+              </p:cNvPr>
+              <p:cNvPicPr/>
+              <p:nvPr/>
+            </p:nvPicPr>
+            <p:blipFill>
+              <a:blip r:embed="rId25"/>
+              <a:stretch>
+                <a:fillRect/>
+              </a:stretch>
+            </p:blipFill>
+            <p:spPr>
+              <a:xfrm>
+                <a:off x="1608646" y="1107651"/>
+                <a:ext cx="308160" cy="686160"/>
+              </a:xfrm>
+              <a:prstGeom prst="rect">
+                <a:avLst/>
+              </a:prstGeom>
+            </p:spPr>
+          </p:pic>
+        </mc:Fallback>
+      </mc:AlternateContent>
+      <mc:AlternateContent xmlns:mc="http://schemas.openxmlformats.org/markup-compatibility/2006">
+        <mc:Choice xmlns:p14="http://schemas.microsoft.com/office/powerpoint/2010/main" Requires="p14">
+          <p:contentPart p14:bwMode="auto" r:id="rId26">
+            <p14:nvContentPartPr>
+              <p14:cNvPr id="121" name="Ink 120">
+                <a:extLst>
+                  <a:ext uri="{FF2B5EF4-FFF2-40B4-BE49-F238E27FC236}">
+                    <a16:creationId xmlns:a16="http://schemas.microsoft.com/office/drawing/2014/main" id="{90C48776-E938-4AD5-87BC-910F87E374F7}"/>
+                  </a:ext>
+                </a:extLst>
+              </p14:cNvPr>
+              <p14:cNvContentPartPr/>
+              <p14:nvPr/>
+            </p14:nvContentPartPr>
+            <p14:xfrm>
+              <a:off x="2267446" y="1414371"/>
+              <a:ext cx="3000960" cy="353160"/>
+            </p14:xfrm>
+          </p:contentPart>
+        </mc:Choice>
+        <mc:Fallback>
+          <p:pic>
+            <p:nvPicPr>
+              <p:cNvPr id="121" name="Ink 120">
+                <a:extLst>
+                  <a:ext uri="{FF2B5EF4-FFF2-40B4-BE49-F238E27FC236}">
+                    <a16:creationId xmlns:a16="http://schemas.microsoft.com/office/drawing/2014/main" id="{90C48776-E938-4AD5-87BC-910F87E374F7}"/>
+                  </a:ext>
+                </a:extLst>
+              </p:cNvPr>
+              <p:cNvPicPr/>
+              <p:nvPr/>
+            </p:nvPicPr>
+            <p:blipFill>
+              <a:blip r:embed="rId27"/>
+              <a:stretch>
+                <a:fillRect/>
+              </a:stretch>
+            </p:blipFill>
+            <p:spPr>
+              <a:xfrm>
+                <a:off x="2258446" y="1405371"/>
+                <a:ext cx="3018600" cy="370800"/>
+              </a:xfrm>
+              <a:prstGeom prst="rect">
+                <a:avLst/>
+              </a:prstGeom>
+            </p:spPr>
+          </p:pic>
+        </mc:Fallback>
+      </mc:AlternateContent>
+      <mc:AlternateContent xmlns:mc="http://schemas.openxmlformats.org/markup-compatibility/2006">
+        <mc:Choice xmlns:p14="http://schemas.microsoft.com/office/powerpoint/2010/main" Requires="p14">
+          <p:contentPart p14:bwMode="auto" r:id="rId28">
+            <p14:nvContentPartPr>
+              <p14:cNvPr id="122" name="Ink 121">
+                <a:extLst>
+                  <a:ext uri="{FF2B5EF4-FFF2-40B4-BE49-F238E27FC236}">
+                    <a16:creationId xmlns:a16="http://schemas.microsoft.com/office/drawing/2014/main" id="{D05D852D-3C4A-495D-9E3E-936995B39D4A}"/>
+                  </a:ext>
+                </a:extLst>
+              </p14:cNvPr>
+              <p14:cNvContentPartPr/>
+              <p14:nvPr/>
+            </p14:nvContentPartPr>
+            <p14:xfrm>
+              <a:off x="3640126" y="1844931"/>
+              <a:ext cx="313200" cy="37080"/>
+            </p14:xfrm>
+          </p:contentPart>
+        </mc:Choice>
+        <mc:Fallback>
+          <p:pic>
+            <p:nvPicPr>
+              <p:cNvPr id="122" name="Ink 121">
+                <a:extLst>
+                  <a:ext uri="{FF2B5EF4-FFF2-40B4-BE49-F238E27FC236}">
+                    <a16:creationId xmlns:a16="http://schemas.microsoft.com/office/drawing/2014/main" id="{D05D852D-3C4A-495D-9E3E-936995B39D4A}"/>
+                  </a:ext>
+                </a:extLst>
+              </p:cNvPr>
+              <p:cNvPicPr/>
+              <p:nvPr/>
+            </p:nvPicPr>
+            <p:blipFill>
+              <a:blip r:embed="rId29"/>
+              <a:stretch>
+                <a:fillRect/>
+              </a:stretch>
+            </p:blipFill>
+            <p:spPr>
+              <a:xfrm>
+                <a:off x="3631126" y="1835931"/>
+                <a:ext cx="330840" cy="54720"/>
+              </a:xfrm>
+              <a:prstGeom prst="rect">
+                <a:avLst/>
+              </a:prstGeom>
+            </p:spPr>
+          </p:pic>
+        </mc:Fallback>
+      </mc:AlternateContent>
+      <mc:AlternateContent xmlns:mc="http://schemas.openxmlformats.org/markup-compatibility/2006">
+        <mc:Choice xmlns:p14="http://schemas.microsoft.com/office/powerpoint/2010/main" Requires="p14">
+          <p:contentPart p14:bwMode="auto" r:id="rId30">
+            <p14:nvContentPartPr>
+              <p14:cNvPr id="153" name="Ink 152">
+                <a:extLst>
+                  <a:ext uri="{FF2B5EF4-FFF2-40B4-BE49-F238E27FC236}">
+                    <a16:creationId xmlns:a16="http://schemas.microsoft.com/office/drawing/2014/main" id="{8AC1C73C-8A4C-4A7A-8BC5-4CD4FC6727E5}"/>
+                  </a:ext>
+                </a:extLst>
+              </p14:cNvPr>
+              <p14:cNvContentPartPr/>
+              <p14:nvPr/>
+            </p14:nvContentPartPr>
+            <p14:xfrm>
+              <a:off x="730606" y="3895131"/>
+              <a:ext cx="61200" cy="88200"/>
+            </p14:xfrm>
+          </p:contentPart>
+        </mc:Choice>
+        <mc:Fallback>
+          <p:pic>
+            <p:nvPicPr>
+              <p:cNvPr id="153" name="Ink 152">
+                <a:extLst>
+                  <a:ext uri="{FF2B5EF4-FFF2-40B4-BE49-F238E27FC236}">
+                    <a16:creationId xmlns:a16="http://schemas.microsoft.com/office/drawing/2014/main" id="{8AC1C73C-8A4C-4A7A-8BC5-4CD4FC6727E5}"/>
+                  </a:ext>
+                </a:extLst>
+              </p:cNvPr>
+              <p:cNvPicPr/>
+              <p:nvPr/>
+            </p:nvPicPr>
+            <p:blipFill>
+              <a:blip r:embed="rId31"/>
+              <a:stretch>
+                <a:fillRect/>
+              </a:stretch>
+            </p:blipFill>
+            <p:spPr>
+              <a:xfrm>
+                <a:off x="721606" y="3886131"/>
+                <a:ext cx="78840" cy="105840"/>
+              </a:xfrm>
+              <a:prstGeom prst="rect">
+                <a:avLst/>
+              </a:prstGeom>
+            </p:spPr>
+          </p:pic>
+        </mc:Fallback>
+      </mc:AlternateContent>
+      <mc:AlternateContent xmlns:mc="http://schemas.openxmlformats.org/markup-compatibility/2006">
+        <mc:Choice xmlns:p14="http://schemas.microsoft.com/office/powerpoint/2010/main" Requires="p14">
+          <p:contentPart p14:bwMode="auto" r:id="rId32">
+            <p14:nvContentPartPr>
+              <p14:cNvPr id="175" name="Ink 174">
+                <a:extLst>
+                  <a:ext uri="{FF2B5EF4-FFF2-40B4-BE49-F238E27FC236}">
+                    <a16:creationId xmlns:a16="http://schemas.microsoft.com/office/drawing/2014/main" id="{7348CAB9-7FE2-4ED0-8968-330AB76FCE84}"/>
+                  </a:ext>
+                </a:extLst>
+              </p14:cNvPr>
+              <p14:cNvContentPartPr/>
+              <p14:nvPr/>
+            </p14:nvContentPartPr>
+            <p14:xfrm>
+              <a:off x="4966726" y="3901251"/>
+              <a:ext cx="1248840" cy="302040"/>
+            </p14:xfrm>
+          </p:contentPart>
+        </mc:Choice>
+        <mc:Fallback>
+          <p:pic>
+            <p:nvPicPr>
+              <p:cNvPr id="175" name="Ink 174">
+                <a:extLst>
+                  <a:ext uri="{FF2B5EF4-FFF2-40B4-BE49-F238E27FC236}">
+                    <a16:creationId xmlns:a16="http://schemas.microsoft.com/office/drawing/2014/main" id="{7348CAB9-7FE2-4ED0-8968-330AB76FCE84}"/>
+                  </a:ext>
+                </a:extLst>
+              </p:cNvPr>
+              <p:cNvPicPr/>
+              <p:nvPr/>
+            </p:nvPicPr>
+            <p:blipFill>
+              <a:blip r:embed="rId33"/>
+              <a:stretch>
+                <a:fillRect/>
+              </a:stretch>
+            </p:blipFill>
+            <p:spPr>
+              <a:xfrm>
+                <a:off x="4957726" y="3892251"/>
+                <a:ext cx="1266480" cy="319680"/>
+              </a:xfrm>
+              <a:prstGeom prst="rect">
+                <a:avLst/>
+              </a:prstGeom>
+            </p:spPr>
+          </p:pic>
+        </mc:Fallback>
+      </mc:AlternateContent>
+      <mc:AlternateContent xmlns:mc="http://schemas.openxmlformats.org/markup-compatibility/2006">
+        <mc:Choice xmlns:p14="http://schemas.microsoft.com/office/powerpoint/2010/main" Requires="p14">
+          <p:contentPart p14:bwMode="auto" r:id="rId34">
+            <p14:nvContentPartPr>
+              <p14:cNvPr id="183" name="Ink 182">
+                <a:extLst>
+                  <a:ext uri="{FF2B5EF4-FFF2-40B4-BE49-F238E27FC236}">
+                    <a16:creationId xmlns:a16="http://schemas.microsoft.com/office/drawing/2014/main" id="{07B54CA2-F3B6-4197-85DB-D0FF273E1675}"/>
+                  </a:ext>
+                </a:extLst>
+              </p14:cNvPr>
+              <p14:cNvContentPartPr/>
+              <p14:nvPr/>
+            </p14:nvContentPartPr>
+            <p14:xfrm>
+              <a:off x="4932526" y="4492011"/>
+              <a:ext cx="1697400" cy="574920"/>
+            </p14:xfrm>
+          </p:contentPart>
+        </mc:Choice>
+        <mc:Fallback>
+          <p:pic>
+            <p:nvPicPr>
+              <p:cNvPr id="183" name="Ink 182">
+                <a:extLst>
+                  <a:ext uri="{FF2B5EF4-FFF2-40B4-BE49-F238E27FC236}">
+                    <a16:creationId xmlns:a16="http://schemas.microsoft.com/office/drawing/2014/main" id="{07B54CA2-F3B6-4197-85DB-D0FF273E1675}"/>
+                  </a:ext>
+                </a:extLst>
+              </p:cNvPr>
+              <p:cNvPicPr/>
+              <p:nvPr/>
+            </p:nvPicPr>
+            <p:blipFill>
+              <a:blip r:embed="rId35"/>
+              <a:stretch>
+                <a:fillRect/>
+              </a:stretch>
+            </p:blipFill>
+            <p:spPr>
+              <a:xfrm>
+                <a:off x="4923524" y="4483011"/>
+                <a:ext cx="1715044" cy="592560"/>
+              </a:xfrm>
+              <a:prstGeom prst="rect">
+                <a:avLst/>
+              </a:prstGeom>
+            </p:spPr>
+          </p:pic>
+        </mc:Fallback>
+      </mc:AlternateContent>
+      <mc:AlternateContent xmlns:mc="http://schemas.openxmlformats.org/markup-compatibility/2006">
+        <mc:Choice xmlns:p14="http://schemas.microsoft.com/office/powerpoint/2010/main" Requires="p14">
+          <p:contentPart p14:bwMode="auto" r:id="rId36">
+            <p14:nvContentPartPr>
+              <p14:cNvPr id="189" name="Ink 188">
+                <a:extLst>
+                  <a:ext uri="{FF2B5EF4-FFF2-40B4-BE49-F238E27FC236}">
+                    <a16:creationId xmlns:a16="http://schemas.microsoft.com/office/drawing/2014/main" id="{603B43B6-D153-4F88-9792-43713D265B18}"/>
+                  </a:ext>
+                </a:extLst>
+              </p14:cNvPr>
+              <p14:cNvContentPartPr/>
+              <p14:nvPr/>
+            </p14:nvContentPartPr>
+            <p14:xfrm>
+              <a:off x="1793686" y="3859851"/>
+              <a:ext cx="185040" cy="220320"/>
+            </p14:xfrm>
+          </p:contentPart>
+        </mc:Choice>
+        <mc:Fallback>
+          <p:pic>
+            <p:nvPicPr>
+              <p:cNvPr id="189" name="Ink 188">
+                <a:extLst>
+                  <a:ext uri="{FF2B5EF4-FFF2-40B4-BE49-F238E27FC236}">
+                    <a16:creationId xmlns:a16="http://schemas.microsoft.com/office/drawing/2014/main" id="{603B43B6-D153-4F88-9792-43713D265B18}"/>
+                  </a:ext>
+                </a:extLst>
+              </p:cNvPr>
+              <p:cNvPicPr/>
+              <p:nvPr/>
+            </p:nvPicPr>
+            <p:blipFill>
+              <a:blip r:embed="rId37"/>
+              <a:stretch>
+                <a:fillRect/>
+              </a:stretch>
+            </p:blipFill>
+            <p:spPr>
+              <a:xfrm>
+                <a:off x="1784686" y="3850836"/>
+                <a:ext cx="202680" cy="237989"/>
+              </a:xfrm>
+              <a:prstGeom prst="rect">
+                <a:avLst/>
+              </a:prstGeom>
+            </p:spPr>
+          </p:pic>
+        </mc:Fallback>
+      </mc:AlternateContent>
+      <mc:AlternateContent xmlns:mc="http://schemas.openxmlformats.org/markup-compatibility/2006">
+        <mc:Choice xmlns:p14="http://schemas.microsoft.com/office/powerpoint/2010/main" Requires="p14">
+          <p:contentPart p14:bwMode="auto" r:id="rId38">
+            <p14:nvContentPartPr>
+              <p14:cNvPr id="190" name="Ink 189">
+                <a:extLst>
+                  <a:ext uri="{FF2B5EF4-FFF2-40B4-BE49-F238E27FC236}">
+                    <a16:creationId xmlns:a16="http://schemas.microsoft.com/office/drawing/2014/main" id="{5DF86C9E-13A1-4616-A0CA-AD9FA909BF0E}"/>
+                  </a:ext>
+                </a:extLst>
+              </p14:cNvPr>
+              <p14:cNvContentPartPr/>
+              <p14:nvPr/>
+            </p14:nvContentPartPr>
+            <p14:xfrm>
+              <a:off x="5471806" y="4229211"/>
+              <a:ext cx="384120" cy="88200"/>
+            </p14:xfrm>
+          </p:contentPart>
+        </mc:Choice>
+        <mc:Fallback>
+          <p:pic>
+            <p:nvPicPr>
+              <p:cNvPr id="190" name="Ink 189">
+                <a:extLst>
+                  <a:ext uri="{FF2B5EF4-FFF2-40B4-BE49-F238E27FC236}">
+                    <a16:creationId xmlns:a16="http://schemas.microsoft.com/office/drawing/2014/main" id="{5DF86C9E-13A1-4616-A0CA-AD9FA909BF0E}"/>
+                  </a:ext>
+                </a:extLst>
+              </p:cNvPr>
+              <p:cNvPicPr/>
+              <p:nvPr/>
+            </p:nvPicPr>
+            <p:blipFill>
+              <a:blip r:embed="rId39"/>
+              <a:stretch>
+                <a:fillRect/>
+              </a:stretch>
+            </p:blipFill>
+            <p:spPr>
+              <a:xfrm>
+                <a:off x="5462814" y="4220211"/>
+                <a:ext cx="401743" cy="105840"/>
+              </a:xfrm>
+              <a:prstGeom prst="rect">
+                <a:avLst/>
+              </a:prstGeom>
+            </p:spPr>
+          </p:pic>
+        </mc:Fallback>
+      </mc:AlternateContent>
+      <mc:AlternateContent xmlns:mc="http://schemas.openxmlformats.org/markup-compatibility/2006">
+        <mc:Choice xmlns:p14="http://schemas.microsoft.com/office/powerpoint/2010/main" Requires="p14">
+          <p:contentPart p14:bwMode="auto" r:id="rId40">
+            <p14:nvContentPartPr>
+              <p14:cNvPr id="194" name="Ink 193">
+                <a:extLst>
+                  <a:ext uri="{FF2B5EF4-FFF2-40B4-BE49-F238E27FC236}">
+                    <a16:creationId xmlns:a16="http://schemas.microsoft.com/office/drawing/2014/main" id="{4040E6B7-FDAB-4515-83FB-DABD216FA67F}"/>
+                  </a:ext>
+                </a:extLst>
+              </p14:cNvPr>
+              <p14:cNvContentPartPr/>
+              <p14:nvPr/>
+            </p14:nvContentPartPr>
+            <p14:xfrm>
+              <a:off x="7183246" y="4528011"/>
+              <a:ext cx="492840" cy="220320"/>
+            </p14:xfrm>
+          </p:contentPart>
+        </mc:Choice>
+        <mc:Fallback>
+          <p:pic>
+            <p:nvPicPr>
+              <p:cNvPr id="194" name="Ink 193">
+                <a:extLst>
+                  <a:ext uri="{FF2B5EF4-FFF2-40B4-BE49-F238E27FC236}">
+                    <a16:creationId xmlns:a16="http://schemas.microsoft.com/office/drawing/2014/main" id="{4040E6B7-FDAB-4515-83FB-DABD216FA67F}"/>
+                  </a:ext>
+                </a:extLst>
+              </p:cNvPr>
+              <p:cNvPicPr/>
+              <p:nvPr/>
+            </p:nvPicPr>
+            <p:blipFill>
+              <a:blip r:embed="rId41"/>
+              <a:stretch>
+                <a:fillRect/>
+              </a:stretch>
+            </p:blipFill>
+            <p:spPr>
+              <a:xfrm>
+                <a:off x="7174246" y="4519011"/>
+                <a:ext cx="510480" cy="237960"/>
+              </a:xfrm>
+              <a:prstGeom prst="rect">
+                <a:avLst/>
+              </a:prstGeom>
+            </p:spPr>
+          </p:pic>
+        </mc:Fallback>
+      </mc:AlternateContent>
+      <mc:AlternateContent xmlns:mc="http://schemas.openxmlformats.org/markup-compatibility/2006">
+        <mc:Choice xmlns:p14="http://schemas.microsoft.com/office/powerpoint/2010/main" Requires="p14">
+          <p:contentPart p14:bwMode="auto" r:id="rId42">
+            <p14:nvContentPartPr>
+              <p14:cNvPr id="211" name="Ink 210">
+                <a:extLst>
+                  <a:ext uri="{FF2B5EF4-FFF2-40B4-BE49-F238E27FC236}">
+                    <a16:creationId xmlns:a16="http://schemas.microsoft.com/office/drawing/2014/main" id="{F852AA4C-4B5B-4FB5-B926-E457713817FB}"/>
+                  </a:ext>
+                </a:extLst>
+              </p14:cNvPr>
+              <p14:cNvContentPartPr/>
+              <p14:nvPr/>
+            </p14:nvContentPartPr>
+            <p14:xfrm>
+              <a:off x="174046" y="2083611"/>
+              <a:ext cx="10078200" cy="2893320"/>
+            </p14:xfrm>
+          </p:contentPart>
+        </mc:Choice>
+        <mc:Fallback>
+          <p:pic>
+            <p:nvPicPr>
+              <p:cNvPr id="211" name="Ink 210">
+                <a:extLst>
+                  <a:ext uri="{FF2B5EF4-FFF2-40B4-BE49-F238E27FC236}">
+                    <a16:creationId xmlns:a16="http://schemas.microsoft.com/office/drawing/2014/main" id="{F852AA4C-4B5B-4FB5-B926-E457713817FB}"/>
+                  </a:ext>
+                </a:extLst>
+              </p:cNvPr>
+              <p:cNvPicPr/>
+              <p:nvPr/>
+            </p:nvPicPr>
+            <p:blipFill>
+              <a:blip r:embed="rId43"/>
+              <a:stretch>
+                <a:fillRect/>
+              </a:stretch>
+            </p:blipFill>
+            <p:spPr>
+              <a:xfrm>
+                <a:off x="165046" y="2074611"/>
+                <a:ext cx="10095840" cy="2910960"/>
+              </a:xfrm>
+              <a:prstGeom prst="rect">
+                <a:avLst/>
+              </a:prstGeom>
+            </p:spPr>
+          </p:pic>
+        </mc:Fallback>
+      </mc:AlternateContent>
+      <mc:AlternateContent xmlns:mc="http://schemas.openxmlformats.org/markup-compatibility/2006">
+        <mc:Choice xmlns:p14="http://schemas.microsoft.com/office/powerpoint/2010/main" Requires="p14">
+          <p:contentPart p14:bwMode="auto" r:id="rId44">
+            <p14:nvContentPartPr>
+              <p14:cNvPr id="215" name="Ink 214">
+                <a:extLst>
+                  <a:ext uri="{FF2B5EF4-FFF2-40B4-BE49-F238E27FC236}">
+                    <a16:creationId xmlns:a16="http://schemas.microsoft.com/office/drawing/2014/main" id="{E0FBC904-7596-4F4E-9AEA-4A9B2D13CA72}"/>
+                  </a:ext>
+                </a:extLst>
+              </p14:cNvPr>
+              <p14:cNvContentPartPr/>
+              <p14:nvPr/>
+            </p14:nvContentPartPr>
+            <p14:xfrm>
+              <a:off x="4325926" y="1890291"/>
+              <a:ext cx="1433520" cy="1943640"/>
+            </p14:xfrm>
+          </p:contentPart>
+        </mc:Choice>
+        <mc:Fallback>
+          <p:pic>
+            <p:nvPicPr>
+              <p:cNvPr id="215" name="Ink 214">
+                <a:extLst>
+                  <a:ext uri="{FF2B5EF4-FFF2-40B4-BE49-F238E27FC236}">
+                    <a16:creationId xmlns:a16="http://schemas.microsoft.com/office/drawing/2014/main" id="{E0FBC904-7596-4F4E-9AEA-4A9B2D13CA72}"/>
+                  </a:ext>
+                </a:extLst>
+              </p:cNvPr>
+              <p:cNvPicPr/>
+              <p:nvPr/>
+            </p:nvPicPr>
+            <p:blipFill>
+              <a:blip r:embed="rId45"/>
+              <a:stretch>
+                <a:fillRect/>
+              </a:stretch>
+            </p:blipFill>
+            <p:spPr>
+              <a:xfrm>
+                <a:off x="4316926" y="1881291"/>
+                <a:ext cx="1451160" cy="1961280"/>
+              </a:xfrm>
+              <a:prstGeom prst="rect">
+                <a:avLst/>
+              </a:prstGeom>
+            </p:spPr>
+          </p:pic>
+        </mc:Fallback>
+      </mc:AlternateContent>
+      <mc:AlternateContent xmlns:mc="http://schemas.openxmlformats.org/markup-compatibility/2006">
+        <mc:Choice xmlns:p14="http://schemas.microsoft.com/office/powerpoint/2010/main" Requires="p14">
+          <p:contentPart p14:bwMode="auto" r:id="rId46">
+            <p14:nvContentPartPr>
+              <p14:cNvPr id="221" name="Ink 220">
+                <a:extLst>
+                  <a:ext uri="{FF2B5EF4-FFF2-40B4-BE49-F238E27FC236}">
+                    <a16:creationId xmlns:a16="http://schemas.microsoft.com/office/drawing/2014/main" id="{7F00D59F-0DD6-441D-9DDE-5B3C7166B641}"/>
+                  </a:ext>
+                </a:extLst>
+              </p14:cNvPr>
+              <p14:cNvContentPartPr/>
+              <p14:nvPr/>
+            </p14:nvContentPartPr>
+            <p14:xfrm>
+              <a:off x="1985206" y="5072331"/>
+              <a:ext cx="347760" cy="460800"/>
+            </p14:xfrm>
+          </p:contentPart>
+        </mc:Choice>
+        <mc:Fallback>
+          <p:pic>
+            <p:nvPicPr>
+              <p:cNvPr id="221" name="Ink 220">
+                <a:extLst>
+                  <a:ext uri="{FF2B5EF4-FFF2-40B4-BE49-F238E27FC236}">
+                    <a16:creationId xmlns:a16="http://schemas.microsoft.com/office/drawing/2014/main" id="{7F00D59F-0DD6-441D-9DDE-5B3C7166B641}"/>
+                  </a:ext>
+                </a:extLst>
+              </p:cNvPr>
+              <p:cNvPicPr/>
+              <p:nvPr/>
+            </p:nvPicPr>
+            <p:blipFill>
+              <a:blip r:embed="rId47"/>
+              <a:stretch>
+                <a:fillRect/>
+              </a:stretch>
+            </p:blipFill>
+            <p:spPr>
+              <a:xfrm>
+                <a:off x="1976206" y="5063324"/>
+                <a:ext cx="365400" cy="478454"/>
+              </a:xfrm>
+              <a:prstGeom prst="rect">
+                <a:avLst/>
+              </a:prstGeom>
+            </p:spPr>
+          </p:pic>
+        </mc:Fallback>
+      </mc:AlternateContent>
+      <mc:AlternateContent xmlns:mc="http://schemas.openxmlformats.org/markup-compatibility/2006">
+        <mc:Choice xmlns:p14="http://schemas.microsoft.com/office/powerpoint/2010/main" Requires="p14">
+          <p:contentPart p14:bwMode="auto" r:id="rId48">
+            <p14:nvContentPartPr>
+              <p14:cNvPr id="222" name="Ink 221">
+                <a:extLst>
+                  <a:ext uri="{FF2B5EF4-FFF2-40B4-BE49-F238E27FC236}">
+                    <a16:creationId xmlns:a16="http://schemas.microsoft.com/office/drawing/2014/main" id="{4629337B-26A0-4BB7-82D9-B44F5B6B976C}"/>
+                  </a:ext>
+                </a:extLst>
+              </p14:cNvPr>
+              <p14:cNvContentPartPr/>
+              <p14:nvPr/>
+            </p14:nvContentPartPr>
+            <p14:xfrm>
+              <a:off x="720886" y="5055411"/>
+              <a:ext cx="352080" cy="459000"/>
+            </p14:xfrm>
+          </p:contentPart>
+        </mc:Choice>
+        <mc:Fallback>
+          <p:pic>
+            <p:nvPicPr>
+              <p:cNvPr id="222" name="Ink 221">
+                <a:extLst>
+                  <a:ext uri="{FF2B5EF4-FFF2-40B4-BE49-F238E27FC236}">
+                    <a16:creationId xmlns:a16="http://schemas.microsoft.com/office/drawing/2014/main" id="{4629337B-26A0-4BB7-82D9-B44F5B6B976C}"/>
+                  </a:ext>
+                </a:extLst>
+              </p:cNvPr>
+              <p:cNvPicPr/>
+              <p:nvPr/>
+            </p:nvPicPr>
+            <p:blipFill>
+              <a:blip r:embed="rId49"/>
+              <a:stretch>
+                <a:fillRect/>
+              </a:stretch>
+            </p:blipFill>
+            <p:spPr>
+              <a:xfrm>
+                <a:off x="711886" y="5046411"/>
+                <a:ext cx="369720" cy="476640"/>
+              </a:xfrm>
+              <a:prstGeom prst="rect">
+                <a:avLst/>
+              </a:prstGeom>
+            </p:spPr>
+          </p:pic>
+        </mc:Fallback>
+      </mc:AlternateContent>
+      <mc:AlternateContent xmlns:mc="http://schemas.openxmlformats.org/markup-compatibility/2006">
+        <mc:Choice xmlns:p14="http://schemas.microsoft.com/office/powerpoint/2010/main" Requires="p14">
+          <p:contentPart p14:bwMode="auto" r:id="rId50">
+            <p14:nvContentPartPr>
+              <p14:cNvPr id="227" name="Ink 226">
+                <a:extLst>
+                  <a:ext uri="{FF2B5EF4-FFF2-40B4-BE49-F238E27FC236}">
+                    <a16:creationId xmlns:a16="http://schemas.microsoft.com/office/drawing/2014/main" id="{CBCDE760-8673-4B9F-AD8E-B6AEFD72A48A}"/>
+                  </a:ext>
+                </a:extLst>
+              </p14:cNvPr>
+              <p14:cNvContentPartPr/>
+              <p14:nvPr/>
+            </p14:nvContentPartPr>
+            <p14:xfrm>
+              <a:off x="3262126" y="4921851"/>
+              <a:ext cx="398160" cy="529920"/>
+            </p14:xfrm>
+          </p:contentPart>
+        </mc:Choice>
+        <mc:Fallback>
+          <p:pic>
+            <p:nvPicPr>
+              <p:cNvPr id="227" name="Ink 226">
+                <a:extLst>
+                  <a:ext uri="{FF2B5EF4-FFF2-40B4-BE49-F238E27FC236}">
+                    <a16:creationId xmlns:a16="http://schemas.microsoft.com/office/drawing/2014/main" id="{CBCDE760-8673-4B9F-AD8E-B6AEFD72A48A}"/>
+                  </a:ext>
+                </a:extLst>
+              </p:cNvPr>
+              <p:cNvPicPr/>
+              <p:nvPr/>
+            </p:nvPicPr>
+            <p:blipFill>
+              <a:blip r:embed="rId51"/>
+              <a:stretch>
+                <a:fillRect/>
+              </a:stretch>
+            </p:blipFill>
+            <p:spPr>
+              <a:xfrm>
+                <a:off x="3253126" y="4912845"/>
+                <a:ext cx="415800" cy="547572"/>
+              </a:xfrm>
+              <a:prstGeom prst="rect">
+                <a:avLst/>
+              </a:prstGeom>
+            </p:spPr>
+          </p:pic>
+        </mc:Fallback>
+      </mc:AlternateContent>
+      <mc:AlternateContent xmlns:mc="http://schemas.openxmlformats.org/markup-compatibility/2006">
+        <mc:Choice xmlns:p14="http://schemas.microsoft.com/office/powerpoint/2010/main" Requires="p14">
+          <p:contentPart p14:bwMode="auto" r:id="rId52">
+            <p14:nvContentPartPr>
+              <p14:cNvPr id="232" name="Ink 231">
+                <a:extLst>
+                  <a:ext uri="{FF2B5EF4-FFF2-40B4-BE49-F238E27FC236}">
+                    <a16:creationId xmlns:a16="http://schemas.microsoft.com/office/drawing/2014/main" id="{8A3FEE40-E0E6-43C6-B292-8B574262DB59}"/>
+                  </a:ext>
+                </a:extLst>
+              </p14:cNvPr>
+              <p14:cNvContentPartPr/>
+              <p14:nvPr/>
+            </p14:nvContentPartPr>
+            <p14:xfrm>
+              <a:off x="2954326" y="4977651"/>
+              <a:ext cx="255240" cy="298080"/>
+            </p14:xfrm>
+          </p:contentPart>
+        </mc:Choice>
+        <mc:Fallback>
+          <p:pic>
+            <p:nvPicPr>
+              <p:cNvPr id="232" name="Ink 231">
+                <a:extLst>
+                  <a:ext uri="{FF2B5EF4-FFF2-40B4-BE49-F238E27FC236}">
+                    <a16:creationId xmlns:a16="http://schemas.microsoft.com/office/drawing/2014/main" id="{8A3FEE40-E0E6-43C6-B292-8B574262DB59}"/>
+                  </a:ext>
+                </a:extLst>
+              </p:cNvPr>
+              <p:cNvPicPr/>
+              <p:nvPr/>
+            </p:nvPicPr>
+            <p:blipFill>
+              <a:blip r:embed="rId53"/>
+              <a:stretch>
+                <a:fillRect/>
+              </a:stretch>
+            </p:blipFill>
+            <p:spPr>
+              <a:xfrm>
+                <a:off x="2945326" y="4968651"/>
+                <a:ext cx="272880" cy="315720"/>
+              </a:xfrm>
+              <a:prstGeom prst="rect">
+                <a:avLst/>
+              </a:prstGeom>
+            </p:spPr>
+          </p:pic>
+        </mc:Fallback>
+      </mc:AlternateContent>
+      <mc:AlternateContent xmlns:mc="http://schemas.openxmlformats.org/markup-compatibility/2006">
+        <mc:Choice xmlns:p14="http://schemas.microsoft.com/office/powerpoint/2010/main" Requires="p14">
+          <p:contentPart p14:bwMode="auto" r:id="rId54">
+            <p14:nvContentPartPr>
+              <p14:cNvPr id="233" name="Ink 232">
+                <a:extLst>
+                  <a:ext uri="{FF2B5EF4-FFF2-40B4-BE49-F238E27FC236}">
+                    <a16:creationId xmlns:a16="http://schemas.microsoft.com/office/drawing/2014/main" id="{24AC5007-5B73-4428-9A0B-B745C8D8CF92}"/>
+                  </a:ext>
+                </a:extLst>
+              </p14:cNvPr>
+              <p14:cNvContentPartPr/>
+              <p14:nvPr/>
+            </p14:nvContentPartPr>
+            <p14:xfrm>
+              <a:off x="3965206" y="4801611"/>
+              <a:ext cx="608400" cy="555840"/>
+            </p14:xfrm>
+          </p:contentPart>
+        </mc:Choice>
+        <mc:Fallback>
+          <p:pic>
+            <p:nvPicPr>
+              <p:cNvPr id="233" name="Ink 232">
+                <a:extLst>
+                  <a:ext uri="{FF2B5EF4-FFF2-40B4-BE49-F238E27FC236}">
+                    <a16:creationId xmlns:a16="http://schemas.microsoft.com/office/drawing/2014/main" id="{24AC5007-5B73-4428-9A0B-B745C8D8CF92}"/>
+                  </a:ext>
+                </a:extLst>
+              </p:cNvPr>
+              <p:cNvPicPr/>
+              <p:nvPr/>
+            </p:nvPicPr>
+            <p:blipFill>
+              <a:blip r:embed="rId55"/>
+              <a:stretch>
+                <a:fillRect/>
+              </a:stretch>
+            </p:blipFill>
+            <p:spPr>
+              <a:xfrm>
+                <a:off x="3956206" y="4792611"/>
+                <a:ext cx="626040" cy="573480"/>
+              </a:xfrm>
+              <a:prstGeom prst="rect">
+                <a:avLst/>
+              </a:prstGeom>
+            </p:spPr>
+          </p:pic>
+        </mc:Fallback>
+      </mc:AlternateContent>
+      <mc:AlternateContent xmlns:mc="http://schemas.openxmlformats.org/markup-compatibility/2006">
+        <mc:Choice xmlns:p14="http://schemas.microsoft.com/office/powerpoint/2010/main" Requires="p14">
+          <p:contentPart p14:bwMode="auto" r:id="rId56">
+            <p14:nvContentPartPr>
+              <p14:cNvPr id="236" name="Ink 235">
+                <a:extLst>
+                  <a:ext uri="{FF2B5EF4-FFF2-40B4-BE49-F238E27FC236}">
+                    <a16:creationId xmlns:a16="http://schemas.microsoft.com/office/drawing/2014/main" id="{B84C6967-5880-47FF-8223-96090A8EBF12}"/>
+                  </a:ext>
+                </a:extLst>
+              </p14:cNvPr>
+              <p14:cNvContentPartPr/>
+              <p14:nvPr/>
+            </p14:nvContentPartPr>
+            <p14:xfrm>
+              <a:off x="1652926" y="4967571"/>
+              <a:ext cx="327240" cy="396000"/>
+            </p14:xfrm>
+          </p:contentPart>
+        </mc:Choice>
+        <mc:Fallback>
+          <p:pic>
+            <p:nvPicPr>
+              <p:cNvPr id="236" name="Ink 235">
+                <a:extLst>
+                  <a:ext uri="{FF2B5EF4-FFF2-40B4-BE49-F238E27FC236}">
+                    <a16:creationId xmlns:a16="http://schemas.microsoft.com/office/drawing/2014/main" id="{B84C6967-5880-47FF-8223-96090A8EBF12}"/>
+                  </a:ext>
+                </a:extLst>
+              </p:cNvPr>
+              <p:cNvPicPr/>
+              <p:nvPr/>
+            </p:nvPicPr>
+            <p:blipFill>
+              <a:blip r:embed="rId57"/>
+              <a:stretch>
+                <a:fillRect/>
+              </a:stretch>
+            </p:blipFill>
+            <p:spPr>
+              <a:xfrm>
+                <a:off x="1643926" y="4958571"/>
+                <a:ext cx="344880" cy="413640"/>
+              </a:xfrm>
+              <a:prstGeom prst="rect">
+                <a:avLst/>
+              </a:prstGeom>
+            </p:spPr>
+          </p:pic>
+        </mc:Fallback>
+      </mc:AlternateContent>
+      <mc:AlternateContent xmlns:mc="http://schemas.openxmlformats.org/markup-compatibility/2006">
+        <mc:Choice xmlns:p14="http://schemas.microsoft.com/office/powerpoint/2010/main" Requires="p14">
+          <p:contentPart p14:bwMode="auto" r:id="rId58">
+            <p14:nvContentPartPr>
+              <p14:cNvPr id="239" name="Ink 238">
+                <a:extLst>
+                  <a:ext uri="{FF2B5EF4-FFF2-40B4-BE49-F238E27FC236}">
+                    <a16:creationId xmlns:a16="http://schemas.microsoft.com/office/drawing/2014/main" id="{6CA84400-2ECE-41EF-9D5A-1C770CC9D902}"/>
+                  </a:ext>
+                </a:extLst>
+              </p14:cNvPr>
+              <p14:cNvContentPartPr/>
+              <p14:nvPr/>
+            </p14:nvContentPartPr>
+            <p14:xfrm>
+              <a:off x="448366" y="5019771"/>
+              <a:ext cx="290880" cy="379080"/>
+            </p14:xfrm>
+          </p:contentPart>
+        </mc:Choice>
+        <mc:Fallback>
+          <p:pic>
+            <p:nvPicPr>
+              <p:cNvPr id="239" name="Ink 238">
+                <a:extLst>
+                  <a:ext uri="{FF2B5EF4-FFF2-40B4-BE49-F238E27FC236}">
+                    <a16:creationId xmlns:a16="http://schemas.microsoft.com/office/drawing/2014/main" id="{6CA84400-2ECE-41EF-9D5A-1C770CC9D902}"/>
+                  </a:ext>
+                </a:extLst>
+              </p:cNvPr>
+              <p:cNvPicPr/>
+              <p:nvPr/>
+            </p:nvPicPr>
+            <p:blipFill>
+              <a:blip r:embed="rId59"/>
+              <a:stretch>
+                <a:fillRect/>
+              </a:stretch>
+            </p:blipFill>
+            <p:spPr>
+              <a:xfrm>
+                <a:off x="439366" y="5010771"/>
+                <a:ext cx="308520" cy="396720"/>
+              </a:xfrm>
+              <a:prstGeom prst="rect">
+                <a:avLst/>
+              </a:prstGeom>
+            </p:spPr>
+          </p:pic>
+        </mc:Fallback>
+      </mc:AlternateContent>
+      <mc:AlternateContent xmlns:mc="http://schemas.openxmlformats.org/markup-compatibility/2006">
+        <mc:Choice xmlns:p14="http://schemas.microsoft.com/office/powerpoint/2010/main" Requires="p14">
+          <p:contentPart p14:bwMode="auto" r:id="rId60">
+            <p14:nvContentPartPr>
+              <p14:cNvPr id="242" name="Ink 241">
+                <a:extLst>
+                  <a:ext uri="{FF2B5EF4-FFF2-40B4-BE49-F238E27FC236}">
+                    <a16:creationId xmlns:a16="http://schemas.microsoft.com/office/drawing/2014/main" id="{180AA276-23D7-47C9-BBF2-D6A48A9CBCA0}"/>
+                  </a:ext>
+                </a:extLst>
+              </p14:cNvPr>
+              <p14:cNvContentPartPr/>
+              <p14:nvPr/>
+            </p14:nvContentPartPr>
+            <p14:xfrm>
+              <a:off x="456646" y="5627091"/>
+              <a:ext cx="519840" cy="469080"/>
+            </p14:xfrm>
+          </p:contentPart>
+        </mc:Choice>
+        <mc:Fallback>
+          <p:pic>
+            <p:nvPicPr>
+              <p:cNvPr id="242" name="Ink 241">
+                <a:extLst>
+                  <a:ext uri="{FF2B5EF4-FFF2-40B4-BE49-F238E27FC236}">
+                    <a16:creationId xmlns:a16="http://schemas.microsoft.com/office/drawing/2014/main" id="{180AA276-23D7-47C9-BBF2-D6A48A9CBCA0}"/>
+                  </a:ext>
+                </a:extLst>
+              </p:cNvPr>
+              <p:cNvPicPr/>
+              <p:nvPr/>
+            </p:nvPicPr>
+            <p:blipFill>
+              <a:blip r:embed="rId61"/>
+              <a:stretch>
+                <a:fillRect/>
+              </a:stretch>
+            </p:blipFill>
+            <p:spPr>
+              <a:xfrm>
+                <a:off x="447646" y="5618091"/>
+                <a:ext cx="537480" cy="486720"/>
+              </a:xfrm>
+              <a:prstGeom prst="rect">
+                <a:avLst/>
+              </a:prstGeom>
+            </p:spPr>
+          </p:pic>
+        </mc:Fallback>
+      </mc:AlternateContent>
+      <mc:AlternateContent xmlns:mc="http://schemas.openxmlformats.org/markup-compatibility/2006">
+        <mc:Choice xmlns:p14="http://schemas.microsoft.com/office/powerpoint/2010/main" Requires="p14">
+          <p:contentPart p14:bwMode="auto" r:id="rId62">
+            <p14:nvContentPartPr>
+              <p14:cNvPr id="250" name="Ink 249">
+                <a:extLst>
+                  <a:ext uri="{FF2B5EF4-FFF2-40B4-BE49-F238E27FC236}">
+                    <a16:creationId xmlns:a16="http://schemas.microsoft.com/office/drawing/2014/main" id="{F73BCC98-42A9-4C97-87DA-3F4EC88263F2}"/>
+                  </a:ext>
+                </a:extLst>
+              </p14:cNvPr>
+              <p14:cNvContentPartPr/>
+              <p14:nvPr/>
+            </p14:nvContentPartPr>
+            <p14:xfrm>
+              <a:off x="4607086" y="5574171"/>
+              <a:ext cx="422640" cy="352800"/>
+            </p14:xfrm>
+          </p:contentPart>
+        </mc:Choice>
+        <mc:Fallback>
+          <p:pic>
+            <p:nvPicPr>
+              <p:cNvPr id="250" name="Ink 249">
+                <a:extLst>
+                  <a:ext uri="{FF2B5EF4-FFF2-40B4-BE49-F238E27FC236}">
+                    <a16:creationId xmlns:a16="http://schemas.microsoft.com/office/drawing/2014/main" id="{F73BCC98-42A9-4C97-87DA-3F4EC88263F2}"/>
+                  </a:ext>
+                </a:extLst>
+              </p:cNvPr>
+              <p:cNvPicPr/>
+              <p:nvPr/>
+            </p:nvPicPr>
+            <p:blipFill>
+              <a:blip r:embed="rId63"/>
+              <a:stretch>
+                <a:fillRect/>
+              </a:stretch>
+            </p:blipFill>
+            <p:spPr>
+              <a:xfrm>
+                <a:off x="4598086" y="5565171"/>
+                <a:ext cx="440280" cy="370440"/>
+              </a:xfrm>
+              <a:prstGeom prst="rect">
+                <a:avLst/>
+              </a:prstGeom>
+            </p:spPr>
+          </p:pic>
+        </mc:Fallback>
+      </mc:AlternateContent>
+      <mc:AlternateContent xmlns:mc="http://schemas.openxmlformats.org/markup-compatibility/2006">
+        <mc:Choice xmlns:p14="http://schemas.microsoft.com/office/powerpoint/2010/main" Requires="p14">
+          <p:contentPart p14:bwMode="auto" r:id="rId64">
+            <p14:nvContentPartPr>
+              <p14:cNvPr id="251" name="Ink 250">
+                <a:extLst>
+                  <a:ext uri="{FF2B5EF4-FFF2-40B4-BE49-F238E27FC236}">
+                    <a16:creationId xmlns:a16="http://schemas.microsoft.com/office/drawing/2014/main" id="{BD030FA7-8BE6-491C-98BF-CD8E0C2F55DD}"/>
+                  </a:ext>
+                </a:extLst>
+              </p14:cNvPr>
+              <p14:cNvContentPartPr/>
+              <p14:nvPr/>
+            </p14:nvContentPartPr>
+            <p14:xfrm>
+              <a:off x="3657766" y="5590731"/>
+              <a:ext cx="378720" cy="502920"/>
+            </p14:xfrm>
+          </p:contentPart>
+        </mc:Choice>
+        <mc:Fallback>
+          <p:pic>
+            <p:nvPicPr>
+              <p:cNvPr id="251" name="Ink 250">
+                <a:extLst>
+                  <a:ext uri="{FF2B5EF4-FFF2-40B4-BE49-F238E27FC236}">
+                    <a16:creationId xmlns:a16="http://schemas.microsoft.com/office/drawing/2014/main" id="{BD030FA7-8BE6-491C-98BF-CD8E0C2F55DD}"/>
+                  </a:ext>
+                </a:extLst>
+              </p:cNvPr>
+              <p:cNvPicPr/>
+              <p:nvPr/>
+            </p:nvPicPr>
+            <p:blipFill>
+              <a:blip r:embed="rId65"/>
+              <a:stretch>
+                <a:fillRect/>
+              </a:stretch>
+            </p:blipFill>
+            <p:spPr>
+              <a:xfrm>
+                <a:off x="3648766" y="5581731"/>
+                <a:ext cx="396360" cy="520560"/>
+              </a:xfrm>
+              <a:prstGeom prst="rect">
+                <a:avLst/>
+              </a:prstGeom>
+            </p:spPr>
+          </p:pic>
+        </mc:Fallback>
+      </mc:AlternateContent>
+      <mc:AlternateContent xmlns:mc="http://schemas.openxmlformats.org/markup-compatibility/2006">
+        <mc:Choice xmlns:p14="http://schemas.microsoft.com/office/powerpoint/2010/main" Requires="p14">
+          <p:contentPart p14:bwMode="auto" r:id="rId66">
+            <p14:nvContentPartPr>
+              <p14:cNvPr id="252" name="Ink 251">
+                <a:extLst>
+                  <a:ext uri="{FF2B5EF4-FFF2-40B4-BE49-F238E27FC236}">
+                    <a16:creationId xmlns:a16="http://schemas.microsoft.com/office/drawing/2014/main" id="{FC9305E3-05C4-4AD9-B576-D7DE52B91A87}"/>
+                  </a:ext>
+                </a:extLst>
+              </p14:cNvPr>
+              <p14:cNvContentPartPr/>
+              <p14:nvPr/>
+            </p14:nvContentPartPr>
+            <p14:xfrm>
+              <a:off x="2145406" y="5697291"/>
+              <a:ext cx="334440" cy="545760"/>
+            </p14:xfrm>
+          </p:contentPart>
+        </mc:Choice>
+        <mc:Fallback>
+          <p:pic>
+            <p:nvPicPr>
+              <p:cNvPr id="252" name="Ink 251">
+                <a:extLst>
+                  <a:ext uri="{FF2B5EF4-FFF2-40B4-BE49-F238E27FC236}">
+                    <a16:creationId xmlns:a16="http://schemas.microsoft.com/office/drawing/2014/main" id="{FC9305E3-05C4-4AD9-B576-D7DE52B91A87}"/>
+                  </a:ext>
+                </a:extLst>
+              </p:cNvPr>
+              <p:cNvPicPr/>
+              <p:nvPr/>
+            </p:nvPicPr>
+            <p:blipFill>
+              <a:blip r:embed="rId67"/>
+              <a:stretch>
+                <a:fillRect/>
+              </a:stretch>
+            </p:blipFill>
+            <p:spPr>
+              <a:xfrm>
+                <a:off x="2136406" y="5688291"/>
+                <a:ext cx="352080" cy="563400"/>
+              </a:xfrm>
+              <a:prstGeom prst="rect">
+                <a:avLst/>
+              </a:prstGeom>
+            </p:spPr>
+          </p:pic>
+        </mc:Fallback>
+      </mc:AlternateContent>
+      <mc:AlternateContent xmlns:mc="http://schemas.openxmlformats.org/markup-compatibility/2006">
+        <mc:Choice xmlns:p14="http://schemas.microsoft.com/office/powerpoint/2010/main" Requires="p14">
+          <p:contentPart p14:bwMode="auto" r:id="rId68">
+            <p14:nvContentPartPr>
+              <p14:cNvPr id="261" name="Ink 260">
+                <a:extLst>
+                  <a:ext uri="{FF2B5EF4-FFF2-40B4-BE49-F238E27FC236}">
+                    <a16:creationId xmlns:a16="http://schemas.microsoft.com/office/drawing/2014/main" id="{C9497109-5712-4FF9-AC29-F33B2E523CE7}"/>
+                  </a:ext>
+                </a:extLst>
+              </p14:cNvPr>
+              <p14:cNvContentPartPr/>
+              <p14:nvPr/>
+            </p14:nvContentPartPr>
+            <p14:xfrm>
+              <a:off x="4686286" y="4947051"/>
+              <a:ext cx="1636200" cy="363960"/>
+            </p14:xfrm>
+          </p:contentPart>
+        </mc:Choice>
+        <mc:Fallback>
+          <p:pic>
+            <p:nvPicPr>
+              <p:cNvPr id="261" name="Ink 260">
+                <a:extLst>
+                  <a:ext uri="{FF2B5EF4-FFF2-40B4-BE49-F238E27FC236}">
+                    <a16:creationId xmlns:a16="http://schemas.microsoft.com/office/drawing/2014/main" id="{C9497109-5712-4FF9-AC29-F33B2E523CE7}"/>
+                  </a:ext>
+                </a:extLst>
+              </p:cNvPr>
+              <p:cNvPicPr/>
+              <p:nvPr/>
+            </p:nvPicPr>
+            <p:blipFill>
+              <a:blip r:embed="rId69"/>
+              <a:stretch>
+                <a:fillRect/>
+              </a:stretch>
+            </p:blipFill>
+            <p:spPr>
+              <a:xfrm>
+                <a:off x="4677286" y="4938051"/>
+                <a:ext cx="1653840" cy="381600"/>
+              </a:xfrm>
+              <a:prstGeom prst="rect">
+                <a:avLst/>
+              </a:prstGeom>
+            </p:spPr>
+          </p:pic>
+        </mc:Fallback>
+      </mc:AlternateContent>
     </p:spTree>
     <p:extLst>
       <p:ext uri="{BB962C8B-B14F-4D97-AF65-F5344CB8AC3E}">
@@ -11990,6 +15595,1077 @@
           <a:chExt cx="0" cy="0"/>
         </a:xfrm>
       </p:grpSpPr>
+      <mc:AlternateContent xmlns:mc="http://schemas.openxmlformats.org/markup-compatibility/2006">
+        <mc:Choice xmlns:p14="http://schemas.microsoft.com/office/powerpoint/2010/main" Requires="p14">
+          <p:contentPart p14:bwMode="auto" r:id="rId2">
+            <p14:nvContentPartPr>
+              <p14:cNvPr id="4" name="Ink 3">
+                <a:extLst>
+                  <a:ext uri="{FF2B5EF4-FFF2-40B4-BE49-F238E27FC236}">
+                    <a16:creationId xmlns:a16="http://schemas.microsoft.com/office/drawing/2014/main" id="{4E8ADFA4-27D5-4626-A640-5374B7BC0C45}"/>
+                  </a:ext>
+                </a:extLst>
+              </p14:cNvPr>
+              <p14:cNvContentPartPr/>
+              <p14:nvPr/>
+            </p14:nvContentPartPr>
+            <p14:xfrm>
+              <a:off x="2160526" y="763491"/>
+              <a:ext cx="585000" cy="732960"/>
+            </p14:xfrm>
+          </p:contentPart>
+        </mc:Choice>
+        <mc:Fallback>
+          <p:pic>
+            <p:nvPicPr>
+              <p:cNvPr id="4" name="Ink 3">
+                <a:extLst>
+                  <a:ext uri="{FF2B5EF4-FFF2-40B4-BE49-F238E27FC236}">
+                    <a16:creationId xmlns:a16="http://schemas.microsoft.com/office/drawing/2014/main" id="{4E8ADFA4-27D5-4626-A640-5374B7BC0C45}"/>
+                  </a:ext>
+                </a:extLst>
+              </p:cNvPr>
+              <p:cNvPicPr/>
+              <p:nvPr/>
+            </p:nvPicPr>
+            <p:blipFill>
+              <a:blip r:embed="rId3"/>
+              <a:stretch>
+                <a:fillRect/>
+              </a:stretch>
+            </p:blipFill>
+            <p:spPr>
+              <a:xfrm>
+                <a:off x="2151526" y="754491"/>
+                <a:ext cx="602640" cy="750600"/>
+              </a:xfrm>
+              <a:prstGeom prst="rect">
+                <a:avLst/>
+              </a:prstGeom>
+            </p:spPr>
+          </p:pic>
+        </mc:Fallback>
+      </mc:AlternateContent>
+      <mc:AlternateContent xmlns:mc="http://schemas.openxmlformats.org/markup-compatibility/2006">
+        <mc:Choice xmlns:p14="http://schemas.microsoft.com/office/powerpoint/2010/main" Requires="p14">
+          <p:contentPart p14:bwMode="auto" r:id="rId4">
+            <p14:nvContentPartPr>
+              <p14:cNvPr id="48" name="Ink 47">
+                <a:extLst>
+                  <a:ext uri="{FF2B5EF4-FFF2-40B4-BE49-F238E27FC236}">
+                    <a16:creationId xmlns:a16="http://schemas.microsoft.com/office/drawing/2014/main" id="{8F04BB5E-A2CF-41EB-B24E-6472DB57C2BC}"/>
+                  </a:ext>
+                </a:extLst>
+              </p14:cNvPr>
+              <p14:cNvContentPartPr/>
+              <p14:nvPr/>
+            </p14:nvContentPartPr>
+            <p14:xfrm>
+              <a:off x="3525646" y="940611"/>
+              <a:ext cx="475200" cy="158760"/>
+            </p14:xfrm>
+          </p:contentPart>
+        </mc:Choice>
+        <mc:Fallback>
+          <p:pic>
+            <p:nvPicPr>
+              <p:cNvPr id="48" name="Ink 47">
+                <a:extLst>
+                  <a:ext uri="{FF2B5EF4-FFF2-40B4-BE49-F238E27FC236}">
+                    <a16:creationId xmlns:a16="http://schemas.microsoft.com/office/drawing/2014/main" id="{8F04BB5E-A2CF-41EB-B24E-6472DB57C2BC}"/>
+                  </a:ext>
+                </a:extLst>
+              </p:cNvPr>
+              <p:cNvPicPr/>
+              <p:nvPr/>
+            </p:nvPicPr>
+            <p:blipFill>
+              <a:blip r:embed="rId5"/>
+              <a:stretch>
+                <a:fillRect/>
+              </a:stretch>
+            </p:blipFill>
+            <p:spPr>
+              <a:xfrm>
+                <a:off x="3516646" y="931611"/>
+                <a:ext cx="492840" cy="176400"/>
+              </a:xfrm>
+              <a:prstGeom prst="rect">
+                <a:avLst/>
+              </a:prstGeom>
+            </p:spPr>
+          </p:pic>
+        </mc:Fallback>
+      </mc:AlternateContent>
+      <mc:AlternateContent xmlns:mc="http://schemas.openxmlformats.org/markup-compatibility/2006">
+        <mc:Choice xmlns:p14="http://schemas.microsoft.com/office/powerpoint/2010/main" Requires="p14">
+          <p:contentPart p14:bwMode="auto" r:id="rId6">
+            <p14:nvContentPartPr>
+              <p14:cNvPr id="70" name="Ink 69">
+                <a:extLst>
+                  <a:ext uri="{FF2B5EF4-FFF2-40B4-BE49-F238E27FC236}">
+                    <a16:creationId xmlns:a16="http://schemas.microsoft.com/office/drawing/2014/main" id="{346F5788-BBA3-4747-8684-A1FC448425F8}"/>
+                  </a:ext>
+                </a:extLst>
+              </p14:cNvPr>
+              <p14:cNvContentPartPr/>
+              <p14:nvPr/>
+            </p14:nvContentPartPr>
+            <p14:xfrm>
+              <a:off x="1063966" y="4020411"/>
+              <a:ext cx="1530000" cy="1070640"/>
+            </p14:xfrm>
+          </p:contentPart>
+        </mc:Choice>
+        <mc:Fallback>
+          <p:pic>
+            <p:nvPicPr>
+              <p:cNvPr id="70" name="Ink 69">
+                <a:extLst>
+                  <a:ext uri="{FF2B5EF4-FFF2-40B4-BE49-F238E27FC236}">
+                    <a16:creationId xmlns:a16="http://schemas.microsoft.com/office/drawing/2014/main" id="{346F5788-BBA3-4747-8684-A1FC448425F8}"/>
+                  </a:ext>
+                </a:extLst>
+              </p:cNvPr>
+              <p:cNvPicPr/>
+              <p:nvPr/>
+            </p:nvPicPr>
+            <p:blipFill>
+              <a:blip r:embed="rId7"/>
+              <a:stretch>
+                <a:fillRect/>
+              </a:stretch>
+            </p:blipFill>
+            <p:spPr>
+              <a:xfrm>
+                <a:off x="1054966" y="4011411"/>
+                <a:ext cx="1547640" cy="1088280"/>
+              </a:xfrm>
+              <a:prstGeom prst="rect">
+                <a:avLst/>
+              </a:prstGeom>
+            </p:spPr>
+          </p:pic>
+        </mc:Fallback>
+      </mc:AlternateContent>
+      <mc:AlternateContent xmlns:mc="http://schemas.openxmlformats.org/markup-compatibility/2006">
+        <mc:Choice xmlns:p14="http://schemas.microsoft.com/office/powerpoint/2010/main" Requires="p14">
+          <p:contentPart p14:bwMode="auto" r:id="rId8">
+            <p14:nvContentPartPr>
+              <p14:cNvPr id="82" name="Ink 81">
+                <a:extLst>
+                  <a:ext uri="{FF2B5EF4-FFF2-40B4-BE49-F238E27FC236}">
+                    <a16:creationId xmlns:a16="http://schemas.microsoft.com/office/drawing/2014/main" id="{95341579-48E8-4C07-830A-A383AEF1A99B}"/>
+                  </a:ext>
+                </a:extLst>
+              </p14:cNvPr>
+              <p14:cNvContentPartPr/>
+              <p14:nvPr/>
+            </p14:nvContentPartPr>
+            <p14:xfrm>
+              <a:off x="1195726" y="5249091"/>
+              <a:ext cx="1275120" cy="544320"/>
+            </p14:xfrm>
+          </p:contentPart>
+        </mc:Choice>
+        <mc:Fallback>
+          <p:pic>
+            <p:nvPicPr>
+              <p:cNvPr id="82" name="Ink 81">
+                <a:extLst>
+                  <a:ext uri="{FF2B5EF4-FFF2-40B4-BE49-F238E27FC236}">
+                    <a16:creationId xmlns:a16="http://schemas.microsoft.com/office/drawing/2014/main" id="{95341579-48E8-4C07-830A-A383AEF1A99B}"/>
+                  </a:ext>
+                </a:extLst>
+              </p:cNvPr>
+              <p:cNvPicPr/>
+              <p:nvPr/>
+            </p:nvPicPr>
+            <p:blipFill>
+              <a:blip r:embed="rId9"/>
+              <a:stretch>
+                <a:fillRect/>
+              </a:stretch>
+            </p:blipFill>
+            <p:spPr>
+              <a:xfrm>
+                <a:off x="1186726" y="5240091"/>
+                <a:ext cx="1292760" cy="561960"/>
+              </a:xfrm>
+              <a:prstGeom prst="rect">
+                <a:avLst/>
+              </a:prstGeom>
+            </p:spPr>
+          </p:pic>
+        </mc:Fallback>
+      </mc:AlternateContent>
+      <mc:AlternateContent xmlns:mc="http://schemas.openxmlformats.org/markup-compatibility/2006">
+        <mc:Choice xmlns:p14="http://schemas.microsoft.com/office/powerpoint/2010/main" Requires="p14">
+          <p:contentPart p14:bwMode="auto" r:id="rId10">
+            <p14:nvContentPartPr>
+              <p14:cNvPr id="83" name="Ink 82">
+                <a:extLst>
+                  <a:ext uri="{FF2B5EF4-FFF2-40B4-BE49-F238E27FC236}">
+                    <a16:creationId xmlns:a16="http://schemas.microsoft.com/office/drawing/2014/main" id="{57DDC974-86A8-4620-8BA9-BD99910964EA}"/>
+                  </a:ext>
+                </a:extLst>
+              </p14:cNvPr>
+              <p14:cNvContentPartPr/>
+              <p14:nvPr/>
+            </p14:nvContentPartPr>
+            <p14:xfrm>
+              <a:off x="2936686" y="3745371"/>
+              <a:ext cx="88200" cy="2022840"/>
+            </p14:xfrm>
+          </p:contentPart>
+        </mc:Choice>
+        <mc:Fallback>
+          <p:pic>
+            <p:nvPicPr>
+              <p:cNvPr id="83" name="Ink 82">
+                <a:extLst>
+                  <a:ext uri="{FF2B5EF4-FFF2-40B4-BE49-F238E27FC236}">
+                    <a16:creationId xmlns:a16="http://schemas.microsoft.com/office/drawing/2014/main" id="{57DDC974-86A8-4620-8BA9-BD99910964EA}"/>
+                  </a:ext>
+                </a:extLst>
+              </p:cNvPr>
+              <p:cNvPicPr/>
+              <p:nvPr/>
+            </p:nvPicPr>
+            <p:blipFill>
+              <a:blip r:embed="rId11"/>
+              <a:stretch>
+                <a:fillRect/>
+              </a:stretch>
+            </p:blipFill>
+            <p:spPr>
+              <a:xfrm>
+                <a:off x="2927686" y="3736371"/>
+                <a:ext cx="105840" cy="2040480"/>
+              </a:xfrm>
+              <a:prstGeom prst="rect">
+                <a:avLst/>
+              </a:prstGeom>
+            </p:spPr>
+          </p:pic>
+        </mc:Fallback>
+      </mc:AlternateContent>
+      <mc:AlternateContent xmlns:mc="http://schemas.openxmlformats.org/markup-compatibility/2006">
+        <mc:Choice xmlns:p14="http://schemas.microsoft.com/office/powerpoint/2010/main" Requires="p14">
+          <p:contentPart p14:bwMode="auto" r:id="rId12">
+            <p14:nvContentPartPr>
+              <p14:cNvPr id="88" name="Ink 87">
+                <a:extLst>
+                  <a:ext uri="{FF2B5EF4-FFF2-40B4-BE49-F238E27FC236}">
+                    <a16:creationId xmlns:a16="http://schemas.microsoft.com/office/drawing/2014/main" id="{A1A748AE-0594-4C2B-8D97-2BE51FC7397A}"/>
+                  </a:ext>
+                </a:extLst>
+              </p14:cNvPr>
+              <p14:cNvContentPartPr/>
+              <p14:nvPr/>
+            </p14:nvContentPartPr>
+            <p14:xfrm>
+              <a:off x="3367606" y="4422531"/>
+              <a:ext cx="61920" cy="167400"/>
+            </p14:xfrm>
+          </p:contentPart>
+        </mc:Choice>
+        <mc:Fallback>
+          <p:pic>
+            <p:nvPicPr>
+              <p:cNvPr id="88" name="Ink 87">
+                <a:extLst>
+                  <a:ext uri="{FF2B5EF4-FFF2-40B4-BE49-F238E27FC236}">
+                    <a16:creationId xmlns:a16="http://schemas.microsoft.com/office/drawing/2014/main" id="{A1A748AE-0594-4C2B-8D97-2BE51FC7397A}"/>
+                  </a:ext>
+                </a:extLst>
+              </p:cNvPr>
+              <p:cNvPicPr/>
+              <p:nvPr/>
+            </p:nvPicPr>
+            <p:blipFill>
+              <a:blip r:embed="rId13"/>
+              <a:stretch>
+                <a:fillRect/>
+              </a:stretch>
+            </p:blipFill>
+            <p:spPr>
+              <a:xfrm>
+                <a:off x="3358606" y="4413531"/>
+                <a:ext cx="79560" cy="185040"/>
+              </a:xfrm>
+              <a:prstGeom prst="rect">
+                <a:avLst/>
+              </a:prstGeom>
+            </p:spPr>
+          </p:pic>
+        </mc:Fallback>
+      </mc:AlternateContent>
+      <mc:AlternateContent xmlns:mc="http://schemas.openxmlformats.org/markup-compatibility/2006">
+        <mc:Choice xmlns:p14="http://schemas.microsoft.com/office/powerpoint/2010/main" Requires="p14">
+          <p:contentPart p14:bwMode="auto" r:id="rId14">
+            <p14:nvContentPartPr>
+              <p14:cNvPr id="89" name="Ink 88">
+                <a:extLst>
+                  <a:ext uri="{FF2B5EF4-FFF2-40B4-BE49-F238E27FC236}">
+                    <a16:creationId xmlns:a16="http://schemas.microsoft.com/office/drawing/2014/main" id="{9BF989F8-FAAF-440A-A8E0-1DA262D954DE}"/>
+                  </a:ext>
+                </a:extLst>
+              </p14:cNvPr>
+              <p14:cNvContentPartPr/>
+              <p14:nvPr/>
+            </p14:nvContentPartPr>
+            <p14:xfrm>
+              <a:off x="3288406" y="4773891"/>
+              <a:ext cx="343080" cy="196560"/>
+            </p14:xfrm>
+          </p:contentPart>
+        </mc:Choice>
+        <mc:Fallback>
+          <p:pic>
+            <p:nvPicPr>
+              <p:cNvPr id="89" name="Ink 88">
+                <a:extLst>
+                  <a:ext uri="{FF2B5EF4-FFF2-40B4-BE49-F238E27FC236}">
+                    <a16:creationId xmlns:a16="http://schemas.microsoft.com/office/drawing/2014/main" id="{9BF989F8-FAAF-440A-A8E0-1DA262D954DE}"/>
+                  </a:ext>
+                </a:extLst>
+              </p:cNvPr>
+              <p:cNvPicPr/>
+              <p:nvPr/>
+            </p:nvPicPr>
+            <p:blipFill>
+              <a:blip r:embed="rId15"/>
+              <a:stretch>
+                <a:fillRect/>
+              </a:stretch>
+            </p:blipFill>
+            <p:spPr>
+              <a:xfrm>
+                <a:off x="3279406" y="4764891"/>
+                <a:ext cx="360720" cy="214200"/>
+              </a:xfrm>
+              <a:prstGeom prst="rect">
+                <a:avLst/>
+              </a:prstGeom>
+            </p:spPr>
+          </p:pic>
+        </mc:Fallback>
+      </mc:AlternateContent>
+      <mc:AlternateContent xmlns:mc="http://schemas.openxmlformats.org/markup-compatibility/2006">
+        <mc:Choice xmlns:p14="http://schemas.microsoft.com/office/powerpoint/2010/main" Requires="p14">
+          <p:contentPart p14:bwMode="auto" r:id="rId16">
+            <p14:nvContentPartPr>
+              <p14:cNvPr id="90" name="Ink 89">
+                <a:extLst>
+                  <a:ext uri="{FF2B5EF4-FFF2-40B4-BE49-F238E27FC236}">
+                    <a16:creationId xmlns:a16="http://schemas.microsoft.com/office/drawing/2014/main" id="{3783ADBB-BFD6-4D82-B6CF-E5B16A910046}"/>
+                  </a:ext>
+                </a:extLst>
+              </p14:cNvPr>
+              <p14:cNvContentPartPr/>
+              <p14:nvPr/>
+            </p14:nvContentPartPr>
+            <p14:xfrm>
+              <a:off x="3244486" y="5134611"/>
+              <a:ext cx="221760" cy="194040"/>
+            </p14:xfrm>
+          </p:contentPart>
+        </mc:Choice>
+        <mc:Fallback>
+          <p:pic>
+            <p:nvPicPr>
+              <p:cNvPr id="90" name="Ink 89">
+                <a:extLst>
+                  <a:ext uri="{FF2B5EF4-FFF2-40B4-BE49-F238E27FC236}">
+                    <a16:creationId xmlns:a16="http://schemas.microsoft.com/office/drawing/2014/main" id="{3783ADBB-BFD6-4D82-B6CF-E5B16A910046}"/>
+                  </a:ext>
+                </a:extLst>
+              </p:cNvPr>
+              <p:cNvPicPr/>
+              <p:nvPr/>
+            </p:nvPicPr>
+            <p:blipFill>
+              <a:blip r:embed="rId17"/>
+              <a:stretch>
+                <a:fillRect/>
+              </a:stretch>
+            </p:blipFill>
+            <p:spPr>
+              <a:xfrm>
+                <a:off x="3235486" y="5125611"/>
+                <a:ext cx="239400" cy="211680"/>
+              </a:xfrm>
+              <a:prstGeom prst="rect">
+                <a:avLst/>
+              </a:prstGeom>
+            </p:spPr>
+          </p:pic>
+        </mc:Fallback>
+      </mc:AlternateContent>
+      <mc:AlternateContent xmlns:mc="http://schemas.openxmlformats.org/markup-compatibility/2006">
+        <mc:Choice xmlns:p14="http://schemas.microsoft.com/office/powerpoint/2010/main" Requires="p14">
+          <p:contentPart p14:bwMode="auto" r:id="rId18">
+            <p14:nvContentPartPr>
+              <p14:cNvPr id="101" name="Ink 100">
+                <a:extLst>
+                  <a:ext uri="{FF2B5EF4-FFF2-40B4-BE49-F238E27FC236}">
+                    <a16:creationId xmlns:a16="http://schemas.microsoft.com/office/drawing/2014/main" id="{9431DF57-3A61-4422-A07F-9186B4F9A22F}"/>
+                  </a:ext>
+                </a:extLst>
+              </p14:cNvPr>
+              <p14:cNvContentPartPr/>
+              <p14:nvPr/>
+            </p14:nvContentPartPr>
+            <p14:xfrm>
+              <a:off x="3842086" y="4246131"/>
+              <a:ext cx="1935000" cy="1285200"/>
+            </p14:xfrm>
+          </p:contentPart>
+        </mc:Choice>
+        <mc:Fallback>
+          <p:pic>
+            <p:nvPicPr>
+              <p:cNvPr id="101" name="Ink 100">
+                <a:extLst>
+                  <a:ext uri="{FF2B5EF4-FFF2-40B4-BE49-F238E27FC236}">
+                    <a16:creationId xmlns:a16="http://schemas.microsoft.com/office/drawing/2014/main" id="{9431DF57-3A61-4422-A07F-9186B4F9A22F}"/>
+                  </a:ext>
+                </a:extLst>
+              </p:cNvPr>
+              <p:cNvPicPr/>
+              <p:nvPr/>
+            </p:nvPicPr>
+            <p:blipFill>
+              <a:blip r:embed="rId19"/>
+              <a:stretch>
+                <a:fillRect/>
+              </a:stretch>
+            </p:blipFill>
+            <p:spPr>
+              <a:xfrm>
+                <a:off x="3833086" y="4237131"/>
+                <a:ext cx="1952640" cy="1302840"/>
+              </a:xfrm>
+              <a:prstGeom prst="rect">
+                <a:avLst/>
+              </a:prstGeom>
+            </p:spPr>
+          </p:pic>
+        </mc:Fallback>
+      </mc:AlternateContent>
+      <mc:AlternateContent xmlns:mc="http://schemas.openxmlformats.org/markup-compatibility/2006">
+        <mc:Choice xmlns:p14="http://schemas.microsoft.com/office/powerpoint/2010/main" Requires="p14">
+          <p:contentPart p14:bwMode="auto" r:id="rId20">
+            <p14:nvContentPartPr>
+              <p14:cNvPr id="128" name="Ink 127">
+                <a:extLst>
+                  <a:ext uri="{FF2B5EF4-FFF2-40B4-BE49-F238E27FC236}">
+                    <a16:creationId xmlns:a16="http://schemas.microsoft.com/office/drawing/2014/main" id="{926BC951-91F4-4D5A-B9F4-1148B8200CD3}"/>
+                  </a:ext>
+                </a:extLst>
+              </p14:cNvPr>
+              <p14:cNvContentPartPr/>
+              <p14:nvPr/>
+            </p14:nvContentPartPr>
+            <p14:xfrm>
+              <a:off x="5468206" y="193251"/>
+              <a:ext cx="1328760" cy="450360"/>
+            </p14:xfrm>
+          </p:contentPart>
+        </mc:Choice>
+        <mc:Fallback>
+          <p:pic>
+            <p:nvPicPr>
+              <p:cNvPr id="128" name="Ink 127">
+                <a:extLst>
+                  <a:ext uri="{FF2B5EF4-FFF2-40B4-BE49-F238E27FC236}">
+                    <a16:creationId xmlns:a16="http://schemas.microsoft.com/office/drawing/2014/main" id="{926BC951-91F4-4D5A-B9F4-1148B8200CD3}"/>
+                  </a:ext>
+                </a:extLst>
+              </p:cNvPr>
+              <p:cNvPicPr/>
+              <p:nvPr/>
+            </p:nvPicPr>
+            <p:blipFill>
+              <a:blip r:embed="rId21"/>
+              <a:stretch>
+                <a:fillRect/>
+              </a:stretch>
+            </p:blipFill>
+            <p:spPr>
+              <a:xfrm>
+                <a:off x="5459206" y="184251"/>
+                <a:ext cx="1346400" cy="468000"/>
+              </a:xfrm>
+              <a:prstGeom prst="rect">
+                <a:avLst/>
+              </a:prstGeom>
+            </p:spPr>
+          </p:pic>
+        </mc:Fallback>
+      </mc:AlternateContent>
+      <mc:AlternateContent xmlns:mc="http://schemas.openxmlformats.org/markup-compatibility/2006">
+        <mc:Choice xmlns:p14="http://schemas.microsoft.com/office/powerpoint/2010/main" Requires="p14">
+          <p:contentPart p14:bwMode="auto" r:id="rId22">
+            <p14:nvContentPartPr>
+              <p14:cNvPr id="139" name="Ink 138">
+                <a:extLst>
+                  <a:ext uri="{FF2B5EF4-FFF2-40B4-BE49-F238E27FC236}">
+                    <a16:creationId xmlns:a16="http://schemas.microsoft.com/office/drawing/2014/main" id="{E982D168-EEFB-4C1A-A7D4-A8402EA03C95}"/>
+                  </a:ext>
+                </a:extLst>
+              </p14:cNvPr>
+              <p14:cNvContentPartPr/>
+              <p14:nvPr/>
+            </p14:nvContentPartPr>
+            <p14:xfrm>
+              <a:off x="6980926" y="342291"/>
+              <a:ext cx="132480" cy="132840"/>
+            </p14:xfrm>
+          </p:contentPart>
+        </mc:Choice>
+        <mc:Fallback>
+          <p:pic>
+            <p:nvPicPr>
+              <p:cNvPr id="139" name="Ink 138">
+                <a:extLst>
+                  <a:ext uri="{FF2B5EF4-FFF2-40B4-BE49-F238E27FC236}">
+                    <a16:creationId xmlns:a16="http://schemas.microsoft.com/office/drawing/2014/main" id="{E982D168-EEFB-4C1A-A7D4-A8402EA03C95}"/>
+                  </a:ext>
+                </a:extLst>
+              </p:cNvPr>
+              <p:cNvPicPr/>
+              <p:nvPr/>
+            </p:nvPicPr>
+            <p:blipFill>
+              <a:blip r:embed="rId23"/>
+              <a:stretch>
+                <a:fillRect/>
+              </a:stretch>
+            </p:blipFill>
+            <p:spPr>
+              <a:xfrm>
+                <a:off x="6971926" y="333291"/>
+                <a:ext cx="150120" cy="150480"/>
+              </a:xfrm>
+              <a:prstGeom prst="rect">
+                <a:avLst/>
+              </a:prstGeom>
+            </p:spPr>
+          </p:pic>
+        </mc:Fallback>
+      </mc:AlternateContent>
+      <mc:AlternateContent xmlns:mc="http://schemas.openxmlformats.org/markup-compatibility/2006">
+        <mc:Choice xmlns:p14="http://schemas.microsoft.com/office/powerpoint/2010/main" Requires="p14">
+          <p:contentPart p14:bwMode="auto" r:id="rId24">
+            <p14:nvContentPartPr>
+              <p14:cNvPr id="141" name="Ink 140">
+                <a:extLst>
+                  <a:ext uri="{FF2B5EF4-FFF2-40B4-BE49-F238E27FC236}">
+                    <a16:creationId xmlns:a16="http://schemas.microsoft.com/office/drawing/2014/main" id="{1D388A16-BA61-47B8-9F49-297C966768D7}"/>
+                  </a:ext>
+                </a:extLst>
+              </p14:cNvPr>
+              <p14:cNvContentPartPr/>
+              <p14:nvPr/>
+            </p14:nvContentPartPr>
+            <p14:xfrm>
+              <a:off x="7901806" y="184611"/>
+              <a:ext cx="1787760" cy="520920"/>
+            </p14:xfrm>
+          </p:contentPart>
+        </mc:Choice>
+        <mc:Fallback>
+          <p:pic>
+            <p:nvPicPr>
+              <p:cNvPr id="141" name="Ink 140">
+                <a:extLst>
+                  <a:ext uri="{FF2B5EF4-FFF2-40B4-BE49-F238E27FC236}">
+                    <a16:creationId xmlns:a16="http://schemas.microsoft.com/office/drawing/2014/main" id="{1D388A16-BA61-47B8-9F49-297C966768D7}"/>
+                  </a:ext>
+                </a:extLst>
+              </p:cNvPr>
+              <p:cNvPicPr/>
+              <p:nvPr/>
+            </p:nvPicPr>
+            <p:blipFill>
+              <a:blip r:embed="rId25"/>
+              <a:stretch>
+                <a:fillRect/>
+              </a:stretch>
+            </p:blipFill>
+            <p:spPr>
+              <a:xfrm>
+                <a:off x="7892806" y="175611"/>
+                <a:ext cx="1805400" cy="538560"/>
+              </a:xfrm>
+              <a:prstGeom prst="rect">
+                <a:avLst/>
+              </a:prstGeom>
+            </p:spPr>
+          </p:pic>
+        </mc:Fallback>
+      </mc:AlternateContent>
+      <mc:AlternateContent xmlns:mc="http://schemas.openxmlformats.org/markup-compatibility/2006">
+        <mc:Choice xmlns:p14="http://schemas.microsoft.com/office/powerpoint/2010/main" Requires="p14">
+          <p:contentPart p14:bwMode="auto" r:id="rId26">
+            <p14:nvContentPartPr>
+              <p14:cNvPr id="147" name="Ink 146">
+                <a:extLst>
+                  <a:ext uri="{FF2B5EF4-FFF2-40B4-BE49-F238E27FC236}">
+                    <a16:creationId xmlns:a16="http://schemas.microsoft.com/office/drawing/2014/main" id="{55C3B469-C3DF-4DA5-95EA-1AD6DDE73202}"/>
+                  </a:ext>
+                </a:extLst>
+              </p14:cNvPr>
+              <p14:cNvContentPartPr/>
+              <p14:nvPr/>
+            </p14:nvContentPartPr>
+            <p14:xfrm>
+              <a:off x="9917806" y="307011"/>
+              <a:ext cx="598320" cy="414360"/>
+            </p14:xfrm>
+          </p:contentPart>
+        </mc:Choice>
+        <mc:Fallback>
+          <p:pic>
+            <p:nvPicPr>
+              <p:cNvPr id="147" name="Ink 146">
+                <a:extLst>
+                  <a:ext uri="{FF2B5EF4-FFF2-40B4-BE49-F238E27FC236}">
+                    <a16:creationId xmlns:a16="http://schemas.microsoft.com/office/drawing/2014/main" id="{55C3B469-C3DF-4DA5-95EA-1AD6DDE73202}"/>
+                  </a:ext>
+                </a:extLst>
+              </p:cNvPr>
+              <p:cNvPicPr/>
+              <p:nvPr/>
+            </p:nvPicPr>
+            <p:blipFill>
+              <a:blip r:embed="rId27"/>
+              <a:stretch>
+                <a:fillRect/>
+              </a:stretch>
+            </p:blipFill>
+            <p:spPr>
+              <a:xfrm>
+                <a:off x="9908806" y="298011"/>
+                <a:ext cx="615960" cy="432000"/>
+              </a:xfrm>
+              <a:prstGeom prst="rect">
+                <a:avLst/>
+              </a:prstGeom>
+            </p:spPr>
+          </p:pic>
+        </mc:Fallback>
+      </mc:AlternateContent>
+      <mc:AlternateContent xmlns:mc="http://schemas.openxmlformats.org/markup-compatibility/2006">
+        <mc:Choice xmlns:p14="http://schemas.microsoft.com/office/powerpoint/2010/main" Requires="p14">
+          <p:contentPart p14:bwMode="auto" r:id="rId28">
+            <p14:nvContentPartPr>
+              <p14:cNvPr id="148" name="Ink 147">
+                <a:extLst>
+                  <a:ext uri="{FF2B5EF4-FFF2-40B4-BE49-F238E27FC236}">
+                    <a16:creationId xmlns:a16="http://schemas.microsoft.com/office/drawing/2014/main" id="{194476FE-B1C8-4220-931E-2B28B20D53BB}"/>
+                  </a:ext>
+                </a:extLst>
+              </p14:cNvPr>
+              <p14:cNvContentPartPr/>
+              <p14:nvPr/>
+            </p14:nvContentPartPr>
+            <p14:xfrm>
+              <a:off x="1987006" y="3912411"/>
+              <a:ext cx="264240" cy="212760"/>
+            </p14:xfrm>
+          </p:contentPart>
+        </mc:Choice>
+        <mc:Fallback>
+          <p:pic>
+            <p:nvPicPr>
+              <p:cNvPr id="148" name="Ink 147">
+                <a:extLst>
+                  <a:ext uri="{FF2B5EF4-FFF2-40B4-BE49-F238E27FC236}">
+                    <a16:creationId xmlns:a16="http://schemas.microsoft.com/office/drawing/2014/main" id="{194476FE-B1C8-4220-931E-2B28B20D53BB}"/>
+                  </a:ext>
+                </a:extLst>
+              </p:cNvPr>
+              <p:cNvPicPr/>
+              <p:nvPr/>
+            </p:nvPicPr>
+            <p:blipFill>
+              <a:blip r:embed="rId29"/>
+              <a:stretch>
+                <a:fillRect/>
+              </a:stretch>
+            </p:blipFill>
+            <p:spPr>
+              <a:xfrm>
+                <a:off x="1978006" y="3903411"/>
+                <a:ext cx="281880" cy="230400"/>
+              </a:xfrm>
+              <a:prstGeom prst="rect">
+                <a:avLst/>
+              </a:prstGeom>
+            </p:spPr>
+          </p:pic>
+        </mc:Fallback>
+      </mc:AlternateContent>
+      <mc:AlternateContent xmlns:mc="http://schemas.openxmlformats.org/markup-compatibility/2006">
+        <mc:Choice xmlns:p14="http://schemas.microsoft.com/office/powerpoint/2010/main" Requires="p14">
+          <p:contentPart p14:bwMode="auto" r:id="rId30">
+            <p14:nvContentPartPr>
+              <p14:cNvPr id="151" name="Ink 150">
+                <a:extLst>
+                  <a:ext uri="{FF2B5EF4-FFF2-40B4-BE49-F238E27FC236}">
+                    <a16:creationId xmlns:a16="http://schemas.microsoft.com/office/drawing/2014/main" id="{57CC6035-5ACB-4979-97DE-0C4F6987E2FE}"/>
+                  </a:ext>
+                </a:extLst>
+              </p14:cNvPr>
+              <p14:cNvContentPartPr/>
+              <p14:nvPr/>
+            </p14:nvContentPartPr>
+            <p14:xfrm>
+              <a:off x="3569566" y="3868491"/>
+              <a:ext cx="334440" cy="158760"/>
+            </p14:xfrm>
+          </p:contentPart>
+        </mc:Choice>
+        <mc:Fallback>
+          <p:pic>
+            <p:nvPicPr>
+              <p:cNvPr id="151" name="Ink 150">
+                <a:extLst>
+                  <a:ext uri="{FF2B5EF4-FFF2-40B4-BE49-F238E27FC236}">
+                    <a16:creationId xmlns:a16="http://schemas.microsoft.com/office/drawing/2014/main" id="{57CC6035-5ACB-4979-97DE-0C4F6987E2FE}"/>
+                  </a:ext>
+                </a:extLst>
+              </p:cNvPr>
+              <p:cNvPicPr/>
+              <p:nvPr/>
+            </p:nvPicPr>
+            <p:blipFill>
+              <a:blip r:embed="rId31"/>
+              <a:stretch>
+                <a:fillRect/>
+              </a:stretch>
+            </p:blipFill>
+            <p:spPr>
+              <a:xfrm>
+                <a:off x="3560566" y="3859491"/>
+                <a:ext cx="352080" cy="176400"/>
+              </a:xfrm>
+              <a:prstGeom prst="rect">
+                <a:avLst/>
+              </a:prstGeom>
+            </p:spPr>
+          </p:pic>
+        </mc:Fallback>
+      </mc:AlternateContent>
+      <mc:AlternateContent xmlns:mc="http://schemas.openxmlformats.org/markup-compatibility/2006">
+        <mc:Choice xmlns:p14="http://schemas.microsoft.com/office/powerpoint/2010/main" Requires="p14">
+          <p:contentPart p14:bwMode="auto" r:id="rId32">
+            <p14:nvContentPartPr>
+              <p14:cNvPr id="166" name="Ink 165">
+                <a:extLst>
+                  <a:ext uri="{FF2B5EF4-FFF2-40B4-BE49-F238E27FC236}">
+                    <a16:creationId xmlns:a16="http://schemas.microsoft.com/office/drawing/2014/main" id="{372DD589-D516-4608-9633-F44BD02DA881}"/>
+                  </a:ext>
+                </a:extLst>
+              </p14:cNvPr>
+              <p14:cNvContentPartPr/>
+              <p14:nvPr/>
+            </p14:nvContentPartPr>
+            <p14:xfrm>
+              <a:off x="5996326" y="676731"/>
+              <a:ext cx="765360" cy="123840"/>
+            </p14:xfrm>
+          </p:contentPart>
+        </mc:Choice>
+        <mc:Fallback>
+          <p:pic>
+            <p:nvPicPr>
+              <p:cNvPr id="166" name="Ink 165">
+                <a:extLst>
+                  <a:ext uri="{FF2B5EF4-FFF2-40B4-BE49-F238E27FC236}">
+                    <a16:creationId xmlns:a16="http://schemas.microsoft.com/office/drawing/2014/main" id="{372DD589-D516-4608-9633-F44BD02DA881}"/>
+                  </a:ext>
+                </a:extLst>
+              </p:cNvPr>
+              <p:cNvPicPr/>
+              <p:nvPr/>
+            </p:nvPicPr>
+            <p:blipFill>
+              <a:blip r:embed="rId33"/>
+              <a:stretch>
+                <a:fillRect/>
+              </a:stretch>
+            </p:blipFill>
+            <p:spPr>
+              <a:xfrm>
+                <a:off x="5987326" y="667731"/>
+                <a:ext cx="783000" cy="141480"/>
+              </a:xfrm>
+              <a:prstGeom prst="rect">
+                <a:avLst/>
+              </a:prstGeom>
+            </p:spPr>
+          </p:pic>
+        </mc:Fallback>
+      </mc:AlternateContent>
+      <mc:AlternateContent xmlns:mc="http://schemas.openxmlformats.org/markup-compatibility/2006">
+        <mc:Choice xmlns:p14="http://schemas.microsoft.com/office/powerpoint/2010/main" Requires="p14">
+          <p:contentPart p14:bwMode="auto" r:id="rId34">
+            <p14:nvContentPartPr>
+              <p14:cNvPr id="169" name="Ink 168">
+                <a:extLst>
+                  <a:ext uri="{FF2B5EF4-FFF2-40B4-BE49-F238E27FC236}">
+                    <a16:creationId xmlns:a16="http://schemas.microsoft.com/office/drawing/2014/main" id="{B62CD01C-9E6F-4B76-88C1-3DFE965F32AF}"/>
+                  </a:ext>
+                </a:extLst>
+              </p14:cNvPr>
+              <p14:cNvContentPartPr/>
+              <p14:nvPr/>
+            </p14:nvContentPartPr>
+            <p14:xfrm>
+              <a:off x="5090926" y="184611"/>
+              <a:ext cx="343080" cy="606960"/>
+            </p14:xfrm>
+          </p:contentPart>
+        </mc:Choice>
+        <mc:Fallback>
+          <p:pic>
+            <p:nvPicPr>
+              <p:cNvPr id="169" name="Ink 168">
+                <a:extLst>
+                  <a:ext uri="{FF2B5EF4-FFF2-40B4-BE49-F238E27FC236}">
+                    <a16:creationId xmlns:a16="http://schemas.microsoft.com/office/drawing/2014/main" id="{B62CD01C-9E6F-4B76-88C1-3DFE965F32AF}"/>
+                  </a:ext>
+                </a:extLst>
+              </p:cNvPr>
+              <p:cNvPicPr/>
+              <p:nvPr/>
+            </p:nvPicPr>
+            <p:blipFill>
+              <a:blip r:embed="rId35"/>
+              <a:stretch>
+                <a:fillRect/>
+              </a:stretch>
+            </p:blipFill>
+            <p:spPr>
+              <a:xfrm>
+                <a:off x="5081926" y="175611"/>
+                <a:ext cx="360720" cy="624600"/>
+              </a:xfrm>
+              <a:prstGeom prst="rect">
+                <a:avLst/>
+              </a:prstGeom>
+            </p:spPr>
+          </p:pic>
+        </mc:Fallback>
+      </mc:AlternateContent>
+      <mc:AlternateContent xmlns:mc="http://schemas.openxmlformats.org/markup-compatibility/2006">
+        <mc:Choice xmlns:p14="http://schemas.microsoft.com/office/powerpoint/2010/main" Requires="p14">
+          <p:contentPart p14:bwMode="auto" r:id="rId36">
+            <p14:nvContentPartPr>
+              <p14:cNvPr id="175" name="Ink 174">
+                <a:extLst>
+                  <a:ext uri="{FF2B5EF4-FFF2-40B4-BE49-F238E27FC236}">
+                    <a16:creationId xmlns:a16="http://schemas.microsoft.com/office/drawing/2014/main" id="{3A70BB93-4E4E-4D39-922E-A2FFC37A578F}"/>
+                  </a:ext>
+                </a:extLst>
+              </p14:cNvPr>
+              <p14:cNvContentPartPr/>
+              <p14:nvPr/>
+            </p14:nvContentPartPr>
+            <p14:xfrm>
+              <a:off x="9021046" y="2307891"/>
+              <a:ext cx="237600" cy="22320"/>
+            </p14:xfrm>
+          </p:contentPart>
+        </mc:Choice>
+        <mc:Fallback>
+          <p:pic>
+            <p:nvPicPr>
+              <p:cNvPr id="175" name="Ink 174">
+                <a:extLst>
+                  <a:ext uri="{FF2B5EF4-FFF2-40B4-BE49-F238E27FC236}">
+                    <a16:creationId xmlns:a16="http://schemas.microsoft.com/office/drawing/2014/main" id="{3A70BB93-4E4E-4D39-922E-A2FFC37A578F}"/>
+                  </a:ext>
+                </a:extLst>
+              </p:cNvPr>
+              <p:cNvPicPr/>
+              <p:nvPr/>
+            </p:nvPicPr>
+            <p:blipFill>
+              <a:blip r:embed="rId37"/>
+              <a:stretch>
+                <a:fillRect/>
+              </a:stretch>
+            </p:blipFill>
+            <p:spPr>
+              <a:xfrm>
+                <a:off x="9012046" y="2298891"/>
+                <a:ext cx="255240" cy="39960"/>
+              </a:xfrm>
+              <a:prstGeom prst="rect">
+                <a:avLst/>
+              </a:prstGeom>
+            </p:spPr>
+          </p:pic>
+        </mc:Fallback>
+      </mc:AlternateContent>
+      <mc:AlternateContent xmlns:mc="http://schemas.openxmlformats.org/markup-compatibility/2006">
+        <mc:Choice xmlns:p14="http://schemas.microsoft.com/office/powerpoint/2010/main" Requires="p14">
+          <p:contentPart p14:bwMode="auto" r:id="rId38">
+            <p14:nvContentPartPr>
+              <p14:cNvPr id="176" name="Ink 175">
+                <a:extLst>
+                  <a:ext uri="{FF2B5EF4-FFF2-40B4-BE49-F238E27FC236}">
+                    <a16:creationId xmlns:a16="http://schemas.microsoft.com/office/drawing/2014/main" id="{992FA36A-9AD6-425C-BECF-6DAA2ABDA7C2}"/>
+                  </a:ext>
+                </a:extLst>
+              </p14:cNvPr>
+              <p14:cNvContentPartPr/>
+              <p14:nvPr/>
+            </p14:nvContentPartPr>
+            <p14:xfrm>
+              <a:off x="6566926" y="2312211"/>
+              <a:ext cx="1435320" cy="114840"/>
+            </p14:xfrm>
+          </p:contentPart>
+        </mc:Choice>
+        <mc:Fallback>
+          <p:pic>
+            <p:nvPicPr>
+              <p:cNvPr id="176" name="Ink 175">
+                <a:extLst>
+                  <a:ext uri="{FF2B5EF4-FFF2-40B4-BE49-F238E27FC236}">
+                    <a16:creationId xmlns:a16="http://schemas.microsoft.com/office/drawing/2014/main" id="{992FA36A-9AD6-425C-BECF-6DAA2ABDA7C2}"/>
+                  </a:ext>
+                </a:extLst>
+              </p:cNvPr>
+              <p:cNvPicPr/>
+              <p:nvPr/>
+            </p:nvPicPr>
+            <p:blipFill>
+              <a:blip r:embed="rId39"/>
+              <a:stretch>
+                <a:fillRect/>
+              </a:stretch>
+            </p:blipFill>
+            <p:spPr>
+              <a:xfrm>
+                <a:off x="6557926" y="2303211"/>
+                <a:ext cx="1452960" cy="132480"/>
+              </a:xfrm>
+              <a:prstGeom prst="rect">
+                <a:avLst/>
+              </a:prstGeom>
+            </p:spPr>
+          </p:pic>
+        </mc:Fallback>
+      </mc:AlternateContent>
+      <mc:AlternateContent xmlns:mc="http://schemas.openxmlformats.org/markup-compatibility/2006">
+        <mc:Choice xmlns:p14="http://schemas.microsoft.com/office/powerpoint/2010/main" Requires="p14">
+          <p:contentPart p14:bwMode="auto" r:id="rId40">
+            <p14:nvContentPartPr>
+              <p14:cNvPr id="205" name="Ink 204">
+                <a:extLst>
+                  <a:ext uri="{FF2B5EF4-FFF2-40B4-BE49-F238E27FC236}">
+                    <a16:creationId xmlns:a16="http://schemas.microsoft.com/office/drawing/2014/main" id="{7FBD8B96-778A-4B76-998F-CBE3879A43A1}"/>
+                  </a:ext>
+                </a:extLst>
+              </p14:cNvPr>
+              <p14:cNvContentPartPr/>
+              <p14:nvPr/>
+            </p14:nvContentPartPr>
+            <p14:xfrm>
+              <a:off x="747166" y="299091"/>
+              <a:ext cx="7658640" cy="3807360"/>
+            </p14:xfrm>
+          </p:contentPart>
+        </mc:Choice>
+        <mc:Fallback>
+          <p:pic>
+            <p:nvPicPr>
+              <p:cNvPr id="205" name="Ink 204">
+                <a:extLst>
+                  <a:ext uri="{FF2B5EF4-FFF2-40B4-BE49-F238E27FC236}">
+                    <a16:creationId xmlns:a16="http://schemas.microsoft.com/office/drawing/2014/main" id="{7FBD8B96-778A-4B76-998F-CBE3879A43A1}"/>
+                  </a:ext>
+                </a:extLst>
+              </p:cNvPr>
+              <p:cNvPicPr/>
+              <p:nvPr/>
+            </p:nvPicPr>
+            <p:blipFill>
+              <a:blip r:embed="rId41"/>
+              <a:stretch>
+                <a:fillRect/>
+              </a:stretch>
+            </p:blipFill>
+            <p:spPr>
+              <a:xfrm>
+                <a:off x="738166" y="290091"/>
+                <a:ext cx="7676280" cy="3825000"/>
+              </a:xfrm>
+              <a:prstGeom prst="rect">
+                <a:avLst/>
+              </a:prstGeom>
+            </p:spPr>
+          </p:pic>
+        </mc:Fallback>
+      </mc:AlternateContent>
+      <mc:AlternateContent xmlns:mc="http://schemas.openxmlformats.org/markup-compatibility/2006">
+        <mc:Choice xmlns:p14="http://schemas.microsoft.com/office/powerpoint/2010/main" Requires="p14">
+          <p:contentPart p14:bwMode="auto" r:id="rId42">
+            <p14:nvContentPartPr>
+              <p14:cNvPr id="213" name="Ink 212">
+                <a:extLst>
+                  <a:ext uri="{FF2B5EF4-FFF2-40B4-BE49-F238E27FC236}">
+                    <a16:creationId xmlns:a16="http://schemas.microsoft.com/office/drawing/2014/main" id="{DCF9C9EC-542B-4C46-B979-49E762B547DE}"/>
+                  </a:ext>
+                </a:extLst>
+              </p14:cNvPr>
+              <p14:cNvContentPartPr/>
+              <p14:nvPr/>
+            </p14:nvContentPartPr>
+            <p14:xfrm>
+              <a:off x="4378486" y="949611"/>
+              <a:ext cx="3913200" cy="1770840"/>
+            </p14:xfrm>
+          </p:contentPart>
+        </mc:Choice>
+        <mc:Fallback>
+          <p:pic>
+            <p:nvPicPr>
+              <p:cNvPr id="213" name="Ink 212">
+                <a:extLst>
+                  <a:ext uri="{FF2B5EF4-FFF2-40B4-BE49-F238E27FC236}">
+                    <a16:creationId xmlns:a16="http://schemas.microsoft.com/office/drawing/2014/main" id="{DCF9C9EC-542B-4C46-B979-49E762B547DE}"/>
+                  </a:ext>
+                </a:extLst>
+              </p:cNvPr>
+              <p:cNvPicPr/>
+              <p:nvPr/>
+            </p:nvPicPr>
+            <p:blipFill>
+              <a:blip r:embed="rId43"/>
+              <a:stretch>
+                <a:fillRect/>
+              </a:stretch>
+            </p:blipFill>
+            <p:spPr>
+              <a:xfrm>
+                <a:off x="4369486" y="940611"/>
+                <a:ext cx="3930840" cy="1788480"/>
+              </a:xfrm>
+              <a:prstGeom prst="rect">
+                <a:avLst/>
+              </a:prstGeom>
+            </p:spPr>
+          </p:pic>
+        </mc:Fallback>
+      </mc:AlternateContent>
     </p:spTree>
     <p:extLst>
       <p:ext uri="{BB962C8B-B14F-4D97-AF65-F5344CB8AC3E}">

--- a/Whiteboard.pptx
+++ b/Whiteboard.pptx
@@ -2298,8 +2298,8 @@
   <inkml:trace contextRef="#ctx0" brushRef="#br0" timeOffset="210691">10751 6985 0,'-24'0'0,"24"-24"0,-25 0 16,25-1-16,0 1 0,0-1 16,25 1-16,-1 0 15,1-1-15,-1 1 0,25 24 16,-25-25-16,25 25 16,0 0-16,0 25 0,-25-25 15,25 24-15,-25 1 0,1 23 16,-1-23-16,1 24 15,-25-1-15,0-23 0,0 24 16,-25 0-16,1-25 16,-25 25-16,25-25 0,-25 1 15,0-1-15,0 1 0,25-25 16,-25 24-16,24-24 16,1 0-16,0 0 0,24-24 31,24-1-31,0 25 0,1-24 15,-1 24-15,25-25 0,0 25 16,0 0-16,-25 0 16,25 0-16,-25 25 0,1-1 15,-1-24-15,25 25 16,-24-1-16,-1-24 0,0 24 16,1-24-16,24 25 0,-25-25 15,25 0-15,-25 0 16,25-25-16</inkml:trace>
   <inkml:trace contextRef="#ctx0" brushRef="#br0" timeOffset="211046">11899 7019 0,'0'-25'0,"24"-23"0,-24-1 16,0 24-16,0 1 15,-24 0-15,0 24 16,-1 0-16,1 24 0,-1 0 15,1 1-15,0-1 16,-25 25-16,24-25 0,25 25 16,-24-24-16,24 24 15,0-1-15,0-23 0,0 24 16,24-25-16,1 1 16,24-1-16,-25 0 0,25-24 15,0 0-15,-25 0 0,25 0 16,0-24-16,0 0 15,-25-1-15,0-24 0,1 25 16,-1-25-16,-24 0 0,0 0 16,-24-24-16,-25 24 15,25 0-15,-25 25 0,0-25 16,0 49-16,0-24 0,-24 24 16,24 24-16,0-24 15</inkml:trace>
   <inkml:trace contextRef="#ctx0" brushRef="#br0" timeOffset="213900">17052 4885 0,'-24'-24'0,"24"-1"0,-25 25 15,1-24-15,24-1 16,0 1-16,0 0 16,0-1-16,0 1 15,24 24-15,-24-25 16,25 25-16,-1 0 0,1-24 16,-1 24-16,25 0 15,-25 0-15,25 0 0,0 0 16,0 0-16,-25 0 0,25 24 15,-24-24-15,-1 25 16,0-25-16,-24 24 0,25 1 16,-25-1-1,0 0-15,0 1 0,0-1 16,-25 1-16,25-1 16,0 0-16,0 1 0,0 24 15,0-25-15,0 25 0,0-25 16,0 25-16,0 0 15,0-24-15,0 23 0,0 1 16,0-24-16,0-1 16,0 25-16,25-25 0,-25 1 15,0-1-15,0 1 0,0 24 16,0-25-16,0 0 16,0 1-16,0 24 0,0-25 15,0 0-15,0 1 0,0-1 16,0 1-16,-25-1 15,25 1 1,-24-25 0,0 0-1,-1 0 1,1 0-16,-1-25 0,1 25 16,-25 0-16,25 0 0,-25 0 15,24 0-15,-23-24 16,23 24-16,1 0 0,-1 0 15,1 24-15,-1 1 16,1-25 0,24 24-16,-24-24 0,24 24 15</inkml:trace>
-  <inkml:trace contextRef="#ctx0" brushRef="#br0" timeOffset="214987">20130 6399 0,'0'25'31,"24"-25"1,-24 24-17,24-24 16,1 0 1,-1 0-17,-24-24-15,25 24 0,-25-25 16,0 1-16,24 24 16,-24-25-16,0 1 0,0 0 15,0-1-15,0-24 16,0 25-16,0-25 0,0 25 15,0-25-15,0 24 0,-24-23 16,24-1-16,0 24 16,-25-24-16,25 1 0,-24 23 15,-1-24-15,1 25 16,0-1-16,-1-23 0,1 23 16,-25 1-16,24-25 0,-23 24 15,23 1-15,-24 0 16,1-1-16,-26 1 0,25-1 15,1 1-15,-1 0 16,-25-1-16,26 1 0,-1-1 16,-24 1-16,24-1 0,0 25 15,-24-24-15,24 0 16,0-1-16,0 25 0,0-24 16,-24 24-16,24-25 15,0 25-15,0 0 0,0-24 16,1 24-16,-1 0 0,0 0 15,25 0-15,-25 0 16,24 0-16,-24 0 0,25 0 16,0 0-16,-1 0 15,1 0-15,-1 0 0,1 0 16,24 24 0,-25-24-16,1 0 15,0 0 16,48-24 1</inkml:trace>
-  <inkml:trace contextRef="#ctx0" brushRef="#br0" timeOffset="215640">18518 4812 0,'0'-25'0,"0"1"15,-25 24 16,1 0 1,24 24-32,-25-24 0,1 25 15,0-1-15,-1 1 16,1-25-16,-25 24 0,24 0 16,-23 1-16,-1-1 0,24 1 15,-23-1-15,23-24 16,-24 25-16,25-1 0,-1-24 15,1 24-15,0-24 0,24 25 16,-25-25-16,1 24 16,24 1 15,0-1-15,24-24-1,-24 25-15,25-1 16,-1 0-1,0-24-15,1 25 16,-1-1-16,1-24 0,-25 25 16,24-25-16,1 24 0,-1 1 15,0-1-15,1-24 16,-1 24-16,1 1 0,-1-25 16,-24 24-16,24-24 15,1 0-15,-25 25 16,24-25-1,1 24 32,-25 1-31</inkml:trace>
+  <inkml:trace contextRef="#ctx0" brushRef="#br0" timeOffset="-214509.73">20130 6399 0,'0'25'31,"24"-25"1,-24 24-17,24-24 16,1 0 1,-1 0-17,-24-24-15,25 24 0,-25-25 16,0 1-16,24 24 16,-24-25-16,0 1 0,0 0 15,0-1-15,0-24 16,0 25-16,0-25 0,0 25 15,0-25-15,0 24 0,-24-23 16,24-1-16,0 24 16,-25-24-16,25 1 0,-24 23 15,-1-24-15,1 25 16,0-1-16,-1-23 0,1 23 16,-25 1-16,24-25 0,-23 24 15,23 1-15,-24 0 16,1-1-16,-26 1 0,25-1 15,1 1-15,-1 0 16,-25-1-16,26 1 0,-1-1 16,-24 1-16,24-1 0,0 25 15,-24-24-15,24 0 16,0-1-16,0 25 0,0-24 16,-24 24-16,24-25 15,0 25-15,0 0 0,0-24 16,1 24-16,-1 0 0,0 0 15,25 0-15,-25 0 16,24 0-16,-24 0 0,25 0 16,0 0-16,-1 0 15,1 0-15,-1 0 0,1 0 16,24 24 0,-25-24-16,1 0 15,0 0 16,48-24 1</inkml:trace>
+  <inkml:trace contextRef="#ctx0" brushRef="#br0" timeOffset="-213856.73">18518 4812 0,'0'-25'0,"0"1"15,-25 24 16,1 0 1,24 24-32,-25-24 0,1 25 15,0-1-15,-1 1 16,1-25-16,-25 24 0,24 0 16,-23 1-16,-1-1 0,24 1 15,-23-1-15,23-24 16,-24 25-16,25-1 0,-1-24 15,1 24-15,0-24 0,24 25 16,-25-25-16,1 24 16,24 1 15,0-1-15,24-24-1,-24 25-15,25-1 16,-1 0-1,0-24-15,1 25 16,-1-1-16,1-24 0,-25 25 16,24-25-16,1 24 0,-1 1 15,0-1-15,1-24 16,-1 24-16,1 1 0,-1-25 16,-24 24-16,24-24 15,1 0-15,-25 25 16,24-25-1,1 24 32,-25 1-31</inkml:trace>
 </inkml:ink>
 </file>
 
@@ -3533,6 +3533,87 @@
 </inkml:ink>
 </file>
 
+<file path=ppt/ink/ink188.xml><?xml version="1.0" encoding="utf-8"?>
+<inkml:ink xmlns:inkml="http://www.w3.org/2003/InkML">
+  <inkml:definitions>
+    <inkml:context xml:id="ctx0">
+      <inkml:inkSource xml:id="inkSrc0">
+        <inkml:traceFormat>
+          <inkml:channel name="X" type="integer" max="1920" units="cm"/>
+          <inkml:channel name="Y" type="integer" max="1080" units="cm"/>
+          <inkml:channel name="T" type="integer" max="2.14748E9" units="dev"/>
+        </inkml:traceFormat>
+        <inkml:channelProperties>
+          <inkml:channelProperty channel="X" name="resolution" value="55.81395" units="1/cm"/>
+          <inkml:channelProperty channel="Y" name="resolution" value="55.6701" units="1/cm"/>
+          <inkml:channelProperty channel="T" name="resolution" value="1" units="1/dev"/>
+        </inkml:channelProperties>
+      </inkml:inkSource>
+      <inkml:timestamp xml:id="ts0" timeString="2020-12-17T06:00:23.327"/>
+    </inkml:context>
+    <inkml:brush xml:id="br0">
+      <inkml:brushProperty name="width" value="0.05" units="cm"/>
+      <inkml:brushProperty name="height" value="0.05" units="cm"/>
+      <inkml:brushProperty name="fitToCurve" value="1"/>
+    </inkml:brush>
+  </inkml:definitions>
+  <inkml:trace contextRef="#ctx0" brushRef="#br0">2591 317 0,'24'0'16,"1"0"-16,-1-24 16,1 24-1,-1 0 17,-24 24-1,25 1-16,-25-1-15,0 1 0,24-1 16,-24 25-16,0 0 16,24-25-16,-24 25 0,25 0 15,-25-25-15,0 25 16,24-24-16,-24-1 0,25 0 16,-25 1-16,0-1 15,24 1 1</inkml:trace>
+  <inkml:trace contextRef="#ctx0" brushRef="#br0" timeOffset="373">2518 1001 0,'24'0'47,"1"0"-32,-1 0-15,25 0 16,-25-24-16,25 24 0,0 0 16,24-25-16,-24 25 15,24 0-15,-24-24 0,0 24 16,0 0-16,0-24 0,0 24 16,-25 0-16,0 0 15,1 0-15,-50 0 31</inkml:trace>
+  <inkml:trace contextRef="#ctx0" brushRef="#br0" timeOffset="1673">2860 7473 0,'0'25'0,"-25"-1"16,1 1-16,24-1 16,-25 0-16,25 25 0,0-24 15,0 24-15,0-25 16,0 25-16,0-25 0,25 1 16,-25-1-16,24 1 0,1-1 15,-25 0-15,24-24 16,1 25-16,23-25 0,-23 0 15,-1 0-15,1 0 16,24 0-16,-25 0 0,0-25 16,1 1-16,-1 0 0,1-1 15,-1 1-15,-24-1 16,25-24-16,-25 25 0,0-25 16,0 25-16,0-25 15,-25 24-15,25 1 0,-24 0 16,-1-1-16,1 1 0,-1 24 15,1 0-15,-25 0 16,25 24-16,-1 1 0,-24-1 16,25-24-16,0 24 15,-25 1-15</inkml:trace>
+  <inkml:trace contextRef="#ctx0" brushRef="#br0" timeOffset="2833">417 98 0,'-24'0'31,"0"0"-31,-1 0 16,1 0-16,-25 0 0,24 0 15,1 0-15,-25 24 16,25-24-16,-1 24 0,-23 1 16,23 24-16,25-25 0,-24 25 15,-1 0-15,25 0 16,0 0-16,0-1 0,0-23 15,25 24-15,-1-1 16,1-23-16,-1 24 0,0-25 16,25 1-16,0-25 0,0 0 15,0 0-15,0 0 16,24-25-16,-24 25 0,0-24 16,-1-25-16</inkml:trace>
+  <inkml:trace contextRef="#ctx0" brushRef="#br0" timeOffset="3218">784 366 0,'0'-24'15,"-25"24"1,1 0 0,-1 24-1,1 1 1,24-1-16,0 1 15,-24-1-15,24 0 0,0 25 16,24-24-16,0-1 0,1 0 16,-25 1-16,49-25 15,-25 24-15,1-24 0,-1 0 16,25 0-16,-25 0 16,1 0-16,-1-24 0,1-1 15,-1 1-15,-24 0 16,0-25-16,0 24 15,-24 1-15,24 0 0,-25-1 16,1 1-16,-1 24 16,25-25-16,-24 25 0,-1 0 15,25 25-15,0-1 16,0 1 0,25-25-1</inkml:trace>
+  <inkml:trace contextRef="#ctx0" brushRef="#br0" timeOffset="3608">1077 391 0,'0'-25'16,"0"1"-1,24 24-15,1-25 16,-1 25 15,1 25-31,-1-25 0,0 24 16,1 1-16,-1-25 0,1 24 15,-1 1-15,-24 23 16,24-48-16,-24 25 0,25-1 16,-25 1-16,0-1 15,-25-24-15,1 0 16,0 0-1,-1-24 1,25-1-16,0 1 0,-24-1 16,24 1-16,0-25 0,0 25 15,24-1-15,-24-24 16,25 25-16,-1 24 0,-24-24 16,24 24-16,1 0 15,-1 0-15,1 0 16</inkml:trace>
+  <inkml:trace contextRef="#ctx0" brushRef="#br0" timeOffset="4015">1663 269 0,'24'0'16,"-48"24"15,0 0-15,24 1-1,0-1-15,-25-24 16,25 25-16,0-1 16,0 1-16,0-1 0,0 0 15,0 1-15,25-25 16,-1 0-1,0 0 1,1-25 0,-1 1-16,1 0 15,-1-1-15,-24 1 0,0-1 16,0 1-16,0-1 16,0 1-16,0 0 0,-24-1 15,24 1-15,-25 24 0,1 0 16,-1 0-1,25 24-15,-24-24 16</inkml:trace>
+  <inkml:trace contextRef="#ctx0" brushRef="#br0" timeOffset="4471">1761 244 0,'24'-24'31,"-24"-1"-15,25 25-1,-1 0 1,-24 25-16,24-25 0,-24 24 16,25-24-16,-1 25 0,-24-1 15,25 0-15,-25 1 16,24-1-16,-24 1 0,0-1 15,25-24 1,-25 25-16,0-50 31,-25 1-15,25-1-16,0 1 0,0-1 16,0-23-16,0-1 15,0 24-15,25-24 0,-25 25 16,0 0-16,24-1 0,0 25 15,1 25 1,-25-1-16,24 0 16,-24 1-16,25-1 0,-25 1 15,24-1-15,-24 1 16,0-1-16,24 0 0</inkml:trace>
+  <inkml:trace contextRef="#ctx0" brushRef="#br0" timeOffset="4873">2298 122 0,'24'0'0,"-24"-24"16,0-1 0,0 1-1,0-1 1,0 1-1,-24 24-15,0 0 16,-1 24 0,1 1-1,24-1-15,-25 25 0,25-25 16,0 1-16,-24-1 16,24 1-16,0-1 0,0 1 15,0-1-15,24-24 16,1 0-1,-1-24 1,1-1 0,-25-24-16,0 25 0,24-1 15,-24 1-15,0-25 0,0 25 16,24 24-16,-24-25 16,25 25-16,-25 25 15,24-1-15,1 1 16,-25-1-16,24 25 0,1 0 15</inkml:trace>
+</inkml:ink>
+</file>
+
+<file path=ppt/ink/ink189.xml><?xml version="1.0" encoding="utf-8"?>
+<inkml:ink xmlns:inkml="http://www.w3.org/2003/InkML">
+  <inkml:definitions>
+    <inkml:context xml:id="ctx0">
+      <inkml:inkSource xml:id="inkSrc0">
+        <inkml:traceFormat>
+          <inkml:channel name="X" type="integer" max="1920" units="cm"/>
+          <inkml:channel name="Y" type="integer" max="1080" units="cm"/>
+          <inkml:channel name="T" type="integer" max="2.14748E9" units="dev"/>
+        </inkml:traceFormat>
+        <inkml:channelProperties>
+          <inkml:channelProperty channel="X" name="resolution" value="55.81395" units="1/cm"/>
+          <inkml:channelProperty channel="Y" name="resolution" value="55.6701" units="1/cm"/>
+          <inkml:channelProperty channel="T" name="resolution" value="1" units="1/dev"/>
+        </inkml:channelProperties>
+      </inkml:inkSource>
+      <inkml:timestamp xml:id="ts0" timeString="2020-12-17T06:00:14.192"/>
+    </inkml:context>
+    <inkml:brush xml:id="br0">
+      <inkml:brushProperty name="width" value="0.05" units="cm"/>
+      <inkml:brushProperty name="height" value="0.05" units="cm"/>
+      <inkml:brushProperty name="fitToCurve" value="1"/>
+    </inkml:brush>
+  </inkml:definitions>
+  <inkml:trace contextRef="#ctx0" brushRef="#br0">1026 489 0,'0'-25'0,"-24"1"16,24-1 0,-25-24-16,-24 25 15,49 0 1,0-1-16,-24 1 0,-1-1 16,25 1-16,0 0 0,0-1 15,0 1-15,-24-1 16,0 25-1,24 25 1,0-1-16,-25 1 16,25-1-16,-24 25 0,24-25 15,-25 25-15,25 0 16,-24 0-16,24-25 0,-25 1 16,25-1-16,0 0 0,0 1 15,0-1-15,0-48 31,25-1-15,-25-23-16,24 23 0,-24-24 16,25 0-16,-25 1 0,24-1 15,1 0-15,-25 0 16,24 0-16,-24 0 0,24 25 16,1 0-16,-25-1 15,24 25-15,1 0 0,-1 25 16,1-1-16,23 0 0,-23 1 15,-1-1-15,1 1 16,-1 24-16,0-25 0,1 0 16,-1 25-16,1-24 15,-1-1-15,-24 0 0,25 1 16,-25-1-16,0 1 16,24-1-16,-24 1 15</inkml:trace>
+  <inkml:trace contextRef="#ctx0" brushRef="#br0" timeOffset="840">1099 244 0,'0'-24'0,"-24"24"0,24-24 16,-25 24-16,25-25 15,-24 25-15,24-24 0,0-1 16,-24 1 0,48 48 15,-24 1-15,0-1-16,0 1 0,24 23 15,-24-23-15,0 24 16,25 24-16,-25-24 0,24 0 15,-24 24-15,0 0 0,25 0 16,-25 1-16,24-1 16,-24 0-16,24 1 0,-24 23 15,25 1-15,-25 0 16,24-1-16,-24 1 0,0 0 16,25-1-16,-25 1 0,0 0 15,0-1-15,24 26 16,-24-26-16,0 25 0,0-24 15,-24 24-15,24 0 16,-25 0-16,25 0 0,0-24 16,-24 24-16,24-24 0,-25 24 15,25-24-15,0-25 16,-24 25-16,24-1 0,0 1 16,0 0-16,0 0 15,-24-1-15,24 1 0,0 0 16,0 24-16,-25 0 0,25-24 15,0 24-15,-24 0 16,24 0-16,0-24 0,-25 24 16,25-25-16,0 25 15,-24-24-15,24 24 0,0-24 16,0 0-16,0-1 0,0 1 16,-24 0-16,24-1 15,0 1-15,0-25 0,0 1 16,0 23-16,-25-23 0,25-1 15,-24 0-15,24 25 16,0-25-16,-25 0 0,25 1 16,0-1-16,0 0 15,0 25-15,0-25 0,0 0 16,0 1-16,0-1 0,25 25 16,-25-25-16,24-24 15,-24 24-15,0 0 0,25-24 16,-25 0-16,0 24 15,0-24-15,0 0 0,0-25 16,0 25-16,0-24 16,0 24-16,-25-25 0,25 0 15,-24-24-15,24 25 16,0-50 0</inkml:trace>
+  <inkml:trace contextRef="#ctx0" brushRef="#br0" timeOffset="1871">147 8207 0,'-25'0'0,"1"0"0,-1 0 15,1 0-15,0 0 16,-1 0-16,25-24 16,25 24 15,23 0-16,-23 0-15,48 0 16,0-25-16,25 25 0,24 0 16,0-24-16,49 24 0,-24-24 15,48-1-15,1 1 16,-1-1-16,0 1 0,25 0 16,0-1-16,0-24 15,0 25-15,-1-1 0,1 1 16,-24 0-16,23-1 0,-23 1 15,-1-1-15,1 25 16,-26-24-16,1 24 0,0-25 16,0 25-16,0-24 15,-24 24-15,-1 0 0,1 0 16,24 0-16,-25-24 0,1 24 16,0 0-16,-1 0 15,1 0-15,-1 0 0,-24 0 16,25-25-16,-25 25 15,0 0-15,25 0 0,-25 0 16,0-24-16,0 24 0,24 0 16,-23-25-16,-1 25 15,0 0-15,0-24 0,-24 24 16,24-25-16,-25 25 0,1 0 16,0-24-16,0 24 15,-25-24-15,0 24 0,0 0 16,1 0-16,-1 0 15,-24 0-15,24 0 0,-24 0 16,0 0-16,-1 0 0,1 0 16,0 0-16,-24 0 15,-1 0-15,25 24 0,-25-24 16,1 0-16,-1 0 16,1 0-16,23 0 0,-23 0 15,-1 0-15,25-24 0,-24 24 16,23 0-16,1 0 15,-24-25-15,24 25 0,-1 0 16,-23-24-16,24 24 16,-25 0-16,0 0 0,1-25 15,-1 25-15,25 0 16,-24 0-16,-1-24 0,0 24 16,25 0-16,-24 0 0,24 0 15,-1 0-15,1 0 16,-24-25-16,23 25 0,-23 0 15,-1 0-15,1 0 0,-1 0 16,1 0 62,-1 0-62</inkml:trace>
+  <inkml:trace contextRef="#ctx0" brushRef="#br0" timeOffset="2317">10307 7034 0,'-25'0'16,"1"24"-16,-1-24 15,1 0-15,0 0 16,48 25 0,0-25-16,1 0 15,-1 0-15,1 0 0,-1 0 16,1 0-16,-1 0 0,0 24 15,25-24-15,-24 25 16,-1-25-16,25 24 0,-25-24 16,1 25-16,24-1 15,-25-24-15,0 24 0,1 1 16,-1-25-16,-24 24 16,25-24-16,-25 25 0,0-1 15,-25 1-15,25-1 16,-24-24-16,-1 24 15,25 1-15,-24-1 0,0 1 16,-1-1-16,1 0 16,-25 1-16,25-1 0,-25 1 15,24-1-15,-24-24 0</inkml:trace>
+  <inkml:trace contextRef="#ctx0" brushRef="#br0" timeOffset="30711">9354 8426 0,'-24'0'15,"-1"-24"-15,1 24 16,-1 0-16,25-25 16,-24 25-16,0-24 0,48 24 15,0-25-15,25 25 16,0 0-16,24-24 15,25 24-15,0 0 0,0-24 16,-1 24-16,1 0 16,24-25-16,-49 25 0,25 0 15,-49-24-15,0 24 0,0 0 16,-25 0-16,-24-25 16</inkml:trace>
+  <inkml:trace contextRef="#ctx0" brushRef="#br0" timeOffset="30933">9940 8132 0,'-24'0'0,"-1"0"16,25-24-16,-24 24 0,24-25 15,0 1 1,24 24-16,1 0 16,-1 0-16,1 0 15,-1 24-15,1 1 16,-1-1-16,0 0 0,-24 1 15,25 24-15,-25-25 16,0 25-16,-25 0 0,1 0 16,-25-25-16,25 25 0,-1-25 15</inkml:trace>
+  <inkml:trace contextRef="#ctx0" brushRef="#br0" timeOffset="31514">11137 8133 0,'0'-24'16,"25"-1"-16,-25 1 16,24-25-16,-24 24 15,0-23-15,24 23 0,-24-24 16,0 25-16,0-25 16,0 25-16,0-1 0,-24 25 15,0 0-15,-1 0 16,1 49-16,-1-24 15,1 23-15,-1 26 0,1-1 16,0 0-16,24 0 16,-25 25-16,25 0 0,0-25 15,25 0-15,-1 25 0,-24-49 16,24 24-16,1-24 16,-25 0-16,24 0 0,-24 0 15,25-25-15,-25 0 16,-25-24-16,1 0 15</inkml:trace>
+  <inkml:trace contextRef="#ctx0" brushRef="#br0" timeOffset="32000">10942 8646 0,'0'-24'0,"24"-1"0,-24 1 16,25 24-16,-1-25 15,0 1 1,1 24-16,-1 0 0,1 0 16,-1 0-16,1 0 0,-1 0 15,0 0-15,25 0 16,-24 0-16,-1 24 0,0-24 16,1 0-16,-1 0 15,1 0-15,-1 0 0,1 0 16,-1 0-16,0 0 0,1-24 15,-1 24-15,1-25 16,-1 25-16,1-24 16,-25 0-1,0-1-15,0 1 16,0-1-16,-25 1 0,1-1 16,-1 1-16,25 0 15,-24 24-15,-1-25 0,1 25 16,0 0-16,-1 25 15,25-1-15,-24 0 0,-1 25 16,25 0-16,-24-24 0,24 23 16,0 1-16,0 0 15,0-24-15,24 23 0,1-23 16,-25-1-16,49-24 16,-25 25-16,0-25 0,25 0 15,-24-25-15,-1 25 0,25-24 16,-25-1-16</inkml:trace>
+  <inkml:trace contextRef="#ctx0" brushRef="#br0" timeOffset="32360">11821 8353 0,'-25'-25'0,"25"1"16,-24 24-16,24-24 15,24 24 16,1 0-31,-25 24 16,24 0-16,1 1 16,-25 24-16,24-25 0,1 25 15,-1-25-15,-24 25 0,24-24 16,1-1-16,-25 0 16,24 1-16,1-1 15,-25-48 1,0-1-1,24 1-15,-24 0 0,0-25 16,0 24-16,0-23 16,0-1-16,25 0 0,-25 0 15,0 0-15,24 25 16,-24-1-16,24 25 0,1 25 31,-25-1-31,0 1 0</inkml:trace>
+  <inkml:trace contextRef="#ctx0" brushRef="#br0" timeOffset="32757">12407 8402 0,'25'0'16,"-1"0"30,0 0-30,1-25-16,-1 25 0,1-24 16,-1 24-1,-24-25-15,0 1 0,0 0 16,0-1-16,0 1 16,-24 24-16,-1-25 15,1 1-15,-1 24 0,1-25 16,0 25-16,-1 0 15,1 25-15,-1-1 0,1 1 16,-1-1-16,25 1 0,0 23 16,0-23-16,0 24 15,0-25-15,25 25 0,-1-25 16,1 1-16,-1-1 16,1 1-16,23-25 0,-23 24 15,24-24-15,-25 0 0,25 0 16,-25-24-16,25 24 15</inkml:trace>
+  <inkml:trace contextRef="#ctx0" brushRef="#br0" timeOffset="33070">12798 8280 0,'-25'-49'0,"25"0"0,-24 0 16,24 25-16,-24-1 16,24 1-16,0 48 31,0 25-31,24 0 0,-24 0 15,24-25-15,-24 25 0,25 0 16,-25 0-16,24 0 16,-24-25-16,0 0 0,0 1 15,0-1-15,0-48 32,-24-1-32,24 1 15,0-25-15,0 0 16,24-24-16,1 0 0,-1 24 15,25-24-15,-25-1 0,25 26 16,0-1-16,-24 24 16,23 25-16,-23 0 0,-25 49 15,-25-24 1</inkml:trace>
+  <inkml:trace contextRef="#ctx0" brushRef="#br0" timeOffset="33656">9501 7767 0,'0'-25'16,"-25"25"-16,25-24 16,0 48 15,0 1-31,0-1 16,25 25-16,-25 0 0,0-25 15,0 25-15,24 0 0,-24-25 16,0 1-16,25-1 15,-25 1-15,0-1 0,24-24 16</inkml:trace>
+  <inkml:trace contextRef="#ctx0" brushRef="#br0" timeOffset="34034">9794 7767 0,'0'-25'0,"0"1"0,0 48 31,0 1-15,-25-1-16,25 1 0,0-1 15,0 0-15,0 25 16,0-24-16,0-1 0,25 0 16,-25 1-16,24-1 0,1-24 15,-1 0 1,0 0-16,1 0 0,-1-24 15,1 24-15,-1-25 16,1 1-16,-25 0 0,0-25 16,0 24-16,0 1 0,0 0 15,0-25-15,-25 49 16,1-25-16,-1 25 16,1 0-16,-1 0 15,25 25-15,-24-1 0,24 1 16,-24-1-16,24 0 0,0 1 15,0-1-15,0 1 16,24-25-16,0 0 0</inkml:trace>
+  <inkml:trace contextRef="#ctx0" brushRef="#br0" timeOffset="34604">10331 7693 0,'0'-24'15,"0"48"32,25-24-47,-1 25 16,-24-1-16,24 1 16,1-1-16,-1 1 15,-24-1-15,0 0 0,-24 1 16,-1-25-1,1 0-15,0 0 16,-1-25 0,1 25-16,24-24 0,-25 24 15,25-24-15,0-1 0,0 1 16,0-1-16,0 1 16,0-1-16,0 1 15,25 24-15,-25-24 16,24 24-16,1 0 15,-1 0 17,-24 24-1,0 0-15,0 1-1,0-1-15,-24 1 16,24-1-16,0 1 15,0-1 1,24-48 31,0-1-31</inkml:trace>
+  <inkml:trace contextRef="#ctx0" brushRef="#br0" timeOffset="34977">10771 7693 0,'-25'0'16,"50"0"31,-1 0-32,1 0-15,-25 25 16,0-1-16,0 1 16,0-1-1,-25 1 1,1-25-1,24-25-15,-25 25 16,25-24-16,-24 24 16,24-25-16,0 1 15,0-1 1,24 25-16,1 0 31</inkml:trace>
+  <inkml:trace contextRef="#ctx0" brushRef="#br0" timeOffset="35223">11113 7571 0,'0'-24'15,"0"-1"-15,-25 1 16,25 0-1,-24 48 1,24 0 0,0 25-16,-25-24 0,25 24 15,0-1-15,-24 26 0,24-25 16,0-1-16,0 1 16,0-24-16,24-1 0</inkml:trace>
+  <inkml:trace contextRef="#ctx0" brushRef="#br0" timeOffset="35486">11406 7718 0,'24'-25'0,"-24"1"16,-24 24 30,-1 0-30,1 0 0,-1 0-16,25-24 15,-24-1 1,24 1 0,0 48-1</inkml:trace>
+  <inkml:trace contextRef="#ctx0" brushRef="#br0" timeOffset="37318">831 8646 0,'-25'0'31,"25"-24"-15,-24 24-1,24 24 32,-25-24-47,25 24 16,-24-24-1,48-24 32,1 24-31,-1 0-16,1-24 0,23 24 16,-23-25-16,-1 25 15,25-24-15,-25 24 0,1 0 16,-1 0-1,1 0-15,-50 0 32,25 24-17,-24-24-15,24 25 16,-25-25-16,1 24 16,48-48 30,1 24-30,-1-25 0,1 25-16,-1-24 0,1 24 15,-1-25-15</inkml:trace>
+</inkml:ink>
+</file>
+
 <file path=ppt/ink/ink19.xml><?xml version="1.0" encoding="utf-8"?>
 <inkml:ink xmlns:inkml="http://www.w3.org/2003/InkML">
   <inkml:definitions>
@@ -3563,6 +3644,418 @@
   <inkml:trace contextRef="#ctx0" brushRef="#br0" timeOffset="2093">5740 6423 0,'24'0'0,"-48"0"31,-1 25-15,1-1-1,0 1 1,24-1-16,0 0 15,24-24-15,-24 25 16,24-25-16,-24 24 0,25-24 16,-1 0-16,1 0 15,-1 0-15,1 0 0,-1-24 16,0 24-16,-24-25 16,25 25-16,-25-24 15,0 0-15,-25-1 16,1 25-16,0-24 15,-1 24-15,1 0 16,-1 0-16</inkml:trace>
   <inkml:trace contextRef="#ctx0" brushRef="#br0" timeOffset="2532">6009 6399 0,'-25'0'16,"50"-25"-1,-1 25 1,0 0-16,1 0 15,-1-24-15,1 24 0,-1 0 16,0 0 0,-24 24-16,25-24 0,-25 25 15,0-1 1,0 1-16,-25-1 16,1 1-1,0-1-15,-1 0 16,1-24-16,24 25 0,-25-25 15,25 24-15,0 1 32,25-25-17,-1 0 1,1 0-16,-1 0 16,0 0-16,25 0 15,-24 0-15,-1 0 0,-24-25 16,25 25-16,-1 0 0</inkml:trace>
   <inkml:trace contextRef="#ctx0" brushRef="#br0" timeOffset="2916">6521 6399 0,'0'-25'15,"-24"25"17,24 25-17,-24-25-15,-1 24 16,25 1-16,0-1 16,0 1-1,0-1-15,25 0 16,-1-24-1,0 25 1,1-25-16,-1 0 16,-24-25-16,25 25 15,-25-24-15,24 0 0,-24-1 16,0 1 0,0-1-16,0 1 0,0-1 15,0 1-15,-24 0 16,-1 24-16,-24 0 15</inkml:trace>
+</inkml:ink>
+</file>
+
+<file path=ppt/ink/ink190.xml><?xml version="1.0" encoding="utf-8"?>
+<inkml:ink xmlns:inkml="http://www.w3.org/2003/InkML">
+  <inkml:definitions>
+    <inkml:context xml:id="ctx0">
+      <inkml:inkSource xml:id="inkSrc0">
+        <inkml:traceFormat>
+          <inkml:channel name="X" type="integer" max="1920" units="cm"/>
+          <inkml:channel name="Y" type="integer" max="1080" units="cm"/>
+          <inkml:channel name="T" type="integer" max="2.14748E9" units="dev"/>
+        </inkml:traceFormat>
+        <inkml:channelProperties>
+          <inkml:channelProperty channel="X" name="resolution" value="55.81395" units="1/cm"/>
+          <inkml:channelProperty channel="Y" name="resolution" value="55.6701" units="1/cm"/>
+          <inkml:channelProperty channel="T" name="resolution" value="1" units="1/dev"/>
+        </inkml:channelProperties>
+      </inkml:inkSource>
+      <inkml:timestamp xml:id="ts0" timeString="2020-12-17T06:00:59.307"/>
+    </inkml:context>
+    <inkml:brush xml:id="br0">
+      <inkml:brushProperty name="width" value="0.05" units="cm"/>
+      <inkml:brushProperty name="height" value="0.05" units="cm"/>
+      <inkml:brushProperty name="fitToCurve" value="1"/>
+    </inkml:brush>
+  </inkml:definitions>
+  <inkml:trace contextRef="#ctx0" brushRef="#br0">0 65 0,'0'-24'32,"0"-1"-1,0 50 47,0-1-62,0 1-1,0-1 1,24-24-16,-24 25 0,0-1 16,0 0-1,0 1-15,25-25 16,-25 24-1,0-48 64,0-1-64,0 1 1,0 0-1,0-1-15,0 1 16,0-1-16,-25 1 16,25-1-16,0 1 15,0 48 17,25-24-32,-25 25 15,0-1-15,24 1 16,-24-1-16,0 1 15,0-1-15,24-24 0,-24 24 16,0 1-16,0-1 16,25-24-16,-25 25 0,0-1 15,0-48 63,0-1-62,-25 1 0,25-1-16,0 1 0,0 0 15,-24-1-15,24 1 16,0-1-16,-24 25 16,24-24-16,0 48 31,24 1-16,-24-1 1,0 1-16,0-1 0,24 0 16,-24 1-16,0-1 15,25 1-15,-25-1 0,0 1 16,0-1-16,24 0 16,-24 1-1,0-50 32,0 1-47,0 0 16,-24-1-16,24 1 15,0-1-15,0 1 0,-25-1 16,25-23-16,0 23 0,-24 1 16,24-1-16,0 1 15,0 48 16,0 1-31,0-1 16,0 1-16,24-1 0,-24 0 16,0 1-16,25-1 15,-25 1-15,0-1 16,24 1 0,-24-1-1,0-48 16,-24 24-31,24-25 0,0 1 16,0-1 0,-25 1-16,25-1 0,0 1 15,-24 0-15,24-1 0,0 1 16,0-1 0,0 50-1,0-1 1,24 1-16,-24-1 0,0 0 15,25 1-15,-25-1 0,0 1 16,0-1-16,24 1 16,-24-1-16,0 0 15,0-48 32,0 0-31,-24-1-16,24 1 15,0-1-15,-25 1 16,25-1-16,0 1 0,-24 0 16,24 48 15,0 0-31,0 1 16,0-1-16,24 1 15,-24-1-15,0 1 0,25-1 16,-25 0-1,0-48 17,0 0-17,0-1-15,-25 25 16,25-24-16,0-1 0,0 1 16,0-1-16,-24 1 15,24 0-15,0-1 16,0 50-1,0-1 1,24 0-16,-24 1 16,0-1-16,0 1 15,0-1-15,25-24 0,-25 25 16,0-1 0,0-48 30,0-1-46,-25 25 16,25-24-16,0-1 0,0 1 16,0-1-1,-24 1-15,48 48 32,-24 1-32,25 24 15,-25 0-15,24-1 16</inkml:trace>
+</inkml:ink>
+</file>
+
+<file path=ppt/ink/ink191.xml><?xml version="1.0" encoding="utf-8"?>
+<inkml:ink xmlns:inkml="http://www.w3.org/2003/InkML">
+  <inkml:definitions>
+    <inkml:context xml:id="ctx0">
+      <inkml:inkSource xml:id="inkSrc0">
+        <inkml:traceFormat>
+          <inkml:channel name="X" type="integer" max="1920" units="cm"/>
+          <inkml:channel name="Y" type="integer" max="1080" units="cm"/>
+          <inkml:channel name="T" type="integer" max="2.14748E9" units="dev"/>
+        </inkml:traceFormat>
+        <inkml:channelProperties>
+          <inkml:channelProperty channel="X" name="resolution" value="55.81395" units="1/cm"/>
+          <inkml:channelProperty channel="Y" name="resolution" value="55.6701" units="1/cm"/>
+          <inkml:channelProperty channel="T" name="resolution" value="1" units="1/dev"/>
+        </inkml:channelProperties>
+      </inkml:inkSource>
+      <inkml:timestamp xml:id="ts0" timeString="2020-12-17T06:00:32.034"/>
+    </inkml:context>
+    <inkml:brush xml:id="br0">
+      <inkml:brushProperty name="width" value="0.05" units="cm"/>
+      <inkml:brushProperty name="height" value="0.05" units="cm"/>
+      <inkml:brushProperty name="fitToCurve" value="1"/>
+    </inkml:brush>
+  </inkml:definitions>
+  <inkml:trace contextRef="#ctx0" brushRef="#br0">1124 6570 0,'0'24'0,"-25"-24"16</inkml:trace>
+  <inkml:trace contextRef="#ctx0" brushRef="#br0" timeOffset="222">2858 6032 0,'24'0'0,"-48"0"32,24-24-17</inkml:trace>
+  <inkml:trace contextRef="#ctx0" brushRef="#br0" timeOffset="409">3810 5788 0,'-24'0'15,"24"-24"-15,0-1 16</inkml:trace>
+  <inkml:trace contextRef="#ctx0" brushRef="#br0" timeOffset="594">4641 5666 0,'0'-24'31,"0"-1"-15,0 1-1,0-1-15</inkml:trace>
+  <inkml:trace contextRef="#ctx0" brushRef="#br0" timeOffset="793">3004 5300 0,'-24'0'0,"0"0"0,-1-25 16,1 25-16,-1-24 0,1-1 15</inkml:trace>
+  <inkml:trace contextRef="#ctx0" brushRef="#br0" timeOffset="985">489 5055 0,'0'25'0,"-25"-25"16,1 24-16</inkml:trace>
+  <inkml:trace contextRef="#ctx0" brushRef="#br0" timeOffset="1170">98 5202 0,'0'24'0</inkml:trace>
+  <inkml:trace contextRef="#ctx0" brushRef="#br0" timeOffset="1369">489 5983 0,'0'25'15,"24"-1"-15,-24 1 16,25-1-16,-1-24 16</inkml:trace>
+  <inkml:trace contextRef="#ctx0" brushRef="#br0" timeOffset="1556">1026 6447 0,'0'25'0,"24"-25"16,1 0-16,-1 0 15,1 0-15,24 0 16</inkml:trace>
+  <inkml:trace contextRef="#ctx0" brushRef="#br0" timeOffset="1734">2150 6252 0,'0'-24'16,"-25"24"0,25-25-16,0 1 15,0-1 1,25 1-16</inkml:trace>
+  <inkml:trace contextRef="#ctx0" brushRef="#br0" timeOffset="1897">2198 5715 0,'-48'0'0,"-1"-25"0,0 1 16,24 24-16,-23-24 0,23-1 16,1 1-16,-1-1 15,25 1-15,-24-1 0</inkml:trace>
+  <inkml:trace contextRef="#ctx0" brushRef="#br0" timeOffset="2076">1148 5373 0,'-49'0'0,"0"0"0,1 0 16,23 0-16,1 0 15,-1 0-15,25-25 0,25 1 32,-25 0-32</inkml:trace>
+  <inkml:trace contextRef="#ctx0" brushRef="#br0" timeOffset="2238">831 5104 0,'-49'-24'16,"24"24"-16,1-25 16,0 1-16,-1 0 0,25-1 15,0 1-15,0-25 16,25 24-16,-1-23 0</inkml:trace>
+  <inkml:trace contextRef="#ctx0" brushRef="#br0" timeOffset="2400">1441 4274 0,'0'-25'16,"25"25"-16,-25-24 16,24 0-1,-24-1-15,25 25 0,-1-24 16</inkml:trace>
+  <inkml:trace contextRef="#ctx0" brushRef="#br0" timeOffset="2551">2931 3712 0,'49'-24'0,"0"24"0</inkml:trace>
+  <inkml:trace contextRef="#ctx0" brushRef="#br0" timeOffset="2743">4836 3761 0</inkml:trace>
+  <inkml:trace contextRef="#ctx0" brushRef="#br0" timeOffset="2946">6008 4225 0,'0'49'16,"25"-25"-16,-25 1 0,24-1 15,1 1-15,-25-1 16,24 0-16,0 1 0,-24-1 16</inkml:trace>
+  <inkml:trace contextRef="#ctx0" brushRef="#br0" timeOffset="3126">5691 5104 0,'-25'0'0,"1"25"16,0-25-16,-1 24 0,25-48 31,0-1-15,0 1-16</inkml:trace>
+  <inkml:trace contextRef="#ctx0" brushRef="#br0" timeOffset="3300">4225 4909 0,'-73'0'0,"0"0"15,24 0-15,25 0 0,-1-25 16,25 1-1,0 0-15</inkml:trace>
+  <inkml:trace contextRef="#ctx0" brushRef="#br0" timeOffset="3468">2833 4665 0,'-73'0'16,"24"0"-16,0 0 16,1 0-16,23 0 0,1-25 15</inkml:trace>
+  <inkml:trace contextRef="#ctx0" brushRef="#br0" timeOffset="3654">1637 4689 0,'-74'0'0,"26"24"16,23-24-16,1 0 0,-1-24 15,50 0 1,-1-1-16</inkml:trace>
+  <inkml:trace contextRef="#ctx0" brushRef="#br0" timeOffset="3817">3078 4274 0,'73'0'15,"0"0"-15,0 0 16,1-25-16,23 25 0</inkml:trace>
+  <inkml:trace contextRef="#ctx0" brushRef="#br0" timeOffset="4002">3908 4372 0,'-49'0'0,"25"0"15,-1 0-15,25-25 16,25 1-16,-1 24 16,25-25-16</inkml:trace>
+  <inkml:trace contextRef="#ctx0" brushRef="#br0" timeOffset="4165">4714 4078 0,'0'-24'15,"0"0"-15,0-1 16,0-24-16,0 25 15</inkml:trace>
+  <inkml:trace contextRef="#ctx0" brushRef="#br0" timeOffset="4393">2931 3224 0,'-122'0'16,"0"-25"-16,0 25 0,0-24 15,24-1-15,0 25 0,25-24 16,0 24-16,24-24 16,0 24-16,0-25 0,25 1 15</inkml:trace>
+  <inkml:trace contextRef="#ctx0" brushRef="#br0" timeOffset="4542">1148 3175 0,'-24'0'0,"-1"24"0,1-24 16,-1 0-16</inkml:trace>
+  <inkml:trace contextRef="#ctx0" brushRef="#br0" timeOffset="4712">562 4005 0,'-24'25'0,"-1"-1"16,25 0-16,0 1 15</inkml:trace>
+  <inkml:trace contextRef="#ctx0" brushRef="#br0" timeOffset="4891">977 4274 0,'-24'0'16,"24"24"-16,24-24 31,-24-24-31</inkml:trace>
+  <inkml:trace contextRef="#ctx0" brushRef="#br0" timeOffset="5142">2394 3639 0,'24'-25'0,"-24"1"0,0 0 15,0-1 1,0 1 0,-24 24-16</inkml:trace>
+  <inkml:trace contextRef="#ctx0" brushRef="#br0" timeOffset="5310">1539 3468 0,'-73'24'0,"-1"-24"0,26 0 15,-26 0-15,50 0 16,-25 0-16,25-24 0,-1 24 15,25-25 1</inkml:trace>
+  <inkml:trace contextRef="#ctx0" brushRef="#br0" timeOffset="5472">367 3566 0,'-49'24'0,"-24"-24"0,48 0 16,-24 0-16,25-24 15,24-1-15,0 1 0</inkml:trace>
+  <inkml:trace contextRef="#ctx0" brushRef="#br0" timeOffset="5665">220 2906 0,'-24'-49'0,"-1"25"16,1-1-16,-1-23 0,25-1 15,0 24-15,0-24 0,25 1 16,-1 23-16,25-24 15</inkml:trace>
+  <inkml:trace contextRef="#ctx0" brushRef="#br0" timeOffset="5827">1221 2296 0,'0'24'16,"-24"-24"-1,48-24 17</inkml:trace>
+  <inkml:trace contextRef="#ctx0" brushRef="#br0" timeOffset="5988">2101 2247 0,'0'24'0,"24"-24"15,1 0 1,23-24-16</inkml:trace>
+  <inkml:trace contextRef="#ctx0" brushRef="#br0" timeOffset="6162">3346 2344 0,'0'25'15,"0"-1"-15,25-24 16,-1 0-16</inkml:trace>
+  <inkml:trace contextRef="#ctx0" brushRef="#br0" timeOffset="6354">4201 2711 0,'24'0'16,"-24"24"-16,25-24 0,-1 25 16,25-25-1,-24 0-15,-1 0 0,25 0 16</inkml:trace>
+  <inkml:trace contextRef="#ctx0" brushRef="#br0" timeOffset="6534">4787 3102 0,'0'24'0,"0"0"16,25-24-16,-1 0 16,25 0-16,-25 0 15,1 0-15,24 0 0,-25-24 16,25 24-16</inkml:trace>
+  <inkml:trace contextRef="#ctx0" brushRef="#br0" timeOffset="6708">5496 3004 0,'-25'24'16,"1"-24"-16,-1 0 15,25-24-15,25-1 16,-1 1 0,1 0-16,23-1 0</inkml:trace>
+  <inkml:trace contextRef="#ctx0" brushRef="#br0" timeOffset="6888">5740 2076 0,'-49'-25'0,"0"25"16,25-24-16,-1 24 0,1-25 16,-1 25-16,25-24 15,0 0-15</inkml:trace>
+  <inkml:trace contextRef="#ctx0" brushRef="#br0" timeOffset="7067">5105 1758 0,'-49'0'0,"24"0"16,-23 0-16,23 0 15,1 0-15,24-24 0,0-1 16</inkml:trace>
+  <inkml:trace contextRef="#ctx0" brushRef="#br0" timeOffset="7254">3590 1734 0,'-73'24'16,"24"1"-16,1-25 15,-1 0-15,24 0 0</inkml:trace>
+  <inkml:trace contextRef="#ctx0" brushRef="#br0" timeOffset="7423">2565 2735 0,'-49'25'0,"24"-1"16,1-24-16,24 24 0,24-48 15</inkml:trace>
+  <inkml:trace contextRef="#ctx0" brushRef="#br0" timeOffset="7596">3102 2882 0,'-24'24'0,"24"1"0,24-25 16,0 0-16,1 0 15,-1-25-15</inkml:trace>
+  <inkml:trace contextRef="#ctx0" brushRef="#br0" timeOffset="7759">3884 2808 0,'-25'25'0,"1"-25"15,-1 0-15,25 24 0,-24-24 16,-1-24-16,25-1 16,25 25-1</inkml:trace>
+  <inkml:trace contextRef="#ctx0" brushRef="#br0" timeOffset="8011">953 2076 0,'-73'-49'0,"-1"25"16,25-1-16,1-24 0,48 25 15,0-25-15,0 25 0,24-1 16,0-24-16,25 25 16,-24-1-16,24 25 0,-1-24 15</inkml:trace>
+  <inkml:trace contextRef="#ctx0" brushRef="#br0" timeOffset="8185">806 1661 0,'-24'0'0,"48"-25"16,1 25-1,-1-24-15,25 24 0,0-25 16</inkml:trace>
+  <inkml:trace contextRef="#ctx0" brushRef="#br0" timeOffset="8358">2272 1197 0,'24'0'0,"-24"24"0,24-24 16,1 0-1,-1 0-15,1 0 16,24 0-16</inkml:trace>
+  <inkml:trace contextRef="#ctx0" brushRef="#br0" timeOffset="8521">3468 1221 0,'-24'24'16,"0"1"-16,-1-1 15,1-24-15,24 25 0</inkml:trace>
+  <inkml:trace contextRef="#ctx0" brushRef="#br0" timeOffset="8701">3322 1709 0,'-49'25'0,"0"-1"16,25 1-16,-1-25 16,1 0-16</inkml:trace>
+  <inkml:trace contextRef="#ctx0" brushRef="#br0" timeOffset="8892">1637 2027 0,'-98'0'16,"49"24"-16,-24-24 16,48 0-16,25-24 0,0 0 15</inkml:trace>
+  <inkml:trace contextRef="#ctx0" brushRef="#br0" timeOffset="9078">1563 1587 0,'-48'25'0,"-26"-25"15,1 24-15,24-24 16,-24 0-16,24 0 0,25 0 15,-25 0-15,24 0 16,25-24-16,0-1 16</inkml:trace>
+  <inkml:trace contextRef="#ctx0" brushRef="#br0" timeOffset="9271">367 903 0,'-98'0'0,"25"0"0,24 0 15,0 0-15,0-24 16,25 0-16,-1 24 0,25-25 16,25 1-1,24 24-15</inkml:trace>
+  <inkml:trace contextRef="#ctx0" brushRef="#br0" timeOffset="9432">1930 757 0,'24'24'15,"25"-24"-15,-25 25 0,25-25 16</inkml:trace>
+  <inkml:trace contextRef="#ctx0" brushRef="#br0" timeOffset="9606">3126 684 0,'-24'24'16,"0"0"-16,24 1 0,-25-25 15,50 0 1</inkml:trace>
+  <inkml:trace contextRef="#ctx0" brushRef="#br0" timeOffset="9780">4299 610 0,'0'25'0,"24"-1"16,1-24-1,23 0-15,-23 0 16,48 0-16</inkml:trace>
+  <inkml:trace contextRef="#ctx0" brushRef="#br0" timeOffset="9954">5740 977 0,'-25'24'0,"1"1"15,24 23-15,0-23 16,0-1-16,24 1 16</inkml:trace>
+  <inkml:trace contextRef="#ctx0" brushRef="#br0" timeOffset="10122">6277 1929 0,'-24'25'0,"24"24"15,-25-1-15,25-23 0,0-1 16,0 25-16,25-25 16,-1 1-16</inkml:trace>
+  <inkml:trace contextRef="#ctx0" brushRef="#br0" timeOffset="10308">6448 3077 0,'-24'49'0,"-1"-25"0,25 25 15,0-24-15,0-1 16,0 1-16,25-25 0,-25 24 15,24 0-15,0-24 0,1 25 16</inkml:trace>
+  <inkml:trace contextRef="#ctx0" brushRef="#br0" timeOffset="10501">6375 3932 0,'-25'49'0,"1"0"16,-1-25-16,25 0 16,-24 1-16,24-1 0,0 1 15,0-1-15,0 1 16,0-1-16,0 0 16</inkml:trace>
+  <inkml:trace contextRef="#ctx0" brushRef="#br0" timeOffset="10675">5642 5202 0,'-49'49'0,"0"0"15,0-1-15,1-23 0,23-1 16,1 1-16,24-1 0,-25 1 15,25-1-15</inkml:trace>
+  <inkml:trace contextRef="#ctx0" brushRef="#br0" timeOffset="10855">4519 6154 0,'-49'25'16,"0"-1"-16,0 1 0,25-25 16,-1 24-16,1-24 15,48 0 1</inkml:trace>
+  <inkml:trace contextRef="#ctx0" brushRef="#br0" timeOffset="11028">3908 6521 0,'-73'24'0,"24"-24"0,0 25 16,25-25-16,-1 0 16,74 0-1,-25-25 1,25 1-16</inkml:trace>
+  <inkml:trace contextRef="#ctx0" brushRef="#br0" timeOffset="11189">4592 6521 0,'24'24'0,"25"-24"0,0 0 15,0 0-15,0 0 0,24-24 16,0-1-16</inkml:trace>
+  <inkml:trace contextRef="#ctx0" brushRef="#br0" timeOffset="11359">6179 6252 0,'-24'0'0,"48"0"31,1-24-15,24 24-16</inkml:trace>
+  <inkml:trace contextRef="#ctx0" brushRef="#br0" timeOffset="11527">6936 6032 0,'-24'0'15,"24"-24"-15,-24 24 16,24-25-16,24 1 16,0 24-16,1-24 15,-1-1-15,25 1 0,0-1 16</inkml:trace>
+  <inkml:trace contextRef="#ctx0" brushRef="#br0" timeOffset="11700">7645 5324 0,'-25'0'0,"1"-24"0,-25-1 16,25 1-1,-1-1-15,25 1 0,0 0 16,25-1-16,-25-24 16,24 25-16</inkml:trace>
+  <inkml:trace contextRef="#ctx0" brushRef="#br0" timeOffset="11887">7156 3761 0,'-49'-49'16,"1"-24"-16,-1 24 0,24 0 15,25 0-15,0 0 0,25 1 16,-25-1-16,49 24 16,-25-24-16,0 25 0,1 0 15</inkml:trace>
+  <inkml:trace contextRef="#ctx0" brushRef="#br0" timeOffset="33008">2833 8157 0,'0'-24'15,"0"-1"16,-24 25-15,24 25 15,-24-25-31,24 24 16,0 1-16,0-1 16,0 0-16,0 1 15,0-1-15,0 1 16,0-1-16,24 1 15,0-25-15,-24 24 16,25-24-16,-1 0 16,1-24-16,-1 24 15,-24-25-15,24 25 16,-24-24-16,0-1 16,0 1-16,0-1 0,0 1 15,-24 24-15,0-24 16,24-1-16,-49 1 0,24-1 15,1 1-15,0 24 16,-1-25-16,1 1 0,-1 24 16,25-24-16,-24 24 0,24-25 15,0 1 1,24 24-16,-24-25 16,25 25-16,-1 0 0,-24-24 15,25 24-15,-1 0 16,0 0-16,1 0 0,-1 24 15,1-24-15,-25 25 16,24-1-16,-24 1 16,0-1-16,0 0 15,0 1-15,0-1 0,-24 1 16,24-1-16,0 1 16,0-1-16</inkml:trace>
+  <inkml:trace contextRef="#ctx0" brushRef="#br0" timeOffset="33428">3151 8035 0,'-25'0'15,"1"24"16,24 1-15,0-1 0,0 1-16,0-1 0,0 1 15,0-1-15,24-24 0,-24 24 16,0 1-16,25-25 16,-1 24-16,1-24 15,-1 0-15,1-24 16,-1 24-16,-24-25 15,24 25-15,-24-24 0,0 0 16,-24-1 0,24 1-16,-24 24 0,-1-25 15,25 1-15,-24 24 0,-1-25 16,1 25-16,-1 0 16,1 0-1,24 25 1,0-1-1</inkml:trace>
+  <inkml:trace contextRef="#ctx0" brushRef="#br0" timeOffset="33801">3273 7937 0,'0'-24'16,"0"-1"-16,24 1 16,1 24-1,-1 0 1,1 24-16,-25 1 16,24-1-16,-24 1 15,0-1-15,0 1 16,0-1-16,-24 0 15,-1-24 1,1 0-16,-1-24 16,1 24-16,24-24 15,-24 24-15,-1-25 0,25 1 16,-24-1-16,24 1 0,0-1 16,0 1-16,0 0 15,24 24-15,-24-25 0,25 25 16,-1 25-1,0-25-15,1 24 0</inkml:trace>
+  <inkml:trace contextRef="#ctx0" brushRef="#br0" timeOffset="36634">1808 0 0,'0'24'15,"24"1"-15,-24 24 0,24-1 16,-24 1-16,25 0 0,-1 24 16,1-24-16,-25 24 15,24 1-15,1 23 0,-1-23 16,0-1-16,-24 25 0,25-25 15,-1 25-15,1-25 16,-25 0-16,24 0 0,1 25 16,-1-25-16,-24 1 15,24-26-15,1 26 0,-25-1 16,24 0-16,-24 1 0,25-26 16,-1 26-16,-24-1 15,0-24-15,24 24 0,-24 0 16,25 1-16,-25-1 15,0 0-15,24-24 0,-24 24 16,0 1-16,25-1 16,-25 0-16,0-24 0,24 24 15,-24 0-15,0-24 0,25 25 16,-25-26-16,0 26 16,0-26-16,24 26 0,-24-1 15,24-24-15,-24 24 16,25-24-16,-25 24 0,24 1 15,1-26-15,-25 26 0,24-1 16,-24 0-16,25 0 16,-25 1-16,24-1 0,-24 25 15,24-49-15,-24 24 0,0 0 16,25 0-16,-25 1 16,24-1-16,-24 0 0,0 0 15,0 1-15,25-1 16,-25 0-16,0 1 0,24-1 15,-24 0-15,0 0 0,0-24 16,25 24-16,-25 1 16,0-25-16,0-1 0,0 26 15,24-26-15,-24 1 16,0 0-16,0 0 0,24 24 16,-24-48-16,0 24 0,0-1 15,0 1-15,25 0 16,-25 0-16,0-25 0,0 25 15,0-24-15,0 24 16,0-25-16,0 0 0,24 1 16,-24-1-16,0 1 0,0-1 15,0 0-15,0 1 16,0-1-16,0 1 16,0-1-16,0 1 15,0-1-15,0 0 0,0 1 16,0-1-16,0 1 0,0-1 15,0 1-15,0-1 16,0 0-16,0 1 0,0-1 16,0 1-16,0-1 15,0 0-15,-24 1 0,24-1 16,0 1-16,0-1 0,0 1 16,0-1-16,0 0 15,0 1-15,0-1 0,0 1 16,0-1-16,0 1 15,0-1-15,0 0 0,0 1 16,0-1-16,0 1 16,0-1-16,0 1 15,0-1-15,0 0 16,0-48 0,-25-25-1</inkml:trace>
+  <inkml:trace contextRef="#ctx0" brushRef="#br0" timeOffset="37396">2223 488 0,'-25'0'0,"-23"0"15,23-24-15,1 24 16,-1 0 0,50 0 15,-1 0-15,1 0-16,23-25 15,1 25-15,0 0 0,24 0 16,1 0-16,23 0 15,-23 0-15,23-24 0,-23 24 16,-1 0-16,0-24 0,0 24 16,-24 0-16,0-25 15,-25 25-15,1-24 0,-1 24 16,-48-25 15</inkml:trace>
+  <inkml:trace contextRef="#ctx0" brushRef="#br0" timeOffset="37703">2785 98 0,'-25'0'0,"1"0"15,24-25 1,24 25 15,1 0-15,-1 25-16,25-25 0,-25 24 15,25-24-15,-24 24 0,23-24 16,-23 0-16,-1 25 16,1-25-16,-25 24 0,24-24 15,-24 25-15,-24-1 16,-1 0-16,1 1 15,-25-1-15,25 1 0,-25-25 16,24 24-16,-24 1 16,25-25-16</inkml:trace>
+</inkml:ink>
+</file>
+
+<file path=ppt/ink/ink192.xml><?xml version="1.0" encoding="utf-8"?>
+<inkml:ink xmlns:inkml="http://www.w3.org/2003/InkML">
+  <inkml:definitions>
+    <inkml:context xml:id="ctx0">
+      <inkml:inkSource xml:id="inkSrc0">
+        <inkml:traceFormat>
+          <inkml:channel name="X" type="integer" max="1920" units="cm"/>
+          <inkml:channel name="Y" type="integer" max="1080" units="cm"/>
+          <inkml:channel name="T" type="integer" max="2.14748E9" units="dev"/>
+        </inkml:traceFormat>
+        <inkml:channelProperties>
+          <inkml:channelProperty channel="X" name="resolution" value="55.81395" units="1/cm"/>
+          <inkml:channelProperty channel="Y" name="resolution" value="55.6701" units="1/cm"/>
+          <inkml:channelProperty channel="T" name="resolution" value="1" units="1/dev"/>
+        </inkml:channelProperties>
+      </inkml:inkSource>
+      <inkml:timestamp xml:id="ts0" timeString="2020-12-17T06:01:15.348"/>
+    </inkml:context>
+    <inkml:brush xml:id="br0">
+      <inkml:brushProperty name="width" value="0.05" units="cm"/>
+      <inkml:brushProperty name="height" value="0.05" units="cm"/>
+      <inkml:brushProperty name="fitToCurve" value="1"/>
+    </inkml:brush>
+  </inkml:definitions>
+  <inkml:trace contextRef="#ctx0" brushRef="#br0">1010 223 0,'0'-25'0,"-25"25"62,1 0-46,-1 0-16,1 0 16,-25 0-16,25 0 15,-25 0-15,0 25 0,0-25 16,0 0-16,25 0 15,-25 0-15,0 0 0,25 0 16,-25 0-16,24 0 16,-23 0-16,23 0 0,1 0 15,-1 0-15</inkml:trace>
+  <inkml:trace contextRef="#ctx0" brushRef="#br0" timeOffset="575">423 27 0,'0'-24'15,"-24"24"17,0 0-32,24 24 15,-25-24-15,1 25 16,-1-1-16,-24 1 0,25-1 16,0 0-16,-25 1 15,24-1-15,1 1 0,0-25 16,-1 24-16,1-24 0,24 25 15,-25-25-15,50 0 47,-25-25-31,24 25-16,1 0 0,-1 0 16,0 0-16,1 0 15,-1 0-15,1 0 16,-1 25-16,0-1 15,1-24-15,-1 24 0,1 1 16,-1-1-16,-24 1 0,25-1 16,-1 1-16,-24-1 15,24 0-15,1 1 16,-25-1 0,24-24-1</inkml:trace>
+</inkml:ink>
+</file>
+
+<file path=ppt/ink/ink193.xml><?xml version="1.0" encoding="utf-8"?>
+<inkml:ink xmlns:inkml="http://www.w3.org/2003/InkML">
+  <inkml:definitions>
+    <inkml:context xml:id="ctx0">
+      <inkml:inkSource xml:id="inkSrc0">
+        <inkml:traceFormat>
+          <inkml:channel name="X" type="integer" max="1920" units="cm"/>
+          <inkml:channel name="Y" type="integer" max="1080" units="cm"/>
+          <inkml:channel name="T" type="integer" max="2.14748E9" units="dev"/>
+        </inkml:traceFormat>
+        <inkml:channelProperties>
+          <inkml:channelProperty channel="X" name="resolution" value="55.81395" units="1/cm"/>
+          <inkml:channelProperty channel="Y" name="resolution" value="55.6701" units="1/cm"/>
+          <inkml:channelProperty channel="T" name="resolution" value="1" units="1/dev"/>
+        </inkml:channelProperties>
+      </inkml:inkSource>
+      <inkml:timestamp xml:id="ts0" timeString="2020-12-17T06:01:20.238"/>
+    </inkml:context>
+    <inkml:brush xml:id="br0">
+      <inkml:brushProperty name="width" value="0.05" units="cm"/>
+      <inkml:brushProperty name="height" value="0.05" units="cm"/>
+      <inkml:brushProperty name="fitToCurve" value="1"/>
+    </inkml:brush>
+  </inkml:definitions>
+  <inkml:trace contextRef="#ctx0" brushRef="#br0">0 0 0</inkml:trace>
+  <inkml:trace contextRef="#ctx0" brushRef="#br0" timeOffset="1027">0 98 0,'25'24'0,"-25"25"16,0-25-16,0 1 15,24 24-15,-24-25 0,0 25 16,25 0-16,-25 0 0,24-1 16,-24 1-16,25 0 15,-25 0-15,24 24 0,-24 0 16,24-24-16,1 25 0,-25-1 16,24-24-16,-24 24 15,25 0-15,-25-24 0,24 24 16,-24 1-16,25-26 15,-1 1-15,-24 25 0,24-26 16,-24 1-16,25 25 16,-1-26-16,-24 26 0,25-26 15,-25 26-15,24-25 0,-24 24 16,24 0-16,-24 0 16,25 1-16,-25-25 0,24 24 15,-24 0-15,25 0 0,-25-24 16,0 24-16,24 1 15,-24-25-15,25-1 0,-25 26 16,0-25-16,24-1 16,-24 1-16,0 0 0,24 0 15,-24 0-15,0 0 16,25-1-16,-25 1 0,0 0 16,0 0-16,0 0 0,24 0 15,-24 0-15,0-1 16,25 1-16,-25 0 0,0 24 15,0-24-15,24 0 0,-24 0 16,0 0-16,25 24 16,-25-24-16,0 0 0,24 0 15,-24-1-15,0 1 16,0 0-16,0 0 0,0 0 16,0 0-16,0-1 0,0-23 15,24 24-15,-24 0 16,0-1-16,0 1 0,0 0 15,0-24-15,0 23 16,25 1-16,-25-24 0,0 24 16,0-1-16,24-23 0,-24 24 15,0-1-15,0-23 16,25 24-16,-25 0 0,0-25 16,0 25-16,0 0 15,24 0-15,-24-1 0,0 1 16,0-24-16,24 23 0,-24 1 15,0 0-15,0-24 16,0 23-16,0 1 0,25-24 16,-25 24-16,0-25 15,0 25-15,0-25 0,0 25 16,0 0-16,0-25 0,0 25 16,0-24-16,24 24 15,-24-25-15,0 25 0,0-25 16,0 1-16,25-1 15,-25 25-15,0-25 0,0 1 16,0-1-16,0 1 0,0-1 16,0 0-1,0 1-15,24-25 0,-24 24 16,0 1 0,0-1-16,0 1 15,0-1-15,0 0 16,25 1-16,-25-1 15,0 1-15,0-1 16,24 0 0,-48-48 15</inkml:trace>
+</inkml:ink>
+</file>
+
+<file path=ppt/ink/ink194.xml><?xml version="1.0" encoding="utf-8"?>
+<inkml:ink xmlns:inkml="http://www.w3.org/2003/InkML">
+  <inkml:definitions>
+    <inkml:context xml:id="ctx0">
+      <inkml:inkSource xml:id="inkSrc0">
+        <inkml:traceFormat>
+          <inkml:channel name="X" type="integer" max="1920" units="cm"/>
+          <inkml:channel name="Y" type="integer" max="1080" units="cm"/>
+          <inkml:channel name="T" type="integer" max="2.14748E9" units="dev"/>
+        </inkml:traceFormat>
+        <inkml:channelProperties>
+          <inkml:channelProperty channel="X" name="resolution" value="55.81395" units="1/cm"/>
+          <inkml:channelProperty channel="Y" name="resolution" value="55.6701" units="1/cm"/>
+          <inkml:channelProperty channel="T" name="resolution" value="1" units="1/dev"/>
+        </inkml:channelProperties>
+      </inkml:inkSource>
+      <inkml:timestamp xml:id="ts0" timeString="2020-12-17T06:01:23.155"/>
+    </inkml:context>
+    <inkml:brush xml:id="br0">
+      <inkml:brushProperty name="width" value="0.05" units="cm"/>
+      <inkml:brushProperty name="height" value="0.05" units="cm"/>
+      <inkml:brushProperty name="fitToCurve" value="1"/>
+    </inkml:brush>
+  </inkml:definitions>
+  <inkml:trace contextRef="#ctx0" brushRef="#br0">269 236 0,'0'-25'63,"0"1"-32,-24 48 16,24 1-47,-25-1 16,1 0-16,24 1 0,-25-1 15,25 1-15,0 24 0,-24-25 16,24 0-16,0 1 16,0-1-16,0 1 0,0-1 15,0 1 1,24-25-1,1 0 17,-25-25-32,24 25 31,-24-24-31,25 24 94,-50 0 46</inkml:trace>
+  <inkml:trace contextRef="#ctx0" brushRef="#br0" timeOffset="305">49 407 0,'-24'0'15,"-1"0"-15,25-25 16,25 1 15,-1 24-31,1 0 0,24-25 16,-25 25-16,25-24 16,-25 24-16,25-25 0,0 25 15,-25-24-15,25 24 0,-24-24 16,-1 24-16,0 0 15,-24-25-15</inkml:trace>
+  <inkml:trace contextRef="#ctx0" brushRef="#br0" timeOffset="569">147 40 0,'-24'-24'0,"24"-1"15,0 50 17,24-1-32,-24 1 15,24-1-15,-24 25 0,25-25 16,-25 25-16,24 0 16,-24 0-16,0 0 0,25 0 15,-25-1-15,0 1 16,0 0-16,0-24 0,0 23 15,0-23-15,0-1 0,0 1 16</inkml:trace>
+  <inkml:trace contextRef="#ctx0" brushRef="#br0" timeOffset="1098">538 480 0,'0'-25'0,"-25"1"16,1 24-16,24-24 0,-25-1 16,25 1-16,0-1 15,25 50 1,-1-1-16,1 1 16,24-1-16,-25 0 15,25 25-15,-25-24 0,1 24 16,-1-25-16,1 0 15,-1 1-15,0-1 0,-24 1 16,25-25-16,-25 24 0,24-24 16,-24-24-1,0-1 1,25 1-16,-25-25 16,24 25-16,-24-50 0,24 25 15,1 1-15,-25-1 0,24 0 16,-24 0-16,25 25 15,-25-1-15,24 25 0,1 25 16,-25-1-16,24 0 16,0 1-16,-24-1 15,25 1-15</inkml:trace>
+  <inkml:trace contextRef="#ctx0" brushRef="#br0" timeOffset="1512">1197 480 0,'25'0'31,"-1"-25"0,0 25-15,-24-24 0,25 24-16,-1 0 15,1-24-15,-1-1 16,1 25-16,-25-24 15,24 24-15,-24-25 0,0 1 16,0-1-16,0 1 16,-24 0-16,-1-1 0,1 1 15,-1-1 1,1 25-16,-1 0 0,1 0 16,0 25-16,-1-1 0,25 1 15,-24 23-15,-1 1 16,25 0-16,0 0 0,0 0 15,25-25-15,-1 25 16,-24-24-16,25 23 0,-1-23 16,0-25-16,1 24 15,24-24-15,-25 0 0,1 0 16,23 0-16,-23-24 0,-1 24 16,1-25-16,-1 1 15</inkml:trace>
+  <inkml:trace contextRef="#ctx0" brushRef="#br0" timeOffset="2381">2760 1750 0,'0'-25'16,"-24"25"0,24-24 15,-25 24-16,1 0 48</inkml:trace>
+  <inkml:trace contextRef="#ctx0" brushRef="#br0" timeOffset="3768">1979 1603 0,'0'-24'0,"0"48"47,0 1-32,24-25-15,-24 24 16,0 1 0,25-25-16,-25 24 0,24-24 15,-24 24 1,24-24-16,1 0 15,-25 25-15,0-1 16,0 1 0,0-1-16,0 1 0,0-1 15,0 0-15,-25 1 16,25-1-16,0 25 0,0-24 16,0-1-16,0 0 0,0 1 15,0 24-15,0-25 16,0 0-16,25 1 0,-25-1 15,24 1-15,1-1 16,-1 1-16,-24-1 0,25 0 16,-25 25-16,24-24 0,0-1 15,-24 25-15,0-25 16,0 1-16,0 24 0,0-25 16,0 0-16,-24 25 15,0-24-15,24-1 0,-25 25 16,1-25-16,-1 1 0,1-1 15,24 1-15,0-1 16,0 1-16,24-1 0,-24 0 16,25 1-16,-1-1 15,1 1-15,23-1 0,-23 25 16,-1-25-16,25 1 0,-25 24 16,1-25-16,24 25 15,-25 0-15,-24 0 0,25-1 16,-25 1-16,0 25 15,0-26-15,0 26 0,0-25 16,-25 24-16,25-24 0,-24 24 16,24-24-16,0 24 15,0-24-15,0 0 0,24 24 16,-24-24-16,25 0 0,-1 0 16,0-1-16,1 26 15,24-25-15,-25-1 0,25 1 16,0 0-16,-25 0 15,25 0-15,-25 0 0,1-1 16,-1-23-16,-24 24 16,0 24-16,0-24 0,-24 0 15,-1-1-15,-23 26 0,23-1 16,-24 0-16,25-24 16,0 24-16,-25 1 0,24-1 15,25-24-15,0 24 0,0-24 16,0 0-16,0 0 15,25-1-15,-1 1 0,1 0 16,23 0-16,-23-25 16,-1 25-16,25 0 0,-25 0 15,1 0-15,-1 0 16,-24-1-16,0-23 0,0 24 16,0 0-16,-24-1 0,-25 1 15,25 25-15,-25-26 16,0 1-16,0 25 0,0-26 15,25 1-15,-1 25 0,1-26 16,0 1-16,24 0 16,0 24-16,24-48 0,0 24 15,25-1-15,-24 1 16,-1 0-16,25 0 0,-25-25 16,1 25-16,24 0 0,-49 0 15,24 0-15,0 0 16,-24-1-16,0 1 0,0 0 15,0 0-15,-24 0 16,24 0-16,0 0 0,0-1 16,-24 1-16,24 0 0,0 0 15,0 24-15,24-24 16,-24 0-16,24 24 0,-24-24 16,25-25-16,-25 1 15,24-1-15</inkml:trace>
+  <inkml:trace contextRef="#ctx0" brushRef="#br0" timeOffset="4583">2101 1799 0,'0'24'31,"24"25"-31,1-25 0,-1 50 16,25-25-16,24 24 15,0 0-15,1 0 0,-1 1 16,0 23-16,1-48 0,-1 24 15,0 1-15,0-26 16,-24 1-16,0 0 0,0 0 16,0-25-16</inkml:trace>
+  <inkml:trace contextRef="#ctx0" brushRef="#br0" timeOffset="4859">2174 2312 0,'-24'0'0,"24"24"0,0 0 16,24 1-16,1-1 15,-1 25-15,25 24 0,24 1 16,25-1-16,-25 0 15,25 25-15,24-25 0,-25 25 16,26 0-16,-26-1 16,1-24-16,0 25 0,-25-25 15,0 25-15,-24-25 0,0-24 16</inkml:trace>
+  <inkml:trace contextRef="#ctx0" brushRef="#br0" timeOffset="5088">2931 3582 0,'0'24'16,"49"0"-16,-25 25 0,25-24 15,25 24-15,-26 24 16,26-24-16,-1 0 0,0 24 15,1-24-15,-26 24 0,26-24 16,-26 0-16,1-1 16,-24-23-16,-1 24 0</inkml:trace>
+  <inkml:trace contextRef="#ctx0" brushRef="#br0" timeOffset="5321">2931 4412 0,'25'24'0,"-1"1"15,0-1-15,1 1 16,-1-1-16,25-24 0,0 49 16,0-25-16,24 1 0,0 24 15,1-25-15,-1 25 16,0 0-16,25-25 0,-25 25 15,-24-25-15,0 25 16,0-24-16,-25-1 0</inkml:trace>
+  <inkml:trace contextRef="#ctx0" brushRef="#br0" timeOffset="5554">3175 5145 0,'0'24'0,"0"0"16,25-24-1,-1 25-15,1-1 0,-1 1 16,25-1-16,0 1 16,24 23-16,0-23 0,1 24 15,23-25-15,-23 25 0,23 0 16,-23-25-16,-1 25 15,-24-24-15,-25 23 0</inkml:trace>
+  <inkml:trace contextRef="#ctx0" brushRef="#br0" timeOffset="5771">3127 5926 0,'24'25'0,"0"-25"16,1 24-16,-1-24 16,25 24-16,0 1 0,0-25 15,24 24-15,0 1 0,1-1 16,-1 1-16,-24-1 16,24 0-16,-24 25 0,0-24 15,-25-1-15</inkml:trace>
+  <inkml:trace contextRef="#ctx0" brushRef="#br0" timeOffset="5981">3102 6537 0,'-24'24'0,"-1"-24"16,25 25-16,25-1 15,-1 0-15,25 1 16,0-1-16,24 1 0,0-1 16,1 25-16,-1-25 0,0 25 15,0 0-15,-24 0 16</inkml:trace>
+  <inkml:trace contextRef="#ctx0" brushRef="#br0" timeOffset="6161">2980 7514 0,'0'49'0,"24"24"0,25 0 16,0-24-16,24 0 0,25 24 16,-25-24-16,25 0 15,0 0-15,-25-25 0,0 0 16,1 1-16</inkml:trace>
+</inkml:ink>
+</file>
+
+<file path=ppt/ink/ink195.xml><?xml version="1.0" encoding="utf-8"?>
+<inkml:ink xmlns:inkml="http://www.w3.org/2003/InkML">
+  <inkml:definitions>
+    <inkml:context xml:id="ctx0">
+      <inkml:inkSource xml:id="inkSrc0">
+        <inkml:traceFormat>
+          <inkml:channel name="X" type="integer" max="1920" units="cm"/>
+          <inkml:channel name="Y" type="integer" max="1080" units="cm"/>
+          <inkml:channel name="T" type="integer" max="2.14748E9" units="dev"/>
+        </inkml:traceFormat>
+        <inkml:channelProperties>
+          <inkml:channelProperty channel="X" name="resolution" value="55.81395" units="1/cm"/>
+          <inkml:channelProperty channel="Y" name="resolution" value="55.6701" units="1/cm"/>
+          <inkml:channelProperty channel="T" name="resolution" value="1" units="1/dev"/>
+        </inkml:channelProperties>
+      </inkml:inkSource>
+      <inkml:timestamp xml:id="ts0" timeString="2020-12-17T06:02:13.468"/>
+    </inkml:context>
+    <inkml:brush xml:id="br0">
+      <inkml:brushProperty name="width" value="0.05" units="cm"/>
+      <inkml:brushProperty name="height" value="0.05" units="cm"/>
+      <inkml:brushProperty name="fitToCurve" value="1"/>
+    </inkml:brush>
+  </inkml:definitions>
+  <inkml:trace contextRef="#ctx0" brushRef="#br0">1395 176 0,'-25'-24'15,"25"0"1,0-1-1,-24 25-15,0-24 16,-1-1 0,1 25-16,24-24 0,-25 24 15,1 0-15,-1-25 16,-23 25-16,23 0 0,-24 0 16,0 0-16,1 0 15,-1 0-15,-24 25 0,24-1 16,-25-24-16,1 25 0,0-1 15,24 1-15,-24-1 16,24 0-16,24 1 0,-23-1 16,23 25-16,-24-24 15,25 23-15,-1 1 0,1 0 16,0 0-16,-1 24 0,1-24 16,-1 0-16,1 0 15,24-25-15,-24 25 0,-1 0 16,25-25-16,-24 25 15,24-24-15,0 23 0,0-23 16,0-1-16,24 25 0,1-25 16,-1 25-16,0-24 15,1 24-15,-1-25 0,25 25 16,-25-25-16,1 1 0,24 24 16,-25-25-16,1 0 15,-1 25-15,25-24 0,-25-1 16,25 1-16,-24-1 15,23 0-15,1-24 0,-24 25 16,24-1-16,-1 1 0,1-25 16,-24 24-16,24-24 15,-1 0-15,1 25 0,0-25 16,0 0-16,0 0 16,0-25-16,-1 25 0,1-24 15,25-1-15,-26 25 0,26-49 16,-26 25-16,26 0 15,-25-25-15,24 0 0,-24 24 16,0-23-16,-1-1 16,1 0-16,0 0 0,-24 0 15,-1 0-15,0-24 0,1 0 16,-25 0-16,0-1 16,0-23-16,-25-1 0,1 0 15,-49 1-15,24-26 16,-49 26-16,0 23 0,-24 26 15,-49 23-15,-24 25 0,-49 49 16</inkml:trace>
+</inkml:ink>
+</file>
+
+<file path=ppt/ink/ink196.xml><?xml version="1.0" encoding="utf-8"?>
+<inkml:ink xmlns:inkml="http://www.w3.org/2003/InkML">
+  <inkml:definitions>
+    <inkml:context xml:id="ctx0">
+      <inkml:inkSource xml:id="inkSrc0">
+        <inkml:traceFormat>
+          <inkml:channel name="X" type="integer" max="1920" units="cm"/>
+          <inkml:channel name="Y" type="integer" max="1080" units="cm"/>
+          <inkml:channel name="T" type="integer" max="2.14748E9" units="dev"/>
+        </inkml:traceFormat>
+        <inkml:channelProperties>
+          <inkml:channelProperty channel="X" name="resolution" value="55.81395" units="1/cm"/>
+          <inkml:channelProperty channel="Y" name="resolution" value="55.6701" units="1/cm"/>
+          <inkml:channelProperty channel="T" name="resolution" value="1" units="1/dev"/>
+        </inkml:channelProperties>
+      </inkml:inkSource>
+      <inkml:timestamp xml:id="ts0" timeString="2020-12-17T07:41:01.095"/>
+    </inkml:context>
+    <inkml:brush xml:id="br0">
+      <inkml:brushProperty name="width" value="0.05" units="cm"/>
+      <inkml:brushProperty name="height" value="0.05" units="cm"/>
+      <inkml:brushProperty name="fitToCurve" value="1"/>
+    </inkml:brush>
+  </inkml:definitions>
+  <inkml:trace contextRef="#ctx0" brushRef="#br0">318 321 0,'-24'0'16,"48"0"0,1 0-1,-25 25 32,-25-1-47,1 1 0,-25-1 16,24 25-16,-23-25 15,-1 25-15,0 0 0,24 0 16,1 0-16,0 0 16,24-1-16,0 1 0,0-24 15,24 24-15,25-25 0,0 0 16,24 1-16,-24-25 16,24 24-16,0-24 0,1 0 15,-25 0-15,24-24 16,-24 24-16,-25-25 0,25 1 15,-49 0-15,0-1 0,0 1 16,-25-1-16,-23-24 16,-1 25-16,0-25 0,-24-24 15,-1 24-15,1 0 16,24-24-16,0 24 0,1 0 16,-1 0-16,49 1 0,0-1 15,0 24-15,0-24 16,0 25-16,24 0 0,25-1 15,-25 1-15,25-1 16,0 25-16,0-24 0,0 24 16,0 0-16,0 0 15,-25 24-15,25 1 0,0-25 16,-25 49-16,-24-25 0,24 0 16,-24 25-16,0 0 0,-24-24 15,0 23-15,-1 1 16,1-24-16,-1 24 0,1-25 15,0 0-15,-1 1 16,1-1-16</inkml:trace>
+  <inkml:trace contextRef="#ctx0" brushRef="#br0" timeOffset="792">1124 346 0,'0'-25'0,"0"-23"0,0 23 15,0 1-15,0-25 0,0 24 16,0 1-16,0 0 16,0 72-1,0-23 1,25 24-16,-25 24 0,0 0 16,0 1-16,0-1 0,0 0 15,0 0-15,-25-24 16,25 24-16,-24-24 0,24 0 15,0-24-15,-25-1 0,25 0 16,25-24 15,-1-24-31,1 0 16,-1-1-16,25-24 0,-25 0 16,25 1-16,0-26 0,-25 25 15,25 1-15,0-1 16,-25 0-16,1 0 0,-1 25 15,1 24-15,-1 0 16,-48 24 0,-1-24-16,1 25 15,-1-1-15,1 0 16,-25 1-16,25-25 0,-1 24 16,1 1-16,-1-25 15,25 24-15,-24-24 0,24 24 16,24 1-16,1 24 15,24-25-15,0 25 16,24 0-16,-24 0 0,24 24 16,25-24-16,-25 24 15,0 0-15,0-24 0,-24 24 16</inkml:trace>
+</inkml:ink>
+</file>
+
+<file path=ppt/ink/ink197.xml><?xml version="1.0" encoding="utf-8"?>
+<inkml:ink xmlns:inkml="http://www.w3.org/2003/InkML">
+  <inkml:definitions>
+    <inkml:context xml:id="ctx0">
+      <inkml:inkSource xml:id="inkSrc0">
+        <inkml:traceFormat>
+          <inkml:channel name="X" type="integer" max="1920" units="cm"/>
+          <inkml:channel name="Y" type="integer" max="1080" units="cm"/>
+          <inkml:channel name="T" type="integer" max="2.14748E9" units="dev"/>
+        </inkml:traceFormat>
+        <inkml:channelProperties>
+          <inkml:channelProperty channel="X" name="resolution" value="55.81395" units="1/cm"/>
+          <inkml:channelProperty channel="Y" name="resolution" value="55.6701" units="1/cm"/>
+          <inkml:channelProperty channel="T" name="resolution" value="1" units="1/dev"/>
+        </inkml:channelProperties>
+      </inkml:inkSource>
+      <inkml:timestamp xml:id="ts0" timeString="2020-12-17T07:41:31.760"/>
+    </inkml:context>
+    <inkml:brush xml:id="br0">
+      <inkml:brushProperty name="width" value="0.05" units="cm"/>
+      <inkml:brushProperty name="height" value="0.05" units="cm"/>
+      <inkml:brushProperty name="fitToCurve" value="1"/>
+    </inkml:brush>
+  </inkml:definitions>
+  <inkml:trace contextRef="#ctx0" brushRef="#br0">147 129 0,'-25'0'31,"1"0"-15,24-25-1,24 25 1,1 0-16,-1 0 0,0-24 16,25 24-16,0 0 15,-24 0-15,23 0 0,1-25 16,0 25-16,-25 0 0,25 0 16,-24 0-16,-1-24 15,1 24-15,-50 24 31,1-24-15,-1 25 0,-24-25-16,25 0 0,-25 24 15,0-24-15,1 25 0,23-25 16,-24 24-16,0-24 16,25 0-16,0 0 0,-1 24 15,-24-24-15,25 0 16,-1 0-16,1 0 15,48 0 17,1-24-17,-1 24-15,25 0 16,0-24-16,0 24 16,0-25-16,0 25 0,24 0 15,-24-24-15,-1 24 0,1 0 16,0 0-16,0 0 15,-25-25-15,1 25 0,-1 0 16,-48 0 0,-1 25-1,1-25-15,-25 0 0,25 24 16,-25-24-16,0 0 16,0 25-16,0-25 0,1 0 15,-1 0-15,-25 0 16,50 0-16,-25 0 0,0 0 15,25 0-15,-1 0 0,1 0 16,48 0 15,25 0-15,-24-25-16,24 25 0,-1 0 16,1 0-16,0-24 0,0 24 15,24 0-15,-24-25 16,0 25-16,0 0 0,0 0 15,-1 0-15,26 0 16,-50 0 0,-48 0-1,-1 0-15,1 0 16,-25 0-16,0 0 0,0 0 16,-24 0-16,24 0 15,-24 0-15,0 0 0,24 0 16,0 0-16,0 0 0,0 0 15,25 0-15,-1 0 16,1 0-16,48 0 31,1 0-31,-1 0 0,1 0 16,-1 0-16,25 0 0,0-24 16,-25 24-16,25 0 15,0 0-15,0-25 0,-25 25 16,25 0-16,-25 0 15,25 0-15,-24 0 0,-1 0 16,1 0-16,-50 0 31,1 0-15,-1 0-16,-24 25 16,25-25-16,-25 0 0,0 0 15,25 0-15,-25 0 0,25 24 16,-1-24-16,1 0 15,48 0 1,1 0 0,-1 0-1,1 0-15,-1 0 16,0 0 0,1 0-16,-1 0 31</inkml:trace>
+</inkml:ink>
+</file>
+
+<file path=ppt/ink/ink198.xml><?xml version="1.0" encoding="utf-8"?>
+<inkml:ink xmlns:inkml="http://www.w3.org/2003/InkML">
+  <inkml:definitions>
+    <inkml:context xml:id="ctx0">
+      <inkml:inkSource xml:id="inkSrc0">
+        <inkml:traceFormat>
+          <inkml:channel name="X" type="integer" max="1920" units="cm"/>
+          <inkml:channel name="Y" type="integer" max="1080" units="cm"/>
+          <inkml:channel name="T" type="integer" max="2.14748E9" units="dev"/>
+        </inkml:traceFormat>
+        <inkml:channelProperties>
+          <inkml:channelProperty channel="X" name="resolution" value="55.81395" units="1/cm"/>
+          <inkml:channelProperty channel="Y" name="resolution" value="55.6701" units="1/cm"/>
+          <inkml:channelProperty channel="T" name="resolution" value="1" units="1/dev"/>
+        </inkml:channelProperties>
+      </inkml:inkSource>
+      <inkml:timestamp xml:id="ts0" timeString="2020-12-17T07:41:06.689"/>
+    </inkml:context>
+    <inkml:brush xml:id="br0">
+      <inkml:brushProperty name="width" value="0.05" units="cm"/>
+      <inkml:brushProperty name="height" value="0.05" units="cm"/>
+      <inkml:brushProperty name="fitToCurve" value="1"/>
+    </inkml:brush>
+  </inkml:definitions>
+  <inkml:trace contextRef="#ctx0" brushRef="#br0">14751 928 0,'-24'0'0,"24"-25"15,24 25 1,1 0-16,-1-24 0,0 24 15,25 0-15,25-25 0,-26 25 16,26 0-16,-1 0 16,0-24-16,1 24 0,-1 0 15,-24 0-15,0-24 0,-1 24 16,1 0-16,-24 0 16,-50 0-1,1 0-15,-1-25 16,1 25-16</inkml:trace>
+  <inkml:trace contextRef="#ctx0" brushRef="#br0" timeOffset="720">16168 537 0,'0'-25'0,"24"1"0,-24 0 16,25-1-16,-1 1 15,0-1-15,1-24 0,24 25 16,-25 0-16,1-1 0,23 1 15,-23-1-15,-1 1 16,1 24-16,24 0 0,-25 0 16,0 0-16,1 24 15,-1 1-15,1-1 0,-1 1 16,1-1-16,-1 0 0,0 1 16,1 24-16,-25-25 15,24 1-15,-24-1 0,0 0 16,0 1-16,0-1 15,0 1-15,-24-1 0,-1 1 16,1-25-16,0 24 0,-25 0 16,0-24-16,24 25 15,-23-25-15,23 24 0,-24-24 16,25 0-16,-1 25 16,50-1 15,-1-24-16,25 0-15,-24 25 0,23-25 16,1 24-16,0-24 16,0 24-16,0 1 0,0-1 15,-1 1-15,-23-1 16,24 25-16,-25-25 0,1 1 16,-25-1-16,0 1 0,0-1 15,-25 0-15,1 1 16,-1-1-16,1 1 0,-25-25 15,-24 24-15,24-24 0,0 0 16,0 0-16,0 25 16,1-25-16,-1 0 0,0 0 15,24-25-15,1 25 16,0-24-16,-1 24 0,25-25 16</inkml:trace>
+  <inkml:trace contextRef="#ctx0" brushRef="#br0" timeOffset="1278">17658 335 0,'24'0'0,"-24"-24"0,0 0 16,-24 24-1,-1 0-15,1 24 16,-1 0-16,1 1 0,-25 24 16,25 0-16,-1-1 15,1 1-15,-25 25 0,25-26 16,24 26-16,-25-1 0,25-24 15,-24 24-15,24-24 16,0 0-16,0 0 16,24-1-16,1-23 0,-25 24 15,24-25-15,25 1 0,-25-1 16,25 0-16,-25-24 0,25 0 16,0 0-16,-24 0 15,23 0-15,1-24 0,-24 0 16,-1-1-16,1 1 15,-1-25-15,-24 24 0,0-23 16,0 23-16,0 1 0,-24-1 16,24 1-16,-25 0 15,1 24-15,-25 0 0,24 0 16,1 24-16,-25 0 16,25-24-16,-1 25 0,1-1 15,-1 1-15,25-1 0,0 0 16,0 1-16,0-1 15,25-24-15,24 0 16</inkml:trace>
+  <inkml:trace contextRef="#ctx0" brushRef="#br0" timeOffset="1740">18537 537 0,'0'-49'0,"0"25"16,0-1-16,0 1 15,0 48 1,0 1 0,0-1-16,0 0 15,0 1-15,0-1 16,0 25-16,0-24 0,0-1 15,0 0-15,0 1 16,-25-1-16,1 1 16,0-25-16,-1 0 0,-24 0 15,25 0-15,-25 0 16,25-25-16,-1 25 0,1-24 16,-1-1-16,1 1 15,24 0-15,0-1 0,24-24 16,1 25-16,-1-25 15,1 0-15,-1 25 0,25-1 16,-25 1-16,25-1 0,-24 1 16,-1 24-16,0 0 15,-24 24-15,25 1 0,-25-1 16,0 1-16,0-1 0,0 1 16,0-1-16,0 0 15,0 1-15,0-1 0</inkml:trace>
+  <inkml:trace contextRef="#ctx0" brushRef="#br0" timeOffset="2011">19123 342 0,'-24'0'15,"-1"24"-15,25 0 16,-24 1-16,24-1 0,-25 25 16,1 0-16,-1 0 15,1 24-15,-25 0 0,25-24 16,-1 24-16,1 1 16,-25-26-16,25 26 0,-25-25 15,24-1-15,1-23 0,-1 24 16,1-25-16,24 1 15</inkml:trace>
+  <inkml:trace contextRef="#ctx0" brushRef="#br0" timeOffset="2382">19270 928 0,'0'-25'15,"24"25"-15,-24 25 16,0-1 0,24 25-16,-24-25 15,0 1-15,0 24 16,0-25-16,0 25 0,0-25 16,0 1-16,-24-1 0,24 1 15,-24-25-15,-1 0 16,1 0-16,-1 0 0,1 0 15,-25 0-15,49-25 16,-24 25-16,-1-24 0,25-1 16,0-24-16,0 25 0,25 0 15,-25-25-15,24 24 16,25-23-16,-25 23 0,1 1 16,24-1-16,-25 25 15,0 0-15,1 0 0,-1 0 16,-24 25-16,0-1 0</inkml:trace>
+  <inkml:trace contextRef="#ctx0" brushRef="#br0" timeOffset="-1986">10428 366 0,'25'0'0,"24"0"16,-25 0-16,25 49 0,0-49 15,-25 49-15,25-49 16,-25 24-16,25 25 0,-24-25 16,-1 1-16,1-1 0,-1 1 15,0-1-15,-24 0 16,25 1-16,-25-1 0,0 1 15,-25-1-15,1 1 0,-25-1 16,25 0-16,-25 1 16,0-1-16,0 1 0,0-1 15,0 0-15,25 1 16,-25-1-16,25-24 0,-1 25 16,1-25-16,0 24 15,48-24 16,-24-24-31,24 24 16,1 0-16,-1-25 0,25 25 16,-25 0-16,25 0 0,0 0 15,24 0-15,-24 0 16,0 0-16,0 25 0,0-1 16,0 1-16,-1-1 15,-23 0-15,-1 1 0,1-1 16,-25 25-16,0-24 0,0-1 15,-25 0-15,-24 1 16,25-1-16,-25 1 0,-24-1 16,24 1-16,-24-25 15,24 0-15,-24 24 0,24-24 16,-24 0-16,24 0 0,0 0 16,0 0-16,25 0 15,-25-24-15,24 24 0,1 0 16,0-25-16,-1 1 0,1 24 15</inkml:trace>
+  <inkml:trace contextRef="#ctx0" brushRef="#br0" timeOffset="-1463">11552 683 0,'24'0'0,"1"-24"15,-50 48 17,1 1-17,-1-1-15,-23 1 0,23-1 16,1 25-16,-25 0 15,24 0-15,1 0 0,0 24 16,-1-24-16,1-1 16,-1 1-16,25 0 0,-24 0 15,24-25-15,0 25 0,24-24 16,1-1-16,-1 25 16,1-25-16,23 1 0,1-25 15,0 24-15,24-24 16,-24 0-16,0-24 0,24 24 15,-24-25-15,-24 1 0,-1 0 16,0-25-16,-24 24 16,0-24-16,0 25 0,0 0 15,-24-1-15,0 1 16,-25-1-16,24 25 0,1 0 16,-1 0-16,-23 0 0,23 25 15,1-25-15,24 24 16,-25 1-16,1-25 0,24 24 15,0 0 1,24-24-16,1 25 0</inkml:trace>
+  <inkml:trace contextRef="#ctx0" brushRef="#br0" timeOffset="-1020">12626 732 0,'0'25'47,"0"-1"-47,25 1 16,-25-1-16,0 0 15,0 25-15,0-24 0,-25-1 16,1-24-16,0 25 0,-1-1 16,1-24-16,-25 0 15,24 0-15,-23 0 0,-1 0 16,24-24-16,-24-1 0,25 1 16,0-1-16,24 1 15,-25-1-15,25 1 0,0-25 16,25 25-16,-25-25 15,24 24-15,0-23 0,25 23 16,-24 1-16,-1-1 0,25 25 16,-25 0-16,1 0 15,-1 25-15,1-25 0,-1 24 16,-24 1-16,25-25 16,-25 24-16,0 0 0,0 1 15</inkml:trace>
+  <inkml:trace contextRef="#ctx0" brushRef="#br0" timeOffset="-744">13213 683 0,'0'-24'16,"-25"0"-16,1 24 15,-1 0 1,25 24-16,-24 0 16,-1 25-16,1-24 0,0 48 15,-1-24-15,1 24 16,-1-24-16,1 24 0,0-24 16,-1 24-16,-24-24 0,25 0 15,-1 0-15,1 0 16,0 0-16,-1-25 0</inkml:trace>
+  <inkml:trace contextRef="#ctx0" brushRef="#br0" timeOffset="-336">13628 1123 0,'0'24'16,"0"1"-16,0-1 16,0 1-1,0-1-15,0 1 16,0-1-16,0 0 0,0 1 16,0-1-16,0 1 15,0-1-15,-25 1 16,1-25-16,0 0 0,-25 24 15,0-24-15,24 0 16,-23 0-16,-1-24 0,24-1 16,1 25-16,-1-24 15,25-1-15,0 1 0,0-25 16,0 25-16,25-1 0,24-24 16,0 25-16,-1-1 15,1 1-15,0 0 0,24 24 16,-24 0-16,0 0 15,-25 0-15,25 0 0,-24 24 16,-1-24-16,1 0 0</inkml:trace>
+  <inkml:trace contextRef="#ctx0" brushRef="#br0" timeOffset="13689">14458 3175 0,'0'-25'0,"-24"25"16,24-24-1,24 24 1,1-25-16,-1 25 16,0 0-16,25 0 15,0-24-15,0 24 0,0 0 16,24 0-16,-24-25 16,24 25-16,-24 0 0,24 0 15,-24 0-15,0-24 0,-25 24 16,25 0-16,-24 0 15,-1 0 1,-48 0 0</inkml:trace>
+  <inkml:trace contextRef="#ctx0" brushRef="#br0" timeOffset="11330">10209 3028 0,'-25'0'0,"1"-24"15,-1-1-15,25 1 16,0-1-16,0-23 16,25 23-16,-25 1 0,0-1 15,24 1-15,1-1 16,-1 25-16,0-24 15,1 24-15,-1 0 0,1-24 16,23 24-16,1 0 16,0 0-16,0 0 0,0 0 15,0 0-15,-25 24 16,25-24-16,-25 24 0,1 1 16,-25-1-16,0 1 0,0-1 15,-25 25-15,1-25 16,0 1-16,-25-1 0,0 1 15,0-1-15,0 0 16,25 1-16,-25-1 0,0-24 16,25 25-16,-25-25 0,24 0 15,25 24-15,-24-24 16,0 0-16,48 0 31,0-24-31,1 24 16,-1 0-16,1 0 0,23-25 15,-23 25-15,24 0 16,0 25-16,-1-25 0,1 24 16,0 1-16,0-1 0,-25 0 15,1 25-15,-1-24 16,1 24-16,-25-25 0,0 25 16,-25-25-16,1 1 15,-1 23-15,-23-23 0,23-1 16,-24 1-16,0-25 15,1 24-15,-26-24 0,25 25 16,1-25-16,-1 0 0,24 0 16,-23-25-16,23 25 15,1-24-15,-1-1 0,1 1 16,24-1-16</inkml:trace>
+  <inkml:trace contextRef="#ctx0" brushRef="#br0" timeOffset="11858">11527 2955 0,'0'-25'16,"-24"25"-16,0-24 15,-1 24-15,1 0 0,-1 0 16,1 0-16,-1 0 16,1 24-16,-25 1 0,25-25 15,-1 24-15,1 25 0,-1-25 16,1 25-16,0 0 16,-1 0-16,1 0 0,-1 24 15,25-24-15,0 0 16,0 0-16,0-1 0,25 1 15,-1 0-15,-24 0 0,49-25 16,-25 1-16,1-25 16,24 24-16,-25-24 0,25 0 15,-25 0-15,25 0 16,-24-24-16,24-1 0,-25 1 16,0-25-16,1 0 0,-25 25 15,24-25-15,-24 0 16,0 25-16,-24-1 0,24 1 15,-25 0-15,1 24 16,0 0-16,-1 0 0,1 0 16,-1 24-16,-24-24 0,49 24 15,-24 1-15,0-1 16,24 1-16,0-1 0,0 0 16,24-24-16,0 0 15</inkml:trace>
+  <inkml:trace contextRef="#ctx0" brushRef="#br0" timeOffset="12302">12236 2980 0,'24'-24'0,"0"24"15,1-25-15,-25 1 16,24 24-16,1 24 15,-1 1 1,1-1-16,-25 1 16,24-25-16,-24 24 15,0 0-15,0 1 0,0-1 16,-24 1-16,-25-25 16,24 24-16,-24-24 15,1 25-15,-1-25 0,0 0 16,0 0-16,0 0 15,25 0-15,-25-25 0,25 25 16,-1-24-16,25-1 0,0 1 16,0-1-16,0 1 15,25 0-15,-1-1 0,0 1 16,1-1-16,24 1 16,-25 24-16,1-25 0,23 25 15,-23 0-15,-1 0 16,1 25-16,-1-1 15,0 1-15,-24-1 32,-24-24-32</inkml:trace>
+  <inkml:trace contextRef="#ctx0" brushRef="#br0" timeOffset="12592">12651 2882 0,'24'24'16,"-24"0"-1,0 1 1,25-1-16,-25 25 15,0-25-15,-25 25 16,1 0-16,-1 0 0,1 0 16,0 24-16,-25 0 0,24-24 15,1 24-15,-25-24 16,25 0-16,-1 0 0,25 0 16</inkml:trace>
+  <inkml:trace contextRef="#ctx0" brushRef="#br0" timeOffset="13033">12968 3321 0,'25'0'16,"-25"-24"-16,24-1 15,1 25 1,-1 25-1,0-25-15,1 24 0,-1 1 16,1-1-16,-1 25 0,1-25 16,-1 1-16,-24 24 15,0-25-15,0 25 0,0-25 16,-24 1-16,24-1 0,-25-24 16,1 24-16,-1-24 15,-24 0-15,25 0 0,0 0 16,-1-24-16,1 0 15,-1-1-15,25-24 0,-24 25 16,24-25-16,0 0 16,24 0-16,-24 1 0,25-1 15,-1 24-15,-24 1 0,25-1 16,-1 25-16,0 0 16,1 0-16,-1 25 15,1-25-15,-1 24 0,-24 1 16,25-25-16,-25 24 15,0 1 1</inkml:trace>
+  <inkml:trace contextRef="#ctx0" brushRef="#br0" timeOffset="14883">16681 2637 0,'0'-24'0,"0"-1"16,-25 25-16,25-24 0,-24 0 31,24 48-16,0 0 1,0 1-16,0-1 16,0 25-16,0-24 0,0 23 15,0 26-15,0-25 16,0-1-16,0 26 0,0-26 16,0 1-16,0 0 15,0 0-15,0-25 0,-25 1 16,25-1-16,0 1 0</inkml:trace>
+  <inkml:trace contextRef="#ctx0" brushRef="#br0" timeOffset="15518">17120 2930 0,'-24'0'15,"24"-24"-15,-25 24 16,25-24-16,0-1 16,0 1-16,0-1 15,0 1-15,0-1 0,25-23 16,-25 23-16,24 1 15,1-25-15,-25 24 0,24 1 16,1 24-16,-1-24 16,0 24-16,1 0 0,-1 0 15,1 24-15,-1 0 0,25 1 16,-25-1-16,1 25 16,-1-24-16,1 23 0,-25 1 15,0-24-15,0 24 0,0-1 16,-25-23-16,1 24 15,-1-1-15,-23-23 0,-1-1 16,24 25-16,-24-24 16,25-1-16,-25-24 0,25 24 15,-1 1-15,1-25 16,24 24-16,-25-24 16,50-24 15,-1-1-31,25 1 15,0 24-15,0-24 0,0 24 16,0-25-16,24 25 16,-24 0-16,-1 25 0,1-25 15,0 24-15,0 0 16,0 1-16,-25-1 0,1 1 16,-1-1-16,1 1 0,-25-1 15,24 0-15,-24 1 16,0-1-16,24 1 15</inkml:trace>
+  <inkml:trace contextRef="#ctx0" brushRef="#br0" timeOffset="15734">17975 3028 0,'-24'-24'0,"24"48"63,24-24-63,1 0 15</inkml:trace>
+  <inkml:trace contextRef="#ctx0" brushRef="#br0" timeOffset="16280">18464 2784 0,'0'-25'15,"0"1"-15,24 0 0,-24-1 16,24 1-16,-24 48 31,0 1-31,0-1 16,0 0-16,0 25 16,0-24-16,0 24 0,0-25 15,0 0-15,0 25 0,25-24 16,-25-1-16,24 0 15,1 1-15,-1-25 16,0 0-16,25 0 16,-24 0-16,-1 0 0,1 0 15,23-25-15,-23 1 16,-1 0-16,25-1 0,-24-24 16,-1 25-16,0-25 0,1 0 15,-1 25-15,1-25 16,-1 25-16,-24-25 0,25 49 15,-25-25-15,0 50 16,0-1 0,0 1-16,0 23 0,0 1 15,0 0-15,-25 0 16,25 0-16,0 0 0,0-1 16,0-23-16,0 24 0,0 0 15,25-25-15,-25 25 16,0-25-16,0 1 0,0-1 15,24-24 1</inkml:trace>
+  <inkml:trace contextRef="#ctx0" brushRef="#br0" timeOffset="16730">19563 2613 0,'0'-25'31,"0"50"1,24-1-17,-24 1-15,24-1 0,-24 1 16,25-1-16,-25 0 15,0 1-15,0-1 16,-25 1-16,1-25 16,0 0-1,-1 0-15,1 0 0,-1 0 16,1 0-16,-1-25 16,1 25-16,0-24 0,-1-1 15,25 1-15,0 0 0,0-1 16,0 1-16,0-1 15,25 1-15,-1-1 0,-24 1 16,24 24-16,1-24 16,-1 24-16,1 0 0,-1 0 15,1 24 1,-25 0-16,24-24 16,-24 25-16</inkml:trace>
+  <inkml:trace contextRef="#ctx0" brushRef="#br0" timeOffset="17036">20002 2491 0,'0'-25'0,"25"25"31,-25 25-15,0-1-16,-25 25 15,25-25-15,-24 25 16,24 0-16,-25 0 0,1 24 16,24-24-16,-25 0 0,1 0 15,0 0-15,24-1 16,-25 1-16,25 0 0,-24-24 15,24-1-15,0 0 16,0 1-16</inkml:trace>
+  <inkml:trace contextRef="#ctx0" brushRef="#br0" timeOffset="17457">20540 2808 0,'24'49'16,"-24"-25"-16,24 1 0,-24-1 0,0 1 16,0-1-16,-24 25 15,24-25-15,-24 1 0,24-1 16,0 1-16,-25-1 15,1 1-15,-1-25 16,25 24-16,-24-24 0,-1 0 16,-23-24-16,23 24 15,1-25-15,-1 1 0,1-1 16,24 1-16,-25-1 0,25 1 16,0-25-16,25 25 15,-25-25-15,24 24 0,1 1 16,-1 0-16,1-1 15,-1 25-15,25 0 0,-25 0 16,1 0-16,-1 25 0,1-25 16,-1 24-16,0-24 15,-24 24-15,0 1 0,-24-25 16</inkml:trace>
+  <inkml:trace contextRef="#ctx0" brushRef="#br0" timeOffset="19184">16876 1612 0,'24'0'16,"-48"-25"-1,48 25 1,1-24-16,-1 24 16,25 0-16,-24 0 15,23-25-15,-23 25 0,24 0 16,0 0-16,-25 0 15,0 0-15,25 0 0,-24 0 16,-1 0 0,-24-24-16,-24 24 15,-1 0-15,1 0 16,-1 0-16,-23 0 16,-1 0-16,0 0 0,0 0 15,0 0-15,-24 0 0,24 0 16,0 0-16,0 0 15,0 0-15,25 0 0,0 0 16,-1 0-16,1 0 16,-1 0-16,25 24 15,25-24-15,-1 0 16,1 0 0,23 0-16,1 0 0,0 0 15,24 0-15,-24 0 16,25 0-16,-1 0 0,0 0 15,-24 0-15,24 0 0,-24 0 16,0 0-16,-25 0 16,1 0-16,-1 0 0</inkml:trace>
+  <inkml:trace contextRef="#ctx0" brushRef="#br0" timeOffset="20067">17291 4078 0,'-24'0'16,"48"-24"0,1 24-1,-25-25-15,24 25 16,0 0-16,1-24 16,24 24-16,-25 0 0,25 0 15,0-24-15,0 24 0,0 0 16,-1 0-16,-23 0 15,24 0-15,-25 0 0,1 0 16,-50 0 15,1 0-31,-1 0 0,1 0 16,-25 24 0,0-24-16,0 0 0,-48 0 15,48 24 1,0-24-16,0 0 0,25 0 0,-1 0 15,1 0-15,48 0 32,1 0-17,-1 0-15,25 0 16,-25-24-16,25 24 0,0 0 16,24 0-16,-24-24 0,0 24 15,0 0-15,0 0 16,0 0-16,-25 0 0,0 0 15,-48 0 1,-25 0 0,25 0-16,-1 0 15,-24 0-15</inkml:trace>
+  <inkml:trace contextRef="#ctx0" brushRef="#br0" timeOffset="-5.97045E6">97 0 0,'25'0'63,"-1"0"-32,1 0-31,-1 0 15,1 24-15,-1-24 16,0 24-16,1 1 16,-25-1-16,0 1 15,0 24-15,-25-25 16,1 25-16,0-25 0,-1 25 16,1 0-16,-25 0 0,24 0 15,1-1-15,0 1 16,-1 0-16,1-24 0,24 23 15,0 1-15,24 0 16,1 0-16,-1-25 0,25 25 16,0 0-16,0 0 0,-1-25 15,1 25-15,0 0 16,0-25-16,0 25 0,-25 0 16,25-24-16,-49 23 15,0 1-15,0-24 0,0 24 16,-24-1-16,-1 1 0,1-24 15,-25 24-15,24-1 16,-23 1-16,23 0 0,1 0 16,-1 0-16,1 0 15,24-1-15,0 26 0,24-25 16,1-1-16,-1 1 0,1 24 16,-1-24-16,25 25 15,-25-26-15,25 1 0,-24 25 16,-1-26-16,0 1 15,-24 0-15,25 0 0,-25 0 16,0 0-16,0 0 0,0-1 16,0 1-16,-25 0 15,1 0-15,24 24 0,-24-24 16,-1 0-16,25 0 16,-24 0-16,24-1 0,0 1 15,0 0-15,24 0 16,-24 0-16,25 0 0,23 24 15,-23-24-15,-1 0 0,1-1 16,-1 1-16,1 0 16,-1-24-16,0 23 0,1 1 15,-1 0-15,-24 0 0,0 0 16,0 0-16,0-1 16,0 1-16,-24 25 0,-1-26 15,25 1-15,-24 0 0,24 0 16,0 0-16,-24 24 15,24-24-15,0 0 0,0 0 16,24 24-16,-24-24 16,24 0-16,-24 24 0,25 0 15,-25-24-15,24 24 0,1-24 16,-25 24-16,24-24 16,-24 0-16,24 0 0,-24 0 15,25 0-15,-25-1 16,0 1-16,0-24 0,0 24 15,0-25-15,-25 25 0,25-25 16,-24 1-16,0 23 16,-1-23-16,1-1 0,-1 1 15,1-1-15,0 1 16,-1-1-16,1 0 16,24 1-16,0-1 0,0 1 15,0-1-15,0 1 16,24-1-16,1 0 0,-25 1 15,24-1-15,0 1 16,-24 24-16,25-25 0,-25 0 16,24 1-16,-24-1 0,0 25 15,0-24-15,0-1 16,0 25-16,0-25 0,0 25 16,0-25-16,-24 1 15,24 24-15,0-25 0,0 25 16,0-25-16,0 25 0,0-24 15,0 24-15,0-25 16,0 0-16,0 1 0,0-1 16,-25-24-16</inkml:trace>
+  <inkml:trace contextRef="#ctx0" brushRef="#br0" timeOffset="-5.96964E6">1001 122 0,'-24'24'31,"24"1"-16,-25 23-15,1 1 16,-1 0-16,-24 0 0,25 24 16,-25 0-16,0 1 15,1-25-15,-1 24 0,24 0 16,-24-24-16,1 0 0,23 0 16,1-25-16,-1 25 15,25-25-15</inkml:trace>
+  <inkml:trace contextRef="#ctx0" brushRef="#br0" timeOffset="-5.9694E6">977 879 0,'0'24'0,"0"1"16,-25 24-1,25-25-15,-24 0 0,-1 1 16,-23 24-16,-1-25 0,0 25 16,0 0-16,0-25 15,-24 25-15,24-25 0,0 1 16,25-1-16,-25 1 16,49-1-16</inkml:trace>
+  <inkml:trace contextRef="#ctx0" brushRef="#br0" timeOffset="-5.96921E6">1025 1465 0,'0'24'0,"0"25"16,0-24-16,-24-1 0,0 25 15,-1-25-15,-24 25 16,25-24-16,-25 23 0,0 1 15,25-24-15,-25 24 0,25-1 16,-1-23-16,1 24 16</inkml:trace>
+  <inkml:trace contextRef="#ctx0" brushRef="#br0" timeOffset="-5.96897E6">1221 2002 0,'24'0'16,"-24"25"-16,-24-1 15,-1 1-15,1-1 16,0 0-16,-25 25 0,24-24 16,-24-1-16,1 25 15,-1-25-15,24 25 0,-24-24 16,25-1-16,0 25 0,-1-25 15,1 1-15,-1-1 16</inkml:trace>
+  <inkml:trace contextRef="#ctx0" brushRef="#br0" timeOffset="-5.96859E6">1196 3736 0,'0'49'0,"-24"0"0,0 0 15,-1 0-15,-24 24 0,0-24 16,1 0-16,-1-25 15,0 25-15,0 0 0,0-25 16,25 25-16</inkml:trace>
+  <inkml:trace contextRef="#ctx0" brushRef="#br0" timeOffset="-5.96747E6">5715 8328 0,'-25'0'15,"1"0"-15,24 24 0,24-48 32,1 24-17,24 0 1,-25-25-16,25 25 0,0 0 16,24 0-16,-24 0 0,0-24 15,-25 24-15,25 0 16,-25 0-16,1 0 0,-50 0 31,1 0-31,-1 24 0,-23-24 16,-1 25-16,-24-25 0,24 24 15,0-24-15,0 25 16,0-25-16,25 24 0,-1-24 16,50 0-1,-1 0 1,25-24-16,0 24 0,24 0 15,-24-25-15,24 25 16,-24-24-16</inkml:trace>
+  <inkml:trace contextRef="#ctx0" brushRef="#br0" timeOffset="26168">5080 952 0,'0'-24'0,"0"-1"16,0 1-1,0 48 17,0 1-17,24-1-15,-24 0 16,0 1-16,0 24 0,25 0 16,-25-1-16,0 1 15,0 25-15,24-26 0,-24 1 16,0 0-16,0 0 0,0 0 15,0-25-15,24 25 16,-24-24-16,0-1 0</inkml:trace>
+  <inkml:trace contextRef="#ctx0" brushRef="#br0" timeOffset="26654">5495 977 0,'0'-25'0,"0"50"31,0-1-15,0 0-16,0 1 15,0-1-15,0 1 0,0 23 16,0-23-16,-25 24 15,25 0-15,0-25 0,0 25 16,25 0-16,-25-25 16,24 25-16,1-25 0,-25 1 15,49-1-15,-25 1 0,0-25 16,1 0-16,24 0 16,-25 0-16,25-25 0,-25 1 15,25-1-15,-24 1 0,-1 0 16,1-25-16,-1 0 15,-24 24-15,24-23 0,-24-1 16,0 0-16,-24 24 16,0-23-16,-1 23 0,1 1 15,-1-1-15,1 25 0,-1 0 16,1 0-16,0 0 16,-25 0-16,24 25 0,1-1 15,-1-24-15,25 25 16,-24-1-16,0-24 0,24 24 15,-25-24-15,25 25 0</inkml:trace>
+  <inkml:trace contextRef="#ctx0" brushRef="#br0" timeOffset="27122">6447 1001 0,'25'0'16,"24"-25"-16,-25 1 16,-24 0-1,-24 24 1,24 24-16,-25-24 16,1 24-16,-1 1 15,1-1-15,0 25 0,-1-24 16,1 23-16,-1 1 0,25-24 15,0 24-15,0-25 16,0 0-16,0 1 0,25-1 16,-1 1-16,1-1 15,-1-24-15,0 0 0,25 0 16,-24 0-16,23 0 0,1-24 16,-24-1-16,24 1 15,-25-25-15,0 25 0,1-25 16,-25 0-16,24 0 0,-24 0 15,0 0-15,-24 25 16,-1-25-16,1 0 0,0 25 16,-25-1-16,24 25 15,-24 0-15,25 0 0,-25 0 16,25 25-16,-1-25 0,-23 24 16,23 1-16,1-1 15,24 25-15,-25-25 0,25 1 16</inkml:trace>
+  <inkml:trace contextRef="#ctx0" brushRef="#br0" timeOffset="27877">6276 2076 0,'0'-25'0,"0"1"15,0-1 1,0 50 15,0-1-31,0 1 16,-24-1-16,24 25 15,0 0-15,-24-1 16,24 1-16,0 0 0,0 24 16,0 1-16,0-25 0,0 24 15,24 0-15,0 74 16,25-74-1,-24 0-15,24 0 0,-1 1 16,1 23-16,0-23 0,24-1 16,25 0-16,-25 0 15,25 25-15,0-49 0,24 24 16,0 1-16,0-26 0,25 1 16,-1 0-16,1-24 15,24 23-15,-25-23 0,25-25 16,-24 24-16,-1-24 15,-24 25-15,0-25 0,-24 0 16,0 0-16,-25-25 0,-24 25 16,-25 0-16,1-24 15,-1 24-15,-24-25 16,0 1 15,-24 24-31</inkml:trace>
+  <inkml:trace contextRef="#ctx0" brushRef="#br0" timeOffset="28406">8939 3663 0,'0'-24'16,"24"24"15,0 0-15,1 24-16,-1-24 15,1 0-15,-1 24 16,25-24-16,-25 25 0,25-25 15,-24 24-15,-1 1 16,25-1-16,0 1 16,-25-25-16,-24 24 15,25-24-15,-1 24 0,-24 1 16,0-1 0,-24 1-16,24-1 0,-25 1 15,1-1-15,-1 25 16,1-25-16,-25 1 0,25 23 15,-1-23-15,1-1 16,-1 25-16,1-24 0,-1-1 16,25 0-16,-24 1 0,24-1 15,0 1-15,-24-25 16,24 24-16,0 1 16,-25-25 15,25-25 0</inkml:trace>
+  <inkml:trace contextRef="#ctx0" brushRef="#br0" timeOffset="30740">8377 4249 0,'0'-24'15,"24"24"1,1 0 15,-25 24-15,0 1-16,24-25 0,-24 24 16,25 0-16,-25 1 15,24 24-15,0-25 0,1 1 16,24 23-16,-25-23 15,25 24-15,0-25 0,0 25 16,-1-25-16,1 25 0,0-24 16,24 24-16,-24-25 15,24 0-15,1 25 0,23-24 16,-23 23-16,23-23 16,1-1-16,24 25 0,-24-24 15,24-1-15,0 25 16,0-25-16,25 1 0,-25-1 15,24 25-15,-23-25 0,23 1 16,1-1-16,-1 1 16,1-1-16,-25 0 0,24-24 15,1 25-15,-1-1 0,-23-24 16,23 25-16,-24-25 16,0 0-16,0 24 0,1-24 15,-1 0-15,0 0 16,0 0-16,24-24 0,-23 24 15,-1-25-15,24 25 0,-24-24 16,25-1-16,-1 1 16,1 0-16,-25-1 0,25 1 15,-25-25-15,24 25 16,-24-25-16,1 0 0,-1 24 16,-25-23-16,25-1 0,-24 24 15,0-24-15,-25 1 16,25 23-16,-25-24 0,-24 1 15,24 23-15,-24-24 16,0 25-16,0-25 0,0 25 16,-25-1-16,0 1 0,1-1 15,-25 1-15,24 24 16,-24-25-16,25 25 0,-1 0 47</inkml:trace>
+  <inkml:trace contextRef="#ctx0" brushRef="#br0" timeOffset="31677">15582 4396 0,'24'0'62,"0"0"-30,-24-25-17,25 25 1,-1 0-16,1 0 0,-1 0 15,25 0-15,-25 0 0,25 0 16,0-24-16,0 24 16,0 0-16,-25 0 0,25-25 15,0 25-15,-25 0 16,25-24-16,-24 24 0,-1-24 16,0 24-16,1 0 0,-25-25 15,24 25-15,1 0 16,-50 0 78,25 25-79,0-1 1,0 0 15,0 1-31,0-1 16,0 1-16,-24-25 15,24 24-15,0 1 0,0 23 16,0-23-16,-25-1 0,25 1 16,0-1-16,0 25 15,-24-25-15,24 1 0,0-1 16,0 1-1,-24-1-15,24 1 16,0-1-16,0 0 16,0 1-1,0-1 17,0-48 30,-25 24-46</inkml:trace>
+</inkml:ink>
+</file>
+
+<file path=ppt/ink/ink199.xml><?xml version="1.0" encoding="utf-8"?>
+<inkml:ink xmlns:inkml="http://www.w3.org/2003/InkML">
+  <inkml:definitions>
+    <inkml:context xml:id="ctx0">
+      <inkml:inkSource xml:id="inkSrc0">
+        <inkml:traceFormat>
+          <inkml:channel name="X" type="integer" max="1920" units="cm"/>
+          <inkml:channel name="Y" type="integer" max="1080" units="cm"/>
+          <inkml:channel name="T" type="integer" max="2.14748E9" units="dev"/>
+        </inkml:traceFormat>
+        <inkml:channelProperties>
+          <inkml:channelProperty channel="X" name="resolution" value="55.81395" units="1/cm"/>
+          <inkml:channelProperty channel="Y" name="resolution" value="55.6701" units="1/cm"/>
+          <inkml:channelProperty channel="T" name="resolution" value="1" units="1/dev"/>
+        </inkml:channelProperties>
+      </inkml:inkSource>
+      <inkml:timestamp xml:id="ts0" timeString="2020-12-17T07:44:03.229"/>
+    </inkml:context>
+    <inkml:brush xml:id="br0">
+      <inkml:brushProperty name="width" value="0.05" units="cm"/>
+      <inkml:brushProperty name="height" value="0.05" units="cm"/>
+      <inkml:brushProperty name="fitToCurve" value="1"/>
+    </inkml:brush>
+  </inkml:definitions>
+  <inkml:trace contextRef="#ctx0" brushRef="#br0">538 251 0,'0'-25'0,"0"1"16,0-1-16,0 1 0,0-1 15,0 1-15,0 0 16,-25-1-16,1 1 0,-1-1 16,1 25-16,0 0 15,-1 25-15,-24-25 0,1 24 16,23 1-16,-24 23 0,0 1 16,25-24-16,0 24 15,-1-1-15,25 1 0,0-24 16,0 24-16,0-25 0,25 0 15,-25 1-15,24-1 16,0-24-16,1 25 0,24-25 16,-25 0-16,1 0 15,-1 0-15,0 0 16,-24-25-16,25 25 0,-25-24 16,0-1-1,-25 25-15,25-24 0,-24 24 16,0 0-16,-1 0 15,-24 0-15,25 0 0,-25 24 16,25 1-16,-25-1 0,24 1 16,1-1-16,-1 25 15,25-25-15,0 1 0,0-1 16,0 1-16,25-1 16,-1 0-16,25-24 0,-24 25 15,48-25-15,-24 24 16,0-24-16,-1 0 0,26 0 15,-26-24-15,1 24 0,0 0 16,0-25-16,-25 1 16</inkml:trace>
+  <inkml:trace contextRef="#ctx0" brushRef="#br0" timeOffset="631">782 446 0,'0'-25'15,"0"1"-15,0 0 16,0-1-16,0 1 15,0 48 48,0 1-63,24-1 0,-24 0 16,0 1-16,25-1 0,-25 25 15,0-24-15,0 23 16,0-23-16,0-1 0,0 1 15,0-1 1,0-48 0,0-1-1,0 1 1,24-1-16,-24-23 0,25-1 16,-25 24-16,24-24 15,1 1-15,-1 23 0,0-24 16,-24 25-16,25 24 0,-1 0 15,1 0-15,-1 0 16,1 24-16,-1 25 0,-24-24 16,24-1-16,-24 25 15,0-25-15,0 1 0,0 24 16,0-25-16,0 0 16,0 1-1,0-50 1,0 1-1,0 0-15,25-1 16,-25 1-16,24-1 0,1 1 16,-1-25-16,0 25 15,1-1-15,-1 25 0,1 0 16,-1 0 0,1 25-16,-1-1 0,-24 0 15,0 1-15,24 24 0,-24-25 16,0 25-16,0-25 15,0 25-15,0-24 0,25-1 16,-25 1 0,24-25-16</inkml:trace>
+  <inkml:trace contextRef="#ctx0" brushRef="#br0" timeOffset="1146">1661 153 0,'0'-25'0,"0"1"0,0 0 16,0 48 0,0 0-16,0 25 15,-24 0-15,24 0 0,0 0 16,0 0-16,0 0 16,0 24-16,0-24 0,-25 24 15,25-24-15,0 0 16,0 24-16,0-24 0,0 0 15,0-25-15,0 25 0,0-25 16,0 1-16,0-1 16,0 0-16,0-48 31,0 0-31,0-25 16,0 0-16,0 0 15,0 0-15,25-24 0,-25 0 16,24 24-16,1-24 0,-25 24 15,24 0-15,1 0 16,-1 25-16,-24-1 0,24 25 16,1 0-16,-1 25 0,1-25 15,-1 24-15,0 1 16,1-1-16,-1 0 0,1 1 16,-1-1-16,-24 1 15,0-1-15,-24 0 16,-1-24-16,1 0 0,-25 25 15,0-25-15,25 24 16,-25-24-16,0 0 0,25 0 16,-1 25-16,1-25 15</inkml:trace>
+  <inkml:trace contextRef="#ctx0" brushRef="#br0" timeOffset="1375">2492 299 0,'0'-24'16,"24"24"15,0 0-16,1 0-15,-1 0 16,1 0-16,-1 0 0</inkml:trace>
+  <inkml:trace contextRef="#ctx0" brushRef="#br0" timeOffset="1590">2418 447 0,'-24'24'15,"48"-24"17,1 0-32,-1 0 15,1 0-15,23 0 0,-23 0 16,24 0-16,0-24 16,-25 24-16,25 0 0,-25 0 15,1 0-15,-25-25 16,24 25-16</inkml:trace>
 </inkml:ink>
 </file>
 
@@ -3650,6 +4143,332 @@
 </inkml:ink>
 </file>
 
+<file path=ppt/ink/ink200.xml><?xml version="1.0" encoding="utf-8"?>
+<inkml:ink xmlns:inkml="http://www.w3.org/2003/InkML">
+  <inkml:definitions>
+    <inkml:context xml:id="ctx0">
+      <inkml:inkSource xml:id="inkSrc0">
+        <inkml:traceFormat>
+          <inkml:channel name="X" type="integer" max="1920" units="cm"/>
+          <inkml:channel name="Y" type="integer" max="1080" units="cm"/>
+          <inkml:channel name="T" type="integer" max="2.14748E9" units="dev"/>
+        </inkml:traceFormat>
+        <inkml:channelProperties>
+          <inkml:channelProperty channel="X" name="resolution" value="55.81395" units="1/cm"/>
+          <inkml:channelProperty channel="Y" name="resolution" value="55.6701" units="1/cm"/>
+          <inkml:channelProperty channel="T" name="resolution" value="1" units="1/dev"/>
+        </inkml:channelProperties>
+      </inkml:inkSource>
+      <inkml:timestamp xml:id="ts0" timeString="2020-12-17T07:44:01.723"/>
+    </inkml:context>
+    <inkml:brush xml:id="br0">
+      <inkml:brushProperty name="width" value="0.05" units="cm"/>
+      <inkml:brushProperty name="height" value="0.05" units="cm"/>
+      <inkml:brushProperty name="fitToCurve" value="1"/>
+    </inkml:brush>
+  </inkml:definitions>
+  <inkml:trace contextRef="#ctx0" brushRef="#br0">1573 343 0,'24'-24'0,"-24"0"0,0 48 47,0 0-47,0 25 0,0 0 16,0 0-16,0 0 16,-24 0-16,24 24 0,0-24 15,0 0-15,0 24 0,-25-24 16,25 0-16,0-1 15,0-23-15,0-1 0,0 1 16,-24-1-16</inkml:trace>
+  <inkml:trace contextRef="#ctx0" brushRef="#br0" timeOffset="-965">59 50 0,'-25'0'15,"1"0"-15,-1 0 16,50 0 15,-1 25-15,1-25-1,24 0-15,-25 0 16,25 0-16,0 0 0,24 0 16,25 0-16,-25 0 15,25 0-15,-1 0 0,-24 0 16,1 0-16,-25 0 0,-1 0 15,1 0-15,-24 0 16,-50 0 0,1 24-16,-25-24 15,0 0-15,0 25 0</inkml:trace>
+  <inkml:trace contextRef="#ctx0" brushRef="#br0" timeOffset="-719">425 172 0,'0'-24'0,"0"0"16,24 24 15,-24 24-15,0 0 0,0 25-16,0 0 0,0 0 15,0 0-15,0 24 0,-24 0 16,0-24-16,24 24 15,-25 1-15,1-25 0,-1 24 16,25-24-16,-24 0 16,-1-25-16,25 0 0,-24 1 15,24-1-15</inkml:trace>
+  <inkml:trace contextRef="#ctx0" brushRef="#br0" timeOffset="-270">718 661 0,'-24'0'31,"-1"24"-15,25 25-1,0-24 1,0-1-16,-24 25 0,24-25 16,0 25-16,0-24 0,24 23 15,-24-23-15,25-1 16,-1-24-16,-24 25 0,25-25 16,-1 0-16,0 0 15,25-25-15,-24 1 0,-1-1 16,-24 1-16,24 0 0,1-1 15,-25-24-15,0 25 16,-25-25-16,1 25 0,0-1 16,-1 1-16,1-1 15,-1 25-15,1 0 0,0 0 16,-1 25-16,25-1 16,0 1-16,0-1 15,0 0-15,0 1 16,25-1-16,-1-24 0,0 25 15</inkml:trace>
+  <inkml:trace contextRef="#ctx0" brushRef="#br0" timeOffset="853">1377 856 0,'-24'-49'0,"0"25"16,-1 0-16,25-1 0,-24 25 15,24-24-15,24 24 16,1 0 0,23 24-16,1-24 0,0 0 15,24 0-15,1 25 16,-1-25-16,25 0 0,-25 0 16,0 0-16,1 0 15,-1 0-15,-24-25 0,-1 25 16,-23 0-16,24-24 0,-25-1 15,-24 1 1,0 0-16,0-1 16,-24 25-16,-1-24 15,1 24 1,-1 0-16,1 24 16,0-24-16,-25 25 15,24-1-15,1 0 0,0 1 16,-1-1-16,1 1 0,-1 23 15,25-23-15,-24-1 16,24 1-16,0-1 0,0 1 16,24-1-16,1 0 15,-1-24-15,1 0 16,23 0-16,-23 0 0,-1 0 16,1-24-16,-1 24 15,0-24-15,1-1 0,-1 1 16,1-25-16,-25 24 0,24 1 15,-24 0-15,0-1 16,0 1-16,0 48 31,0 1-31,0-1 0,0 0 16,0 25-16,0-24 0,25-1 16,-25 1-16,0-1 15,24 0-15,-24 1 0,24-25 16,-24 24-16,25-24 15,-1 0-15,1-24 16,-1 24-16,1-25 0,-1 1 16,25-25-1,-49 0-15,24 25 0,1-25 16,-25-24-16,24 24 16,-24-24-16,0-1 0,0 26 15,0-26-15,0 25 0,-24 1 16,24-1-16,0 24 15,-25 25-15,25 49 16,0-24 0,0 23-16,0 26 0,-24-25 15,24 24-15,0-24 0,0 0 16,-25-1-16,25 1 16,0 0-16,0-25 0,-24 1 15,24 24-15,0-25 16,0 1-16,0-1 0</inkml:trace>
+</inkml:ink>
+</file>
+
+<file path=ppt/ink/ink201.xml><?xml version="1.0" encoding="utf-8"?>
+<inkml:ink xmlns:inkml="http://www.w3.org/2003/InkML">
+  <inkml:definitions>
+    <inkml:context xml:id="ctx0">
+      <inkml:inkSource xml:id="inkSrc0">
+        <inkml:traceFormat>
+          <inkml:channel name="X" type="integer" max="1920" units="cm"/>
+          <inkml:channel name="Y" type="integer" max="1080" units="cm"/>
+          <inkml:channel name="T" type="integer" max="2.14748E9" units="dev"/>
+        </inkml:traceFormat>
+        <inkml:channelProperties>
+          <inkml:channelProperty channel="X" name="resolution" value="55.81395" units="1/cm"/>
+          <inkml:channelProperty channel="Y" name="resolution" value="55.6701" units="1/cm"/>
+          <inkml:channelProperty channel="T" name="resolution" value="1" units="1/dev"/>
+        </inkml:channelProperties>
+      </inkml:inkSource>
+      <inkml:timestamp xml:id="ts0" timeString="2020-12-17T07:44:05.858"/>
+    </inkml:context>
+    <inkml:brush xml:id="br0">
+      <inkml:brushProperty name="width" value="0.05" units="cm"/>
+      <inkml:brushProperty name="height" value="0.05" units="cm"/>
+      <inkml:brushProperty name="fitToCurve" value="1"/>
+    </inkml:brush>
+  </inkml:definitions>
+  <inkml:trace contextRef="#ctx0" brushRef="#br0">244 396 0,'-24'-24'16,"24"-1"-16,0 1 15,0 0 1,-24 24 0,-1 0 46,1 24-31,-1-24-15,25 24-16,-24-24 16,0 25-16,24-1 0,-25 1 15,1-1-15,24 25 0,0-25 16,-25 25-16,25-24 16,0 24-16,0-1 0,0-23 15,0 24-15,25-25 0,-1 25 16,-24-25-16,25 1 15,23-1-15,-23 1 0,-1-25 16,25 0-16,-25 0 16,25 0-16,-24 0 0,-1 0 15,25-25-15,-25 1 0,1-1 16,-1 1-16,1 0 16,-25-25-16,24 24 0,-24-24 15,0 1-15,0-1 16,-24 0-16,-1 0 0,1 0 15,-1 0-15,1 25 0,-25-25 16,0 25-16,25-1 16,-25 1-16,0-1 0,25 25 15,-1-24-15,1-1 16,0 1-16,24 0 16,0-1-1,24 1-15,0-1 16,-24 1-16,25 24 15,-1-24-15,1 24 16,-1 0-16,0 0 0,1 0 16,24 0-16,-25 24 0,1-24 15,23 24-15,-23 1 16,-1-1-16,25 1 0,-49-1 16,25 0-16,-25 1 15,0-1-15,0 25 0,-25-24 16,1 23-16,-1 1 0,1-24 15,-25 24-15,25-1 16,24-23-16,-25-1 0,25 1 16</inkml:trace>
+  <inkml:trace contextRef="#ctx0" brushRef="#br0" timeOffset="455">1050 396 0,'-24'0'15,"0"0"1,-1 0 0,25 25-16,-24-1 15,24 1-15,-25 23 0,1-23 16,24 24-16,-25 0 15,25-1-15,0 1 0,0-24 16,0 23-16,0-23 16,25-1-16,-1 1 0,1-1 15,-1-24-15,1 0 0,23 0 16,-23 0-16,-1 0 16,25-24-16,-24 24 0,-1-25 15,0-24-15,1 25 0,-25 0 16,0-25-16,0 0 15,0 0-15,0 0 0,-25 0 16,25 1-16,-24 23 0,0-24 16,-1 25-16,1 24 15,-1 0-15,1 0 0,24 24 16,-25 1-16,1-1 16,24 1-16,-24 23 0,24-23 15,0-1-15,0 1 16,0-1-16</inkml:trace>
+  <inkml:trace contextRef="#ctx0" brushRef="#br0" timeOffset="911">1783 445 0,'0'-24'0,"-24"24"15,24-25-15,-25 25 16,1 25-16,-1-25 16,25 24-16,-24 1 0,0-1 15,-1 25-15,25-25 16,-24 25-16,-1 0 0,25 0 16,-24 0-16,24 0 15,0-25-15,0 25 0,24-25 16,-24 1-16,25-1 0,-1-24 15,1 24-15,-1-24 16,25 0-16,-25-24 0,25 0 16,-24-1-16,23 1 15,-23-1-15,-1-23 0,1-1 16,-25 0-16,24 0 0,-24-24 16,0 24-16,-24 0 15,-1 0-15,1 25 0,-1-1 16,1 25-16,-25 0 0,25 0 15,-25 25-15,24-1 16,-23 1-16,23 23 16,1-23-16,24-1 0,-25 25 15,25-24-15,0-1 0,25-24 16,-25 24-16</inkml:trace>
+  <inkml:trace contextRef="#ctx0" brushRef="#br0" timeOffset="1325">2418 421 0,'0'-25'16,"-24"25"-16,-1 0 0,1 0 15,-1 25-15,-23-25 16,23 24-16,1 1 15,-1 23-15,1-23 0,-1 24 16,1-25-16,0 25 16,24 0-16,0 0 0,0 0 15,0-25-15,24 25 0,0-25 16,1 1-16,24-1 16,-25-24-16,25 24 0,0-24 15,-25 0-15,25-24 16,0 24-16,0-24 0,-25-1 15,1 1-15,-1-25 0,0 25 16,-24-25-16,0-25 16,0 26-16,-24-1 0,0 0 15,-1 0-15,1 0 16,-25 0-16,25 25 0,-25 24 16,0 0-16,0 0 0,25 24 15,-25 1-15,24-1 16</inkml:trace>
+</inkml:ink>
+</file>
+
+<file path=ppt/ink/ink202.xml><?xml version="1.0" encoding="utf-8"?>
+<inkml:ink xmlns:inkml="http://www.w3.org/2003/InkML">
+  <inkml:definitions>
+    <inkml:context xml:id="ctx0">
+      <inkml:inkSource xml:id="inkSrc0">
+        <inkml:traceFormat>
+          <inkml:channel name="X" type="integer" max="1920" units="cm"/>
+          <inkml:channel name="Y" type="integer" max="1080" units="cm"/>
+          <inkml:channel name="T" type="integer" max="2.14748E9" units="dev"/>
+        </inkml:traceFormat>
+        <inkml:channelProperties>
+          <inkml:channelProperty channel="X" name="resolution" value="55.81395" units="1/cm"/>
+          <inkml:channelProperty channel="Y" name="resolution" value="55.6701" units="1/cm"/>
+          <inkml:channelProperty channel="T" name="resolution" value="1" units="1/dev"/>
+        </inkml:channelProperties>
+      </inkml:inkSource>
+      <inkml:timestamp xml:id="ts0" timeString="2020-12-17T07:44:12.206"/>
+    </inkml:context>
+    <inkml:brush xml:id="br0">
+      <inkml:brushProperty name="width" value="0.05" units="cm"/>
+      <inkml:brushProperty name="height" value="0.05" units="cm"/>
+      <inkml:brushProperty name="fitToCurve" value="1"/>
+    </inkml:brush>
+  </inkml:definitions>
+  <inkml:trace contextRef="#ctx0" brushRef="#br0">0 113 0,'0'-25'15,"0"1"-15,0 0 16,25 24-16,-25-25 16,0 1-1,0 48 17,0 1-32,0 23 15,0-23 1,0-1-16,0 25 0,0 0 15,0-25-15,0 25 16,0-24-16,0 24 0,24-25 16,-24 0-16,24 1 0,-24-1 15,25-24-15,-1 25 16,1-1-16,-1-24 16,1 0-1,-25-24-15,24-1 16,-24 1-16,24 24 0,-24-49 15,25 25-15,-25-1 16,24 1-16,-24-25 0,0 24 16,0 1-16,0 0 15,0-1-15,25 25 32,-25 25-17,0-1-15,24 0 0,-24 1 16,24-1-16,-24 1 15,25-1-15,-1 1 0,1-1 16,-25 0-16,24-24 0,1 25 16,-1-1-16,0-24 15,1 25-15,-1-25 16,1 0-16,-1 0 16,1 0-16,-1-25 0,25 25 15,-25-24-15,-24-1 0,25-23 16,-1 23-16,0-24 15,-24 25-15,0-25 0,0 25 16,0-25-16,0 24 0,-24 1 16,24-1-16,-24 1 15,-1 0-15,1 24 16,-1 24 0,1 0-16,24 1 15,-24-25-15,24 24 16,0 1-1</inkml:trace>
+  <inkml:trace contextRef="#ctx0" brushRef="#br0" timeOffset="310">1148 15 0,'-24'0'15,"24"25"1,0-1 0,0 0-16,0 1 0,0 24 15,0 0-15,0-1 16,-25 1-16,1 0 0,24 0 15,-25 24-15,1-24 16,-1 0-16,1 0 0,0 0 16,-1-25-16,1 25 0,24-25 15,0 1 1</inkml:trace>
+  <inkml:trace contextRef="#ctx0" brushRef="#br0" timeOffset="797">1514 382 0,'25'0'0,"-25"-25"31,-25 50 16,25-1-47,-24 0 0,24 1 16,-25-1-16,25 1 16,0 23-16,-24-23 0,24 24 15,0-25-15,0 1 0,24-1 16,1 0-16,-25 1 15,24-25-15,1 24 0,-1-24 16,1 0-16,-1-24 0,0 24 16,25-25-16,-24 1 15,-1-25-15,1 25 0,-1-25 16,-24 0-16,24 0 16,-24 0-16,0 25 0,-24-25 15,0 25-15,-1-1 0,-24 1 16,25-1-16,-25 25 15,0 0-15,0 0 0,0 0 16,1 25-16,23-25 16,1 24-16,-1 1 0,25-1 15</inkml:trace>
+  <inkml:trace contextRef="#ctx0" brushRef="#br0" timeOffset="1320">2125 406 0,'-25'0'16,"25"-25"-16,-24 25 16,24-24-1,24 24-15,1 0 16,-1-24-16,1 24 15,24 0-15,24 0 0,-24-25 16,0 25-16,24 0 0,-24 0 16,-25 0-16,25 0 15,-25 0-15,1 0 0,-50 0 16</inkml:trace>
+</inkml:ink>
+</file>
+
+<file path=ppt/ink/ink203.xml><?xml version="1.0" encoding="utf-8"?>
+<inkml:ink xmlns:inkml="http://www.w3.org/2003/InkML">
+  <inkml:definitions>
+    <inkml:context xml:id="ctx0">
+      <inkml:inkSource xml:id="inkSrc0">
+        <inkml:traceFormat>
+          <inkml:channel name="X" type="integer" max="1920" units="cm"/>
+          <inkml:channel name="Y" type="integer" max="1080" units="cm"/>
+          <inkml:channel name="T" type="integer" max="2.14748E9" units="dev"/>
+        </inkml:traceFormat>
+        <inkml:channelProperties>
+          <inkml:channelProperty channel="X" name="resolution" value="55.81395" units="1/cm"/>
+          <inkml:channelProperty channel="Y" name="resolution" value="55.6701" units="1/cm"/>
+          <inkml:channelProperty channel="T" name="resolution" value="1" units="1/dev"/>
+        </inkml:channelProperties>
+      </inkml:inkSource>
+      <inkml:timestamp xml:id="ts0" timeString="2020-12-17T07:44:19.160"/>
+    </inkml:context>
+    <inkml:brush xml:id="br0">
+      <inkml:brushProperty name="width" value="0.05" units="cm"/>
+      <inkml:brushProperty name="height" value="0.05" units="cm"/>
+      <inkml:brushProperty name="fitToCurve" value="1"/>
+    </inkml:brush>
+  </inkml:definitions>
+  <inkml:trace contextRef="#ctx0" brushRef="#br0">245 464 0,'-25'0'0,"1"0"16,-1 0 0,1 0-1,-1 0-15,1 0 16,24 25-16,-24-1 15,-1 1-15,1-1 0,24 0 16,-25 1-16,25-1 0,0 25 16,0-24-16,0 23 15,0-23-15,25-1 0,-25 1 16,24-1-16,1 1 16,23-1-16,-23-24 0,24 0 15,0 0-15,-25 0 0,25 0 16,0-24-16,-25 24 15,1-25-15,-1 1 0,0-1 16,1 1-16,-25-1 16,0 1-16,0-25 0,0 25 15,0-25-15,-25 24 0,1-23 16,0 23-16,-1 1 16,1-1-16,-1 1 0,1 0 15,-1-1-15,1 1 0,0 24 16,-1-25-16,1 1 15,-1-1-15,1 1 0,24 0 16,-25-1-16,25 1 16,0-1-16,0 1 0,25-25 15,-1 25-15,1-1 16,-1 25-16,25-24 0,0 24 16,-25-25-16,25 25 0,0 0 15,0 25-15,0-25 16,-1 24-16,-23 1 0,-1-25 15,1 24-15,-1 0 0,-24 1 16,0-1-16,-24 25 16,-1-24-16,-24-1 0,25 25 15,-25 0-15,0-25 16,1 1-16,23 23 0,1-23 16,-1-1-16</inkml:trace>
+  <inkml:trace contextRef="#ctx0" brushRef="#br0" timeOffset="497">1173 342 0,'0'-24'31,"-25"24"-15,25 24-1,-24 1-15,-1-1 16,25 1-16,-24-1 0,-1 25 16,1-25-16,24 25 15,-24-25-15,24 25 0,0-24 16,0 24-16,0-25 15,24 0-15,0 1 0,1-1 16,-1 1-16,1-25 0,-1 24 16,25-24-16,-25 0 15,1-24-15,-1 24 0,1-25 16,-1-24-16,1 25 16,-1 0-16,-24-25 0,0 0 15,0 0-15,0 0 0,-24 25 16,24-25-16,-25 25 15,1-1-15,-1 25 0,25-24 16,-24 24-16,-1 0 0,1 0 16,0 24-16,-1-24 15,25 25-15,-24-25 0,-1 24 16,1 0-16,24 1 16</inkml:trace>
+  <inkml:trace contextRef="#ctx0" brushRef="#br0" timeOffset="989">2003 440 0,'0'-25'0,"0"1"15,-24 24-15,24-24 16,-25 24-16,1 0 16,-1 24-16,1 0 15,-25-24-15,25 25 16,-1 24-16,-24-25 0,25 25 16,-1-25-16,1 25 0,24 0 15,-24-24-15,24 23 16,0 1-16,24-24 0,-24-1 15,24 1-15,1-1 16,24 0-16,-25-24 0,1 25 16,23-25-16,-23 0 0,-1-25 15,25 1-15,-24 24 16,-1-49-16,0 25 0,1-25 16,-25 0-16,24 0 15,-24 0-15,0 0 0,-24 1 16,-1-1-16,25 24 0,-24 1 15,-25-1-15,25 25 16,-1 0-16,1 0 0,-1 0 16,1 0-16,0 0 0,-1 25 15,1-1 1,24 1-16</inkml:trace>
+  <inkml:trace contextRef="#ctx0" brushRef="#br0" timeOffset="1481">2711 489 0,'0'-25'16,"0"1"-1,-24 24-15,24-24 16,-25 24-16,1 0 16,0 24-1,-1 0-15,1 1 0,-1-1 16,1 1-16,-1-1 16,25 25-16,-24 0 0,0-25 15,24 25-15,0-25 0,0 25 16,24-24-16,-24-1 15,24 1-15,1-25 0,-1 24 16,25-24-16,-24 0 16,-1 0-16,0 0 0,1-24 15,24 24-15,-25-25 0,-24-24 16,25 25-16,-1-25 16,-24 0-16,0 0 0,0 0 15,-24 1-15,24 23 16,-25-24-16,1 25 0,-1 0 15,1 24-15,-1 0 0,1 0 16,0 24-16,-1 0 16,1-24-16,24 25 0,-25-1 15,25 1-15,0-1 16,0 0-16</inkml:trace>
+  <inkml:trace contextRef="#ctx0" brushRef="#br0" timeOffset="1811">3249 171 0,'-25'0'0,"25"-24"16,25 24-1,-1 24 1,0 1-16,25-1 0,25 49 16,-50-48-1,25 24-15,-25-1 0,25 1 16,-24-24-16,-1 24 0,0-1 16,1 1-16,-1 0 15,1-24-15,-1 23 0,-24-23 16,24-1-16,1 1 15</inkml:trace>
+  <inkml:trace contextRef="#ctx0" brushRef="#br0" timeOffset="2099">3664 98 0,'-25'0'16,"25"24"-16,-24-24 0,24 25 16,-24-1-16,-1 25 15,25-24-15,-24-1 16,-1 25-16,25-25 16,-24 25-16,-1 0 0,1 24 15,0-24-15,-1 0 16,1 24-16,-1-24 0,-24 24 15,25-24-15,0 0 0,24 0 16,-25 0-16,1-25 16,-1 0-16,25 1 0,-24-1 15</inkml:trace>
+  <inkml:trace contextRef="#ctx0" brushRef="#br0" timeOffset="2681">4201 196 0,'24'-25'0,"-24"1"15,0 48 16,0 1-15,0-1-16,0 1 16,0-1-16,0 25 15,0 0-15,0 0 0,0-1 16,25 26-16,-25-26 16,0 26-16,0-25 0,0 24 15,0-24-15,0 0 0,-25-1 16,25-23-16,-24-1 15,24 1-15,-24-1 0</inkml:trace>
+  <inkml:trace contextRef="#ctx0" brushRef="#br0" timeOffset="3227">4690 440 0,'0'-24'16,"24"-25"-16,-24 24 15,24 1-15,-24-1 16,25-23-16,-25 23 0,24 1 15,1-1-15,-25 1 0,24 24 16,1-25-16,-1 25 16,0 0-16,1 25 0,-1-1 15,1 1-15,-1-25 16,0 49-16,-24-25 0,25 0 16,-25 1-16,0 24 0,0-25 15,0 25-15,-25-25 16,-23 25-16,23 0 0,-24 0 15,1-25-15,-1 25 16,0-24-16,0 23 0,25-23 16,-25-1-16,24 1 0,1-1 15,-1-24 1,25 25-16,25-25 16,-1 24-1,1-24-15,-1 0 0,25 0 16,0 0-16,24 0 0,-24 0 15,0 0-15,24 0 16,-24 0-16,0 0 0,0 0 16,-1 0-16,-23 0 15,-1 0-15,1 0 0,-1-24 16</inkml:trace>
+  <inkml:trace contextRef="#ctx0" brushRef="#br0" timeOffset="3671">5618 611 0,'-25'-25'15,"50"25"32,-1 25-31,-24-1 0,0 1-16,0-1 15,-24-24-15,-1 0 16,1 0-16,-1 0 15,1-24-15,0 24 16,24-25 0,0 1-16,-25-1 15,25 1-15,25 0 16,-1 24 0,-24-25-16,24 25 0,1 0 15,-25 25 1,24-25-16,-24 24 0,0 0 15,25-24-15</inkml:trace>
+  <inkml:trace contextRef="#ctx0" brushRef="#br0" timeOffset="4330">6155 147 0,'0'-25'16,"24"1"-16,-24 0 31,0 48-15,-24 0-1,24 1-15,0-1 16,-24 1-16,24-1 0,0 25 16,0-25-16,0 25 15,0-24-15,0 24 0,24-1 16,-24-23-16,24 24 0,1-25 15,-1 25-15,-24-25 16,49 1-16,-25-1 0,1 1 16,-1-25-16,1 0 15,-1 0-15,1 0 0,-1-25 16,0 1-16,1-1 0,-1 1 16,1-1-16,-25-23 15,24 23-15,-24-24 0,0 1 16,0-1-16,25 0 15,-25 0-15,0 25 0,0-1 16,0 1-16,0-1 0,0 50 31,0-1-31,0 25 0,0-25 16,0 50-16,0-25 16,0-1-16,0 26 0,0-1 15,0-24-15,0 24 0,0-24 16,0 24-16,0-24 15,-25 0-15,25-25 0,0 25 16,-24-25-16,24 1 16</inkml:trace>
+  <inkml:trace contextRef="#ctx0" brushRef="#br0" timeOffset="4613">7107 342 0,'0'-24'16,"25"24"-16,-1-25 15,25 25 1,-24 0-16,-1 0 0,25 0 15,0 0-15,0 0 16,-25 0-16,0 0 0,1 0 16,-1 0-16,1 0 0,-25 25 15,-25-25 1,1 24-16</inkml:trace>
+  <inkml:trace contextRef="#ctx0" brushRef="#br0" timeOffset="4835">7083 660 0,'0'24'0,"-24"-24"16,48 0 0,0 0-16,1 0 15,-1-24-15,25 24 0,0-25 16,0 25-16,0-24 15,24 24-15,-24-25 0,24 25 16,-49-24-16,25 24 0,0-24 16,-24 24-1</inkml:trace>
+</inkml:ink>
+</file>
+
+<file path=ppt/ink/ink204.xml><?xml version="1.0" encoding="utf-8"?>
+<inkml:ink xmlns:inkml="http://www.w3.org/2003/InkML">
+  <inkml:definitions>
+    <inkml:context xml:id="ctx0">
+      <inkml:inkSource xml:id="inkSrc0">
+        <inkml:traceFormat>
+          <inkml:channel name="X" type="integer" max="1920" units="cm"/>
+          <inkml:channel name="Y" type="integer" max="1080" units="cm"/>
+          <inkml:channel name="T" type="integer" max="2.14748E9" units="dev"/>
+        </inkml:traceFormat>
+        <inkml:channelProperties>
+          <inkml:channelProperty channel="X" name="resolution" value="55.81395" units="1/cm"/>
+          <inkml:channelProperty channel="Y" name="resolution" value="55.6701" units="1/cm"/>
+          <inkml:channelProperty channel="T" name="resolution" value="1" units="1/dev"/>
+        </inkml:channelProperties>
+      </inkml:inkSource>
+      <inkml:timestamp xml:id="ts0" timeString="2020-12-17T07:44:38.798"/>
+    </inkml:context>
+    <inkml:brush xml:id="br0">
+      <inkml:brushProperty name="width" value="0.05" units="cm"/>
+      <inkml:brushProperty name="height" value="0.05" units="cm"/>
+      <inkml:brushProperty name="fitToCurve" value="1"/>
+    </inkml:brush>
+  </inkml:definitions>
+  <inkml:trace contextRef="#ctx0" brushRef="#br0">513 127 0,'24'0'0,"-24"-25"47,0 1-16,25 24-15,-25-25-1,0 1 1,-25 24-16,25-24 0,-24 24 16,0 0-1,-1 0-15,1 0 0,-1 0 16,1 0-16,-1 24 15,1-24-15,0 24 0,-1 25 16,1-24-16,24-1 0,-25 25 16,25-25-16,0 25 15,0-24-15,0 23 0,0-23 16,25-1-16,-1 1 16,1-1-16,-1-24 15,0 0-15,1 0 0,-1 0 16,1 0-16,-1 0 15,1-24-15,-1-1 0,0 25 16,-24-24-16,25-1 16,-25 1-16,24 0 0,-24-1 15,0-24-15,0 25 0,25 0 16,-25-1 0,0 1-16,0 48 31,0 1-16,24-1-15,-24 0 16,0 1-16,0-1 16,0 1-16,0-1 0,0 0 15,0 25-15,0 0 0,0-24 16,0 23-16,0 1 16,0 25-16,0-26 0,-24 1 15,24 0-15,0 0 16,0 0-16,-25-25 0,25 1 15,0-1-15,0 1 0,0-1 16,-24-24 15,-1-24 1,1 24-32,0 0 15,-1 0-15,1-25 16,-25 25-16,24 0 0,-23 0 15,-1 0-15,24 0 16,-24 25-16,25-25 0,-25 0 16,25 24-16,-1-24 0,1 0 15,24 24-15,-25-24 16,25 25-16,-24-25 0</inkml:trace>
+  <inkml:trace contextRef="#ctx0" brushRef="#br0" timeOffset="888">1368 395 0,'0'-24'31,"0"-1"-15,0 1-1,-25 0-15,25-1 16,-24 25 0,24-24-16,-25-1 0,1 1 15,0 0 1,-1 24 0,1 0-16,-1 0 15,1 0-15,0 24 16,-1 0-16,1 1 15,-1-25-15,25 24 0,-24 1 16,24-1-16,-25 0 16,25 1-16,0-1 15,0 1-15,25-25 16,-1 0 0,1 0-16,-1 0 15,1 0-15,-1-25 16,0 25-16,1-24 0,-1-1 15,1 25-15,-25-24 0,24 0 16,0-1 0,-24 1-16,0 48 47,25 1-32,-25-1-15,0 0 0,0 1 16,24-1-16,-24 25 0,0-24 15,0 23-15,25-23 16,-25 24-16,0-25 0,0 25 16,0-25-16,0 25 0,0-24 15,-25 24-15,25-25 16,0 0-16,-24 1 0,24-1 16,-25 1-16,1-1 15,24 1-15,-24-25 0,-1 24 16,1-24-16,-1 0 0,1 24 15,-25-24-15,25 0 16,-25 0-16,24-24 0,1 24 16,0 0-16,-1-24 15,1 24-15,-1 0 0,1 0 16,24-25 15,24 25-15</inkml:trace>
+  <inkml:trace contextRef="#ctx0" brushRef="#br0" timeOffset="1487">1807 469 0,'-24'0'16,"24"-25"-16,-24 1 0,24-1 15,-25 1-15,25-1 0,0 1 16,0 0 0,0-1-16,25 1 0,-1-1 15,0 1 1,1 24-1,-1 0-15,1 0 16,-1 0-16,25 24 16,-25 1-16,1-25 0,-1 24 15,1 1-15,-1-1 0,-24 0 16,0 25-16,0-24 16,-24 24-16,-1-25 0,1 25 15,-25-25-15,0 25 16,0-24-16,0 23 0,1-23 15,-1-1-15,0 1 0,24-1 16,1 1-16,24-1 16,-24-24-16,24 24 0,0 1 15,24-25 1,0 0-16,1 0 16,-1 0-16,25 0 0,-24-25 15,23 25-15,-23 0 16,24-24-16,0 24 0,-1-24 15,-23 24-15,-1 0 16,1-25-16,-1 25 0,0 0 16,1 0-1,-25 25 1</inkml:trace>
+</inkml:ink>
+</file>
+
+<file path=ppt/ink/ink205.xml><?xml version="1.0" encoding="utf-8"?>
+<inkml:ink xmlns:inkml="http://www.w3.org/2003/InkML">
+  <inkml:definitions>
+    <inkml:context xml:id="ctx0">
+      <inkml:inkSource xml:id="inkSrc0">
+        <inkml:traceFormat>
+          <inkml:channel name="X" type="integer" max="1920" units="cm"/>
+          <inkml:channel name="Y" type="integer" max="1080" units="cm"/>
+          <inkml:channel name="T" type="integer" max="2.14748E9" units="dev"/>
+        </inkml:traceFormat>
+        <inkml:channelProperties>
+          <inkml:channelProperty channel="X" name="resolution" value="55.81395" units="1/cm"/>
+          <inkml:channelProperty channel="Y" name="resolution" value="55.6701" units="1/cm"/>
+          <inkml:channelProperty channel="T" name="resolution" value="1" units="1/dev"/>
+        </inkml:channelProperties>
+      </inkml:inkSource>
+      <inkml:timestamp xml:id="ts0" timeString="2020-12-17T07:45:07.923"/>
+    </inkml:context>
+    <inkml:brush xml:id="br0">
+      <inkml:brushProperty name="width" value="0.05" units="cm"/>
+      <inkml:brushProperty name="height" value="0.05" units="cm"/>
+      <inkml:brushProperty name="fitToCurve" value="1"/>
+    </inkml:brush>
+  </inkml:definitions>
+  <inkml:trace contextRef="#ctx0" brushRef="#br0">366 244 0,'25'0'16,"-1"0"0,1-24-1,-1 24-15,1 0 0,23-25 16,-23 25-1,-1-24-15,-24-1 16,0 1-16,0 0 16,0-1-1,0 1-15,-24 24 0,-1-25 16,1 1 0,0 24-16,-1 0 0,1 0 15,-25 0-15,24 24 0,1 1 16,0-25-16,-25 24 15,24 25-15,1-25 0,24 1 16,-24 24-16,-1-25 16,25 1-16,0 23 0,0-23 15,25-1-15,-25 1 0,24-1 16,0-24-16,1 25 16,-1-25-16,1 0 15,-1 0-15,0-25 16,1 1-16,-1 24 0,1-25 15,-1 1-15,1-1 0,-25 1 16,24 0-16,-24-1 16,0 1-16,0-1 0,0 1 15,24 48 17,-24 1-17,25-1-15,-25 25 16,24-25-16,1 25 0,-25 0 15,24 0-15,-24 24 16,25-24-16,-25 0 0,24 0 16,-24 0-16,0-25 0,0 25 15,0-25-15,0 1 16,-24-1-16,24 1 0,-25-25 16,1 24-16,-1-24 0,1 0 15,-1 0-15,-23 0 16,-1 0-16,0 0 0,0-24 15,0 24-15,0 0 16,1-25-16,-1 25 0,24 0 16,-24 0-16,25 0 0,0 0 15,-1 0 1,25 25-16</inkml:trace>
+  <inkml:trace contextRef="#ctx0" brushRef="#br0" timeOffset="806">1295 464 0,'0'-24'16,"0"-1"-16,0 1 15,0-1-15,0 1 0,0-1 16,0 1 0,0 0-16,0-1 0,-25 25 15,25-24-15,-24 24 16,24-25-16,-25 1 0,1 24 15,-1-25-15,1 25 16,0 0 0,-1 25-16,1-1 15,-1-24-15,1 25 0,-1-1 16,1 1-16,24-1 16,-24 25-16,24-25 0,-25 1 15,25-1-15,0 1 16,0-1-16,25 0 0,-1 1 15,0-1-15,1-24 16,-1 0-16,1 0 16,-1 0-16,1-24 0,23 24 15,-23-25-15,-1 1 16,-24 0-16,25-1 0,-1 1 16,-24-1-16,25 1 0,-25-1 15,0 1 1,0 0-16,24 24 15,0 24 17,-24 0-32,0 1 0,25-1 15,-25 1-15,0 24 16,24-1-16,-24 1 0,0 0 16,0 0-16,0 0 15,0-25-15,0 25 0,0-25 16,-24 25-16,24-24 0,-25-1 15,1 1-15,24-1 16,-24 0-16,-25 1 0,24-1 16,1-24-16,-1 0 15,-23 0-15,23 0 0,1 0 16,-25 0-16,24-24 0,1-1 16,0 25-16,-1-24 15,25 0-15,-24 24 0,24-25 16,-25 25-1,50 0 1,-1 0 0</inkml:trace>
+  <inkml:trace contextRef="#ctx0" brushRef="#br0" timeOffset="1122">1685 293 0,'0'-24'16,"25"24"15,-1 24-31,1 0 16,23 1-16,-23-1 15,24 1-15,-25 23 0,1 1 16,-1 0-16,25-24 16,-49 23-16,24 1 0,1-24 15,-25-1-15,24 1 0,-24-1 16,0 0-16,0 1 16,25-25-16</inkml:trace>
+  <inkml:trace contextRef="#ctx0" brushRef="#br0" timeOffset="1380">2003 146 0,'0'-24'16,"-25"24"-16,25 24 15,0 1 1,0 24-16,-24 0 0,24-1 15,-24 26-15,24-26 16,-25 26-16,1-1 0,-1-24 16,25 0-16,-24 24 0,-1-24 15,1 0-15,0-25 16,24 25-16,-25-25 16,25 1-16,-24-1 0</inkml:trace>
+  <inkml:trace contextRef="#ctx0" brushRef="#br0" timeOffset="2729">1905 269 0,'0'-25'16,"25"25"-16,-1-24 15,0 24 1,-24 24 0,0 1-1,0-1-15,0 0 0,0 1 16,0-1-16,0 1 0,0-1 16,0 0-16,-24 1 15,0-1-15,-1-24 16,1 0-1,-1 0-15,1-24 16,-1 24-16,1-25 0,0 1 16,24 0-16,-25-1 15,25 1-15,0-1 0,-24 1 16,24 0-16,0-1 16,0 1-16,24-1 15,1 25-15,-1 0 16,0 25-1,1-25-15,-25 24 16,24 25-16,1-25 0,-25 25 16,24-24-16,-24 48 15,0-24-15,0 0 0,-24-1 16,24 1-16,-25 0 16,1-24-16,-1 23 0,1 1 15,0-24-15,-1-1 0,-24 1 16,25-25-16,-1 24 15,1-24-15,0 0 0,-1 0 16,1-24 0,24-1-16,0 1 15,0-1-15,0-24 0,24 25 16,1 0-16,-1-1 16,0 25-16,25 0 0,-24 0 15,24 0-15,-1 25 16,1-1-16,-24 0 0,24 25 15,-25-24-15,0 24 0,25-25 16,-49 25-16,25-25 16,-1 25-16,-24-24 0,24-25 15,-24 24-15,0 0 16,25-24-16</inkml:trace>
+  <inkml:trace contextRef="#ctx0" brushRef="#br0" timeOffset="3348">2369 269 0,'0'-25'15,"25"25"1,-1 0-16,0 25 16,1-25-16,24 48 0,-25-23 15,25 24-15,0-1 0,0 1 16,-1 0-16,-23 0 15,24 0-15,-25 24 0,1-48 16,23 23-16,-48 1 16,25-24-16,-1-1 0,-24 1 15,0-1-15</inkml:trace>
+  <inkml:trace contextRef="#ctx0" brushRef="#br0" timeOffset="3576">2809 195 0,'0'25'0,"0"-1"16,-25 1-16,25 23 0,-24 1 15,24 24-15,-25-24 16,1 25-16,0-1 0,-1-24 15,1 24-15,-1-24 16,1 0-16,0 0 0,-1-1 16,1-23-16,24-1 0,-25 1 15</inkml:trace>
+</inkml:ink>
+</file>
+
+<file path=ppt/ink/ink206.xml><?xml version="1.0" encoding="utf-8"?>
+<inkml:ink xmlns:inkml="http://www.w3.org/2003/InkML">
+  <inkml:definitions>
+    <inkml:context xml:id="ctx0">
+      <inkml:inkSource xml:id="inkSrc0">
+        <inkml:traceFormat>
+          <inkml:channel name="X" type="integer" max="1920" units="cm"/>
+          <inkml:channel name="Y" type="integer" max="1080" units="cm"/>
+          <inkml:channel name="T" type="integer" max="2.14748E9" units="dev"/>
+        </inkml:traceFormat>
+        <inkml:channelProperties>
+          <inkml:channelProperty channel="X" name="resolution" value="55.81395" units="1/cm"/>
+          <inkml:channelProperty channel="Y" name="resolution" value="55.6701" units="1/cm"/>
+          <inkml:channelProperty channel="T" name="resolution" value="1" units="1/dev"/>
+        </inkml:channelProperties>
+      </inkml:inkSource>
+      <inkml:timestamp xml:id="ts0" timeString="2020-12-17T07:45:12.107"/>
+    </inkml:context>
+    <inkml:brush xml:id="br0">
+      <inkml:brushProperty name="width" value="0.05" units="cm"/>
+      <inkml:brushProperty name="height" value="0.05" units="cm"/>
+      <inkml:brushProperty name="fitToCurve" value="1"/>
+    </inkml:brush>
+  </inkml:definitions>
+  <inkml:trace contextRef="#ctx0" brushRef="#br0">0 171 0,'0'-24'0,"0"-1"15,0 50 17,24-1-32,-24 1 15,0 23-15,0 1 0,25 0 16,-25 24-16,0-24 16,0 24-16,0 1 0,0-25 15,0-1-15,0 26 16,0-50-16,0 25 0,0-25 15,0 1-15,0-1 0,0 1 16</inkml:trace>
+  <inkml:trace contextRef="#ctx0" brushRef="#br0" timeOffset="490">513 196 0,'0'-25'16,"0"1"0,-25 48 15,25 1-31,-24-1 0,24 25 15,0-25-15,-25 25 16,25 24-16,-24-24 0,24 24 16,0-24-16,0 25 15,0-26-15,0 1 0,24-24 16,1 24-16,-1-25 0,1-24 16,-1 24-16,0-24 15,25 0-15,-24-24 16,-1 24-16,25-24 0,-25-25 0,1 24 15,-1-24-15,1 1 16,-25-1-16,0-25 0,0 26 16,0-1-16,0-24 15,-25 24-15,1 24 0,-1-24 16,1 49-16,0-24 16,-1 24-16,1 0 0,-1 0 15,1 24-15,-1 1 16,25-1-16,-24 1 15,24-1-15,0 1 0,24-1 16</inkml:trace>
+  <inkml:trace contextRef="#ctx0" brushRef="#br0" timeOffset="702">1221 611 0,'24'0'0,"-24"24"0,25-24 63,-1 0-47,1 0 15</inkml:trace>
+  <inkml:trace contextRef="#ctx0" brushRef="#br0" timeOffset="1173">1905 49 0,'0'-24'0,"0"-1"16,-25 25-16,25 25 16,-24-1-16,24 0 15,-25 25-15,25 0 16,-24 0-16,0 24 0,24 0 16,-25-24-16,25 25 15,-24-1-15,24-24 0,0 24 16,0-49-16,24 25 0,-24-24 15,25-1-15,-1-24 16,0 0-16,25 0 0,-24 0 16,24-24-16,-1-1 15,1 1-15,0-1 0,-24-23 16,-1 23-16,0-24 0,1 0 16,-1 1-16,-24 23 15,0 1-15,-24-25 0,-1 49 16,25-25-16,-24 25 15,0 0-15,-1 25 0,1-25 16,-1 24-16,1 1 0,-1-25 16,25 24-16,-24 1 15,24-1-15,0 0 0,0 1 16,0-1-16</inkml:trace>
+  <inkml:trace contextRef="#ctx0" brushRef="#br0" timeOffset="1601">2540 196 0,'-49'0'15,"24"-25"-15,25 1 16,-24 24-16,24-25 0,24 1 15,1 24-15,-1-25 16,25 25-16,0 0 16,49 0-1,24 0-15,-49 49 16,-49-24-16,1-1 16,-1 1-16,-24 23 0,-24-23 15,-1 24-15,1-1 16,-25 1-16,0 0 0,-24-24 15,24 23-15,0-23 0,1 24 16,23-25-16,1 1 16,-1-25-16,1 24 0,24 0 15,24-24 1,1 0-16,-1 0 0,25 25 16,0-25-16,-25 0 0,50 0 15,-26-25-15,1 25 16,24-24-16,-24 24 0,25-24 15,-26-1-15</inkml:trace>
+  <inkml:trace contextRef="#ctx0" brushRef="#br0" timeOffset="2050">3712 147 0,'0'-25'0,"0"1"15,24-1-15,-24 1 16,0 0-16,-24-1 16,0 25-1,-1 0-15,1 0 16,-1 0-16,-23 0 0,23 25 16,-24-1-16,0 0 15,25-24-15,0 25 0,-25-1 16,49 1-16,-25 24 15,25-25-15,0 0 0,0 1 16,0-1-16,0 1 0,25-1 16,-1 0-16,1-24 15,-1 25-15,25-25 0,-25 24 16,25-24-16,0 25 16,0-25-16,-25 0 0,25 24 15,0-24-15,-25 25 0,25-1 16,-24 0-16,-1 1 15,0-1-15,-24 1 0,0-1 16,-24 1-16,24-1 16,-49 0-16,25 1 0,-25-25 15,0 24-15,0-24 0,25 0 16,-25 0-16,0 0 16,25 0-16</inkml:trace>
+  <inkml:trace contextRef="#ctx0" brushRef="#br0" timeOffset="2283">3541 73 0,'0'-24'0,"24"24"15,1 0-15,-1 0 16,1 0-16,24 0 0,-1 0 15,1-24-15,25 24 0,-1 0 16,-24 0-16,24 0 16,-24 0-16,0 0 0,-25 0 15,1 0-15,-1 0 16</inkml:trace>
+  <inkml:trace contextRef="#ctx0" brushRef="#br0" timeOffset="2567">4787 318 0,'-25'0'15,"50"0"1,-1-25-16,25 25 16,-25 0-16,25 0 15,-24 0-15,23 0 0,1 0 16,0 0-16,0 0 0,-25 0 16,1 0-16,-1 0 15,-24 25-15</inkml:trace>
+  <inkml:trace contextRef="#ctx0" brushRef="#br0" timeOffset="2782">4811 562 0,'-24'0'16,"24"24"-16,24 1 15,0-25 1,25 0-1,-24 0-15,24 0 0,-1 0 16,26 0-16,-25-25 0,-1 25 16,26 0-16,-25 0 15,-25-24-15,25 24 0,-25 0 16</inkml:trace>
+</inkml:ink>
+</file>
+
+<file path=ppt/ink/ink207.xml><?xml version="1.0" encoding="utf-8"?>
+<inkml:ink xmlns:inkml="http://www.w3.org/2003/InkML">
+  <inkml:definitions>
+    <inkml:context xml:id="ctx0">
+      <inkml:inkSource xml:id="inkSrc0">
+        <inkml:traceFormat>
+          <inkml:channel name="X" type="integer" max="1920" units="cm"/>
+          <inkml:channel name="Y" type="integer" max="1080" units="cm"/>
+          <inkml:channel name="T" type="integer" max="2.14748E9" units="dev"/>
+        </inkml:traceFormat>
+        <inkml:channelProperties>
+          <inkml:channelProperty channel="X" name="resolution" value="55.81395" units="1/cm"/>
+          <inkml:channelProperty channel="Y" name="resolution" value="55.6701" units="1/cm"/>
+          <inkml:channelProperty channel="T" name="resolution" value="1" units="1/dev"/>
+        </inkml:channelProperties>
+      </inkml:inkSource>
+      <inkml:timestamp xml:id="ts0" timeString="2020-12-17T07:45:31.201"/>
+    </inkml:context>
+    <inkml:brush xml:id="br0">
+      <inkml:brushProperty name="width" value="0.05" units="cm"/>
+      <inkml:brushProperty name="height" value="0.05" units="cm"/>
+      <inkml:brushProperty name="fitToCurve" value="1"/>
+    </inkml:brush>
+  </inkml:definitions>
+  <inkml:trace contextRef="#ctx0" brushRef="#br0">0 175 0,'0'-24'31,"24"24"-31,1-25 31,-25 1-15,0-1-1,0 1 1,24 48 31,-24 1-47,0-1 15,0 25-15,0 0 0,0-25 16,0 49-16,0-24 16,0 25-16,0-26 0,0 26 15,0-25-15,0-1 16,0 26-16,0-50 0,-24 25 16,24 0-16,0-25 0,0 1 15,0-1-15,0 1 16</inkml:trace>
+  <inkml:trace contextRef="#ctx0" brushRef="#br0" timeOffset="642">562 224 0,'0'-25'0,"0"1"16,0 0-16,-25 24 62,25 24-62,-24-24 0,24 24 16,-25 1-16,25-1 0,0 1 16,-24-1-16,24 0 15,0 25-15,-25-24 0,25 24 16,0-25-16,0 25 0,0 0 16,0-25-16,0 1 15,0 23-15,25-23 0,-25-1 16,24-24-16,1 25 15,24-1-15,-25-24 0,25 25 16,-25-25-16,25 0 0,0 0 16,-25 0-16,25-25 15,-24 25-15,-1-24 0,0 24 16,1-25-16,-1 1 16,-24-1-16,25 1 0,-25-25 15,0 25-15,0-25 0,-25 24 16,25-23-16,-24-1 15,24 0-15,-25 24 0,1-23 16,0 23-16,-1 1 16,1-1-16,-1 25 0,1 0 15,-25 0-15,25 0 0,-1 25 16,1-1-16,-1-24 16,1 25-16,0-1 0,-1 0 15,1-24-15,24 25 16,-25-1-16</inkml:trace>
+  <inkml:trace contextRef="#ctx0" brushRef="#br0" timeOffset="1650">1758 77 0,'0'-24'31,"-24"24"-31,24-25 0,-25 25 16,1 0-16,0-24 15,-1 24-15,1 0 0,-25 0 16,24 0-16,-23 0 0,23 0 16,-24 0-16,0 0 15,25 0-15,-25 0 0,0 0 16,25 0-16,0 0 0,-1 24 15,1-24-15,-1 0 16,1 25-16,24-1 31,0 1-15,24-25 0,-24 24-16,25-24 15,-25 25-15,24-1 16,-24 0-1,25 1-15,-25-1 16,0 1-16,0-1 16,24 1-16,-24-1 15,0 0-15,0 1 16,24-1 0,-24 1-16,25-25 46,-25-25-30,24 25 0,-24-24-16,25 24 0,-25-25 15,24 1-15,0 24 0,1-24 16,-1-1-16,1 25 16,-1 0-16,1 0 0,-1 0 15,0 0-15,1 0 16,-25 25-16,24-25 0,1 24 15,-1 0-15,1-24 0,-1 25 16,-24-1-16,24 1 16,1-1-16,-25 0 0,24 1 15,1-1-15,-25 1 16,0-1-16,24 1 0,-24-1 16,0 0-16,-24 1 15,24-1 1,-25-24-16,1 25 0,-1-25 15,-23 0-15,23 24 16,1-24-16,-25 0 0,24 0 16,-23 25-16,23-25 0,-24 0 15,25 0-15,-25 0 16,25 0-16,-1 0 16,1 0-16,-1 0 0,1 0 15</inkml:trace>
+</inkml:ink>
+</file>
+
+<file path=ppt/ink/ink208.xml><?xml version="1.0" encoding="utf-8"?>
+<inkml:ink xmlns:inkml="http://www.w3.org/2003/InkML">
+  <inkml:definitions>
+    <inkml:context xml:id="ctx0">
+      <inkml:inkSource xml:id="inkSrc0">
+        <inkml:traceFormat>
+          <inkml:channel name="X" type="integer" max="1920" units="cm"/>
+          <inkml:channel name="Y" type="integer" max="1080" units="cm"/>
+          <inkml:channel name="T" type="integer" max="2.14748E9" units="dev"/>
+        </inkml:traceFormat>
+        <inkml:channelProperties>
+          <inkml:channelProperty channel="X" name="resolution" value="55.81395" units="1/cm"/>
+          <inkml:channelProperty channel="Y" name="resolution" value="55.6701" units="1/cm"/>
+          <inkml:channelProperty channel="T" name="resolution" value="1" units="1/dev"/>
+        </inkml:channelProperties>
+      </inkml:inkSource>
+      <inkml:timestamp xml:id="ts0" timeString="2020-12-17T07:45:43.285"/>
+    </inkml:context>
+    <inkml:brush xml:id="br0">
+      <inkml:brushProperty name="width" value="0.05" units="cm"/>
+      <inkml:brushProperty name="height" value="0.05" units="cm"/>
+      <inkml:brushProperty name="fitToCurve" value="1"/>
+    </inkml:brush>
+  </inkml:definitions>
+  <inkml:trace contextRef="#ctx0" brushRef="#br0">49 512 0,'0'-24'0,"0"0"31,0-1-15,0 1 0,0-1-1,0 1 1,-24 24 0,24 24-1,0 1 1,0-1-16,0 1 0,-25 23 15,25-23-15,0 24 16,0-25-16,0 25 0,0-25 16,0 25-16,25-24 0,-25-1 15,0 1-15,24-1 16,1 0-16,-1-24 31,0 0-31,1 0 16,-1 0-16,1-24 15,-25 0-15,24-1 16,0 1-16,1-1 0,-1 1 16,-24-25-16,25 25 15,-25-25-15,0 24 0,24 1 16,-24-1-16,0 1 0,0 0 16,0 48-1,0 0-15,0 25 16,0-24-1,0-1-15,0 1 0,0 23 16,0-23-16,0-1 16,0 1-16,0-1 0,0 1 15,25-1-15,-1 0 16,0-24 0,1 25-16,-1-25 0,1 0 15,-1-25-15,1 25 16,-1-24-16,-24 0 15,24-1-15,1 1 0,-25-1 16,0 1-16,24-25 0,-24 0 16,0 25-16,0-25 15,0 24-15,0-23 0,0 23 16,0 1-16,-24-1 16,24 50-1,0-1-15,0 1 0,0-1 16,0 0-16,0 25 15,0-24-15,0-1 0,0 1 16,0-1-16,24 0 16,-24 1-16,25-25 15,-1 24-15,0-24 16,1 0 0,-1 0-16,1 0 0,-1 0 15,25 0-15,-49-24 16,24 24-16,1-25 0,-1 1 15,1 0-15,-25-1 16,0-24-16,24 25 16,-24-1-16,0 1 0,0 0 15,0-1-15,0 1 16,0-1-16,0 50 47,0-1-47,0 1 15,0 23-15,0-23 16,0-1-16,0 1 0,0-1 16,25 1-16,-25-1 0,24 0 15,-24 1-15,24-1 16,-24 1-16,25-25 0,-1 0 16</inkml:trace>
+  <inkml:trace contextRef="#ctx0" brushRef="#br0" timeOffset="198">977 0 0,'-24'0'15,"-1"24"1,25 0-16,0 1 15,0-1 1,0 1-16,25-25 16</inkml:trace>
+  <inkml:trace contextRef="#ctx0" brushRef="#br0" timeOffset="474">1148 73 0,'25'24'31,"-1"1"-15,-24-1-16,24 25 15,-24-25-15,25 25 0,-25 0 16,24 24-16,-24-24 15,0 0-15,0 24 0,0-24 16,0 0-16,0-25 16,0 1-16,0-1 0,0 1 15,25-25-15</inkml:trace>
+  <inkml:trace contextRef="#ctx0" brushRef="#br0" timeOffset="714">1441 24 0,'0'24'16,"0"1"-16,0-1 16,0 1-16,0-1 15,25 1-15,-25-1 16,0 25-16,0 0 0,0 0 15,0-1-15,0 1 16,0 24-16,0-24 0,0 0 16,24 24-16,-24-24 0,0 0 15</inkml:trace>
+</inkml:ink>
+</file>
+
+<file path=ppt/ink/ink209.xml><?xml version="1.0" encoding="utf-8"?>
+<inkml:ink xmlns:inkml="http://www.w3.org/2003/InkML">
+  <inkml:definitions>
+    <inkml:context xml:id="ctx0">
+      <inkml:inkSource xml:id="inkSrc0">
+        <inkml:traceFormat>
+          <inkml:channel name="X" type="integer" max="1920" units="cm"/>
+          <inkml:channel name="Y" type="integer" max="1080" units="cm"/>
+          <inkml:channel name="T" type="integer" max="2.14748E9" units="dev"/>
+        </inkml:traceFormat>
+        <inkml:channelProperties>
+          <inkml:channelProperty channel="X" name="resolution" value="55.81395" units="1/cm"/>
+          <inkml:channelProperty channel="Y" name="resolution" value="55.6701" units="1/cm"/>
+          <inkml:channelProperty channel="T" name="resolution" value="1" units="1/dev"/>
+        </inkml:channelProperties>
+      </inkml:inkSource>
+      <inkml:timestamp xml:id="ts0" timeString="2020-12-17T07:45:47.755"/>
+    </inkml:context>
+    <inkml:brush xml:id="br0">
+      <inkml:brushProperty name="width" value="0.05" units="cm"/>
+      <inkml:brushProperty name="height" value="0.05" units="cm"/>
+      <inkml:brushProperty name="fitToCurve" value="1"/>
+    </inkml:brush>
+  </inkml:definitions>
+  <inkml:trace contextRef="#ctx0" brushRef="#br0">73 112 0,'0'-25'0,"0"1"15,0 0-15,0-1 16,0 1 0,0 48-1,0 1 1,0 23-16,0-23 15,-24 24-15,24 0 0,0-1 16,-25 26-16,25-26 16,0 26-16,-24-25 0,24-1 15,0 1-15,0 0 16,0-24-16,0-1 0,0 0 16,0 1-16,24-25 0,1 0 15,-1 0-15,1 0 16,-1 0-16,25-25 15,0 25-15,-25-24 0,25 24 16,-24-24-16,23 24 0,-23-25 16,-1 25-16</inkml:trace>
+  <inkml:trace contextRef="#ctx0" brushRef="#br0" timeOffset="523">562 381 0,'-25'0'0,"1"0"16,0 0-16,-1 0 0,1 0 16,48 0 15,-24 24-31,25-24 15,-1 24-15,0 1 16,1-1-16,-1-24 0,1 0 16,-1 25-1,0-25-15,1 0 0,-25-25 16,24 25-16,-24-24 16,25-1-16,-25 1 15,0 0-15,0-1 0,0 1 16,-25-1-16,25 1 15,-24 24-15,24-25 0,-25 25 16,1 0-16,0 0 0,-1 0 16,1 0-16,-1 0 15,1 25-15,0-1 0,-1 1 16,1-1-16,24 1 16,-25-1-16,1 25 0,24-25 15,0 25-15,0-25 0,0 25 16,0-24-16,0 24 15,24-25-15,1 0 0,-1 1 16,1-1-16,23 1 16,1-25-16,24 0 0,-24 0 15,25 0-15,-1-25 0,-24 1 16,24-1-16,-24 1 16</inkml:trace>
+  <inkml:trace contextRef="#ctx0" brushRef="#br0" timeOffset="984">1197 551 0,'0'-24'15,"24"0"1,-24-1 0,25 1-16,-25-1 15,24 1-15,-24-1 16,0-23-16,0 23 0,0 1 16,0-1-16,-24 25 0,-1 0 15,1 0 1,-1 25-16,1-1 0,-1 1 15,-23-1-15,23 25 16,1-25-16,-1 25 0,25-24 16,-24 23-16,24-23 0,0-1 15,0 1-15,0-1 16,0 1-16,24-25 16,-24 24-16,25-24 15,-1 0-15,1 0 16,-1-24-16,0 24 15,1-25-15,-1 1 16,-24-25-16,25 24 0,-25 1 16,24-25-16,-24 25 15,0-1-15,25 1 0,-25-1 16,0 50 0,24 24-1,-24-25-15,0 1 0,0 23 16,24-23-16,-24 24 15,25-25-15,-25 1 0,0-1 16,24 0-16,-24 1 0</inkml:trace>
+  <inkml:trace contextRef="#ctx0" brushRef="#br0" timeOffset="1374">1392 356 0,'0'-24'16,"0"-1"-16,0 50 31,0-1-31,0 1 16,0-1-16,25 25 16,-25-25-16,24 25 0,-24-25 15,24 1-15,-24-1 0,25 25 16,-1-24-1,-24-1-15,25-24 0,-25 24 16,24-24 0,-24-24-16,25 24 0,-25-24 15,24-1-15,-24 1 0,24-1 16,-24-24-16,25 25 16,-25-25-16,0 0 0,24 25 15,-24-25-15,0 25 16,0-1-16,25 50 31,-25-1-15,0 1-16,24-25 15,0 24-15</inkml:trace>
+  <inkml:trace contextRef="#ctx0" brushRef="#br0" timeOffset="1838">1978 405 0,'0'-24'16,"0"48"31,25-24-31,-25 24-1,24-24-15,1 0 16,-1 0-1,0 0-15,1 0 16,-1-24-16,1 24 16,-1-24-16,-24-1 0,25 1 15,-25-1-15,0 1 16,0-1-16,0 1 16,-25 24-16,25-24 15,-24 24-15,-1 0 0,1 0 16,-1 0-16,1 24 0,0-24 15,-1 24-15,1 25 16,-1-24-16,25-1 0,-24 25 16,24 0-16,0-25 15,0 25-15,0-25 0,24 25 16,-24-24-16,25-1 0,-1 1 16,1-25-16,-1 24 15,0-24-15,25 0 0,0 0 16,0-24-16,-25-1 15,25 1-15,0-1 0,-24 1 16</inkml:trace>
+</inkml:ink>
+</file>
+
 <file path=ppt/ink/ink21.xml><?xml version="1.0" encoding="utf-8"?>
 <inkml:ink xmlns:inkml="http://www.w3.org/2003/InkML">
   <inkml:definitions>
@@ -3681,6 +4500,304 @@
   <inkml:trace contextRef="#ctx0" brushRef="#br0" timeOffset="1854">391 2127 0,'24'0'31,"1"0"-15,-1 0-1,0 0-15,25-24 0,-24 0 16,24 24-16,-1-25 0,-23 1 15,24 24-15,0-25 16,-25 1-16,25 24 0,-25-25 16,25 25-16,-24 0 15,-1-24-15,0 24 0,1 0 16,-25-24 0</inkml:trace>
   <inkml:trace contextRef="#ctx0" brushRef="#br0" timeOffset="2262">537 2640 0,'0'25'16,"25"-25"15,-1-25-15,1 25-16,-1-24 0,0 24 15,25-25-15,0 1 16,0 24-16,0-24 0,0-1 16,0 25-16,-1-24 0,1 24 15,-24-25-15,23 25 16,-23 0-16,-25-24 0,24 24 15,-48 0 1</inkml:trace>
   <inkml:trace contextRef="#ctx0" brushRef="#br0" timeOffset="3877">1197 76 0,'0'-25'31,"24"25"0,-24-24-31,25 24 16,-1 0-16,25 0 0,-25 0 16,25-24-16,0 24 15,0 0-15,0 0 0,-1 0 16,1 24-16,0-24 0,-24 24 16,23-24-16,-23 25 15,-1-1-15,1 1 0,-1-1 16,-24 1-1,25-1-15,-25 0 0,0 1 16,0 24-16,0-25 0,0 25 16,0-25-16,0 25 15,0-24-15,-25 23 0,25 1 16,-24-24-16,24 24 0,-25-1 16,1-23-16,24-1 15,-25 25-15,25-24 0,0-1 16,-24 0-16,24 1 15,0-1-15,0 1 0,24-1 16,-24 1-16,25-1 16,-1 0-16,1 1 0,-1-25 15,1 24-15,-1 1 0,0-25 16,1 24-16,24-24 16,-25 0-16,1 24 0,23-24 15,-23 0-15,-1 0 0,1 0 16,-1 0-16,1 0 15,-1 0-15,-48 0 32,24 25-32,-25-1 15,1 1-15,-1-1 16,1 1-16,-1-1 16,1 25-16,0-25 0,24 1 15,-25-1-15,25 1 16,0-1-16,0 25 0,0-25 15,0 1-15,25-1 0,-25 25 16,24-25-16,-24 1 16,24-1-16,1 1 0,-1-1 15,1 0-15,-1 1 16,-24-1-16,25 1 0,-1-1 16,-24 1-16,24-1 0,-24 0 15,25 1-15,-25-1 16,0 1-16,24-1 0,-24 1 15,0-1-15,0 25 16,0-25-16,-24 1 0,24-1 16,0 1-16,-25-1 0,25 0 15,-24 1 1,0-25-16,-1 24 16,1-24-16,24 25 15,-25-25-15,1 0 0,-1 0 16,1 0-16,0 0 15,-1 24 1</inkml:trace>
+</inkml:ink>
+</file>
+
+<file path=ppt/ink/ink210.xml><?xml version="1.0" encoding="utf-8"?>
+<inkml:ink xmlns:inkml="http://www.w3.org/2003/InkML">
+  <inkml:definitions>
+    <inkml:context xml:id="ctx0">
+      <inkml:inkSource xml:id="inkSrc0">
+        <inkml:traceFormat>
+          <inkml:channel name="X" type="integer" max="1920" units="cm"/>
+          <inkml:channel name="Y" type="integer" max="1080" units="cm"/>
+          <inkml:channel name="T" type="integer" max="2.14748E9" units="dev"/>
+        </inkml:traceFormat>
+        <inkml:channelProperties>
+          <inkml:channelProperty channel="X" name="resolution" value="55.81395" units="1/cm"/>
+          <inkml:channelProperty channel="Y" name="resolution" value="55.6701" units="1/cm"/>
+          <inkml:channelProperty channel="T" name="resolution" value="1" units="1/dev"/>
+        </inkml:channelProperties>
+      </inkml:inkSource>
+      <inkml:timestamp xml:id="ts0" timeString="2020-12-17T07:45:57.463"/>
+    </inkml:context>
+    <inkml:brush xml:id="br0">
+      <inkml:brushProperty name="width" value="0.05" units="cm"/>
+      <inkml:brushProperty name="height" value="0.05" units="cm"/>
+      <inkml:brushProperty name="fitToCurve" value="1"/>
+    </inkml:brush>
+  </inkml:definitions>
+  <inkml:trace contextRef="#ctx0" brushRef="#br0">0 24 0,'24'0'0,"-24"-24"15,25 24 1,-25 24 15,0 25-15,0-25-16,0 25 15,0 0-15,0 0 16,0 0-16,0-1 0,0-23 16,0 24-16,0 0 0,0-25 15,0 0-15,24 1 16,-24-1-16,0 1 0,25-1 15</inkml:trace>
+</inkml:ink>
+</file>
+
+<file path=ppt/ink/ink211.xml><?xml version="1.0" encoding="utf-8"?>
+<inkml:ink xmlns:inkml="http://www.w3.org/2003/InkML">
+  <inkml:definitions>
+    <inkml:context xml:id="ctx0">
+      <inkml:inkSource xml:id="inkSrc0">
+        <inkml:traceFormat>
+          <inkml:channel name="X" type="integer" max="1920" units="cm"/>
+          <inkml:channel name="Y" type="integer" max="1080" units="cm"/>
+          <inkml:channel name="T" type="integer" max="2.14748E9" units="dev"/>
+        </inkml:traceFormat>
+        <inkml:channelProperties>
+          <inkml:channelProperty channel="X" name="resolution" value="55.81395" units="1/cm"/>
+          <inkml:channelProperty channel="Y" name="resolution" value="55.6701" units="1/cm"/>
+          <inkml:channelProperty channel="T" name="resolution" value="1" units="1/dev"/>
+        </inkml:channelProperties>
+      </inkml:inkSource>
+      <inkml:timestamp xml:id="ts0" timeString="2020-12-17T07:45:58.435"/>
+    </inkml:context>
+    <inkml:brush xml:id="br0">
+      <inkml:brushProperty name="width" value="0.05" units="cm"/>
+      <inkml:brushProperty name="height" value="0.05" units="cm"/>
+      <inkml:brushProperty name="fitToCurve" value="1"/>
+    </inkml:brush>
+  </inkml:definitions>
+  <inkml:trace contextRef="#ctx0" brushRef="#br0">635 369 0,'0'-24'16,"0"-1"0,0 1-16,0-1 15,0 1 1,0-1-16,0 1 0,0 0 15,0-1-15,0 1 16,0-1-16,-24 1 16,-1 0-16,1-1 0,-25 25 15,0-24-15,0 24 16,25 0-16,-49 24 0,24-24 16,0 25-16,0 23 0,25 1 15,-1-24-15,1 23 16,-1 1-16,25 0 0,0 0 15,25 0-15,-1 0 16,1-25-16,-1 1 0,25 23 16,0-23-16,0-1 0,24 1 15,-24-1-15,-1 1 16,1-1-16,-24 0 0,24 25 16,-25-24-16,0-1 0,-24 25 15,0-25-15,0 1 16,0-1-16,-24 1 0,0 23 15,-1-23-15,-24-1 16,25-24-16,-25 25 0,0-1 16,25-24-16,-25 0 15,0 0-15,25 0 0,-25 0 16,0-24-16,25-1 0,-1 25 16,-24-24-16,25-1 15,-1 25-15,25-24 0,-24 24 16</inkml:trace>
+  <inkml:trace contextRef="#ctx0" brushRef="#br0" timeOffset="582">1075 784 0,'0'-24'0,"0"-1"16,-25 25-16,25-24 15,0 0-15,-24-1 0,24 1 16,-25-1-16,25 1 16,-24 24-16,0-25 0,24 1 15,-25 24-15,1 0 0,-1 24 16,1 1-16,-1-1 15,1 25-15,0-24 0,-1 23 16,25 1-16,-24 0 16,24-25-16,0 25 0,0-24 15,24-1-15,-24 1 16,25-1-16,-1 0 0,0 1 16,1-25-16,-1 0 0,25 0 15,-24 0-15,-1 0 16,0-25-16,1 1 0,-1 24 15,1-24-15,-1-25 0,-24 24 16,0 1-16,0-25 16,0 25-16,0-25 0,0 0 15,-24 25-15,24-1 16,0 1-16,0-1 0,0 1 16,24 48-1,0 1-15,1-1 16,-1 1-16,1 23 0,-1-23 15,1 24-15,23-25 16,-23 0-16,-1 25 0,1-24 16,-25-1-16,24 1 0,1-1 15,-25 0 1,24-24-16</inkml:trace>
+  <inkml:trace contextRef="#ctx0" brushRef="#br0" timeOffset="942">1368 564 0,'24'0'0,"1"25"0,-25-1 16,24 1-16,0 24 15,1-25-15,-1 25 0,1-25 16,-1 25-16,1-24 15,-1-1-15,0 0 0,1 1 16,-25-1-16,24 1 0,1-25 31,-25-25-15,0 1 0,0-25-16,0 25 0,0-25 15,0 0-15,0 24 0,0-23 16,0-1-16,0 24 15,0 1-15,0-1 16,24 25-16,0 25 16,1-25-1,-1 24-15</inkml:trace>
+  <inkml:trace contextRef="#ctx0" brushRef="#br0" timeOffset="1398">2003 662 0,'-25'25'16,"25"-1"15,25-24-15,-25 24-16,24-24 15,1 0 1,-1 0-16,0 0 0,1 0 15,-1 0-15,1 0 16,-1-24-16,1 24 16,-1-24-16,-24-1 0,24 25 15,-24-24-15,25-1 16,-25 1-16,0-1 16,-25 1-16,1 24 0,24-24 15,-24 24-15,-1 0 16,-24 0-16,25 0 0,-1 0 15,-23 24-15,23 0 16,1 1-16,-1-1 0,1 1 16,24 24-16,0-25 0,0 25 15,0-25-15,24 25 16,1-24-16,-1-1 0,1 0 16,23 1-16,-23-1 15,-1 1-15,1-25 0,24 0 16,-25 0-16,0 0 0,1 0 15,24-25-15</inkml:trace>
+</inkml:ink>
+</file>
+
+<file path=ppt/ink/ink212.xml><?xml version="1.0" encoding="utf-8"?>
+<inkml:ink xmlns:inkml="http://www.w3.org/2003/InkML">
+  <inkml:definitions>
+    <inkml:context xml:id="ctx0">
+      <inkml:inkSource xml:id="inkSrc0">
+        <inkml:traceFormat>
+          <inkml:channel name="X" type="integer" max="1920" units="cm"/>
+          <inkml:channel name="Y" type="integer" max="1080" units="cm"/>
+          <inkml:channel name="T" type="integer" max="2.14748E9" units="dev"/>
+        </inkml:traceFormat>
+        <inkml:channelProperties>
+          <inkml:channelProperty channel="X" name="resolution" value="55.81395" units="1/cm"/>
+          <inkml:channelProperty channel="Y" name="resolution" value="55.6701" units="1/cm"/>
+          <inkml:channelProperty channel="T" name="resolution" value="1" units="1/dev"/>
+        </inkml:channelProperties>
+      </inkml:inkSource>
+      <inkml:timestamp xml:id="ts0" timeString="2020-12-17T07:46:03.499"/>
+    </inkml:context>
+    <inkml:brush xml:id="br0">
+      <inkml:brushProperty name="width" value="0.05" units="cm"/>
+      <inkml:brushProperty name="height" value="0.05" units="cm"/>
+      <inkml:brushProperty name="fitToCurve" value="1"/>
+    </inkml:brush>
+  </inkml:definitions>
+  <inkml:trace contextRef="#ctx0" brushRef="#br0">0 0 0,'25'0'78,"-1"0"-78,1 0 15,-1 0-15,25 0 16,0 0-16,-1 0 0,1 0 16,25 0-16,-26 0 0,26 0 15,-1 0-15,-24 0 16,0 0-16,0 0 0,-25 0 15,0 0-15,1 0 16,-1 0-16,-48 0 16</inkml:trace>
+  <inkml:trace contextRef="#ctx0" brushRef="#br0" timeOffset="360">98 98 0,'24'0'16,"-24"24"-16,25-24 0,-1 0 15,1 0-15,-1 0 16,25 0-16,0 0 0,0 0 16,24-24-16,0 24 15,0 0-15,1 0 0,-1 0 16,0 0-16,-24 0 0,0-24 16,-25 24-16,1 0 15,-50 0 16,1 24-31,0-24 16,-1 0-16,1 24 16</inkml:trace>
+</inkml:ink>
+</file>
+
+<file path=ppt/ink/ink213.xml><?xml version="1.0" encoding="utf-8"?>
+<inkml:ink xmlns:inkml="http://www.w3.org/2003/InkML">
+  <inkml:definitions>
+    <inkml:context xml:id="ctx0">
+      <inkml:inkSource xml:id="inkSrc0">
+        <inkml:traceFormat>
+          <inkml:channel name="X" type="integer" max="1920" units="cm"/>
+          <inkml:channel name="Y" type="integer" max="1080" units="cm"/>
+          <inkml:channel name="T" type="integer" max="2.14748E9" units="dev"/>
+        </inkml:traceFormat>
+        <inkml:channelProperties>
+          <inkml:channelProperty channel="X" name="resolution" value="55.81395" units="1/cm"/>
+          <inkml:channelProperty channel="Y" name="resolution" value="55.6701" units="1/cm"/>
+          <inkml:channelProperty channel="T" name="resolution" value="1" units="1/dev"/>
+        </inkml:channelProperties>
+      </inkml:inkSource>
+      <inkml:timestamp xml:id="ts0" timeString="2020-12-17T07:46:07.904"/>
+    </inkml:context>
+    <inkml:brush xml:id="br0">
+      <inkml:brushProperty name="width" value="0.05" units="cm"/>
+      <inkml:brushProperty name="height" value="0.05" units="cm"/>
+      <inkml:brushProperty name="fitToCurve" value="1"/>
+    </inkml:brush>
+  </inkml:definitions>
+  <inkml:trace contextRef="#ctx0" brushRef="#br0">73 54 0,'0'-24'31,"25"24"-15,-1 0-1,1 0-15,-1-24 0,25 24 16,0 0-16,0 0 16,-25 0-16,25 0 0,0 0 15,-25 0-15,-24 24 16,0 0 0</inkml:trace>
+  <inkml:trace contextRef="#ctx0" brushRef="#br0" timeOffset="203">0 372 0,'0'24'15,"25"-24"1,-1-24 0,1 24-16,-1 0 15,25 0-15,-25-24 0,25 24 16,0 0-16,24 0 0,-24 0 15,0 0-15,24-25 16,-24 25-16,-25 0 0,1 0 16</inkml:trace>
+</inkml:ink>
+</file>
+
+<file path=ppt/ink/ink214.xml><?xml version="1.0" encoding="utf-8"?>
+<inkml:ink xmlns:inkml="http://www.w3.org/2003/InkML">
+  <inkml:definitions>
+    <inkml:context xml:id="ctx0">
+      <inkml:inkSource xml:id="inkSrc0">
+        <inkml:traceFormat>
+          <inkml:channel name="X" type="integer" max="1920" units="cm"/>
+          <inkml:channel name="Y" type="integer" max="1080" units="cm"/>
+          <inkml:channel name="T" type="integer" max="2.14748E9" units="dev"/>
+        </inkml:traceFormat>
+        <inkml:channelProperties>
+          <inkml:channelProperty channel="X" name="resolution" value="55.81395" units="1/cm"/>
+          <inkml:channelProperty channel="Y" name="resolution" value="55.6701" units="1/cm"/>
+          <inkml:channelProperty channel="T" name="resolution" value="1" units="1/dev"/>
+        </inkml:channelProperties>
+      </inkml:inkSource>
+      <inkml:timestamp xml:id="ts0" timeString="2020-12-17T07:46:07.100"/>
+    </inkml:context>
+    <inkml:brush xml:id="br0">
+      <inkml:brushProperty name="width" value="0.05" units="cm"/>
+      <inkml:brushProperty name="height" value="0.05" units="cm"/>
+      <inkml:brushProperty name="fitToCurve" value="1"/>
+    </inkml:brush>
+  </inkml:definitions>
+  <inkml:trace contextRef="#ctx0" brushRef="#br0">57 32 0,'-24'0'0,"24"-24"16,0 48 31,0 1-47,0-1 0,0 25 15,0 0-15,0 0 0,0-1 16,-24 26-16,24-26 16,0 26-16,0-25 0,0-1 15,0 1-15,0 0 16,0-24-16,0-1 0,0 0 15,0 1-15,24-25 0,0 0 16</inkml:trace>
+  <inkml:trace contextRef="#ctx0" brushRef="#br0" timeOffset="491">497 105 0,'0'-24'16,"-24"24"-1,-1 0 1,25 24-16,0 25 16,0-24-1,0 24-15,0-1 0,0 1 16,0 24-16,25-24 0,-25 0 15,24 0-15,-24 0 16,24-25-16,1 1 0,24-1 16,-25 1-16,1-25 15,23 0-15,-23 0 0,24 0 16,-25-25-16,1 1 0,-1-1 16,0 1-16,1-25 15,-25 0-15,0 0 0,0-24 16,0 24-16,-25-24 15,1 24-15,0 0 0,-1 0 16,1 1-16,-25 23 0,24 1 16,1 24-16,-25 0 15,25 0-15,-1 24 0,1 1 16,-1-25-16,1 24 16,24 0-16,-24 1 0,24-1 15,-25-24-15,25 25 0,0-1 16</inkml:trace>
+</inkml:ink>
+</file>
+
+<file path=ppt/ink/ink215.xml><?xml version="1.0" encoding="utf-8"?>
+<inkml:ink xmlns:inkml="http://www.w3.org/2003/InkML">
+  <inkml:definitions>
+    <inkml:context xml:id="ctx0">
+      <inkml:inkSource xml:id="inkSrc0">
+        <inkml:traceFormat>
+          <inkml:channel name="X" type="integer" max="1920" units="cm"/>
+          <inkml:channel name="Y" type="integer" max="1080" units="cm"/>
+          <inkml:channel name="T" type="integer" max="2.14748E9" units="dev"/>
+        </inkml:traceFormat>
+        <inkml:channelProperties>
+          <inkml:channelProperty channel="X" name="resolution" value="55.81395" units="1/cm"/>
+          <inkml:channelProperty channel="Y" name="resolution" value="55.6701" units="1/cm"/>
+          <inkml:channelProperty channel="T" name="resolution" value="1" units="1/dev"/>
+        </inkml:channelProperties>
+      </inkml:inkSource>
+      <inkml:timestamp xml:id="ts0" timeString="2020-12-17T07:46:00.811"/>
+    </inkml:context>
+    <inkml:brush xml:id="br0">
+      <inkml:brushProperty name="width" value="0.05" units="cm"/>
+      <inkml:brushProperty name="height" value="0.05" units="cm"/>
+      <inkml:brushProperty name="fitToCurve" value="1"/>
+    </inkml:brush>
+  </inkml:definitions>
+  <inkml:trace contextRef="#ctx0" brushRef="#br0">127 499 0,'0'-24'0,"0"0"16,-24 24-16,24-25 0,-24 25 15,24-24 1,-25 24-16,25 24 16,-24-24-16,24 25 15,0-1-15,0 25 0,-25-25 16,25 25-16,0 0 15,25 0-15,-1-25 0,1 25 16,-25-24-16,24 23 0,25-23 16,-25-1-16,1-24 15,-1 0-15,1 0 0,23 0 16,-23 0-16,-1 0 0,25-24 16,-25-1-16,1 1 15,-25-25-15,24 25 0,-24-25 16,0 24-16,0-23 15,0-1-15,-24 0 0,-1 0 16,1 0-16,0 0 16,-1 0-16,1 25 0,-1 0 15,1 24-15,0 0 16,24 24-16,-25 0 0,25 1 16,0 24-16,-24-25 15,24 1-15,0-1 0,0 0 16</inkml:trace>
+  <inkml:trace contextRef="#ctx0" brushRef="#br0" timeOffset="793">1202 231 0,'24'-25'16,"-24"1"-16,0 0 0,0-1 15,0 1-15,-24 24 16,0 0 0,-1 0-16,-24 0 0,25 0 15,-25 24-15,0-24 16,0 25-16,0-25 0,1 24 15,-1-24-15,0 24 0,25-24 16,-1 0-16,1 0 16,-1 25-16,25-1 31,25-24-31,-25 25 16,0-1-16,24 1 0,-24-1 15,25 0 1,-25 1-16,0-1 0,24-24 15,-24 25-15,0-1 16,24-24-16,-24 24 16,0 1-16,0-1 31,25-24 0,-25-24-15,24 24-1,-24-25-15,25 25 16,-1-24-16,0 24 0,1 0 16,-1 0-16,1-24 15,-1 24-15,25 0 0,-25 24 16,1-24-16,-1 24 0,1-24 16,-1 25-16,1-1 15,-1 1-15,0-1 0,1 1 16,-1-1-16,-24 0 15,0 1-15,0-1 16,0 1-16,-24-1 16,-1 1-1,-23-1-15,23-24 0,-24 24 16,25-24-16,-25 0 0,0 25 16,25-25-16,-25 0 15,24 0-15,-23 0 0,23 0 16,1 0-16,-1 0 15,1 0-15,0 0 16,-1 0 0</inkml:trace>
+  <inkml:trace contextRef="#ctx0" brushRef="#br0" timeOffset="5508">1837 109 0,'0'-25'16,"24"25"0,-24 25-1,25-25-15,-25 24 0,49 1 16,-25-1-16,25 0 15,-25 25-15,25-24 0,0 23 16,0 1-16,0 0 16,0-24-16,-1 23 0,-23 1 15,-1-24-15,1-1 0,-1 1 16,1-1-16,-1 0 16,-24 1-16,0-1 15</inkml:trace>
+  <inkml:trace contextRef="#ctx0" brushRef="#br0" timeOffset="5803">2277 11 0,'0'-24'0,"-25"48"31,25 0-31,-24 1 16,24-1-16,-25 25 0,1 0 15,0 0-15,-1 0 16,1 24-16,-25 0 0,24-24 16,1 24-16,0-24 0,-1 24 15,1-24-15,24-24 16,-25 24-16,1-25 0,24 0 15,-25 1-15,25-1 16,-24 1-16</inkml:trace>
+</inkml:ink>
+</file>
+
+<file path=ppt/ink/ink216.xml><?xml version="1.0" encoding="utf-8"?>
+<inkml:ink xmlns:inkml="http://www.w3.org/2003/InkML">
+  <inkml:definitions>
+    <inkml:context xml:id="ctx0">
+      <inkml:inkSource xml:id="inkSrc0">
+        <inkml:traceFormat>
+          <inkml:channel name="X" type="integer" max="1920" units="cm"/>
+          <inkml:channel name="Y" type="integer" max="1080" units="cm"/>
+          <inkml:channel name="T" type="integer" max="2.14748E9" units="dev"/>
+        </inkml:traceFormat>
+        <inkml:channelProperties>
+          <inkml:channelProperty channel="X" name="resolution" value="55.81395" units="1/cm"/>
+          <inkml:channelProperty channel="Y" name="resolution" value="55.6701" units="1/cm"/>
+          <inkml:channelProperty channel="T" name="resolution" value="1" units="1/dev"/>
+        </inkml:channelProperties>
+      </inkml:inkSource>
+      <inkml:timestamp xml:id="ts0" timeString="2020-12-17T07:46:10.921"/>
+    </inkml:context>
+    <inkml:brush xml:id="br0">
+      <inkml:brushProperty name="width" value="0.05" units="cm"/>
+      <inkml:brushProperty name="height" value="0.05" units="cm"/>
+      <inkml:brushProperty name="fitToCurve" value="1"/>
+    </inkml:brush>
+  </inkml:definitions>
+  <inkml:trace contextRef="#ctx0" brushRef="#br0">491 327 0,'25'0'16,"-1"-24"-16,1-1 0,-25 1 16,24 24-16,-24-25 15,0 1-15,0-1 0,0 1 16,-24 0-16,24-1 16,-25 25-16,1-24 15,-1-1-15,-23 25 0,23 0 16,-24 0-16,25 0 15,-25 0-15,25 0 0,-25 25 16,0-1-16,0 1 16,25-1-16,-1 0 0,-24 1 15,49 24-15,-24-25 0,24 1 16,0-1-16,0 0 16,0 1-16,24-1 0,1 1 15,-1-25-15,25 0 0,-25 0 16,25 24-16,0-24 15,0 0-15,24 0 0,-24 0 16,0 0-16,0 25 16,0-25-16,0 24 0,-1 0 15,-23 1-15,24-1 0,-25 1 16,0-1-16,1 0 16,-1 25-16,1-24 0,-25-1 15,0 1-15,0-1 16,-25 0-16,1 1 15,-25-25-15,0 24 0,0-24 16,-24 25-16,24-25 16,-24 24-16,0-24 0,24 0 15,-24 0-15,24 0 16,0 0-16,24 0 0,1-24 16,0 24-16,-1-25 0,25 1 15</inkml:trace>
+  <inkml:trace contextRef="#ctx0" brushRef="#br0" timeOffset="365">296 10 0,'0'-25'32,"24"50"-17,-24-1 1,25-24-16,-25 24 16,24 25-16,-24-24 15,0 23-15,25 26 0,-1-25 16,-24 24-16,25 0 15,-1 0-15,-24 1 0,24-1 16,1 0-16,-1 0 0,-24-24 16,25 25-16,-1-26 15,-24-23-15,25 24 0,-25-25 16,0 1-16,0-1 16</inkml:trace>
+</inkml:ink>
+</file>
+
+<file path=ppt/ink/ink217.xml><?xml version="1.0" encoding="utf-8"?>
+<inkml:ink xmlns:inkml="http://www.w3.org/2003/InkML">
+  <inkml:definitions>
+    <inkml:context xml:id="ctx0">
+      <inkml:inkSource xml:id="inkSrc0">
+        <inkml:traceFormat>
+          <inkml:channel name="X" type="integer" max="1920" units="cm"/>
+          <inkml:channel name="Y" type="integer" max="1080" units="cm"/>
+          <inkml:channel name="T" type="integer" max="2.14748E9" units="dev"/>
+        </inkml:traceFormat>
+        <inkml:channelProperties>
+          <inkml:channelProperty channel="X" name="resolution" value="55.81395" units="1/cm"/>
+          <inkml:channelProperty channel="Y" name="resolution" value="55.6701" units="1/cm"/>
+          <inkml:channelProperty channel="T" name="resolution" value="1" units="1/dev"/>
+        </inkml:channelProperties>
+      </inkml:inkSource>
+      <inkml:timestamp xml:id="ts0" timeString="2020-12-17T07:46:08.532"/>
+    </inkml:context>
+    <inkml:brush xml:id="br0">
+      <inkml:brushProperty name="width" value="0.05" units="cm"/>
+      <inkml:brushProperty name="height" value="0.05" units="cm"/>
+      <inkml:brushProperty name="fitToCurve" value="1"/>
+    </inkml:brush>
+  </inkml:definitions>
+  <inkml:trace contextRef="#ctx0" brushRef="#br0">0 198 0,'0'-25'0,"0"1"15,0 48 17,0 1-32,0 23 15,0-23-15,0 24 0,0 24 16,0-24-16,0 24 15,0 0-15,0-24 0,0 24 16,0-24-16,25 0 16,-25 24-16,0-48 0,24 24 15,-24-25-15,0 1 0,25-1 16,-1-24 0</inkml:trace>
+  <inkml:trace contextRef="#ctx0" brushRef="#br0" timeOffset="505">635 320 0,'-24'0'16,"-1"-25"-1,25 50 17,0-1-32,0 25 15,0-25-15,0 25 16,0 0-16,0 0 0,0 0 16,0 0-16,0-25 15,25 25-15,-1 0 0,1-25 16,-1 1-16,1-1 0,-1 0 15,0-24-15,1 0 16,24 0-16,-25 0 0,1-24 16,23 0-16,-23-1 15,-1-24-15,1 25 0,-25-49 16,24 24-16,-24 0 0,0 0 16,-24-24-16,-1 24 15,1 0-15,-1 25 0,1-1 16,-25 1-16,25 24 0,-25 0 15,24 0-15,1 0 16,-25 0-16,25 24 0,-1 1 16,1-25-16,-1 24 15,1 1-15,0-1 16,24 0 0</inkml:trace>
+  <inkml:trace contextRef="#ctx0" brushRef="#br0" timeOffset="1273">1954 75 0,'0'-24'16,"0"0"0,-24 24-16,-1 0 0,1-25 15,-1 25-15,1 0 0,-25 0 16,25 0-16,-25 0 16,0 25-16,0-25 0,25 0 15,-25 24-15,0-24 16,0 0-16,25 0 0,-25 0 15,25 24-15,-1-24 16,25 25 0,0-1-1,0 1 1,0-1-16,0 1 0,0-1 16,0 0-16,0 1 15,25-1-15,-25 1 16,0-1-16,24 1 0,-24-1 15,0 0-15,24 1 16,-24-1-16,25 1 16,-25-1-16,24-24 15,1 0 1,-1 0 0,1-24-1,-1-1-15,0 1 16,1-1-16,-1 25 15,1-24-15,-1 0 16,0 24-16,1-25 0,24 25 16,-25 0-16,1 0 15,23 0-15,-23 25 0,-1-25 16,25 24-16,-24 0 0,-1 1 16,-24-1-16,24 1 15,-24-1-15,0 1 0,0-1 16,0 25-16,0-25 0,-24 1 15,24-1-15,-24 0 16,-1 25-16,1-49 0,-25 25 16,24-1-16,1 1 15,-25-25-15,25 24 0,-25-24 16,0 0-16,25 0 0,-25 0 16,24 0-16,1-24 15,0 24-15,-1-25 0</inkml:trace>
+  <inkml:trace contextRef="#ctx0" brushRef="#br0" timeOffset="1764">2394 222 0,'24'0'0,"-24"-24"16,25 24-16,-25-25 16,24 25-16,-24-24 15,0 48 1,0 1-16,-24-1 16,-1 0-16,1 25 0,24 0 15,-25 24-15,1-24 16,24 0-16,0 0 0,0 0 15,0 0-15,0-1 16,24-23-16,1-1 0,-1 1 16,1-25-16,-1 0 0,0 0 15,25 0-15,-24 0 16,24-25-16,-25 1 0,0-1 16,1-23-16,-1 23 0,-24-24 15,0 1-15,0-26 16,0 25-16,-24 1 0,-1-1 15,1-25-15,0 50 16,-1-25-16,1 25 0,-1-1 16,1 25-16,-1 0 0,1 25 15,0-25-15,24 24 16,-25 1-16,1-1 0,24 0 16,-25 1-16,25-1 15</inkml:trace>
+</inkml:ink>
+</file>
+
+<file path=ppt/ink/ink218.xml><?xml version="1.0" encoding="utf-8"?>
+<inkml:ink xmlns:inkml="http://www.w3.org/2003/InkML">
+  <inkml:definitions>
+    <inkml:context xml:id="ctx0">
+      <inkml:inkSource xml:id="inkSrc0">
+        <inkml:traceFormat>
+          <inkml:channel name="X" type="integer" max="1920" units="cm"/>
+          <inkml:channel name="Y" type="integer" max="1080" units="cm"/>
+          <inkml:channel name="T" type="integer" max="2.14748E9" units="dev"/>
+        </inkml:traceFormat>
+        <inkml:channelProperties>
+          <inkml:channelProperty channel="X" name="resolution" value="55.81395" units="1/cm"/>
+          <inkml:channelProperty channel="Y" name="resolution" value="55.6701" units="1/cm"/>
+          <inkml:channelProperty channel="T" name="resolution" value="1" units="1/dev"/>
+        </inkml:channelProperties>
+      </inkml:inkSource>
+      <inkml:timestamp xml:id="ts0" timeString="2020-12-17T07:46:20.256"/>
+    </inkml:context>
+    <inkml:brush xml:id="br0">
+      <inkml:brushProperty name="width" value="0.05" units="cm"/>
+      <inkml:brushProperty name="height" value="0.05" units="cm"/>
+      <inkml:brushProperty name="fitToCurve" value="1"/>
+    </inkml:brush>
+  </inkml:definitions>
+  <inkml:trace contextRef="#ctx0" brushRef="#br0">48 242 0,'-24'0'0,"24"-25"15,-24 25 1,24-24-1,24 24-15,0 0 16,1 0 0,-1 0-1,1 24-15,-1-24 0,1 25 16,-1-1-16,25 1 0,-25-1 16,25 0-16,-24 25 15,23-24-15,-23-1 0,-1 0 16,1 1-16,-1-1 0,1 1 15,-25-1-15,24 1 16,-24-1-16,24-24 16,-24 24-16,-24-24 15</inkml:trace>
+  <inkml:trace contextRef="#ctx0" brushRef="#br0" timeOffset="329">439 22 0,'25'-25'32,"-25"50"-17,0-1 1,-25-24-16,25 49 15,-24-24-15,-1-1 0,1 25 16,0 0-16,-1 0 0,1 24 16,-1-24-16,-24 0 15,25 24-15,0-24 0,-1-1 16,1 1-16,-1 0 16,25 0-16,-24 0 0,-1-25 15,25 1-15,0-1 0,0 1 16,0-1-16,25-48 15</inkml:trace>
+  <inkml:trace contextRef="#ctx0" brushRef="#br0" timeOffset="682">854 193 0,'25'0'16,"-25"-25"-16,24 25 0,-24-24 15,25 24-15,-25-24 16,0 48 15,0 0-15,0 1-16,0 24 0,0-25 15,0 25-15,-25 0 0,25 0 16,0 0-16,-24-1 16,24 1-16,0 0 0,0 0 15,0 0-15,0 0 16,0-25-16,0 25 0,0-25 16,0 1-16,0-1 0,0 1 15</inkml:trace>
+  <inkml:trace contextRef="#ctx0" brushRef="#br0" timeOffset="1007">1392 461 0,'-25'0'0,"25"-24"16,-24 24-16,24-24 16,24 24-1,1 0-15,-1-25 16,25 25-1,-25 0-15,25 0 0,-24 0 16,24 0-16,-25 0 0,0 0 16,1 0-16,-1 0 15,-24 25-15</inkml:trace>
+  <inkml:trace contextRef="#ctx0" brushRef="#br0" timeOffset="1241">1367 632 0,'0'25'0,"0"-1"15,25-24 1,-1 0 0,1 0-16,-1 0 0,0 0 15,1-24-15,-1 24 0,25 0 16,-24-25-16,23 25 15,-23 0-15,-1-24 0,1 24 16,-1 0-16,-24-24 31</inkml:trace>
+</inkml:ink>
+</file>
+
+<file path=ppt/ink/ink219.xml><?xml version="1.0" encoding="utf-8"?>
+<inkml:ink xmlns:inkml="http://www.w3.org/2003/InkML">
+  <inkml:definitions>
+    <inkml:context xml:id="ctx0">
+      <inkml:inkSource xml:id="inkSrc0">
+        <inkml:traceFormat>
+          <inkml:channel name="X" type="integer" max="1920" units="cm"/>
+          <inkml:channel name="Y" type="integer" max="1080" units="cm"/>
+          <inkml:channel name="T" type="integer" max="2.14748E9" units="dev"/>
+        </inkml:traceFormat>
+        <inkml:channelProperties>
+          <inkml:channelProperty channel="X" name="resolution" value="55.81395" units="1/cm"/>
+          <inkml:channelProperty channel="Y" name="resolution" value="55.6701" units="1/cm"/>
+          <inkml:channelProperty channel="T" name="resolution" value="1" units="1/dev"/>
+        </inkml:channelProperties>
+      </inkml:inkSource>
+      <inkml:timestamp xml:id="ts0" timeString="2020-12-17T07:46:22.517"/>
+    </inkml:context>
+    <inkml:brush xml:id="br0">
+      <inkml:brushProperty name="width" value="0.05" units="cm"/>
+      <inkml:brushProperty name="height" value="0.05" units="cm"/>
+      <inkml:brushProperty name="fitToCurve" value="1"/>
+    </inkml:brush>
+  </inkml:definitions>
+  <inkml:trace contextRef="#ctx0" brushRef="#br0">146 32 0,'25'0'47,"-1"0"-16,1 0-31,-1 0 0,0-25 16,1 25-16,-1 0 0,25 0 15,-25 0-15,1 0 16,-1 0-16</inkml:trace>
+  <inkml:trace contextRef="#ctx0" brushRef="#br0" timeOffset="258">0 203 0,'24'0'31,"1"0"-15,-1 0-16,0-25 15,1 25-15,24 0 0,-25-24 16,25 24-16,-25 0 0,25 0 16,-24 0-16,-1-24 15,0 24-15,1 0 0,-1 0 16</inkml:trace>
 </inkml:ink>
 </file>
 
@@ -3744,6 +4861,322 @@
   <inkml:trace contextRef="#ctx0" brushRef="#br0" timeOffset="111869">8035 3468 0,'-24'0'16,"24"-24"15,0 48 0,0 1-31,0-1 16,0 0-16,0 25 16,0-24-16,0-1 0,0 1 15,0-1-15,0 25 0,0-25 16,0 1 0,0-1-16</inkml:trace>
   <inkml:trace contextRef="#ctx0" brushRef="#br0" timeOffset="112361">8035 3493 0,'0'-25'16,"0"1"-1,0 48 1,25 1-1,-1-25 1,0 24-16,1-24 0,-1 24 16,1 1-16,-1-1 0,1 1 15,23-25-15,-23 24 16,-1-24-16,1 25 0,-1-25 16,1 0-16,-1 0 15,-24-25 1,-24 1-1,24-1-15,0 1 16,-25 24-16,25-25 0,-24 1 16,24 0-16,0-1 15,-25 1-15,25-1 0,0 1 16,0-1-16,0 50 47,25-1-32,-25 1-15,0-1 16,24 1-16,-24-1 0,0 0 16,25 1-16,-25-1 15,0 1-15,0-1 16,0 1-16,0-1 16</inkml:trace>
   <inkml:trace contextRef="#ctx0" brushRef="#br0" timeOffset="112849">8670 3297 0,'-24'0'15,"-1"0"-15,1 0 16,0 0 0,24-24-16,24 24 31,0-25-15,1 25-16,-1-24 0,1 24 15,23-24-15,-23 24 16,-1-25-16,1 25 0,-1 0 15,-24-24-15,0-1 16,-24 25 0,-1 0-16,1 0 15,24 25-15,-25-25 16,1 0-16,24 24 16,-24-24-1,24 25-15,0-1 16,0 0-16,0 1 0,0-1 15,0 25-15,0-25 16,0 25-16,0-24 0,24 24 16,-24-25-16,24 25 0,-24-25 15,25 1-15,-25-1 16,0 1-16</inkml:trace>
+</inkml:ink>
+</file>
+
+<file path=ppt/ink/ink220.xml><?xml version="1.0" encoding="utf-8"?>
+<inkml:ink xmlns:inkml="http://www.w3.org/2003/InkML">
+  <inkml:definitions>
+    <inkml:context xml:id="ctx0">
+      <inkml:inkSource xml:id="inkSrc0">
+        <inkml:traceFormat>
+          <inkml:channel name="X" type="integer" max="1920" units="cm"/>
+          <inkml:channel name="Y" type="integer" max="1080" units="cm"/>
+          <inkml:channel name="T" type="integer" max="2.14748E9" units="dev"/>
+        </inkml:traceFormat>
+        <inkml:channelProperties>
+          <inkml:channelProperty channel="X" name="resolution" value="55.81395" units="1/cm"/>
+          <inkml:channelProperty channel="Y" name="resolution" value="55.6701" units="1/cm"/>
+          <inkml:channelProperty channel="T" name="resolution" value="1" units="1/dev"/>
+        </inkml:channelProperties>
+      </inkml:inkSource>
+      <inkml:timestamp xml:id="ts0" timeString="2020-12-17T07:46:25.728"/>
+    </inkml:context>
+    <inkml:brush xml:id="br0">
+      <inkml:brushProperty name="width" value="0.05" units="cm"/>
+      <inkml:brushProperty name="height" value="0.05" units="cm"/>
+      <inkml:brushProperty name="fitToCurve" value="1"/>
+    </inkml:brush>
+  </inkml:definitions>
+  <inkml:trace contextRef="#ctx0" brushRef="#br0">314 227 0,'25'-25'0,"-25"1"47,0 0-16,-25-1-15,25 1-1,-24-1 1,24 1-16,-25 24 0,25-24 16,-24-1-16,0 25 15,-1 0 1,1 25-16,-1-1 15,1 0-15,-1 25 16,1-24-16,0-1 16,-1 0-16,25 1 0,0-1 15,-24 1-15,24-1 16,24 1 0,1-1-16,-1-24 15,0 0-15,1 0 16,24 0-16,-25 0 0,1-24 15,-1 24-15,25-25 16,-25 25-16,1-24 0,-25-1 16,24 1-16,-24-1 0,25 1 15,-25 0-15,0-1 16,0 1-16,0-1 16,-25 1-16,25 0 15,0 48 16,0 0-31,0 1 16,0-1-16,-24 1 0,24 23 16,-25-23-16,25 24 15,0 24-15,-24-24 0,24 0 16,0 24-16,0-24 0,0 0 16,0 24-16,-25-24 15,25-25-15,0 25 0,0-24 16,0-1-16,0 0 0,0 1 15,0-1-15</inkml:trace>
+  <inkml:trace contextRef="#ctx0" brushRef="#br0" timeOffset="678">974 300 0,'24'0'16,"1"0"-16,-25-24 0,24-1 15,-24 1-15,24 24 16,-24-25-16,0 1 15,0 0-15,-24 24 0,0-25 16,24 1-16,-25 24 16,1-25-16,-1 25 0,1 0 15,-1 0-15,1 0 0,0 0 16,-1 0-16,1 25 16,-1-25-16,1 24 0,-1-24 15,25 25-15,-24-1 16,0 0-16,24 1 0,-25-1 15,25 25-15,0-24 0,0-1 16,0 0-16,0 1 16,25-1-16,-25 1 0,24-1 15,-24 1-15,24-25 16,1 0-16,-1 24 0,1-24 16,-1 0-16,1-24 15,-1 24-15,0-25 16,1 1-16,-1-1 0,1 1 15,-25-1-15,24 1 16,1 0-16,-25-1 0,0 1 16,24-1-16,-24 1 0,24 24 31,-24 24-15,0 1-16,0-1 15,0 1-15,0 23 0,0 1 16,0 0-16,-24 0 0,24 0 15,0 0-15,0 0 16,0-1-16,0 1 0,-24-24 16,24 24-16,0-25 15,0 25-15,0-25 0,0 1 16,0-1-16,0 0 16</inkml:trace>
+  <inkml:trace contextRef="#ctx0" brushRef="#br0" timeOffset="1122">1242 496 0,'-24'-25'16,"24"1"-16,0-1 15,24 1-15,-24-1 0,25 25 16,-1-24-16,1 0 15,23 24-15,-23-25 0,24 25 16,-25-24-16,25 24 0,-25 0 16,1 24-16,-1-24 15,1 25-15,-25-1 0,0 0 16,0 25-16,0 0 16,0-24-16,-25 23 0,1-23 15,-1 24-15,1-25 0,-25 25 16,25-25-16,-1 1 15,1-25-15,-1 24 0,1 1 16,0-25-16,24 24 16,24-24 15,25-24-31,-25 24 16,25 0-16,0 0 0,0-25 15,0 25-15,0 0 16,24 0-16,-24-24 0,-25 24 15,25 0-15,-25 0 0,1 0 16,-1 0-16</inkml:trace>
+  <inkml:trace contextRef="#ctx0" brushRef="#br0" timeOffset="1668">2366 520 0,'24'-24'0,"1"-1"16,-1 25-16,-24-24 15,25-1-15,-25 1 0,0-1 16,0 1-16,0 0 15,-25-1-15,25 1 16,-24 24-16,-1-25 0,1 25 16,-1 0-16,1 0 0,0 0 15,-1 0-15,1 25 16,-1-1-16,1 1 0,-1-1 16,1 0-16,0 1 15,24 24-15,-25-25 0,25 1 16,-24 23-16,24-23 15,0-1-15,24 1 0,1-25 16,-1 24-16,0 1 0,1-25 16,24 24-16,-25 0 15,25-24-15,0 25 0,0-25 16,0 24-16,-1-24 16,-23 25-16,24-25 0,-25 24 15,1-24-15,-25 24 0,0 1 16,0-1-1,-25-24-15,25 25 0,-49-25 16,25 24-16,-25-24 0,0 0 16,0 25-16,0-25 15,1 0-15,-1 0 0,0 0 16,24-25-16</inkml:trace>
+  <inkml:trace contextRef="#ctx0" brushRef="#br0" timeOffset="2074">2170 251 0,'0'-24'16,"25"24"-16,-25-25 0,24 1 15,-24 48 17,0 1-17,0 24 1,0-25-16,0 25 0,0 0 16,0 0-16,0 24 0,0-24 15,0 24-15,0 0 16,0-24-16,25 25 0,-25-26 15,0 1-15,0 0 16,0 0-16,0-25 0,0 25 16,0-24-16,0 23 0,24-23 15,-24-1-15,0 1 16,0-1-16,0 1 0,0-1 16</inkml:trace>
+</inkml:ink>
+</file>
+
+<file path=ppt/ink/ink221.xml><?xml version="1.0" encoding="utf-8"?>
+<inkml:ink xmlns:inkml="http://www.w3.org/2003/InkML">
+  <inkml:definitions>
+    <inkml:context xml:id="ctx0">
+      <inkml:inkSource xml:id="inkSrc0">
+        <inkml:traceFormat>
+          <inkml:channel name="X" type="integer" max="1920" units="cm"/>
+          <inkml:channel name="Y" type="integer" max="1080" units="cm"/>
+          <inkml:channel name="T" type="integer" max="2.14748E9" units="dev"/>
+        </inkml:traceFormat>
+        <inkml:channelProperties>
+          <inkml:channelProperty channel="X" name="resolution" value="55.81395" units="1/cm"/>
+          <inkml:channelProperty channel="Y" name="resolution" value="55.6701" units="1/cm"/>
+          <inkml:channelProperty channel="T" name="resolution" value="1" units="1/dev"/>
+        </inkml:channelProperties>
+      </inkml:inkSource>
+      <inkml:timestamp xml:id="ts0" timeString="2020-12-17T07:46:30.013"/>
+    </inkml:context>
+    <inkml:brush xml:id="br0">
+      <inkml:brushProperty name="width" value="0.05" units="cm"/>
+      <inkml:brushProperty name="height" value="0.05" units="cm"/>
+      <inkml:brushProperty name="fitToCurve" value="1"/>
+    </inkml:brush>
+  </inkml:definitions>
+  <inkml:trace contextRef="#ctx0" brushRef="#br0">684 464 0,'0'-25'15,"0"1"1,0 0-1,24-1-15,-24 1 16,0-1 0,0 1-16,-24 24 0,24-24 15,-25-1-15,1 25 0,-1-24 16,-23 24-16,-1-25 16,24 25-16,-24 0 0,1 0 15,-1 25-15,0-25 16,0 24-16,25 1 0,-1 23 15,1-23-15,-1-1 16,1 1-16,24 23 0,0-23 16,0-1-16,0 1 0,24-1 15,1 1-15,-1-1 16,25-24-16,0 24 0,0-24 16,24 25-16,-24-25 15,24 0-15,-24 0 0,0 0 16,24 24-16,-49-24 0,25 0 15,-24 25-15,-1-1 16,1-24-16,-1 25 0,-24-1 16,0 0-16,0 25 15,0-24-15,0-1 0,-24 0 16,-1-24-16,1 25 0,-25-1 16,24 1-16,-23-25 15,-1 24-15,-24-24 0,24 0 16,-25 0-16,26 0 15,-26 0-15,25-24 0,1 24 16,-1 0-16,0-25 0,0 25 16,25-24-16,-1 24 15,1 0-15,24-25 0</inkml:trace>
+  <inkml:trace contextRef="#ctx0" brushRef="#br0" timeOffset="605">1270 586 0,'0'-24'0,"0"-1"15,-25 1-15,25-1 16,0 1-16,-24-1 16,0 1-16,-1 0 15,1 24-15,-1 0 0,1 0 16,-1 24-16,1-24 16,0 24-16,-1 1 0,-24-1 15,25 1-15,24 24 16,-25-25-16,1 25 0,24-25 15,0 25-15,0-24 0,24-1 16,-24 0-16,25 1 16,-1-1-16,1 1 0,-1-25 15,1 24-15,23-24 16,-23 0-16,-1 0 0,25-24 16,-24 24-16,-1-25 0,0 1 15,1-1-15,-1 1 16,-24-25-16,25 25 0,-25-25 15,0 0-15,0 25 16,0-25-16,0 24 0,0 1 16,0-1-16,24 25 0,-24 25 31,0-1-31,24 1 16,-24 24-16,25-25 15,-25 25-15,0-25 0,24 25 16,-24 0-16,25-25 0,-25 1 15,0-1-15,24 1 16,-24-1-16,25 1 0,-1-25 16</inkml:trace>
+  <inkml:trace contextRef="#ctx0" brushRef="#br0" timeOffset="1045">1465 439 0,'25'0'31,"-25"25"-15,24-25-16,-24 24 16,24 1-16,-24-1 0,25 25 15,-1-25-15,1 25 0,24 0 16,-25 0-16,0 0 15,1-25-15,-1 25 0,25-24 16,-25 23-16,1-23 0,-1-25 16,-24 24-16,25-24 15,-1 0-15,-24-24 0,25-1 16,-25 1-16,24 0 16,-24-25-16,0 0 0,24 0 15,-24 0-15,0 0 0,0 0 16,0 1-16,0-1 15,-24 0-15,24 24 0,0 1 16,0 0-16,-24-1 16,48 25 31,-24 25-47,24-1 15</inkml:trace>
+  <inkml:trace contextRef="#ctx0" brushRef="#br0" timeOffset="1327">2466 439 0,'0'-24'16,"-24"24"-16,24-24 0,-24 24 15,24-25-15,0 1 16,24 48 0,-24 1-1,24-1 1,-24 0-16,0 25 0,25-24 16,-25 24-16,24-25 15,-24 25-15,25-25 0,-25 25 16,24-24-16,-24-1 0,0 0 15,0 1-15,25-25 16</inkml:trace>
+  <inkml:trace contextRef="#ctx0" brushRef="#br0" timeOffset="1519">2491 0 0,'0'24'31,"0"1"-31,0-1 16,24 1-16,1-1 16</inkml:trace>
+  <inkml:trace contextRef="#ctx0" brushRef="#br0" timeOffset="2564">2857 439 0,'-24'0'16,"-1"0"0,25-24-16,0 0 15,25 24 16,-25 24-31,24-24 16,-24 24-16,25 1 16,-25-1-16,24 1 0,-24-1 15,0 1-15,25-1 0,-25 0 16,0 1-16,0-1 16,0 1-16,0-1 15,0-48 1,0-1-1,24 1-15,0-1 0,-24 1 16,25-25-16,-1 25 16,-24-25-16,25 24 0,-1 1 15,-24 0-15,25-1 16,-1 1-16,-24-1 0,24 25 16,1 25-16,-25-1 15,24 1-15,-24-1 16,25 0-16,-25 1 0,24-1 15,-24 1-15,24-1 16,1 1-16,-25-1 0,24 0 16,1-24-16,-1 25 0,1-25 15,23 0-15,1-25 16,0 25-16,0-24 0,0 0 16,-25-1-16,25 1 15,-25-1-15,1-24 0,-25 25 16,0-49-1,-49-1-15,25 50 16,-25 24-16,24-24 0,-23 24 16,23 0-16,1 24 15,-25 0-15,24 25 16,1-24-16,24-1 0,0 1 16,0-1-16,0 0 15,24 1-15,1-1 16,-1-24-1,1 0-15,-1 0 16,1 0-16,-1-24 0,0 24 16,1 0-16,-25-25 15,24 25-15,1 0 0,-1-24 16,0 24 0,1 24-16,-25 1 15,24-1-15,1 1 0,-25 24 16,24-1-16,1 1 15,-1 0-15,0 24 0,25-24 16,-24 25-16,-1-26 0,1 1 16,-1 24-16,-24-24 15,24-24-15,-24 24 0,-24-1 16,24-23-16,-49-1 16,25-24-16,-25 0 0,0 0 15,0 0-15,0-24 16,0-1-16,1 1 0,-1 0 15,24-25-15,1-25 0,0 26 16,24-1-16,0-24 16,24 24-16,0 0 0,1 0 15,-1 25-15,1-1 0,-1 1 16,0 24-16,1-25 16,-1 25-16,1 0 0,-1 0 15,1 0-15,-1 0 16,0 0-16,1 0 0,24 0 15</inkml:trace>
+  <inkml:trace contextRef="#ctx0" brushRef="#br0" timeOffset="2790">4542 146 0,'-24'0'0,"24"-24"16,24 0-16,1 24 15,-1 0 1,1 0-16,-1 0 0,1 0 16,-1 0-1,0 24-15</inkml:trace>
+  <inkml:trace contextRef="#ctx0" brushRef="#br0" timeOffset="2965">4665 342 0,'24'0'47,"0"24"-32,1-24 1,-1 0-16,1-24 0</inkml:trace>
+</inkml:ink>
+</file>
+
+<file path=ppt/ink/ink222.xml><?xml version="1.0" encoding="utf-8"?>
+<inkml:ink xmlns:inkml="http://www.w3.org/2003/InkML">
+  <inkml:definitions>
+    <inkml:context xml:id="ctx0">
+      <inkml:inkSource xml:id="inkSrc0">
+        <inkml:traceFormat>
+          <inkml:channel name="X" type="integer" max="1920" units="cm"/>
+          <inkml:channel name="Y" type="integer" max="1080" units="cm"/>
+          <inkml:channel name="T" type="integer" max="2.14748E9" units="dev"/>
+        </inkml:traceFormat>
+        <inkml:channelProperties>
+          <inkml:channelProperty channel="X" name="resolution" value="55.81395" units="1/cm"/>
+          <inkml:channelProperty channel="Y" name="resolution" value="55.6701" units="1/cm"/>
+          <inkml:channelProperty channel="T" name="resolution" value="1" units="1/dev"/>
+        </inkml:channelProperties>
+      </inkml:inkSource>
+      <inkml:timestamp xml:id="ts0" timeString="2020-12-17T07:46:33.433"/>
+    </inkml:context>
+    <inkml:brush xml:id="br0">
+      <inkml:brushProperty name="width" value="0.05" units="cm"/>
+      <inkml:brushProperty name="height" value="0.05" units="cm"/>
+      <inkml:brushProperty name="fitToCurve" value="1"/>
+    </inkml:brush>
+  </inkml:definitions>
+  <inkml:trace contextRef="#ctx0" brushRef="#br0">0 245 0,'0'-24'16,"24"24"-1,-24 24 1,24 1-1,-24-1-15,0 25 0,25-25 16,-25 25-16,0 0 16,24 0-16,-24 0 0,0 0 15,0 0-15,0-1 16,0-23-16,0 24 0,0-25 16,25 0-16,-25 1 0,24-25 15,0 0-15,1 0 16</inkml:trace>
+  <inkml:trace contextRef="#ctx0" brushRef="#br0" timeOffset="438">586 270 0,'-25'0'0,"25"24"47,-24-24-47,-1 25 16,25-1-16,-24 0 15,0 1-15,-1 24 0,25-25 16,-24 25-16,24 0 0,0-25 16,24 25-16,-24-25 15,25 1-15,23-1 0,-23 1 16,-1-1-16,25-24 15,-24 0-15,23 0 0,1 0 16,-24 0-16,-1-24 16,25-1-16,-25 1 0,1-1 15,-1-23-15,1 23 0,-25-24 16,24 1-16,-24 23 0,0-24 16,-24 25-16,24-1 15,-25 1-15,1 24 0,-1-24 16,1 24-16,-25 0 15,25 24-15,-1-24 0,1 0 16,-1 24-16,1 1 0,24-1 16</inkml:trace>
+  <inkml:trace contextRef="#ctx0" brushRef="#br0" timeOffset="847">1367 221 0,'0'-25'15,"0"1"-15,0 0 16,-24 24 0,-1 0-1,25 24-15,-24-24 16,0 24-16,-1 1 0,1-1 15,-1 1-15,1-1 0,-1 1 16,25-1-16,0 0 16,0 1-16,0-1 0,25-24 15,-1 25-15,1-25 16,-1 24-16,25-24 0,0 25 16,0-25-16,0 0 0,-1 24 15,1-24-15,0 24 16,0-24-16,0 25 0,-25-25 15,1 24-15,-25 1 16,-25-1-16,1 0 16,-1 1-16,1-25 0,-1 24 15,-23-24-15,23 25 16,1-25-16,-1 0 0,1 0 16</inkml:trace>
+  <inkml:trace contextRef="#ctx0" brushRef="#br0" timeOffset="1032">1367 221 0,'25'0'0,"-1"-25"16,1 25-1,-1 0-15,0 0 0,25 0 16,0 0-16,0 0 15,0 0-15,0 0 0,-1-24 16</inkml:trace>
+  <inkml:trace contextRef="#ctx0" brushRef="#br0" timeOffset="1476">2246 245 0,'0'25'16,"-24"-25"-1,0 24 1,-1-24-16,1 25 16,-1-1-16,1 0 0,0 1 15,-1 24-15,25-25 16,-24 25-16,24 0 0,-25-25 15,25 1-15,0-1 0,25 0 16,-25 1-16,24-1 16,1-24-16,-1 25 0,0-25 15,25 0-15,0 0 0,-25-25 16,25 25-16,-24-24 16,24-1-16,-25 1 0,0 0 15,1-25-15,-1 24 16,-24 1-16,0-25 0,0 25 15,-24-25-15,24 24 0,-25 1 16,1-25-16,0 49 16,-1-24-16,1-1 0,-1 25 15,1 0-15,-1 0 0,1 25 16,0-25-16,24 24 16,-25-24-16</inkml:trace>
+  <inkml:trace contextRef="#ctx0" brushRef="#br0" timeOffset="1758">2881 416 0,'-24'0'0,"24"25"15,24-25 1,1 0-16,-1-25 16,25 25-16,-24 0 15,-1 0-15,25 0 0,-25-24 16,25 24-16,-24 0 0,-1 0 16,0 0-16,1-25 15</inkml:trace>
+  <inkml:trace contextRef="#ctx0" brushRef="#br0" timeOffset="2358">3785 221 0,'0'-25'0,"25"25"16,-25-24-1,0 0-15,0-1 16,0 1 0,0-1-16,0 1 0,-25 24 15,25-25-15,0 1 0,-24 24 16,-1 0-16,1 0 15,-1 24-15,-23 1 16,23-1-16,1 25 16,-25-24-16,24 23 0,-23 1 15,23-24-15,25-1 0,-24 25 16,24-25-16,0 1 16,24-1-16,1 1 15,-1-25-15,0 0 16,25 0-16,-24 0 0,24 0 15,-25-25-15,0 25 0,25-24 16,-24-1-16,-25 1 16,24 0-16,-24-1 0,25 1 15,-25-1-15,24 1 16,-24-1-16,24 1 0,-24 0 16,25-1-16,-1 25 15,1 0-15,-25 25 16,24-1-16,-24 0 15,0 1-15,0 24 16,0 0-16,25-1 0,-25 1 16,0 0-16,0 0 0,0-25 15,0 25-15,24-24 16,-24 24-16,0-25 0,0 0 16,24 1-16</inkml:trace>
+  <inkml:trace contextRef="#ctx0" brushRef="#br0" timeOffset="3021">4713 294 0,'-24'0'15,"24"-24"-15,0-1 16,0 1-16,0-1 0,24 1 16,-24 0-16,0-25 15,0 24-15,0 1 0,0-1 16,0 1-16,-24 24 15,-25 0-15,25 0 16,-25 24-16,0-24 16,0 25-16,-24-1 0,24 25 15,0-24-15,0-1 0,25 0 16,-1 25-16,1-24 16,24-1-16,0 1 0,0-1 15,0 0-15,0 1 0,24-25 16,1 24-16,-1 1 15,25-25-15,-25 0 0,1 0 16,24 0-16,0 0 16,-25 0-16,25 0 0,0-25 15,-25 25-15,1-24 0,-1-1 16,0 25-16,1-24 16,-1 0-16,-24-1 0,25-24 15,-25 25-15,24-1 16,-24 1-16,24 0 15,-24 48 1,25 0 0,-25 1-16,0 24 0,0-25 15,0 25-15,0 0 16,0-25-16,0 25 0,0 0 16,24 0-16,-24-25 0,0 25 15,25-24-15,-25 23 16,0-23-16,24-1 0,-24 1 15</inkml:trace>
+  <inkml:trace contextRef="#ctx0" brushRef="#br0" timeOffset="3636">5348 319 0,'-24'-25'0,"-1"1"15,1-1-15,24 1 16,-25-1-16,25 1 16,0 0-16,0-1 15,0 1-15,0-1 0,25 1 16,-1 0-1,1-1-15,-1 25 0,1 0 16,-1 0-16,25 0 16,-25 0-16,1 0 0,-1 0 15,25 25-15,-25-25 0,1 24 16,-1 0-16,-24 1 16,0 24-16,0-25 0,0 25 15,-24-25-15,-1 25 0,1 0 16,-25-25-16,25 25 15,-25 0-15,24-24 0,-23 23 16,23-23-16,1-1 0,-1 1 16,25-1-16,-24-24 15,24 24-15,-25-24 0,25 25 16,25-25 15,-1 0-15,1 0-16,-1 0 0,25 0 15,0 0-15,0 0 0,0 0 16,-25 0-16,25-25 16,0 25-16,-25 0 0,1 0 15,-1 0-15,0 0 0,1 0 16,-1 0 0,1 0-16,-1 0 15,1 0-15,-1 0 16,0 0-16</inkml:trace>
+  <inkml:trace contextRef="#ctx0" brushRef="#br0" timeOffset="3985">6179 294 0,'-25'0'16,"1"0"-16,-1 0 0,25-24 16,25 24-1,-1-25 1,1 25-16,23 0 0,-23 0 15,-1-24-15,25 24 16,-24 0-16,-1 0 0,0 0 16,1 0-16,-1 0 15,1 0-15,-1 0 16,1 0-16,-25 24 0,24-24 16,-24 25-1</inkml:trace>
+  <inkml:trace contextRef="#ctx0" brushRef="#br0" timeOffset="4224">6325 490 0,'-24'24'16,"48"-24"15,1 0-31,-1 0 15,0 0-15,1 0 0,24 0 16,-25-24-16,25 24 16,0 0-16,0-25 0,-1 25 15,-23 0-15,-1 0 0,1-24 16,-1 24-16</inkml:trace>
+</inkml:ink>
+</file>
+
+<file path=ppt/ink/ink223.xml><?xml version="1.0" encoding="utf-8"?>
+<inkml:ink xmlns:inkml="http://www.w3.org/2003/InkML">
+  <inkml:definitions>
+    <inkml:context xml:id="ctx0">
+      <inkml:inkSource xml:id="inkSrc0">
+        <inkml:traceFormat>
+          <inkml:channel name="X" type="integer" max="1920" units="cm"/>
+          <inkml:channel name="Y" type="integer" max="1080" units="cm"/>
+          <inkml:channel name="T" type="integer" max="2.14748E9" units="dev"/>
+        </inkml:traceFormat>
+        <inkml:channelProperties>
+          <inkml:channelProperty channel="X" name="resolution" value="55.81395" units="1/cm"/>
+          <inkml:channelProperty channel="Y" name="resolution" value="55.6701" units="1/cm"/>
+          <inkml:channelProperty channel="T" name="resolution" value="1" units="1/dev"/>
+        </inkml:channelProperties>
+      </inkml:inkSource>
+      <inkml:timestamp xml:id="ts0" timeString="2020-12-17T07:46:45.965"/>
+    </inkml:context>
+    <inkml:brush xml:id="br0">
+      <inkml:brushProperty name="width" value="0.05" units="cm"/>
+      <inkml:brushProperty name="height" value="0.05" units="cm"/>
+      <inkml:brushProperty name="fitToCurve" value="1"/>
+    </inkml:brush>
+  </inkml:definitions>
+  <inkml:trace contextRef="#ctx0" brushRef="#br0">246 73 0,'24'0'15,"-73"-24"1,25 24 0,-1 0-1,25-25 1,-24 1 31,-1 24-32,50 0 63,-1 0-78,1 0 16,24 0-16,-25 24 0,25-24 16,0 0-16,0 0 15,-1 0-15,1 0 0,-24 0 16,-1 0-16,1 0 0,-1 0 16,0 0-16,-48 0 31,0 0-16,-1 0-15,1 0 16</inkml:trace>
+  <inkml:trace contextRef="#ctx0" brushRef="#br0" timeOffset="960">0 98 0,'25'0'47,"-25"24"31,0 1-78,0-1 15,0 0-15,0 1 0,0-1 16,0 1-16,0-1 16,0 1-16,0-1 15,0 0-15,24 1 16,-24-1-16,25-24 15,-25 25 1,24-25 0,0 0 62,-24-25-78,25 25 47,-25-24-32,24 24-15,1 0 16,-25-25 0,24 25-16,1 0 15,-1 0-15,0 0 0,1-24 16,-1 24-16,1 0 0,-1 0 15,1 0-15,-1 0 16,0 0-16,1 24 0,-1-24 16,1 0-16,-1 25 0,1-25 15,-1 24 1,0 1-16,1-1 16,-25 1-1,0-1-15,0 0 16,0 1-16,0-1 15,-25 1 1,1-1 0,24 1-16,-24-25 0,-1 24 15,1-24-15,-1 24 0,1-24 16,-25 25-16,25-25 0,-25 24 16,24-24-16,-24 0 15,25 25-15,0-25 0,-25 0 16,24 0-16,1 0 15,-1 0-15,1 0 0,0 0 16,24-25-16,-25 25 16,25-24-1,-24 24-15,24-25 16,0 1 0,24 0-1</inkml:trace>
+  <inkml:trace contextRef="#ctx0" brushRef="#br0" timeOffset="1962">1075 537 0,'0'-24'0,"-24"24"16,24-24 0,-25 24-16,1-25 15,-1 25 1,1 0-1,-1 25 1,1-1-16,0 0 16,24 1-16,-25-1 15,1 1 1,24-1-16,0 0 0,0 1 16,24-25-1,-24 24-15,25-24 0,-1 25 16,0-25-16,1 0 0,24 0 15,-25 0-15,1 0 16,-1 0-16,0 0 0,25 0 16,-24 0-16,-25-25 15,24 25-15,1-24 0,-25-1 16,24 1-16,-24 0 16,0-1-1,-24 1-15,-1 24 0,25-25 16,-24 1-16,-1 0 15,1 24-15,-1-25 0,1 1 16,0 24-16,-1-25 0,1 1 16,-1-1-1,1 1-15,-1 24 0,25-24 16,-24 24-16,24-25 16,-24 1-16,-1-1 15,25 1-15,0-1 16,0 1-1,25 24-15,-1 0 16,0 0-16,1-24 16,-1 24-16,1 0 0,-1 0 15,1 0-15,-1 0 16,0 0-16,1 0 16,-1 0-16,1 24 15,-1-24-15,1 24 16,-1 1-1,-24-1-15,0 1 16,0-1-16,0 1 16,-24-25-16,24 24 0,-25 0 15,1 1-15,-1-25 16,1 24-16,24 1 0,-25-25 16,1 24-16,0-24 15,24 25-15</inkml:trace>
+  <inkml:trace contextRef="#ctx0" brushRef="#br0" timeOffset="2736">1979 366 0,'0'-24'16,"24"24"-16,-24-24 16,0-1-1,0 1 1,-24 24-16,24-25 0,-25 25 16,25-24-16,-24 24 15,-1 0-15,1 0 0,0-25 16,-1 25-16,1 0 15,-1 0-15,1 25 0,-1-25 16,1 0-16,0 24 16,-1 1-16,1-25 0,-1 24 15,1 1-15,24-1 16,-25-24-16,25 24 16,0 1-16,25-25 15,-25 24-15,24-24 0,1 25 16,-1-25-16,1 24 15,23-24-15,-23 0 0,24 25 16,-25-25-16,25 0 16,0 24-16,-25-24 0,25 0 15,-25 24-15,1-24 0,-1 25 16,1-25-16,-25 24 16,24-24-16,-24 25 0,0-1 15,0 0 1,0 1-16,-24-25 15,-1 24-15,1-24 0,-1 0 16,1 25-16,0-25 16,-25 0-16,24 0 0,-23 0 15,23 0-15,-24 0 16,0 0-16,25-25 0,-25 25 16,25 0-16,-1-24 0,1 24 15,-1 0-15,1-25 16,24 1-16</inkml:trace>
+  <inkml:trace contextRef="#ctx0" brushRef="#br0" timeOffset="3336">1808 98 0,'-25'-25'15,"25"50"32,0-1-31,0 1-16,0-1 16,0 0-16,0 1 15,0-1-15,0 1 0,0-1 16,0 1-16,0-1 15,0 25-15,0-25 0,0 1 16,0-1-16,0 1 16,0 23-16,0-23 0,0-1 15,0 1-15,0 23 0,0-23 16,0-1-16,-24 1 16,24-1-16,0 25 0,0-25 15,0 1-15,0-1 16,0 1-16,0-1 15,0 1-15,0-1 16,24-24-16,-24 24 16,25-24-1,-25-24 17,-25 24-32,25-24 15,-24 24-15</inkml:trace>
+</inkml:ink>
+</file>
+
+<file path=ppt/ink/ink224.xml><?xml version="1.0" encoding="utf-8"?>
+<inkml:ink xmlns:inkml="http://www.w3.org/2003/InkML">
+  <inkml:definitions>
+    <inkml:context xml:id="ctx0">
+      <inkml:inkSource xml:id="inkSrc0">
+        <inkml:traceFormat>
+          <inkml:channel name="X" type="integer" max="1920" units="cm"/>
+          <inkml:channel name="Y" type="integer" max="1080" units="cm"/>
+          <inkml:channel name="T" type="integer" max="2.14748E9" units="dev"/>
+        </inkml:traceFormat>
+        <inkml:channelProperties>
+          <inkml:channelProperty channel="X" name="resolution" value="55.81395" units="1/cm"/>
+          <inkml:channelProperty channel="Y" name="resolution" value="55.6701" units="1/cm"/>
+          <inkml:channelProperty channel="T" name="resolution" value="1" units="1/dev"/>
+        </inkml:channelProperties>
+      </inkml:inkSource>
+      <inkml:timestamp xml:id="ts0" timeString="2020-12-17T07:46:53.033"/>
+    </inkml:context>
+    <inkml:brush xml:id="br0">
+      <inkml:brushProperty name="width" value="0.05" units="cm"/>
+      <inkml:brushProperty name="height" value="0.05" units="cm"/>
+      <inkml:brushProperty name="fitToCurve" value="1"/>
+    </inkml:brush>
+  </inkml:definitions>
+  <inkml:trace contextRef="#ctx0" brushRef="#br0">119 122 0,'0'-24'0,"-25"24"16,1 0 0,24-24-1,-24 24-15,-1 0 31,50 0 16,-1 0-31,0 0 0,1 0-16,-1 0 0,25 0 15,0 0-15,0-25 0,0 25 16,24 0-16,-24-24 15,24 24-15,-24 0 0,24-25 16,-24 25-16,0 0 16,-25 0-16,1 0 0,-1 0 15,1 0-15,-50 0 32,1 0-32</inkml:trace>
+  <inkml:trace contextRef="#ctx0" brushRef="#br0" timeOffset="385">21 245 0,'-24'0'16,"48"0"-1,1 0 1,-1 0-16,0 0 16,1-25-16,-1 25 0,1 0 15,24 0-15,-1-24 16,1 24-16,0 0 0,24-25 15,1 25-15,-1-24 16,-24 24-16,24 0 0,0-25 16,-24 25-16,0 0 15,-25 0-15,1 0 0,-1 0 16,-48 0 0,-1 0-16,1 0 15</inkml:trace>
+</inkml:ink>
+</file>
+
+<file path=ppt/ink/ink225.xml><?xml version="1.0" encoding="utf-8"?>
+<inkml:ink xmlns:inkml="http://www.w3.org/2003/InkML">
+  <inkml:definitions>
+    <inkml:context xml:id="ctx0">
+      <inkml:inkSource xml:id="inkSrc0">
+        <inkml:traceFormat>
+          <inkml:channel name="X" type="integer" max="1920" units="cm"/>
+          <inkml:channel name="Y" type="integer" max="1080" units="cm"/>
+          <inkml:channel name="T" type="integer" max="2.14748E9" units="dev"/>
+        </inkml:traceFormat>
+        <inkml:channelProperties>
+          <inkml:channelProperty channel="X" name="resolution" value="55.81395" units="1/cm"/>
+          <inkml:channelProperty channel="Y" name="resolution" value="55.6701" units="1/cm"/>
+          <inkml:channelProperty channel="T" name="resolution" value="1" units="1/dev"/>
+        </inkml:channelProperties>
+      </inkml:inkSource>
+      <inkml:timestamp xml:id="ts0" timeString="2020-12-17T07:47:49.562"/>
+    </inkml:context>
+    <inkml:brush xml:id="br0">
+      <inkml:brushProperty name="width" value="0.05" units="cm"/>
+      <inkml:brushProperty name="height" value="0.05" units="cm"/>
+      <inkml:brushProperty name="fitToCurve" value="1"/>
+    </inkml:brush>
+  </inkml:definitions>
+  <inkml:trace contextRef="#ctx0" brushRef="#br0">171 73 0,'24'0'31,"1"0"1,-1 0-1,-24 24-16,0 1 17,-24-1-1,-1 1-15,1-1-1,24 1 1,-25-25-16,25 24 15,0 0 17,-24-24-17,24 25 1,24-25 0,1 0-16,-1 24 31,1 1-16,-1-1 1,-24 1 0,0-1-16,-24-24 15,24 24-15,-25-24 16,1 0-16,-1 25 0,1-25 16,0 24-16,-1-24 15,1 0-15,-1 0 16,1 0-16</inkml:trace>
+  <inkml:trace contextRef="#ctx0" brushRef="#br0" timeOffset="333">98 0 0,'24'0'0,"0"24"31,-24 1-15,0-1-16,25 0 0,-25 25 15,0-24-15,0 24 0,-25-1 16,25 1-16,-24 0 15,24 0-15,0 0 0,-24 0 16,24 0-16,0-25 16,-25 25-16,25-25 0,0 1 15,0-1-15,0 0 0,0 1 16</inkml:trace>
+</inkml:ink>
+</file>
+
+<file path=ppt/ink/ink226.xml><?xml version="1.0" encoding="utf-8"?>
+<inkml:ink xmlns:inkml="http://www.w3.org/2003/InkML">
+  <inkml:definitions>
+    <inkml:context xml:id="ctx0">
+      <inkml:inkSource xml:id="inkSrc0">
+        <inkml:traceFormat>
+          <inkml:channel name="X" type="integer" max="1920" units="cm"/>
+          <inkml:channel name="Y" type="integer" max="1080" units="cm"/>
+          <inkml:channel name="T" type="integer" max="2.14748E9" units="dev"/>
+        </inkml:traceFormat>
+        <inkml:channelProperties>
+          <inkml:channelProperty channel="X" name="resolution" value="55.81395" units="1/cm"/>
+          <inkml:channelProperty channel="Y" name="resolution" value="55.6701" units="1/cm"/>
+          <inkml:channelProperty channel="T" name="resolution" value="1" units="1/dev"/>
+        </inkml:channelProperties>
+      </inkml:inkSource>
+      <inkml:timestamp xml:id="ts0" timeString="2020-12-17T07:48:05.125"/>
+    </inkml:context>
+    <inkml:brush xml:id="br0">
+      <inkml:brushProperty name="width" value="0.05" units="cm"/>
+      <inkml:brushProperty name="height" value="0.05" units="cm"/>
+      <inkml:brushProperty name="fitToCurve" value="1"/>
+    </inkml:brush>
+  </inkml:definitions>
+  <inkml:trace contextRef="#ctx0" brushRef="#br0">0 244 0,'25'0'0,"-1"0"16,1 0-16,-1 0 0,25 0 15,0 0-15,24-24 16,-24 24-16,24 0 0,0-25 15,-24 25-15,25 0 0,-1 0 16,0-24-16,0 24 16,25 0-16,-25 0 0,1 0 15,23 0-15,1-24 16,0 24-16,-1 0 0,26-25 16,-1 25-16,0-24 0,24 24 15,-24-25-15,25 25 16,0-24-16,-25 24 0,0-25 15,0 25-15,0 0 16,-24-24-16,-1 24 0,1 0 16,-25 0-16,1 0 0,-26 0 15,26 0-15,-25 0 16,-1 0-16,1 0 0,0 24 16,0-24-16,0 0 15,0 0-15,-25 0 0,25 25 16,0-25-16,-25 0 0,1 24 15,23-24-15,-23 0 16,-1 0-16,1 25 16</inkml:trace>
+</inkml:ink>
+</file>
+
+<file path=ppt/ink/ink227.xml><?xml version="1.0" encoding="utf-8"?>
+<inkml:ink xmlns:inkml="http://www.w3.org/2003/InkML">
+  <inkml:definitions>
+    <inkml:context xml:id="ctx0">
+      <inkml:inkSource xml:id="inkSrc0">
+        <inkml:traceFormat>
+          <inkml:channel name="X" type="integer" max="1920" units="cm"/>
+          <inkml:channel name="Y" type="integer" max="1080" units="cm"/>
+          <inkml:channel name="T" type="integer" max="2.14748E9" units="dev"/>
+        </inkml:traceFormat>
+        <inkml:channelProperties>
+          <inkml:channelProperty channel="X" name="resolution" value="55.81395" units="1/cm"/>
+          <inkml:channelProperty channel="Y" name="resolution" value="55.6701" units="1/cm"/>
+          <inkml:channelProperty channel="T" name="resolution" value="1" units="1/dev"/>
+        </inkml:channelProperties>
+      </inkml:inkSource>
+      <inkml:timestamp xml:id="ts0" timeString="2020-12-17T07:47:59.928"/>
+    </inkml:context>
+    <inkml:brush xml:id="br0">
+      <inkml:brushProperty name="width" value="0.05" units="cm"/>
+      <inkml:brushProperty name="height" value="0.05" units="cm"/>
+      <inkml:brushProperty name="fitToCurve" value="1"/>
+    </inkml:brush>
+  </inkml:definitions>
+  <inkml:trace contextRef="#ctx0" brushRef="#br0">0 347 0,'25'0'16,"-1"0"-1,1-24 1,-1 24-16,1 0 0,-1 0 16,0 0-1,25 0-15,-24 0 0,-1 0 16,25 0-16,-25 24 16,25-24-16,0 0 0,-25 0 15,25 25-15,0-25 0,0 0 16,24 0-16,-24 0 15,0 0-15,24 0 0,-24 0 16,24 0-16,-24 0 16,24 0-16,-24 0 0,25 0 15,-1 0-15,-24 0 0,24 0 16,0 0-16,1 0 16,-1 0-16,0 0 0,0 0 15,1 0-15,23-25 16,-23 25-16,-1 0 0,24-24 15,-23 24-15,-1 0 0,25-25 16,-25 25-16,25-24 16,-25 24-16,25 0 0,-25-24 15,25 24-15,-25-25 16,25 25-16,-25 0 0,25-24 16,-1 24-16,-24 0 0,25 0 15,0 0-15,-25-25 16,25 25-16,0 0 0,-1 0 15,1-24-15,0 24 16,-1 0-16,1-25 0,0 25 16,24 0-16,-25-24 0,1 24 15,24 0-15,-24-24 16,24 24-16,98-25 16,-98 25-16,0 0 15,0-24-15,25 24 0,-25 0 16,-24 0-16,24 0 0,-25-25 15,1 25-15,0 0 16,0 0-16,-25 0 0,0 0 16,0 0-16,1 0 15,-26 0-15,1 0 0,0 0 16,-24 0-16,23 0 0,-23 0 16,-1 0-16,1 0 15</inkml:trace>
+  <inkml:trace contextRef="#ctx0" brushRef="#br0" timeOffset="1248">220 1007 0,'0'-25'0,"-24"25"16,24-24-16,0-1 15,-25 50 17,25-1-17,-24 1-15,24-1 16,0 25-16,0-25 0,0 25 16,0-24-16,0 23 15,0-23-15,24-1 0,1 25 16,-25-24-16,24-1 0,1 0 15,-1 1-15,1-25 16,-1 24-16,0-24 16,1 0-16,24 0 0,-25 0 15,0 0-15,1-24 0,24 24 16,-25-25-16,-24 1 0,25 0 16,-1-25-16,-24 24 15,0-24-15,24 25 0,-24 0 16,0-25-16,0 24 15,0 1-15,0-1 0,0 50 32,25-1-17,-25 1-15,24-1 16,-24 1-16,25-1 16,-25 0-16,24 1 0,-24-1 15,25 1-15,-25-1 0,24-24 16,-24 25-16,24-25 15,1 24-15,-1-24 16,1 0-16,-1 0 16,0 0-16,1-24 0,-25-1 15,24 25-15,1-24 0,-25-1 16,24-24-16,-24 25 16,0-25-16,0 0 0,0 0 15,0 25-15,-24-25 16,24 0-16,-25 0 0,25 25 15,-24 0-15,24-1 0,-25 25 16,25 25 15,0-1-31,0 0 16,0 1-16,0-1 0,25 1 16,-25-1-16,0 1 15</inkml:trace>
+  <inkml:trace contextRef="#ctx0" brushRef="#br0" timeOffset="1530">1222 1080 0,'24'0'47,"-24"24"-31,24-24-16,-24 25 15,25-1-15,-25 1 16,0-1-16,0 0 0,24 1 16,-24-1-1,0 1-15,0-1 16,0 1-16</inkml:trace>
+  <inkml:trace contextRef="#ctx0" brushRef="#br0" timeOffset="1735">1197 787 0,'0'-25'16,"0"50"31,25-25-31</inkml:trace>
+  <inkml:trace contextRef="#ctx0" brushRef="#br0" timeOffset="2024">1539 714 0,'0'-25'0,"0"50"31,0-1-15,24 0-16,1 1 0,-25-1 15,24 25-15,1 0 16,-25-25-16,24 25 0,-24 0 16,25 0-16,-25 0 0,0-25 15,0 25-15,0-25 16,0 1-16,0-1 0,0 1 15</inkml:trace>
+  <inkml:trace contextRef="#ctx0" brushRef="#br0" timeOffset="2695">1441 1055 0,'-24'0'0,"48"0"16,1 0 0,-1 0-1,1 0-15,24 0 0,-25-24 16,25 24-16,-25 0 0,25-24 16,-25 24-16,1-25 15,-1 25-15,1 0 0,-25-24 16,24 24-16,-24-25 0,0 1 31,0-1-31,-24 1 16,24 0-1,-25-1-15,25 1 16,-24-1 0,48 25-1,-24 25-15,25-1 16,-25 1-16,24 23 15,1-23-15,-1 24 0,-24 0 16,24-1-16,-24-23 0,0 24 16,0-25-16,0 25 15,25-25-15,-25 1 0,0-1 16,0 1 0,0-1-16,24-24 15,-24-24-15,0-1 16,25-24-1,-25 25-15,0-25 0,24 25 16,-24-25-16,25 0 16,-1 25-16,-24-1 0,24 1 15,1 24-15,-1 0 0,1 0 16,-1 0-16,0 24 16,1 25-16,-1-25 15,-24 1-15,25-1 16,-25 1-16,24 24 0,-24-25 15,0 0-15,0 1 16,0-1-16,0 1 0,0-1 16,-24-24-16,24 25 0</inkml:trace>
+  <inkml:trace contextRef="#ctx0" brushRef="#br0" timeOffset="3499">2492 933 0,'24'0'31,"-24"25"-15,24-25-16,-24 24 15,25 1-15,-25-1 16,24 0-16,-24 25 0,25-24 16,-25-1-16,0 1 15,0-1-15,0 0 16,0 1-16,0-1 16,0-48 15,0-1-31,0 1 15,0 0-15,-25-25 16,25 24-16,0-24 0,0 1 16,0-1-16,0 0 15,0 25-15,0-25 0,0 24 16,25 1-16,-1-1 16,1 25-16,-1 0 15,0 25-15,1-25 0,-1 24 16,1 1-16,-1-25 15,1 24-15,-25 1 0,24-1 16,0 0-16,-24 1 16,0-1-16,25 1 0,-25-1 15,0 0-15,0 1 0,0-1 16,0 1-16,-25-25 16,25 24-16,0 1 15,-24-25 1,24-25-1,0 1-15,0-1 16,0 1-16,-24-25 16,24 25-16,0-25 0,0 24 15,0-23-15,24 23 0,-24 1 16,24-1-16,1 1 16,-1 24-16,-24-25 0,25 25 15,-1 0-15,0 25 16,1-25-16,-1 24 0,1 1 15,-1-1-15,-24 1 0,25-1 16,-25 0-16,24 1 16,-24-1-16,0 1 0,24-1 15,-24 0-15,0 1 16,0-1-16,0 1 0,0-1 16,0 1-16,-24-1 0,24 0 15,0 1-15</inkml:trace>
+  <inkml:trace contextRef="#ctx0" brushRef="#br0" timeOffset="4027">3395 665 0,'25'0'16,"-25"-25"-16,24 25 15,-24 25 1,25-1-16,-25 1 16,0-1-16,0 0 15,0 25-15,0-24 0,24-1 16,-24 25-16,0-25 15,0 1-15,0-1 0,0 1 16,0 23-16,0-23 16,0-1-16,0 1 0,24-1 15,-24 1-15,0-1 0,25 0 16,-25 1-16,0-1 16,24 1-1,1-25 32,-1-25-31,0 25-16,1 0 15,-1 0-15,1-24 16,-1 24-16,1 0 16,-1 0-16,0 0 0,1-25 15,-1 25-15,1 0 16,-25-24-1</inkml:trace>
+  <inkml:trace contextRef="#ctx0" brushRef="#br0" timeOffset="4412">3981 811 0,'25'0'31,"-1"0"-16,1 0 1,-1 0-16,0 0 0,1 0 16,-1 0-16,25-24 0,-24 24 15,23 0-15,1 0 16,-24 0-16,24 0 0,-25 0 16,0 0-16,1 0 15,-1 0-15,-48 0 31,-1 0-15</inkml:trace>
+</inkml:ink>
+</file>
+
+<file path=ppt/ink/ink228.xml><?xml version="1.0" encoding="utf-8"?>
+<inkml:ink xmlns:inkml="http://www.w3.org/2003/InkML">
+  <inkml:definitions>
+    <inkml:context xml:id="ctx0">
+      <inkml:inkSource xml:id="inkSrc0">
+        <inkml:traceFormat>
+          <inkml:channel name="X" type="integer" max="1920" units="cm"/>
+          <inkml:channel name="Y" type="integer" max="1080" units="cm"/>
+          <inkml:channel name="T" type="integer" max="2.14748E9" units="dev"/>
+        </inkml:traceFormat>
+        <inkml:channelProperties>
+          <inkml:channelProperty channel="X" name="resolution" value="55.81395" units="1/cm"/>
+          <inkml:channelProperty channel="Y" name="resolution" value="55.6701" units="1/cm"/>
+          <inkml:channelProperty channel="T" name="resolution" value="1" units="1/dev"/>
+        </inkml:channelProperties>
+      </inkml:inkSource>
+      <inkml:timestamp xml:id="ts0" timeString="2020-12-17T07:48:24.977"/>
+    </inkml:context>
+    <inkml:brush xml:id="br0">
+      <inkml:brushProperty name="width" value="0.05" units="cm"/>
+      <inkml:brushProperty name="height" value="0.05" units="cm"/>
+      <inkml:brushProperty name="fitToCurve" value="1"/>
+    </inkml:brush>
+  </inkml:definitions>
+  <inkml:trace contextRef="#ctx0" brushRef="#br0">392 560 0,'0'24'47,"25"-24"-31,-1 0-1,1 0 1,-1 0 0,0 0-16,1 0 15,-1 0-15,1 0 16,-1-24-16,0 24 15,1 0-15,-1 0 16,1 0-16,-1 0 16,1 0-16,-1 0 0,0 0 15,1 0-15,-1 0 0,1 0 16,-1 0 0,1 0-16,-1 0 0,0 0 15,1 0-15,-1 0 16,1 0-16,-1 0 0,0 0 15,1 0-15,-1 0 0,1 0 16,-1 0-16,25-25 16,-25 25-16,1 0 0,-1 0 15,1 0-15,24 0 16,-25 0-16,0 0 0,1 0 16,-1 0-16,1 0 15,-1 0-15,1 0 16,-1 0-16,0 0 0,1 0 15,-1 0 1,1 0-16,-1 0 0,1 0 16,-1 0-16,0 0 0,1 0 15,-1 0-15,1 0 16,-1 0-16,0 0 0,1 0 16,-1 0-16,1 0 15,-1 0-15,1 0 0,-1 0 16,0 0-16,1 0 0,24 0 15,-25 0-15,1 0 16,-1 0-16,0 0 0,1 25 16,-1-25-1,1 0-15,-1 0 0,0 0 16,1 0-16,-1 0 0,1 0 16,-1 0-16,1 0 15,-1 0-15,0 0 0,25 0 16,-24 24-16,-1-24 0,1 0 15,23 0-15,-23 0 16,-1 0-16,1 0 0,24 0 16,-25 0-16,0 0 15,1 0-15,-1 0 0,1 0 16,-1 0-16,1 0 16,-1 0-1,0 0-15,1 0 0,-1 0 16,1 0-16,-1 0 15,0 0-15,1 0 0,24 0 16,-25 0-16,1 0 0,-1 25 16,0-25-1,1 0-15,-1 0 16,1 0 0,-1 0-16,-24 24 15,25-24-15,-1 0 0,0 0 16,1 0-16,-1 0 15,1 0-15,-1 0 16,0 25 0,1-25-16,-1 0 15,1 0 17,-1 0-32,1 0 15,-1 0 1,0 0-16,1 0 15,-1 0-15,1 0 16,-1 0-16,1 0 0,-1 0 16,0 0-16,1 0 15,-1 0-15,1 0 16,-1 0-16,1 0 16,-1 0-16,0 0 15,1 0-15,-1 0 16,1 0-16,-1 0 15,1 0-15,-1 0 16,0 0-16,1 0 16,-1 0-16,1 0 15,-1 0-15,0 0 16,1 0-16,-1 0 16,1 0-1,-1 0-15,1 0 16,-1 0-1,-24-25 1,24 25 0,1 0-1,-1 0 1,1 0 0,-1 0 15,1 0 0,-25-24 0,24 24 1,-24-25-17,0 1 16,24 24-15,-24-25-16,0 1 16,0 0-1,0-1-15,0 1 16,25-1 0,-25 1-1,0-1-15,0 1 16,0 0-1,0-1-15,0 1 16,24-1 0,-24 1-16,0 0 15,0-1 1,0 1 0,0-1 15,0 1-16,0-1 1,0 1 15,-24 24-15,24-24 0,-25 24 15,1 0 16,0 0-16,-1 0-15,1 0-1,-1 0-15,1 0 16,-1 0-16,1 0 15,0 0 1,-1 0-16,1 0 0,-1 0 16,-24 0-16,25 0 15,0 0-15,-1 0 0,-24 0 16,25 0-16,0 0 16,-25 0-16,24 0 0,-24 0 15,25 0-15,-25 0 0,25 0 16,-1 0-16,-24 0 0,25 0 15,0 0-15,-25 0 16,24 0-16,1 24 0,-1-24 16,1 0-16,-25 0 15,25 0-15,-1 0 0,1 0 16,-25 0-16,25 0 0,-1 0 16,1 24-16,-1-24 15,1 0-15,-25 0 0,25 0 16,-1 0-16,1 0 15,-1 0-15,-23 0 0,23 0 16,1 0-16,-1 0 0,1 0 16,-1 0-16,1 0 15,0 0-15,-1 0 0,1 0 16,-1 0-16,-23 0 16,23 0-16,-24 0 0,25 0 15,-25 0-15,25 0 0,-25 0 16,24 0-16,-24 0 15,25 0-15,0 0 0,-25 0 16,24 0-16,1 0 16,-1 0-16,-23 0 0,23 0 15,1 0-15,-1 0 0,1 0 16,-25 0-16,25 0 16,-1 0-16,-24 0 0,25 0 15,0 0-15,-1 0 16,-24 0-16,25 0 0,-1 0 15,-23 0-15,23 0 0,1 0 16,-1 0-16,1 0 16,-25 0-16,25 0 0,-1 0 15,1 0-15,-1 0 16,1 0-16,0 0 0,-1 0 16,1 0-16,-1 0 0,1 0 15,-1 0-15,1 0 16,0 0-16,-1 0 0,1 0 15,-1 0-15,1 0 16,-1 0-16,1 0 0,0 0 16,-1 0-16,1 0 0,-1 0 15,1 0-15,-1 0 16,1 0-16,0 0 0,-1 0 16,1 0-1,-1 0-15,1 0 0,-1 0 16,1 0-16,0 0 0,-1 0 15,1 0 1,-1 0-16,1 0 0,0 0 16,-1 0-16,1 0 15,-1 0-15,1 0 0,-1 0 16,1 0-16,0 0 0,-1 0 16,1 0-16,-1 0 15,1 0-15,-1 25 0,1-25 16,0 0-16,-1 0 0,-24 0 15,25 24-15,0-24 16,-1 0-16,-24 0 0,25 0 16,-1 25-16,1-25 15,0 0-15,-1 0 0,1 0 16,-1 0 0,1 0-16,-1 0 15,1 0-15,0 0 16,-1 0-1,1 0 1,-1 0 0,1 0 46,24 24-46,0 1-1,0-1 1,0 0 0,0 1-16,0-1 15,0 1-15,0-1 16,0 0 0,0 1-16,0-1 15,0 1-15,0-1 16,0 1-16,0-1 15,0 0-15,0 1 32,-25-1-32,25 1 31,0-1-15,0 1-1,25-25 1,-1 0 15,1 0-31,-1 0 16,1-25-16,-1 25 15,0 0-15,1 0 16,24-24-16,0 24 0,-25 0 16,25 0-16,-25 0 15,25-25-15,-24 25 0,-1 0 16,0 0-16,1 0 0,-1 0 15,1 0 1,-1 0-16,0 25 16,1-25-1,-1 0-15,1 0 16,-1 0 0,1 0-1</inkml:trace>
+</inkml:ink>
+</file>
+
+<file path=ppt/ink/ink229.xml><?xml version="1.0" encoding="utf-8"?>
+<inkml:ink xmlns:inkml="http://www.w3.org/2003/InkML">
+  <inkml:definitions>
+    <inkml:context xml:id="ctx0">
+      <inkml:inkSource xml:id="inkSrc0">
+        <inkml:traceFormat>
+          <inkml:channel name="X" type="integer" max="1920" units="cm"/>
+          <inkml:channel name="Y" type="integer" max="1080" units="cm"/>
+          <inkml:channel name="T" type="integer" max="2.14748E9" units="dev"/>
+        </inkml:traceFormat>
+        <inkml:channelProperties>
+          <inkml:channelProperty channel="X" name="resolution" value="55.81395" units="1/cm"/>
+          <inkml:channelProperty channel="Y" name="resolution" value="55.6701" units="1/cm"/>
+          <inkml:channelProperty channel="T" name="resolution" value="1" units="1/dev"/>
+        </inkml:channelProperties>
+      </inkml:inkSource>
+      <inkml:timestamp xml:id="ts0" timeString="2020-12-17T07:48:47.387"/>
+    </inkml:context>
+    <inkml:brush xml:id="br0">
+      <inkml:brushProperty name="width" value="0.05" units="cm"/>
+      <inkml:brushProperty name="height" value="0.05" units="cm"/>
+      <inkml:brushProperty name="fitToCurve" value="1"/>
+    </inkml:brush>
+  </inkml:definitions>
+  <inkml:trace contextRef="#ctx0" brushRef="#br0">115 6 0,'-49'0'0,"24"0"16,1 0-16,-1 0 15,50 0 1,-1 0-16,1 0 15,-1 0-15,1 0 16,23 0-16,-23 0 0,-1 0 16,1 0-16,-1 0 15,1 0-15,-25 25 16</inkml:trace>
+  <inkml:trace contextRef="#ctx0" brushRef="#br0" timeOffset="181">66 177 0,'-25'25'16,"25"-1"0,25-24-1,-1 0 1,1 0-16,-1 0 16,25 0-16,-25 0 0,25 0 15,-24 0-15,23 0 0,-23 0 16,-1 0-16</inkml:trace>
 </inkml:ink>
 </file>
 
@@ -3865,6 +5298,335 @@
 </inkml:ink>
 </file>
 
+<file path=ppt/ink/ink230.xml><?xml version="1.0" encoding="utf-8"?>
+<inkml:ink xmlns:inkml="http://www.w3.org/2003/InkML">
+  <inkml:definitions>
+    <inkml:context xml:id="ctx0">
+      <inkml:inkSource xml:id="inkSrc0">
+        <inkml:traceFormat>
+          <inkml:channel name="X" type="integer" max="1920" units="cm"/>
+          <inkml:channel name="Y" type="integer" max="1080" units="cm"/>
+          <inkml:channel name="T" type="integer" max="2.14748E9" units="dev"/>
+        </inkml:traceFormat>
+        <inkml:channelProperties>
+          <inkml:channelProperty channel="X" name="resolution" value="55.81395" units="1/cm"/>
+          <inkml:channelProperty channel="Y" name="resolution" value="55.6701" units="1/cm"/>
+          <inkml:channelProperty channel="T" name="resolution" value="1" units="1/dev"/>
+        </inkml:channelProperties>
+      </inkml:inkSource>
+      <inkml:timestamp xml:id="ts0" timeString="2020-12-17T07:48:45.528"/>
+    </inkml:context>
+    <inkml:brush xml:id="br0">
+      <inkml:brushProperty name="width" value="0.05" units="cm"/>
+      <inkml:brushProperty name="height" value="0.05" units="cm"/>
+      <inkml:brushProperty name="fitToCurve" value="1"/>
+    </inkml:brush>
+  </inkml:definitions>
+  <inkml:trace contextRef="#ctx0" brushRef="#br0">684 110 0,'0'-24'0,"-24"24"16,-1-25-16,1 25 0,0-24 15,-1 24-15,-24 0 0,25-25 16,-25 25-16,25 0 0,-1 0 16,1 0-16,-1 0 15,1 0-15,0 25 0,-25-1 16,24 1-16,1-1 16,-25 25-16,25 0 0,-1 0 15,1 0-15,-1-1 0,1 26 16,-1-25-16,25-1 15,0 1-15,0-24 0,25 24 16,-1-25-16,1 0 16,24 1-16,-25-1 0,25-24 15,0 0-15,0 0 0,-1 0 16,26-24-16,-26-1 16</inkml:trace>
+  <inkml:trace contextRef="#ctx0" brushRef="#br0" timeOffset="426">733 403 0,'25'-24'0,"-50"48"62,25 1-46,0-1-16,-24 1 16,24-1-16,0 0 0,0 1 15,24-1-15,-24 1 16,25-1-16,-1 1 0,0-25 16,1 24-16,-1-24 15,1 0-15,-1 0 16,1-24-16,-1 24 0,0-25 15,-24 1-15,25-1 16,-25 1-16,0-1 16,-25 1-16,25 0 0,-24-1 15,0 25-15,24-24 16,-25-1-16,1 25 0,-1 0 16,1 0-1,24 25-15,-25-25 16,25 24-16,0 1 15</inkml:trace>
+  <inkml:trace contextRef="#ctx0" brushRef="#br0" timeOffset="917">1515 354 0,'24'0'0,"1"0"16,-25-24 0,24 24-16,-24-24 0,0-1 15,-24 1 17,-1 24-32,1 0 0,-1 0 15,1 0-15,-25 0 0,25 24 16,-25-24-16,24 25 15,-24-25-15,25 24 0,24 0 16,-24 1-16,24-1 16,0 1-16,0-1 15,24 1-15,0-25 0,1 24 16,-1-24-16,25 24 16,-24-24-16,23 0 0,-23 0 15,24 25-15,-25-25 16,25 0-16,-25 24 0,1-24 15,-1 0-15,1 25 0,-25-1 32,0 1-32,-25-25 15,1 24-15,-25-24 16,25 0-16,-25 24 0,24-24 16,-24 0-16,25 25 0,-25-25 15,25 0-15,-1 0 16,25-25-16,-24 25 0</inkml:trace>
+  <inkml:trace contextRef="#ctx0" brushRef="#br0" timeOffset="1283">1979 12 0,'0'-24'0,"0"48"47,0 1-31,0 24-1,0-25-15,0 1 0,24 23 16,-24 1-16,0 0 0,0-24 15,0 23-15,0 1 16,25 0-16,-25-24 0,0-1 16,24 0-16,-24 25 15,24-49-15,-24 25 0,25-25 16,-1 24-16,1-24 0,-1 0 16,1 0-1,-1-24-15,-24-1 16</inkml:trace>
+  <inkml:trace contextRef="#ctx0" brushRef="#br0" timeOffset="1488">1954 281 0,'-24'0'16,"-1"0"-16,1 0 0,0 25 15,-1-25-15,50 0 31,-1 0-31,0 0 16,1 0-16,-1 0 16,25 0-16,-24 0 0,-1-25 15,25 25-15,-25 0 0,1 0 16</inkml:trace>
+</inkml:ink>
+</file>
+
+<file path=ppt/ink/ink231.xml><?xml version="1.0" encoding="utf-8"?>
+<inkml:ink xmlns:inkml="http://www.w3.org/2003/InkML">
+  <inkml:definitions>
+    <inkml:context xml:id="ctx0">
+      <inkml:inkSource xml:id="inkSrc0">
+        <inkml:traceFormat>
+          <inkml:channel name="X" type="integer" max="1920" units="cm"/>
+          <inkml:channel name="Y" type="integer" max="1080" units="cm"/>
+          <inkml:channel name="T" type="integer" max="2.14748E9" units="dev"/>
+        </inkml:traceFormat>
+        <inkml:channelProperties>
+          <inkml:channelProperty channel="X" name="resolution" value="55.81395" units="1/cm"/>
+          <inkml:channelProperty channel="Y" name="resolution" value="55.6701" units="1/cm"/>
+          <inkml:channelProperty channel="T" name="resolution" value="1" units="1/dev"/>
+        </inkml:channelProperties>
+      </inkml:inkSource>
+      <inkml:timestamp xml:id="ts0" timeString="2020-12-17T07:48:54.793"/>
+    </inkml:context>
+    <inkml:brush xml:id="br0">
+      <inkml:brushProperty name="width" value="0.05" units="cm"/>
+      <inkml:brushProperty name="height" value="0.05" units="cm"/>
+      <inkml:brushProperty name="fitToCurve" value="1"/>
+    </inkml:brush>
+  </inkml:definitions>
+  <inkml:trace contextRef="#ctx0" brushRef="#br0">49 0 0,'-25'0'31,"50"0"-15,-1 0 0,0 0-1,1 0-15,-1 0 0,1 0 16,24 0-16,-25 25 0,0-25 16,1 24-16</inkml:trace>
+  <inkml:trace contextRef="#ctx0" brushRef="#br0" timeOffset="199">0 293 0,'0'25'16,"24"-25"0,1 0-1,23 24-15,-23-24 16,-1 0-16,25 0 15,-24 0-15,-1-24 0,25 24 16,-25 0-16,1 0 16,-1 0-16</inkml:trace>
+</inkml:ink>
+</file>
+
+<file path=ppt/ink/ink232.xml><?xml version="1.0" encoding="utf-8"?>
+<inkml:ink xmlns:inkml="http://www.w3.org/2003/InkML">
+  <inkml:definitions>
+    <inkml:context xml:id="ctx0">
+      <inkml:inkSource xml:id="inkSrc0">
+        <inkml:traceFormat>
+          <inkml:channel name="X" type="integer" max="1920" units="cm"/>
+          <inkml:channel name="Y" type="integer" max="1080" units="cm"/>
+          <inkml:channel name="T" type="integer" max="2.14748E9" units="dev"/>
+        </inkml:traceFormat>
+        <inkml:channelProperties>
+          <inkml:channelProperty channel="X" name="resolution" value="55.81395" units="1/cm"/>
+          <inkml:channelProperty channel="Y" name="resolution" value="55.6701" units="1/cm"/>
+          <inkml:channelProperty channel="T" name="resolution" value="1" units="1/dev"/>
+        </inkml:channelProperties>
+      </inkml:inkSource>
+      <inkml:timestamp xml:id="ts0" timeString="2020-12-17T07:48:53.576"/>
+    </inkml:context>
+    <inkml:brush xml:id="br0">
+      <inkml:brushProperty name="width" value="0.05" units="cm"/>
+      <inkml:brushProperty name="height" value="0.05" units="cm"/>
+      <inkml:brushProperty name="fitToCurve" value="1"/>
+    </inkml:brush>
+  </inkml:definitions>
+  <inkml:trace contextRef="#ctx0" brushRef="#br0">0 342 0,'0'-24'16,"24"24"30,1 24-46,-25 1 16,24-1-16,-24 1 16,25 23-16,-25 1 0,24 0 15,-24 0-15,0 24 0,24-24 16,-24 0-16,0 24 16,0-24-16,0 0 0,25-25 15,-25 25-15,0-24 16,0-1-16,0 0 0</inkml:trace>
+  <inkml:trace contextRef="#ctx0" brushRef="#br0" timeOffset="595">1148 562 0,'24'0'0,"1"-24"16,-25-1-16,24 1 16,-24-1-16,0 1 15,0 0-15,-24-1 0,24 1 16,-25-1-16,1 1 0,-1 24 15,-24-25-15,25 25 16,-25 0-16,0 0 0,25 25 16,-49-1-16,48 1 15,-24-1-15,1 25 0,-1-25 16,24 1-16,1 24 0,-1-25 16,1 1-16,24-1 15,0 0-15,0 1 0,0-1 16,24 1-1,1-25-15,24 0 0,0 0 16,-1 0-16,1 0 0,0 0 16,24 0-16,-24 0 15,0 0-15,0 24 0,0-24 16,0 24-16,-25-24 0,0 25 16,1-1-16,-1 1 15,-24-1-15,25 1 0,-25-1 16,-25 0-1,1 1-15,-25-25 0,25 24 16,-25-24-16,0 25 0,0-25 16,0 0-16,0 0 15,1 0-15,-1 0 0,0 0 16,0-25-16,25 25 16,-25-24-16,24-1 0,1 25 15</inkml:trace>
+  <inkml:trace contextRef="#ctx0" brushRef="#br0" timeOffset="947">928 0 0,'24'0'32,"-24"25"-32,0-1 0,25 1 15,-25 23-15,24 1 16,-24 0-16,25 0 0,-25 24 16,0 1-16,24-1 0,-24 0 15,0 0-15,0 1 16,0-1-16,0 0 0,0 0 15,0-24-15,0 25 16,-24-26-16,24 1 0,0-24 16,0 24-16,0-25 0,0 0 15,0 1-15,24-25 16</inkml:trace>
+</inkml:ink>
+</file>
+
+<file path=ppt/ink/ink233.xml><?xml version="1.0" encoding="utf-8"?>
+<inkml:ink xmlns:inkml="http://www.w3.org/2003/InkML">
+  <inkml:definitions>
+    <inkml:context xml:id="ctx0">
+      <inkml:inkSource xml:id="inkSrc0">
+        <inkml:traceFormat>
+          <inkml:channel name="X" type="integer" max="1920" units="cm"/>
+          <inkml:channel name="Y" type="integer" max="1080" units="cm"/>
+          <inkml:channel name="T" type="integer" max="2.14748E9" units="dev"/>
+        </inkml:traceFormat>
+        <inkml:channelProperties>
+          <inkml:channelProperty channel="X" name="resolution" value="55.81395" units="1/cm"/>
+          <inkml:channelProperty channel="Y" name="resolution" value="55.6701" units="1/cm"/>
+          <inkml:channelProperty channel="T" name="resolution" value="1" units="1/dev"/>
+        </inkml:channelProperties>
+      </inkml:inkSource>
+      <inkml:timestamp xml:id="ts0" timeString="2020-12-17T07:48:50.906"/>
+    </inkml:context>
+    <inkml:brush xml:id="br0">
+      <inkml:brushProperty name="width" value="0.05" units="cm"/>
+      <inkml:brushProperty name="height" value="0.05" units="cm"/>
+      <inkml:brushProperty name="fitToCurve" value="1"/>
+    </inkml:brush>
+  </inkml:definitions>
+  <inkml:trace contextRef="#ctx0" brushRef="#br0">464 244 0,'24'-24'15,"-24"48"32,0 1-47,0-1 16,0 0 0,0 1-16,-24-1 15,24 1-15,-25-1 0,1-24 16,-1 0-16,1 25 15,0-25-15,-1 0 0,1 0 16,-1 0-16,1 0 16,-1-25-16,1 25 0,0-24 15,-1-1-15,25 1 0,0-1 16,-24 1-16,24 0 16,0-1-16,0-24 0,24 25 15,-24 0-15,25-1 16,-25 1-16,48 24 0,-23 0 15,-1 0-15,25 0 0,0 24 16,-25-24-16,25 49 16,0-25-16,-25 1 0,1 24 15,-1-1-15,-24-23 16,0 24-16,0 0 0,0-1 16,-24 1-16,-25 0 0,25 0 15,-25 0-15,0-25 16,0 25-16,0-24 0,0-1 15,1 0-15,-1 1 16,24-25-16,1 24 0,-1-24 16,1 0-16,0-24 0,24-1 15,0 1 1,0 0-16,0-1 0,0 1 16,24-1-16,-24 1 0,24 24 15,1-25-15,-1 25 16,1 0-16,-1 0 0,25 25 15,-25-25-15,25 24 16,0 1-16,0-1 0,-25 1 16,25-1-16,-24 0 15,23 1-15,-23-1 0,-1 1 16,1-25-16,-25 24 0,24-24 16</inkml:trace>
+  <inkml:trace contextRef="#ctx0" brushRef="#br0" timeOffset="816">1367 220 0,'0'-25'0,"25"1"16,-25 0-16,-25 24 15,1 0-15,-25 0 16,25 0-16,-1 0 16,-24 0-16,0 24 0,1-24 15,-1 0-15,0 0 16,0 0-16,0 0 0,0 0 15,25 0-15,0 0 0,-1 0 16,1 0-16,24 24 47,24-24-47,-24 25 16,0-1-16,25-24 0,-25 25 15,0 23-15,0-23 16,24-1-16,-24 1 0,0-1 15,0 1-15,0-1 0,0 0 16,0 1-16,0-1 16,0 1-16,0-1 0,0 1 15,0-1 1,0 0 0,-24-24-1,48 0 16,-24-24-31,24 24 16,1-24-16,-1 24 0,1-25 16,-1 1-16,1 24 0,23-25 15,-23 25-15,24-24 16,-25 24-16,25 0 0,-25 24 16,1-24-16,24 25 15,-25-1-15,0 1 0,1-25 16,-1 24-16,1 0 0,-1 1 15,-24-1-15,25 1 16,-25-1-16,0 1 0,0-1 16,-25 0-16,1-24 15,-1 25-15,-24-1 0,25-24 16,-25 25-16,25-25 0,-25 24 16,0-24-16,25 0 15,-25 0-15,24 0 0,1 0 16,-25 0-16,25 0 15,-1-24-15,1 24 16,-1 0-16</inkml:trace>
+  <inkml:trace contextRef="#ctx0" brushRef="#br0" timeOffset="1529">2076 513 0,'-25'0'0,"1"0"15,-1 0-15,1 0 0,-1 0 16,1 24-16,0 1 16,-25-1-16,24 1 0,1-1 15,24 0-15,-24 25 0,24-24 16,0 24-16,0-25 16,0 0-16,24 25 0,0-24 15,25-1-15,-24-24 16,23 25-16,-23-1 0,24-24 15,0 0-15,-25 0 0,25 0 16,-25 0-16,25-24 16,-24 24-16,-25-25 0,24 1 15,-24-1-15,0 1 16,0-1-16,-24 1 0,-1 0 16,1-1-16,-25-24 15,0 25-15,0-25 0,-24 25 16,24-1-16,0-24 0,0 25 15,1-1-15,23 1 16,1 0-16,24-1 0,0 1 16,0-1-16,24 1 15,1-1 1,-1 1-16,0 0 0,1-1 16,24 25-16,-25-24 15,0 24-15,1-25 0,-1 25 16,1 0-16,-1 25 0,1-1 15,-1 1 1,-24-1-16,24 25 0,-24-25 16,0 50-1,25-26-15,-25-23 0,0 24 16,0-25-16,0 1 0,0-1 16,0 0-16,-25 1 15,25-1-15,-24 1 0</inkml:trace>
+  <inkml:trace contextRef="#ctx0" brushRef="#br0" timeOffset="1937">2588 171 0,'0'-24'16,"-24"-1"-1,24 1-15,24 24 16,1 24-16,-1 1 15,1-1-15,24 0 0,-1 25 16,-23-24-16,24 48 16,0-24-16,-1 0 0,1-1 15,0 1-15,0 0 0,-25 0 16,25-25-16,-24 25 16,-1-24-16,0-1 0,1 1 15,-25-1-15,24 0 16,-24 1-16,0-50 15,0 1 1</inkml:trace>
+  <inkml:trace contextRef="#ctx0" brushRef="#br0" timeOffset="2267">3028 0 0,'-24'0'0,"24"24"15,0 1 1,0 24-16,0-25 0,-25 25 16,25 0-16,-24 24 15,-1-24-15,1 24 0,0-24 16,-1 24-16,-24-24 0,25 24 15,-25-24-15,25 0 16,-1 0-16,1-25 0,-1 25 16,25-24-16,-24-1 15,24 0-15,-25-24 0,25 25 16,0-1-16,0-48 31,25-1-31</inkml:trace>
+</inkml:ink>
+</file>
+
+<file path=ppt/ink/ink234.xml><?xml version="1.0" encoding="utf-8"?>
+<inkml:ink xmlns:inkml="http://www.w3.org/2003/InkML">
+  <inkml:definitions>
+    <inkml:context xml:id="ctx0">
+      <inkml:inkSource xml:id="inkSrc0">
+        <inkml:traceFormat>
+          <inkml:channel name="X" type="integer" max="1920" units="cm"/>
+          <inkml:channel name="Y" type="integer" max="1080" units="cm"/>
+          <inkml:channel name="T" type="integer" max="2.14748E9" units="dev"/>
+        </inkml:traceFormat>
+        <inkml:channelProperties>
+          <inkml:channelProperty channel="X" name="resolution" value="55.81395" units="1/cm"/>
+          <inkml:channelProperty channel="Y" name="resolution" value="55.6701" units="1/cm"/>
+          <inkml:channelProperty channel="T" name="resolution" value="1" units="1/dev"/>
+        </inkml:channelProperties>
+      </inkml:inkSource>
+      <inkml:timestamp xml:id="ts0" timeString="2020-12-17T07:48:55.718"/>
+    </inkml:context>
+    <inkml:brush xml:id="br0">
+      <inkml:brushProperty name="width" value="0.05" units="cm"/>
+      <inkml:brushProperty name="height" value="0.05" units="cm"/>
+      <inkml:brushProperty name="fitToCurve" value="1"/>
+    </inkml:brush>
+  </inkml:definitions>
+  <inkml:trace contextRef="#ctx0" brushRef="#br0">205 760 0,'-25'0'16,"1"0"-16,24-25 0,-24 25 16,24-24-1,-25 24-15,25-24 0,-24-1 16,24 1-16,0-1 15,0 1 1,-25-25-16,25 25 0,0-1 16,0-24-16,25 25 0,-25-1 15,24 1-15,1 0 16,-1 24-16,25 0 0,-25 0 16,1 0-16,24 0 15,-25 24-15,25 25 0,-25-25 16,1 25-16,-1 0 15,-24 24-15,0-24 0,0 0 16,0 0-16,-24 0 0,-1 0 16,-24-1-16,25 1 15,-25-24-15,0 23 0,25-23 16,-25-1-16,25 1 16,-25-1-16,24 1 0,1-25 15,-1 0-15,50 0 31,-1 0-31,1 0 16,-1 0-16,1 0 16,23 0-16,1 0 0,0 0 15,0 0-15,24 0 0,-24 24 16,0-24-16,0 24 16,0-24-16,0 0 0,-25 25 15,25-25-15,-25 0 0,1 0 16,-1 0-16,0 0 15,1-25 1</inkml:trace>
+  <inkml:trace contextRef="#ctx0" brushRef="#br0" timeOffset="767">1230 516 0,'24'-25'0,"0"25"16,1-24-16,-1 24 16,-24-25-16,0 1 15,-24 24 1,-1 0-16,1 0 0,0 0 15,-1 0-15,-24 0 16,25 0-16,-25 0 0,25 0 16,-1 0-16,-24 24 0,25-24 15,0 25-15,-1-25 16,1 24-16,24 1 16,-25-25-16,25 24 15,0 0-15,25 1 16,-25-1-16,24 1 15,1-1 1,-1 1 0,-24-1-16,24-24 15,-24 24-15,25 1 16,-25-1-16,0 1 0,24-1 16,-24 1-1,0-1-15,0 0 16,25-24 15,-1-24 0,1 24-31,-1-24 16,0 24-16,1-25 16,-1 25-16,1-24 0,-1 24 15,25-25-15,-25 25 0,1 0 16,-1 0-16,1 25 15,-1-25-15,0 24 0,1 1 16,-25-1-16,24 0 16,-24 1-16,0-1 0,0 1 15,0-1-15,0 0 0,-24 25 32,-1-24-32,1-25 15,0 24-15,-1-24 0,-24 0 0,0 0 16,25 25-16,-25-25 15,25 0-15,-25 0 0,25 0 16,-1-25-16,1 25 16,24-24-16</inkml:trace>
+  <inkml:trace contextRef="#ctx0" brushRef="#br0" timeOffset="1409">1987 735 0,'0'-24'16,"-25"24"0,1 0-1,24 24 1,-24-24-16,-1 25 0,1-1 15,-1 1 1,25-1-16,-24 0 0,24 25 16,0-24-16,0-1 0,0 25 15,24-25-15,-24 1 16,25-1-16,-1 1 0,25-1 16,-25-24-16,1 25 15,-1-25-15,25 0 0,-25 0 16,1 0-16,-1 0 0,1-25 15,-1 25-15,-24-24 16,25-1-16,-25 1 0,0-1 16,-25 1-16,1-25 15,24 25-15,-49-25 0,24 24 16,1-23-16,-25-1 0,0 0 16,25 0-16,0 25 15,-1-25-15,1 0 0,-1 25 16,25-1-16,0 1 15,0-1-15,0 1 0,25-1 16,-1 1-16,-24 0 0,25-1 16,-1 25-16,25-24 15,-25 24-15,1-25 0,-1 25 16,25 0-16,-25 25 0,1-25 16,-1 24-16,1 1 15,-1 23-15,-24-23 0,24 24 16,-24 0-16,0-25 15,-24 25-15,0 0 0,-1 0 16,1-1-16,-1 1 16,1-24-16,-1-1 0,1 0 15,0 1-15</inkml:trace>
+  <inkml:trace contextRef="#ctx0" brushRef="#br0" timeOffset="1950">3135 614 0,'24'-24'15,"1"-1"-15,-1 1 16,0 0-16,1-1 0,-25-24 15,0 25-15,0-1 0,-25 1 16,1 0-16,0-1 16,-25 25-16,24-24 0,-24 24 15,25 0-15,-25 24 16,0 1-16,25-1 0,-1 0 16,1 25-16,0-24 0,-1-1 15,1 25-15,24-25 16,0 25-16,0-24 0,0-1 15,24 1-15,-24-1 16,25 0-16,-1 1 0,25-25 16,-25 24-16,25 1 0,0-25 15,0 24-15,0-24 16,0 24-16,-25-24 0,25 25 16,0-25-16,-25 24 15,0-24-15,1 25 0,-1-1 16,-24 1-16,-24-1 15,-1-24 1,-23 24-16,23-24 0,-24 0 16,1 25-16,-1-25 15,24 0-15,-24 0 0,1 0 16,23-25-16,1 25 0,-1-24 16,1 0-16,-1-1 15</inkml:trace>
+  <inkml:trace contextRef="#ctx0" brushRef="#br0" timeOffset="2285">3037 27 0,'0'-24'0,"24"24"31,-24 24-15,0 1-16,25-1 16,-25 25-16,24 0 0,-24-1 15,25 1-15,-25 25 0,0-1 16,24 0-16,-24 25 16,0-25-16,0 0 0,0 1 15,-24-25-15,24 24 0,0-24 16,-25-1-16,25 1 15,0 0-15,0-24 0,0-1 16,0 0-16,0 1 16,0-1-16,0 1 0</inkml:trace>
+</inkml:ink>
+</file>
+
+<file path=ppt/ink/ink235.xml><?xml version="1.0" encoding="utf-8"?>
+<inkml:ink xmlns:inkml="http://www.w3.org/2003/InkML">
+  <inkml:definitions>
+    <inkml:context xml:id="ctx0">
+      <inkml:inkSource xml:id="inkSrc0">
+        <inkml:traceFormat>
+          <inkml:channel name="X" type="integer" max="1920" units="cm"/>
+          <inkml:channel name="Y" type="integer" max="1080" units="cm"/>
+          <inkml:channel name="T" type="integer" max="2.14748E9" units="dev"/>
+        </inkml:traceFormat>
+        <inkml:channelProperties>
+          <inkml:channelProperty channel="X" name="resolution" value="55.81395" units="1/cm"/>
+          <inkml:channelProperty channel="Y" name="resolution" value="55.6701" units="1/cm"/>
+          <inkml:channelProperty channel="T" name="resolution" value="1" units="1/dev"/>
+        </inkml:channelProperties>
+      </inkml:inkSource>
+      <inkml:timestamp xml:id="ts0" timeString="2020-12-17T07:49:13.294"/>
+    </inkml:context>
+    <inkml:brush xml:id="br0">
+      <inkml:brushProperty name="width" value="0.05" units="cm"/>
+      <inkml:brushProperty name="height" value="0.05" units="cm"/>
+      <inkml:brushProperty name="fitToCurve" value="1"/>
+    </inkml:brush>
+  </inkml:definitions>
+  <inkml:trace contextRef="#ctx0" brushRef="#br0">133 629 0,'-25'0'31,"1"0"48,24 25-17,24-25-46,1 0-1,-1 0 1,0 0-16,1 0 16,-1 0-16,25 0 15,-24 0-15,-1 0 0,0 0 16,1 0-16,-1 24 15,1-24-15,-1 0 0,25 0 16,-25 0-16,1 0 16,24 0-16,-25 0 0,1 0 15,-1 0-15,0 0 0,1 0 16,-1 0-16,1 0 16,-1 0-16,-24-24 0,24 24 15,1 0-15,-1 0 31,1 0 48,-25-25-1,0 1-63,0 0 1,0-1 0,0 1-16,0-1 0,0 1 15,0-1-15,-25 1 16,25 0-16,0-1 0,0 1 15,0-1-15,0 1 16,0 0-16,0-1 0,25 1 16,-25-1-1,0 1-15,0-1 16,0 1-16,0 0 16,0-1-1,0 1 1,0-1-1,-25 25 17,1 0-1,-1 0-15,1 0-1,0 0 1,-1 0-1,1 0-15,-1 0 16,1 0-16,0 0 16,-1 0-16,1-24 0,-1 24 15,-24 0-15,25 0 0,0 0 16,-25 0-16,24 0 16,1 0-16,-25 0 0,25 0 15,-1 0-15,1 0 16,-1 0-16,1 0 0,-1 0 15,1 0-15,0 0 0,-1 24 16,1-24 0,-1 0-1,1 0 17,24 25 77,0-1-93,0 1 15,0-1-31,0 0 15,0 1-15,0-1 16,0 1-16,0-1 16,0 1-16,0-1 15,-25 0-15,25 1 16,0-1-16,0 1 16,0-1-16,0 0 15,0 1-15,0-1 16,0 1-16,0-1 31,0 1-31,0-1 31,0 0 1,25-24-1,-1 0-16,1-24 1,-1 24-16,1 0 0,-1 0 16,0 0-16,1 0 15,-1-24-15,25 24 0,-24 0 16,-1 0-16,0 0 0,1 0 16</inkml:trace>
+</inkml:ink>
+</file>
+
+<file path=ppt/ink/ink236.xml><?xml version="1.0" encoding="utf-8"?>
+<inkml:ink xmlns:inkml="http://www.w3.org/2003/InkML">
+  <inkml:definitions>
+    <inkml:context xml:id="ctx0">
+      <inkml:inkSource xml:id="inkSrc0">
+        <inkml:traceFormat>
+          <inkml:channel name="X" type="integer" max="1920" units="cm"/>
+          <inkml:channel name="Y" type="integer" max="1080" units="cm"/>
+          <inkml:channel name="T" type="integer" max="2.14748E9" units="dev"/>
+        </inkml:traceFormat>
+        <inkml:channelProperties>
+          <inkml:channelProperty channel="X" name="resolution" value="55.81395" units="1/cm"/>
+          <inkml:channelProperty channel="Y" name="resolution" value="55.6701" units="1/cm"/>
+          <inkml:channelProperty channel="T" name="resolution" value="1" units="1/dev"/>
+        </inkml:channelProperties>
+      </inkml:inkSource>
+      <inkml:timestamp xml:id="ts0" timeString="2020-12-17T07:49:31.132"/>
+    </inkml:context>
+    <inkml:brush xml:id="br0">
+      <inkml:brushProperty name="width" value="0.05" units="cm"/>
+      <inkml:brushProperty name="height" value="0.05" units="cm"/>
+      <inkml:brushProperty name="fitToCurve" value="1"/>
+    </inkml:brush>
+  </inkml:definitions>
+  <inkml:trace contextRef="#ctx0" brushRef="#br0">0 26 0,'24'0'31,"1"0"-15,-1-24-1,0 24-15,1 0 16,-1 0-16,1 0 0,24 0 15,-25 0-15,0 0 16,1 24-16,-1-24 0,-24 25 16,25-25-16,-25 24 15,0 0-15,-25-24 0</inkml:trace>
+  <inkml:trace contextRef="#ctx0" brushRef="#br0" timeOffset="180">49 270 0,'0'25'0,"-25"-25"0,25 24 15,25-24 17,-1 0-17,0 0-15,1 0 0,-1 0 16,25 0-16,-24 0 16,23 0-16,-23 0 0,24-24 15,-25 24-15,25 0 0,-25 0 16</inkml:trace>
+</inkml:ink>
+</file>
+
+<file path=ppt/ink/ink237.xml><?xml version="1.0" encoding="utf-8"?>
+<inkml:ink xmlns:inkml="http://www.w3.org/2003/InkML">
+  <inkml:definitions>
+    <inkml:context xml:id="ctx0">
+      <inkml:inkSource xml:id="inkSrc0">
+        <inkml:traceFormat>
+          <inkml:channel name="X" type="integer" max="1920" units="cm"/>
+          <inkml:channel name="Y" type="integer" max="1080" units="cm"/>
+          <inkml:channel name="T" type="integer" max="2.14748E9" units="dev"/>
+        </inkml:traceFormat>
+        <inkml:channelProperties>
+          <inkml:channelProperty channel="X" name="resolution" value="55.81395" units="1/cm"/>
+          <inkml:channelProperty channel="Y" name="resolution" value="55.6701" units="1/cm"/>
+          <inkml:channelProperty channel="T" name="resolution" value="1" units="1/dev"/>
+        </inkml:channelProperties>
+      </inkml:inkSource>
+      <inkml:timestamp xml:id="ts0" timeString="2020-12-17T07:49:26.972"/>
+    </inkml:context>
+    <inkml:brush xml:id="br0">
+      <inkml:brushProperty name="width" value="0.05" units="cm"/>
+      <inkml:brushProperty name="height" value="0.05" units="cm"/>
+      <inkml:brushProperty name="fitToCurve" value="1"/>
+    </inkml:brush>
+  </inkml:definitions>
+  <inkml:trace contextRef="#ctx0" brushRef="#br0">247 196 0,'0'-25'0,"24"25"16,1 0-16,-1 0 15,0 0 1,1-24-16,-25-1 16,24 25-16,-24-24 15,-24 24 1,24-24-16,-25 24 0,1-25 15,0 25-15,24-24 16,-25 24-16,1 0 0,-25-25 16,24 25-16,1 0 0,0 0 15,-1 0-15,1 25 16,-1-1-16,1 1 16,24-1-16,0 25 15,-25-25-15,25 25 0,0-25 16,0 25-16,0-24 0,0-1 15,0 25-15,0-25 16,25 1-16,-25-1 16,24 1-1,1-25-15,-1 0 16,1 0-16,-1 0 0,0-25 16,1 25-16,-1-24 15,1-1-15,-1 25 0,-24-24 16,25 0-16,-25-1 15,24 1-15,-24-1 0,0 1 16,0-1 0,0 1-16,0 0 15,-24 24 1,24 24 0,0 0-1,0 1-15,-25 24 0,25-25 16,0 25-16,0 0 15,0-25-15,-24 25 0,24 0 16,0 0-16,0 0 0,0-25 16,0 25-16,0-25 15,-25 25-15,25-24 0,0-1 16,0 0-16,0 1 16,0-1-16,0 1 0,0-1 15,0 1 1,-24-25-1,24-25 1</inkml:trace>
+  <inkml:trace contextRef="#ctx0" brushRef="#br0" timeOffset="794">617 415 0,'-24'0'0,"24"-24"16,0 0-16,0-1 15,24 1 1,-24-1-16,25 25 0,-1-24 16,0-1-16,25 1 15,-24 24-15,-1-24 16,0 24-16,25 0 0,-24 0 16,-1 0-16,1 24 15,-1-24-15,0 24 0,1 1 16,-25 24-16,0-25 0,0 1 15,0 23-15,0-23 16,-25-1-16,25 1 0,-24 24 16,0-25-16,-1 0 15,1-24-15,-1 25 0,1-1 16,-1-24-16,1 25 0,0-25 16,-1 24-1,1-24-15,24-24 31,24-1-15,1 25-16,-1 0 16,0 0-1,25 0-15,-24 0 0,-1 0 16,25 0-16,-25 25 16,1-1-16,24 0 0,-25-24 15,1 49-15,-1-49 0,0 49 16,-24-24-16,25-1 15,-25 0-15,0 1 0,0-1 16,-25 1-16,1-25 16,0 24-16,-1 1 0,1-1 15,-1-24-15,1 24 0,-1-24 16,-23 0-16,23 0 16,1 0-16,-1 0 0,-24 0 15,25 0-15,0-24 16,-1 24-16,1 0 0,-1-24 15,1 24-15,0 0 16,-1 0-16,25-25 16,-24 25-16,48-24 31</inkml:trace>
+  <inkml:trace contextRef="#ctx0" brushRef="#br0" timeOffset="1243">1521 440 0,'0'-25'16,"0"1"-16,-25 24 15,25-24-15,0 48 32,25-24-32,-1 24 15,1 1-15,-1-1 0,0 1 16,1 24-16,24-25 0,-25 0 15,25 25-15,0-24 16,0 23-16,-1-23 0,-23-1 16,24 1-16,-25 24 15,1-25-15,-1-24 0,0 24 16,1 1-16,-1-25 0,-24 24 16,0 1-1,0-50 1,0 1-1,-24 24-15,24-49 16</inkml:trace>
+  <inkml:trace contextRef="#ctx0" brushRef="#br0" timeOffset="1567">1936 269 0,'-25'0'0,"1"24"32,24 1-32,0-1 15,0 1-15,0-1 16,0 0-16,-24 25 16,24-24-16,-25 24 0,25-25 15,-24 25-15,-1 0 0,1-25 16,0 25-16,-1 0 15,25-25-15,-24 25 0,-1-25 16,1 25-16,24-24 16,-25 24-16,25-25 0,-24 0 15,24 1-15,0-1 0,-24 1 16,48-25 0</inkml:trace>
+  <inkml:trace contextRef="#ctx0" brushRef="#br0" timeOffset="1969">2669 220 0,'-25'-24'0,"1"24"16,-1 24-1,25 0 1,0 1-16,0-1 15,25 25-15,-25-24 16,0 23-16,24 1 0,-24 0 16,0 0-16,0 0 0,0 0 15,0-1-15,25 1 16,-25-24-16,0-1 0,0 1 16,0-1-16,0 0 15,0 1-15</inkml:trace>
+  <inkml:trace contextRef="#ctx0" brushRef="#br0" timeOffset="2516">3182 293 0,'0'-24'15,"-25"24"1,1 0 0,-1 0-16,1 24 0,-1 1 15,1-25-15,0 24 16,-1 25-16,25-25 15,-24 25-15,24-24 0,0 24 16,0-1-16,0 1 16,0-24-16,0 24 0,24-25 15,1 0-15,-1 25 16,0-24-16,1-25 0,-1 24 16,1-24-16,24 24 0,-25-24 15,0 0-15,25-24 16,-24 0-16,-1 24 0,0-25 15,1-24-15,-1 25 0,-24-25 16,25 0-16,-25 0 16,0 1-16,-25-1 0,1 0 15,24 0-15,-25 0 16,1 25-16,0-1 0,-1 1 16,-24-1-16,25 25 0,0 0 15,-1 0-15,1 25 16,-1-25-16,1 24 15,-1 1-15,1-1 0,0-24 16,-1 25-16,25-1 0,-24 0 16</inkml:trace>
+  <inkml:trace contextRef="#ctx0" brushRef="#br0" timeOffset="3439">4403 391 0,'24'0'16,"-24"-24"-1,0-1 1,0 1 0,0-1-1,0 1-15,0-1 16,-24 25-16,24-24 15,-25 0-15,-24 24 0,25-25 16,0 25-16,-25-24 16,0 24-16,0 0 0,0 0 15,25 0-15,-25 24 0,0 1 16,0-25-16,25 24 16,-25 0-16,24 25 0,1-24 15,0-1-15,24 1 16,-25-1-16,25 0 0,0 1 15,0-1-15,25 1 0,-1-1 16,0 1-16,1-25 16,-1 24-16,1-24 0,24 0 15,-25 0-15,25 24 16,0-24-16,0 0 0,-1 0 16,1 0-16,-24 0 0,24 0 15,-1 0-15,1 25 16,-24-25-16,-1 0 0,1 24 15,-1-24-15,0 25 16,1-25-16,-25 24 0,0 1 16,0-1-16,-25 0 15,1-24 1,0 25-16,-1-1 0,1-24 16,-25 25-16,0-1 15,0-24-15,0 24 0,0-24 16,1 0-16,-1 0 0,0 0 15,0 0-15,25 0 16,-25 0-16,24 0 0,1-24 16,-1 24-16,1-24 15,0 24-15,24-25 0,-25 25 16,25-24-16,0-1 0,0 1 16</inkml:trace>
+  <inkml:trace contextRef="#ctx0" brushRef="#br0" timeOffset="3842">4012 73 0,'-25'0'0,"1"0"16,24 25 0,0-1-16,-24-24 15,24 25-15,0-1 0,0 1 16,0 23-16,0-23 16,0 24-16,0-25 0,0 25 15,0 24-15,0-24 0,0 0 16,0 0-16,24 24 15,-24-24-15,0 0 0,0 0 16,0-1-16,24 1 16,-24-24-16,0 24 0,0-1 15,25-23-15,-25-1 0,0 1 16,0-1-16,24 1 16,-24-1-16,0-48 31,25 24-31</inkml:trace>
+</inkml:ink>
+</file>
+
+<file path=ppt/ink/ink238.xml><?xml version="1.0" encoding="utf-8"?>
+<inkml:ink xmlns:inkml="http://www.w3.org/2003/InkML">
+  <inkml:definitions>
+    <inkml:context xml:id="ctx0">
+      <inkml:inkSource xml:id="inkSrc0">
+        <inkml:traceFormat>
+          <inkml:channel name="X" type="integer" max="1920" units="cm"/>
+          <inkml:channel name="Y" type="integer" max="1080" units="cm"/>
+          <inkml:channel name="T" type="integer" max="2.14748E9" units="dev"/>
+        </inkml:traceFormat>
+        <inkml:channelProperties>
+          <inkml:channelProperty channel="X" name="resolution" value="55.81395" units="1/cm"/>
+          <inkml:channelProperty channel="Y" name="resolution" value="55.6701" units="1/cm"/>
+          <inkml:channelProperty channel="T" name="resolution" value="1" units="1/dev"/>
+        </inkml:channelProperties>
+      </inkml:inkSource>
+      <inkml:timestamp xml:id="ts0" timeString="2020-12-17T07:49:32.078"/>
+    </inkml:context>
+    <inkml:brush xml:id="br0">
+      <inkml:brushProperty name="width" value="0.05" units="cm"/>
+      <inkml:brushProperty name="height" value="0.05" units="cm"/>
+      <inkml:brushProperty name="fitToCurve" value="1"/>
+    </inkml:brush>
+  </inkml:definitions>
+  <inkml:trace contextRef="#ctx0" brushRef="#br0">391 806 0,'25'-24'15,"-1"-1"1,-24 1-16,25 24 15,-25-24-15,0-1 16,24 1-16,-24-1 0,0 1 16,0-1-16,0-23 0,-24 23 15,24 1-15,-25-1 16,1 1-16,24 0 0,-25-1 16,1 1-16,-1 24 0,1 0 15,0 24-15,-25 1 16,24-1-16,1 0 0,0 1 15,-25 24-15,24-1 16,1-23-16,-1 24 0,1 0 16,24-25-16,-24 25 0,24-25 15,0 1-15,0-1 16,24 1-16,0-1 0,1 0 16,24-24-1,-25 0-15,1 0 0,23 0 16,-23 0-16,24-24 0,-25 24 15,25-24-15,-25-1 16,1 1-16,-1-1 0,1 1 16,-1-25-16,-24 25 15,24-25-15,-24 0 0,0 24 16,0-23-16,0 23 0,0 1 16,0-1-16,0 1 15,0 48 1,25 1-16,-25-1 15,0 25-15,0 0 0,0 0 16,0 0-16,0 24 0,0-24 16,0 0-16,0-1 15,24 1-15,-24 0 0,0 0 16,0 0-16,0-25 16,0 25-16,0-24 0,0-1 15,0 0-15,0 1 0,25-1 16,-1-24-1</inkml:trace>
+  <inkml:trace contextRef="#ctx0" brushRef="#br0" timeOffset="619">1002 660 0,'0'-25'0,"0"1"16,0 0-16,0-25 0,0 24 15,24-24-15,-24 1 16,25 23-16,-1-24 0,1 25 16,23-1-16,-23 25 0,-1-24 15,25 24-15,0 0 16,-25 24-16,25 1 0,0-1 15,-24 1-15,23-1 0,-23 25 16,-1-25-16,1 25 16,-1-24-16,-24 24 0,0-25 15,0 0-15,0 1 16,-24-1-16,-1 1 0,1-1 16,-25 0-16,25 1 0,-25-25 15,0 24-15,24 1 16,-23-25-16,23 0 0,1 24 15,-1-24-15,1 0 16,48 0 0,1 0-1,-1-24-15,1 24 16,-1 0-16,25 0 0,0 0 16,0 0-16,-1 24 0,1-24 15,-24 25-15,23-1 16,1-24-16,-24 24 0,24 1 15,-25-1-15,-24 1 16,24-25-16,-24 24 0,0 1 16,-24-1-16,0 0 0,-25 1 15,24-25-15,-24 24 16,25-24-16,-25 25 0,25-25 16,-1 0-16,1 0 15,0 0-15,-1-25 0,25 1 16,0-1-16,0 1 15</inkml:trace>
+  <inkml:trace contextRef="#ctx0" brushRef="#br0" timeOffset="1117">2296 513 0,'49'-24'0,"-24"24"0,-25-25 16,24 1-16,0 24 0,-24-24 16,-24 48 15,0-24-15,-1 24-16,1 25 0,24-24 15,-25 23-15,1-23 0,-1 24 16,1 0-16,24-1 15,0-23-15,0 24 0,0-25 16,24 1-16,1 23 16,-1-48-16,25 25 0,-24-1 15,23-24-15,1 0 0,0 0 16,0 0-16,0-24 16,-25 24-16,25-25 0,-24 1 15,-1 0-15,0-1 16,-24-24-16,0 25 0,0-25 15,0 0-15,-24 0 0,0 0 16,-1 25-16,1-25 16,-1 25-16,1-1 0,-1 1 15,1 24-15,0 0 16,-1 0-16,1 24 0,-1 1 16,1-1-16,-1 1 15,25-1 1,-24-24-16</inkml:trace>
+  <inkml:trace contextRef="#ctx0" brushRef="#br0" timeOffset="1664">3664 416 0,'24'-25'0,"1"1"16,-25-1-16,0 1 15,0-1-15,0 1 16,-25 0-16,1-1 16,0 1-16,-1 24 15,-24 0-15,25 0 0,-25 0 16,0 0-16,25 0 0,-25 24 15,25-24-15,-25 25 16,24-1-16,1 0 0,-1 1 16,25-1-1,0 1-15,0-1 0,0 1 16,0-1-16,25 0 16,-1 1-16,1-1 0,24 1 15,-1-1-15,1 0 0,0-24 16,0 25-16,0-1 15,0 1-15,-1-25 0,1 24 16,0 1-16,-24-1 0,-1-24 16,0 24-16,-24 1 15,-24-1 1,0-24-16,-1 25 16,-24-1-16,25-24 0,-25 0 15,25 25-15,-25-25 0,0 0 16,24 0-16,1 0 15,-25 0-15,25 0 0,-1-25 16,1 25-16,24-24 16,-24-1-16,-1 1 0</inkml:trace>
+  <inkml:trace contextRef="#ctx0" brushRef="#br0" timeOffset="2059">3517 98 0,'0'-24'16,"0"-1"-16,0 1 15,0-1 1,0 50 15,25-25-31,-25 24 16,0 1-16,0 23 0,24 1 15,-24-24-15,0 48 16,0-24-16,0 0 0,0 24 16,0-24-16,0 24 0,0 0 15,0-24-15,0 24 16,0-24-16,0 0 0,0 0 16,0 0-16,0-25 15,0 25-15,0-24 0,0-1 16,0 0-16,0 1 0,0-1 15,0 1 1,0-50 15,0 1-15</inkml:trace>
+</inkml:ink>
+</file>
+
+<file path=ppt/ink/ink239.xml><?xml version="1.0" encoding="utf-8"?>
+<inkml:ink xmlns:inkml="http://www.w3.org/2003/InkML">
+  <inkml:definitions>
+    <inkml:context xml:id="ctx0">
+      <inkml:inkSource xml:id="inkSrc0">
+        <inkml:traceFormat>
+          <inkml:channel name="X" type="integer" max="1920" units="cm"/>
+          <inkml:channel name="Y" type="integer" max="1080" units="cm"/>
+          <inkml:channel name="T" type="integer" max="2.14748E9" units="dev"/>
+        </inkml:traceFormat>
+        <inkml:channelProperties>
+          <inkml:channelProperty channel="X" name="resolution" value="55.81395" units="1/cm"/>
+          <inkml:channelProperty channel="Y" name="resolution" value="55.6701" units="1/cm"/>
+          <inkml:channelProperty channel="T" name="resolution" value="1" units="1/dev"/>
+        </inkml:channelProperties>
+      </inkml:inkSource>
+      <inkml:timestamp xml:id="ts0" timeString="2020-12-17T07:49:35.009"/>
+    </inkml:context>
+    <inkml:brush xml:id="br0">
+      <inkml:brushProperty name="width" value="0.05" units="cm"/>
+      <inkml:brushProperty name="height" value="0.05" units="cm"/>
+      <inkml:brushProperty name="fitToCurve" value="1"/>
+    </inkml:brush>
+  </inkml:definitions>
+  <inkml:trace contextRef="#ctx0" brushRef="#br0">0 562 0,'0'-24'0,"24"24"16,-24-25-16,25 1 15,-1 24 1,-24 24 0,0 1-16,-24 24 15,24-25-15,-25 25 0,25 0 16,0 0-16,0-1 15,-24 1-15,24 0 0,0 0 16,24 0-16,-24-25 16,25 1-16,-25 24 0,24-49 15,-24 24-15</inkml:trace>
+  <inkml:trace contextRef="#ctx0" brushRef="#br0" timeOffset="456">24 538 0,'0'-25'0,"0"1"16,25 24 0,-1 24-16,1 1 15,-1-1-15,0 1 16,25 24-16,-24-25 0,24 25 15,-1-25-15,1 25 16,0-25-16,0 25 0,0-24 16,0-1-16,-1 1 0,-23-25 15,24 24-15,-25-24 16,1 0-16,-25-24 16,24 24-16,-24-25 15,0 1-15,0-1 0,0-24 16,0 1-16,0-1 0,-24 0 15,24 0-15,0 0 16,0-24-16,0 24 0,-25 25 16,25-25-16,0 24 15,-24 50 1,24-1-16,0 1 16,-25-1-16,25 25 15,0-25-15,0 25 0,0-24 16,25 24-16,-1-25 15,-24 0-15,25 1 0,-1-1 16</inkml:trace>
+  <inkml:trace contextRef="#ctx0" brushRef="#br0" timeOffset="960">1099 782 0,'-24'0'0,"48"0"63,0 0-47,1 0-16,-1 0 15,1 0-15,24 0 0,-25 0 16,0-24-16,1 24 15,24-25-15,-49 1 0,24-1 16,0 25-16,-24-24 16,0-1-16,0 1 0,-24 0 15,24-1-15,-24 1 0,-1-1 16,1 25-16,-1-24 16,1 24-16,0 0 15,-1 0-15,1 24 16,-1 1-16,1-1 0,24 1 15,-25 23-15,25-23 0,0 24 16,0-25-16,0 25 16,0-25-16,25 25 0,-25-24 15,24-1-15,1 1 16,24-25-16,-25 0 0,0 24 16,1-24-16,24 0 0,-25 0 15,25-24-15,-25 24 16,1-25-16,24 1 0,-25-1 15,-24 1-15,24-1 16,1-23-16</inkml:trace>
+  <inkml:trace contextRef="#ctx0" brushRef="#br0" timeOffset="1241">1685 391 0,'25'-49'0,"-25"25"16,0-25-16,0 25 15,0-1-15,0 1 0,24 24 16,-48 24-1,24 1 1,0-1-16,0 1 0,-25 23 16,25 1-16,0-24 15,0 24-15,25-1 0,-25 1 16,24 0-16,-24-24 0,24 23 16,-24-23-16,25 24 15,-1-25-15,-24 0 0,25 25 16,-25-24-16,24-25 15,-24 24-15,0 1 0,25-25 16,-25 24-16,0-48 31</inkml:trace>
+  <inkml:trace contextRef="#ctx0" brushRef="#br0" timeOffset="1500">1685 513 0,'-49'-24'0,"25"24"16,-1 0-16,1 0 15,48 0 17,1 0-32,24 0 15,-25 0-15,25 0 16,-25 0-16,25 0 0,0 0 15,-25-24-15,25 24 0,-24 0 16,-1 0-16,1 0 16,-1 0-16,0-25 0,1 25 15</inkml:trace>
+  <inkml:trace contextRef="#ctx0" brushRef="#br0" timeOffset="1794">2515 562 0,'-24'0'15,"48"0"17,1 0-32,-1 0 15,25 0-15,-24 0 16,-1 0-16,25 0 0,-25 0 16,1 0-16,-1 0 15,-24 25-15</inkml:trace>
+  <inkml:trace contextRef="#ctx0" brushRef="#br0" timeOffset="1980">2564 782 0,'-24'0'0,"24"24"0,24-24 31,1 0-15,-1 0-16,1 0 0,-1 0 15,0-24-15,25 24 16,-24 0-16,-1 0 0,1-24 16,-1 24-16</inkml:trace>
+  <inkml:trace contextRef="#ctx0" brushRef="#br0" timeOffset="2634">3639 562 0,'0'-24'16,"0"-1"-1,24 25-15,-24-24 16,0 0-16,0-1 16,0 1-16,0-1 0,0 1 15,-24-1-15,24 1 0,-24-25 16,24 25-16,-25 24 16,25-25-16,-24 1 0,-1 24 15,1 24 1,-1-24-16,1 25 0,0-1 15,-1 25-15,-24-25 0,25 25 16,-1-24-16,25 24 16,-24-1-16,24-23 0,0-1 15,0 25-15,0-24 0,0-1 16,24-24-16,1 24 16,-25 1-16,24-25 0,1 0 15,24 0-15,-25 0 16,0-25-16,1 25 0,-1-24 15,-24 0-15,25-1 16,-25 1-16,24-1 0,-24 1 16,0-1-16,25-23 0,-25 23 15,0 1-15,24-1 16,-24 1 0,24 48-1,-24 1-15,0-1 0,0 25 16,0-25-16,0 25 0,0 0 15,0 0-15,0 0 16,0 0-16,0-25 0,0 25 16,0-25-16,0 1 15,0-1-15,0 1 0,25-25 16</inkml:trace>
+  <inkml:trace contextRef="#ctx0" brushRef="#br0" timeOffset="3246">3956 416 0,'0'-25'0,"0"1"15,0-1-15,25 1 0,-1 0 16,1 24-16,-1-25 15,1 1-15,-1 24 0,0-25 16,1 25-16,-1 0 0,1 0 16,-1 0-16,1 0 15,-1 0-15,-24 25 0,24-25 16,1 24-16,-1 1 16,-24-1-16,0 0 15,0 1-15,0-1 0,-24 1 16,-1-1-16,1 1 15,0-25-15,-1 24 0,-24-24 16,25 24-16,-1-24 16,1 25-16,0-25 0,-1 24 15,1-24-15,24 25 32,24-25-32,1 0 15,-1 0-15,0 0 16,1 0-16,24 0 0,-25 0 15,25 24-15,-25-24 0,25 25 16,-24-25-16,-1 24 16,1 0-16,-1 1 0,0-1 15,1 1 1,-25-1-16,0 0 0,-25 1 16,1-1-16,0-24 0,-1 25 15,-24-25-15,25 0 16,-25 24-16,0-24 0,0 0 15,25 0-15,-25 0 16,25 0-16,-1-24 0,1 24 16,-1-25-16,25 1 15,0-1-15</inkml:trace>
+  <inkml:trace contextRef="#ctx0" brushRef="#br0" timeOffset="3792">4762 391 0,'0'-24'0,"25"24"15,-1 0 16,-24 24-15,0 1 0,-24-1-16,24 1 15,-25 23-15,25-23 0,0 24 16,0-25-16,0 25 16,0-25-16,0 25 0,25-24 15,-25-1-15,24 0 0,1 1 16,-1-1-16,1-24 15,-1 0-15,25 0 0,-25 0 16,25 0-16,-25 0 16,1-24-16,24 24 0,-25-25 15,1 1-15,-1-25 0,-24 25 16,0-25-16,0 25 16,0-25-16,-24 0 0,-1 0 15,25 25-15,-24-25 0,-1 24 16,-24 1-16,25-1 15,0 25-15,-1 0 0,1 0 16,-1 0-16,-23 25 16,23-25-16,1 24 0,-1 1 15,1-1-15,-1 1 0,1-1 16,24 0-16,-24-24 16,24 25-16,0-1 0,24-24 15</inkml:trace>
+  <inkml:trace contextRef="#ctx0" brushRef="#br0" timeOffset="4188">5715 489 0,'0'24'0,"24"-24"47,-24-24-32,25 24-15,-1 0 0,1 0 16,-1 0-16,0-24 0,25 24 15,-24 0-15,24 0 16,-1 0-16,-23 0 0,-1-25 16,25 25-16,-24 0 0,-1 0 15,0 0 1,-48 0 15,0 25-15</inkml:trace>
+  <inkml:trace contextRef="#ctx0" brushRef="#br0" timeOffset="4939">6594 196 0,'25'0'0,"-25"24"16,24-24 0,0 0-1,-24 25-15,0-1 16,0 1-1,-24-1 1,0 0 0,-1-24-16,-24 0 0,25 0 15,-1 0-15,1 0 0,-25 0 16,25 0-16,-1 0 16,25-24-16,-24 24 0,-1-24 15,25-1 1,0 1-16,25-1 15,-25 1-15,24 24 0,1-25 16,-25 1-16,24 24 16,1-24-16,-1 24 0,0 0 15,1 0-15,-1 24 16,1-24-16,-25 24 0,24 25 16,-24-24-16,0 24 0,0-1 15,0 1-15,0 0 16,-24-24-16,24 23 0,-25 1 15,1-24-15,-1 23 16,1-23-16,-25 24 16,25-49-16,-25 24 15,24-24-15,1 0 0,0 0 16,-1 0-16,1 0 0,-1 0 16,25-24-1,0-1-15,25 1 16,-25-1-16,24 1 15,1 24-15,-1-24 16,0 24-16,1 0 0,-1 24 16,1-24-16,-1 24 15,1 1-15,-1-1 0,0 1 16,1-1-16,-1 1 0,1-1 16,-1 0-16,1 1 15,-1-1-15,0-24 16,1 25-16,-1-25 15</inkml:trace>
+  <inkml:trace contextRef="#ctx0" brushRef="#br0" timeOffset="5370">7107 269 0,'0'25'47,"-24"-25"-47,24 24 0,-25-24 16,25 24-16,-24-24 16,24 25-16,-25-25 0,1 24 15,24 1-15,-24-1 16,24 1-16,0-1 15,0 0-15,24-24 16,-24 25-16,24-25 16,1 24-16,24-24 0,-25 25 15,0-1-15,25-24 0,0 24 16,-24-24-16,23 25 16,-23-25-16,-1 24 0,25-24 15,-49 25-15,25-25 16,-25 24-16,-25 1 15,1-25-15,-1 0 16,-24 0-16,1 0 16,23 0-16,-24 0 0,0 0 15,25-25-15</inkml:trace>
+  <inkml:trace contextRef="#ctx0" brushRef="#br0" timeOffset="5582">7083 318 0,'0'-49'0,"24"25"0,0 24 15,1-25-15,24 1 16,-25-1-16,25 25 0,-25-24 16,25 24-16,-24 0 15,24 0-15,-25 0 0,0 0 16,25 0-16,-24 0 0,-1 24 15,0-24 1</inkml:trace>
+  <inkml:trace contextRef="#ctx0" brushRef="#br0" timeOffset="6223">7937 367 0,'0'24'31,"-24"-24"-31,0 25 16,-1-1-1,25 1-15,-24-1 16,24 0-16,-25 1 15,25-1-15,-24 1 0,24-1 16,0 1-16,0-1 0,0 0 16,0 1-16,24-1 15,1-24-15,-25 25 0,24-25 16,1 0-16,-1 0 16,0 0-16,1 0 0,-1 0 15,1 0-15,-25-25 0,24 25 16,-24-24-16,0-1 15,0 1-15,0 0 16,0-1-16,-24 1 16,24-25-16,0 24 0,-25 1 15,25-25-15,-24 25 0,24-25 16,0 0-16,-25 0 16,25 25-16,0-25 0,0 24 15,0-23-15,0 23 16,0 1-16,-24-1 0,24 1 15,0-1-15,24 25 16,1 0 0,-1 0-1,1 25 1,-1-1-16,-24 1 16,0-1-16,0 1 0,0-1 15,0 25-15,0-25 16,0 25-16,0-24 0,-24 23 15,24 1-15,-25-24 16,1 24-16,-1-25 0,1 0 16</inkml:trace>
+  <inkml:trace contextRef="#ctx0" brushRef="#br0" timeOffset="6990">2003 1832 0,'0'-24'0,"24"24"16,-24-25-16,24 25 0,1-24 16,-1 24-16,1 0 15,-1 0-15,1-24 16,-1 24-16,0 0 0,25 0 15,-24 0-15,24 0 0,-25 0 16,0 24-16,1-24 16,-1 0-16,-24 24 0</inkml:trace>
+  <inkml:trace contextRef="#ctx0" brushRef="#br0" timeOffset="7159">2051 2003 0,'0'25'0,"25"-25"16,-1 0-1,1 0-15,24 0 0,-1-25 16,1 25-16,25 0 0,-26-24 16,26 24-16,-26-25 15</inkml:trace>
+  <inkml:trace contextRef="#ctx0" brushRef="#br0" timeOffset="14782">3346 1564 0,'24'0'16,"-48"0"-1,24-25 32,-25 25-31,1 0 15,0 25-31,-1-25 16,-24 24-16,25 0 15,-1-24-15,-23 25 0,23-1 16,-24 1-16,25 24 15,0-25-15,-1 0 0,1 25 16,-1-24-16,25-1 16,0 25-16,0-25 0,0 1 15,0-1-15,25 1 0,-1-1 16,-24 0-16,49 1 16,-25-1-16,1-24 0,-1 25 15,25-25-15,-25 0 16,1 0-16,24 0 0,-25 0 15,1-25-15,-1 25 0,-24-24 16,24-1-16,-24 1 16,0 0-16,0-1 0,-24 1 15,24-1-15,-24 1 0,-1-1 16,1 25-16,24-24 16,-25 0-16,1 24 0,-1 0 15,1 0-15,0 0 16,-1 0-16,1 24 0,-1 0 15,1 1-15,0-1 16,-1-24-16,25 25 16,0-1-16,0 1 0,0-1 15,25-24 1,-1 0-16,0 0 0,1 0 16,-1 0-16,25-24 15</inkml:trace>
+  <inkml:trace contextRef="#ctx0" brushRef="#br0" timeOffset="15173">3444 1710 0,'0'-24'16,"0"-1"-1,24 25-15,-24-24 0,0-1 31,24 25 1,-24-24-32,25 24 0,-1 0 15,1-24-15,-1 24 16,1 0-16,-1 0 16,0 0-16,1 0 15,-25 24-15,24-24 0,-24 24 16,0 1-16,25-25 15,-25 24-15,0 1 0,0 24 16,0-25-16,0 0 0,0 1 16,0 24-16,0-25 15,-25 1-15,25 23 0,0-23 16,-24-1-16,24 1 16,0-1-16,-25 0 0,25 1 15,-24-1-15</inkml:trace>
+  <inkml:trace contextRef="#ctx0" brushRef="#br0" timeOffset="15364">3468 1905 0,'0'-24'0,"0"0"15,24 24 1,1 0-16,-1 0 15,1-25-15,-1 25 0,25 0 16,-25 0-16,25 0 16,-24 0-16,24 0 0,-1 0 15</inkml:trace>
+  <inkml:trace contextRef="#ctx0" brushRef="#br0" timeOffset="16019">4274 1637 0,'0'-25'0,"24"1"16,-24 48 15,-24 1-16,0-25 1,-1 0-16,1 24 16,-1-24-16,1 0 0,-1 0 15,1 0-15,0 0 16,-1 0-16,1 0 16,24-24-16,-25 24 15,25-25-15,0 1 16,25 24-16,-25-24 0,24-1 15,1 1 1,-1 24-16,0 0 16,1 0-16,-1 0 0,1 24 15,-1-24-15,1 25 0,-1 23 16,0-23-16,-24-1 0,0 25 16,0 0-16,0-25 15,0 25-15,-24-24 0,24 24 16,-24-25-16,-25 0 15,24 1-15,1-1 0,-1-24 16,1 25-16,-25-25 16,25 24-16,-1-24 0,1 0 15,-1 0 1,25-24-16,25-1 16,-1 1-16,1 24 15,-1-25-15,1 25 0,-1-24 16,0 24-16,25 0 15,-24 0-15,-1 0 0,1 24 16,-1 1 0,0-25-16,-24 24 0,25 1 15,-1-1-15,1-24 16,-25 24-16,24-24 16</inkml:trace>
+  <inkml:trace contextRef="#ctx0" brushRef="#br0" timeOffset="16518">5080 1686 0,'0'-25'0,"0"1"16,-24 24-16,-1-25 16,1 1-16,-1 24 15,1 0-15,-1-24 16,1 24-16,0 0 0,-1 0 16,1 24-16,-1-24 15,1 24-15,-1-24 0,25 25 16,-24-1-16,24 1 15,0-1-15,0 1 16,24-1-16,1 0 16,-1-24-16,1 25 15,24-1-15,-1 1 0,1-25 16,0 24-16,0 0 0,0-24 16,0 25-16,-25-1 15,0-24-15,1 25 0,-1-1 16,1-24-16,-25 25 0,0-1 15,-25-24-15,1 24 16,-1-24-16,1 25 0,-25-25 16,25 0-16,-25 0 15,0 0-15,0 0 0,25 0 16,-25 0-16,25-25 16</inkml:trace>
+  <inkml:trace contextRef="#ctx0" brushRef="#br0" timeOffset="16835">4933 1393 0,'0'-25'0,"25"25"15,-1 25 1,-24-1-16,0 0 15,25 1-15,-1 24 0,-24-25 16,24 25-16,1 0 16,-25 0-16,24 24 0,-24-24 15,0 0-15,0 0 0,0-1 16,0 1-16,0 0 16,0 0-16,-24 0 0,24-25 15,0 25-15,0-25 16,0 25-16,0-24 0,0-1 15</inkml:trace>
+</inkml:ink>
+</file>
+
 <file path=ppt/ink/ink24.xml><?xml version="1.0" encoding="utf-8"?>
 <inkml:ink xmlns:inkml="http://www.w3.org/2003/InkML">
   <inkml:definitions>
@@ -3911,6 +5673,295 @@
   <inkml:trace contextRef="#ctx0" brushRef="#br0" timeOffset="11659">4471 6425 0,'0'-24'16,"25"24"-1,-1 0 1,-24 24 0,25-24-16,-25 25 15,0-1-15,0 0 16,0 1-16,0-1 0,-25 25 15,25-24-15,0 23 16,-24-23-16,24 24 0,0-25 16,0 1-16,0-1 0,0 0 15,0 1-15,24-25 16,1 0 0,-25-25-16,24 1 15,-24 0-15,25-1 0,-1-24 16,-24 0-16,0 25 0,24-25 15,-24 0-15,0 0 16,0 25-16,-24-25 0,24 25 16,-24-1-16,24 1 15,-25-1-15,25 1 16,25 24 0,-1 0-16,0 0 15,1 0-15,-1-24 0,25 24 16,0 0-16,0 0 15,0 0-15,24 0 0,-24 0 16,0 0-16,-1 0 0,1 0 16,0 0-16,0 0 15,-25 24-15,1-24 0,-1 24 16,1 1 0,-25-1-16,0 1 15,0-1-15,0 1 0,-25-25 16,25 24-16,-24 0 15,24 1-15,0-1 0,0 1 16,0-1-16,0 1 16,0-1-16,0 0 0,0 1 15,0-1-15,24-24 16,-24 25 0,-24-25-1,-1 0-15,1 0 16,-1 0-16,-23 0 0,-1-25 15,-24 25-15,-1 0 0,-23 0 16,23-24-16,-23 24 16,-1-25-16,0 25 0,25 0 15,0-24-15,-1 24 0,26 0 16,-1 0-16,24 0 16,1 0-16</inkml:trace>
   <inkml:trace contextRef="#ctx0" brushRef="#br0" timeOffset="12450">3006 6474 0,'24'0'0,"1"0"31,-25 24-31,24 1 16,-24-1-16,25 1 16,-25-1-16,0 25 15,0 0-15,0-25 0,0 25 16,0 0-16,0 0 15,0 0-15,0 24 0,0-24 16,0 0-16,0-1 0,-25 1 16,25 0-16,0 0 15,0 0-15,0-25 0,0 25 16,0-24-16,0-1 16,0 0-16,0 1 15,25-25-15,-1 0 31,1 0-15,-1 0 0,0 0-1,1-25-15,-1 25 0,1 0 16,-1 0-16,25 0 16,-25 0-16,25-24 0,0 24 15,24 0-15,-24 0 16,24 0-16,-24 0 0,25 0 15,-1 0-15,0 0 0,0 0 16,1 0-16,-1 0 16,-24 0-16,0 0 0,-1 0 15,1 0-15,-24 0 0,-25-24 16,-25 24 0,1-25-1,-1 25-15,1 0 16,0 0-16,24-24 15</inkml:trace>
   <inkml:trace contextRef="#ctx0" brushRef="#br0" timeOffset="13188">4300 7280 0,'25'-24'16,"-25"48"15,-25-24-15,25 24-16,-24 1 0,24-1 15,-24 25-15,24-24 16,-25 23-16,25 1 16,-24 0-16,24 0 0,-25 0 15,25 0-15,0-1 0,0-23 16,0-1-16,0 1 15,25-1-15,-1-24 0,1-24 16,-1-1-16,-24 1 16,24-25-16,1 0 15,-25 0-15,24 0 0,-24 1 16,0-1-16,0 0 0,-24 0 16,24 25-16,-25-1 15,25 1-15,-24 24 0,24-25 16,24 25-1,1 0 1,-1 0-16,1-24 0,-1 24 16,25 0-16,0 0 15,0 0-15,0 0 0,24 0 16,-24 0-16,-1 0 16,26 0-16,-25 24 0,-1-24 15,1 0-15,-24 25 0,24-25 16,-25 24-16,0-24 15,1 25-15,-1-1 0,-24 1 16,0-1 0,0 0-16,0 1 15,0-1-15,0 1 16,0-1 0,0 0-16,0 1 15,0-1 1,0 1-16,0-1 15,-24-24-15,24 25 0,-25-25 16,1 0-16,-25 0 16,0 0-16,0 0 0,-24 0 15,0 0-15,0-25 0,-1 25 16,1 0-16,24 0 16,0-24-16,-24 24 0,49 0 15,-25 0-15,24-25 16,-23 25-16</inkml:trace>
+</inkml:ink>
+</file>
+
+<file path=ppt/ink/ink240.xml><?xml version="1.0" encoding="utf-8"?>
+<inkml:ink xmlns:inkml="http://www.w3.org/2003/InkML">
+  <inkml:definitions>
+    <inkml:context xml:id="ctx0">
+      <inkml:inkSource xml:id="inkSrc0">
+        <inkml:traceFormat>
+          <inkml:channel name="X" type="integer" max="1920" units="cm"/>
+          <inkml:channel name="Y" type="integer" max="1080" units="cm"/>
+          <inkml:channel name="T" type="integer" max="2.14748E9" units="dev"/>
+        </inkml:traceFormat>
+        <inkml:channelProperties>
+          <inkml:channelProperty channel="X" name="resolution" value="55.81395" units="1/cm"/>
+          <inkml:channelProperty channel="Y" name="resolution" value="55.6701" units="1/cm"/>
+          <inkml:channelProperty channel="T" name="resolution" value="1" units="1/dev"/>
+        </inkml:channelProperties>
+      </inkml:inkSource>
+      <inkml:timestamp xml:id="ts0" timeString="2020-12-17T07:49:54.141"/>
+    </inkml:context>
+    <inkml:brush xml:id="br0">
+      <inkml:brushProperty name="width" value="0.05" units="cm"/>
+      <inkml:brushProperty name="height" value="0.05" units="cm"/>
+      <inkml:brushProperty name="fitToCurve" value="1"/>
+    </inkml:brush>
+  </inkml:definitions>
+  <inkml:trace contextRef="#ctx0" brushRef="#br0">3 0 0,'0'25'31,"0"-1"-15,0 1 30,25-25-46,-1 0 16,1 0-16,24 24 0,-25-24 16,25 0-16,-25 0 15,25 0-15,-25 24 0,1-24 16,-1 0-16,1 0 16,-25 25-1,-25-25 1,1 0-16,-1 24 15,-23-24-15,23 0 0,-24 25 16,25-25-16,-25 0 16,25 0-16,-1 24 0,1-24 15,-1 0 1,50 0 0,-1 0-1,25-24 1,-24 24-16,23 0 0,1 0 15,0 0-15,0 0 0,-25 0 16,25-25-16,-24 25 16,-1 0-16,0 0 0,1 0 15,-25 25 1,-25-25-16,1 0 0,-25 24 16,25-24-16,-25 0 0,0 0 15,0 25-15,-24-25 16,49 0-16,-25 0 0,24 0 15,1 0-15,-1 0 16,25 24-16,25-24 16,-1 0-1,1 0-15,-1 0 16,25 0-16,-25-24 0,25 24 16,0 0-16,0 0 15,-25 0-15,25-25 0,-24 25 16,-1 0-16,-24 25 47,-24-25-47,-1 0 0,1 0 15,-1 24 1,1-24-16,-1 0 16,1 0-1,48 0 48,1 0-48,-1 0 1,-24-24 0</inkml:trace>
+</inkml:ink>
+</file>
+
+<file path=ppt/ink/ink241.xml><?xml version="1.0" encoding="utf-8"?>
+<inkml:ink xmlns:inkml="http://www.w3.org/2003/InkML">
+  <inkml:definitions>
+    <inkml:context xml:id="ctx0">
+      <inkml:inkSource xml:id="inkSrc0">
+        <inkml:traceFormat>
+          <inkml:channel name="X" type="integer" max="1920" units="cm"/>
+          <inkml:channel name="Y" type="integer" max="1080" units="cm"/>
+          <inkml:channel name="T" type="integer" max="2.14748E9" units="dev"/>
+        </inkml:traceFormat>
+        <inkml:channelProperties>
+          <inkml:channelProperty channel="X" name="resolution" value="55.81395" units="1/cm"/>
+          <inkml:channelProperty channel="Y" name="resolution" value="55.6701" units="1/cm"/>
+          <inkml:channelProperty channel="T" name="resolution" value="1" units="1/dev"/>
+        </inkml:channelProperties>
+      </inkml:inkSource>
+      <inkml:timestamp xml:id="ts0" timeString="2020-12-17T07:49:57.247"/>
+    </inkml:context>
+    <inkml:brush xml:id="br0">
+      <inkml:brushProperty name="width" value="0.05" units="cm"/>
+      <inkml:brushProperty name="height" value="0.05" units="cm"/>
+      <inkml:brushProperty name="fitToCurve" value="1"/>
+    </inkml:brush>
+  </inkml:definitions>
+  <inkml:trace contextRef="#ctx0" brushRef="#br0">122 146 0,'0'-24'16,"0"-1"-1,0 1 1,0-1 31,24 25-16,-24-24-31,24 0 16,1 24 15,-1 0-31,1 0 16,-1 0-1,1 0-15,-1 0 16,0 0-16,1 0 15,-1 0 1,-48 0 15,-1 0-15,1 0-16,0 24 0,-1-24 16,-24 0-16,0 0 15,25 0-15,0 24 0,-25-24 16,24 0-16,1 0 0,0 0 15,24 25 1,24-25 0,0 0-1,1 0-15,-1 0 0,1 0 16,23 0-16,-23 0 16,-1 0-16,25 0 0,-24 0 15,-1 0-15,0 0 16,-24 24 15,-24-24-31,0 0 0,-1 0 16,1 25-16,-1-25 15,1 0-15,-1 24 0,1-24 16,0 0-16,24 24 31,24-24-31,0 25 16,1-25-1,-1 24-15,1-24 0,24 25 16,-25-1-16,0-24 16,-24 25-16,25-25 0</inkml:trace>
+</inkml:ink>
+</file>
+
+<file path=ppt/ink/ink242.xml><?xml version="1.0" encoding="utf-8"?>
+<inkml:ink xmlns:inkml="http://www.w3.org/2003/InkML">
+  <inkml:definitions>
+    <inkml:context xml:id="ctx0">
+      <inkml:inkSource xml:id="inkSrc0">
+        <inkml:traceFormat>
+          <inkml:channel name="X" type="integer" max="1920" units="cm"/>
+          <inkml:channel name="Y" type="integer" max="1080" units="cm"/>
+          <inkml:channel name="T" type="integer" max="2.14748E9" units="dev"/>
+        </inkml:traceFormat>
+        <inkml:channelProperties>
+          <inkml:channelProperty channel="X" name="resolution" value="55.81395" units="1/cm"/>
+          <inkml:channelProperty channel="Y" name="resolution" value="55.6701" units="1/cm"/>
+          <inkml:channelProperty channel="T" name="resolution" value="1" units="1/dev"/>
+        </inkml:channelProperties>
+      </inkml:inkSource>
+      <inkml:timestamp xml:id="ts0" timeString="2020-12-17T07:50:07.723"/>
+    </inkml:context>
+    <inkml:brush xml:id="br0">
+      <inkml:brushProperty name="width" value="0.05" units="cm"/>
+      <inkml:brushProperty name="height" value="0.05" units="cm"/>
+      <inkml:brushProperty name="fitToCurve" value="1"/>
+    </inkml:brush>
+  </inkml:definitions>
+  <inkml:trace contextRef="#ctx0" brushRef="#br0">224 171 0,'-25'0'0,"1"-25"0,48 25 16,-24-24-16,25 24 15,-1-25-15,0 25 16,-24 25 0,-24-25-1,0 24-15,-1-24 0,1 25 16,-1-1-16,1 25 0,0-25 16,-1 1-16,1 24 15,-1-1-15,1 1 0,24-24 16,0 24-16,24-1 15,-24 1-15,25-24 0,-1-1 16,1 0-16,23 1 0,-23-1 16,-1 1-16,25-25 15,-25 0-15,25 0 0,-24 0 16,-1 0-16,1-25 16,-1 25-16,0-24 0,1-1 15,-1 1-15,-24 0 16,-24-1-1,-1 1-15,1 24 16,0 0-16,-1 0 16,1 0-16,-1 24 15,1-24-15,-1 25 0,1-1 16,0 0 0,24 1-16,-25-1 0,25 1 15,0-1 1,0 1-1</inkml:trace>
+  <inkml:trace contextRef="#ctx0" brushRef="#br0" timeOffset="629">1103 219 0,'-25'0'0,"1"-24"16,0 24-1,24-24 1,-25 24-16,25-25 16,25 25-16,-25-24 15,24-1-15,0 25 0,1-24 16,-1-1-16,1 25 0,-1-24 15,25 24-15,-25 0 16,1 0-16,-1 24 0,1 1 16,-1-1-16,1 1 15,-25 24-15,24-1 0,0-23 16,-24 24-16,0 0 16,0-25-16,0 25 0,0 0 15,0-25-15,0 0 0,0 25 16,0-24-16,0-1 15,-24 1-15,24-1 0,-24 0 16</inkml:trace>
+  <inkml:trace contextRef="#ctx0" brushRef="#br0" timeOffset="846">1127 464 0,'-24'0'16,"48"0"15,1 0-31,-1-25 0,1 25 16,-1 0-16,25-24 0,-25 24 15,25 0-15,0-25 16,-25 25-16,25 0 0</inkml:trace>
+  <inkml:trace contextRef="#ctx0" brushRef="#br0" timeOffset="1314">1909 219 0,'-25'-24'0,"25"0"16,-24-1-16,24 1 0,0-1 16,0 1-16,0-1 15,24 1-15,1 24 16,-1 0-16,1-24 0,24 24 16,-25 0-16,25 24 0,-25-24 15,25 24-15,-25 1 16,-24-1-16,25 25 0,-25-24 15,0 23-15,-25 1 16,1-24-16,0 24 0,-25-1 16,24 1-16,1-24 0,-25-1 15,25 0-15,-1 1 16,25-1-16,-24 1 0,24-1 16,-25-24-1,50 0 1,-1 0-1,1 0-15,-1 0 0,25-24 16,-25 24-16,25 0 0,0 0 16,-25-25-16,25 25 15,0 0-15,-24 0 0,23 0 16,-23 0-16,-1 0 0,1 0 16</inkml:trace>
+  <inkml:trace contextRef="#ctx0" brushRef="#br0" timeOffset="1717">2764 317 0,'0'-24'0,"-25"24"0,50 0 31,-1 0-15,0 0-1,1 0-15,-1 0 16,1 0-16,24 0 0,-25 0 15,0 0-15,1 0 0,-1-25 16,1 25-16,-1 0 16,1 0-16,-25 25 47,-25-25-16</inkml:trace>
+  <inkml:trace contextRef="#ctx0" brushRef="#br0" timeOffset="2346">3741 97 0,'-25'0'15,"25"-24"-15,-24 24 16,-1 24 0,1-24-1,24 25-15,-25-25 0,1 24 16,0 1-16,24-1 16,-25 25-16,25-25 0,0 1 15,0-1-15,0 25 16,25-25-16,-1 1 0,0-1 15,1 1-15,-1-1 0,25 1 16,-24-1-16,23 0 16,-23-24-16,-1 25 0,1-25 15,-1 24-15,1-24 0,-25 25 16,24-25-16,-24 24 16,-24-24-16,-1 24 0,1-24 15,-1 0-15,1 0 16,-25 0-16,25 0 0</inkml:trace>
+  <inkml:trace contextRef="#ctx0" brushRef="#br0" timeOffset="2544">3545 195 0,'0'-24'15,"25"24"-15,-25-25 16,24 25-16,0 0 15,25 0-15,-24 0 16,24 0-16,-1 0 0,1 0 16,0 0-16,24 0 0,-24 0 15,0 0-15,24 0 16,-48 0-16</inkml:trace>
+  <inkml:trace contextRef="#ctx0" brushRef="#br0" timeOffset="3114">4669 317 0,'0'25'15,"-25"-1"1,1 0-1,-1-24-15,25 25 16,-24-1-16,0 1 0,24 23 16,0-23-16,0-1 15,0 1-15,0 24 0,24-25 16,0 0-16,1-24 0,-1 25 16,1-25-16,-1 0 15,25 0-15,-25 0 0,1 0 16,24 0-16,-25-25 15,0 25-15,-24-24 0,25 0 16,-25-1-16,0 1 0,-25-1 16,1 1-16,0-1 15,-1-23-15,1 23 0,-25-24 16,0 25-16,25-25 16,-25 0-16,24 25 0,1-25 15,0 0-15,-1 25 0,25-1 16,0 1-16,25-1 15,-1 1-15,0 24 0,1 0 16,-1 0-16,25 0 16,-25 0-16,25 0 0,-24 24 15,-1 1-15,25-1 0,-49 1 16,24-1-16,1 25 16,-25-25-16,0 25 0,0-24 15,-25 24-15,1-25 16,24 25-16,-24-25 0,-1 1 15,25-1-15,-24 0 0</inkml:trace>
+  <inkml:trace contextRef="#ctx0" brushRef="#br0" timeOffset="3354">5548 244 0,'0'-25'31,"24"25"-31,1-24 16,24 24-16,-25 0 15,25 0-15,0 0 0,-25 0 16,25 0-16,-25 24 0,1-24 15</inkml:trace>
+  <inkml:trace contextRef="#ctx0" brushRef="#br0" timeOffset="3523">5548 488 0,'-25'24'0,"25"1"15,25-25 1,-1 0-1,1 0-15,24 0 0,-1-25 16,26 25-16,-1 0 0,-24 0 16,24-24-16,-24 24 15</inkml:trace>
+</inkml:ink>
+</file>
+
+<file path=ppt/ink/ink243.xml><?xml version="1.0" encoding="utf-8"?>
+<inkml:ink xmlns:inkml="http://www.w3.org/2003/InkML">
+  <inkml:definitions>
+    <inkml:context xml:id="ctx0">
+      <inkml:inkSource xml:id="inkSrc0">
+        <inkml:traceFormat>
+          <inkml:channel name="X" type="integer" max="1920" units="cm"/>
+          <inkml:channel name="Y" type="integer" max="1080" units="cm"/>
+          <inkml:channel name="T" type="integer" max="2.14748E9" units="dev"/>
+        </inkml:traceFormat>
+        <inkml:channelProperties>
+          <inkml:channelProperty channel="X" name="resolution" value="55.81395" units="1/cm"/>
+          <inkml:channelProperty channel="Y" name="resolution" value="55.6701" units="1/cm"/>
+          <inkml:channelProperty channel="T" name="resolution" value="1" units="1/dev"/>
+        </inkml:channelProperties>
+      </inkml:inkSource>
+      <inkml:timestamp xml:id="ts0" timeString="2020-12-17T07:50:17.103"/>
+    </inkml:context>
+    <inkml:brush xml:id="br0">
+      <inkml:brushProperty name="width" value="0.05" units="cm"/>
+      <inkml:brushProperty name="height" value="0.05" units="cm"/>
+      <inkml:brushProperty name="fitToCurve" value="1"/>
+    </inkml:brush>
+  </inkml:definitions>
+  <inkml:trace contextRef="#ctx0" brushRef="#br0">664 244 0,'-49'0'15,"25"0"1,-1 0-16,1 0 16,24-25 15,-24 25 0,-1 0-31,1 0 16,-1 0-16,1 25 0,-1-25 15,1 24-15,-25 1 16,0 23-16,0-23 0,25 24 16,-25 0-16,0-1 15,25 1-15,-1 0 0,1 24 16,0-24-16,24 24 0,0-24 15,0 0-15,24 24 16,0-24-16,1-24 0,24 24 16,0-25-16,-1 0 15,1-24-15,0 25 0,0-25 16,0 0-16,0-25 0,-25 1 16,25 24-16,-25-24 15,1-1-15,-25 1 0,0-25 16,0 24-16,0 1 15,0 0-15,-25-1 0,1 1 16,0-1-16,-1 1 0,-24 24 16,25 0-16,-1 0 15,-23 0-15,23 24 0,-24 1 16,25-1-16,-1 1 16,1-1-16,0 0 0,-1 1 15,25-1-15,0 1 16,25-1-16,-1-24 15,0 0-15,1 0 16,-1 0-16,1 0 0</inkml:trace>
+  <inkml:trace contextRef="#ctx0" brushRef="#br0" timeOffset="312">885 464 0,'0'-25'16,"0"1"-16,0-1 15,24 25 32,-24 25-47,0 24 16,0-25-16,0 25 15,0 0-15,0 0 0,0-1 16,0 1-16,0 0 16,0 0-16,0 0 0,25 0 15,-25-1-15,24-23 16,-24 24-16,25-25 16,-25 1-16</inkml:trace>
+  <inkml:trace contextRef="#ctx0" brushRef="#br0" timeOffset="822">1349 439 0,'-25'-24'0,"1"24"16,24 24 31,0 1-47,0-1 15,0 25-15,0-25 0,0 25 16,24-24-16,-24 23 0,0 1 16,25-24-16,-25-1 15,24 1-15,1-1 0,-1-24 16,1 0-16,23 0 15,-23 0-15,24-24 0,0-1 16,-25 1-16,25-1 16,-25-24-16,1 25 0,-1-25 15,-24 25-15,0-25 0,0 0 16,-24 0-16,24 25 16,-25-25-16,1 24 0,24 1 15,-25 24-15,25 24 16,0 1-1,0 24-15,0 0 0,0-1 16,25 1-16,-25 25 0,24-26 16,1 26-16,-25-25 15,24 24-15,1-24 0,-25 24 16,24-24-16,-24 0 16,24-1-16,-24-23 0,0-1 15,0 1-15</inkml:trace>
+  <inkml:trace contextRef="#ctx0" brushRef="#br0" timeOffset="1339">2790 439 0,'24'0'0,"1"-24"16,-1-1-16,-24 1 15,-24 24 1,24-25-16,-25 25 0,1 0 16,-1-24-16,-23 24 0,23 0 15,-24 0-15,1 24 16,-1-24-16,0 25 0,0-25 15,25 24-15,-25 1 16,24-1-16,1 25 0,-1-25 16,25 1-16,0-1 0,0 1 15,0-1-15,25 1 16,-1-25-16,1 24 0,24-24 16,-25 24-16,25-24 15,24 0-15,25 0 16,-49 0-16,-25 25 0,25-25 15,-25 24-15,1-24 16,-1 25-16,-24-1 0,0 1 16,0-1-1,-24 0-15,-1 1 0,-24-1 16,25 1-16,-25-1 0,0-24 16,1 24-16,-1-24 15,0 0-15,24 0 0,1-24 16,-25 0-16</inkml:trace>
+  <inkml:trace contextRef="#ctx0" brushRef="#br0" timeOffset="1638">2472 122 0,'0'-25'15,"25"1"-15,-1 24 16,1 0 0,-25 24-16,24 1 0,-24 23 15,24 1-15,-24 0 0,0 0 16,25 24-16,-25 1 16,0-1-16,0 0 0,0 0 15,-25 1-15,25-1 0,0-24 16,0 24-16,0 0 15,0-24-15,0 0 0,0-25 16,0 25-16,0-24 16,25-25-16</inkml:trace>
+  <inkml:trace contextRef="#ctx0" brushRef="#br0" timeOffset="2130">3352 586 0,'-25'0'0,"25"24"15,-24-24 1,48 0 15,1 0-15,-1 0-1,0 0 1,1-24-16,-1 24 0,1-25 16,-1 25-16,1-24 15,-25-1-15,24 25 0,-24-24 16,0 0-16,-24 24 0,24-25 15,-25 1-15,1 24 16,-25 0-16,24-25 0,1 25 16,0 0-16,-1 25 15,1-1-15,-1 1 0,25-1 16,-24 0-16,24 25 0,0-24 16,0 24-16,0-25 15,0 25-15,24-25 0,-24 1 16,25 24-16,-1-25 15,1-24-15,-1 24 0,0 1 16,25-25-16,0 24 0,0-24 16</inkml:trace>
+  <inkml:trace contextRef="#ctx0" brushRef="#br0" timeOffset="2437">3816 464 0,'0'-25'0,"-25"25"15,25-24-15,0 48 32,0 1-32,25-1 15,-25 0-15,24 25 16,1-24-16,-1 24 0,0-25 15,1 25-15,-1-25 0,1 1 16,-1 23-16,-24-23 16,24-1-16,-24 1 15,-24-25 1,0-25 0,24 1-16</inkml:trace>
+  <inkml:trace contextRef="#ctx0" brushRef="#br0" timeOffset="2617">3987 415 0,'0'-49'0,"0"24"0,-25 25 16,1 25-16,24-1 15,-25 1-15,1 24 16,0-1-16,-1 26 0,1-25 16,24-1-16,-25 1 0,25 0 15,0 0-15,0 0 16,0-25-16,25 1 0,-25-1 15,24 0-15,1-24 16</inkml:trace>
+  <inkml:trace contextRef="#ctx0" brushRef="#br0" timeOffset="3237">4402 24 0,'0'-24'16,"-25"24"-16,25 24 16,0 0-16,0 1 15,0-1-15,0 25 0,25 0 16,-1 0-16,-24 0 0,25-1 16,-1 26-16,-24-25 15,25-1-15,-25 1 0,24 0 16,-24 0-16,0-25 15,0 1-15,24-1 0,-24 1 16,0-50 15,0 1-31,-24-1 0,24 1 16,0 0-16,0-1 16,0 1-16,0-25 0,0 24 15,0-23-15,0 23 0,0-24 16,0 25-16,24-1 15,1-23-15,-1 23 0,1 1 16,23 24-16,1-25 0,0 25 16,0 0-16,0 0 15,0 0-15,0 25 0,-25 24 16,0-25-16,1 0 16,-1 25-16,-24 0 0,0 0 15,-24-25-15,-1 25 0,1-24 16,24-1-16,-24 1 15,-1-25-15,1 0 0,-1 0 16,25-25 0,0 1-16,0-25 0,0 0 15,25 0-15,-1 0 0,1 25 16,-1-25-16,0 0 16,1 25-16,-1-1 0,1 1 15,-1 24-15,25 0 16,0 0-16,-25 24 15,1-24-15,-1 0 0</inkml:trace>
+  <inkml:trace contextRef="#ctx0" brushRef="#br0" timeOffset="3714">5892 341 0,'0'-24'15,"0"0"1,0-1-16,0 1 16,0-1-16,-25 1 15,25-1-15,-24 1 16,-1 24-16,1 0 0,-25 0 16,25 0-16,-25 24 15,0 1-15,25-1 0,-25 1 16,24 24-16,1-1 0,-1 1 15,25-24-15,0 24 16,0-1-16,0-23 0,25-1 16,-25 1-16,24-1 0,1-24 15,-1 25-15,1-25 16,23 0-16,-23-25 0,-1 25 16,1-24-16,24-1 15,-25 1-15,0-25 0,25 25 16,-24-25-16,-1 0 0,0 24 15,1 1-15,-25-25 16,24 25-16,1 24 16,-25 49-1,0-25-15,0 25 16,24 0-16,-24 0 16,0-1-16,25-23 0,-1 24 15,25 0-15,-25-25 0,50 0 16,-50-24-16</inkml:trace>
+</inkml:ink>
+</file>
+
+<file path=ppt/ink/ink244.xml><?xml version="1.0" encoding="utf-8"?>
+<inkml:ink xmlns:inkml="http://www.w3.org/2003/InkML">
+  <inkml:definitions>
+    <inkml:context xml:id="ctx0">
+      <inkml:inkSource xml:id="inkSrc0">
+        <inkml:traceFormat>
+          <inkml:channel name="X" type="integer" max="1920" units="cm"/>
+          <inkml:channel name="Y" type="integer" max="1080" units="cm"/>
+          <inkml:channel name="T" type="integer" max="2.14748E9" units="dev"/>
+        </inkml:traceFormat>
+        <inkml:channelProperties>
+          <inkml:channelProperty channel="X" name="resolution" value="55.81395" units="1/cm"/>
+          <inkml:channelProperty channel="Y" name="resolution" value="55.6701" units="1/cm"/>
+          <inkml:channelProperty channel="T" name="resolution" value="1" units="1/dev"/>
+        </inkml:channelProperties>
+      </inkml:inkSource>
+      <inkml:timestamp xml:id="ts0" timeString="2020-12-17T07:50:30.560"/>
+    </inkml:context>
+    <inkml:brush xml:id="br0">
+      <inkml:brushProperty name="width" value="0.05" units="cm"/>
+      <inkml:brushProperty name="height" value="0.05" units="cm"/>
+      <inkml:brushProperty name="fitToCurve" value="1"/>
+    </inkml:brush>
+  </inkml:definitions>
+  <inkml:trace contextRef="#ctx0" brushRef="#br0">97 50 0,'-24'0'16,"-1"0"-16,-23 0 0,48-24 15,24 0 1,0 24-16,25 0 16,25 0-16,-26 0 15,26 0-15,-1 0 0,-24 0 16</inkml:trace>
+  <inkml:trace contextRef="#ctx0" brushRef="#br0" timeOffset="132">171 270 0,'-74'49'0,"50"-24"16,-25-1-16,49 0 16,24-24-16,50 0 15,-25 0-15,48-24 0,-23 24 16,23-24-16</inkml:trace>
+</inkml:ink>
+</file>
+
+<file path=ppt/ink/ink245.xml><?xml version="1.0" encoding="utf-8"?>
+<inkml:ink xmlns:inkml="http://www.w3.org/2003/InkML">
+  <inkml:definitions>
+    <inkml:context xml:id="ctx0">
+      <inkml:inkSource xml:id="inkSrc0">
+        <inkml:traceFormat>
+          <inkml:channel name="X" type="integer" max="1920" units="cm"/>
+          <inkml:channel name="Y" type="integer" max="1080" units="cm"/>
+          <inkml:channel name="T" type="integer" max="2.14748E9" units="dev"/>
+        </inkml:traceFormat>
+        <inkml:channelProperties>
+          <inkml:channelProperty channel="X" name="resolution" value="55.81395" units="1/cm"/>
+          <inkml:channelProperty channel="Y" name="resolution" value="55.6701" units="1/cm"/>
+          <inkml:channelProperty channel="T" name="resolution" value="1" units="1/dev"/>
+        </inkml:channelProperties>
+      </inkml:inkSource>
+      <inkml:timestamp xml:id="ts0" timeString="2020-12-17T07:50:26.053"/>
+    </inkml:context>
+    <inkml:brush xml:id="br0">
+      <inkml:brushProperty name="width" value="0.05" units="cm"/>
+      <inkml:brushProperty name="height" value="0.05" units="cm"/>
+      <inkml:brushProperty name="fitToCurve" value="1"/>
+    </inkml:brush>
+  </inkml:definitions>
+  <inkml:trace contextRef="#ctx0" brushRef="#br0">220 146 0,'0'-24'31,"25"24"1,-25-25-32,0 1 15,24-1-15,-24 1 16,0 0-1,-24 24 17,-1 0-32,1 24 15,0 25-15,-1-25 0,-24 25 16,25 0-16,-1 0 16,25 0-16,-24 24 0,0-49 15,24 25-15,0 0 16,0-24-16,24-1 0,-24 0 15,24 1-15,1-1 0,-1 1 16,1-25-16,24 0 16,-25 0-16,25 0 0,-25-25 15,25 25-15,-24-24 16,-1-1-16,0 1 0,-24 0 16,25-1-16,-25 1 0,0-1 15,-25 1-15,25-1 16,-24 1-16,0 24 0,-1 0 15,1 0-15,-1 0 16,1 0-16,-1 24 16,1 1-16,24-1 0,-24 1 15,24 24-15,0-25 16,0 0-16,0 1 0,0-1 16,24 1-1,0-25-15</inkml:trace>
+  <inkml:trace contextRef="#ctx0" brushRef="#br0" timeOffset="287">611 97 0,'-24'-24'15,"-1"0"-15,25 48 32,0 0-17,0 1-15,0-1 0,0 1 16,0 23-16,0 1 0,0 0 16,0 0-16,0 0 15,-24 0-15,24 0 0,0-25 16,-25 25-16,25-25 15,0 1-15,0-1 0</inkml:trace>
+  <inkml:trace contextRef="#ctx0" brushRef="#br0" timeOffset="763">807 171 0,'0'-25'0,"-25"25"16,25-24-16,-24-1 15,24 50 17,24-25-32,-24 24 0,0 25 15,25-25-15,-25 1 16,0 24-16,0-25 0,24 25 15,-24-25-15,0 1 0,24-1 16,-24 1-16,25-1 16,-1-24-16,1 0 15,-1 0 1,1-24-16,-25-1 0,24 1 16,0-1-16,-24 1 0,25-25 15,-25 25-15,24-1 16,-24 1-16,0-25 0,0 25 15,0-1-15,0 50 32,0-1-32,0 25 0,-24 0 15,24 0-15,0 24 16,0-24-16,0 24 0,0-24 16,0 0-16,24-1 15,-24 1-15,0 0 0,25-24 16,-25-1-16</inkml:trace>
+  <inkml:trace contextRef="#ctx0" brushRef="#br0" timeOffset="1313">1344 219 0,'-25'-24'15,"1"0"-15,48 24 32,-24 24-32,25-24 0,-1 24 15,1 1-15,24-1 0,-25 25 16,25-24-16,-25-1 16,25 25-16,-24-25 0,-1 1 15,25-1-15,-25 1 16,-24-1-16,25-24 0,-1 24 15,-24 1-15,-24-25 32</inkml:trace>
+  <inkml:trace contextRef="#ctx0" brushRef="#br0" timeOffset="1566">1661 48 0,'0'-24'0,"0"0"0,0 48 31,0 0-15,0 25-16,-24 0 0,24 0 16,-24 0-16,24 24 15,-25-24-15,25 0 0,0 24 16,-24-24-16,-1 0 0,25 0 15,-24 0-15,24-25 16,-25 25-16,1-25 0,24 1 16,-24-25-16,24 24 15</inkml:trace>
+  <inkml:trace contextRef="#ctx0" brushRef="#br0" timeOffset="1830">1930 97 0,'0'25'16,"24"-1"0,1 1-1,-25-1-15,24 25 0,-24-25 16,25 25-16,-25 0 15,0 0-15,24 0 0,-24 0 16,0-1-16,0 1 0,0-24 16,0 23-16,0-23 15</inkml:trace>
+  <inkml:trace contextRef="#ctx0" brushRef="#br0" timeOffset="2227">2394 268 0,'0'-24'0,"-24"48"31,24 1-31,0-1 16,0 1-16,-25 23 0,25-23 15,0 24-15,0 0 16,0-25-16,0 25 0,25-25 15,-25 1-15,24-1 0,0-24 16,1 0 0,-1 0-16,1 0 15,-1-24-15,1 24 16,-1-25-16,-24-24 0,24 25 16,-24-25-16,0 0 0,0 25 15,0-25-15,-24 0 16,24 0-16,-24 25 0,-1-1 15,1 1-15,-1 24 16,1 0-16,-1 24 0,1 1 16,0-1-16,24 1 0,-25-1 15,25 1-15,0 23 16,0-23-16,0-1 0,25-24 16</inkml:trace>
+  <inkml:trace contextRef="#ctx0" brushRef="#br0" timeOffset="2611">3005 317 0,'24'-24'16,"-24"-1"-16,0 1 31,0 48-15,0 1-16,0 24 15,0-1-15,-24 1 16,24 0-16,0 24 0,0-24 16,0 0-16,0 0 15,24 0-15,0-25 0,1-24 16,24 0-16,0 0 0,-25 0 16,25 0-16,0-24 15,0-25-15,-1 24 0,-23-23 16,24-1-16,-49 0 15,0 25-15,0-25 0,0 0 16,-25 0-16,-24 0 0,1 25 16,-1-25-16,0 24 15,0 1-15,0 24 0,0 0 16,0 0-16,25 24 16,-25-24-16,0 49 0</inkml:trace>
+  <inkml:trace contextRef="#ctx0" brushRef="#br0" timeOffset="3031">74 1319 0,'24'0'0,"1"0"0,24 0 15,-1 0-15,50 0 16,0 0-16,24 0 0,24 0 15,25 0-15,25-25 0,-1 1 16,49-1-16,1 25 16,-1-24-16,0-1 0,0 1 15,1 0-15,-50 24 16,0-25-16,-48 25 0,-1 0 16,-48 0-16,-25 0 15,1 0-15,-50 0 0,0 0 16,-24 25-16,-24-25 15,-25 24-15</inkml:trace>
+  <inkml:trace contextRef="#ctx0" brushRef="#br0" timeOffset="3475">1442 1734 0,'-25'0'15,"1"-25"1,24 1-16,0-1 15,-25 25 17,1 0-32,-1 25 0,25-1 15,-24 1-15,0-1 0,-1 1 16,25-1-16,0 25 16,0-25-16,0 1 0,25-1 15,23 1-15,-23-1 0,24 25 16,0-25-16,-1 1 15,1-1-15,0 0 0,0 1 16,-25-1-16,-24 1 16,0-1-16,-24 1 0,0-1 15,-25 0-15,0-24 0,0 25 16,-24-1-16,24-24 16</inkml:trace>
+  <inkml:trace contextRef="#ctx0" brushRef="#br0" timeOffset="3685">1222 1758 0,'24'-24'16,"1"-1"0,23 25-16,-23-24 0,24 24 15,24-25-15,-24 25 16,24-24-16,0 24 0,1-24 15,-1 24-15,-24 0 16,24 0-16,-24 0 0,-25 0 16,25 24-16</inkml:trace>
+  <inkml:trace contextRef="#ctx0" brushRef="#br0" timeOffset="4165">2394 1758 0,'-24'25'16,"-1"-1"0,1 0-1,-1 1-15,1-1 16,24 25-16,0-24 0,0 23 16,0-23-16,24 24 15,-24-25-15,25 25 0,24-25 16,-25 1-16,0-25 15,25 24-15,0-24 0,-24 0 16,-1 0-16,25 0 0,-25-24 16,1-1-16,-25 1 15,0-1-15,0 1 0,-25 0 16,1-25-16,-1 24 0,-23 1 16,23-25-16,-24 25 15,0-25-15,1 24 0,-1-23 16,24-1-16,1 0 15,0 0-15,24 25 0,24-1 16,-24 1-16,49-1 16,-25 1-16,25 24 0,0 0 15,0 0-15,0 0 0,-25 24 16,25-24-16,-25 49 16,-24-24-16,0-1 0,0 25 15,0 0-15,-24 0 0,-1 24 16,1-24-16,0 0 15,24-25-15,-25 25 0,25-25 16</inkml:trace>
+</inkml:ink>
+</file>
+
+<file path=ppt/ink/ink246.xml><?xml version="1.0" encoding="utf-8"?>
+<inkml:ink xmlns:inkml="http://www.w3.org/2003/InkML">
+  <inkml:definitions>
+    <inkml:context xml:id="ctx0">
+      <inkml:inkSource xml:id="inkSrc0">
+        <inkml:traceFormat>
+          <inkml:channel name="X" type="integer" max="1920" units="cm"/>
+          <inkml:channel name="Y" type="integer" max="1080" units="cm"/>
+          <inkml:channel name="T" type="integer" max="2.14748E9" units="dev"/>
+        </inkml:traceFormat>
+        <inkml:channelProperties>
+          <inkml:channelProperty channel="X" name="resolution" value="55.81395" units="1/cm"/>
+          <inkml:channelProperty channel="Y" name="resolution" value="55.6701" units="1/cm"/>
+          <inkml:channelProperty channel="T" name="resolution" value="1" units="1/dev"/>
+        </inkml:channelProperties>
+      </inkml:inkSource>
+      <inkml:timestamp xml:id="ts0" timeString="2020-12-17T07:50:42.343"/>
+    </inkml:context>
+    <inkml:brush xml:id="br0">
+      <inkml:brushProperty name="width" value="0.05" units="cm"/>
+      <inkml:brushProperty name="height" value="0.05" units="cm"/>
+      <inkml:brushProperty name="fitToCurve" value="1"/>
+    </inkml:brush>
+  </inkml:definitions>
+  <inkml:trace contextRef="#ctx0" brushRef="#br0">24 0 0,'-24'0'15,"24"49"1,24 24-16,-24-48 15,24 23-15,-24 1 0,0 0 16,0 0-16,0 0 16,25 0-16,-25 24 0,0-24 15,0 0-15,0-1 0,0 26 16,-25-25-16,25-1 16,0 1-16,0 0 0,-24-24 15,24 23-15,0-23 16,0-1-16,0 1 0,0-1 15,0 1-15,24-25 0</inkml:trace>
+  <inkml:trace contextRef="#ctx0" brushRef="#br0" timeOffset="504">390 536 0,'25'0'0,"-25"25"31,0-1-31,-25 1 16,25-1-1,0 0-15,0 1 0,-24-1 16,24 1-16,0 24 0,0-25 16,0 0-16,24 1 15,-24 24-15,25-49 0,-1 24 16,1 1-16,-1-1 0,0-24 16,1 0-16,-1 0 15,1 0-15,-1-24 0,1 24 16,-1-25-16,0 1 0,-24-25 15,25 24-15,-25 1 16,0-25-16,0 25 0,0-25 16,0 0-16,-25 25 15,1-25-15,24 24 0,-24 1 16,-1 24-16,1-24 16,-1 24-16,1 0 0,-1 24 15,1-24-15,24 24 0,-24 1 16,24-1-1,-25 1-15,25-1 16,25-24-16</inkml:trace>
+  <inkml:trace contextRef="#ctx0" brushRef="#br0" timeOffset="1237">1514 293 0,'0'-24'16,"0"-1"0,-25 1-1,1 24-15,0 0 16,-1 0-16,1 0 0,-1 0 15,-24 0-15,25 24 0,-25-24 16,0 0-16,25 25 16,-25-25-16,25 0 0,-1 24 15,1-24-15,24 25 16,-25-25-16,25 24 16,0 0-16,0 1 15,0-1 1,25-24-16,-25 25 15,24-25-15,-24 24 16,25 1-16,-1-1 16,0 0-16,-24 1 15,25-25-15,-25 24 16,24 1 0,1-50 46,-1 25-46,1-24-16,-1 24 15,0-25-15,1 25 0,24 0 16,-25 0-16,1 0 0,-1 0 16,0 0-16,1 25 15,-1-1-15,-24 1 16,25-1-16,-25 0 15,0 1-15,24-1 0,-24 1 16,0-1-16,0 1 0,0-1 16,-24 0-16,-1 1 15,1-1-15,-1-24 0,1 25 16,-25-25-16,25 24 16,-25-24-16,0 0 0,0 0 15,25 0-15,-25 0 0,24 0 16,1-24-16,0 24 15,24-25-15</inkml:trace>
+  <inkml:trace contextRef="#ctx0" brushRef="#br0" timeOffset="1884">2149 489 0,'-25'0'16,"1"0"-1,0 24 1,-1-24-16,1 24 15,-1 1-15,1-1 0,-1 1 16,1-1-16,24 0 16,0 1-16,0-1 0,0 25 15,0-24-15,24-1 16,1 0-16,-1-24 0,1 25 16,-1-25-16,25 0 0,-25 0 15,25 0-15,-24 0 16,-1 0-16,1 0 0,-1-25 15,0 1 1,-24 0-16,0-1 0,-24 1 16,0-1-16,24 1 0,-49-25 15,24 25-15,1-25 16,-1 24-16,-23-23 0,23-1 16,-24 0-16,25 0 15,-1 25-15,1-25 0,24 24 16,-24 1-16,24-1 0,0 1 15,24 24-15,0-24 16,1 24-16,-1 0 0,1 0 16,24 0-16,-25 0 15,0 0-15,1 24 0,-1 0 16,1 1-16,-1-1 0,-24 1 16,25 24-16,-25-25 15,0 25-15,-25-25 0,25 25 16,-24-24-16,24 23 15,-25-23-15,1-1 0,24 1 16,-25-1-16,25 0 0</inkml:trace>
+  <inkml:trace contextRef="#ctx0" brushRef="#br0" timeOffset="2352">2711 195 0,'24'-24'16,"-24"0"-16,24 24 16,1 0-16,-1 0 15,1 0-15,-1 0 16,1 24-16,-25 0 0,24 1 15,-24-1-15,0 1 0,0-1 16,-24 1-16,-1 23 16,25-23-16,-24-1 0,-25 1 15,24-25-15,1 24 0,0-24 16,-1 0-16,1 0 16,-1-24-16,25-1 15,0 1-15,0-1 16,0-23-16,0 23 0,0-24 15,25 0-15,-1 1 0,-24 23 16,25-24-16,-1 25 16,0 24-16,1 0 15,-1 0-15,1 24 16,-1 1-16,-24-1 0,25 1 16,-25-1-16,24 25 0,-24-25 15,0 1-15,0-1 16,0 1-16</inkml:trace>
+  <inkml:trace contextRef="#ctx0" brushRef="#br0" timeOffset="2646">3248 24 0,'24'0'0,"-24"25"16,0-1-1,0 1-15,0 24 16,0-25-16,0 25 0,-24 0 0,24 24 16,-25-24-16,25 24 15,-24 0-15,24 1 0,-24-26 16,24 26-16,-25-25 0,25-1 15,-24 1-15,24-24 16,0-1-16,0 1 0,24-1 16,1-24-16</inkml:trace>
+  <inkml:trace contextRef="#ctx0" brushRef="#br0" timeOffset="3037">3663 488 0,'24'0'0,"1"-24"0,-1 24 15,1 0-15,-1-24 16,1 24-16,-1 0 16,25 0-16,-25 24 0,1 0 15,-1 1-15,1-1 0,-25 25 16,24-24-16,-24 23 15,0-23-15,0 24 0,0-25 16,-24 1-16,-1-1 16,1-24-16,-25 0 0,24 0 15,-23 0-15,23 0 0,1-24 16,-25-1-16,24 1 16,25-1-16,-24-24 0,24 1 15,0-1-15,24 0 16,-24 24-16,25-23 0,-1 23 15,1 1-15,-1-1 0,1 1 16,-1 24-16,0 0 16,25 24-16,-24-24 0,-1 25 15,1-25-15</inkml:trace>
+</inkml:ink>
+</file>
+
+<file path=ppt/ink/ink247.xml><?xml version="1.0" encoding="utf-8"?>
+<inkml:ink xmlns:inkml="http://www.w3.org/2003/InkML">
+  <inkml:definitions>
+    <inkml:context xml:id="ctx0">
+      <inkml:inkSource xml:id="inkSrc0">
+        <inkml:traceFormat>
+          <inkml:channel name="X" type="integer" max="1920" units="cm"/>
+          <inkml:channel name="Y" type="integer" max="1080" units="cm"/>
+          <inkml:channel name="T" type="integer" max="2.14748E9" units="dev"/>
+        </inkml:traceFormat>
+        <inkml:channelProperties>
+          <inkml:channelProperty channel="X" name="resolution" value="55.81395" units="1/cm"/>
+          <inkml:channelProperty channel="Y" name="resolution" value="55.6701" units="1/cm"/>
+          <inkml:channelProperty channel="T" name="resolution" value="1" units="1/dev"/>
+        </inkml:channelProperties>
+      </inkml:inkSource>
+      <inkml:timestamp xml:id="ts0" timeString="2020-12-17T07:50:46.299"/>
+    </inkml:context>
+    <inkml:brush xml:id="br0">
+      <inkml:brushProperty name="width" value="0.05" units="cm"/>
+      <inkml:brushProperty name="height" value="0.05" units="cm"/>
+      <inkml:brushProperty name="fitToCurve" value="1"/>
+    </inkml:brush>
+  </inkml:definitions>
+  <inkml:trace contextRef="#ctx0" brushRef="#br0">1 297 0,'0'-49'0,"0"24"15,0-24-15,0 25 0,0-25 16,0 25-16,24-1 15,-24 1-15,24 24 0,-24-25 16,25 25-16,24 0 0,0 0 16,-1 25-16,1-1 15,25-24-15,-1 25 0,0-1 16,-24 1-16,24-1 16,-24 25-16,0-25 0,-25 1 15,1 24-15,-25-1 0,0-23 16,-25 24-16,1 0 15,-25-1-15,-24 1 0,24 0 16,-24 24-16,24-24 0,-24 0 16,24 0-16,0 0 15,0 0-15,25-1 0,-25 1 16,49 49 0,0-74-16,24 25 0,1 0 15,-1-25-15,25 1 0,0-1 16,24 1-16,-24-1 15,24 1-15,0-25 0,1 24 16,-1-24-16,-24 0 16,24 0-16,-24 0 0,0-24 15,0 24-15,-1 0 0,-23-25 16,-1 25 0,-48 0-1,-1 0-15,-23 25 16,23-1-16,1-24 0,-25 24 15,24 1-15,1 24 0,0-25 16,-1 1-16,1-1 16,24 25-16,0-25 0,0 1 15,0 24-15,0-25 16,24 0-16,1 25 0,-1-24 16,0 23-16,1 1 0,24-24 15,-25 24-15,1-1 16,-25 1-16,24-24 0,-24 24 15,0-1-15,0 1 16,-24 0-16,-1 0 0,1-25 16,-25 25-16,-24-24 0,24-1 15,-49 0-15,25 1 16,0-25-16,-1 0 0,1 0 16,0-25-16,24 25 15,0-24-15</inkml:trace>
+</inkml:ink>
+</file>
+
+<file path=ppt/ink/ink248.xml><?xml version="1.0" encoding="utf-8"?>
+<inkml:ink xmlns:inkml="http://www.w3.org/2003/InkML">
+  <inkml:definitions>
+    <inkml:context xml:id="ctx0">
+      <inkml:inkSource xml:id="inkSrc0">
+        <inkml:traceFormat>
+          <inkml:channel name="X" type="integer" max="1920" units="cm"/>
+          <inkml:channel name="Y" type="integer" max="1080" units="cm"/>
+          <inkml:channel name="T" type="integer" max="2.14748E9" units="dev"/>
+        </inkml:traceFormat>
+        <inkml:channelProperties>
+          <inkml:channelProperty channel="X" name="resolution" value="55.81395" units="1/cm"/>
+          <inkml:channelProperty channel="Y" name="resolution" value="55.6701" units="1/cm"/>
+          <inkml:channelProperty channel="T" name="resolution" value="1" units="1/dev"/>
+        </inkml:channelProperties>
+      </inkml:inkSource>
+      <inkml:timestamp xml:id="ts0" timeString="2020-12-17T07:51:18.327"/>
+    </inkml:context>
+    <inkml:brush xml:id="br0">
+      <inkml:brushProperty name="width" value="0.05" units="cm"/>
+      <inkml:brushProperty name="height" value="0.05" units="cm"/>
+      <inkml:brushProperty name="fitToCurve" value="1"/>
+    </inkml:brush>
+  </inkml:definitions>
+  <inkml:trace contextRef="#ctx0" brushRef="#br0">0 124 0,'48'0'109,"26"0"-109,-1 0 16,49-74-16,-24 74 15,-49 0-15,97-24 16,-97 24-16,0 0 16,24 0-1,-48 0-15,23 0 16,-23-24 0,-1 24 15,1 0 94,-74 0-110</inkml:trace>
+  <inkml:trace contextRef="#ctx0" brushRef="#br0" timeOffset="632">195 368 0,'49'-25'62,"0"25"-62,24-24 16,0 0-16,-24 24 16,0-25-16,0 25 15,0 0 1,-25 0-16,25 0 16,-25 0-16,25 0 15,-24 0-15,23 0 16,-23 0 15</inkml:trace>
 </inkml:ink>
 </file>
 
@@ -7176,7 +9227,7 @@
           <a:p>
             <a:fld id="{97311A4A-BF67-49D0-80C0-F6D3387D791C}" type="datetimeFigureOut">
               <a:rPr lang="en-US" smtClean="0"/>
-              <a:t>12/15/2020</a:t>
+              <a:t>12/17/2020</a:t>
             </a:fld>
             <a:endParaRPr lang="en-US"/>
           </a:p>
@@ -7374,7 +9425,7 @@
           <a:p>
             <a:fld id="{97311A4A-BF67-49D0-80C0-F6D3387D791C}" type="datetimeFigureOut">
               <a:rPr lang="en-US" smtClean="0"/>
-              <a:t>12/15/2020</a:t>
+              <a:t>12/17/2020</a:t>
             </a:fld>
             <a:endParaRPr lang="en-US"/>
           </a:p>
@@ -7582,7 +9633,7 @@
           <a:p>
             <a:fld id="{97311A4A-BF67-49D0-80C0-F6D3387D791C}" type="datetimeFigureOut">
               <a:rPr lang="en-US" smtClean="0"/>
-              <a:t>12/15/2020</a:t>
+              <a:t>12/17/2020</a:t>
             </a:fld>
             <a:endParaRPr lang="en-US"/>
           </a:p>
@@ -7780,7 +9831,7 @@
           <a:p>
             <a:fld id="{97311A4A-BF67-49D0-80C0-F6D3387D791C}" type="datetimeFigureOut">
               <a:rPr lang="en-US" smtClean="0"/>
-              <a:t>12/15/2020</a:t>
+              <a:t>12/17/2020</a:t>
             </a:fld>
             <a:endParaRPr lang="en-US"/>
           </a:p>
@@ -8055,7 +10106,7 @@
           <a:p>
             <a:fld id="{97311A4A-BF67-49D0-80C0-F6D3387D791C}" type="datetimeFigureOut">
               <a:rPr lang="en-US" smtClean="0"/>
-              <a:t>12/15/2020</a:t>
+              <a:t>12/17/2020</a:t>
             </a:fld>
             <a:endParaRPr lang="en-US"/>
           </a:p>
@@ -8320,7 +10371,7 @@
           <a:p>
             <a:fld id="{97311A4A-BF67-49D0-80C0-F6D3387D791C}" type="datetimeFigureOut">
               <a:rPr lang="en-US" smtClean="0"/>
-              <a:t>12/15/2020</a:t>
+              <a:t>12/17/2020</a:t>
             </a:fld>
             <a:endParaRPr lang="en-US"/>
           </a:p>
@@ -8732,7 +10783,7 @@
           <a:p>
             <a:fld id="{97311A4A-BF67-49D0-80C0-F6D3387D791C}" type="datetimeFigureOut">
               <a:rPr lang="en-US" smtClean="0"/>
-              <a:t>12/15/2020</a:t>
+              <a:t>12/17/2020</a:t>
             </a:fld>
             <a:endParaRPr lang="en-US"/>
           </a:p>
@@ -8873,7 +10924,7 @@
           <a:p>
             <a:fld id="{97311A4A-BF67-49D0-80C0-F6D3387D791C}" type="datetimeFigureOut">
               <a:rPr lang="en-US" smtClean="0"/>
-              <a:t>12/15/2020</a:t>
+              <a:t>12/17/2020</a:t>
             </a:fld>
             <a:endParaRPr lang="en-US"/>
           </a:p>
@@ -8986,7 +11037,7 @@
           <a:p>
             <a:fld id="{97311A4A-BF67-49D0-80C0-F6D3387D791C}" type="datetimeFigureOut">
               <a:rPr lang="en-US" smtClean="0"/>
-              <a:t>12/15/2020</a:t>
+              <a:t>12/17/2020</a:t>
             </a:fld>
             <a:endParaRPr lang="en-US"/>
           </a:p>
@@ -9297,7 +11348,7 @@
           <a:p>
             <a:fld id="{97311A4A-BF67-49D0-80C0-F6D3387D791C}" type="datetimeFigureOut">
               <a:rPr lang="en-US" smtClean="0"/>
-              <a:t>12/15/2020</a:t>
+              <a:t>12/17/2020</a:t>
             </a:fld>
             <a:endParaRPr lang="en-US"/>
           </a:p>
@@ -9585,7 +11636,7 @@
           <a:p>
             <a:fld id="{97311A4A-BF67-49D0-80C0-F6D3387D791C}" type="datetimeFigureOut">
               <a:rPr lang="en-US" smtClean="0"/>
-              <a:t>12/15/2020</a:t>
+              <a:t>12/17/2020</a:t>
             </a:fld>
             <a:endParaRPr lang="en-US"/>
           </a:p>
@@ -9826,7 +11877,7 @@
           <a:p>
             <a:fld id="{97311A4A-BF67-49D0-80C0-F6D3387D791C}" type="datetimeFigureOut">
               <a:rPr lang="en-US" smtClean="0"/>
-              <a:t>12/15/2020</a:t>
+              <a:t>12/17/2020</a:t>
             </a:fld>
             <a:endParaRPr lang="en-US"/>
           </a:p>
@@ -13831,8 +15882,8 @@
           <a:chExt cx="0" cy="0"/>
         </a:xfrm>
       </p:grpSpPr>
-      <mc:AlternateContent xmlns:mc="http://schemas.openxmlformats.org/markup-compatibility/2006">
-        <mc:Choice xmlns:p14="http://schemas.microsoft.com/office/powerpoint/2010/main" Requires="p14">
+      <mc:AlternateContent xmlns:mc="http://schemas.openxmlformats.org/markup-compatibility/2006" xmlns:p14="http://schemas.microsoft.com/office/powerpoint/2010/main">
+        <mc:Choice Requires="p14">
           <p:contentPart p14:bwMode="auto" r:id="rId2">
             <p14:nvContentPartPr>
               <p14:cNvPr id="16" name="Ink 15">
@@ -13851,7 +15902,7 @@
             </p14:xfrm>
           </p:contentPart>
         </mc:Choice>
-        <mc:Fallback>
+        <mc:Fallback xmlns="">
           <p:pic>
             <p:nvPicPr>
               <p:cNvPr id="16" name="Ink 15">
@@ -13882,8 +15933,8 @@
           </p:pic>
         </mc:Fallback>
       </mc:AlternateContent>
-      <mc:AlternateContent xmlns:mc="http://schemas.openxmlformats.org/markup-compatibility/2006">
-        <mc:Choice xmlns:p14="http://schemas.microsoft.com/office/powerpoint/2010/main" Requires="p14">
+      <mc:AlternateContent xmlns:mc="http://schemas.openxmlformats.org/markup-compatibility/2006" xmlns:p14="http://schemas.microsoft.com/office/powerpoint/2010/main">
+        <mc:Choice Requires="p14">
           <p:contentPart p14:bwMode="auto" r:id="rId4">
             <p14:nvContentPartPr>
               <p14:cNvPr id="17" name="Ink 16">
@@ -13902,7 +15953,7 @@
             </p14:xfrm>
           </p:contentPart>
         </mc:Choice>
-        <mc:Fallback>
+        <mc:Fallback xmlns="">
           <p:pic>
             <p:nvPicPr>
               <p:cNvPr id="17" name="Ink 16">
@@ -13933,8 +15984,8 @@
           </p:pic>
         </mc:Fallback>
       </mc:AlternateContent>
-      <mc:AlternateContent xmlns:mc="http://schemas.openxmlformats.org/markup-compatibility/2006">
-        <mc:Choice xmlns:p14="http://schemas.microsoft.com/office/powerpoint/2010/main" Requires="p14">
+      <mc:AlternateContent xmlns:mc="http://schemas.openxmlformats.org/markup-compatibility/2006" xmlns:p14="http://schemas.microsoft.com/office/powerpoint/2010/main">
+        <mc:Choice Requires="p14">
           <p:contentPart p14:bwMode="auto" r:id="rId6">
             <p14:nvContentPartPr>
               <p14:cNvPr id="34" name="Ink 33">
@@ -13953,7 +16004,7 @@
             </p14:xfrm>
           </p:contentPart>
         </mc:Choice>
-        <mc:Fallback>
+        <mc:Fallback xmlns="">
           <p:pic>
             <p:nvPicPr>
               <p:cNvPr id="34" name="Ink 33">
@@ -13984,8 +16035,8 @@
           </p:pic>
         </mc:Fallback>
       </mc:AlternateContent>
-      <mc:AlternateContent xmlns:mc="http://schemas.openxmlformats.org/markup-compatibility/2006">
-        <mc:Choice xmlns:p14="http://schemas.microsoft.com/office/powerpoint/2010/main" Requires="p14">
+      <mc:AlternateContent xmlns:mc="http://schemas.openxmlformats.org/markup-compatibility/2006" xmlns:p14="http://schemas.microsoft.com/office/powerpoint/2010/main">
+        <mc:Choice Requires="p14">
           <p:contentPart p14:bwMode="auto" r:id="rId8">
             <p14:nvContentPartPr>
               <p14:cNvPr id="44" name="Ink 43">
@@ -14004,7 +16055,7 @@
             </p14:xfrm>
           </p:contentPart>
         </mc:Choice>
-        <mc:Fallback>
+        <mc:Fallback xmlns="">
           <p:pic>
             <p:nvPicPr>
               <p:cNvPr id="44" name="Ink 43">
@@ -14035,8 +16086,8 @@
           </p:pic>
         </mc:Fallback>
       </mc:AlternateContent>
-      <mc:AlternateContent xmlns:mc="http://schemas.openxmlformats.org/markup-compatibility/2006">
-        <mc:Choice xmlns:p14="http://schemas.microsoft.com/office/powerpoint/2010/main" Requires="p14">
+      <mc:AlternateContent xmlns:mc="http://schemas.openxmlformats.org/markup-compatibility/2006" xmlns:p14="http://schemas.microsoft.com/office/powerpoint/2010/main">
+        <mc:Choice Requires="p14">
           <p:contentPart p14:bwMode="auto" r:id="rId10">
             <p14:nvContentPartPr>
               <p14:cNvPr id="45" name="Ink 44">
@@ -14055,7 +16106,7 @@
             </p14:xfrm>
           </p:contentPart>
         </mc:Choice>
-        <mc:Fallback>
+        <mc:Fallback xmlns="">
           <p:pic>
             <p:nvPicPr>
               <p:cNvPr id="45" name="Ink 44">
@@ -14086,8 +16137,8 @@
           </p:pic>
         </mc:Fallback>
       </mc:AlternateContent>
-      <mc:AlternateContent xmlns:mc="http://schemas.openxmlformats.org/markup-compatibility/2006">
-        <mc:Choice xmlns:p14="http://schemas.microsoft.com/office/powerpoint/2010/main" Requires="p14">
+      <mc:AlternateContent xmlns:mc="http://schemas.openxmlformats.org/markup-compatibility/2006" xmlns:p14="http://schemas.microsoft.com/office/powerpoint/2010/main">
+        <mc:Choice Requires="p14">
           <p:contentPart p14:bwMode="auto" r:id="rId12">
             <p14:nvContentPartPr>
               <p14:cNvPr id="46" name="Ink 45">
@@ -14106,7 +16157,7 @@
             </p14:xfrm>
           </p:contentPart>
         </mc:Choice>
-        <mc:Fallback>
+        <mc:Fallback xmlns="">
           <p:pic>
             <p:nvPicPr>
               <p:cNvPr id="46" name="Ink 45">
@@ -14137,8 +16188,8 @@
           </p:pic>
         </mc:Fallback>
       </mc:AlternateContent>
-      <mc:AlternateContent xmlns:mc="http://schemas.openxmlformats.org/markup-compatibility/2006">
-        <mc:Choice xmlns:p14="http://schemas.microsoft.com/office/powerpoint/2010/main" Requires="p14">
+      <mc:AlternateContent xmlns:mc="http://schemas.openxmlformats.org/markup-compatibility/2006" xmlns:p14="http://schemas.microsoft.com/office/powerpoint/2010/main">
+        <mc:Choice Requires="p14">
           <p:contentPart p14:bwMode="auto" r:id="rId14">
             <p14:nvContentPartPr>
               <p14:cNvPr id="49" name="Ink 48">
@@ -14157,7 +16208,7 @@
             </p14:xfrm>
           </p:contentPart>
         </mc:Choice>
-        <mc:Fallback>
+        <mc:Fallback xmlns="">
           <p:pic>
             <p:nvPicPr>
               <p:cNvPr id="49" name="Ink 48">
@@ -14188,8 +16239,8 @@
           </p:pic>
         </mc:Fallback>
       </mc:AlternateContent>
-      <mc:AlternateContent xmlns:mc="http://schemas.openxmlformats.org/markup-compatibility/2006">
-        <mc:Choice xmlns:p14="http://schemas.microsoft.com/office/powerpoint/2010/main" Requires="p14">
+      <mc:AlternateContent xmlns:mc="http://schemas.openxmlformats.org/markup-compatibility/2006" xmlns:p14="http://schemas.microsoft.com/office/powerpoint/2010/main">
+        <mc:Choice Requires="p14">
           <p:contentPart p14:bwMode="auto" r:id="rId16">
             <p14:nvContentPartPr>
               <p14:cNvPr id="50" name="Ink 49">
@@ -14208,7 +16259,7 @@
             </p14:xfrm>
           </p:contentPart>
         </mc:Choice>
-        <mc:Fallback>
+        <mc:Fallback xmlns="">
           <p:pic>
             <p:nvPicPr>
               <p:cNvPr id="50" name="Ink 49">
@@ -14239,8 +16290,8 @@
           </p:pic>
         </mc:Fallback>
       </mc:AlternateContent>
-      <mc:AlternateContent xmlns:mc="http://schemas.openxmlformats.org/markup-compatibility/2006">
-        <mc:Choice xmlns:p14="http://schemas.microsoft.com/office/powerpoint/2010/main" Requires="p14">
+      <mc:AlternateContent xmlns:mc="http://schemas.openxmlformats.org/markup-compatibility/2006" xmlns:p14="http://schemas.microsoft.com/office/powerpoint/2010/main">
+        <mc:Choice Requires="p14">
           <p:contentPart p14:bwMode="auto" r:id="rId18">
             <p14:nvContentPartPr>
               <p14:cNvPr id="55" name="Ink 54">
@@ -14259,7 +16310,7 @@
             </p14:xfrm>
           </p:contentPart>
         </mc:Choice>
-        <mc:Fallback>
+        <mc:Fallback xmlns="">
           <p:pic>
             <p:nvPicPr>
               <p:cNvPr id="55" name="Ink 54">
@@ -14290,8 +16341,8 @@
           </p:pic>
         </mc:Fallback>
       </mc:AlternateContent>
-      <mc:AlternateContent xmlns:mc="http://schemas.openxmlformats.org/markup-compatibility/2006">
-        <mc:Choice xmlns:p14="http://schemas.microsoft.com/office/powerpoint/2010/main" Requires="p14">
+      <mc:AlternateContent xmlns:mc="http://schemas.openxmlformats.org/markup-compatibility/2006" xmlns:p14="http://schemas.microsoft.com/office/powerpoint/2010/main">
+        <mc:Choice Requires="p14">
           <p:contentPart p14:bwMode="auto" r:id="rId20">
             <p14:nvContentPartPr>
               <p14:cNvPr id="70" name="Ink 69">
@@ -14310,7 +16361,7 @@
             </p14:xfrm>
           </p:contentPart>
         </mc:Choice>
-        <mc:Fallback>
+        <mc:Fallback xmlns="">
           <p:pic>
             <p:nvPicPr>
               <p:cNvPr id="70" name="Ink 69">
@@ -14341,8 +16392,8 @@
           </p:pic>
         </mc:Fallback>
       </mc:AlternateContent>
-      <mc:AlternateContent xmlns:mc="http://schemas.openxmlformats.org/markup-compatibility/2006">
-        <mc:Choice xmlns:p14="http://schemas.microsoft.com/office/powerpoint/2010/main" Requires="p14">
+      <mc:AlternateContent xmlns:mc="http://schemas.openxmlformats.org/markup-compatibility/2006" xmlns:p14="http://schemas.microsoft.com/office/powerpoint/2010/main">
+        <mc:Choice Requires="p14">
           <p:contentPart p14:bwMode="auto" r:id="rId22">
             <p14:nvContentPartPr>
               <p14:cNvPr id="100" name="Ink 99">
@@ -14361,7 +16412,7 @@
             </p14:xfrm>
           </p:contentPart>
         </mc:Choice>
-        <mc:Fallback>
+        <mc:Fallback xmlns="">
           <p:pic>
             <p:nvPicPr>
               <p:cNvPr id="100" name="Ink 99">
@@ -14392,8 +16443,8 @@
           </p:pic>
         </mc:Fallback>
       </mc:AlternateContent>
-      <mc:AlternateContent xmlns:mc="http://schemas.openxmlformats.org/markup-compatibility/2006">
-        <mc:Choice xmlns:p14="http://schemas.microsoft.com/office/powerpoint/2010/main" Requires="p14">
+      <mc:AlternateContent xmlns:mc="http://schemas.openxmlformats.org/markup-compatibility/2006" xmlns:p14="http://schemas.microsoft.com/office/powerpoint/2010/main">
+        <mc:Choice Requires="p14">
           <p:contentPart p14:bwMode="auto" r:id="rId24">
             <p14:nvContentPartPr>
               <p14:cNvPr id="111" name="Ink 110">
@@ -14412,7 +16463,7 @@
             </p14:xfrm>
           </p:contentPart>
         </mc:Choice>
-        <mc:Fallback>
+        <mc:Fallback xmlns="">
           <p:pic>
             <p:nvPicPr>
               <p:cNvPr id="111" name="Ink 110">
@@ -14443,8 +16494,8 @@
           </p:pic>
         </mc:Fallback>
       </mc:AlternateContent>
-      <mc:AlternateContent xmlns:mc="http://schemas.openxmlformats.org/markup-compatibility/2006">
-        <mc:Choice xmlns:p14="http://schemas.microsoft.com/office/powerpoint/2010/main" Requires="p14">
+      <mc:AlternateContent xmlns:mc="http://schemas.openxmlformats.org/markup-compatibility/2006" xmlns:p14="http://schemas.microsoft.com/office/powerpoint/2010/main">
+        <mc:Choice Requires="p14">
           <p:contentPart p14:bwMode="auto" r:id="rId26">
             <p14:nvContentPartPr>
               <p14:cNvPr id="121" name="Ink 120">
@@ -14463,7 +16514,7 @@
             </p14:xfrm>
           </p:contentPart>
         </mc:Choice>
-        <mc:Fallback>
+        <mc:Fallback xmlns="">
           <p:pic>
             <p:nvPicPr>
               <p:cNvPr id="121" name="Ink 120">
@@ -14494,8 +16545,8 @@
           </p:pic>
         </mc:Fallback>
       </mc:AlternateContent>
-      <mc:AlternateContent xmlns:mc="http://schemas.openxmlformats.org/markup-compatibility/2006">
-        <mc:Choice xmlns:p14="http://schemas.microsoft.com/office/powerpoint/2010/main" Requires="p14">
+      <mc:AlternateContent xmlns:mc="http://schemas.openxmlformats.org/markup-compatibility/2006" xmlns:p14="http://schemas.microsoft.com/office/powerpoint/2010/main">
+        <mc:Choice Requires="p14">
           <p:contentPart p14:bwMode="auto" r:id="rId28">
             <p14:nvContentPartPr>
               <p14:cNvPr id="122" name="Ink 121">
@@ -14514,7 +16565,7 @@
             </p14:xfrm>
           </p:contentPart>
         </mc:Choice>
-        <mc:Fallback>
+        <mc:Fallback xmlns="">
           <p:pic>
             <p:nvPicPr>
               <p:cNvPr id="122" name="Ink 121">
@@ -14545,8 +16596,8 @@
           </p:pic>
         </mc:Fallback>
       </mc:AlternateContent>
-      <mc:AlternateContent xmlns:mc="http://schemas.openxmlformats.org/markup-compatibility/2006">
-        <mc:Choice xmlns:p14="http://schemas.microsoft.com/office/powerpoint/2010/main" Requires="p14">
+      <mc:AlternateContent xmlns:mc="http://schemas.openxmlformats.org/markup-compatibility/2006" xmlns:p14="http://schemas.microsoft.com/office/powerpoint/2010/main">
+        <mc:Choice Requires="p14">
           <p:contentPart p14:bwMode="auto" r:id="rId30">
             <p14:nvContentPartPr>
               <p14:cNvPr id="153" name="Ink 152">
@@ -14565,7 +16616,7 @@
             </p14:xfrm>
           </p:contentPart>
         </mc:Choice>
-        <mc:Fallback>
+        <mc:Fallback xmlns="">
           <p:pic>
             <p:nvPicPr>
               <p:cNvPr id="153" name="Ink 152">
@@ -14596,8 +16647,8 @@
           </p:pic>
         </mc:Fallback>
       </mc:AlternateContent>
-      <mc:AlternateContent xmlns:mc="http://schemas.openxmlformats.org/markup-compatibility/2006">
-        <mc:Choice xmlns:p14="http://schemas.microsoft.com/office/powerpoint/2010/main" Requires="p14">
+      <mc:AlternateContent xmlns:mc="http://schemas.openxmlformats.org/markup-compatibility/2006" xmlns:p14="http://schemas.microsoft.com/office/powerpoint/2010/main">
+        <mc:Choice Requires="p14">
           <p:contentPart p14:bwMode="auto" r:id="rId32">
             <p14:nvContentPartPr>
               <p14:cNvPr id="175" name="Ink 174">
@@ -14616,7 +16667,7 @@
             </p14:xfrm>
           </p:contentPart>
         </mc:Choice>
-        <mc:Fallback>
+        <mc:Fallback xmlns="">
           <p:pic>
             <p:nvPicPr>
               <p:cNvPr id="175" name="Ink 174">
@@ -14647,8 +16698,8 @@
           </p:pic>
         </mc:Fallback>
       </mc:AlternateContent>
-      <mc:AlternateContent xmlns:mc="http://schemas.openxmlformats.org/markup-compatibility/2006">
-        <mc:Choice xmlns:p14="http://schemas.microsoft.com/office/powerpoint/2010/main" Requires="p14">
+      <mc:AlternateContent xmlns:mc="http://schemas.openxmlformats.org/markup-compatibility/2006" xmlns:p14="http://schemas.microsoft.com/office/powerpoint/2010/main">
+        <mc:Choice Requires="p14">
           <p:contentPart p14:bwMode="auto" r:id="rId34">
             <p14:nvContentPartPr>
               <p14:cNvPr id="183" name="Ink 182">
@@ -14667,7 +16718,7 @@
             </p14:xfrm>
           </p:contentPart>
         </mc:Choice>
-        <mc:Fallback>
+        <mc:Fallback xmlns="">
           <p:pic>
             <p:nvPicPr>
               <p:cNvPr id="183" name="Ink 182">
@@ -14698,8 +16749,8 @@
           </p:pic>
         </mc:Fallback>
       </mc:AlternateContent>
-      <mc:AlternateContent xmlns:mc="http://schemas.openxmlformats.org/markup-compatibility/2006">
-        <mc:Choice xmlns:p14="http://schemas.microsoft.com/office/powerpoint/2010/main" Requires="p14">
+      <mc:AlternateContent xmlns:mc="http://schemas.openxmlformats.org/markup-compatibility/2006" xmlns:p14="http://schemas.microsoft.com/office/powerpoint/2010/main">
+        <mc:Choice Requires="p14">
           <p:contentPart p14:bwMode="auto" r:id="rId36">
             <p14:nvContentPartPr>
               <p14:cNvPr id="189" name="Ink 188">
@@ -14718,7 +16769,7 @@
             </p14:xfrm>
           </p:contentPart>
         </mc:Choice>
-        <mc:Fallback>
+        <mc:Fallback xmlns="">
           <p:pic>
             <p:nvPicPr>
               <p:cNvPr id="189" name="Ink 188">
@@ -14749,8 +16800,8 @@
           </p:pic>
         </mc:Fallback>
       </mc:AlternateContent>
-      <mc:AlternateContent xmlns:mc="http://schemas.openxmlformats.org/markup-compatibility/2006">
-        <mc:Choice xmlns:p14="http://schemas.microsoft.com/office/powerpoint/2010/main" Requires="p14">
+      <mc:AlternateContent xmlns:mc="http://schemas.openxmlformats.org/markup-compatibility/2006" xmlns:p14="http://schemas.microsoft.com/office/powerpoint/2010/main">
+        <mc:Choice Requires="p14">
           <p:contentPart p14:bwMode="auto" r:id="rId38">
             <p14:nvContentPartPr>
               <p14:cNvPr id="190" name="Ink 189">
@@ -14769,7 +16820,7 @@
             </p14:xfrm>
           </p:contentPart>
         </mc:Choice>
-        <mc:Fallback>
+        <mc:Fallback xmlns="">
           <p:pic>
             <p:nvPicPr>
               <p:cNvPr id="190" name="Ink 189">
@@ -14800,8 +16851,8 @@
           </p:pic>
         </mc:Fallback>
       </mc:AlternateContent>
-      <mc:AlternateContent xmlns:mc="http://schemas.openxmlformats.org/markup-compatibility/2006">
-        <mc:Choice xmlns:p14="http://schemas.microsoft.com/office/powerpoint/2010/main" Requires="p14">
+      <mc:AlternateContent xmlns:mc="http://schemas.openxmlformats.org/markup-compatibility/2006" xmlns:p14="http://schemas.microsoft.com/office/powerpoint/2010/main">
+        <mc:Choice Requires="p14">
           <p:contentPart p14:bwMode="auto" r:id="rId40">
             <p14:nvContentPartPr>
               <p14:cNvPr id="194" name="Ink 193">
@@ -14820,7 +16871,7 @@
             </p14:xfrm>
           </p:contentPart>
         </mc:Choice>
-        <mc:Fallback>
+        <mc:Fallback xmlns="">
           <p:pic>
             <p:nvPicPr>
               <p:cNvPr id="194" name="Ink 193">
@@ -14851,8 +16902,8 @@
           </p:pic>
         </mc:Fallback>
       </mc:AlternateContent>
-      <mc:AlternateContent xmlns:mc="http://schemas.openxmlformats.org/markup-compatibility/2006">
-        <mc:Choice xmlns:p14="http://schemas.microsoft.com/office/powerpoint/2010/main" Requires="p14">
+      <mc:AlternateContent xmlns:mc="http://schemas.openxmlformats.org/markup-compatibility/2006" xmlns:p14="http://schemas.microsoft.com/office/powerpoint/2010/main">
+        <mc:Choice Requires="p14">
           <p:contentPart p14:bwMode="auto" r:id="rId42">
             <p14:nvContentPartPr>
               <p14:cNvPr id="211" name="Ink 210">
@@ -14871,7 +16922,7 @@
             </p14:xfrm>
           </p:contentPart>
         </mc:Choice>
-        <mc:Fallback>
+        <mc:Fallback xmlns="">
           <p:pic>
             <p:nvPicPr>
               <p:cNvPr id="211" name="Ink 210">
@@ -14902,8 +16953,8 @@
           </p:pic>
         </mc:Fallback>
       </mc:AlternateContent>
-      <mc:AlternateContent xmlns:mc="http://schemas.openxmlformats.org/markup-compatibility/2006">
-        <mc:Choice xmlns:p14="http://schemas.microsoft.com/office/powerpoint/2010/main" Requires="p14">
+      <mc:AlternateContent xmlns:mc="http://schemas.openxmlformats.org/markup-compatibility/2006" xmlns:p14="http://schemas.microsoft.com/office/powerpoint/2010/main">
+        <mc:Choice Requires="p14">
           <p:contentPart p14:bwMode="auto" r:id="rId44">
             <p14:nvContentPartPr>
               <p14:cNvPr id="215" name="Ink 214">
@@ -14922,7 +16973,7 @@
             </p14:xfrm>
           </p:contentPart>
         </mc:Choice>
-        <mc:Fallback>
+        <mc:Fallback xmlns="">
           <p:pic>
             <p:nvPicPr>
               <p:cNvPr id="215" name="Ink 214">
@@ -14953,8 +17004,8 @@
           </p:pic>
         </mc:Fallback>
       </mc:AlternateContent>
-      <mc:AlternateContent xmlns:mc="http://schemas.openxmlformats.org/markup-compatibility/2006">
-        <mc:Choice xmlns:p14="http://schemas.microsoft.com/office/powerpoint/2010/main" Requires="p14">
+      <mc:AlternateContent xmlns:mc="http://schemas.openxmlformats.org/markup-compatibility/2006" xmlns:p14="http://schemas.microsoft.com/office/powerpoint/2010/main">
+        <mc:Choice Requires="p14">
           <p:contentPart p14:bwMode="auto" r:id="rId46">
             <p14:nvContentPartPr>
               <p14:cNvPr id="221" name="Ink 220">
@@ -14973,7 +17024,7 @@
             </p14:xfrm>
           </p:contentPart>
         </mc:Choice>
-        <mc:Fallback>
+        <mc:Fallback xmlns="">
           <p:pic>
             <p:nvPicPr>
               <p:cNvPr id="221" name="Ink 220">
@@ -15004,8 +17055,8 @@
           </p:pic>
         </mc:Fallback>
       </mc:AlternateContent>
-      <mc:AlternateContent xmlns:mc="http://schemas.openxmlformats.org/markup-compatibility/2006">
-        <mc:Choice xmlns:p14="http://schemas.microsoft.com/office/powerpoint/2010/main" Requires="p14">
+      <mc:AlternateContent xmlns:mc="http://schemas.openxmlformats.org/markup-compatibility/2006" xmlns:p14="http://schemas.microsoft.com/office/powerpoint/2010/main">
+        <mc:Choice Requires="p14">
           <p:contentPart p14:bwMode="auto" r:id="rId48">
             <p14:nvContentPartPr>
               <p14:cNvPr id="222" name="Ink 221">
@@ -15024,7 +17075,7 @@
             </p14:xfrm>
           </p:contentPart>
         </mc:Choice>
-        <mc:Fallback>
+        <mc:Fallback xmlns="">
           <p:pic>
             <p:nvPicPr>
               <p:cNvPr id="222" name="Ink 221">
@@ -15055,8 +17106,8 @@
           </p:pic>
         </mc:Fallback>
       </mc:AlternateContent>
-      <mc:AlternateContent xmlns:mc="http://schemas.openxmlformats.org/markup-compatibility/2006">
-        <mc:Choice xmlns:p14="http://schemas.microsoft.com/office/powerpoint/2010/main" Requires="p14">
+      <mc:AlternateContent xmlns:mc="http://schemas.openxmlformats.org/markup-compatibility/2006" xmlns:p14="http://schemas.microsoft.com/office/powerpoint/2010/main">
+        <mc:Choice Requires="p14">
           <p:contentPart p14:bwMode="auto" r:id="rId50">
             <p14:nvContentPartPr>
               <p14:cNvPr id="227" name="Ink 226">
@@ -15075,7 +17126,7 @@
             </p14:xfrm>
           </p:contentPart>
         </mc:Choice>
-        <mc:Fallback>
+        <mc:Fallback xmlns="">
           <p:pic>
             <p:nvPicPr>
               <p:cNvPr id="227" name="Ink 226">
@@ -15106,8 +17157,8 @@
           </p:pic>
         </mc:Fallback>
       </mc:AlternateContent>
-      <mc:AlternateContent xmlns:mc="http://schemas.openxmlformats.org/markup-compatibility/2006">
-        <mc:Choice xmlns:p14="http://schemas.microsoft.com/office/powerpoint/2010/main" Requires="p14">
+      <mc:AlternateContent xmlns:mc="http://schemas.openxmlformats.org/markup-compatibility/2006" xmlns:p14="http://schemas.microsoft.com/office/powerpoint/2010/main">
+        <mc:Choice Requires="p14">
           <p:contentPart p14:bwMode="auto" r:id="rId52">
             <p14:nvContentPartPr>
               <p14:cNvPr id="232" name="Ink 231">
@@ -15126,7 +17177,7 @@
             </p14:xfrm>
           </p:contentPart>
         </mc:Choice>
-        <mc:Fallback>
+        <mc:Fallback xmlns="">
           <p:pic>
             <p:nvPicPr>
               <p:cNvPr id="232" name="Ink 231">
@@ -15157,8 +17208,8 @@
           </p:pic>
         </mc:Fallback>
       </mc:AlternateContent>
-      <mc:AlternateContent xmlns:mc="http://schemas.openxmlformats.org/markup-compatibility/2006">
-        <mc:Choice xmlns:p14="http://schemas.microsoft.com/office/powerpoint/2010/main" Requires="p14">
+      <mc:AlternateContent xmlns:mc="http://schemas.openxmlformats.org/markup-compatibility/2006" xmlns:p14="http://schemas.microsoft.com/office/powerpoint/2010/main">
+        <mc:Choice Requires="p14">
           <p:contentPart p14:bwMode="auto" r:id="rId54">
             <p14:nvContentPartPr>
               <p14:cNvPr id="233" name="Ink 232">
@@ -15177,7 +17228,7 @@
             </p14:xfrm>
           </p:contentPart>
         </mc:Choice>
-        <mc:Fallback>
+        <mc:Fallback xmlns="">
           <p:pic>
             <p:nvPicPr>
               <p:cNvPr id="233" name="Ink 232">
@@ -15208,8 +17259,8 @@
           </p:pic>
         </mc:Fallback>
       </mc:AlternateContent>
-      <mc:AlternateContent xmlns:mc="http://schemas.openxmlformats.org/markup-compatibility/2006">
-        <mc:Choice xmlns:p14="http://schemas.microsoft.com/office/powerpoint/2010/main" Requires="p14">
+      <mc:AlternateContent xmlns:mc="http://schemas.openxmlformats.org/markup-compatibility/2006" xmlns:p14="http://schemas.microsoft.com/office/powerpoint/2010/main">
+        <mc:Choice Requires="p14">
           <p:contentPart p14:bwMode="auto" r:id="rId56">
             <p14:nvContentPartPr>
               <p14:cNvPr id="236" name="Ink 235">
@@ -15228,7 +17279,7 @@
             </p14:xfrm>
           </p:contentPart>
         </mc:Choice>
-        <mc:Fallback>
+        <mc:Fallback xmlns="">
           <p:pic>
             <p:nvPicPr>
               <p:cNvPr id="236" name="Ink 235">
@@ -15259,8 +17310,8 @@
           </p:pic>
         </mc:Fallback>
       </mc:AlternateContent>
-      <mc:AlternateContent xmlns:mc="http://schemas.openxmlformats.org/markup-compatibility/2006">
-        <mc:Choice xmlns:p14="http://schemas.microsoft.com/office/powerpoint/2010/main" Requires="p14">
+      <mc:AlternateContent xmlns:mc="http://schemas.openxmlformats.org/markup-compatibility/2006" xmlns:p14="http://schemas.microsoft.com/office/powerpoint/2010/main">
+        <mc:Choice Requires="p14">
           <p:contentPart p14:bwMode="auto" r:id="rId58">
             <p14:nvContentPartPr>
               <p14:cNvPr id="239" name="Ink 238">
@@ -15279,7 +17330,7 @@
             </p14:xfrm>
           </p:contentPart>
         </mc:Choice>
-        <mc:Fallback>
+        <mc:Fallback xmlns="">
           <p:pic>
             <p:nvPicPr>
               <p:cNvPr id="239" name="Ink 238">
@@ -15310,8 +17361,8 @@
           </p:pic>
         </mc:Fallback>
       </mc:AlternateContent>
-      <mc:AlternateContent xmlns:mc="http://schemas.openxmlformats.org/markup-compatibility/2006">
-        <mc:Choice xmlns:p14="http://schemas.microsoft.com/office/powerpoint/2010/main" Requires="p14">
+      <mc:AlternateContent xmlns:mc="http://schemas.openxmlformats.org/markup-compatibility/2006" xmlns:p14="http://schemas.microsoft.com/office/powerpoint/2010/main">
+        <mc:Choice Requires="p14">
           <p:contentPart p14:bwMode="auto" r:id="rId60">
             <p14:nvContentPartPr>
               <p14:cNvPr id="242" name="Ink 241">
@@ -15330,7 +17381,7 @@
             </p14:xfrm>
           </p:contentPart>
         </mc:Choice>
-        <mc:Fallback>
+        <mc:Fallback xmlns="">
           <p:pic>
             <p:nvPicPr>
               <p:cNvPr id="242" name="Ink 241">
@@ -15361,8 +17412,8 @@
           </p:pic>
         </mc:Fallback>
       </mc:AlternateContent>
-      <mc:AlternateContent xmlns:mc="http://schemas.openxmlformats.org/markup-compatibility/2006">
-        <mc:Choice xmlns:p14="http://schemas.microsoft.com/office/powerpoint/2010/main" Requires="p14">
+      <mc:AlternateContent xmlns:mc="http://schemas.openxmlformats.org/markup-compatibility/2006" xmlns:p14="http://schemas.microsoft.com/office/powerpoint/2010/main">
+        <mc:Choice Requires="p14">
           <p:contentPart p14:bwMode="auto" r:id="rId62">
             <p14:nvContentPartPr>
               <p14:cNvPr id="250" name="Ink 249">
@@ -15381,7 +17432,7 @@
             </p14:xfrm>
           </p:contentPart>
         </mc:Choice>
-        <mc:Fallback>
+        <mc:Fallback xmlns="">
           <p:pic>
             <p:nvPicPr>
               <p:cNvPr id="250" name="Ink 249">
@@ -15412,8 +17463,8 @@
           </p:pic>
         </mc:Fallback>
       </mc:AlternateContent>
-      <mc:AlternateContent xmlns:mc="http://schemas.openxmlformats.org/markup-compatibility/2006">
-        <mc:Choice xmlns:p14="http://schemas.microsoft.com/office/powerpoint/2010/main" Requires="p14">
+      <mc:AlternateContent xmlns:mc="http://schemas.openxmlformats.org/markup-compatibility/2006" xmlns:p14="http://schemas.microsoft.com/office/powerpoint/2010/main">
+        <mc:Choice Requires="p14">
           <p:contentPart p14:bwMode="auto" r:id="rId64">
             <p14:nvContentPartPr>
               <p14:cNvPr id="251" name="Ink 250">
@@ -15432,7 +17483,7 @@
             </p14:xfrm>
           </p:contentPart>
         </mc:Choice>
-        <mc:Fallback>
+        <mc:Fallback xmlns="">
           <p:pic>
             <p:nvPicPr>
               <p:cNvPr id="251" name="Ink 250">
@@ -15463,8 +17514,8 @@
           </p:pic>
         </mc:Fallback>
       </mc:AlternateContent>
-      <mc:AlternateContent xmlns:mc="http://schemas.openxmlformats.org/markup-compatibility/2006">
-        <mc:Choice xmlns:p14="http://schemas.microsoft.com/office/powerpoint/2010/main" Requires="p14">
+      <mc:AlternateContent xmlns:mc="http://schemas.openxmlformats.org/markup-compatibility/2006" xmlns:p14="http://schemas.microsoft.com/office/powerpoint/2010/main">
+        <mc:Choice Requires="p14">
           <p:contentPart p14:bwMode="auto" r:id="rId66">
             <p14:nvContentPartPr>
               <p14:cNvPr id="252" name="Ink 251">
@@ -15483,7 +17534,7 @@
             </p14:xfrm>
           </p:contentPart>
         </mc:Choice>
-        <mc:Fallback>
+        <mc:Fallback xmlns="">
           <p:pic>
             <p:nvPicPr>
               <p:cNvPr id="252" name="Ink 251">
@@ -15514,8 +17565,8 @@
           </p:pic>
         </mc:Fallback>
       </mc:AlternateContent>
-      <mc:AlternateContent xmlns:mc="http://schemas.openxmlformats.org/markup-compatibility/2006">
-        <mc:Choice xmlns:p14="http://schemas.microsoft.com/office/powerpoint/2010/main" Requires="p14">
+      <mc:AlternateContent xmlns:mc="http://schemas.openxmlformats.org/markup-compatibility/2006" xmlns:p14="http://schemas.microsoft.com/office/powerpoint/2010/main">
+        <mc:Choice Requires="p14">
           <p:contentPart p14:bwMode="auto" r:id="rId68">
             <p14:nvContentPartPr>
               <p14:cNvPr id="261" name="Ink 260">
@@ -15534,7 +17585,7 @@
             </p14:xfrm>
           </p:contentPart>
         </mc:Choice>
-        <mc:Fallback>
+        <mc:Fallback xmlns="">
           <p:pic>
             <p:nvPicPr>
               <p:cNvPr id="261" name="Ink 260">
@@ -15595,8 +17646,8 @@
           <a:chExt cx="0" cy="0"/>
         </a:xfrm>
       </p:grpSpPr>
-      <mc:AlternateContent xmlns:mc="http://schemas.openxmlformats.org/markup-compatibility/2006">
-        <mc:Choice xmlns:p14="http://schemas.microsoft.com/office/powerpoint/2010/main" Requires="p14">
+      <mc:AlternateContent xmlns:mc="http://schemas.openxmlformats.org/markup-compatibility/2006" xmlns:p14="http://schemas.microsoft.com/office/powerpoint/2010/main">
+        <mc:Choice Requires="p14">
           <p:contentPart p14:bwMode="auto" r:id="rId2">
             <p14:nvContentPartPr>
               <p14:cNvPr id="4" name="Ink 3">
@@ -15615,7 +17666,7 @@
             </p14:xfrm>
           </p:contentPart>
         </mc:Choice>
-        <mc:Fallback>
+        <mc:Fallback xmlns="">
           <p:pic>
             <p:nvPicPr>
               <p:cNvPr id="4" name="Ink 3">
@@ -15646,8 +17697,8 @@
           </p:pic>
         </mc:Fallback>
       </mc:AlternateContent>
-      <mc:AlternateContent xmlns:mc="http://schemas.openxmlformats.org/markup-compatibility/2006">
-        <mc:Choice xmlns:p14="http://schemas.microsoft.com/office/powerpoint/2010/main" Requires="p14">
+      <mc:AlternateContent xmlns:mc="http://schemas.openxmlformats.org/markup-compatibility/2006" xmlns:p14="http://schemas.microsoft.com/office/powerpoint/2010/main">
+        <mc:Choice Requires="p14">
           <p:contentPart p14:bwMode="auto" r:id="rId4">
             <p14:nvContentPartPr>
               <p14:cNvPr id="48" name="Ink 47">
@@ -15666,7 +17717,7 @@
             </p14:xfrm>
           </p:contentPart>
         </mc:Choice>
-        <mc:Fallback>
+        <mc:Fallback xmlns="">
           <p:pic>
             <p:nvPicPr>
               <p:cNvPr id="48" name="Ink 47">
@@ -15697,8 +17748,8 @@
           </p:pic>
         </mc:Fallback>
       </mc:AlternateContent>
-      <mc:AlternateContent xmlns:mc="http://schemas.openxmlformats.org/markup-compatibility/2006">
-        <mc:Choice xmlns:p14="http://schemas.microsoft.com/office/powerpoint/2010/main" Requires="p14">
+      <mc:AlternateContent xmlns:mc="http://schemas.openxmlformats.org/markup-compatibility/2006" xmlns:p14="http://schemas.microsoft.com/office/powerpoint/2010/main">
+        <mc:Choice Requires="p14">
           <p:contentPart p14:bwMode="auto" r:id="rId6">
             <p14:nvContentPartPr>
               <p14:cNvPr id="70" name="Ink 69">
@@ -15717,7 +17768,7 @@
             </p14:xfrm>
           </p:contentPart>
         </mc:Choice>
-        <mc:Fallback>
+        <mc:Fallback xmlns="">
           <p:pic>
             <p:nvPicPr>
               <p:cNvPr id="70" name="Ink 69">
@@ -15748,8 +17799,8 @@
           </p:pic>
         </mc:Fallback>
       </mc:AlternateContent>
-      <mc:AlternateContent xmlns:mc="http://schemas.openxmlformats.org/markup-compatibility/2006">
-        <mc:Choice xmlns:p14="http://schemas.microsoft.com/office/powerpoint/2010/main" Requires="p14">
+      <mc:AlternateContent xmlns:mc="http://schemas.openxmlformats.org/markup-compatibility/2006" xmlns:p14="http://schemas.microsoft.com/office/powerpoint/2010/main">
+        <mc:Choice Requires="p14">
           <p:contentPart p14:bwMode="auto" r:id="rId8">
             <p14:nvContentPartPr>
               <p14:cNvPr id="82" name="Ink 81">
@@ -15768,7 +17819,7 @@
             </p14:xfrm>
           </p:contentPart>
         </mc:Choice>
-        <mc:Fallback>
+        <mc:Fallback xmlns="">
           <p:pic>
             <p:nvPicPr>
               <p:cNvPr id="82" name="Ink 81">
@@ -15799,8 +17850,8 @@
           </p:pic>
         </mc:Fallback>
       </mc:AlternateContent>
-      <mc:AlternateContent xmlns:mc="http://schemas.openxmlformats.org/markup-compatibility/2006">
-        <mc:Choice xmlns:p14="http://schemas.microsoft.com/office/powerpoint/2010/main" Requires="p14">
+      <mc:AlternateContent xmlns:mc="http://schemas.openxmlformats.org/markup-compatibility/2006" xmlns:p14="http://schemas.microsoft.com/office/powerpoint/2010/main">
+        <mc:Choice Requires="p14">
           <p:contentPart p14:bwMode="auto" r:id="rId10">
             <p14:nvContentPartPr>
               <p14:cNvPr id="83" name="Ink 82">
@@ -15819,7 +17870,7 @@
             </p14:xfrm>
           </p:contentPart>
         </mc:Choice>
-        <mc:Fallback>
+        <mc:Fallback xmlns="">
           <p:pic>
             <p:nvPicPr>
               <p:cNvPr id="83" name="Ink 82">
@@ -15850,8 +17901,8 @@
           </p:pic>
         </mc:Fallback>
       </mc:AlternateContent>
-      <mc:AlternateContent xmlns:mc="http://schemas.openxmlformats.org/markup-compatibility/2006">
-        <mc:Choice xmlns:p14="http://schemas.microsoft.com/office/powerpoint/2010/main" Requires="p14">
+      <mc:AlternateContent xmlns:mc="http://schemas.openxmlformats.org/markup-compatibility/2006" xmlns:p14="http://schemas.microsoft.com/office/powerpoint/2010/main">
+        <mc:Choice Requires="p14">
           <p:contentPart p14:bwMode="auto" r:id="rId12">
             <p14:nvContentPartPr>
               <p14:cNvPr id="88" name="Ink 87">
@@ -15870,7 +17921,7 @@
             </p14:xfrm>
           </p:contentPart>
         </mc:Choice>
-        <mc:Fallback>
+        <mc:Fallback xmlns="">
           <p:pic>
             <p:nvPicPr>
               <p:cNvPr id="88" name="Ink 87">
@@ -15901,8 +17952,8 @@
           </p:pic>
         </mc:Fallback>
       </mc:AlternateContent>
-      <mc:AlternateContent xmlns:mc="http://schemas.openxmlformats.org/markup-compatibility/2006">
-        <mc:Choice xmlns:p14="http://schemas.microsoft.com/office/powerpoint/2010/main" Requires="p14">
+      <mc:AlternateContent xmlns:mc="http://schemas.openxmlformats.org/markup-compatibility/2006" xmlns:p14="http://schemas.microsoft.com/office/powerpoint/2010/main">
+        <mc:Choice Requires="p14">
           <p:contentPart p14:bwMode="auto" r:id="rId14">
             <p14:nvContentPartPr>
               <p14:cNvPr id="89" name="Ink 88">
@@ -15921,7 +17972,7 @@
             </p14:xfrm>
           </p:contentPart>
         </mc:Choice>
-        <mc:Fallback>
+        <mc:Fallback xmlns="">
           <p:pic>
             <p:nvPicPr>
               <p:cNvPr id="89" name="Ink 88">
@@ -15952,8 +18003,8 @@
           </p:pic>
         </mc:Fallback>
       </mc:AlternateContent>
-      <mc:AlternateContent xmlns:mc="http://schemas.openxmlformats.org/markup-compatibility/2006">
-        <mc:Choice xmlns:p14="http://schemas.microsoft.com/office/powerpoint/2010/main" Requires="p14">
+      <mc:AlternateContent xmlns:mc="http://schemas.openxmlformats.org/markup-compatibility/2006" xmlns:p14="http://schemas.microsoft.com/office/powerpoint/2010/main">
+        <mc:Choice Requires="p14">
           <p:contentPart p14:bwMode="auto" r:id="rId16">
             <p14:nvContentPartPr>
               <p14:cNvPr id="90" name="Ink 89">
@@ -15972,7 +18023,7 @@
             </p14:xfrm>
           </p:contentPart>
         </mc:Choice>
-        <mc:Fallback>
+        <mc:Fallback xmlns="">
           <p:pic>
             <p:nvPicPr>
               <p:cNvPr id="90" name="Ink 89">
@@ -16003,8 +18054,8 @@
           </p:pic>
         </mc:Fallback>
       </mc:AlternateContent>
-      <mc:AlternateContent xmlns:mc="http://schemas.openxmlformats.org/markup-compatibility/2006">
-        <mc:Choice xmlns:p14="http://schemas.microsoft.com/office/powerpoint/2010/main" Requires="p14">
+      <mc:AlternateContent xmlns:mc="http://schemas.openxmlformats.org/markup-compatibility/2006" xmlns:p14="http://schemas.microsoft.com/office/powerpoint/2010/main">
+        <mc:Choice Requires="p14">
           <p:contentPart p14:bwMode="auto" r:id="rId18">
             <p14:nvContentPartPr>
               <p14:cNvPr id="101" name="Ink 100">
@@ -16023,7 +18074,7 @@
             </p14:xfrm>
           </p:contentPart>
         </mc:Choice>
-        <mc:Fallback>
+        <mc:Fallback xmlns="">
           <p:pic>
             <p:nvPicPr>
               <p:cNvPr id="101" name="Ink 100">
@@ -16054,8 +18105,8 @@
           </p:pic>
         </mc:Fallback>
       </mc:AlternateContent>
-      <mc:AlternateContent xmlns:mc="http://schemas.openxmlformats.org/markup-compatibility/2006">
-        <mc:Choice xmlns:p14="http://schemas.microsoft.com/office/powerpoint/2010/main" Requires="p14">
+      <mc:AlternateContent xmlns:mc="http://schemas.openxmlformats.org/markup-compatibility/2006" xmlns:p14="http://schemas.microsoft.com/office/powerpoint/2010/main">
+        <mc:Choice Requires="p14">
           <p:contentPart p14:bwMode="auto" r:id="rId20">
             <p14:nvContentPartPr>
               <p14:cNvPr id="128" name="Ink 127">
@@ -16074,7 +18125,7 @@
             </p14:xfrm>
           </p:contentPart>
         </mc:Choice>
-        <mc:Fallback>
+        <mc:Fallback xmlns="">
           <p:pic>
             <p:nvPicPr>
               <p:cNvPr id="128" name="Ink 127">
@@ -16105,8 +18156,8 @@
           </p:pic>
         </mc:Fallback>
       </mc:AlternateContent>
-      <mc:AlternateContent xmlns:mc="http://schemas.openxmlformats.org/markup-compatibility/2006">
-        <mc:Choice xmlns:p14="http://schemas.microsoft.com/office/powerpoint/2010/main" Requires="p14">
+      <mc:AlternateContent xmlns:mc="http://schemas.openxmlformats.org/markup-compatibility/2006" xmlns:p14="http://schemas.microsoft.com/office/powerpoint/2010/main">
+        <mc:Choice Requires="p14">
           <p:contentPart p14:bwMode="auto" r:id="rId22">
             <p14:nvContentPartPr>
               <p14:cNvPr id="139" name="Ink 138">
@@ -16125,7 +18176,7 @@
             </p14:xfrm>
           </p:contentPart>
         </mc:Choice>
-        <mc:Fallback>
+        <mc:Fallback xmlns="">
           <p:pic>
             <p:nvPicPr>
               <p:cNvPr id="139" name="Ink 138">
@@ -16156,8 +18207,8 @@
           </p:pic>
         </mc:Fallback>
       </mc:AlternateContent>
-      <mc:AlternateContent xmlns:mc="http://schemas.openxmlformats.org/markup-compatibility/2006">
-        <mc:Choice xmlns:p14="http://schemas.microsoft.com/office/powerpoint/2010/main" Requires="p14">
+      <mc:AlternateContent xmlns:mc="http://schemas.openxmlformats.org/markup-compatibility/2006" xmlns:p14="http://schemas.microsoft.com/office/powerpoint/2010/main">
+        <mc:Choice Requires="p14">
           <p:contentPart p14:bwMode="auto" r:id="rId24">
             <p14:nvContentPartPr>
               <p14:cNvPr id="141" name="Ink 140">
@@ -16176,7 +18227,7 @@
             </p14:xfrm>
           </p:contentPart>
         </mc:Choice>
-        <mc:Fallback>
+        <mc:Fallback xmlns="">
           <p:pic>
             <p:nvPicPr>
               <p:cNvPr id="141" name="Ink 140">
@@ -16207,8 +18258,8 @@
           </p:pic>
         </mc:Fallback>
       </mc:AlternateContent>
-      <mc:AlternateContent xmlns:mc="http://schemas.openxmlformats.org/markup-compatibility/2006">
-        <mc:Choice xmlns:p14="http://schemas.microsoft.com/office/powerpoint/2010/main" Requires="p14">
+      <mc:AlternateContent xmlns:mc="http://schemas.openxmlformats.org/markup-compatibility/2006" xmlns:p14="http://schemas.microsoft.com/office/powerpoint/2010/main">
+        <mc:Choice Requires="p14">
           <p:contentPart p14:bwMode="auto" r:id="rId26">
             <p14:nvContentPartPr>
               <p14:cNvPr id="147" name="Ink 146">
@@ -16227,7 +18278,7 @@
             </p14:xfrm>
           </p:contentPart>
         </mc:Choice>
-        <mc:Fallback>
+        <mc:Fallback xmlns="">
           <p:pic>
             <p:nvPicPr>
               <p:cNvPr id="147" name="Ink 146">
@@ -16258,8 +18309,8 @@
           </p:pic>
         </mc:Fallback>
       </mc:AlternateContent>
-      <mc:AlternateContent xmlns:mc="http://schemas.openxmlformats.org/markup-compatibility/2006">
-        <mc:Choice xmlns:p14="http://schemas.microsoft.com/office/powerpoint/2010/main" Requires="p14">
+      <mc:AlternateContent xmlns:mc="http://schemas.openxmlformats.org/markup-compatibility/2006" xmlns:p14="http://schemas.microsoft.com/office/powerpoint/2010/main">
+        <mc:Choice Requires="p14">
           <p:contentPart p14:bwMode="auto" r:id="rId28">
             <p14:nvContentPartPr>
               <p14:cNvPr id="148" name="Ink 147">
@@ -16278,7 +18329,7 @@
             </p14:xfrm>
           </p:contentPart>
         </mc:Choice>
-        <mc:Fallback>
+        <mc:Fallback xmlns="">
           <p:pic>
             <p:nvPicPr>
               <p:cNvPr id="148" name="Ink 147">
@@ -16309,8 +18360,8 @@
           </p:pic>
         </mc:Fallback>
       </mc:AlternateContent>
-      <mc:AlternateContent xmlns:mc="http://schemas.openxmlformats.org/markup-compatibility/2006">
-        <mc:Choice xmlns:p14="http://schemas.microsoft.com/office/powerpoint/2010/main" Requires="p14">
+      <mc:AlternateContent xmlns:mc="http://schemas.openxmlformats.org/markup-compatibility/2006" xmlns:p14="http://schemas.microsoft.com/office/powerpoint/2010/main">
+        <mc:Choice Requires="p14">
           <p:contentPart p14:bwMode="auto" r:id="rId30">
             <p14:nvContentPartPr>
               <p14:cNvPr id="151" name="Ink 150">
@@ -16329,7 +18380,7 @@
             </p14:xfrm>
           </p:contentPart>
         </mc:Choice>
-        <mc:Fallback>
+        <mc:Fallback xmlns="">
           <p:pic>
             <p:nvPicPr>
               <p:cNvPr id="151" name="Ink 150">
@@ -16360,8 +18411,8 @@
           </p:pic>
         </mc:Fallback>
       </mc:AlternateContent>
-      <mc:AlternateContent xmlns:mc="http://schemas.openxmlformats.org/markup-compatibility/2006">
-        <mc:Choice xmlns:p14="http://schemas.microsoft.com/office/powerpoint/2010/main" Requires="p14">
+      <mc:AlternateContent xmlns:mc="http://schemas.openxmlformats.org/markup-compatibility/2006" xmlns:p14="http://schemas.microsoft.com/office/powerpoint/2010/main">
+        <mc:Choice Requires="p14">
           <p:contentPart p14:bwMode="auto" r:id="rId32">
             <p14:nvContentPartPr>
               <p14:cNvPr id="166" name="Ink 165">
@@ -16380,7 +18431,7 @@
             </p14:xfrm>
           </p:contentPart>
         </mc:Choice>
-        <mc:Fallback>
+        <mc:Fallback xmlns="">
           <p:pic>
             <p:nvPicPr>
               <p:cNvPr id="166" name="Ink 165">
@@ -16411,8 +18462,8 @@
           </p:pic>
         </mc:Fallback>
       </mc:AlternateContent>
-      <mc:AlternateContent xmlns:mc="http://schemas.openxmlformats.org/markup-compatibility/2006">
-        <mc:Choice xmlns:p14="http://schemas.microsoft.com/office/powerpoint/2010/main" Requires="p14">
+      <mc:AlternateContent xmlns:mc="http://schemas.openxmlformats.org/markup-compatibility/2006" xmlns:p14="http://schemas.microsoft.com/office/powerpoint/2010/main">
+        <mc:Choice Requires="p14">
           <p:contentPart p14:bwMode="auto" r:id="rId34">
             <p14:nvContentPartPr>
               <p14:cNvPr id="169" name="Ink 168">
@@ -16431,7 +18482,7 @@
             </p14:xfrm>
           </p:contentPart>
         </mc:Choice>
-        <mc:Fallback>
+        <mc:Fallback xmlns="">
           <p:pic>
             <p:nvPicPr>
               <p:cNvPr id="169" name="Ink 168">
@@ -16462,8 +18513,8 @@
           </p:pic>
         </mc:Fallback>
       </mc:AlternateContent>
-      <mc:AlternateContent xmlns:mc="http://schemas.openxmlformats.org/markup-compatibility/2006">
-        <mc:Choice xmlns:p14="http://schemas.microsoft.com/office/powerpoint/2010/main" Requires="p14">
+      <mc:AlternateContent xmlns:mc="http://schemas.openxmlformats.org/markup-compatibility/2006" xmlns:p14="http://schemas.microsoft.com/office/powerpoint/2010/main">
+        <mc:Choice Requires="p14">
           <p:contentPart p14:bwMode="auto" r:id="rId36">
             <p14:nvContentPartPr>
               <p14:cNvPr id="175" name="Ink 174">
@@ -16482,7 +18533,7 @@
             </p14:xfrm>
           </p:contentPart>
         </mc:Choice>
-        <mc:Fallback>
+        <mc:Fallback xmlns="">
           <p:pic>
             <p:nvPicPr>
               <p:cNvPr id="175" name="Ink 174">
@@ -16513,8 +18564,8 @@
           </p:pic>
         </mc:Fallback>
       </mc:AlternateContent>
-      <mc:AlternateContent xmlns:mc="http://schemas.openxmlformats.org/markup-compatibility/2006">
-        <mc:Choice xmlns:p14="http://schemas.microsoft.com/office/powerpoint/2010/main" Requires="p14">
+      <mc:AlternateContent xmlns:mc="http://schemas.openxmlformats.org/markup-compatibility/2006" xmlns:p14="http://schemas.microsoft.com/office/powerpoint/2010/main">
+        <mc:Choice Requires="p14">
           <p:contentPart p14:bwMode="auto" r:id="rId38">
             <p14:nvContentPartPr>
               <p14:cNvPr id="176" name="Ink 175">
@@ -16533,7 +18584,7 @@
             </p14:xfrm>
           </p:contentPart>
         </mc:Choice>
-        <mc:Fallback>
+        <mc:Fallback xmlns="">
           <p:pic>
             <p:nvPicPr>
               <p:cNvPr id="176" name="Ink 175">
@@ -16564,8 +18615,8 @@
           </p:pic>
         </mc:Fallback>
       </mc:AlternateContent>
-      <mc:AlternateContent xmlns:mc="http://schemas.openxmlformats.org/markup-compatibility/2006">
-        <mc:Choice xmlns:p14="http://schemas.microsoft.com/office/powerpoint/2010/main" Requires="p14">
+      <mc:AlternateContent xmlns:mc="http://schemas.openxmlformats.org/markup-compatibility/2006" xmlns:p14="http://schemas.microsoft.com/office/powerpoint/2010/main">
+        <mc:Choice Requires="p14">
           <p:contentPart p14:bwMode="auto" r:id="rId40">
             <p14:nvContentPartPr>
               <p14:cNvPr id="205" name="Ink 204">
@@ -16584,7 +18635,7 @@
             </p14:xfrm>
           </p:contentPart>
         </mc:Choice>
-        <mc:Fallback>
+        <mc:Fallback xmlns="">
           <p:pic>
             <p:nvPicPr>
               <p:cNvPr id="205" name="Ink 204">
@@ -16615,8 +18666,8 @@
           </p:pic>
         </mc:Fallback>
       </mc:AlternateContent>
-      <mc:AlternateContent xmlns:mc="http://schemas.openxmlformats.org/markup-compatibility/2006">
-        <mc:Choice xmlns:p14="http://schemas.microsoft.com/office/powerpoint/2010/main" Requires="p14">
+      <mc:AlternateContent xmlns:mc="http://schemas.openxmlformats.org/markup-compatibility/2006" xmlns:p14="http://schemas.microsoft.com/office/powerpoint/2010/main">
+        <mc:Choice Requires="p14">
           <p:contentPart p14:bwMode="auto" r:id="rId42">
             <p14:nvContentPartPr>
               <p14:cNvPr id="213" name="Ink 212">
@@ -16635,7 +18686,7 @@
             </p14:xfrm>
           </p:contentPart>
         </mc:Choice>
-        <mc:Fallback>
+        <mc:Fallback xmlns="">
           <p:pic>
             <p:nvPicPr>
               <p:cNvPr id="213" name="Ink 212">
@@ -16696,6 +18747,567 @@
           <a:chExt cx="0" cy="0"/>
         </a:xfrm>
       </p:grpSpPr>
+      <mc:AlternateContent xmlns:mc="http://schemas.openxmlformats.org/markup-compatibility/2006">
+        <mc:Choice xmlns:p14="http://schemas.microsoft.com/office/powerpoint/2010/main" Requires="p14">
+          <p:contentPart p14:bwMode="auto" r:id="rId2">
+            <p14:nvContentPartPr>
+              <p14:cNvPr id="18" name="Ink 17">
+                <a:extLst>
+                  <a:ext uri="{FF2B5EF4-FFF2-40B4-BE49-F238E27FC236}">
+                    <a16:creationId xmlns:a16="http://schemas.microsoft.com/office/drawing/2014/main" id="{EE993426-1230-42D2-937B-33194415AE79}"/>
+                  </a:ext>
+                </a:extLst>
+              </p14:cNvPr>
+              <p14:cNvContentPartPr/>
+              <p14:nvPr/>
+            </p14:nvContentPartPr>
+            <p14:xfrm>
+              <a:off x="491566" y="1406811"/>
+              <a:ext cx="1178280" cy="2867400"/>
+            </p14:xfrm>
+          </p:contentPart>
+        </mc:Choice>
+        <mc:Fallback>
+          <p:pic>
+            <p:nvPicPr>
+              <p:cNvPr id="18" name="Ink 17">
+                <a:extLst>
+                  <a:ext uri="{FF2B5EF4-FFF2-40B4-BE49-F238E27FC236}">
+                    <a16:creationId xmlns:a16="http://schemas.microsoft.com/office/drawing/2014/main" id="{EE993426-1230-42D2-937B-33194415AE79}"/>
+                  </a:ext>
+                </a:extLst>
+              </p:cNvPr>
+              <p:cNvPicPr/>
+              <p:nvPr/>
+            </p:nvPicPr>
+            <p:blipFill>
+              <a:blip r:embed="rId3"/>
+              <a:stretch>
+                <a:fillRect/>
+              </a:stretch>
+            </p:blipFill>
+            <p:spPr>
+              <a:xfrm>
+                <a:off x="482566" y="1397811"/>
+                <a:ext cx="1195920" cy="2885040"/>
+              </a:xfrm>
+              <a:prstGeom prst="rect">
+                <a:avLst/>
+              </a:prstGeom>
+            </p:spPr>
+          </p:pic>
+        </mc:Fallback>
+      </mc:AlternateContent>
+      <mc:AlternateContent xmlns:mc="http://schemas.openxmlformats.org/markup-compatibility/2006">
+        <mc:Choice xmlns:p14="http://schemas.microsoft.com/office/powerpoint/2010/main" Requires="p14">
+          <p:contentPart p14:bwMode="auto" r:id="rId4">
+            <p14:nvContentPartPr>
+              <p14:cNvPr id="102" name="Ink 101">
+                <a:extLst>
+                  <a:ext uri="{FF2B5EF4-FFF2-40B4-BE49-F238E27FC236}">
+                    <a16:creationId xmlns:a16="http://schemas.microsoft.com/office/drawing/2014/main" id="{EE8F6399-B3C3-4151-B9F1-77C7BDD1775D}"/>
+                  </a:ext>
+                </a:extLst>
+              </p14:cNvPr>
+              <p14:cNvContentPartPr/>
+              <p14:nvPr/>
+            </p14:nvContentPartPr>
+            <p14:xfrm>
+              <a:off x="1529806" y="1433091"/>
+              <a:ext cx="4729320" cy="3227040"/>
+            </p14:xfrm>
+          </p:contentPart>
+        </mc:Choice>
+        <mc:Fallback>
+          <p:pic>
+            <p:nvPicPr>
+              <p:cNvPr id="102" name="Ink 101">
+                <a:extLst>
+                  <a:ext uri="{FF2B5EF4-FFF2-40B4-BE49-F238E27FC236}">
+                    <a16:creationId xmlns:a16="http://schemas.microsoft.com/office/drawing/2014/main" id="{EE8F6399-B3C3-4151-B9F1-77C7BDD1775D}"/>
+                  </a:ext>
+                </a:extLst>
+              </p:cNvPr>
+              <p:cNvPicPr/>
+              <p:nvPr/>
+            </p:nvPicPr>
+            <p:blipFill>
+              <a:blip r:embed="rId5"/>
+              <a:stretch>
+                <a:fillRect/>
+              </a:stretch>
+            </p:blipFill>
+            <p:spPr>
+              <a:xfrm>
+                <a:off x="1520806" y="1424091"/>
+                <a:ext cx="4746960" cy="3244680"/>
+              </a:xfrm>
+              <a:prstGeom prst="rect">
+                <a:avLst/>
+              </a:prstGeom>
+            </p:spPr>
+          </p:pic>
+        </mc:Fallback>
+      </mc:AlternateContent>
+      <mc:AlternateContent xmlns:mc="http://schemas.openxmlformats.org/markup-compatibility/2006">
+        <mc:Choice xmlns:p14="http://schemas.microsoft.com/office/powerpoint/2010/main" Requires="p14">
+          <p:contentPart p14:bwMode="auto" r:id="rId6">
+            <p14:nvContentPartPr>
+              <p14:cNvPr id="103" name="Ink 102">
+                <a:extLst>
+                  <a:ext uri="{FF2B5EF4-FFF2-40B4-BE49-F238E27FC236}">
+                    <a16:creationId xmlns:a16="http://schemas.microsoft.com/office/drawing/2014/main" id="{E55476EC-A17E-4A62-BEC6-2047C10201D5}"/>
+                  </a:ext>
+                </a:extLst>
+              </p14:cNvPr>
+              <p14:cNvContentPartPr/>
+              <p14:nvPr/>
+            </p14:nvContentPartPr>
+            <p14:xfrm>
+              <a:off x="3182926" y="4135251"/>
+              <a:ext cx="55440" cy="135000"/>
+            </p14:xfrm>
+          </p:contentPart>
+        </mc:Choice>
+        <mc:Fallback>
+          <p:pic>
+            <p:nvPicPr>
+              <p:cNvPr id="103" name="Ink 102">
+                <a:extLst>
+                  <a:ext uri="{FF2B5EF4-FFF2-40B4-BE49-F238E27FC236}">
+                    <a16:creationId xmlns:a16="http://schemas.microsoft.com/office/drawing/2014/main" id="{E55476EC-A17E-4A62-BEC6-2047C10201D5}"/>
+                  </a:ext>
+                </a:extLst>
+              </p:cNvPr>
+              <p:cNvPicPr/>
+              <p:nvPr/>
+            </p:nvPicPr>
+            <p:blipFill>
+              <a:blip r:embed="rId7"/>
+              <a:stretch>
+                <a:fillRect/>
+              </a:stretch>
+            </p:blipFill>
+            <p:spPr>
+              <a:xfrm>
+                <a:off x="3173926" y="4126251"/>
+                <a:ext cx="73080" cy="152640"/>
+              </a:xfrm>
+              <a:prstGeom prst="rect">
+                <a:avLst/>
+              </a:prstGeom>
+            </p:spPr>
+          </p:pic>
+        </mc:Fallback>
+      </mc:AlternateContent>
+      <mc:AlternateContent xmlns:mc="http://schemas.openxmlformats.org/markup-compatibility/2006">
+        <mc:Choice xmlns:p14="http://schemas.microsoft.com/office/powerpoint/2010/main" Requires="p14">
+          <p:contentPart p14:bwMode="auto" r:id="rId8">
+            <p14:nvContentPartPr>
+              <p14:cNvPr id="112" name="Ink 111">
+                <a:extLst>
+                  <a:ext uri="{FF2B5EF4-FFF2-40B4-BE49-F238E27FC236}">
+                    <a16:creationId xmlns:a16="http://schemas.microsoft.com/office/drawing/2014/main" id="{135A7793-E467-46C5-BD7C-AFF18F894AD6}"/>
+                  </a:ext>
+                </a:extLst>
+              </p14:cNvPr>
+              <p14:cNvContentPartPr/>
+              <p14:nvPr/>
+            </p14:nvContentPartPr>
+            <p14:xfrm>
+              <a:off x="2197966" y="1529931"/>
+              <a:ext cx="2752560" cy="3017880"/>
+            </p14:xfrm>
+          </p:contentPart>
+        </mc:Choice>
+        <mc:Fallback>
+          <p:pic>
+            <p:nvPicPr>
+              <p:cNvPr id="112" name="Ink 111">
+                <a:extLst>
+                  <a:ext uri="{FF2B5EF4-FFF2-40B4-BE49-F238E27FC236}">
+                    <a16:creationId xmlns:a16="http://schemas.microsoft.com/office/drawing/2014/main" id="{135A7793-E467-46C5-BD7C-AFF18F894AD6}"/>
+                  </a:ext>
+                </a:extLst>
+              </p:cNvPr>
+              <p:cNvPicPr/>
+              <p:nvPr/>
+            </p:nvPicPr>
+            <p:blipFill>
+              <a:blip r:embed="rId9"/>
+              <a:stretch>
+                <a:fillRect/>
+              </a:stretch>
+            </p:blipFill>
+            <p:spPr>
+              <a:xfrm>
+                <a:off x="2188966" y="1520931"/>
+                <a:ext cx="2770200" cy="3035520"/>
+              </a:xfrm>
+              <a:prstGeom prst="rect">
+                <a:avLst/>
+              </a:prstGeom>
+            </p:spPr>
+          </p:pic>
+        </mc:Fallback>
+      </mc:AlternateContent>
+      <mc:AlternateContent xmlns:mc="http://schemas.openxmlformats.org/markup-compatibility/2006">
+        <mc:Choice xmlns:p14="http://schemas.microsoft.com/office/powerpoint/2010/main" Requires="p14">
+          <p:contentPart p14:bwMode="auto" r:id="rId10">
+            <p14:nvContentPartPr>
+              <p14:cNvPr id="115" name="Ink 114">
+                <a:extLst>
+                  <a:ext uri="{FF2B5EF4-FFF2-40B4-BE49-F238E27FC236}">
+                    <a16:creationId xmlns:a16="http://schemas.microsoft.com/office/drawing/2014/main" id="{209D7319-149B-4392-8941-D5C69EF7E4B0}"/>
+                  </a:ext>
+                </a:extLst>
+              </p14:cNvPr>
+              <p14:cNvContentPartPr/>
+              <p14:nvPr/>
+            </p14:nvContentPartPr>
+            <p14:xfrm>
+              <a:off x="2546806" y="1572771"/>
+              <a:ext cx="363960" cy="194760"/>
+            </p14:xfrm>
+          </p:contentPart>
+        </mc:Choice>
+        <mc:Fallback>
+          <p:pic>
+            <p:nvPicPr>
+              <p:cNvPr id="115" name="Ink 114">
+                <a:extLst>
+                  <a:ext uri="{FF2B5EF4-FFF2-40B4-BE49-F238E27FC236}">
+                    <a16:creationId xmlns:a16="http://schemas.microsoft.com/office/drawing/2014/main" id="{209D7319-149B-4392-8941-D5C69EF7E4B0}"/>
+                  </a:ext>
+                </a:extLst>
+              </p:cNvPr>
+              <p:cNvPicPr/>
+              <p:nvPr/>
+            </p:nvPicPr>
+            <p:blipFill>
+              <a:blip r:embed="rId11"/>
+              <a:stretch>
+                <a:fillRect/>
+              </a:stretch>
+            </p:blipFill>
+            <p:spPr>
+              <a:xfrm>
+                <a:off x="2537806" y="1563771"/>
+                <a:ext cx="381600" cy="212400"/>
+              </a:xfrm>
+              <a:prstGeom prst="rect">
+                <a:avLst/>
+              </a:prstGeom>
+            </p:spPr>
+          </p:pic>
+        </mc:Fallback>
+      </mc:AlternateContent>
+      <mc:AlternateContent xmlns:mc="http://schemas.openxmlformats.org/markup-compatibility/2006">
+        <mc:Choice xmlns:p14="http://schemas.microsoft.com/office/powerpoint/2010/main" Requires="p14">
+          <p:contentPart p14:bwMode="auto" r:id="rId12">
+            <p14:nvContentPartPr>
+              <p14:cNvPr id="118" name="Ink 117">
+                <a:extLst>
+                  <a:ext uri="{FF2B5EF4-FFF2-40B4-BE49-F238E27FC236}">
+                    <a16:creationId xmlns:a16="http://schemas.microsoft.com/office/drawing/2014/main" id="{AF23DCE9-9DF2-403D-B2C1-E99F98692F83}"/>
+                  </a:ext>
+                </a:extLst>
+              </p14:cNvPr>
+              <p14:cNvContentPartPr/>
+              <p14:nvPr/>
+            </p14:nvContentPartPr>
+            <p14:xfrm>
+              <a:off x="4527886" y="1573851"/>
+              <a:ext cx="379440" cy="2497320"/>
+            </p14:xfrm>
+          </p:contentPart>
+        </mc:Choice>
+        <mc:Fallback>
+          <p:pic>
+            <p:nvPicPr>
+              <p:cNvPr id="118" name="Ink 117">
+                <a:extLst>
+                  <a:ext uri="{FF2B5EF4-FFF2-40B4-BE49-F238E27FC236}">
+                    <a16:creationId xmlns:a16="http://schemas.microsoft.com/office/drawing/2014/main" id="{AF23DCE9-9DF2-403D-B2C1-E99F98692F83}"/>
+                  </a:ext>
+                </a:extLst>
+              </p:cNvPr>
+              <p:cNvPicPr/>
+              <p:nvPr/>
+            </p:nvPicPr>
+            <p:blipFill>
+              <a:blip r:embed="rId13"/>
+              <a:stretch>
+                <a:fillRect/>
+              </a:stretch>
+            </p:blipFill>
+            <p:spPr>
+              <a:xfrm>
+                <a:off x="4518886" y="1564851"/>
+                <a:ext cx="397080" cy="2514960"/>
+              </a:xfrm>
+              <a:prstGeom prst="rect">
+                <a:avLst/>
+              </a:prstGeom>
+            </p:spPr>
+          </p:pic>
+        </mc:Fallback>
+      </mc:AlternateContent>
+      <mc:AlternateContent xmlns:mc="http://schemas.openxmlformats.org/markup-compatibility/2006">
+        <mc:Choice xmlns:p14="http://schemas.microsoft.com/office/powerpoint/2010/main" Requires="p14">
+          <p:contentPart p14:bwMode="auto" r:id="rId14">
+            <p14:nvContentPartPr>
+              <p14:cNvPr id="135" name="Ink 134">
+                <a:extLst>
+                  <a:ext uri="{FF2B5EF4-FFF2-40B4-BE49-F238E27FC236}">
+                    <a16:creationId xmlns:a16="http://schemas.microsoft.com/office/drawing/2014/main" id="{C77869BF-D1F4-46B0-BA5A-FD40C380E95D}"/>
+                  </a:ext>
+                </a:extLst>
+              </p14:cNvPr>
+              <p14:cNvContentPartPr/>
+              <p14:nvPr/>
+            </p14:nvContentPartPr>
+            <p14:xfrm>
+              <a:off x="3384886" y="1066971"/>
+              <a:ext cx="1468800" cy="3153600"/>
+            </p14:xfrm>
+          </p:contentPart>
+        </mc:Choice>
+        <mc:Fallback>
+          <p:pic>
+            <p:nvPicPr>
+              <p:cNvPr id="135" name="Ink 134">
+                <a:extLst>
+                  <a:ext uri="{FF2B5EF4-FFF2-40B4-BE49-F238E27FC236}">
+                    <a16:creationId xmlns:a16="http://schemas.microsoft.com/office/drawing/2014/main" id="{C77869BF-D1F4-46B0-BA5A-FD40C380E95D}"/>
+                  </a:ext>
+                </a:extLst>
+              </p:cNvPr>
+              <p:cNvPicPr/>
+              <p:nvPr/>
+            </p:nvPicPr>
+            <p:blipFill>
+              <a:blip r:embed="rId15"/>
+              <a:stretch>
+                <a:fillRect/>
+              </a:stretch>
+            </p:blipFill>
+            <p:spPr>
+              <a:xfrm>
+                <a:off x="3375886" y="1057971"/>
+                <a:ext cx="1486440" cy="3171240"/>
+              </a:xfrm>
+              <a:prstGeom prst="rect">
+                <a:avLst/>
+              </a:prstGeom>
+            </p:spPr>
+          </p:pic>
+        </mc:Fallback>
+      </mc:AlternateContent>
+      <mc:AlternateContent xmlns:mc="http://schemas.openxmlformats.org/markup-compatibility/2006">
+        <mc:Choice xmlns:p14="http://schemas.microsoft.com/office/powerpoint/2010/main" Requires="p14">
+          <p:contentPart p14:bwMode="auto" r:id="rId16">
+            <p14:nvContentPartPr>
+              <p14:cNvPr id="144" name="Ink 143">
+                <a:extLst>
+                  <a:ext uri="{FF2B5EF4-FFF2-40B4-BE49-F238E27FC236}">
+                    <a16:creationId xmlns:a16="http://schemas.microsoft.com/office/drawing/2014/main" id="{FB396789-2EA7-43F2-8D8F-07CE4B8F7857}"/>
+                  </a:ext>
+                </a:extLst>
+              </p14:cNvPr>
+              <p14:cNvContentPartPr/>
+              <p14:nvPr/>
+            </p14:nvContentPartPr>
+            <p14:xfrm>
+              <a:off x="2953246" y="4139211"/>
+              <a:ext cx="731880" cy="627120"/>
+            </p14:xfrm>
+          </p:contentPart>
+        </mc:Choice>
+        <mc:Fallback>
+          <p:pic>
+            <p:nvPicPr>
+              <p:cNvPr id="144" name="Ink 143">
+                <a:extLst>
+                  <a:ext uri="{FF2B5EF4-FFF2-40B4-BE49-F238E27FC236}">
+                    <a16:creationId xmlns:a16="http://schemas.microsoft.com/office/drawing/2014/main" id="{FB396789-2EA7-43F2-8D8F-07CE4B8F7857}"/>
+                  </a:ext>
+                </a:extLst>
+              </p:cNvPr>
+              <p:cNvPicPr/>
+              <p:nvPr/>
+            </p:nvPicPr>
+            <p:blipFill>
+              <a:blip r:embed="rId17"/>
+              <a:stretch>
+                <a:fillRect/>
+              </a:stretch>
+            </p:blipFill>
+            <p:spPr>
+              <a:xfrm>
+                <a:off x="2944246" y="4130216"/>
+                <a:ext cx="749520" cy="644750"/>
+              </a:xfrm>
+              <a:prstGeom prst="rect">
+                <a:avLst/>
+              </a:prstGeom>
+            </p:spPr>
+          </p:pic>
+        </mc:Fallback>
+      </mc:AlternateContent>
+      <mc:AlternateContent xmlns:mc="http://schemas.openxmlformats.org/markup-compatibility/2006">
+        <mc:Choice xmlns:p14="http://schemas.microsoft.com/office/powerpoint/2010/main" Requires="p14">
+          <p:contentPart p14:bwMode="auto" r:id="rId18">
+            <p14:nvContentPartPr>
+              <p14:cNvPr id="147" name="Ink 146">
+                <a:extLst>
+                  <a:ext uri="{FF2B5EF4-FFF2-40B4-BE49-F238E27FC236}">
+                    <a16:creationId xmlns:a16="http://schemas.microsoft.com/office/drawing/2014/main" id="{D835008E-F1C8-4BBA-81B4-591C217750EE}"/>
+                  </a:ext>
+                </a:extLst>
+              </p14:cNvPr>
+              <p14:cNvContentPartPr/>
+              <p14:nvPr/>
+            </p14:nvContentPartPr>
+            <p14:xfrm>
+              <a:off x="6506086" y="1176771"/>
+              <a:ext cx="721440" cy="450000"/>
+            </p14:xfrm>
+          </p:contentPart>
+        </mc:Choice>
+        <mc:Fallback>
+          <p:pic>
+            <p:nvPicPr>
+              <p:cNvPr id="147" name="Ink 146">
+                <a:extLst>
+                  <a:ext uri="{FF2B5EF4-FFF2-40B4-BE49-F238E27FC236}">
+                    <a16:creationId xmlns:a16="http://schemas.microsoft.com/office/drawing/2014/main" id="{D835008E-F1C8-4BBA-81B4-591C217750EE}"/>
+                  </a:ext>
+                </a:extLst>
+              </p:cNvPr>
+              <p:cNvPicPr/>
+              <p:nvPr/>
+            </p:nvPicPr>
+            <p:blipFill>
+              <a:blip r:embed="rId19"/>
+              <a:stretch>
+                <a:fillRect/>
+              </a:stretch>
+            </p:blipFill>
+            <p:spPr>
+              <a:xfrm>
+                <a:off x="6497086" y="1167771"/>
+                <a:ext cx="739080" cy="467640"/>
+              </a:xfrm>
+              <a:prstGeom prst="rect">
+                <a:avLst/>
+              </a:prstGeom>
+            </p:spPr>
+          </p:pic>
+        </mc:Fallback>
+      </mc:AlternateContent>
+      <mc:AlternateContent xmlns:mc="http://schemas.openxmlformats.org/markup-compatibility/2006">
+        <mc:Choice xmlns:p14="http://schemas.microsoft.com/office/powerpoint/2010/main" Requires="p14">
+          <p:contentPart p14:bwMode="auto" r:id="rId20">
+            <p14:nvContentPartPr>
+              <p14:cNvPr id="178" name="Ink 177">
+                <a:extLst>
+                  <a:ext uri="{FF2B5EF4-FFF2-40B4-BE49-F238E27FC236}">
+                    <a16:creationId xmlns:a16="http://schemas.microsoft.com/office/drawing/2014/main" id="{E8784ED9-C985-4F48-BAA5-A2B29C8765FD}"/>
+                  </a:ext>
+                </a:extLst>
+              </p14:cNvPr>
+              <p14:cNvContentPartPr/>
+              <p14:nvPr/>
+            </p14:nvContentPartPr>
+            <p14:xfrm>
+              <a:off x="7491046" y="3162891"/>
+              <a:ext cx="269640" cy="64440"/>
+            </p14:xfrm>
+          </p:contentPart>
+        </mc:Choice>
+        <mc:Fallback>
+          <p:pic>
+            <p:nvPicPr>
+              <p:cNvPr id="178" name="Ink 177">
+                <a:extLst>
+                  <a:ext uri="{FF2B5EF4-FFF2-40B4-BE49-F238E27FC236}">
+                    <a16:creationId xmlns:a16="http://schemas.microsoft.com/office/drawing/2014/main" id="{E8784ED9-C985-4F48-BAA5-A2B29C8765FD}"/>
+                  </a:ext>
+                </a:extLst>
+              </p:cNvPr>
+              <p:cNvPicPr/>
+              <p:nvPr/>
+            </p:nvPicPr>
+            <p:blipFill>
+              <a:blip r:embed="rId21"/>
+              <a:stretch>
+                <a:fillRect/>
+              </a:stretch>
+            </p:blipFill>
+            <p:spPr>
+              <a:xfrm>
+                <a:off x="7482046" y="3153789"/>
+                <a:ext cx="287280" cy="82279"/>
+              </a:xfrm>
+              <a:prstGeom prst="rect">
+                <a:avLst/>
+              </a:prstGeom>
+            </p:spPr>
+          </p:pic>
+        </mc:Fallback>
+      </mc:AlternateContent>
+      <mc:AlternateContent xmlns:mc="http://schemas.openxmlformats.org/markup-compatibility/2006">
+        <mc:Choice xmlns:p14="http://schemas.microsoft.com/office/powerpoint/2010/main" Requires="p14">
+          <p:contentPart p14:bwMode="auto" r:id="rId22">
+            <p14:nvContentPartPr>
+              <p14:cNvPr id="188" name="Ink 187">
+                <a:extLst>
+                  <a:ext uri="{FF2B5EF4-FFF2-40B4-BE49-F238E27FC236}">
+                    <a16:creationId xmlns:a16="http://schemas.microsoft.com/office/drawing/2014/main" id="{61897A61-E152-422C-9D70-6BDF5FEF317F}"/>
+                  </a:ext>
+                </a:extLst>
+              </p14:cNvPr>
+              <p14:cNvContentPartPr/>
+              <p14:nvPr/>
+            </p14:nvContentPartPr>
+            <p14:xfrm>
+              <a:off x="3640126" y="1670691"/>
+              <a:ext cx="7412400" cy="3024720"/>
+            </p14:xfrm>
+          </p:contentPart>
+        </mc:Choice>
+        <mc:Fallback>
+          <p:pic>
+            <p:nvPicPr>
+              <p:cNvPr id="188" name="Ink 187">
+                <a:extLst>
+                  <a:ext uri="{FF2B5EF4-FFF2-40B4-BE49-F238E27FC236}">
+                    <a16:creationId xmlns:a16="http://schemas.microsoft.com/office/drawing/2014/main" id="{61897A61-E152-422C-9D70-6BDF5FEF317F}"/>
+                  </a:ext>
+                </a:extLst>
+              </p:cNvPr>
+              <p:cNvPicPr/>
+              <p:nvPr/>
+            </p:nvPicPr>
+            <p:blipFill>
+              <a:blip r:embed="rId23"/>
+              <a:stretch>
+                <a:fillRect/>
+              </a:stretch>
+            </p:blipFill>
+            <p:spPr>
+              <a:xfrm>
+                <a:off x="3631126" y="1661691"/>
+                <a:ext cx="7430040" cy="3042360"/>
+              </a:xfrm>
+              <a:prstGeom prst="rect">
+                <a:avLst/>
+              </a:prstGeom>
+            </p:spPr>
+          </p:pic>
+        </mc:Fallback>
+      </mc:AlternateContent>
     </p:spTree>
     <p:extLst>
       <p:ext uri="{BB962C8B-B14F-4D97-AF65-F5344CB8AC3E}">
@@ -16726,6 +19338,2586 @@
           <a:chExt cx="0" cy="0"/>
         </a:xfrm>
       </p:grpSpPr>
+      <p:pic>
+        <p:nvPicPr>
+          <p:cNvPr id="3" name="Picture 2">
+            <a:extLst>
+              <a:ext uri="{FF2B5EF4-FFF2-40B4-BE49-F238E27FC236}">
+                <a16:creationId xmlns:a16="http://schemas.microsoft.com/office/drawing/2014/main" id="{B60F1C63-1027-451E-A6E9-02D8D844D7E1}"/>
+              </a:ext>
+            </a:extLst>
+          </p:cNvPr>
+          <p:cNvPicPr>
+            <a:picLocks noChangeAspect="1"/>
+          </p:cNvPicPr>
+          <p:nvPr/>
+        </p:nvPicPr>
+        <p:blipFill>
+          <a:blip r:embed="rId2"/>
+          <a:stretch>
+            <a:fillRect/>
+          </a:stretch>
+        </p:blipFill>
+        <p:spPr>
+          <a:xfrm>
+            <a:off x="4167553" y="0"/>
+            <a:ext cx="8107798" cy="2547979"/>
+          </a:xfrm>
+          <a:prstGeom prst="rect">
+            <a:avLst/>
+          </a:prstGeom>
+        </p:spPr>
+      </p:pic>
+      <mc:AlternateContent xmlns:mc="http://schemas.openxmlformats.org/markup-compatibility/2006">
+        <mc:Choice xmlns:p14="http://schemas.microsoft.com/office/powerpoint/2010/main" Requires="p14">
+          <p:contentPart p14:bwMode="auto" r:id="rId3">
+            <p14:nvContentPartPr>
+              <p14:cNvPr id="15" name="Ink 14">
+                <a:extLst>
+                  <a:ext uri="{FF2B5EF4-FFF2-40B4-BE49-F238E27FC236}">
+                    <a16:creationId xmlns:a16="http://schemas.microsoft.com/office/drawing/2014/main" id="{DCFC19F2-75E1-4E3E-ACA1-C5C7D0DCD44C}"/>
+                  </a:ext>
+                </a:extLst>
+              </p14:cNvPr>
+              <p14:cNvContentPartPr/>
+              <p14:nvPr/>
+            </p14:nvContentPartPr>
+            <p14:xfrm>
+              <a:off x="1494526" y="1184691"/>
+              <a:ext cx="1011600" cy="376200"/>
+            </p14:xfrm>
+          </p:contentPart>
+        </mc:Choice>
+        <mc:Fallback>
+          <p:pic>
+            <p:nvPicPr>
+              <p:cNvPr id="15" name="Ink 14">
+                <a:extLst>
+                  <a:ext uri="{FF2B5EF4-FFF2-40B4-BE49-F238E27FC236}">
+                    <a16:creationId xmlns:a16="http://schemas.microsoft.com/office/drawing/2014/main" id="{DCFC19F2-75E1-4E3E-ACA1-C5C7D0DCD44C}"/>
+                  </a:ext>
+                </a:extLst>
+              </p:cNvPr>
+              <p:cNvPicPr/>
+              <p:nvPr/>
+            </p:nvPicPr>
+            <p:blipFill>
+              <a:blip r:embed="rId4"/>
+              <a:stretch>
+                <a:fillRect/>
+              </a:stretch>
+            </p:blipFill>
+            <p:spPr>
+              <a:xfrm>
+                <a:off x="1485526" y="1175691"/>
+                <a:ext cx="1029240" cy="393840"/>
+              </a:xfrm>
+              <a:prstGeom prst="rect">
+                <a:avLst/>
+              </a:prstGeom>
+            </p:spPr>
+          </p:pic>
+        </mc:Fallback>
+      </mc:AlternateContent>
+      <mc:AlternateContent xmlns:mc="http://schemas.openxmlformats.org/markup-compatibility/2006">
+        <mc:Choice xmlns:p14="http://schemas.microsoft.com/office/powerpoint/2010/main" Requires="p14">
+          <p:contentPart p14:bwMode="auto" r:id="rId5">
+            <p14:nvContentPartPr>
+              <p14:cNvPr id="16" name="Ink 15">
+                <a:extLst>
+                  <a:ext uri="{FF2B5EF4-FFF2-40B4-BE49-F238E27FC236}">
+                    <a16:creationId xmlns:a16="http://schemas.microsoft.com/office/drawing/2014/main" id="{45789B25-3A98-42AA-87C0-C97998635329}"/>
+                  </a:ext>
+                </a:extLst>
+              </p14:cNvPr>
+              <p14:cNvContentPartPr/>
+              <p14:nvPr/>
+            </p14:nvContentPartPr>
+            <p14:xfrm>
+              <a:off x="251446" y="1107291"/>
+              <a:ext cx="946440" cy="387720"/>
+            </p14:xfrm>
+          </p:contentPart>
+        </mc:Choice>
+        <mc:Fallback>
+          <p:pic>
+            <p:nvPicPr>
+              <p:cNvPr id="16" name="Ink 15">
+                <a:extLst>
+                  <a:ext uri="{FF2B5EF4-FFF2-40B4-BE49-F238E27FC236}">
+                    <a16:creationId xmlns:a16="http://schemas.microsoft.com/office/drawing/2014/main" id="{45789B25-3A98-42AA-87C0-C97998635329}"/>
+                  </a:ext>
+                </a:extLst>
+              </p:cNvPr>
+              <p:cNvPicPr/>
+              <p:nvPr/>
+            </p:nvPicPr>
+            <p:blipFill>
+              <a:blip r:embed="rId6"/>
+              <a:stretch>
+                <a:fillRect/>
+              </a:stretch>
+            </p:blipFill>
+            <p:spPr>
+              <a:xfrm>
+                <a:off x="242446" y="1098291"/>
+                <a:ext cx="964080" cy="405360"/>
+              </a:xfrm>
+              <a:prstGeom prst="rect">
+                <a:avLst/>
+              </a:prstGeom>
+            </p:spPr>
+          </p:pic>
+        </mc:Fallback>
+      </mc:AlternateContent>
+      <mc:AlternateContent xmlns:mc="http://schemas.openxmlformats.org/markup-compatibility/2006">
+        <mc:Choice xmlns:p14="http://schemas.microsoft.com/office/powerpoint/2010/main" Requires="p14">
+          <p:contentPart p14:bwMode="auto" r:id="rId7">
+            <p14:nvContentPartPr>
+              <p14:cNvPr id="21" name="Ink 20">
+                <a:extLst>
+                  <a:ext uri="{FF2B5EF4-FFF2-40B4-BE49-F238E27FC236}">
+                    <a16:creationId xmlns:a16="http://schemas.microsoft.com/office/drawing/2014/main" id="{7B10ED6E-2DAC-49EF-AC6A-85B20FBA4C08}"/>
+                  </a:ext>
+                </a:extLst>
+              </p14:cNvPr>
+              <p14:cNvContentPartPr/>
+              <p14:nvPr/>
+            </p14:nvContentPartPr>
+            <p14:xfrm>
+              <a:off x="2778286" y="1044291"/>
+              <a:ext cx="944280" cy="355320"/>
+            </p14:xfrm>
+          </p:contentPart>
+        </mc:Choice>
+        <mc:Fallback>
+          <p:pic>
+            <p:nvPicPr>
+              <p:cNvPr id="21" name="Ink 20">
+                <a:extLst>
+                  <a:ext uri="{FF2B5EF4-FFF2-40B4-BE49-F238E27FC236}">
+                    <a16:creationId xmlns:a16="http://schemas.microsoft.com/office/drawing/2014/main" id="{7B10ED6E-2DAC-49EF-AC6A-85B20FBA4C08}"/>
+                  </a:ext>
+                </a:extLst>
+              </p:cNvPr>
+              <p:cNvPicPr/>
+              <p:nvPr/>
+            </p:nvPicPr>
+            <p:blipFill>
+              <a:blip r:embed="rId8"/>
+              <a:stretch>
+                <a:fillRect/>
+              </a:stretch>
+            </p:blipFill>
+            <p:spPr>
+              <a:xfrm>
+                <a:off x="2769283" y="1035291"/>
+                <a:ext cx="961927" cy="372960"/>
+              </a:xfrm>
+              <a:prstGeom prst="rect">
+                <a:avLst/>
+              </a:prstGeom>
+            </p:spPr>
+          </p:pic>
+        </mc:Fallback>
+      </mc:AlternateContent>
+      <mc:AlternateContent xmlns:mc="http://schemas.openxmlformats.org/markup-compatibility/2006">
+        <mc:Choice xmlns:p14="http://schemas.microsoft.com/office/powerpoint/2010/main" Requires="p14">
+          <p:contentPart p14:bwMode="auto" r:id="rId9">
+            <p14:nvContentPartPr>
+              <p14:cNvPr id="26" name="Ink 25">
+                <a:extLst>
+                  <a:ext uri="{FF2B5EF4-FFF2-40B4-BE49-F238E27FC236}">
+                    <a16:creationId xmlns:a16="http://schemas.microsoft.com/office/drawing/2014/main" id="{43DEAE79-51BC-4B6A-826B-CC563B7ECB9F}"/>
+                  </a:ext>
+                </a:extLst>
+              </p14:cNvPr>
+              <p14:cNvContentPartPr/>
+              <p14:nvPr/>
+            </p14:nvContentPartPr>
+            <p14:xfrm>
+              <a:off x="219766" y="2113491"/>
+              <a:ext cx="942840" cy="287280"/>
+            </p14:xfrm>
+          </p:contentPart>
+        </mc:Choice>
+        <mc:Fallback>
+          <p:pic>
+            <p:nvPicPr>
+              <p:cNvPr id="26" name="Ink 25">
+                <a:extLst>
+                  <a:ext uri="{FF2B5EF4-FFF2-40B4-BE49-F238E27FC236}">
+                    <a16:creationId xmlns:a16="http://schemas.microsoft.com/office/drawing/2014/main" id="{43DEAE79-51BC-4B6A-826B-CC563B7ECB9F}"/>
+                  </a:ext>
+                </a:extLst>
+              </p:cNvPr>
+              <p:cNvPicPr/>
+              <p:nvPr/>
+            </p:nvPicPr>
+            <p:blipFill>
+              <a:blip r:embed="rId10"/>
+              <a:stretch>
+                <a:fillRect/>
+              </a:stretch>
+            </p:blipFill>
+            <p:spPr>
+              <a:xfrm>
+                <a:off x="210766" y="2104491"/>
+                <a:ext cx="960480" cy="304920"/>
+              </a:xfrm>
+              <a:prstGeom prst="rect">
+                <a:avLst/>
+              </a:prstGeom>
+            </p:spPr>
+          </p:pic>
+        </mc:Fallback>
+      </mc:AlternateContent>
+      <mc:AlternateContent xmlns:mc="http://schemas.openxmlformats.org/markup-compatibility/2006">
+        <mc:Choice xmlns:p14="http://schemas.microsoft.com/office/powerpoint/2010/main" Requires="p14">
+          <p:contentPart p14:bwMode="auto" r:id="rId11">
+            <p14:nvContentPartPr>
+              <p14:cNvPr id="39" name="Ink 38">
+                <a:extLst>
+                  <a:ext uri="{FF2B5EF4-FFF2-40B4-BE49-F238E27FC236}">
+                    <a16:creationId xmlns:a16="http://schemas.microsoft.com/office/drawing/2014/main" id="{D90F6598-366E-4080-A7BF-7AFF4B6ED2E9}"/>
+                  </a:ext>
+                </a:extLst>
+              </p14:cNvPr>
+              <p14:cNvContentPartPr/>
+              <p14:nvPr/>
+            </p14:nvContentPartPr>
+            <p14:xfrm>
+              <a:off x="1512166" y="2101251"/>
+              <a:ext cx="2770200" cy="396000"/>
+            </p14:xfrm>
+          </p:contentPart>
+        </mc:Choice>
+        <mc:Fallback>
+          <p:pic>
+            <p:nvPicPr>
+              <p:cNvPr id="39" name="Ink 38">
+                <a:extLst>
+                  <a:ext uri="{FF2B5EF4-FFF2-40B4-BE49-F238E27FC236}">
+                    <a16:creationId xmlns:a16="http://schemas.microsoft.com/office/drawing/2014/main" id="{D90F6598-366E-4080-A7BF-7AFF4B6ED2E9}"/>
+                  </a:ext>
+                </a:extLst>
+              </p:cNvPr>
+              <p:cNvPicPr/>
+              <p:nvPr/>
+            </p:nvPicPr>
+            <p:blipFill>
+              <a:blip r:embed="rId12"/>
+              <a:stretch>
+                <a:fillRect/>
+              </a:stretch>
+            </p:blipFill>
+            <p:spPr>
+              <a:xfrm>
+                <a:off x="1503166" y="2092251"/>
+                <a:ext cx="2787840" cy="413640"/>
+              </a:xfrm>
+              <a:prstGeom prst="rect">
+                <a:avLst/>
+              </a:prstGeom>
+            </p:spPr>
+          </p:pic>
+        </mc:Fallback>
+      </mc:AlternateContent>
+      <mc:AlternateContent xmlns:mc="http://schemas.openxmlformats.org/markup-compatibility/2006">
+        <mc:Choice xmlns:p14="http://schemas.microsoft.com/office/powerpoint/2010/main" Requires="p14">
+          <p:contentPart p14:bwMode="auto" r:id="rId13">
+            <p14:nvContentPartPr>
+              <p14:cNvPr id="43" name="Ink 42">
+                <a:extLst>
+                  <a:ext uri="{FF2B5EF4-FFF2-40B4-BE49-F238E27FC236}">
+                    <a16:creationId xmlns:a16="http://schemas.microsoft.com/office/drawing/2014/main" id="{EACEA08B-29AF-41B9-9493-4E4491122CE7}"/>
+                  </a:ext>
+                </a:extLst>
+              </p14:cNvPr>
+              <p14:cNvContentPartPr/>
+              <p14:nvPr/>
+            </p14:nvContentPartPr>
+            <p14:xfrm>
+              <a:off x="4396126" y="2126091"/>
+              <a:ext cx="765360" cy="380160"/>
+            </p14:xfrm>
+          </p:contentPart>
+        </mc:Choice>
+        <mc:Fallback>
+          <p:pic>
+            <p:nvPicPr>
+              <p:cNvPr id="43" name="Ink 42">
+                <a:extLst>
+                  <a:ext uri="{FF2B5EF4-FFF2-40B4-BE49-F238E27FC236}">
+                    <a16:creationId xmlns:a16="http://schemas.microsoft.com/office/drawing/2014/main" id="{EACEA08B-29AF-41B9-9493-4E4491122CE7}"/>
+                  </a:ext>
+                </a:extLst>
+              </p:cNvPr>
+              <p:cNvPicPr/>
+              <p:nvPr/>
+            </p:nvPicPr>
+            <p:blipFill>
+              <a:blip r:embed="rId14"/>
+              <a:stretch>
+                <a:fillRect/>
+              </a:stretch>
+            </p:blipFill>
+            <p:spPr>
+              <a:xfrm>
+                <a:off x="4387126" y="2117091"/>
+                <a:ext cx="783000" cy="397800"/>
+              </a:xfrm>
+              <a:prstGeom prst="rect">
+                <a:avLst/>
+              </a:prstGeom>
+            </p:spPr>
+          </p:pic>
+        </mc:Fallback>
+      </mc:AlternateContent>
+      <mc:AlternateContent xmlns:mc="http://schemas.openxmlformats.org/markup-compatibility/2006">
+        <mc:Choice xmlns:p14="http://schemas.microsoft.com/office/powerpoint/2010/main" Requires="p14">
+          <p:contentPart p14:bwMode="auto" r:id="rId15">
+            <p14:nvContentPartPr>
+              <p14:cNvPr id="52" name="Ink 51">
+                <a:extLst>
+                  <a:ext uri="{FF2B5EF4-FFF2-40B4-BE49-F238E27FC236}">
+                    <a16:creationId xmlns:a16="http://schemas.microsoft.com/office/drawing/2014/main" id="{8FBDACF8-2FAA-4BBB-9651-EA9C2AF87D65}"/>
+                  </a:ext>
+                </a:extLst>
+              </p14:cNvPr>
+              <p14:cNvContentPartPr/>
+              <p14:nvPr/>
+            </p14:nvContentPartPr>
+            <p14:xfrm>
+              <a:off x="1362766" y="2778411"/>
+              <a:ext cx="1064160" cy="404640"/>
+            </p14:xfrm>
+          </p:contentPart>
+        </mc:Choice>
+        <mc:Fallback>
+          <p:pic>
+            <p:nvPicPr>
+              <p:cNvPr id="52" name="Ink 51">
+                <a:extLst>
+                  <a:ext uri="{FF2B5EF4-FFF2-40B4-BE49-F238E27FC236}">
+                    <a16:creationId xmlns:a16="http://schemas.microsoft.com/office/drawing/2014/main" id="{8FBDACF8-2FAA-4BBB-9651-EA9C2AF87D65}"/>
+                  </a:ext>
+                </a:extLst>
+              </p:cNvPr>
+              <p:cNvPicPr/>
+              <p:nvPr/>
+            </p:nvPicPr>
+            <p:blipFill>
+              <a:blip r:embed="rId16"/>
+              <a:stretch>
+                <a:fillRect/>
+              </a:stretch>
+            </p:blipFill>
+            <p:spPr>
+              <a:xfrm>
+                <a:off x="1353766" y="2769411"/>
+                <a:ext cx="1081800" cy="422280"/>
+              </a:xfrm>
+              <a:prstGeom prst="rect">
+                <a:avLst/>
+              </a:prstGeom>
+            </p:spPr>
+          </p:pic>
+        </mc:Fallback>
+      </mc:AlternateContent>
+      <mc:AlternateContent xmlns:mc="http://schemas.openxmlformats.org/markup-compatibility/2006">
+        <mc:Choice xmlns:p14="http://schemas.microsoft.com/office/powerpoint/2010/main" Requires="p14">
+          <p:contentPart p14:bwMode="auto" r:id="rId17">
+            <p14:nvContentPartPr>
+              <p14:cNvPr id="62" name="Ink 61">
+                <a:extLst>
+                  <a:ext uri="{FF2B5EF4-FFF2-40B4-BE49-F238E27FC236}">
+                    <a16:creationId xmlns:a16="http://schemas.microsoft.com/office/drawing/2014/main" id="{F13C12B1-B0DD-4100-AE89-0194093C5E7C}"/>
+                  </a:ext>
+                </a:extLst>
+              </p14:cNvPr>
+              <p14:cNvContentPartPr/>
+              <p14:nvPr/>
+            </p14:nvContentPartPr>
+            <p14:xfrm>
+              <a:off x="2664166" y="2804691"/>
+              <a:ext cx="1943280" cy="343440"/>
+            </p14:xfrm>
+          </p:contentPart>
+        </mc:Choice>
+        <mc:Fallback>
+          <p:pic>
+            <p:nvPicPr>
+              <p:cNvPr id="62" name="Ink 61">
+                <a:extLst>
+                  <a:ext uri="{FF2B5EF4-FFF2-40B4-BE49-F238E27FC236}">
+                    <a16:creationId xmlns:a16="http://schemas.microsoft.com/office/drawing/2014/main" id="{F13C12B1-B0DD-4100-AE89-0194093C5E7C}"/>
+                  </a:ext>
+                </a:extLst>
+              </p:cNvPr>
+              <p:cNvPicPr/>
+              <p:nvPr/>
+            </p:nvPicPr>
+            <p:blipFill>
+              <a:blip r:embed="rId18"/>
+              <a:stretch>
+                <a:fillRect/>
+              </a:stretch>
+            </p:blipFill>
+            <p:spPr>
+              <a:xfrm>
+                <a:off x="2655166" y="2795691"/>
+                <a:ext cx="1960920" cy="361080"/>
+              </a:xfrm>
+              <a:prstGeom prst="rect">
+                <a:avLst/>
+              </a:prstGeom>
+            </p:spPr>
+          </p:pic>
+        </mc:Fallback>
+      </mc:AlternateContent>
+      <mc:AlternateContent xmlns:mc="http://schemas.openxmlformats.org/markup-compatibility/2006">
+        <mc:Choice xmlns:p14="http://schemas.microsoft.com/office/powerpoint/2010/main" Requires="p14">
+          <p:contentPart p14:bwMode="auto" r:id="rId19">
+            <p14:nvContentPartPr>
+              <p14:cNvPr id="67" name="Ink 66">
+                <a:extLst>
+                  <a:ext uri="{FF2B5EF4-FFF2-40B4-BE49-F238E27FC236}">
+                    <a16:creationId xmlns:a16="http://schemas.microsoft.com/office/drawing/2014/main" id="{71E216A6-2B4C-4749-B22E-65394A5A0982}"/>
+                  </a:ext>
+                </a:extLst>
+              </p14:cNvPr>
+              <p14:cNvContentPartPr/>
+              <p14:nvPr/>
+            </p14:nvContentPartPr>
+            <p14:xfrm>
+              <a:off x="4827046" y="2820891"/>
+              <a:ext cx="650880" cy="344880"/>
+            </p14:xfrm>
+          </p:contentPart>
+        </mc:Choice>
+        <mc:Fallback>
+          <p:pic>
+            <p:nvPicPr>
+              <p:cNvPr id="67" name="Ink 66">
+                <a:extLst>
+                  <a:ext uri="{FF2B5EF4-FFF2-40B4-BE49-F238E27FC236}">
+                    <a16:creationId xmlns:a16="http://schemas.microsoft.com/office/drawing/2014/main" id="{71E216A6-2B4C-4749-B22E-65394A5A0982}"/>
+                  </a:ext>
+                </a:extLst>
+              </p:cNvPr>
+              <p:cNvPicPr/>
+              <p:nvPr/>
+            </p:nvPicPr>
+            <p:blipFill>
+              <a:blip r:embed="rId20"/>
+              <a:stretch>
+                <a:fillRect/>
+              </a:stretch>
+            </p:blipFill>
+            <p:spPr>
+              <a:xfrm>
+                <a:off x="4818046" y="2811891"/>
+                <a:ext cx="668520" cy="362520"/>
+              </a:xfrm>
+              <a:prstGeom prst="rect">
+                <a:avLst/>
+              </a:prstGeom>
+            </p:spPr>
+          </p:pic>
+        </mc:Fallback>
+      </mc:AlternateContent>
+      <mc:AlternateContent xmlns:mc="http://schemas.openxmlformats.org/markup-compatibility/2006">
+        <mc:Choice xmlns:p14="http://schemas.microsoft.com/office/powerpoint/2010/main" Requires="p14">
+          <p:contentPart p14:bwMode="auto" r:id="rId21">
+            <p14:nvContentPartPr>
+              <p14:cNvPr id="72" name="Ink 71">
+                <a:extLst>
+                  <a:ext uri="{FF2B5EF4-FFF2-40B4-BE49-F238E27FC236}">
+                    <a16:creationId xmlns:a16="http://schemas.microsoft.com/office/drawing/2014/main" id="{CDC3040E-BD98-404A-AC46-C18A6F995E43}"/>
+                  </a:ext>
+                </a:extLst>
+              </p14:cNvPr>
+              <p14:cNvContentPartPr/>
+              <p14:nvPr/>
+            </p14:nvContentPartPr>
+            <p14:xfrm>
+              <a:off x="5750086" y="2752131"/>
+              <a:ext cx="536760" cy="317160"/>
+            </p14:xfrm>
+          </p:contentPart>
+        </mc:Choice>
+        <mc:Fallback>
+          <p:pic>
+            <p:nvPicPr>
+              <p:cNvPr id="72" name="Ink 71">
+                <a:extLst>
+                  <a:ext uri="{FF2B5EF4-FFF2-40B4-BE49-F238E27FC236}">
+                    <a16:creationId xmlns:a16="http://schemas.microsoft.com/office/drawing/2014/main" id="{CDC3040E-BD98-404A-AC46-C18A6F995E43}"/>
+                  </a:ext>
+                </a:extLst>
+              </p:cNvPr>
+              <p:cNvPicPr/>
+              <p:nvPr/>
+            </p:nvPicPr>
+            <p:blipFill>
+              <a:blip r:embed="rId22"/>
+              <a:stretch>
+                <a:fillRect/>
+              </a:stretch>
+            </p:blipFill>
+            <p:spPr>
+              <a:xfrm>
+                <a:off x="5741086" y="2743131"/>
+                <a:ext cx="554400" cy="334800"/>
+              </a:xfrm>
+              <a:prstGeom prst="rect">
+                <a:avLst/>
+              </a:prstGeom>
+            </p:spPr>
+          </p:pic>
+        </mc:Fallback>
+      </mc:AlternateContent>
+      <mc:AlternateContent xmlns:mc="http://schemas.openxmlformats.org/markup-compatibility/2006">
+        <mc:Choice xmlns:p14="http://schemas.microsoft.com/office/powerpoint/2010/main" Requires="p14">
+          <p:contentPart p14:bwMode="auto" r:id="rId23">
+            <p14:nvContentPartPr>
+              <p14:cNvPr id="78" name="Ink 77">
+                <a:extLst>
+                  <a:ext uri="{FF2B5EF4-FFF2-40B4-BE49-F238E27FC236}">
+                    <a16:creationId xmlns:a16="http://schemas.microsoft.com/office/drawing/2014/main" id="{FFC11E5D-907E-4729-8ECD-1E579ABEC9B3}"/>
+                  </a:ext>
+                </a:extLst>
+              </p14:cNvPr>
+              <p14:cNvContentPartPr/>
+              <p14:nvPr/>
+            </p14:nvContentPartPr>
+            <p14:xfrm>
+              <a:off x="6515086" y="2799651"/>
+              <a:ext cx="862200" cy="290520"/>
+            </p14:xfrm>
+          </p:contentPart>
+        </mc:Choice>
+        <mc:Fallback>
+          <p:pic>
+            <p:nvPicPr>
+              <p:cNvPr id="78" name="Ink 77">
+                <a:extLst>
+                  <a:ext uri="{FF2B5EF4-FFF2-40B4-BE49-F238E27FC236}">
+                    <a16:creationId xmlns:a16="http://schemas.microsoft.com/office/drawing/2014/main" id="{FFC11E5D-907E-4729-8ECD-1E579ABEC9B3}"/>
+                  </a:ext>
+                </a:extLst>
+              </p:cNvPr>
+              <p:cNvPicPr/>
+              <p:nvPr/>
+            </p:nvPicPr>
+            <p:blipFill>
+              <a:blip r:embed="rId24"/>
+              <a:stretch>
+                <a:fillRect/>
+              </a:stretch>
+            </p:blipFill>
+            <p:spPr>
+              <a:xfrm>
+                <a:off x="6506086" y="2790651"/>
+                <a:ext cx="879840" cy="308160"/>
+              </a:xfrm>
+              <a:prstGeom prst="rect">
+                <a:avLst/>
+              </a:prstGeom>
+            </p:spPr>
+          </p:pic>
+        </mc:Fallback>
+      </mc:AlternateContent>
+      <mc:AlternateContent xmlns:mc="http://schemas.openxmlformats.org/markup-compatibility/2006">
+        <mc:Choice xmlns:p14="http://schemas.microsoft.com/office/powerpoint/2010/main" Requires="p14">
+          <p:contentPart p14:bwMode="auto" r:id="rId25">
+            <p14:nvContentPartPr>
+              <p14:cNvPr id="79" name="Ink 78">
+                <a:extLst>
+                  <a:ext uri="{FF2B5EF4-FFF2-40B4-BE49-F238E27FC236}">
+                    <a16:creationId xmlns:a16="http://schemas.microsoft.com/office/drawing/2014/main" id="{4C159C53-EDD3-4710-B08C-231955ABAFA0}"/>
+                  </a:ext>
+                </a:extLst>
+              </p14:cNvPr>
+              <p14:cNvContentPartPr/>
+              <p14:nvPr/>
+            </p14:nvContentPartPr>
+            <p14:xfrm>
+              <a:off x="1609006" y="3622611"/>
+              <a:ext cx="35640" cy="219960"/>
+            </p14:xfrm>
+          </p:contentPart>
+        </mc:Choice>
+        <mc:Fallback>
+          <p:pic>
+            <p:nvPicPr>
+              <p:cNvPr id="79" name="Ink 78">
+                <a:extLst>
+                  <a:ext uri="{FF2B5EF4-FFF2-40B4-BE49-F238E27FC236}">
+                    <a16:creationId xmlns:a16="http://schemas.microsoft.com/office/drawing/2014/main" id="{4C159C53-EDD3-4710-B08C-231955ABAFA0}"/>
+                  </a:ext>
+                </a:extLst>
+              </p:cNvPr>
+              <p:cNvPicPr/>
+              <p:nvPr/>
+            </p:nvPicPr>
+            <p:blipFill>
+              <a:blip r:embed="rId26"/>
+              <a:stretch>
+                <a:fillRect/>
+              </a:stretch>
+            </p:blipFill>
+            <p:spPr>
+              <a:xfrm>
+                <a:off x="1600006" y="3613611"/>
+                <a:ext cx="53280" cy="237600"/>
+              </a:xfrm>
+              <a:prstGeom prst="rect">
+                <a:avLst/>
+              </a:prstGeom>
+            </p:spPr>
+          </p:pic>
+        </mc:Fallback>
+      </mc:AlternateContent>
+      <mc:AlternateContent xmlns:mc="http://schemas.openxmlformats.org/markup-compatibility/2006">
+        <mc:Choice xmlns:p14="http://schemas.microsoft.com/office/powerpoint/2010/main" Requires="p14">
+          <p:contentPart p14:bwMode="auto" r:id="rId27">
+            <p14:nvContentPartPr>
+              <p14:cNvPr id="84" name="Ink 83">
+                <a:extLst>
+                  <a:ext uri="{FF2B5EF4-FFF2-40B4-BE49-F238E27FC236}">
+                    <a16:creationId xmlns:a16="http://schemas.microsoft.com/office/drawing/2014/main" id="{1F8F057F-BEEA-4F03-A91C-6316BB5B5AE9}"/>
+                  </a:ext>
+                </a:extLst>
+              </p14:cNvPr>
+              <p14:cNvContentPartPr/>
+              <p14:nvPr/>
+            </p14:nvContentPartPr>
+            <p14:xfrm>
+              <a:off x="404446" y="3542331"/>
+              <a:ext cx="844560" cy="406440"/>
+            </p14:xfrm>
+          </p:contentPart>
+        </mc:Choice>
+        <mc:Fallback>
+          <p:pic>
+            <p:nvPicPr>
+              <p:cNvPr id="84" name="Ink 83">
+                <a:extLst>
+                  <a:ext uri="{FF2B5EF4-FFF2-40B4-BE49-F238E27FC236}">
+                    <a16:creationId xmlns:a16="http://schemas.microsoft.com/office/drawing/2014/main" id="{1F8F057F-BEEA-4F03-A91C-6316BB5B5AE9}"/>
+                  </a:ext>
+                </a:extLst>
+              </p:cNvPr>
+              <p:cNvPicPr/>
+              <p:nvPr/>
+            </p:nvPicPr>
+            <p:blipFill>
+              <a:blip r:embed="rId28"/>
+              <a:stretch>
+                <a:fillRect/>
+              </a:stretch>
+            </p:blipFill>
+            <p:spPr>
+              <a:xfrm>
+                <a:off x="395446" y="3533331"/>
+                <a:ext cx="862200" cy="424080"/>
+              </a:xfrm>
+              <a:prstGeom prst="rect">
+                <a:avLst/>
+              </a:prstGeom>
+            </p:spPr>
+          </p:pic>
+        </mc:Fallback>
+      </mc:AlternateContent>
+      <mc:AlternateContent xmlns:mc="http://schemas.openxmlformats.org/markup-compatibility/2006">
+        <mc:Choice xmlns:p14="http://schemas.microsoft.com/office/powerpoint/2010/main" Requires="p14">
+          <p:contentPart p14:bwMode="auto" r:id="rId29">
+            <p14:nvContentPartPr>
+              <p14:cNvPr id="90" name="Ink 89">
+                <a:extLst>
+                  <a:ext uri="{FF2B5EF4-FFF2-40B4-BE49-F238E27FC236}">
+                    <a16:creationId xmlns:a16="http://schemas.microsoft.com/office/drawing/2014/main" id="{CCE20EAA-4551-4BEA-85C0-C6A4623FA3EC}"/>
+                  </a:ext>
+                </a:extLst>
+              </p14:cNvPr>
+              <p14:cNvContentPartPr/>
+              <p14:nvPr/>
+            </p14:nvContentPartPr>
+            <p14:xfrm>
+              <a:off x="7288726" y="2162811"/>
+              <a:ext cx="340200" cy="44280"/>
+            </p14:xfrm>
+          </p:contentPart>
+        </mc:Choice>
+        <mc:Fallback>
+          <p:pic>
+            <p:nvPicPr>
+              <p:cNvPr id="90" name="Ink 89">
+                <a:extLst>
+                  <a:ext uri="{FF2B5EF4-FFF2-40B4-BE49-F238E27FC236}">
+                    <a16:creationId xmlns:a16="http://schemas.microsoft.com/office/drawing/2014/main" id="{CCE20EAA-4551-4BEA-85C0-C6A4623FA3EC}"/>
+                  </a:ext>
+                </a:extLst>
+              </p:cNvPr>
+              <p:cNvPicPr/>
+              <p:nvPr/>
+            </p:nvPicPr>
+            <p:blipFill>
+              <a:blip r:embed="rId30"/>
+              <a:stretch>
+                <a:fillRect/>
+              </a:stretch>
+            </p:blipFill>
+            <p:spPr>
+              <a:xfrm>
+                <a:off x="7279726" y="2153811"/>
+                <a:ext cx="357840" cy="61920"/>
+              </a:xfrm>
+              <a:prstGeom prst="rect">
+                <a:avLst/>
+              </a:prstGeom>
+            </p:spPr>
+          </p:pic>
+        </mc:Fallback>
+      </mc:AlternateContent>
+      <mc:AlternateContent xmlns:mc="http://schemas.openxmlformats.org/markup-compatibility/2006">
+        <mc:Choice xmlns:p14="http://schemas.microsoft.com/office/powerpoint/2010/main" Requires="p14">
+          <p:contentPart p14:bwMode="auto" r:id="rId31">
+            <p14:nvContentPartPr>
+              <p14:cNvPr id="100" name="Ink 99">
+                <a:extLst>
+                  <a:ext uri="{FF2B5EF4-FFF2-40B4-BE49-F238E27FC236}">
+                    <a16:creationId xmlns:a16="http://schemas.microsoft.com/office/drawing/2014/main" id="{C43DD2D4-77A8-4884-8A74-F8CAF445DA61}"/>
+                  </a:ext>
+                </a:extLst>
+              </p14:cNvPr>
+              <p14:cNvContentPartPr/>
+              <p14:nvPr/>
+            </p14:nvContentPartPr>
+            <p14:xfrm>
+              <a:off x="3464086" y="3602811"/>
+              <a:ext cx="220320" cy="142920"/>
+            </p14:xfrm>
+          </p:contentPart>
+        </mc:Choice>
+        <mc:Fallback>
+          <p:pic>
+            <p:nvPicPr>
+              <p:cNvPr id="100" name="Ink 99">
+                <a:extLst>
+                  <a:ext uri="{FF2B5EF4-FFF2-40B4-BE49-F238E27FC236}">
+                    <a16:creationId xmlns:a16="http://schemas.microsoft.com/office/drawing/2014/main" id="{C43DD2D4-77A8-4884-8A74-F8CAF445DA61}"/>
+                  </a:ext>
+                </a:extLst>
+              </p:cNvPr>
+              <p:cNvPicPr/>
+              <p:nvPr/>
+            </p:nvPicPr>
+            <p:blipFill>
+              <a:blip r:embed="rId32"/>
+              <a:stretch>
+                <a:fillRect/>
+              </a:stretch>
+            </p:blipFill>
+            <p:spPr>
+              <a:xfrm>
+                <a:off x="3455086" y="3593811"/>
+                <a:ext cx="237960" cy="160560"/>
+              </a:xfrm>
+              <a:prstGeom prst="rect">
+                <a:avLst/>
+              </a:prstGeom>
+            </p:spPr>
+          </p:pic>
+        </mc:Fallback>
+      </mc:AlternateContent>
+      <mc:AlternateContent xmlns:mc="http://schemas.openxmlformats.org/markup-compatibility/2006">
+        <mc:Choice xmlns:p14="http://schemas.microsoft.com/office/powerpoint/2010/main" Requires="p14">
+          <p:contentPart p14:bwMode="auto" r:id="rId33">
+            <p14:nvContentPartPr>
+              <p14:cNvPr id="101" name="Ink 100">
+                <a:extLst>
+                  <a:ext uri="{FF2B5EF4-FFF2-40B4-BE49-F238E27FC236}">
+                    <a16:creationId xmlns:a16="http://schemas.microsoft.com/office/drawing/2014/main" id="{184ACC81-BB26-4DA9-A20B-471FE8D563E4}"/>
+                  </a:ext>
+                </a:extLst>
+              </p14:cNvPr>
+              <p14:cNvContentPartPr/>
+              <p14:nvPr/>
+            </p14:nvContentPartPr>
+            <p14:xfrm>
+              <a:off x="2907166" y="3540531"/>
+              <a:ext cx="323280" cy="275760"/>
+            </p14:xfrm>
+          </p:contentPart>
+        </mc:Choice>
+        <mc:Fallback>
+          <p:pic>
+            <p:nvPicPr>
+              <p:cNvPr id="101" name="Ink 100">
+                <a:extLst>
+                  <a:ext uri="{FF2B5EF4-FFF2-40B4-BE49-F238E27FC236}">
+                    <a16:creationId xmlns:a16="http://schemas.microsoft.com/office/drawing/2014/main" id="{184ACC81-BB26-4DA9-A20B-471FE8D563E4}"/>
+                  </a:ext>
+                </a:extLst>
+              </p:cNvPr>
+              <p:cNvPicPr/>
+              <p:nvPr/>
+            </p:nvPicPr>
+            <p:blipFill>
+              <a:blip r:embed="rId34"/>
+              <a:stretch>
+                <a:fillRect/>
+              </a:stretch>
+            </p:blipFill>
+            <p:spPr>
+              <a:xfrm>
+                <a:off x="2898166" y="3531531"/>
+                <a:ext cx="340920" cy="293400"/>
+              </a:xfrm>
+              <a:prstGeom prst="rect">
+                <a:avLst/>
+              </a:prstGeom>
+            </p:spPr>
+          </p:pic>
+        </mc:Fallback>
+      </mc:AlternateContent>
+      <mc:AlternateContent xmlns:mc="http://schemas.openxmlformats.org/markup-compatibility/2006">
+        <mc:Choice xmlns:p14="http://schemas.microsoft.com/office/powerpoint/2010/main" Requires="p14">
+          <p:contentPart p14:bwMode="auto" r:id="rId35">
+            <p14:nvContentPartPr>
+              <p14:cNvPr id="102" name="Ink 101">
+                <a:extLst>
+                  <a:ext uri="{FF2B5EF4-FFF2-40B4-BE49-F238E27FC236}">
+                    <a16:creationId xmlns:a16="http://schemas.microsoft.com/office/drawing/2014/main" id="{50BFE194-4D2D-42C4-87FB-20BE2FD55648}"/>
+                  </a:ext>
+                </a:extLst>
+              </p14:cNvPr>
+              <p14:cNvContentPartPr/>
+              <p14:nvPr/>
+            </p14:nvContentPartPr>
+            <p14:xfrm>
+              <a:off x="1800526" y="3504171"/>
+              <a:ext cx="890280" cy="329760"/>
+            </p14:xfrm>
+          </p:contentPart>
+        </mc:Choice>
+        <mc:Fallback>
+          <p:pic>
+            <p:nvPicPr>
+              <p:cNvPr id="102" name="Ink 101">
+                <a:extLst>
+                  <a:ext uri="{FF2B5EF4-FFF2-40B4-BE49-F238E27FC236}">
+                    <a16:creationId xmlns:a16="http://schemas.microsoft.com/office/drawing/2014/main" id="{50BFE194-4D2D-42C4-87FB-20BE2FD55648}"/>
+                  </a:ext>
+                </a:extLst>
+              </p:cNvPr>
+              <p:cNvPicPr/>
+              <p:nvPr/>
+            </p:nvPicPr>
+            <p:blipFill>
+              <a:blip r:embed="rId36"/>
+              <a:stretch>
+                <a:fillRect/>
+              </a:stretch>
+            </p:blipFill>
+            <p:spPr>
+              <a:xfrm>
+                <a:off x="1791526" y="3495171"/>
+                <a:ext cx="907920" cy="347400"/>
+              </a:xfrm>
+              <a:prstGeom prst="rect">
+                <a:avLst/>
+              </a:prstGeom>
+            </p:spPr>
+          </p:pic>
+        </mc:Fallback>
+      </mc:AlternateContent>
+      <mc:AlternateContent xmlns:mc="http://schemas.openxmlformats.org/markup-compatibility/2006">
+        <mc:Choice xmlns:p14="http://schemas.microsoft.com/office/powerpoint/2010/main" Requires="p14">
+          <p:contentPart p14:bwMode="auto" r:id="rId37">
+            <p14:nvContentPartPr>
+              <p14:cNvPr id="107" name="Ink 106">
+                <a:extLst>
+                  <a:ext uri="{FF2B5EF4-FFF2-40B4-BE49-F238E27FC236}">
+                    <a16:creationId xmlns:a16="http://schemas.microsoft.com/office/drawing/2014/main" id="{EE365EC8-72BF-48CC-AC2A-49DEBE27B6C0}"/>
+                  </a:ext>
+                </a:extLst>
+              </p14:cNvPr>
+              <p14:cNvContentPartPr/>
+              <p14:nvPr/>
+            </p14:nvContentPartPr>
+            <p14:xfrm>
+              <a:off x="5327086" y="3390411"/>
+              <a:ext cx="310680" cy="408240"/>
+            </p14:xfrm>
+          </p:contentPart>
+        </mc:Choice>
+        <mc:Fallback>
+          <p:pic>
+            <p:nvPicPr>
+              <p:cNvPr id="107" name="Ink 106">
+                <a:extLst>
+                  <a:ext uri="{FF2B5EF4-FFF2-40B4-BE49-F238E27FC236}">
+                    <a16:creationId xmlns:a16="http://schemas.microsoft.com/office/drawing/2014/main" id="{EE365EC8-72BF-48CC-AC2A-49DEBE27B6C0}"/>
+                  </a:ext>
+                </a:extLst>
+              </p:cNvPr>
+              <p:cNvPicPr/>
+              <p:nvPr/>
+            </p:nvPicPr>
+            <p:blipFill>
+              <a:blip r:embed="rId38"/>
+              <a:stretch>
+                <a:fillRect/>
+              </a:stretch>
+            </p:blipFill>
+            <p:spPr>
+              <a:xfrm>
+                <a:off x="5318086" y="3381411"/>
+                <a:ext cx="328320" cy="425880"/>
+              </a:xfrm>
+              <a:prstGeom prst="rect">
+                <a:avLst/>
+              </a:prstGeom>
+            </p:spPr>
+          </p:pic>
+        </mc:Fallback>
+      </mc:AlternateContent>
+      <mc:AlternateContent xmlns:mc="http://schemas.openxmlformats.org/markup-compatibility/2006">
+        <mc:Choice xmlns:p14="http://schemas.microsoft.com/office/powerpoint/2010/main" Requires="p14">
+          <p:contentPart p14:bwMode="auto" r:id="rId39">
+            <p14:nvContentPartPr>
+              <p14:cNvPr id="108" name="Ink 107">
+                <a:extLst>
+                  <a:ext uri="{FF2B5EF4-FFF2-40B4-BE49-F238E27FC236}">
+                    <a16:creationId xmlns:a16="http://schemas.microsoft.com/office/drawing/2014/main" id="{3261A4EF-41F6-46C4-9D86-50773DF76D5C}"/>
+                  </a:ext>
+                </a:extLst>
+              </p14:cNvPr>
+              <p14:cNvContentPartPr/>
+              <p14:nvPr/>
+            </p14:nvContentPartPr>
+            <p14:xfrm>
+              <a:off x="4088326" y="3428211"/>
+              <a:ext cx="979920" cy="370440"/>
+            </p14:xfrm>
+          </p:contentPart>
+        </mc:Choice>
+        <mc:Fallback>
+          <p:pic>
+            <p:nvPicPr>
+              <p:cNvPr id="108" name="Ink 107">
+                <a:extLst>
+                  <a:ext uri="{FF2B5EF4-FFF2-40B4-BE49-F238E27FC236}">
+                    <a16:creationId xmlns:a16="http://schemas.microsoft.com/office/drawing/2014/main" id="{3261A4EF-41F6-46C4-9D86-50773DF76D5C}"/>
+                  </a:ext>
+                </a:extLst>
+              </p:cNvPr>
+              <p:cNvPicPr/>
+              <p:nvPr/>
+            </p:nvPicPr>
+            <p:blipFill>
+              <a:blip r:embed="rId40"/>
+              <a:stretch>
+                <a:fillRect/>
+              </a:stretch>
+            </p:blipFill>
+            <p:spPr>
+              <a:xfrm>
+                <a:off x="4079326" y="3419211"/>
+                <a:ext cx="997560" cy="388080"/>
+              </a:xfrm>
+              <a:prstGeom prst="rect">
+                <a:avLst/>
+              </a:prstGeom>
+            </p:spPr>
+          </p:pic>
+        </mc:Fallback>
+      </mc:AlternateContent>
+      <mc:AlternateContent xmlns:mc="http://schemas.openxmlformats.org/markup-compatibility/2006">
+        <mc:Choice xmlns:p14="http://schemas.microsoft.com/office/powerpoint/2010/main" Requires="p14">
+          <p:contentPart p14:bwMode="auto" r:id="rId41">
+            <p14:nvContentPartPr>
+              <p14:cNvPr id="114" name="Ink 113">
+                <a:extLst>
+                  <a:ext uri="{FF2B5EF4-FFF2-40B4-BE49-F238E27FC236}">
+                    <a16:creationId xmlns:a16="http://schemas.microsoft.com/office/drawing/2014/main" id="{5323974F-1350-4832-9992-06BF4241A69C}"/>
+                  </a:ext>
+                </a:extLst>
+              </p14:cNvPr>
+              <p14:cNvContentPartPr/>
+              <p14:nvPr/>
+            </p14:nvContentPartPr>
+            <p14:xfrm>
+              <a:off x="5301886" y="2084691"/>
+              <a:ext cx="633240" cy="337680"/>
+            </p14:xfrm>
+          </p:contentPart>
+        </mc:Choice>
+        <mc:Fallback>
+          <p:pic>
+            <p:nvPicPr>
+              <p:cNvPr id="114" name="Ink 113">
+                <a:extLst>
+                  <a:ext uri="{FF2B5EF4-FFF2-40B4-BE49-F238E27FC236}">
+                    <a16:creationId xmlns:a16="http://schemas.microsoft.com/office/drawing/2014/main" id="{5323974F-1350-4832-9992-06BF4241A69C}"/>
+                  </a:ext>
+                </a:extLst>
+              </p:cNvPr>
+              <p:cNvPicPr/>
+              <p:nvPr/>
+            </p:nvPicPr>
+            <p:blipFill>
+              <a:blip r:embed="rId42"/>
+              <a:stretch>
+                <a:fillRect/>
+              </a:stretch>
+            </p:blipFill>
+            <p:spPr>
+              <a:xfrm>
+                <a:off x="5292886" y="2075691"/>
+                <a:ext cx="650880" cy="355320"/>
+              </a:xfrm>
+              <a:prstGeom prst="rect">
+                <a:avLst/>
+              </a:prstGeom>
+            </p:spPr>
+          </p:pic>
+        </mc:Fallback>
+      </mc:AlternateContent>
+      <mc:AlternateContent xmlns:mc="http://schemas.openxmlformats.org/markup-compatibility/2006">
+        <mc:Choice xmlns:p14="http://schemas.microsoft.com/office/powerpoint/2010/main" Requires="p14">
+          <p:contentPart p14:bwMode="auto" r:id="rId43">
+            <p14:nvContentPartPr>
+              <p14:cNvPr id="117" name="Ink 116">
+                <a:extLst>
+                  <a:ext uri="{FF2B5EF4-FFF2-40B4-BE49-F238E27FC236}">
+                    <a16:creationId xmlns:a16="http://schemas.microsoft.com/office/drawing/2014/main" id="{1BAD3034-CC51-4A40-AE64-64AE79779BE6}"/>
+                  </a:ext>
+                </a:extLst>
+              </p14:cNvPr>
+              <p14:cNvContentPartPr/>
+              <p14:nvPr/>
+            </p14:nvContentPartPr>
+            <p14:xfrm>
+              <a:off x="7297726" y="1852491"/>
+              <a:ext cx="158400" cy="73440"/>
+            </p14:xfrm>
+          </p:contentPart>
+        </mc:Choice>
+        <mc:Fallback>
+          <p:pic>
+            <p:nvPicPr>
+              <p:cNvPr id="117" name="Ink 116">
+                <a:extLst>
+                  <a:ext uri="{FF2B5EF4-FFF2-40B4-BE49-F238E27FC236}">
+                    <a16:creationId xmlns:a16="http://schemas.microsoft.com/office/drawing/2014/main" id="{1BAD3034-CC51-4A40-AE64-64AE79779BE6}"/>
+                  </a:ext>
+                </a:extLst>
+              </p:cNvPr>
+              <p:cNvPicPr/>
+              <p:nvPr/>
+            </p:nvPicPr>
+            <p:blipFill>
+              <a:blip r:embed="rId44"/>
+              <a:stretch>
+                <a:fillRect/>
+              </a:stretch>
+            </p:blipFill>
+            <p:spPr>
+              <a:xfrm>
+                <a:off x="7288726" y="1843491"/>
+                <a:ext cx="176040" cy="91080"/>
+              </a:xfrm>
+              <a:prstGeom prst="rect">
+                <a:avLst/>
+              </a:prstGeom>
+            </p:spPr>
+          </p:pic>
+        </mc:Fallback>
+      </mc:AlternateContent>
+      <mc:AlternateContent xmlns:mc="http://schemas.openxmlformats.org/markup-compatibility/2006">
+        <mc:Choice xmlns:p14="http://schemas.microsoft.com/office/powerpoint/2010/main" Requires="p14">
+          <p:contentPart p14:bwMode="auto" r:id="rId45">
+            <p14:nvContentPartPr>
+              <p14:cNvPr id="123" name="Ink 122">
+                <a:extLst>
+                  <a:ext uri="{FF2B5EF4-FFF2-40B4-BE49-F238E27FC236}">
+                    <a16:creationId xmlns:a16="http://schemas.microsoft.com/office/drawing/2014/main" id="{A0A45EBC-3600-4D12-8529-D9BB1B3718FD}"/>
+                  </a:ext>
+                </a:extLst>
+              </p14:cNvPr>
+              <p14:cNvContentPartPr/>
+              <p14:nvPr/>
+            </p14:nvContentPartPr>
+            <p14:xfrm>
+              <a:off x="6199726" y="2177931"/>
+              <a:ext cx="952560" cy="477720"/>
+            </p14:xfrm>
+          </p:contentPart>
+        </mc:Choice>
+        <mc:Fallback>
+          <p:pic>
+            <p:nvPicPr>
+              <p:cNvPr id="123" name="Ink 122">
+                <a:extLst>
+                  <a:ext uri="{FF2B5EF4-FFF2-40B4-BE49-F238E27FC236}">
+                    <a16:creationId xmlns:a16="http://schemas.microsoft.com/office/drawing/2014/main" id="{A0A45EBC-3600-4D12-8529-D9BB1B3718FD}"/>
+                  </a:ext>
+                </a:extLst>
+              </p:cNvPr>
+              <p:cNvPicPr/>
+              <p:nvPr/>
+            </p:nvPicPr>
+            <p:blipFill>
+              <a:blip r:embed="rId46"/>
+              <a:stretch>
+                <a:fillRect/>
+              </a:stretch>
+            </p:blipFill>
+            <p:spPr>
+              <a:xfrm>
+                <a:off x="6190726" y="2168931"/>
+                <a:ext cx="970200" cy="495360"/>
+              </a:xfrm>
+              <a:prstGeom prst="rect">
+                <a:avLst/>
+              </a:prstGeom>
+            </p:spPr>
+          </p:pic>
+        </mc:Fallback>
+      </mc:AlternateContent>
+      <mc:AlternateContent xmlns:mc="http://schemas.openxmlformats.org/markup-compatibility/2006">
+        <mc:Choice xmlns:p14="http://schemas.microsoft.com/office/powerpoint/2010/main" Requires="p14">
+          <p:contentPart p14:bwMode="auto" r:id="rId47">
+            <p14:nvContentPartPr>
+              <p14:cNvPr id="142" name="Ink 141">
+                <a:extLst>
+                  <a:ext uri="{FF2B5EF4-FFF2-40B4-BE49-F238E27FC236}">
+                    <a16:creationId xmlns:a16="http://schemas.microsoft.com/office/drawing/2014/main" id="{11027CC6-0394-4976-B9AD-B12B7BA3D3DC}"/>
+                  </a:ext>
+                </a:extLst>
+              </p14:cNvPr>
+              <p14:cNvContentPartPr/>
+              <p14:nvPr/>
+            </p14:nvContentPartPr>
+            <p14:xfrm>
+              <a:off x="6488806" y="3297171"/>
+              <a:ext cx="1723680" cy="469080"/>
+            </p14:xfrm>
+          </p:contentPart>
+        </mc:Choice>
+        <mc:Fallback>
+          <p:pic>
+            <p:nvPicPr>
+              <p:cNvPr id="142" name="Ink 141">
+                <a:extLst>
+                  <a:ext uri="{FF2B5EF4-FFF2-40B4-BE49-F238E27FC236}">
+                    <a16:creationId xmlns:a16="http://schemas.microsoft.com/office/drawing/2014/main" id="{11027CC6-0394-4976-B9AD-B12B7BA3D3DC}"/>
+                  </a:ext>
+                </a:extLst>
+              </p:cNvPr>
+              <p:cNvPicPr/>
+              <p:nvPr/>
+            </p:nvPicPr>
+            <p:blipFill>
+              <a:blip r:embed="rId48"/>
+              <a:stretch>
+                <a:fillRect/>
+              </a:stretch>
+            </p:blipFill>
+            <p:spPr>
+              <a:xfrm>
+                <a:off x="6479806" y="3288171"/>
+                <a:ext cx="1741320" cy="486720"/>
+              </a:xfrm>
+              <a:prstGeom prst="rect">
+                <a:avLst/>
+              </a:prstGeom>
+            </p:spPr>
+          </p:pic>
+        </mc:Fallback>
+      </mc:AlternateContent>
+      <mc:AlternateContent xmlns:mc="http://schemas.openxmlformats.org/markup-compatibility/2006">
+        <mc:Choice xmlns:p14="http://schemas.microsoft.com/office/powerpoint/2010/main" Requires="p14">
+          <p:contentPart p14:bwMode="auto" r:id="rId49">
+            <p14:nvContentPartPr>
+              <p14:cNvPr id="146" name="Ink 145">
+                <a:extLst>
+                  <a:ext uri="{FF2B5EF4-FFF2-40B4-BE49-F238E27FC236}">
+                    <a16:creationId xmlns:a16="http://schemas.microsoft.com/office/drawing/2014/main" id="{54B980F5-3FB4-4A75-8B3D-36B7F97530E6}"/>
+                  </a:ext>
+                </a:extLst>
+              </p14:cNvPr>
+              <p14:cNvContentPartPr/>
+              <p14:nvPr/>
+            </p14:nvContentPartPr>
+            <p14:xfrm>
+              <a:off x="8458366" y="3156051"/>
+              <a:ext cx="2444400" cy="309240"/>
+            </p14:xfrm>
+          </p:contentPart>
+        </mc:Choice>
+        <mc:Fallback>
+          <p:pic>
+            <p:nvPicPr>
+              <p:cNvPr id="146" name="Ink 145">
+                <a:extLst>
+                  <a:ext uri="{FF2B5EF4-FFF2-40B4-BE49-F238E27FC236}">
+                    <a16:creationId xmlns:a16="http://schemas.microsoft.com/office/drawing/2014/main" id="{54B980F5-3FB4-4A75-8B3D-36B7F97530E6}"/>
+                  </a:ext>
+                </a:extLst>
+              </p:cNvPr>
+              <p:cNvPicPr/>
+              <p:nvPr/>
+            </p:nvPicPr>
+            <p:blipFill>
+              <a:blip r:embed="rId50"/>
+              <a:stretch>
+                <a:fillRect/>
+              </a:stretch>
+            </p:blipFill>
+            <p:spPr>
+              <a:xfrm>
+                <a:off x="8449366" y="3147051"/>
+                <a:ext cx="2462040" cy="326880"/>
+              </a:xfrm>
+              <a:prstGeom prst="rect">
+                <a:avLst/>
+              </a:prstGeom>
+            </p:spPr>
+          </p:pic>
+        </mc:Fallback>
+      </mc:AlternateContent>
+      <mc:AlternateContent xmlns:mc="http://schemas.openxmlformats.org/markup-compatibility/2006">
+        <mc:Choice xmlns:p14="http://schemas.microsoft.com/office/powerpoint/2010/main" Requires="p14">
+          <p:contentPart p14:bwMode="auto" r:id="rId51">
+            <p14:nvContentPartPr>
+              <p14:cNvPr id="153" name="Ink 152">
+                <a:extLst>
+                  <a:ext uri="{FF2B5EF4-FFF2-40B4-BE49-F238E27FC236}">
+                    <a16:creationId xmlns:a16="http://schemas.microsoft.com/office/drawing/2014/main" id="{5339F17D-2A77-4029-81E5-6A633FDFD728}"/>
+                  </a:ext>
+                </a:extLst>
+              </p14:cNvPr>
+              <p14:cNvContentPartPr/>
+              <p14:nvPr/>
+            </p14:nvContentPartPr>
+            <p14:xfrm>
+              <a:off x="10990246" y="3156411"/>
+              <a:ext cx="765720" cy="360720"/>
+            </p14:xfrm>
+          </p:contentPart>
+        </mc:Choice>
+        <mc:Fallback>
+          <p:pic>
+            <p:nvPicPr>
+              <p:cNvPr id="153" name="Ink 152">
+                <a:extLst>
+                  <a:ext uri="{FF2B5EF4-FFF2-40B4-BE49-F238E27FC236}">
+                    <a16:creationId xmlns:a16="http://schemas.microsoft.com/office/drawing/2014/main" id="{5339F17D-2A77-4029-81E5-6A633FDFD728}"/>
+                  </a:ext>
+                </a:extLst>
+              </p:cNvPr>
+              <p:cNvPicPr/>
+              <p:nvPr/>
+            </p:nvPicPr>
+            <p:blipFill>
+              <a:blip r:embed="rId52"/>
+              <a:stretch>
+                <a:fillRect/>
+              </a:stretch>
+            </p:blipFill>
+            <p:spPr>
+              <a:xfrm>
+                <a:off x="10981246" y="3147411"/>
+                <a:ext cx="783360" cy="378360"/>
+              </a:xfrm>
+              <a:prstGeom prst="rect">
+                <a:avLst/>
+              </a:prstGeom>
+            </p:spPr>
+          </p:pic>
+        </mc:Fallback>
+      </mc:AlternateContent>
+      <mc:AlternateContent xmlns:mc="http://schemas.openxmlformats.org/markup-compatibility/2006">
+        <mc:Choice xmlns:p14="http://schemas.microsoft.com/office/powerpoint/2010/main" Requires="p14">
+          <p:contentPart p14:bwMode="auto" r:id="rId53">
+            <p14:nvContentPartPr>
+              <p14:cNvPr id="156" name="Ink 155">
+                <a:extLst>
+                  <a:ext uri="{FF2B5EF4-FFF2-40B4-BE49-F238E27FC236}">
+                    <a16:creationId xmlns:a16="http://schemas.microsoft.com/office/drawing/2014/main" id="{066F4346-7763-40D6-9E33-2CC1D86A4A3C}"/>
+                  </a:ext>
+                </a:extLst>
+              </p14:cNvPr>
+              <p14:cNvContentPartPr/>
+              <p14:nvPr/>
+            </p14:nvContentPartPr>
+            <p14:xfrm>
+              <a:off x="2999326" y="3182691"/>
+              <a:ext cx="340920" cy="88560"/>
+            </p14:xfrm>
+          </p:contentPart>
+        </mc:Choice>
+        <mc:Fallback>
+          <p:pic>
+            <p:nvPicPr>
+              <p:cNvPr id="156" name="Ink 155">
+                <a:extLst>
+                  <a:ext uri="{FF2B5EF4-FFF2-40B4-BE49-F238E27FC236}">
+                    <a16:creationId xmlns:a16="http://schemas.microsoft.com/office/drawing/2014/main" id="{066F4346-7763-40D6-9E33-2CC1D86A4A3C}"/>
+                  </a:ext>
+                </a:extLst>
+              </p:cNvPr>
+              <p:cNvPicPr/>
+              <p:nvPr/>
+            </p:nvPicPr>
+            <p:blipFill>
+              <a:blip r:embed="rId54"/>
+              <a:stretch>
+                <a:fillRect/>
+              </a:stretch>
+            </p:blipFill>
+            <p:spPr>
+              <a:xfrm>
+                <a:off x="2990326" y="3173691"/>
+                <a:ext cx="358560" cy="106200"/>
+              </a:xfrm>
+              <a:prstGeom prst="rect">
+                <a:avLst/>
+              </a:prstGeom>
+            </p:spPr>
+          </p:pic>
+        </mc:Fallback>
+      </mc:AlternateContent>
+      <mc:AlternateContent xmlns:mc="http://schemas.openxmlformats.org/markup-compatibility/2006">
+        <mc:Choice xmlns:p14="http://schemas.microsoft.com/office/powerpoint/2010/main" Requires="p14">
+          <p:contentPart p14:bwMode="auto" r:id="rId55">
+            <p14:nvContentPartPr>
+              <p14:cNvPr id="159" name="Ink 158">
+                <a:extLst>
+                  <a:ext uri="{FF2B5EF4-FFF2-40B4-BE49-F238E27FC236}">
+                    <a16:creationId xmlns:a16="http://schemas.microsoft.com/office/drawing/2014/main" id="{878E73AD-26B3-4B02-A1B5-9A86F15C5C74}"/>
+                  </a:ext>
+                </a:extLst>
+              </p14:cNvPr>
+              <p14:cNvContentPartPr/>
+              <p14:nvPr/>
+            </p14:nvContentPartPr>
+            <p14:xfrm>
+              <a:off x="5618326" y="2277291"/>
+              <a:ext cx="88200" cy="272880"/>
+            </p14:xfrm>
+          </p:contentPart>
+        </mc:Choice>
+        <mc:Fallback>
+          <p:pic>
+            <p:nvPicPr>
+              <p:cNvPr id="159" name="Ink 158">
+                <a:extLst>
+                  <a:ext uri="{FF2B5EF4-FFF2-40B4-BE49-F238E27FC236}">
+                    <a16:creationId xmlns:a16="http://schemas.microsoft.com/office/drawing/2014/main" id="{878E73AD-26B3-4B02-A1B5-9A86F15C5C74}"/>
+                  </a:ext>
+                </a:extLst>
+              </p:cNvPr>
+              <p:cNvPicPr/>
+              <p:nvPr/>
+            </p:nvPicPr>
+            <p:blipFill>
+              <a:blip r:embed="rId56"/>
+              <a:stretch>
+                <a:fillRect/>
+              </a:stretch>
+            </p:blipFill>
+            <p:spPr>
+              <a:xfrm>
+                <a:off x="5609326" y="2268291"/>
+                <a:ext cx="105840" cy="290520"/>
+              </a:xfrm>
+              <a:prstGeom prst="rect">
+                <a:avLst/>
+              </a:prstGeom>
+            </p:spPr>
+          </p:pic>
+        </mc:Fallback>
+      </mc:AlternateContent>
+      <mc:AlternateContent xmlns:mc="http://schemas.openxmlformats.org/markup-compatibility/2006">
+        <mc:Choice xmlns:p14="http://schemas.microsoft.com/office/powerpoint/2010/main" Requires="p14">
+          <p:contentPart p14:bwMode="auto" r:id="rId57">
+            <p14:nvContentPartPr>
+              <p14:cNvPr id="170" name="Ink 169">
+                <a:extLst>
+                  <a:ext uri="{FF2B5EF4-FFF2-40B4-BE49-F238E27FC236}">
+                    <a16:creationId xmlns:a16="http://schemas.microsoft.com/office/drawing/2014/main" id="{220D9A5B-C917-42F9-A54D-9093195DCE3A}"/>
+                  </a:ext>
+                </a:extLst>
+              </p14:cNvPr>
+              <p14:cNvContentPartPr/>
+              <p14:nvPr/>
+            </p14:nvContentPartPr>
+            <p14:xfrm>
+              <a:off x="122926" y="4651131"/>
+              <a:ext cx="1460160" cy="88200"/>
+            </p14:xfrm>
+          </p:contentPart>
+        </mc:Choice>
+        <mc:Fallback>
+          <p:pic>
+            <p:nvPicPr>
+              <p:cNvPr id="170" name="Ink 169">
+                <a:extLst>
+                  <a:ext uri="{FF2B5EF4-FFF2-40B4-BE49-F238E27FC236}">
+                    <a16:creationId xmlns:a16="http://schemas.microsoft.com/office/drawing/2014/main" id="{220D9A5B-C917-42F9-A54D-9093195DCE3A}"/>
+                  </a:ext>
+                </a:extLst>
+              </p:cNvPr>
+              <p:cNvPicPr/>
+              <p:nvPr/>
+            </p:nvPicPr>
+            <p:blipFill>
+              <a:blip r:embed="rId58"/>
+              <a:stretch>
+                <a:fillRect/>
+              </a:stretch>
+            </p:blipFill>
+            <p:spPr>
+              <a:xfrm>
+                <a:off x="113926" y="4642131"/>
+                <a:ext cx="1477800" cy="105840"/>
+              </a:xfrm>
+              <a:prstGeom prst="rect">
+                <a:avLst/>
+              </a:prstGeom>
+            </p:spPr>
+          </p:pic>
+        </mc:Fallback>
+      </mc:AlternateContent>
+      <mc:AlternateContent xmlns:mc="http://schemas.openxmlformats.org/markup-compatibility/2006">
+        <mc:Choice xmlns:p14="http://schemas.microsoft.com/office/powerpoint/2010/main" Requires="p14">
+          <p:contentPart p14:bwMode="auto" r:id="rId59">
+            <p14:nvContentPartPr>
+              <p14:cNvPr id="171" name="Ink 170">
+                <a:extLst>
+                  <a:ext uri="{FF2B5EF4-FFF2-40B4-BE49-F238E27FC236}">
+                    <a16:creationId xmlns:a16="http://schemas.microsoft.com/office/drawing/2014/main" id="{CA113238-472B-4EC0-9CAB-D92CED54A12F}"/>
+                  </a:ext>
+                </a:extLst>
+              </p14:cNvPr>
+              <p14:cNvContentPartPr/>
+              <p14:nvPr/>
+            </p14:nvContentPartPr>
+            <p14:xfrm>
+              <a:off x="184486" y="3989811"/>
+              <a:ext cx="2603160" cy="521280"/>
+            </p14:xfrm>
+          </p:contentPart>
+        </mc:Choice>
+        <mc:Fallback>
+          <p:pic>
+            <p:nvPicPr>
+              <p:cNvPr id="171" name="Ink 170">
+                <a:extLst>
+                  <a:ext uri="{FF2B5EF4-FFF2-40B4-BE49-F238E27FC236}">
+                    <a16:creationId xmlns:a16="http://schemas.microsoft.com/office/drawing/2014/main" id="{CA113238-472B-4EC0-9CAB-D92CED54A12F}"/>
+                  </a:ext>
+                </a:extLst>
+              </p:cNvPr>
+              <p:cNvPicPr/>
+              <p:nvPr/>
+            </p:nvPicPr>
+            <p:blipFill>
+              <a:blip r:embed="rId60"/>
+              <a:stretch>
+                <a:fillRect/>
+              </a:stretch>
+            </p:blipFill>
+            <p:spPr>
+              <a:xfrm>
+                <a:off x="175486" y="3980811"/>
+                <a:ext cx="2620800" cy="538920"/>
+              </a:xfrm>
+              <a:prstGeom prst="rect">
+                <a:avLst/>
+              </a:prstGeom>
+            </p:spPr>
+          </p:pic>
+        </mc:Fallback>
+      </mc:AlternateContent>
+      <mc:AlternateContent xmlns:mc="http://schemas.openxmlformats.org/markup-compatibility/2006">
+        <mc:Choice xmlns:p14="http://schemas.microsoft.com/office/powerpoint/2010/main" Requires="p14">
+          <p:contentPart p14:bwMode="auto" r:id="rId61">
+            <p14:nvContentPartPr>
+              <p14:cNvPr id="172" name="Ink 171">
+                <a:extLst>
+                  <a:ext uri="{FF2B5EF4-FFF2-40B4-BE49-F238E27FC236}">
+                    <a16:creationId xmlns:a16="http://schemas.microsoft.com/office/drawing/2014/main" id="{0B51543E-64AD-4653-BD73-D0B43EE108CE}"/>
+                  </a:ext>
+                </a:extLst>
+              </p14:cNvPr>
+              <p14:cNvContentPartPr/>
+              <p14:nvPr/>
+            </p14:nvContentPartPr>
+            <p14:xfrm>
+              <a:off x="4923166" y="1038171"/>
+              <a:ext cx="1743120" cy="241560"/>
+            </p14:xfrm>
+          </p:contentPart>
+        </mc:Choice>
+        <mc:Fallback>
+          <p:pic>
+            <p:nvPicPr>
+              <p:cNvPr id="172" name="Ink 171">
+                <a:extLst>
+                  <a:ext uri="{FF2B5EF4-FFF2-40B4-BE49-F238E27FC236}">
+                    <a16:creationId xmlns:a16="http://schemas.microsoft.com/office/drawing/2014/main" id="{0B51543E-64AD-4653-BD73-D0B43EE108CE}"/>
+                  </a:ext>
+                </a:extLst>
+              </p:cNvPr>
+              <p:cNvPicPr/>
+              <p:nvPr/>
+            </p:nvPicPr>
+            <p:blipFill>
+              <a:blip r:embed="rId62"/>
+              <a:stretch>
+                <a:fillRect/>
+              </a:stretch>
+            </p:blipFill>
+            <p:spPr>
+              <a:xfrm>
+                <a:off x="4914166" y="1029171"/>
+                <a:ext cx="1760760" cy="259200"/>
+              </a:xfrm>
+              <a:prstGeom prst="rect">
+                <a:avLst/>
+              </a:prstGeom>
+            </p:spPr>
+          </p:pic>
+        </mc:Fallback>
+      </mc:AlternateContent>
+      <mc:AlternateContent xmlns:mc="http://schemas.openxmlformats.org/markup-compatibility/2006">
+        <mc:Choice xmlns:p14="http://schemas.microsoft.com/office/powerpoint/2010/main" Requires="p14">
+          <p:contentPart p14:bwMode="auto" r:id="rId63">
+            <p14:nvContentPartPr>
+              <p14:cNvPr id="180" name="Ink 179">
+                <a:extLst>
+                  <a:ext uri="{FF2B5EF4-FFF2-40B4-BE49-F238E27FC236}">
+                    <a16:creationId xmlns:a16="http://schemas.microsoft.com/office/drawing/2014/main" id="{EDEBE1BC-EB64-4531-96CE-9C0CB29AED62}"/>
+                  </a:ext>
+                </a:extLst>
+              </p14:cNvPr>
+              <p14:cNvContentPartPr/>
+              <p14:nvPr/>
+            </p14:nvContentPartPr>
+            <p14:xfrm>
+              <a:off x="3554806" y="4385091"/>
+              <a:ext cx="138240" cy="81720"/>
+            </p14:xfrm>
+          </p:contentPart>
+        </mc:Choice>
+        <mc:Fallback>
+          <p:pic>
+            <p:nvPicPr>
+              <p:cNvPr id="180" name="Ink 179">
+                <a:extLst>
+                  <a:ext uri="{FF2B5EF4-FFF2-40B4-BE49-F238E27FC236}">
+                    <a16:creationId xmlns:a16="http://schemas.microsoft.com/office/drawing/2014/main" id="{EDEBE1BC-EB64-4531-96CE-9C0CB29AED62}"/>
+                  </a:ext>
+                </a:extLst>
+              </p:cNvPr>
+              <p:cNvPicPr/>
+              <p:nvPr/>
+            </p:nvPicPr>
+            <p:blipFill>
+              <a:blip r:embed="rId64"/>
+              <a:stretch>
+                <a:fillRect/>
+              </a:stretch>
+            </p:blipFill>
+            <p:spPr>
+              <a:xfrm>
+                <a:off x="3545806" y="4376091"/>
+                <a:ext cx="155880" cy="99360"/>
+              </a:xfrm>
+              <a:prstGeom prst="rect">
+                <a:avLst/>
+              </a:prstGeom>
+            </p:spPr>
+          </p:pic>
+        </mc:Fallback>
+      </mc:AlternateContent>
+      <mc:AlternateContent xmlns:mc="http://schemas.openxmlformats.org/markup-compatibility/2006">
+        <mc:Choice xmlns:p14="http://schemas.microsoft.com/office/powerpoint/2010/main" Requires="p14">
+          <p:contentPart p14:bwMode="auto" r:id="rId65">
+            <p14:nvContentPartPr>
+              <p14:cNvPr id="181" name="Ink 180">
+                <a:extLst>
+                  <a:ext uri="{FF2B5EF4-FFF2-40B4-BE49-F238E27FC236}">
+                    <a16:creationId xmlns:a16="http://schemas.microsoft.com/office/drawing/2014/main" id="{B11FA5A0-D469-4BA8-A0F5-7C5A2EC3DD7B}"/>
+                  </a:ext>
+                </a:extLst>
+              </p14:cNvPr>
+              <p14:cNvContentPartPr/>
+              <p14:nvPr/>
+            </p14:nvContentPartPr>
+            <p14:xfrm>
+              <a:off x="2470486" y="4303731"/>
+              <a:ext cx="800640" cy="268560"/>
+            </p14:xfrm>
+          </p:contentPart>
+        </mc:Choice>
+        <mc:Fallback>
+          <p:pic>
+            <p:nvPicPr>
+              <p:cNvPr id="181" name="Ink 180">
+                <a:extLst>
+                  <a:ext uri="{FF2B5EF4-FFF2-40B4-BE49-F238E27FC236}">
+                    <a16:creationId xmlns:a16="http://schemas.microsoft.com/office/drawing/2014/main" id="{B11FA5A0-D469-4BA8-A0F5-7C5A2EC3DD7B}"/>
+                  </a:ext>
+                </a:extLst>
+              </p:cNvPr>
+              <p:cNvPicPr/>
+              <p:nvPr/>
+            </p:nvPicPr>
+            <p:blipFill>
+              <a:blip r:embed="rId66"/>
+              <a:stretch>
+                <a:fillRect/>
+              </a:stretch>
+            </p:blipFill>
+            <p:spPr>
+              <a:xfrm>
+                <a:off x="2461486" y="4294731"/>
+                <a:ext cx="818280" cy="286200"/>
+              </a:xfrm>
+              <a:prstGeom prst="rect">
+                <a:avLst/>
+              </a:prstGeom>
+            </p:spPr>
+          </p:pic>
+        </mc:Fallback>
+      </mc:AlternateContent>
+      <mc:AlternateContent xmlns:mc="http://schemas.openxmlformats.org/markup-compatibility/2006">
+        <mc:Choice xmlns:p14="http://schemas.microsoft.com/office/powerpoint/2010/main" Requires="p14">
+          <p:contentPart p14:bwMode="auto" r:id="rId67">
+            <p14:nvContentPartPr>
+              <p14:cNvPr id="194" name="Ink 193">
+                <a:extLst>
+                  <a:ext uri="{FF2B5EF4-FFF2-40B4-BE49-F238E27FC236}">
+                    <a16:creationId xmlns:a16="http://schemas.microsoft.com/office/drawing/2014/main" id="{E208BD1C-8B15-4DF5-8701-6AA254B1C9B5}"/>
+                  </a:ext>
+                </a:extLst>
+              </p14:cNvPr>
+              <p14:cNvContentPartPr/>
+              <p14:nvPr/>
+            </p14:nvContentPartPr>
+            <p14:xfrm>
+              <a:off x="6093166" y="4281771"/>
+              <a:ext cx="132120" cy="123840"/>
+            </p14:xfrm>
+          </p:contentPart>
+        </mc:Choice>
+        <mc:Fallback>
+          <p:pic>
+            <p:nvPicPr>
+              <p:cNvPr id="194" name="Ink 193">
+                <a:extLst>
+                  <a:ext uri="{FF2B5EF4-FFF2-40B4-BE49-F238E27FC236}">
+                    <a16:creationId xmlns:a16="http://schemas.microsoft.com/office/drawing/2014/main" id="{E208BD1C-8B15-4DF5-8701-6AA254B1C9B5}"/>
+                  </a:ext>
+                </a:extLst>
+              </p:cNvPr>
+              <p:cNvPicPr/>
+              <p:nvPr/>
+            </p:nvPicPr>
+            <p:blipFill>
+              <a:blip r:embed="rId68"/>
+              <a:stretch>
+                <a:fillRect/>
+              </a:stretch>
+            </p:blipFill>
+            <p:spPr>
+              <a:xfrm>
+                <a:off x="6084166" y="4272771"/>
+                <a:ext cx="149760" cy="141480"/>
+              </a:xfrm>
+              <a:prstGeom prst="rect">
+                <a:avLst/>
+              </a:prstGeom>
+            </p:spPr>
+          </p:pic>
+        </mc:Fallback>
+      </mc:AlternateContent>
+      <mc:AlternateContent xmlns:mc="http://schemas.openxmlformats.org/markup-compatibility/2006">
+        <mc:Choice xmlns:p14="http://schemas.microsoft.com/office/powerpoint/2010/main" Requires="p14">
+          <p:contentPart p14:bwMode="auto" r:id="rId69">
+            <p14:nvContentPartPr>
+              <p14:cNvPr id="195" name="Ink 194">
+                <a:extLst>
+                  <a:ext uri="{FF2B5EF4-FFF2-40B4-BE49-F238E27FC236}">
+                    <a16:creationId xmlns:a16="http://schemas.microsoft.com/office/drawing/2014/main" id="{3AE05E3F-A5EF-441E-A523-8B98870F9EED}"/>
+                  </a:ext>
+                </a:extLst>
+              </p14:cNvPr>
+              <p14:cNvContentPartPr/>
+              <p14:nvPr/>
+            </p14:nvContentPartPr>
+            <p14:xfrm>
+              <a:off x="5389726" y="4097091"/>
+              <a:ext cx="476280" cy="466560"/>
+            </p14:xfrm>
+          </p:contentPart>
+        </mc:Choice>
+        <mc:Fallback>
+          <p:pic>
+            <p:nvPicPr>
+              <p:cNvPr id="195" name="Ink 194">
+                <a:extLst>
+                  <a:ext uri="{FF2B5EF4-FFF2-40B4-BE49-F238E27FC236}">
+                    <a16:creationId xmlns:a16="http://schemas.microsoft.com/office/drawing/2014/main" id="{3AE05E3F-A5EF-441E-A523-8B98870F9EED}"/>
+                  </a:ext>
+                </a:extLst>
+              </p:cNvPr>
+              <p:cNvPicPr/>
+              <p:nvPr/>
+            </p:nvPicPr>
+            <p:blipFill>
+              <a:blip r:embed="rId70"/>
+              <a:stretch>
+                <a:fillRect/>
+              </a:stretch>
+            </p:blipFill>
+            <p:spPr>
+              <a:xfrm>
+                <a:off x="5380726" y="4088091"/>
+                <a:ext cx="493920" cy="484200"/>
+              </a:xfrm>
+              <a:prstGeom prst="rect">
+                <a:avLst/>
+              </a:prstGeom>
+            </p:spPr>
+          </p:pic>
+        </mc:Fallback>
+      </mc:AlternateContent>
+      <mc:AlternateContent xmlns:mc="http://schemas.openxmlformats.org/markup-compatibility/2006">
+        <mc:Choice xmlns:p14="http://schemas.microsoft.com/office/powerpoint/2010/main" Requires="p14">
+          <p:contentPart p14:bwMode="auto" r:id="rId71">
+            <p14:nvContentPartPr>
+              <p14:cNvPr id="196" name="Ink 195">
+                <a:extLst>
+                  <a:ext uri="{FF2B5EF4-FFF2-40B4-BE49-F238E27FC236}">
+                    <a16:creationId xmlns:a16="http://schemas.microsoft.com/office/drawing/2014/main" id="{A96428CE-A0BC-4256-9879-E8E807607122}"/>
+                  </a:ext>
+                </a:extLst>
+              </p14:cNvPr>
+              <p14:cNvContentPartPr/>
+              <p14:nvPr/>
+            </p14:nvContentPartPr>
+            <p14:xfrm>
+              <a:off x="3991846" y="4193931"/>
+              <a:ext cx="1178640" cy="358920"/>
+            </p14:xfrm>
+          </p:contentPart>
+        </mc:Choice>
+        <mc:Fallback>
+          <p:pic>
+            <p:nvPicPr>
+              <p:cNvPr id="196" name="Ink 195">
+                <a:extLst>
+                  <a:ext uri="{FF2B5EF4-FFF2-40B4-BE49-F238E27FC236}">
+                    <a16:creationId xmlns:a16="http://schemas.microsoft.com/office/drawing/2014/main" id="{A96428CE-A0BC-4256-9879-E8E807607122}"/>
+                  </a:ext>
+                </a:extLst>
+              </p:cNvPr>
+              <p:cNvPicPr/>
+              <p:nvPr/>
+            </p:nvPicPr>
+            <p:blipFill>
+              <a:blip r:embed="rId72"/>
+              <a:stretch>
+                <a:fillRect/>
+              </a:stretch>
+            </p:blipFill>
+            <p:spPr>
+              <a:xfrm>
+                <a:off x="3982846" y="4184931"/>
+                <a:ext cx="1196280" cy="376560"/>
+              </a:xfrm>
+              <a:prstGeom prst="rect">
+                <a:avLst/>
+              </a:prstGeom>
+            </p:spPr>
+          </p:pic>
+        </mc:Fallback>
+      </mc:AlternateContent>
+      <mc:AlternateContent xmlns:mc="http://schemas.openxmlformats.org/markup-compatibility/2006">
+        <mc:Choice xmlns:p14="http://schemas.microsoft.com/office/powerpoint/2010/main" Requires="p14">
+          <p:contentPart p14:bwMode="auto" r:id="rId73">
+            <p14:nvContentPartPr>
+              <p14:cNvPr id="201" name="Ink 200">
+                <a:extLst>
+                  <a:ext uri="{FF2B5EF4-FFF2-40B4-BE49-F238E27FC236}">
+                    <a16:creationId xmlns:a16="http://schemas.microsoft.com/office/drawing/2014/main" id="{E33E2FFF-A35F-44EA-BCB0-866554A77BC6}"/>
+                  </a:ext>
+                </a:extLst>
+              </p14:cNvPr>
+              <p14:cNvContentPartPr/>
+              <p14:nvPr/>
+            </p14:nvContentPartPr>
+            <p14:xfrm>
+              <a:off x="6459286" y="3999531"/>
+              <a:ext cx="1225440" cy="458640"/>
+            </p14:xfrm>
+          </p:contentPart>
+        </mc:Choice>
+        <mc:Fallback>
+          <p:pic>
+            <p:nvPicPr>
+              <p:cNvPr id="201" name="Ink 200">
+                <a:extLst>
+                  <a:ext uri="{FF2B5EF4-FFF2-40B4-BE49-F238E27FC236}">
+                    <a16:creationId xmlns:a16="http://schemas.microsoft.com/office/drawing/2014/main" id="{E33E2FFF-A35F-44EA-BCB0-866554A77BC6}"/>
+                  </a:ext>
+                </a:extLst>
+              </p:cNvPr>
+              <p:cNvPicPr/>
+              <p:nvPr/>
+            </p:nvPicPr>
+            <p:blipFill>
+              <a:blip r:embed="rId74"/>
+              <a:stretch>
+                <a:fillRect/>
+              </a:stretch>
+            </p:blipFill>
+            <p:spPr>
+              <a:xfrm>
+                <a:off x="6450286" y="3990531"/>
+                <a:ext cx="1243080" cy="476280"/>
+              </a:xfrm>
+              <a:prstGeom prst="rect">
+                <a:avLst/>
+              </a:prstGeom>
+            </p:spPr>
+          </p:pic>
+        </mc:Fallback>
+      </mc:AlternateContent>
+      <mc:AlternateContent xmlns:mc="http://schemas.openxmlformats.org/markup-compatibility/2006">
+        <mc:Choice xmlns:p14="http://schemas.microsoft.com/office/powerpoint/2010/main" Requires="p14">
+          <p:contentPart p14:bwMode="auto" r:id="rId75">
+            <p14:nvContentPartPr>
+              <p14:cNvPr id="202" name="Ink 201">
+                <a:extLst>
+                  <a:ext uri="{FF2B5EF4-FFF2-40B4-BE49-F238E27FC236}">
+                    <a16:creationId xmlns:a16="http://schemas.microsoft.com/office/drawing/2014/main" id="{3DA84220-E5BB-40FC-8665-B43A68D871FD}"/>
+                  </a:ext>
+                </a:extLst>
+              </p14:cNvPr>
+              <p14:cNvContentPartPr/>
+              <p14:nvPr/>
+            </p14:nvContentPartPr>
+            <p14:xfrm>
+              <a:off x="10116166" y="1004331"/>
+              <a:ext cx="323640" cy="249480"/>
+            </p14:xfrm>
+          </p:contentPart>
+        </mc:Choice>
+        <mc:Fallback>
+          <p:pic>
+            <p:nvPicPr>
+              <p:cNvPr id="202" name="Ink 201">
+                <a:extLst>
+                  <a:ext uri="{FF2B5EF4-FFF2-40B4-BE49-F238E27FC236}">
+                    <a16:creationId xmlns:a16="http://schemas.microsoft.com/office/drawing/2014/main" id="{3DA84220-E5BB-40FC-8665-B43A68D871FD}"/>
+                  </a:ext>
+                </a:extLst>
+              </p:cNvPr>
+              <p:cNvPicPr/>
+              <p:nvPr/>
+            </p:nvPicPr>
+            <p:blipFill>
+              <a:blip r:embed="rId76"/>
+              <a:stretch>
+                <a:fillRect/>
+              </a:stretch>
+            </p:blipFill>
+            <p:spPr>
+              <a:xfrm>
+                <a:off x="10107186" y="995331"/>
+                <a:ext cx="341241" cy="267120"/>
+              </a:xfrm>
+              <a:prstGeom prst="rect">
+                <a:avLst/>
+              </a:prstGeom>
+            </p:spPr>
+          </p:pic>
+        </mc:Fallback>
+      </mc:AlternateContent>
+      <mc:AlternateContent xmlns:mc="http://schemas.openxmlformats.org/markup-compatibility/2006">
+        <mc:Choice xmlns:p14="http://schemas.microsoft.com/office/powerpoint/2010/main" Requires="p14">
+          <p:contentPart p14:bwMode="auto" r:id="rId77">
+            <p14:nvContentPartPr>
+              <p14:cNvPr id="214" name="Ink 213">
+                <a:extLst>
+                  <a:ext uri="{FF2B5EF4-FFF2-40B4-BE49-F238E27FC236}">
+                    <a16:creationId xmlns:a16="http://schemas.microsoft.com/office/drawing/2014/main" id="{92119DEC-4EA9-4794-A2BC-958BFA7DB2BA}"/>
+                  </a:ext>
+                </a:extLst>
+              </p14:cNvPr>
+              <p14:cNvContentPartPr/>
+              <p14:nvPr/>
+            </p14:nvContentPartPr>
+            <p14:xfrm>
+              <a:off x="6031606" y="4852731"/>
+              <a:ext cx="158400" cy="115200"/>
+            </p14:xfrm>
+          </p:contentPart>
+        </mc:Choice>
+        <mc:Fallback>
+          <p:pic>
+            <p:nvPicPr>
+              <p:cNvPr id="214" name="Ink 213">
+                <a:extLst>
+                  <a:ext uri="{FF2B5EF4-FFF2-40B4-BE49-F238E27FC236}">
+                    <a16:creationId xmlns:a16="http://schemas.microsoft.com/office/drawing/2014/main" id="{92119DEC-4EA9-4794-A2BC-958BFA7DB2BA}"/>
+                  </a:ext>
+                </a:extLst>
+              </p:cNvPr>
+              <p:cNvPicPr/>
+              <p:nvPr/>
+            </p:nvPicPr>
+            <p:blipFill>
+              <a:blip r:embed="rId78"/>
+              <a:stretch>
+                <a:fillRect/>
+              </a:stretch>
+            </p:blipFill>
+            <p:spPr>
+              <a:xfrm>
+                <a:off x="6022606" y="4843731"/>
+                <a:ext cx="176040" cy="132840"/>
+              </a:xfrm>
+              <a:prstGeom prst="rect">
+                <a:avLst/>
+              </a:prstGeom>
+            </p:spPr>
+          </p:pic>
+        </mc:Fallback>
+      </mc:AlternateContent>
+      <mc:AlternateContent xmlns:mc="http://schemas.openxmlformats.org/markup-compatibility/2006">
+        <mc:Choice xmlns:p14="http://schemas.microsoft.com/office/powerpoint/2010/main" Requires="p14">
+          <p:contentPart p14:bwMode="auto" r:id="rId79">
+            <p14:nvContentPartPr>
+              <p14:cNvPr id="215" name="Ink 214">
+                <a:extLst>
+                  <a:ext uri="{FF2B5EF4-FFF2-40B4-BE49-F238E27FC236}">
+                    <a16:creationId xmlns:a16="http://schemas.microsoft.com/office/drawing/2014/main" id="{9497C03F-BF09-46A8-B444-F113A8FEA227}"/>
+                  </a:ext>
+                </a:extLst>
+              </p14:cNvPr>
+              <p14:cNvContentPartPr/>
+              <p14:nvPr/>
+            </p14:nvContentPartPr>
+            <p14:xfrm>
+              <a:off x="4174006" y="4738971"/>
+              <a:ext cx="1629360" cy="428760"/>
+            </p14:xfrm>
+          </p:contentPart>
+        </mc:Choice>
+        <mc:Fallback>
+          <p:pic>
+            <p:nvPicPr>
+              <p:cNvPr id="215" name="Ink 214">
+                <a:extLst>
+                  <a:ext uri="{FF2B5EF4-FFF2-40B4-BE49-F238E27FC236}">
+                    <a16:creationId xmlns:a16="http://schemas.microsoft.com/office/drawing/2014/main" id="{9497C03F-BF09-46A8-B444-F113A8FEA227}"/>
+                  </a:ext>
+                </a:extLst>
+              </p:cNvPr>
+              <p:cNvPicPr/>
+              <p:nvPr/>
+            </p:nvPicPr>
+            <p:blipFill>
+              <a:blip r:embed="rId80"/>
+              <a:stretch>
+                <a:fillRect/>
+              </a:stretch>
+            </p:blipFill>
+            <p:spPr>
+              <a:xfrm>
+                <a:off x="4165006" y="4729971"/>
+                <a:ext cx="1647000" cy="446400"/>
+              </a:xfrm>
+              <a:prstGeom prst="rect">
+                <a:avLst/>
+              </a:prstGeom>
+            </p:spPr>
+          </p:pic>
+        </mc:Fallback>
+      </mc:AlternateContent>
+      <mc:AlternateContent xmlns:mc="http://schemas.openxmlformats.org/markup-compatibility/2006">
+        <mc:Choice xmlns:p14="http://schemas.microsoft.com/office/powerpoint/2010/main" Requires="p14">
+          <p:contentPart p14:bwMode="auto" r:id="rId81">
+            <p14:nvContentPartPr>
+              <p14:cNvPr id="229" name="Ink 228">
+                <a:extLst>
+                  <a:ext uri="{FF2B5EF4-FFF2-40B4-BE49-F238E27FC236}">
+                    <a16:creationId xmlns:a16="http://schemas.microsoft.com/office/drawing/2014/main" id="{DDC6AC85-D46F-466D-9AB6-52337533ECE4}"/>
+                  </a:ext>
+                </a:extLst>
+              </p14:cNvPr>
+              <p14:cNvContentPartPr/>
+              <p14:nvPr/>
+            </p14:nvContentPartPr>
+            <p14:xfrm>
+              <a:off x="6629206" y="4554291"/>
+              <a:ext cx="1389600" cy="475200"/>
+            </p14:xfrm>
+          </p:contentPart>
+        </mc:Choice>
+        <mc:Fallback>
+          <p:pic>
+            <p:nvPicPr>
+              <p:cNvPr id="229" name="Ink 228">
+                <a:extLst>
+                  <a:ext uri="{FF2B5EF4-FFF2-40B4-BE49-F238E27FC236}">
+                    <a16:creationId xmlns:a16="http://schemas.microsoft.com/office/drawing/2014/main" id="{DDC6AC85-D46F-466D-9AB6-52337533ECE4}"/>
+                  </a:ext>
+                </a:extLst>
+              </p:cNvPr>
+              <p:cNvPicPr/>
+              <p:nvPr/>
+            </p:nvPicPr>
+            <p:blipFill>
+              <a:blip r:embed="rId82"/>
+              <a:stretch>
+                <a:fillRect/>
+              </a:stretch>
+            </p:blipFill>
+            <p:spPr>
+              <a:xfrm>
+                <a:off x="6620206" y="4545291"/>
+                <a:ext cx="1407240" cy="492840"/>
+              </a:xfrm>
+              <a:prstGeom prst="rect">
+                <a:avLst/>
+              </a:prstGeom>
+            </p:spPr>
+          </p:pic>
+        </mc:Fallback>
+      </mc:AlternateContent>
+      <mc:AlternateContent xmlns:mc="http://schemas.openxmlformats.org/markup-compatibility/2006">
+        <mc:Choice xmlns:p14="http://schemas.microsoft.com/office/powerpoint/2010/main" Requires="p14">
+          <p:contentPart p14:bwMode="auto" r:id="rId83">
+            <p14:nvContentPartPr>
+              <p14:cNvPr id="249" name="Ink 248">
+                <a:extLst>
+                  <a:ext uri="{FF2B5EF4-FFF2-40B4-BE49-F238E27FC236}">
+                    <a16:creationId xmlns:a16="http://schemas.microsoft.com/office/drawing/2014/main" id="{A12115B0-34DE-4AAF-AFC2-9E0DF859AE5B}"/>
+                  </a:ext>
+                </a:extLst>
+              </p14:cNvPr>
+              <p14:cNvContentPartPr/>
+              <p14:nvPr/>
+            </p14:nvContentPartPr>
+            <p14:xfrm>
+              <a:off x="8528566" y="4308051"/>
+              <a:ext cx="2893320" cy="844560"/>
+            </p14:xfrm>
+          </p:contentPart>
+        </mc:Choice>
+        <mc:Fallback>
+          <p:pic>
+            <p:nvPicPr>
+              <p:cNvPr id="249" name="Ink 248">
+                <a:extLst>
+                  <a:ext uri="{FF2B5EF4-FFF2-40B4-BE49-F238E27FC236}">
+                    <a16:creationId xmlns:a16="http://schemas.microsoft.com/office/drawing/2014/main" id="{A12115B0-34DE-4AAF-AFC2-9E0DF859AE5B}"/>
+                  </a:ext>
+                </a:extLst>
+              </p:cNvPr>
+              <p:cNvPicPr/>
+              <p:nvPr/>
+            </p:nvPicPr>
+            <p:blipFill>
+              <a:blip r:embed="rId84"/>
+              <a:stretch>
+                <a:fillRect/>
+              </a:stretch>
+            </p:blipFill>
+            <p:spPr>
+              <a:xfrm>
+                <a:off x="8519566" y="4299051"/>
+                <a:ext cx="2910960" cy="862200"/>
+              </a:xfrm>
+              <a:prstGeom prst="rect">
+                <a:avLst/>
+              </a:prstGeom>
+            </p:spPr>
+          </p:pic>
+        </mc:Fallback>
+      </mc:AlternateContent>
+      <mc:AlternateContent xmlns:mc="http://schemas.openxmlformats.org/markup-compatibility/2006">
+        <mc:Choice xmlns:p14="http://schemas.microsoft.com/office/powerpoint/2010/main" Requires="p14">
+          <p:contentPart p14:bwMode="auto" r:id="rId85">
+            <p14:nvContentPartPr>
+              <p14:cNvPr id="250" name="Ink 249">
+                <a:extLst>
+                  <a:ext uri="{FF2B5EF4-FFF2-40B4-BE49-F238E27FC236}">
+                    <a16:creationId xmlns:a16="http://schemas.microsoft.com/office/drawing/2014/main" id="{C0D8ED0D-AA94-42EE-BF76-60265595ED55}"/>
+                  </a:ext>
+                </a:extLst>
+              </p14:cNvPr>
+              <p14:cNvContentPartPr/>
+              <p14:nvPr/>
+            </p14:nvContentPartPr>
+            <p14:xfrm>
+              <a:off x="11217766" y="3472851"/>
+              <a:ext cx="177480" cy="97920"/>
+            </p14:xfrm>
+          </p:contentPart>
+        </mc:Choice>
+        <mc:Fallback>
+          <p:pic>
+            <p:nvPicPr>
+              <p:cNvPr id="250" name="Ink 249">
+                <a:extLst>
+                  <a:ext uri="{FF2B5EF4-FFF2-40B4-BE49-F238E27FC236}">
+                    <a16:creationId xmlns:a16="http://schemas.microsoft.com/office/drawing/2014/main" id="{C0D8ED0D-AA94-42EE-BF76-60265595ED55}"/>
+                  </a:ext>
+                </a:extLst>
+              </p:cNvPr>
+              <p:cNvPicPr/>
+              <p:nvPr/>
+            </p:nvPicPr>
+            <p:blipFill>
+              <a:blip r:embed="rId86"/>
+              <a:stretch>
+                <a:fillRect/>
+              </a:stretch>
+            </p:blipFill>
+            <p:spPr>
+              <a:xfrm>
+                <a:off x="11208766" y="3463851"/>
+                <a:ext cx="195120" cy="115560"/>
+              </a:xfrm>
+              <a:prstGeom prst="rect">
+                <a:avLst/>
+              </a:prstGeom>
+            </p:spPr>
+          </p:pic>
+        </mc:Fallback>
+      </mc:AlternateContent>
+      <mc:AlternateContent xmlns:mc="http://schemas.openxmlformats.org/markup-compatibility/2006">
+        <mc:Choice xmlns:p14="http://schemas.microsoft.com/office/powerpoint/2010/main" Requires="p14">
+          <p:contentPart p14:bwMode="auto" r:id="rId87">
+            <p14:nvContentPartPr>
+              <p14:cNvPr id="251" name="Ink 250">
+                <a:extLst>
+                  <a:ext uri="{FF2B5EF4-FFF2-40B4-BE49-F238E27FC236}">
+                    <a16:creationId xmlns:a16="http://schemas.microsoft.com/office/drawing/2014/main" id="{96597ECC-C960-45DB-A601-FF6A7E2BA620}"/>
+                  </a:ext>
+                </a:extLst>
+              </p14:cNvPr>
+              <p14:cNvContentPartPr/>
+              <p14:nvPr/>
+            </p14:nvContentPartPr>
+            <p14:xfrm>
+              <a:off x="9829966" y="5161251"/>
+              <a:ext cx="140760" cy="106920"/>
+            </p14:xfrm>
+          </p:contentPart>
+        </mc:Choice>
+        <mc:Fallback>
+          <p:pic>
+            <p:nvPicPr>
+              <p:cNvPr id="251" name="Ink 250">
+                <a:extLst>
+                  <a:ext uri="{FF2B5EF4-FFF2-40B4-BE49-F238E27FC236}">
+                    <a16:creationId xmlns:a16="http://schemas.microsoft.com/office/drawing/2014/main" id="{96597ECC-C960-45DB-A601-FF6A7E2BA620}"/>
+                  </a:ext>
+                </a:extLst>
+              </p:cNvPr>
+              <p:cNvPicPr/>
+              <p:nvPr/>
+            </p:nvPicPr>
+            <p:blipFill>
+              <a:blip r:embed="rId88"/>
+              <a:stretch>
+                <a:fillRect/>
+              </a:stretch>
+            </p:blipFill>
+            <p:spPr>
+              <a:xfrm>
+                <a:off x="9820966" y="5152251"/>
+                <a:ext cx="158400" cy="124560"/>
+              </a:xfrm>
+              <a:prstGeom prst="rect">
+                <a:avLst/>
+              </a:prstGeom>
+            </p:spPr>
+          </p:pic>
+        </mc:Fallback>
+      </mc:AlternateContent>
+      <mc:AlternateContent xmlns:mc="http://schemas.openxmlformats.org/markup-compatibility/2006">
+        <mc:Choice xmlns:p14="http://schemas.microsoft.com/office/powerpoint/2010/main" Requires="p14">
+          <p:contentPart p14:bwMode="auto" r:id="rId89">
+            <p14:nvContentPartPr>
+              <p14:cNvPr id="262" name="Ink 261">
+                <a:extLst>
+                  <a:ext uri="{FF2B5EF4-FFF2-40B4-BE49-F238E27FC236}">
+                    <a16:creationId xmlns:a16="http://schemas.microsoft.com/office/drawing/2014/main" id="{EA7C57DA-38AB-4C24-BEC8-C15B7D6FF40A}"/>
+                  </a:ext>
+                </a:extLst>
+              </p14:cNvPr>
+              <p14:cNvContentPartPr/>
+              <p14:nvPr/>
+            </p14:nvContentPartPr>
+            <p14:xfrm>
+              <a:off x="1396606" y="5495331"/>
+              <a:ext cx="2164680" cy="290520"/>
+            </p14:xfrm>
+          </p:contentPart>
+        </mc:Choice>
+        <mc:Fallback>
+          <p:pic>
+            <p:nvPicPr>
+              <p:cNvPr id="262" name="Ink 261">
+                <a:extLst>
+                  <a:ext uri="{FF2B5EF4-FFF2-40B4-BE49-F238E27FC236}">
+                    <a16:creationId xmlns:a16="http://schemas.microsoft.com/office/drawing/2014/main" id="{EA7C57DA-38AB-4C24-BEC8-C15B7D6FF40A}"/>
+                  </a:ext>
+                </a:extLst>
+              </p:cNvPr>
+              <p:cNvPicPr/>
+              <p:nvPr/>
+            </p:nvPicPr>
+            <p:blipFill>
+              <a:blip r:embed="rId90"/>
+              <a:stretch>
+                <a:fillRect/>
+              </a:stretch>
+            </p:blipFill>
+            <p:spPr>
+              <a:xfrm>
+                <a:off x="1387606" y="5486331"/>
+                <a:ext cx="2182320" cy="308160"/>
+              </a:xfrm>
+              <a:prstGeom prst="rect">
+                <a:avLst/>
+              </a:prstGeom>
+            </p:spPr>
+          </p:pic>
+        </mc:Fallback>
+      </mc:AlternateContent>
+      <mc:AlternateContent xmlns:mc="http://schemas.openxmlformats.org/markup-compatibility/2006">
+        <mc:Choice xmlns:p14="http://schemas.microsoft.com/office/powerpoint/2010/main" Requires="p14">
+          <p:contentPart p14:bwMode="auto" r:id="rId91">
+            <p14:nvContentPartPr>
+              <p14:cNvPr id="273" name="Ink 272">
+                <a:extLst>
+                  <a:ext uri="{FF2B5EF4-FFF2-40B4-BE49-F238E27FC236}">
+                    <a16:creationId xmlns:a16="http://schemas.microsoft.com/office/drawing/2014/main" id="{D20AE5BA-719B-4E33-96DD-45EE47351CBF}"/>
+                  </a:ext>
+                </a:extLst>
+              </p14:cNvPr>
+              <p14:cNvContentPartPr/>
+              <p14:nvPr/>
+            </p14:nvContentPartPr>
+            <p14:xfrm>
+              <a:off x="3699526" y="5389851"/>
+              <a:ext cx="2253240" cy="439920"/>
+            </p14:xfrm>
+          </p:contentPart>
+        </mc:Choice>
+        <mc:Fallback>
+          <p:pic>
+            <p:nvPicPr>
+              <p:cNvPr id="273" name="Ink 272">
+                <a:extLst>
+                  <a:ext uri="{FF2B5EF4-FFF2-40B4-BE49-F238E27FC236}">
+                    <a16:creationId xmlns:a16="http://schemas.microsoft.com/office/drawing/2014/main" id="{D20AE5BA-719B-4E33-96DD-45EE47351CBF}"/>
+                  </a:ext>
+                </a:extLst>
+              </p:cNvPr>
+              <p:cNvPicPr/>
+              <p:nvPr/>
+            </p:nvPicPr>
+            <p:blipFill>
+              <a:blip r:embed="rId92"/>
+              <a:stretch>
+                <a:fillRect/>
+              </a:stretch>
+            </p:blipFill>
+            <p:spPr>
+              <a:xfrm>
+                <a:off x="3690526" y="5380851"/>
+                <a:ext cx="2270880" cy="457560"/>
+              </a:xfrm>
+              <a:prstGeom prst="rect">
+                <a:avLst/>
+              </a:prstGeom>
+            </p:spPr>
+          </p:pic>
+        </mc:Fallback>
+      </mc:AlternateContent>
+      <mc:AlternateContent xmlns:mc="http://schemas.openxmlformats.org/markup-compatibility/2006">
+        <mc:Choice xmlns:p14="http://schemas.microsoft.com/office/powerpoint/2010/main" Requires="p14">
+          <p:contentPart p14:bwMode="auto" r:id="rId93">
+            <p14:nvContentPartPr>
+              <p14:cNvPr id="288" name="Ink 287">
+                <a:extLst>
+                  <a:ext uri="{FF2B5EF4-FFF2-40B4-BE49-F238E27FC236}">
+                    <a16:creationId xmlns:a16="http://schemas.microsoft.com/office/drawing/2014/main" id="{3FD4FE64-66D1-4790-BBBB-CFFFF7196C10}"/>
+                  </a:ext>
+                </a:extLst>
+              </p14:cNvPr>
+              <p14:cNvContentPartPr/>
+              <p14:nvPr/>
+            </p14:nvContentPartPr>
+            <p14:xfrm>
+              <a:off x="4053406" y="6180411"/>
+              <a:ext cx="158400" cy="144360"/>
+            </p14:xfrm>
+          </p:contentPart>
+        </mc:Choice>
+        <mc:Fallback>
+          <p:pic>
+            <p:nvPicPr>
+              <p:cNvPr id="288" name="Ink 287">
+                <a:extLst>
+                  <a:ext uri="{FF2B5EF4-FFF2-40B4-BE49-F238E27FC236}">
+                    <a16:creationId xmlns:a16="http://schemas.microsoft.com/office/drawing/2014/main" id="{3FD4FE64-66D1-4790-BBBB-CFFFF7196C10}"/>
+                  </a:ext>
+                </a:extLst>
+              </p:cNvPr>
+              <p:cNvPicPr/>
+              <p:nvPr/>
+            </p:nvPicPr>
+            <p:blipFill>
+              <a:blip r:embed="rId94"/>
+              <a:stretch>
+                <a:fillRect/>
+              </a:stretch>
+            </p:blipFill>
+            <p:spPr>
+              <a:xfrm>
+                <a:off x="4044406" y="6171411"/>
+                <a:ext cx="176040" cy="162000"/>
+              </a:xfrm>
+              <a:prstGeom prst="rect">
+                <a:avLst/>
+              </a:prstGeom>
+            </p:spPr>
+          </p:pic>
+        </mc:Fallback>
+      </mc:AlternateContent>
+      <mc:AlternateContent xmlns:mc="http://schemas.openxmlformats.org/markup-compatibility/2006">
+        <mc:Choice xmlns:p14="http://schemas.microsoft.com/office/powerpoint/2010/main" Requires="p14">
+          <p:contentPart p14:bwMode="auto" r:id="rId95">
+            <p14:nvContentPartPr>
+              <p14:cNvPr id="289" name="Ink 288">
+                <a:extLst>
+                  <a:ext uri="{FF2B5EF4-FFF2-40B4-BE49-F238E27FC236}">
+                    <a16:creationId xmlns:a16="http://schemas.microsoft.com/office/drawing/2014/main" id="{03D0AEE2-77BD-4235-BA95-5DB394AEDA97}"/>
+                  </a:ext>
+                </a:extLst>
+              </p14:cNvPr>
+              <p14:cNvContentPartPr/>
+              <p14:nvPr/>
+            </p14:nvContentPartPr>
+            <p14:xfrm>
+              <a:off x="2391286" y="5890971"/>
+              <a:ext cx="1328400" cy="844200"/>
+            </p14:xfrm>
+          </p:contentPart>
+        </mc:Choice>
+        <mc:Fallback>
+          <p:pic>
+            <p:nvPicPr>
+              <p:cNvPr id="289" name="Ink 288">
+                <a:extLst>
+                  <a:ext uri="{FF2B5EF4-FFF2-40B4-BE49-F238E27FC236}">
+                    <a16:creationId xmlns:a16="http://schemas.microsoft.com/office/drawing/2014/main" id="{03D0AEE2-77BD-4235-BA95-5DB394AEDA97}"/>
+                  </a:ext>
+                </a:extLst>
+              </p:cNvPr>
+              <p:cNvPicPr/>
+              <p:nvPr/>
+            </p:nvPicPr>
+            <p:blipFill>
+              <a:blip r:embed="rId96"/>
+              <a:stretch>
+                <a:fillRect/>
+              </a:stretch>
+            </p:blipFill>
+            <p:spPr>
+              <a:xfrm>
+                <a:off x="2382284" y="5881971"/>
+                <a:ext cx="1346045" cy="861840"/>
+              </a:xfrm>
+              <a:prstGeom prst="rect">
+                <a:avLst/>
+              </a:prstGeom>
+            </p:spPr>
+          </p:pic>
+        </mc:Fallback>
+      </mc:AlternateContent>
+      <mc:AlternateContent xmlns:mc="http://schemas.openxmlformats.org/markup-compatibility/2006">
+        <mc:Choice xmlns:p14="http://schemas.microsoft.com/office/powerpoint/2010/main" Requires="p14">
+          <p:contentPart p14:bwMode="auto" r:id="rId97">
+            <p14:nvContentPartPr>
+              <p14:cNvPr id="297" name="Ink 296">
+                <a:extLst>
+                  <a:ext uri="{FF2B5EF4-FFF2-40B4-BE49-F238E27FC236}">
+                    <a16:creationId xmlns:a16="http://schemas.microsoft.com/office/drawing/2014/main" id="{8EA34F99-59E3-408C-8F7C-B23DEFDBD3A3}"/>
+                  </a:ext>
+                </a:extLst>
+              </p14:cNvPr>
+              <p14:cNvContentPartPr/>
+              <p14:nvPr/>
+            </p14:nvContentPartPr>
+            <p14:xfrm>
+              <a:off x="4510606" y="5961171"/>
+              <a:ext cx="1442160" cy="405000"/>
+            </p14:xfrm>
+          </p:contentPart>
+        </mc:Choice>
+        <mc:Fallback>
+          <p:pic>
+            <p:nvPicPr>
+              <p:cNvPr id="297" name="Ink 296">
+                <a:extLst>
+                  <a:ext uri="{FF2B5EF4-FFF2-40B4-BE49-F238E27FC236}">
+                    <a16:creationId xmlns:a16="http://schemas.microsoft.com/office/drawing/2014/main" id="{8EA34F99-59E3-408C-8F7C-B23DEFDBD3A3}"/>
+                  </a:ext>
+                </a:extLst>
+              </p:cNvPr>
+              <p:cNvPicPr/>
+              <p:nvPr/>
+            </p:nvPicPr>
+            <p:blipFill>
+              <a:blip r:embed="rId98"/>
+              <a:stretch>
+                <a:fillRect/>
+              </a:stretch>
+            </p:blipFill>
+            <p:spPr>
+              <a:xfrm>
+                <a:off x="4501606" y="5952171"/>
+                <a:ext cx="1459800" cy="422640"/>
+              </a:xfrm>
+              <a:prstGeom prst="rect">
+                <a:avLst/>
+              </a:prstGeom>
+            </p:spPr>
+          </p:pic>
+        </mc:Fallback>
+      </mc:AlternateContent>
+      <mc:AlternateContent xmlns:mc="http://schemas.openxmlformats.org/markup-compatibility/2006">
+        <mc:Choice xmlns:p14="http://schemas.microsoft.com/office/powerpoint/2010/main" Requires="p14">
+          <p:contentPart p14:bwMode="auto" r:id="rId99">
+            <p14:nvContentPartPr>
+              <p14:cNvPr id="298" name="Ink 297">
+                <a:extLst>
+                  <a:ext uri="{FF2B5EF4-FFF2-40B4-BE49-F238E27FC236}">
+                    <a16:creationId xmlns:a16="http://schemas.microsoft.com/office/drawing/2014/main" id="{6441B9CD-D477-436B-8D55-DB99B80EB49E}"/>
+                  </a:ext>
+                </a:extLst>
+              </p14:cNvPr>
+              <p14:cNvContentPartPr/>
+              <p14:nvPr/>
+            </p14:nvContentPartPr>
+            <p14:xfrm>
+              <a:off x="6277486" y="5511531"/>
+              <a:ext cx="387360" cy="926640"/>
+            </p14:xfrm>
+          </p:contentPart>
+        </mc:Choice>
+        <mc:Fallback>
+          <p:pic>
+            <p:nvPicPr>
+              <p:cNvPr id="298" name="Ink 297">
+                <a:extLst>
+                  <a:ext uri="{FF2B5EF4-FFF2-40B4-BE49-F238E27FC236}">
+                    <a16:creationId xmlns:a16="http://schemas.microsoft.com/office/drawing/2014/main" id="{6441B9CD-D477-436B-8D55-DB99B80EB49E}"/>
+                  </a:ext>
+                </a:extLst>
+              </p:cNvPr>
+              <p:cNvPicPr/>
+              <p:nvPr/>
+            </p:nvPicPr>
+            <p:blipFill>
+              <a:blip r:embed="rId100"/>
+              <a:stretch>
+                <a:fillRect/>
+              </a:stretch>
+            </p:blipFill>
+            <p:spPr>
+              <a:xfrm>
+                <a:off x="6268486" y="5502531"/>
+                <a:ext cx="405000" cy="944280"/>
+              </a:xfrm>
+              <a:prstGeom prst="rect">
+                <a:avLst/>
+              </a:prstGeom>
+            </p:spPr>
+          </p:pic>
+        </mc:Fallback>
+      </mc:AlternateContent>
+      <mc:AlternateContent xmlns:mc="http://schemas.openxmlformats.org/markup-compatibility/2006">
+        <mc:Choice xmlns:p14="http://schemas.microsoft.com/office/powerpoint/2010/main" Requires="p14">
+          <p:contentPart p14:bwMode="auto" r:id="rId101">
+            <p14:nvContentPartPr>
+              <p14:cNvPr id="301" name="Ink 300">
+                <a:extLst>
+                  <a:ext uri="{FF2B5EF4-FFF2-40B4-BE49-F238E27FC236}">
+                    <a16:creationId xmlns:a16="http://schemas.microsoft.com/office/drawing/2014/main" id="{95129F17-A2C2-4AC3-A5E8-7EA3957453DA}"/>
+                  </a:ext>
+                </a:extLst>
+              </p14:cNvPr>
+              <p14:cNvContentPartPr/>
+              <p14:nvPr/>
+            </p14:nvContentPartPr>
+            <p14:xfrm>
+              <a:off x="3991846" y="5846331"/>
+              <a:ext cx="336600" cy="132840"/>
+            </p14:xfrm>
+          </p:contentPart>
+        </mc:Choice>
+        <mc:Fallback>
+          <p:pic>
+            <p:nvPicPr>
+              <p:cNvPr id="301" name="Ink 300">
+                <a:extLst>
+                  <a:ext uri="{FF2B5EF4-FFF2-40B4-BE49-F238E27FC236}">
+                    <a16:creationId xmlns:a16="http://schemas.microsoft.com/office/drawing/2014/main" id="{95129F17-A2C2-4AC3-A5E8-7EA3957453DA}"/>
+                  </a:ext>
+                </a:extLst>
+              </p:cNvPr>
+              <p:cNvPicPr/>
+              <p:nvPr/>
+            </p:nvPicPr>
+            <p:blipFill>
+              <a:blip r:embed="rId102"/>
+              <a:stretch>
+                <a:fillRect/>
+              </a:stretch>
+            </p:blipFill>
+            <p:spPr>
+              <a:xfrm>
+                <a:off x="3982846" y="5837331"/>
+                <a:ext cx="354240" cy="150480"/>
+              </a:xfrm>
+              <a:prstGeom prst="rect">
+                <a:avLst/>
+              </a:prstGeom>
+            </p:spPr>
+          </p:pic>
+        </mc:Fallback>
+      </mc:AlternateContent>
     </p:spTree>
     <p:extLst>
       <p:ext uri="{BB962C8B-B14F-4D97-AF65-F5344CB8AC3E}">
